--- a/trunk/cs848-db/PhysDesignPres.pptx
+++ b/trunk/cs848-db/PhysDesignPres.pptx
@@ -5,7 +5,7 @@
     <p:sldMasterId id="2147483672" r:id="rId1"/>
   </p:sldMasterIdLst>
   <p:notesMasterIdLst>
-    <p:notesMasterId r:id="rId45"/>
+    <p:notesMasterId r:id="rId52"/>
   </p:notesMasterIdLst>
   <p:sldIdLst>
     <p:sldId id="256" r:id="rId2"/>
@@ -31,26 +31,33 @@
     <p:sldId id="275" r:id="rId22"/>
     <p:sldId id="276" r:id="rId23"/>
     <p:sldId id="284" r:id="rId24"/>
-    <p:sldId id="277" r:id="rId25"/>
-    <p:sldId id="278" r:id="rId26"/>
-    <p:sldId id="279" r:id="rId27"/>
-    <p:sldId id="280" r:id="rId28"/>
-    <p:sldId id="281" r:id="rId29"/>
-    <p:sldId id="283" r:id="rId30"/>
-    <p:sldId id="282" r:id="rId31"/>
-    <p:sldId id="286" r:id="rId32"/>
-    <p:sldId id="288" r:id="rId33"/>
-    <p:sldId id="287" r:id="rId34"/>
-    <p:sldId id="289" r:id="rId35"/>
-    <p:sldId id="290" r:id="rId36"/>
-    <p:sldId id="291" r:id="rId37"/>
-    <p:sldId id="294" r:id="rId38"/>
-    <p:sldId id="295" r:id="rId39"/>
-    <p:sldId id="296" r:id="rId40"/>
-    <p:sldId id="292" r:id="rId41"/>
-    <p:sldId id="297" r:id="rId42"/>
-    <p:sldId id="298" r:id="rId43"/>
-    <p:sldId id="293" r:id="rId44"/>
+    <p:sldId id="299" r:id="rId25"/>
+    <p:sldId id="300" r:id="rId26"/>
+    <p:sldId id="305" r:id="rId27"/>
+    <p:sldId id="301" r:id="rId28"/>
+    <p:sldId id="302" r:id="rId29"/>
+    <p:sldId id="303" r:id="rId30"/>
+    <p:sldId id="304" r:id="rId31"/>
+    <p:sldId id="277" r:id="rId32"/>
+    <p:sldId id="278" r:id="rId33"/>
+    <p:sldId id="279" r:id="rId34"/>
+    <p:sldId id="280" r:id="rId35"/>
+    <p:sldId id="281" r:id="rId36"/>
+    <p:sldId id="283" r:id="rId37"/>
+    <p:sldId id="282" r:id="rId38"/>
+    <p:sldId id="286" r:id="rId39"/>
+    <p:sldId id="288" r:id="rId40"/>
+    <p:sldId id="287" r:id="rId41"/>
+    <p:sldId id="289" r:id="rId42"/>
+    <p:sldId id="290" r:id="rId43"/>
+    <p:sldId id="291" r:id="rId44"/>
+    <p:sldId id="294" r:id="rId45"/>
+    <p:sldId id="295" r:id="rId46"/>
+    <p:sldId id="296" r:id="rId47"/>
+    <p:sldId id="292" r:id="rId48"/>
+    <p:sldId id="297" r:id="rId49"/>
+    <p:sldId id="298" r:id="rId50"/>
+    <p:sldId id="293" r:id="rId51"/>
   </p:sldIdLst>
   <p:sldSz cx="9144000" cy="6858000" type="screen4x3"/>
   <p:notesSz cx="6858000" cy="9144000"/>
@@ -2404,7 +2411,7 @@
             <a:fld id="{B77FE1A0-659B-4CF4-8509-2C15FD019BEE}" type="datetimeFigureOut">
               <a:rPr lang="en-US" smtClean="0"/>
               <a:pPr/>
-              <a:t>7/6/2010</a:t>
+              <a:t>7/9/2010</a:t>
             </a:fld>
             <a:endParaRPr lang="en-CA"/>
           </a:p>
@@ -8104,16 +8111,11 @@
               <a:rPr lang="en-CA" dirty="0" smtClean="0"/>
               <a:t>Future Work</a:t>
             </a:r>
-            <a:endParaRPr lang="en-CA" dirty="0" smtClean="0"/>
           </a:p>
           <a:p>
             <a:r>
               <a:rPr lang="en-CA" dirty="0" smtClean="0"/>
-              <a:t>Open </a:t>
-            </a:r>
-            <a:r>
-              <a:rPr lang="en-CA" dirty="0" smtClean="0"/>
-              <a:t>Problems</a:t>
+              <a:t>Open Problems</a:t>
             </a:r>
           </a:p>
           <a:p>
@@ -8795,7 +8797,7 @@
       </p:grpSpPr>
       <p:sp>
         <p:nvSpPr>
-          <p:cNvPr id="7" name="Title 6"/>
+          <p:cNvPr id="2" name="Title 1"/>
           <p:cNvSpPr>
             <a:spLocks noGrp="1"/>
           </p:cNvSpPr>
@@ -8810,7 +8812,7 @@
           <a:p>
             <a:r>
               <a:rPr lang="en-CA" dirty="0" smtClean="0"/>
-              <a:t>XML Databases</a:t>
+              <a:t>Data Warehouses</a:t>
             </a:r>
             <a:endParaRPr lang="en-CA" dirty="0"/>
           </a:p>
@@ -8818,7 +8820,7 @@
       </p:sp>
       <p:sp>
         <p:nvSpPr>
-          <p:cNvPr id="9" name="Content Placeholder 8"/>
+          <p:cNvPr id="3" name="Content Placeholder 2"/>
           <p:cNvSpPr>
             <a:spLocks noGrp="1"/>
           </p:cNvSpPr>
@@ -8828,34 +8830,70 @@
         </p:nvSpPr>
         <p:spPr/>
         <p:txBody>
-          <a:bodyPr/>
+          <a:bodyPr>
+            <a:normAutofit/>
+          </a:bodyPr>
           <a:lstStyle/>
           <a:p>
             <a:r>
               <a:rPr lang="en-CA" dirty="0" smtClean="0"/>
-              <a:t>XML-enabled DBs:</a:t>
-            </a:r>
-          </a:p>
-          <a:p>
-            <a:pPr lvl="2"/>
+              <a:t>Collection of data and decision support technologies</a:t>
+            </a:r>
+          </a:p>
+          <a:p>
             <a:r>
               <a:rPr lang="en-CA" dirty="0" smtClean="0"/>
-              <a:t>Maps XML documents to relational tables</a:t>
-            </a:r>
-          </a:p>
-          <a:p>
+              <a:t>Used in:</a:t>
+            </a:r>
+          </a:p>
+          <a:p>
+            <a:pPr lvl="2">
+              <a:buClr>
+                <a:srgbClr val="E66C7D"/>
+              </a:buClr>
+            </a:pPr>
             <a:r>
               <a:rPr lang="en-CA" dirty="0" smtClean="0"/>
-              <a:t>Native XML DBs:</a:t>
-            </a:r>
-          </a:p>
-          <a:p>
-            <a:pPr lvl="2"/>
+              <a:t>Retail: user profiling</a:t>
+            </a:r>
+          </a:p>
+          <a:p>
+            <a:pPr lvl="2">
+              <a:buClr>
+                <a:srgbClr val="E66C7D"/>
+              </a:buClr>
+            </a:pPr>
             <a:r>
               <a:rPr lang="en-CA" dirty="0" smtClean="0"/>
-              <a:t>Data structures store actual XML</a:t>
-            </a:r>
-            <a:endParaRPr lang="en-CA" dirty="0"/>
+              <a:t>Finance: claims </a:t>
+            </a:r>
+            <a:r>
+              <a:rPr lang="en-CA" dirty="0" smtClean="0"/>
+              <a:t>analysis, risk analysis, credit </a:t>
+            </a:r>
+            <a:r>
+              <a:rPr lang="en-CA" dirty="0" smtClean="0"/>
+              <a:t>card analysis</a:t>
+            </a:r>
+            <a:r>
+              <a:rPr lang="en-CA" dirty="0" smtClean="0"/>
+              <a:t>, and fraud </a:t>
+            </a:r>
+            <a:r>
+              <a:rPr lang="en-CA" dirty="0" smtClean="0"/>
+              <a:t>detection</a:t>
+            </a:r>
+          </a:p>
+          <a:p>
+            <a:pPr lvl="2">
+              <a:buClr>
+                <a:srgbClr val="E66C7D"/>
+              </a:buClr>
+            </a:pPr>
+            <a:r>
+              <a:rPr lang="en-CA" dirty="0" smtClean="0"/>
+              <a:t>Healthcare: outcomes analysis</a:t>
+            </a:r>
           </a:p>
         </p:txBody>
       </p:sp>
@@ -8956,7 +8994,7 @@
       </p:grpSpPr>
       <p:sp>
         <p:nvSpPr>
-          <p:cNvPr id="7" name="Title 6"/>
+          <p:cNvPr id="2" name="Title 1"/>
           <p:cNvSpPr>
             <a:spLocks noGrp="1"/>
           </p:cNvSpPr>
@@ -8971,7 +9009,7 @@
           <a:p>
             <a:r>
               <a:rPr lang="en-CA" dirty="0" smtClean="0"/>
-              <a:t>XML DBs: Indexes</a:t>
+              <a:t>DW: Challenges</a:t>
             </a:r>
             <a:endParaRPr lang="en-CA" dirty="0"/>
           </a:p>
@@ -8979,7 +9017,7 @@
       </p:sp>
       <p:sp>
         <p:nvSpPr>
-          <p:cNvPr id="8" name="Content Placeholder 7"/>
+          <p:cNvPr id="3" name="Content Placeholder 2"/>
           <p:cNvSpPr>
             <a:spLocks noGrp="1"/>
           </p:cNvSpPr>
@@ -8989,27 +9027,73 @@
         </p:nvSpPr>
         <p:spPr/>
         <p:txBody>
-          <a:bodyPr/>
+          <a:bodyPr>
+            <a:normAutofit/>
+          </a:bodyPr>
           <a:lstStyle/>
           <a:p>
             <a:r>
               <a:rPr lang="en-CA" dirty="0" smtClean="0"/>
-              <a:t>Same index structures can be used</a:t>
-            </a:r>
-          </a:p>
-          <a:p>
+              <a:t>Data is usually</a:t>
+            </a:r>
+          </a:p>
+          <a:p>
+            <a:pPr lvl="2"/>
             <a:r>
               <a:rPr lang="en-CA" dirty="0" smtClean="0"/>
-              <a:t>Need adjustments</a:t>
+              <a:t>Extremely large</a:t>
             </a:r>
           </a:p>
           <a:p>
             <a:pPr lvl="2"/>
             <a:r>
               <a:rPr lang="en-CA" dirty="0" smtClean="0"/>
-              <a:t>Need a numbering schema for the XML nodes</a:t>
-            </a:r>
-            <a:endParaRPr lang="en-CA" dirty="0"/>
+              <a:t>Multi-dimensional</a:t>
+            </a:r>
+          </a:p>
+          <a:p>
+            <a:r>
+              <a:rPr lang="en-CA" dirty="0" smtClean="0"/>
+              <a:t>Priority for aggregated and summarized data</a:t>
+            </a:r>
+          </a:p>
+          <a:p>
+            <a:r>
+              <a:rPr lang="en-CA" dirty="0" smtClean="0"/>
+              <a:t>Ad-hoc and complex queries</a:t>
+            </a:r>
+          </a:p>
+          <a:p>
+            <a:r>
+              <a:rPr lang="en-CA" dirty="0" smtClean="0"/>
+              <a:t>Expensive operations: aggregation, and joins</a:t>
+            </a:r>
+          </a:p>
+          <a:p>
+            <a:pPr lvl="2"/>
+            <a:r>
+              <a:rPr lang="en-CA" dirty="0" smtClean="0"/>
+              <a:t>the fact </a:t>
+            </a:r>
+            <a:r>
+              <a:rPr lang="en-CA" dirty="0" smtClean="0"/>
+              <a:t>table participates </a:t>
+            </a:r>
+            <a:r>
+              <a:rPr lang="en-CA" dirty="0" smtClean="0"/>
+              <a:t>in every </a:t>
+            </a:r>
+            <a:r>
+              <a:rPr lang="en-CA" dirty="0" smtClean="0"/>
+              <a:t>join</a:t>
+            </a:r>
+          </a:p>
+          <a:p>
+            <a:r>
+              <a:rPr lang="en-CA" dirty="0" smtClean="0"/>
+              <a:t>Figure ??</a:t>
+            </a:r>
+            <a:endParaRPr lang="en-CA" dirty="0" smtClean="0"/>
           </a:p>
         </p:txBody>
       </p:sp>
@@ -9125,7 +9209,7 @@
           <a:p>
             <a:r>
               <a:rPr lang="en-CA" dirty="0" smtClean="0"/>
-              <a:t>XML DBs: Materialized Views</a:t>
+              <a:t>DW: Indexes</a:t>
             </a:r>
             <a:endParaRPr lang="en-CA" dirty="0"/>
           </a:p>
@@ -9143,10 +9227,12 @@
         </p:nvSpPr>
         <p:spPr/>
         <p:txBody>
-          <a:bodyPr/>
-          <a:lstStyle/>
-          <a:p>
-            <a:endParaRPr lang="en-CA"/>
+          <a:bodyPr>
+            <a:normAutofit/>
+          </a:bodyPr>
+          <a:lstStyle/>
+          <a:p>
+            <a:endParaRPr lang="en-CA" dirty="0" smtClean="0"/>
           </a:p>
         </p:txBody>
       </p:sp>
@@ -9262,11 +9348,7 @@
           <a:p>
             <a:r>
               <a:rPr lang="en-CA" dirty="0" smtClean="0"/>
-              <a:t>XML DBs: </a:t>
-            </a:r>
-            <a:r>
-              <a:rPr lang="en-CA" dirty="0" err="1" smtClean="0"/>
-              <a:t>Paritioning</a:t>
+              <a:t>DW: Materialized Views</a:t>
             </a:r>
             <a:endParaRPr lang="en-CA" dirty="0"/>
           </a:p>
@@ -9284,10 +9366,12 @@
         </p:nvSpPr>
         <p:spPr/>
         <p:txBody>
-          <a:bodyPr/>
-          <a:lstStyle/>
-          <a:p>
-            <a:endParaRPr lang="en-CA"/>
+          <a:bodyPr>
+            <a:normAutofit/>
+          </a:bodyPr>
+          <a:lstStyle/>
+          <a:p>
+            <a:endParaRPr lang="en-CA" dirty="0" smtClean="0"/>
           </a:p>
         </p:txBody>
       </p:sp>
@@ -9403,7 +9487,7 @@
           <a:p>
             <a:r>
               <a:rPr lang="en-CA" dirty="0" smtClean="0"/>
-              <a:t>XML DBs: Clustering</a:t>
+              <a:t>DW: Partitioning</a:t>
             </a:r>
             <a:endParaRPr lang="en-CA" dirty="0"/>
           </a:p>
@@ -9421,10 +9505,12 @@
         </p:nvSpPr>
         <p:spPr/>
         <p:txBody>
-          <a:bodyPr/>
-          <a:lstStyle/>
-          <a:p>
-            <a:endParaRPr lang="en-CA"/>
+          <a:bodyPr>
+            <a:normAutofit/>
+          </a:bodyPr>
+          <a:lstStyle/>
+          <a:p>
+            <a:endParaRPr lang="en-CA" dirty="0" smtClean="0"/>
           </a:p>
         </p:txBody>
       </p:sp>
@@ -9540,7 +9626,7 @@
           <a:p>
             <a:r>
               <a:rPr lang="en-CA" dirty="0" smtClean="0"/>
-              <a:t>XML DBs: Summary</a:t>
+              <a:t>DW: Clustering</a:t>
             </a:r>
             <a:endParaRPr lang="en-CA" dirty="0"/>
           </a:p>
@@ -9558,10 +9644,12 @@
         </p:nvSpPr>
         <p:spPr/>
         <p:txBody>
-          <a:bodyPr/>
-          <a:lstStyle/>
-          <a:p>
-            <a:endParaRPr lang="en-CA"/>
+          <a:bodyPr>
+            <a:normAutofit/>
+          </a:bodyPr>
+          <a:lstStyle/>
+          <a:p>
+            <a:endParaRPr lang="en-CA" dirty="0" smtClean="0"/>
           </a:p>
         </p:txBody>
       </p:sp>
@@ -9860,7 +9948,7 @@
           <a:p>
             <a:r>
               <a:rPr lang="en-CA" dirty="0" smtClean="0"/>
-              <a:t>Data Warehouses</a:t>
+              <a:t>DW: Summary</a:t>
             </a:r>
             <a:endParaRPr lang="en-CA" dirty="0"/>
           </a:p>
@@ -9878,29 +9966,12 @@
         </p:nvSpPr>
         <p:spPr/>
         <p:txBody>
-          <a:bodyPr/>
-          <a:lstStyle/>
-          <a:p>
-            <a:r>
-              <a:rPr lang="en-CA" dirty="0" err="1" smtClean="0"/>
-              <a:t>Targetted</a:t>
-            </a:r>
-            <a:r>
-              <a:rPr lang="en-CA" dirty="0" smtClean="0"/>
-              <a:t> for decision support systems</a:t>
-            </a:r>
-          </a:p>
-          <a:p>
-            <a:r>
-              <a:rPr lang="en-CA" dirty="0" smtClean="0"/>
-              <a:t>Intense complex queries workload</a:t>
-            </a:r>
-          </a:p>
+          <a:bodyPr>
+            <a:normAutofit/>
+          </a:bodyPr>
+          <a:lstStyle/>
           <a:p>
             <a:endParaRPr lang="en-CA" dirty="0" smtClean="0"/>
-          </a:p>
-          <a:p>
-            <a:endParaRPr lang="en-CA" dirty="0"/>
           </a:p>
         </p:txBody>
       </p:sp>
@@ -10001,7 +10072,7 @@
       </p:grpSpPr>
       <p:sp>
         <p:nvSpPr>
-          <p:cNvPr id="2" name="Title 1"/>
+          <p:cNvPr id="7" name="Title 6"/>
           <p:cNvSpPr>
             <a:spLocks noGrp="1"/>
           </p:cNvSpPr>
@@ -10016,7 +10087,7 @@
           <a:p>
             <a:r>
               <a:rPr lang="en-CA" dirty="0" smtClean="0"/>
-              <a:t>Data Warehouses: Indexes</a:t>
+              <a:t>XML Databases</a:t>
             </a:r>
             <a:endParaRPr lang="en-CA" dirty="0"/>
           </a:p>
@@ -10024,7 +10095,7 @@
       </p:sp>
       <p:sp>
         <p:nvSpPr>
-          <p:cNvPr id="3" name="Content Placeholder 2"/>
+          <p:cNvPr id="9" name="Content Placeholder 8"/>
           <p:cNvSpPr>
             <a:spLocks noGrp="1"/>
           </p:cNvSpPr>
@@ -10039,60 +10110,27 @@
           <a:p>
             <a:r>
               <a:rPr lang="en-CA" dirty="0" smtClean="0"/>
-              <a:t>Tree-based Indexes:</a:t>
+              <a:t>XML-enabled DBs:</a:t>
             </a:r>
           </a:p>
           <a:p>
             <a:pPr lvl="2"/>
             <a:r>
               <a:rPr lang="en-CA" dirty="0" smtClean="0"/>
-              <a:t>B-trees</a:t>
+              <a:t>Maps XML documents to relational tables</a:t>
+            </a:r>
+          </a:p>
+          <a:p>
+            <a:r>
+              <a:rPr lang="en-CA" dirty="0" smtClean="0"/>
+              <a:t>Native XML DBs:</a:t>
             </a:r>
           </a:p>
           <a:p>
             <a:pPr lvl="2"/>
             <a:r>
               <a:rPr lang="en-CA" dirty="0" smtClean="0"/>
-              <a:t>R-trees</a:t>
-            </a:r>
-          </a:p>
-          <a:p>
-            <a:pPr lvl="2"/>
-            <a:r>
-              <a:rPr lang="en-CA" dirty="0" smtClean="0"/>
-              <a:t>K-D-B tree</a:t>
-            </a:r>
-          </a:p>
-          <a:p>
-            <a:pPr lvl="2"/>
-            <a:r>
-              <a:rPr lang="en-CA" dirty="0" smtClean="0"/>
-              <a:t>BV-tee</a:t>
-            </a:r>
-          </a:p>
-          <a:p>
-            <a:pPr lvl="2"/>
-            <a:r>
-              <a:rPr lang="en-CA" dirty="0" smtClean="0"/>
-              <a:t>UB-tree</a:t>
-            </a:r>
-          </a:p>
-          <a:p>
-            <a:r>
-              <a:rPr lang="en-CA" dirty="0" smtClean="0"/>
-              <a:t>Bitmapped Join Indexes</a:t>
-            </a:r>
-          </a:p>
-          <a:p>
-            <a:r>
-              <a:rPr lang="en-CA" dirty="0" smtClean="0"/>
-              <a:t>Projection Indexes</a:t>
-            </a:r>
-          </a:p>
-          <a:p>
-            <a:r>
-              <a:rPr lang="en-CA" dirty="0" smtClean="0"/>
-              <a:t>Bit-sliced Indexes</a:t>
+              <a:t>Data structures store actual XML</a:t>
             </a:r>
             <a:endParaRPr lang="en-CA" dirty="0"/>
           </a:p>
@@ -10195,7 +10233,7 @@
       </p:grpSpPr>
       <p:sp>
         <p:nvSpPr>
-          <p:cNvPr id="2" name="Title 1"/>
+          <p:cNvPr id="7" name="Title 6"/>
           <p:cNvSpPr>
             <a:spLocks noGrp="1"/>
           </p:cNvSpPr>
@@ -10205,14 +10243,12 @@
         </p:nvSpPr>
         <p:spPr/>
         <p:txBody>
-          <a:bodyPr>
-            <a:normAutofit fontScale="90000"/>
-          </a:bodyPr>
+          <a:bodyPr/>
           <a:lstStyle/>
           <a:p>
             <a:r>
               <a:rPr lang="en-CA" dirty="0" smtClean="0"/>
-              <a:t>Data Warehouses: Materialized Views</a:t>
+              <a:t>XML DBs: Indexes</a:t>
             </a:r>
             <a:endParaRPr lang="en-CA" dirty="0"/>
           </a:p>
@@ -10220,7 +10256,7 @@
       </p:sp>
       <p:sp>
         <p:nvSpPr>
-          <p:cNvPr id="3" name="Content Placeholder 2"/>
+          <p:cNvPr id="8" name="Content Placeholder 7"/>
           <p:cNvSpPr>
             <a:spLocks noGrp="1"/>
           </p:cNvSpPr>
@@ -10233,7 +10269,24 @@
           <a:bodyPr/>
           <a:lstStyle/>
           <a:p>
-            <a:endParaRPr lang="en-CA"/>
+            <a:r>
+              <a:rPr lang="en-CA" dirty="0" smtClean="0"/>
+              <a:t>Same index structures can be used</a:t>
+            </a:r>
+          </a:p>
+          <a:p>
+            <a:r>
+              <a:rPr lang="en-CA" dirty="0" smtClean="0"/>
+              <a:t>Need adjustments</a:t>
+            </a:r>
+          </a:p>
+          <a:p>
+            <a:pPr lvl="2"/>
+            <a:r>
+              <a:rPr lang="en-CA" dirty="0" smtClean="0"/>
+              <a:t>Need a numbering schema for the XML nodes</a:t>
+            </a:r>
+            <a:endParaRPr lang="en-CA" dirty="0"/>
           </a:p>
         </p:txBody>
       </p:sp>
@@ -10349,7 +10402,7 @@
           <a:p>
             <a:r>
               <a:rPr lang="en-CA" dirty="0" smtClean="0"/>
-              <a:t>Data Warehouses: Partitioning</a:t>
+              <a:t>XML DBs: Materialized Views</a:t>
             </a:r>
             <a:endParaRPr lang="en-CA" dirty="0"/>
           </a:p>
@@ -10486,7 +10539,11 @@
           <a:p>
             <a:r>
               <a:rPr lang="en-CA" dirty="0" smtClean="0"/>
-              <a:t>Data Warehouses: Clustering</a:t>
+              <a:t>XML DBs: </a:t>
+            </a:r>
+            <a:r>
+              <a:rPr lang="en-CA" dirty="0" err="1" smtClean="0"/>
+              <a:t>Paritioning</a:t>
             </a:r>
             <a:endParaRPr lang="en-CA" dirty="0"/>
           </a:p>
@@ -10623,7 +10680,7 @@
           <a:p>
             <a:r>
               <a:rPr lang="en-CA" dirty="0" smtClean="0"/>
-              <a:t>Data Warehouses: Summary </a:t>
+              <a:t>XML DBs: Clustering</a:t>
             </a:r>
             <a:endParaRPr lang="en-CA" dirty="0"/>
           </a:p>
@@ -10644,11 +10701,7 @@
           <a:bodyPr/>
           <a:lstStyle/>
           <a:p>
-            <a:r>
-              <a:rPr lang="en-CA" dirty="0" smtClean="0"/>
-              <a:t>Summary Figure</a:t>
-            </a:r>
-            <a:endParaRPr lang="en-CA" dirty="0"/>
+            <a:endParaRPr lang="en-CA"/>
           </a:p>
         </p:txBody>
       </p:sp>
@@ -10749,7 +10802,7 @@
       </p:grpSpPr>
       <p:sp>
         <p:nvSpPr>
-          <p:cNvPr id="7" name="Title 6"/>
+          <p:cNvPr id="2" name="Title 1"/>
           <p:cNvSpPr>
             <a:spLocks noGrp="1"/>
           </p:cNvSpPr>
@@ -10764,7 +10817,7 @@
           <a:p>
             <a:r>
               <a:rPr lang="en-CA" dirty="0" smtClean="0"/>
-              <a:t>Future Work &amp; Open Problems</a:t>
+              <a:t>XML DBs: Summary</a:t>
             </a:r>
             <a:endParaRPr lang="en-CA" dirty="0"/>
           </a:p>
@@ -10772,12 +10825,12 @@
       </p:sp>
       <p:sp>
         <p:nvSpPr>
-          <p:cNvPr id="8" name="Text Placeholder 7"/>
-          <p:cNvSpPr>
-            <a:spLocks noGrp="1"/>
-          </p:cNvSpPr>
-          <p:nvPr>
-            <p:ph type="body" idx="1"/>
+          <p:cNvPr id="3" name="Content Placeholder 2"/>
+          <p:cNvSpPr>
+            <a:spLocks noGrp="1"/>
+          </p:cNvSpPr>
+          <p:nvPr>
+            <p:ph idx="1"/>
           </p:nvPr>
         </p:nvSpPr>
         <p:spPr/>
@@ -10886,7 +10939,7 @@
       </p:grpSpPr>
       <p:sp>
         <p:nvSpPr>
-          <p:cNvPr id="7" name="Title 6"/>
+          <p:cNvPr id="2" name="Title 1"/>
           <p:cNvSpPr>
             <a:spLocks noGrp="1"/>
           </p:cNvSpPr>
@@ -10901,7 +10954,7 @@
           <a:p>
             <a:r>
               <a:rPr lang="en-CA" dirty="0" smtClean="0"/>
-              <a:t>Future Work</a:t>
+              <a:t>Data Warehouses</a:t>
             </a:r>
             <a:endParaRPr lang="en-CA" dirty="0"/>
           </a:p>
@@ -10909,7 +10962,7 @@
       </p:sp>
       <p:sp>
         <p:nvSpPr>
-          <p:cNvPr id="8" name="Content Placeholder 7"/>
+          <p:cNvPr id="3" name="Content Placeholder 2"/>
           <p:cNvSpPr>
             <a:spLocks noGrp="1"/>
           </p:cNvSpPr>
@@ -10923,9 +10976,24 @@
           <a:lstStyle/>
           <a:p>
             <a:r>
+              <a:rPr lang="en-CA" dirty="0" err="1" smtClean="0"/>
+              <a:t>Targetted</a:t>
+            </a:r>
+            <a:r>
               <a:rPr lang="en-CA" dirty="0" smtClean="0"/>
-              <a:t>Looking at automating physical design (put some examples of work here and say its time permitting)</a:t>
-            </a:r>
+              <a:t> for decision support systems</a:t>
+            </a:r>
+          </a:p>
+          <a:p>
+            <a:r>
+              <a:rPr lang="en-CA" dirty="0" smtClean="0"/>
+              <a:t>Intense complex queries workload</a:t>
+            </a:r>
+          </a:p>
+          <a:p>
+            <a:endParaRPr lang="en-CA" dirty="0" smtClean="0"/>
+          </a:p>
+          <a:p>
             <a:endParaRPr lang="en-CA" dirty="0"/>
           </a:p>
         </p:txBody>
@@ -11037,14 +11105,12 @@
         </p:nvSpPr>
         <p:spPr/>
         <p:txBody>
-          <a:bodyPr>
-            <a:normAutofit fontScale="90000"/>
-          </a:bodyPr>
+          <a:bodyPr/>
           <a:lstStyle/>
           <a:p>
             <a:r>
               <a:rPr lang="en-CA" dirty="0" smtClean="0"/>
-              <a:t>Open Problems in Physical Design</a:t>
+              <a:t>Data Warehouses: Indexes</a:t>
             </a:r>
             <a:endParaRPr lang="en-CA" dirty="0"/>
           </a:p>
@@ -11052,7 +11118,7 @@
       </p:sp>
       <p:sp>
         <p:nvSpPr>
-          <p:cNvPr id="8" name="Content Placeholder 7"/>
+          <p:cNvPr id="3" name="Content Placeholder 2"/>
           <p:cNvSpPr>
             <a:spLocks noGrp="1"/>
           </p:cNvSpPr>
@@ -11065,7 +11131,64 @@
           <a:bodyPr/>
           <a:lstStyle/>
           <a:p>
-            <a:endParaRPr lang="en-CA"/>
+            <a:r>
+              <a:rPr lang="en-CA" dirty="0" smtClean="0"/>
+              <a:t>Tree-based Indexes:</a:t>
+            </a:r>
+          </a:p>
+          <a:p>
+            <a:pPr lvl="2"/>
+            <a:r>
+              <a:rPr lang="en-CA" dirty="0" smtClean="0"/>
+              <a:t>B-trees</a:t>
+            </a:r>
+          </a:p>
+          <a:p>
+            <a:pPr lvl="2"/>
+            <a:r>
+              <a:rPr lang="en-CA" dirty="0" smtClean="0"/>
+              <a:t>R-trees</a:t>
+            </a:r>
+          </a:p>
+          <a:p>
+            <a:pPr lvl="2"/>
+            <a:r>
+              <a:rPr lang="en-CA" dirty="0" smtClean="0"/>
+              <a:t>K-D-B tree</a:t>
+            </a:r>
+          </a:p>
+          <a:p>
+            <a:pPr lvl="2"/>
+            <a:r>
+              <a:rPr lang="en-CA" dirty="0" smtClean="0"/>
+              <a:t>BV-tee</a:t>
+            </a:r>
+          </a:p>
+          <a:p>
+            <a:pPr lvl="2"/>
+            <a:r>
+              <a:rPr lang="en-CA" dirty="0" smtClean="0"/>
+              <a:t>UB-tree</a:t>
+            </a:r>
+          </a:p>
+          <a:p>
+            <a:r>
+              <a:rPr lang="en-CA" dirty="0" smtClean="0"/>
+              <a:t>Bitmapped Join Indexes</a:t>
+            </a:r>
+          </a:p>
+          <a:p>
+            <a:r>
+              <a:rPr lang="en-CA" dirty="0" smtClean="0"/>
+              <a:t>Projection Indexes</a:t>
+            </a:r>
+          </a:p>
+          <a:p>
+            <a:r>
+              <a:rPr lang="en-CA" dirty="0" smtClean="0"/>
+              <a:t>Bit-sliced Indexes</a:t>
+            </a:r>
+            <a:endParaRPr lang="en-CA" dirty="0"/>
           </a:p>
         </p:txBody>
       </p:sp>
@@ -11166,7 +11289,7 @@
       </p:grpSpPr>
       <p:sp>
         <p:nvSpPr>
-          <p:cNvPr id="7" name="Title 6"/>
+          <p:cNvPr id="2" name="Title 1"/>
           <p:cNvSpPr>
             <a:spLocks noGrp="1"/>
           </p:cNvSpPr>
@@ -11176,12 +11299,14 @@
         </p:nvSpPr>
         <p:spPr/>
         <p:txBody>
-          <a:bodyPr/>
+          <a:bodyPr>
+            <a:normAutofit fontScale="90000"/>
+          </a:bodyPr>
           <a:lstStyle/>
           <a:p>
             <a:r>
               <a:rPr lang="en-CA" dirty="0" smtClean="0"/>
-              <a:t>Summary &amp; Conclusions</a:t>
+              <a:t>Data Warehouses: Materialized Views</a:t>
             </a:r>
             <a:endParaRPr lang="en-CA" dirty="0"/>
           </a:p>
@@ -11189,12 +11314,12 @@
       </p:sp>
       <p:sp>
         <p:nvSpPr>
-          <p:cNvPr id="8" name="Text Placeholder 7"/>
-          <p:cNvSpPr>
-            <a:spLocks noGrp="1"/>
-          </p:cNvSpPr>
-          <p:nvPr>
-            <p:ph type="body" idx="1"/>
+          <p:cNvPr id="3" name="Content Placeholder 2"/>
+          <p:cNvSpPr>
+            <a:spLocks noGrp="1"/>
+          </p:cNvSpPr>
+          <p:nvPr>
+            <p:ph idx="1"/>
           </p:nvPr>
         </p:nvSpPr>
         <p:spPr/>
@@ -11440,6 +11565,48 @@
       </p:grpSpPr>
       <p:sp>
         <p:nvSpPr>
+          <p:cNvPr id="2" name="Title 1"/>
+          <p:cNvSpPr>
+            <a:spLocks noGrp="1"/>
+          </p:cNvSpPr>
+          <p:nvPr>
+            <p:ph type="title"/>
+          </p:nvPr>
+        </p:nvSpPr>
+        <p:spPr/>
+        <p:txBody>
+          <a:bodyPr/>
+          <a:lstStyle/>
+          <a:p>
+            <a:r>
+              <a:rPr lang="en-CA" dirty="0" smtClean="0"/>
+              <a:t>Data Warehouses: Partitioning</a:t>
+            </a:r>
+            <a:endParaRPr lang="en-CA" dirty="0"/>
+          </a:p>
+        </p:txBody>
+      </p:sp>
+      <p:sp>
+        <p:nvSpPr>
+          <p:cNvPr id="3" name="Content Placeholder 2"/>
+          <p:cNvSpPr>
+            <a:spLocks noGrp="1"/>
+          </p:cNvSpPr>
+          <p:nvPr>
+            <p:ph idx="1"/>
+          </p:nvPr>
+        </p:nvSpPr>
+        <p:spPr/>
+        <p:txBody>
+          <a:bodyPr/>
+          <a:lstStyle/>
+          <a:p>
+            <a:endParaRPr lang="en-CA"/>
+          </a:p>
+        </p:txBody>
+      </p:sp>
+      <p:sp>
+        <p:nvSpPr>
           <p:cNvPr id="4" name="Date Placeholder 3"/>
           <p:cNvSpPr>
             <a:spLocks noGrp="1"/>
@@ -11505,36 +11672,6 @@
               <a:t>40</a:t>
             </a:fld>
             <a:endParaRPr lang="en-CA"/>
-          </a:p>
-        </p:txBody>
-      </p:sp>
-      <p:sp>
-        <p:nvSpPr>
-          <p:cNvPr id="10" name="TextBox 9"/>
-          <p:cNvSpPr txBox="1"/>
-          <p:nvPr/>
-        </p:nvSpPr>
-        <p:spPr>
-          <a:xfrm>
-            <a:off x="857224" y="1571612"/>
-            <a:ext cx="2201244" cy="369332"/>
-          </a:xfrm>
-          <a:prstGeom prst="rect">
-            <a:avLst/>
-          </a:prstGeom>
-          <a:noFill/>
-        </p:spPr>
-        <p:txBody>
-          <a:bodyPr wrap="none" rtlCol="0">
-            <a:spAutoFit/>
-          </a:bodyPr>
-          <a:lstStyle/>
-          <a:p>
-            <a:r>
-              <a:rPr lang="en-CA" dirty="0" smtClean="0"/>
-              <a:t>Big summary table(s)</a:t>
-            </a:r>
-            <a:endParaRPr lang="en-CA" dirty="0"/>
           </a:p>
         </p:txBody>
       </p:sp>
@@ -11565,7 +11702,7 @@
       </p:grpSpPr>
       <p:sp>
         <p:nvSpPr>
-          <p:cNvPr id="5" name="Title 4"/>
+          <p:cNvPr id="2" name="Title 1"/>
           <p:cNvSpPr>
             <a:spLocks noGrp="1"/>
           </p:cNvSpPr>
@@ -11580,7 +11717,7 @@
           <a:p>
             <a:r>
               <a:rPr lang="en-CA" dirty="0" smtClean="0"/>
-              <a:t>Conclusions</a:t>
+              <a:t>Data Warehouses: Clustering</a:t>
             </a:r>
             <a:endParaRPr lang="en-CA" dirty="0"/>
           </a:p>
@@ -11588,7 +11725,7 @@
       </p:sp>
       <p:sp>
         <p:nvSpPr>
-          <p:cNvPr id="6" name="Content Placeholder 5"/>
+          <p:cNvPr id="3" name="Content Placeholder 2"/>
           <p:cNvSpPr>
             <a:spLocks noGrp="1"/>
           </p:cNvSpPr>
@@ -11607,7 +11744,7 @@
       </p:sp>
       <p:sp>
         <p:nvSpPr>
-          <p:cNvPr id="2" name="Date Placeholder 1"/>
+          <p:cNvPr id="4" name="Date Placeholder 3"/>
           <p:cNvSpPr>
             <a:spLocks noGrp="1"/>
           </p:cNvSpPr>
@@ -11630,7 +11767,7 @@
       </p:sp>
       <p:sp>
         <p:nvSpPr>
-          <p:cNvPr id="3" name="Footer Placeholder 2"/>
+          <p:cNvPr id="5" name="Footer Placeholder 4"/>
           <p:cNvSpPr>
             <a:spLocks noGrp="1"/>
           </p:cNvSpPr>
@@ -11653,7 +11790,7 @@
       </p:sp>
       <p:sp>
         <p:nvSpPr>
-          <p:cNvPr id="4" name="Slide Number Placeholder 3"/>
+          <p:cNvPr id="6" name="Slide Number Placeholder 5"/>
           <p:cNvSpPr>
             <a:spLocks noGrp="1"/>
           </p:cNvSpPr>
@@ -11702,7 +11839,53 @@
       </p:grpSpPr>
       <p:sp>
         <p:nvSpPr>
-          <p:cNvPr id="2" name="Date Placeholder 1"/>
+          <p:cNvPr id="2" name="Title 1"/>
+          <p:cNvSpPr>
+            <a:spLocks noGrp="1"/>
+          </p:cNvSpPr>
+          <p:nvPr>
+            <p:ph type="title"/>
+          </p:nvPr>
+        </p:nvSpPr>
+        <p:spPr/>
+        <p:txBody>
+          <a:bodyPr/>
+          <a:lstStyle/>
+          <a:p>
+            <a:r>
+              <a:rPr lang="en-CA" dirty="0" smtClean="0"/>
+              <a:t>Data Warehouses: Summary </a:t>
+            </a:r>
+            <a:endParaRPr lang="en-CA" dirty="0"/>
+          </a:p>
+        </p:txBody>
+      </p:sp>
+      <p:sp>
+        <p:nvSpPr>
+          <p:cNvPr id="3" name="Content Placeholder 2"/>
+          <p:cNvSpPr>
+            <a:spLocks noGrp="1"/>
+          </p:cNvSpPr>
+          <p:nvPr>
+            <p:ph idx="1"/>
+          </p:nvPr>
+        </p:nvSpPr>
+        <p:spPr/>
+        <p:txBody>
+          <a:bodyPr/>
+          <a:lstStyle/>
+          <a:p>
+            <a:r>
+              <a:rPr lang="en-CA" dirty="0" smtClean="0"/>
+              <a:t>Summary Figure</a:t>
+            </a:r>
+            <a:endParaRPr lang="en-CA" dirty="0"/>
+          </a:p>
+        </p:txBody>
+      </p:sp>
+      <p:sp>
+        <p:nvSpPr>
+          <p:cNvPr id="4" name="Date Placeholder 3"/>
           <p:cNvSpPr>
             <a:spLocks noGrp="1"/>
           </p:cNvSpPr>
@@ -11725,7 +11908,7 @@
       </p:sp>
       <p:sp>
         <p:nvSpPr>
-          <p:cNvPr id="3" name="Footer Placeholder 2"/>
+          <p:cNvPr id="5" name="Footer Placeholder 4"/>
           <p:cNvSpPr>
             <a:spLocks noGrp="1"/>
           </p:cNvSpPr>
@@ -11748,7 +11931,7 @@
       </p:sp>
       <p:sp>
         <p:nvSpPr>
-          <p:cNvPr id="4" name="Slide Number Placeholder 3"/>
+          <p:cNvPr id="6" name="Slide Number Placeholder 5"/>
           <p:cNvSpPr>
             <a:spLocks noGrp="1"/>
           </p:cNvSpPr>
@@ -11767,36 +11950,6 @@
               <a:t>42</a:t>
             </a:fld>
             <a:endParaRPr lang="en-CA"/>
-          </a:p>
-        </p:txBody>
-      </p:sp>
-      <p:sp>
-        <p:nvSpPr>
-          <p:cNvPr id="7" name="TextBox 6"/>
-          <p:cNvSpPr txBox="1"/>
-          <p:nvPr/>
-        </p:nvSpPr>
-        <p:spPr>
-          <a:xfrm>
-            <a:off x="2571736" y="2714620"/>
-            <a:ext cx="3676006" cy="1015663"/>
-          </a:xfrm>
-          <a:prstGeom prst="rect">
-            <a:avLst/>
-          </a:prstGeom>
-          <a:noFill/>
-        </p:spPr>
-        <p:txBody>
-          <a:bodyPr wrap="none" rtlCol="0">
-            <a:spAutoFit/>
-          </a:bodyPr>
-          <a:lstStyle/>
-          <a:p>
-            <a:r>
-              <a:rPr lang="en-CA" sz="6000" b="1" dirty="0" smtClean="0"/>
-              <a:t>Thank you</a:t>
-            </a:r>
-            <a:endParaRPr lang="en-CA" sz="6000" b="1" dirty="0"/>
           </a:p>
         </p:txBody>
       </p:sp>
@@ -11827,7 +11980,7 @@
       </p:grpSpPr>
       <p:sp>
         <p:nvSpPr>
-          <p:cNvPr id="5" name="Title 4"/>
+          <p:cNvPr id="7" name="Title 6"/>
           <p:cNvSpPr>
             <a:spLocks noGrp="1"/>
           </p:cNvSpPr>
@@ -11842,7 +11995,7 @@
           <a:p>
             <a:r>
               <a:rPr lang="en-CA" dirty="0" smtClean="0"/>
-              <a:t>References</a:t>
+              <a:t>Future Work &amp; Open Problems</a:t>
             </a:r>
             <a:endParaRPr lang="en-CA" dirty="0"/>
           </a:p>
@@ -11850,26 +12003,26 @@
       </p:sp>
       <p:sp>
         <p:nvSpPr>
-          <p:cNvPr id="6" name="Content Placeholder 5"/>
-          <p:cNvSpPr>
-            <a:spLocks noGrp="1"/>
-          </p:cNvSpPr>
-          <p:nvPr>
-            <p:ph idx="1"/>
-          </p:nvPr>
-        </p:nvSpPr>
-        <p:spPr/>
-        <p:txBody>
-          <a:bodyPr/>
-          <a:lstStyle/>
-          <a:p>
-            <a:endParaRPr lang="en-CA"/>
-          </a:p>
-        </p:txBody>
-      </p:sp>
-      <p:sp>
-        <p:nvSpPr>
-          <p:cNvPr id="2" name="Date Placeholder 1"/>
+          <p:cNvPr id="8" name="Text Placeholder 7"/>
+          <p:cNvSpPr>
+            <a:spLocks noGrp="1"/>
+          </p:cNvSpPr>
+          <p:nvPr>
+            <p:ph type="body" idx="1"/>
+          </p:nvPr>
+        </p:nvSpPr>
+        <p:spPr/>
+        <p:txBody>
+          <a:bodyPr/>
+          <a:lstStyle/>
+          <a:p>
+            <a:endParaRPr lang="en-CA"/>
+          </a:p>
+        </p:txBody>
+      </p:sp>
+      <p:sp>
+        <p:nvSpPr>
+          <p:cNvPr id="4" name="Date Placeholder 3"/>
           <p:cNvSpPr>
             <a:spLocks noGrp="1"/>
           </p:cNvSpPr>
@@ -11892,7 +12045,7 @@
       </p:sp>
       <p:sp>
         <p:nvSpPr>
-          <p:cNvPr id="3" name="Footer Placeholder 2"/>
+          <p:cNvPr id="5" name="Footer Placeholder 4"/>
           <p:cNvSpPr>
             <a:spLocks noGrp="1"/>
           </p:cNvSpPr>
@@ -11915,7 +12068,7 @@
       </p:sp>
       <p:sp>
         <p:nvSpPr>
-          <p:cNvPr id="4" name="Slide Number Placeholder 3"/>
+          <p:cNvPr id="6" name="Slide Number Placeholder 5"/>
           <p:cNvSpPr>
             <a:spLocks noGrp="1"/>
           </p:cNvSpPr>
@@ -11934,6 +12087,810 @@
               <a:t>43</a:t>
             </a:fld>
             <a:endParaRPr lang="en-CA"/>
+          </a:p>
+        </p:txBody>
+      </p:sp>
+    </p:spTree>
+  </p:cSld>
+  <p:clrMapOvr>
+    <a:masterClrMapping/>
+  </p:clrMapOvr>
+</p:sld>
+</file>
+
+<file path=ppt/slides/slide44.xml><?xml version="1.0" encoding="utf-8"?>
+<p:sld xmlns:a="http://schemas.openxmlformats.org/drawingml/2006/main" xmlns:r="http://schemas.openxmlformats.org/officeDocument/2006/relationships" xmlns:p="http://schemas.openxmlformats.org/presentationml/2006/main">
+  <p:cSld>
+    <p:spTree>
+      <p:nvGrpSpPr>
+        <p:cNvPr id="1" name=""/>
+        <p:cNvGrpSpPr/>
+        <p:nvPr/>
+      </p:nvGrpSpPr>
+      <p:grpSpPr>
+        <a:xfrm>
+          <a:off x="0" y="0"/>
+          <a:ext cx="0" cy="0"/>
+          <a:chOff x="0" y="0"/>
+          <a:chExt cx="0" cy="0"/>
+        </a:xfrm>
+      </p:grpSpPr>
+      <p:sp>
+        <p:nvSpPr>
+          <p:cNvPr id="7" name="Title 6"/>
+          <p:cNvSpPr>
+            <a:spLocks noGrp="1"/>
+          </p:cNvSpPr>
+          <p:nvPr>
+            <p:ph type="title"/>
+          </p:nvPr>
+        </p:nvSpPr>
+        <p:spPr/>
+        <p:txBody>
+          <a:bodyPr/>
+          <a:lstStyle/>
+          <a:p>
+            <a:r>
+              <a:rPr lang="en-CA" dirty="0" smtClean="0"/>
+              <a:t>Future Work</a:t>
+            </a:r>
+            <a:endParaRPr lang="en-CA" dirty="0"/>
+          </a:p>
+        </p:txBody>
+      </p:sp>
+      <p:sp>
+        <p:nvSpPr>
+          <p:cNvPr id="8" name="Content Placeholder 7"/>
+          <p:cNvSpPr>
+            <a:spLocks noGrp="1"/>
+          </p:cNvSpPr>
+          <p:nvPr>
+            <p:ph idx="1"/>
+          </p:nvPr>
+        </p:nvSpPr>
+        <p:spPr/>
+        <p:txBody>
+          <a:bodyPr/>
+          <a:lstStyle/>
+          <a:p>
+            <a:r>
+              <a:rPr lang="en-CA" dirty="0" smtClean="0"/>
+              <a:t>Looking at automating physical design (put some examples of work here and say its time permitting)</a:t>
+            </a:r>
+            <a:endParaRPr lang="en-CA" dirty="0"/>
+          </a:p>
+        </p:txBody>
+      </p:sp>
+      <p:sp>
+        <p:nvSpPr>
+          <p:cNvPr id="4" name="Date Placeholder 3"/>
+          <p:cNvSpPr>
+            <a:spLocks noGrp="1"/>
+          </p:cNvSpPr>
+          <p:nvPr>
+            <p:ph type="dt" sz="half" idx="10"/>
+          </p:nvPr>
+        </p:nvSpPr>
+        <p:spPr/>
+        <p:txBody>
+          <a:bodyPr/>
+          <a:lstStyle/>
+          <a:p>
+            <a:r>
+              <a:rPr lang="en-US" smtClean="0"/>
+              <a:t>Physical Design Patterns</a:t>
+            </a:r>
+            <a:endParaRPr lang="en-CA"/>
+          </a:p>
+        </p:txBody>
+      </p:sp>
+      <p:sp>
+        <p:nvSpPr>
+          <p:cNvPr id="5" name="Footer Placeholder 4"/>
+          <p:cNvSpPr>
+            <a:spLocks noGrp="1"/>
+          </p:cNvSpPr>
+          <p:nvPr>
+            <p:ph type="ftr" sz="quarter" idx="11"/>
+          </p:nvPr>
+        </p:nvSpPr>
+        <p:spPr/>
+        <p:txBody>
+          <a:bodyPr/>
+          <a:lstStyle/>
+          <a:p>
+            <a:r>
+              <a:rPr lang="en-CA" smtClean="0"/>
+              <a:t>Karim Ali &amp; Sarah Nadi</a:t>
+            </a:r>
+            <a:endParaRPr lang="en-CA"/>
+          </a:p>
+        </p:txBody>
+      </p:sp>
+      <p:sp>
+        <p:nvSpPr>
+          <p:cNvPr id="6" name="Slide Number Placeholder 5"/>
+          <p:cNvSpPr>
+            <a:spLocks noGrp="1"/>
+          </p:cNvSpPr>
+          <p:nvPr>
+            <p:ph type="sldNum" sz="quarter" idx="12"/>
+          </p:nvPr>
+        </p:nvSpPr>
+        <p:spPr/>
+        <p:txBody>
+          <a:bodyPr/>
+          <a:lstStyle/>
+          <a:p>
+            <a:fld id="{9AC8176B-BF31-4706-B15B-1AFC481B9AC3}" type="slidenum">
+              <a:rPr lang="en-CA" smtClean="0"/>
+              <a:pPr/>
+              <a:t>44</a:t>
+            </a:fld>
+            <a:endParaRPr lang="en-CA"/>
+          </a:p>
+        </p:txBody>
+      </p:sp>
+    </p:spTree>
+  </p:cSld>
+  <p:clrMapOvr>
+    <a:masterClrMapping/>
+  </p:clrMapOvr>
+</p:sld>
+</file>
+
+<file path=ppt/slides/slide45.xml><?xml version="1.0" encoding="utf-8"?>
+<p:sld xmlns:a="http://schemas.openxmlformats.org/drawingml/2006/main" xmlns:r="http://schemas.openxmlformats.org/officeDocument/2006/relationships" xmlns:p="http://schemas.openxmlformats.org/presentationml/2006/main">
+  <p:cSld>
+    <p:spTree>
+      <p:nvGrpSpPr>
+        <p:cNvPr id="1" name=""/>
+        <p:cNvGrpSpPr/>
+        <p:nvPr/>
+      </p:nvGrpSpPr>
+      <p:grpSpPr>
+        <a:xfrm>
+          <a:off x="0" y="0"/>
+          <a:ext cx="0" cy="0"/>
+          <a:chOff x="0" y="0"/>
+          <a:chExt cx="0" cy="0"/>
+        </a:xfrm>
+      </p:grpSpPr>
+      <p:sp>
+        <p:nvSpPr>
+          <p:cNvPr id="2" name="Title 1"/>
+          <p:cNvSpPr>
+            <a:spLocks noGrp="1"/>
+          </p:cNvSpPr>
+          <p:nvPr>
+            <p:ph type="title"/>
+          </p:nvPr>
+        </p:nvSpPr>
+        <p:spPr/>
+        <p:txBody>
+          <a:bodyPr>
+            <a:normAutofit fontScale="90000"/>
+          </a:bodyPr>
+          <a:lstStyle/>
+          <a:p>
+            <a:r>
+              <a:rPr lang="en-CA" dirty="0" smtClean="0"/>
+              <a:t>Open Problems in Physical Design</a:t>
+            </a:r>
+            <a:endParaRPr lang="en-CA" dirty="0"/>
+          </a:p>
+        </p:txBody>
+      </p:sp>
+      <p:sp>
+        <p:nvSpPr>
+          <p:cNvPr id="8" name="Content Placeholder 7"/>
+          <p:cNvSpPr>
+            <a:spLocks noGrp="1"/>
+          </p:cNvSpPr>
+          <p:nvPr>
+            <p:ph idx="1"/>
+          </p:nvPr>
+        </p:nvSpPr>
+        <p:spPr/>
+        <p:txBody>
+          <a:bodyPr/>
+          <a:lstStyle/>
+          <a:p>
+            <a:endParaRPr lang="en-CA"/>
+          </a:p>
+        </p:txBody>
+      </p:sp>
+      <p:sp>
+        <p:nvSpPr>
+          <p:cNvPr id="4" name="Date Placeholder 3"/>
+          <p:cNvSpPr>
+            <a:spLocks noGrp="1"/>
+          </p:cNvSpPr>
+          <p:nvPr>
+            <p:ph type="dt" sz="half" idx="10"/>
+          </p:nvPr>
+        </p:nvSpPr>
+        <p:spPr/>
+        <p:txBody>
+          <a:bodyPr/>
+          <a:lstStyle/>
+          <a:p>
+            <a:r>
+              <a:rPr lang="en-US" smtClean="0"/>
+              <a:t>Physical Design Patterns</a:t>
+            </a:r>
+            <a:endParaRPr lang="en-CA"/>
+          </a:p>
+        </p:txBody>
+      </p:sp>
+      <p:sp>
+        <p:nvSpPr>
+          <p:cNvPr id="5" name="Footer Placeholder 4"/>
+          <p:cNvSpPr>
+            <a:spLocks noGrp="1"/>
+          </p:cNvSpPr>
+          <p:nvPr>
+            <p:ph type="ftr" sz="quarter" idx="11"/>
+          </p:nvPr>
+        </p:nvSpPr>
+        <p:spPr/>
+        <p:txBody>
+          <a:bodyPr/>
+          <a:lstStyle/>
+          <a:p>
+            <a:r>
+              <a:rPr lang="en-CA" smtClean="0"/>
+              <a:t>Karim Ali &amp; Sarah Nadi</a:t>
+            </a:r>
+            <a:endParaRPr lang="en-CA"/>
+          </a:p>
+        </p:txBody>
+      </p:sp>
+      <p:sp>
+        <p:nvSpPr>
+          <p:cNvPr id="6" name="Slide Number Placeholder 5"/>
+          <p:cNvSpPr>
+            <a:spLocks noGrp="1"/>
+          </p:cNvSpPr>
+          <p:nvPr>
+            <p:ph type="sldNum" sz="quarter" idx="12"/>
+          </p:nvPr>
+        </p:nvSpPr>
+        <p:spPr/>
+        <p:txBody>
+          <a:bodyPr/>
+          <a:lstStyle/>
+          <a:p>
+            <a:fld id="{9AC8176B-BF31-4706-B15B-1AFC481B9AC3}" type="slidenum">
+              <a:rPr lang="en-CA" smtClean="0"/>
+              <a:pPr/>
+              <a:t>45</a:t>
+            </a:fld>
+            <a:endParaRPr lang="en-CA"/>
+          </a:p>
+        </p:txBody>
+      </p:sp>
+    </p:spTree>
+  </p:cSld>
+  <p:clrMapOvr>
+    <a:masterClrMapping/>
+  </p:clrMapOvr>
+</p:sld>
+</file>
+
+<file path=ppt/slides/slide46.xml><?xml version="1.0" encoding="utf-8"?>
+<p:sld xmlns:a="http://schemas.openxmlformats.org/drawingml/2006/main" xmlns:r="http://schemas.openxmlformats.org/officeDocument/2006/relationships" xmlns:p="http://schemas.openxmlformats.org/presentationml/2006/main">
+  <p:cSld>
+    <p:spTree>
+      <p:nvGrpSpPr>
+        <p:cNvPr id="1" name=""/>
+        <p:cNvGrpSpPr/>
+        <p:nvPr/>
+      </p:nvGrpSpPr>
+      <p:grpSpPr>
+        <a:xfrm>
+          <a:off x="0" y="0"/>
+          <a:ext cx="0" cy="0"/>
+          <a:chOff x="0" y="0"/>
+          <a:chExt cx="0" cy="0"/>
+        </a:xfrm>
+      </p:grpSpPr>
+      <p:sp>
+        <p:nvSpPr>
+          <p:cNvPr id="7" name="Title 6"/>
+          <p:cNvSpPr>
+            <a:spLocks noGrp="1"/>
+          </p:cNvSpPr>
+          <p:nvPr>
+            <p:ph type="title"/>
+          </p:nvPr>
+        </p:nvSpPr>
+        <p:spPr/>
+        <p:txBody>
+          <a:bodyPr/>
+          <a:lstStyle/>
+          <a:p>
+            <a:r>
+              <a:rPr lang="en-CA" dirty="0" smtClean="0"/>
+              <a:t>Summary &amp; Conclusions</a:t>
+            </a:r>
+            <a:endParaRPr lang="en-CA" dirty="0"/>
+          </a:p>
+        </p:txBody>
+      </p:sp>
+      <p:sp>
+        <p:nvSpPr>
+          <p:cNvPr id="8" name="Text Placeholder 7"/>
+          <p:cNvSpPr>
+            <a:spLocks noGrp="1"/>
+          </p:cNvSpPr>
+          <p:nvPr>
+            <p:ph type="body" idx="1"/>
+          </p:nvPr>
+        </p:nvSpPr>
+        <p:spPr/>
+        <p:txBody>
+          <a:bodyPr/>
+          <a:lstStyle/>
+          <a:p>
+            <a:endParaRPr lang="en-CA"/>
+          </a:p>
+        </p:txBody>
+      </p:sp>
+      <p:sp>
+        <p:nvSpPr>
+          <p:cNvPr id="4" name="Date Placeholder 3"/>
+          <p:cNvSpPr>
+            <a:spLocks noGrp="1"/>
+          </p:cNvSpPr>
+          <p:nvPr>
+            <p:ph type="dt" sz="half" idx="10"/>
+          </p:nvPr>
+        </p:nvSpPr>
+        <p:spPr/>
+        <p:txBody>
+          <a:bodyPr/>
+          <a:lstStyle/>
+          <a:p>
+            <a:r>
+              <a:rPr lang="en-US" smtClean="0"/>
+              <a:t>Physical Design Patterns</a:t>
+            </a:r>
+            <a:endParaRPr lang="en-CA"/>
+          </a:p>
+        </p:txBody>
+      </p:sp>
+      <p:sp>
+        <p:nvSpPr>
+          <p:cNvPr id="5" name="Footer Placeholder 4"/>
+          <p:cNvSpPr>
+            <a:spLocks noGrp="1"/>
+          </p:cNvSpPr>
+          <p:nvPr>
+            <p:ph type="ftr" sz="quarter" idx="11"/>
+          </p:nvPr>
+        </p:nvSpPr>
+        <p:spPr/>
+        <p:txBody>
+          <a:bodyPr/>
+          <a:lstStyle/>
+          <a:p>
+            <a:r>
+              <a:rPr lang="en-CA" smtClean="0"/>
+              <a:t>Karim Ali &amp; Sarah Nadi</a:t>
+            </a:r>
+            <a:endParaRPr lang="en-CA"/>
+          </a:p>
+        </p:txBody>
+      </p:sp>
+      <p:sp>
+        <p:nvSpPr>
+          <p:cNvPr id="6" name="Slide Number Placeholder 5"/>
+          <p:cNvSpPr>
+            <a:spLocks noGrp="1"/>
+          </p:cNvSpPr>
+          <p:nvPr>
+            <p:ph type="sldNum" sz="quarter" idx="12"/>
+          </p:nvPr>
+        </p:nvSpPr>
+        <p:spPr/>
+        <p:txBody>
+          <a:bodyPr/>
+          <a:lstStyle/>
+          <a:p>
+            <a:fld id="{9AC8176B-BF31-4706-B15B-1AFC481B9AC3}" type="slidenum">
+              <a:rPr lang="en-CA" smtClean="0"/>
+              <a:pPr/>
+              <a:t>46</a:t>
+            </a:fld>
+            <a:endParaRPr lang="en-CA"/>
+          </a:p>
+        </p:txBody>
+      </p:sp>
+    </p:spTree>
+  </p:cSld>
+  <p:clrMapOvr>
+    <a:masterClrMapping/>
+  </p:clrMapOvr>
+</p:sld>
+</file>
+
+<file path=ppt/slides/slide47.xml><?xml version="1.0" encoding="utf-8"?>
+<p:sld xmlns:a="http://schemas.openxmlformats.org/drawingml/2006/main" xmlns:r="http://schemas.openxmlformats.org/officeDocument/2006/relationships" xmlns:p="http://schemas.openxmlformats.org/presentationml/2006/main">
+  <p:cSld>
+    <p:spTree>
+      <p:nvGrpSpPr>
+        <p:cNvPr id="1" name=""/>
+        <p:cNvGrpSpPr/>
+        <p:nvPr/>
+      </p:nvGrpSpPr>
+      <p:grpSpPr>
+        <a:xfrm>
+          <a:off x="0" y="0"/>
+          <a:ext cx="0" cy="0"/>
+          <a:chOff x="0" y="0"/>
+          <a:chExt cx="0" cy="0"/>
+        </a:xfrm>
+      </p:grpSpPr>
+      <p:sp>
+        <p:nvSpPr>
+          <p:cNvPr id="4" name="Date Placeholder 3"/>
+          <p:cNvSpPr>
+            <a:spLocks noGrp="1"/>
+          </p:cNvSpPr>
+          <p:nvPr>
+            <p:ph type="dt" sz="half" idx="10"/>
+          </p:nvPr>
+        </p:nvSpPr>
+        <p:spPr/>
+        <p:txBody>
+          <a:bodyPr/>
+          <a:lstStyle/>
+          <a:p>
+            <a:r>
+              <a:rPr lang="en-US" smtClean="0"/>
+              <a:t>Physical Design Patterns</a:t>
+            </a:r>
+            <a:endParaRPr lang="en-CA"/>
+          </a:p>
+        </p:txBody>
+      </p:sp>
+      <p:sp>
+        <p:nvSpPr>
+          <p:cNvPr id="5" name="Footer Placeholder 4"/>
+          <p:cNvSpPr>
+            <a:spLocks noGrp="1"/>
+          </p:cNvSpPr>
+          <p:nvPr>
+            <p:ph type="ftr" sz="quarter" idx="11"/>
+          </p:nvPr>
+        </p:nvSpPr>
+        <p:spPr/>
+        <p:txBody>
+          <a:bodyPr/>
+          <a:lstStyle/>
+          <a:p>
+            <a:r>
+              <a:rPr lang="en-CA" smtClean="0"/>
+              <a:t>Karim Ali &amp; Sarah Nadi</a:t>
+            </a:r>
+            <a:endParaRPr lang="en-CA"/>
+          </a:p>
+        </p:txBody>
+      </p:sp>
+      <p:sp>
+        <p:nvSpPr>
+          <p:cNvPr id="6" name="Slide Number Placeholder 5"/>
+          <p:cNvSpPr>
+            <a:spLocks noGrp="1"/>
+          </p:cNvSpPr>
+          <p:nvPr>
+            <p:ph type="sldNum" sz="quarter" idx="12"/>
+          </p:nvPr>
+        </p:nvSpPr>
+        <p:spPr/>
+        <p:txBody>
+          <a:bodyPr/>
+          <a:lstStyle/>
+          <a:p>
+            <a:fld id="{9AC8176B-BF31-4706-B15B-1AFC481B9AC3}" type="slidenum">
+              <a:rPr lang="en-CA" smtClean="0"/>
+              <a:pPr/>
+              <a:t>47</a:t>
+            </a:fld>
+            <a:endParaRPr lang="en-CA"/>
+          </a:p>
+        </p:txBody>
+      </p:sp>
+      <p:sp>
+        <p:nvSpPr>
+          <p:cNvPr id="10" name="TextBox 9"/>
+          <p:cNvSpPr txBox="1"/>
+          <p:nvPr/>
+        </p:nvSpPr>
+        <p:spPr>
+          <a:xfrm>
+            <a:off x="857224" y="1571612"/>
+            <a:ext cx="2201244" cy="369332"/>
+          </a:xfrm>
+          <a:prstGeom prst="rect">
+            <a:avLst/>
+          </a:prstGeom>
+          <a:noFill/>
+        </p:spPr>
+        <p:txBody>
+          <a:bodyPr wrap="none" rtlCol="0">
+            <a:spAutoFit/>
+          </a:bodyPr>
+          <a:lstStyle/>
+          <a:p>
+            <a:r>
+              <a:rPr lang="en-CA" dirty="0" smtClean="0"/>
+              <a:t>Big summary table(s)</a:t>
+            </a:r>
+            <a:endParaRPr lang="en-CA" dirty="0"/>
+          </a:p>
+        </p:txBody>
+      </p:sp>
+    </p:spTree>
+  </p:cSld>
+  <p:clrMapOvr>
+    <a:masterClrMapping/>
+  </p:clrMapOvr>
+</p:sld>
+</file>
+
+<file path=ppt/slides/slide48.xml><?xml version="1.0" encoding="utf-8"?>
+<p:sld xmlns:a="http://schemas.openxmlformats.org/drawingml/2006/main" xmlns:r="http://schemas.openxmlformats.org/officeDocument/2006/relationships" xmlns:p="http://schemas.openxmlformats.org/presentationml/2006/main">
+  <p:cSld>
+    <p:spTree>
+      <p:nvGrpSpPr>
+        <p:cNvPr id="1" name=""/>
+        <p:cNvGrpSpPr/>
+        <p:nvPr/>
+      </p:nvGrpSpPr>
+      <p:grpSpPr>
+        <a:xfrm>
+          <a:off x="0" y="0"/>
+          <a:ext cx="0" cy="0"/>
+          <a:chOff x="0" y="0"/>
+          <a:chExt cx="0" cy="0"/>
+        </a:xfrm>
+      </p:grpSpPr>
+      <p:sp>
+        <p:nvSpPr>
+          <p:cNvPr id="5" name="Title 4"/>
+          <p:cNvSpPr>
+            <a:spLocks noGrp="1"/>
+          </p:cNvSpPr>
+          <p:nvPr>
+            <p:ph type="title"/>
+          </p:nvPr>
+        </p:nvSpPr>
+        <p:spPr/>
+        <p:txBody>
+          <a:bodyPr/>
+          <a:lstStyle/>
+          <a:p>
+            <a:r>
+              <a:rPr lang="en-CA" dirty="0" smtClean="0"/>
+              <a:t>Conclusions</a:t>
+            </a:r>
+            <a:endParaRPr lang="en-CA" dirty="0"/>
+          </a:p>
+        </p:txBody>
+      </p:sp>
+      <p:sp>
+        <p:nvSpPr>
+          <p:cNvPr id="6" name="Content Placeholder 5"/>
+          <p:cNvSpPr>
+            <a:spLocks noGrp="1"/>
+          </p:cNvSpPr>
+          <p:nvPr>
+            <p:ph idx="1"/>
+          </p:nvPr>
+        </p:nvSpPr>
+        <p:spPr/>
+        <p:txBody>
+          <a:bodyPr/>
+          <a:lstStyle/>
+          <a:p>
+            <a:endParaRPr lang="en-CA"/>
+          </a:p>
+        </p:txBody>
+      </p:sp>
+      <p:sp>
+        <p:nvSpPr>
+          <p:cNvPr id="2" name="Date Placeholder 1"/>
+          <p:cNvSpPr>
+            <a:spLocks noGrp="1"/>
+          </p:cNvSpPr>
+          <p:nvPr>
+            <p:ph type="dt" sz="half" idx="10"/>
+          </p:nvPr>
+        </p:nvSpPr>
+        <p:spPr/>
+        <p:txBody>
+          <a:bodyPr/>
+          <a:lstStyle/>
+          <a:p>
+            <a:r>
+              <a:rPr lang="en-US" smtClean="0"/>
+              <a:t>Physical Design Patterns</a:t>
+            </a:r>
+            <a:endParaRPr lang="en-CA"/>
+          </a:p>
+        </p:txBody>
+      </p:sp>
+      <p:sp>
+        <p:nvSpPr>
+          <p:cNvPr id="3" name="Footer Placeholder 2"/>
+          <p:cNvSpPr>
+            <a:spLocks noGrp="1"/>
+          </p:cNvSpPr>
+          <p:nvPr>
+            <p:ph type="ftr" sz="quarter" idx="11"/>
+          </p:nvPr>
+        </p:nvSpPr>
+        <p:spPr/>
+        <p:txBody>
+          <a:bodyPr/>
+          <a:lstStyle/>
+          <a:p>
+            <a:r>
+              <a:rPr lang="en-CA" smtClean="0"/>
+              <a:t>Karim Ali &amp; Sarah Nadi</a:t>
+            </a:r>
+            <a:endParaRPr lang="en-CA"/>
+          </a:p>
+        </p:txBody>
+      </p:sp>
+      <p:sp>
+        <p:nvSpPr>
+          <p:cNvPr id="4" name="Slide Number Placeholder 3"/>
+          <p:cNvSpPr>
+            <a:spLocks noGrp="1"/>
+          </p:cNvSpPr>
+          <p:nvPr>
+            <p:ph type="sldNum" sz="quarter" idx="12"/>
+          </p:nvPr>
+        </p:nvSpPr>
+        <p:spPr/>
+        <p:txBody>
+          <a:bodyPr/>
+          <a:lstStyle/>
+          <a:p>
+            <a:fld id="{9AC8176B-BF31-4706-B15B-1AFC481B9AC3}" type="slidenum">
+              <a:rPr lang="en-CA" smtClean="0"/>
+              <a:pPr/>
+              <a:t>48</a:t>
+            </a:fld>
+            <a:endParaRPr lang="en-CA"/>
+          </a:p>
+        </p:txBody>
+      </p:sp>
+    </p:spTree>
+  </p:cSld>
+  <p:clrMapOvr>
+    <a:masterClrMapping/>
+  </p:clrMapOvr>
+</p:sld>
+</file>
+
+<file path=ppt/slides/slide49.xml><?xml version="1.0" encoding="utf-8"?>
+<p:sld xmlns:a="http://schemas.openxmlformats.org/drawingml/2006/main" xmlns:r="http://schemas.openxmlformats.org/officeDocument/2006/relationships" xmlns:p="http://schemas.openxmlformats.org/presentationml/2006/main">
+  <p:cSld>
+    <p:spTree>
+      <p:nvGrpSpPr>
+        <p:cNvPr id="1" name=""/>
+        <p:cNvGrpSpPr/>
+        <p:nvPr/>
+      </p:nvGrpSpPr>
+      <p:grpSpPr>
+        <a:xfrm>
+          <a:off x="0" y="0"/>
+          <a:ext cx="0" cy="0"/>
+          <a:chOff x="0" y="0"/>
+          <a:chExt cx="0" cy="0"/>
+        </a:xfrm>
+      </p:grpSpPr>
+      <p:sp>
+        <p:nvSpPr>
+          <p:cNvPr id="2" name="Date Placeholder 1"/>
+          <p:cNvSpPr>
+            <a:spLocks noGrp="1"/>
+          </p:cNvSpPr>
+          <p:nvPr>
+            <p:ph type="dt" sz="half" idx="10"/>
+          </p:nvPr>
+        </p:nvSpPr>
+        <p:spPr/>
+        <p:txBody>
+          <a:bodyPr/>
+          <a:lstStyle/>
+          <a:p>
+            <a:r>
+              <a:rPr lang="en-US" smtClean="0"/>
+              <a:t>Physical Design Patterns</a:t>
+            </a:r>
+            <a:endParaRPr lang="en-CA"/>
+          </a:p>
+        </p:txBody>
+      </p:sp>
+      <p:sp>
+        <p:nvSpPr>
+          <p:cNvPr id="3" name="Footer Placeholder 2"/>
+          <p:cNvSpPr>
+            <a:spLocks noGrp="1"/>
+          </p:cNvSpPr>
+          <p:nvPr>
+            <p:ph type="ftr" sz="quarter" idx="11"/>
+          </p:nvPr>
+        </p:nvSpPr>
+        <p:spPr/>
+        <p:txBody>
+          <a:bodyPr/>
+          <a:lstStyle/>
+          <a:p>
+            <a:r>
+              <a:rPr lang="en-CA" smtClean="0"/>
+              <a:t>Karim Ali &amp; Sarah Nadi</a:t>
+            </a:r>
+            <a:endParaRPr lang="en-CA"/>
+          </a:p>
+        </p:txBody>
+      </p:sp>
+      <p:sp>
+        <p:nvSpPr>
+          <p:cNvPr id="4" name="Slide Number Placeholder 3"/>
+          <p:cNvSpPr>
+            <a:spLocks noGrp="1"/>
+          </p:cNvSpPr>
+          <p:nvPr>
+            <p:ph type="sldNum" sz="quarter" idx="12"/>
+          </p:nvPr>
+        </p:nvSpPr>
+        <p:spPr/>
+        <p:txBody>
+          <a:bodyPr/>
+          <a:lstStyle/>
+          <a:p>
+            <a:fld id="{9AC8176B-BF31-4706-B15B-1AFC481B9AC3}" type="slidenum">
+              <a:rPr lang="en-CA" smtClean="0"/>
+              <a:pPr/>
+              <a:t>49</a:t>
+            </a:fld>
+            <a:endParaRPr lang="en-CA"/>
+          </a:p>
+        </p:txBody>
+      </p:sp>
+      <p:sp>
+        <p:nvSpPr>
+          <p:cNvPr id="7" name="TextBox 6"/>
+          <p:cNvSpPr txBox="1"/>
+          <p:nvPr/>
+        </p:nvSpPr>
+        <p:spPr>
+          <a:xfrm>
+            <a:off x="2571736" y="2714620"/>
+            <a:ext cx="3676006" cy="1015663"/>
+          </a:xfrm>
+          <a:prstGeom prst="rect">
+            <a:avLst/>
+          </a:prstGeom>
+          <a:noFill/>
+        </p:spPr>
+        <p:txBody>
+          <a:bodyPr wrap="none" rtlCol="0">
+            <a:spAutoFit/>
+          </a:bodyPr>
+          <a:lstStyle/>
+          <a:p>
+            <a:r>
+              <a:rPr lang="en-CA" sz="6000" b="1" dirty="0" smtClean="0"/>
+              <a:t>Thank you</a:t>
+            </a:r>
+            <a:endParaRPr lang="en-CA" sz="6000" b="1" dirty="0"/>
           </a:p>
         </p:txBody>
       </p:sp>
@@ -12014,8 +12971,17 @@
               <a:rPr lang="en-CA" dirty="0" smtClean="0">
                 <a:latin typeface="Wingdings"/>
               </a:rPr>
-              <a:t>--&gt; need to minimized</a:t>
-            </a:r>
+              <a:t>--&gt; need to </a:t>
+            </a:r>
+            <a:r>
+              <a:rPr lang="en-CA" dirty="0" smtClean="0">
+                <a:latin typeface="Wingdings"/>
+              </a:rPr>
+              <a:t>minimize</a:t>
+            </a:r>
+            <a:endParaRPr lang="en-CA" dirty="0" smtClean="0">
+              <a:latin typeface="Wingdings"/>
+            </a:endParaRPr>
           </a:p>
           <a:p>
             <a:endParaRPr lang="en-CA" dirty="0"/>
@@ -12087,6 +13053,143 @@
               <a:rPr lang="en-CA" smtClean="0"/>
               <a:pPr/>
               <a:t>5</a:t>
+            </a:fld>
+            <a:endParaRPr lang="en-CA"/>
+          </a:p>
+        </p:txBody>
+      </p:sp>
+    </p:spTree>
+  </p:cSld>
+  <p:clrMapOvr>
+    <a:masterClrMapping/>
+  </p:clrMapOvr>
+</p:sld>
+</file>
+
+<file path=ppt/slides/slide50.xml><?xml version="1.0" encoding="utf-8"?>
+<p:sld xmlns:a="http://schemas.openxmlformats.org/drawingml/2006/main" xmlns:r="http://schemas.openxmlformats.org/officeDocument/2006/relationships" xmlns:p="http://schemas.openxmlformats.org/presentationml/2006/main">
+  <p:cSld>
+    <p:spTree>
+      <p:nvGrpSpPr>
+        <p:cNvPr id="1" name=""/>
+        <p:cNvGrpSpPr/>
+        <p:nvPr/>
+      </p:nvGrpSpPr>
+      <p:grpSpPr>
+        <a:xfrm>
+          <a:off x="0" y="0"/>
+          <a:ext cx="0" cy="0"/>
+          <a:chOff x="0" y="0"/>
+          <a:chExt cx="0" cy="0"/>
+        </a:xfrm>
+      </p:grpSpPr>
+      <p:sp>
+        <p:nvSpPr>
+          <p:cNvPr id="5" name="Title 4"/>
+          <p:cNvSpPr>
+            <a:spLocks noGrp="1"/>
+          </p:cNvSpPr>
+          <p:nvPr>
+            <p:ph type="title"/>
+          </p:nvPr>
+        </p:nvSpPr>
+        <p:spPr/>
+        <p:txBody>
+          <a:bodyPr/>
+          <a:lstStyle/>
+          <a:p>
+            <a:r>
+              <a:rPr lang="en-CA" dirty="0" smtClean="0"/>
+              <a:t>References</a:t>
+            </a:r>
+            <a:endParaRPr lang="en-CA" dirty="0"/>
+          </a:p>
+        </p:txBody>
+      </p:sp>
+      <p:sp>
+        <p:nvSpPr>
+          <p:cNvPr id="6" name="Content Placeholder 5"/>
+          <p:cNvSpPr>
+            <a:spLocks noGrp="1"/>
+          </p:cNvSpPr>
+          <p:nvPr>
+            <p:ph idx="1"/>
+          </p:nvPr>
+        </p:nvSpPr>
+        <p:spPr/>
+        <p:txBody>
+          <a:bodyPr/>
+          <a:lstStyle/>
+          <a:p>
+            <a:endParaRPr lang="en-CA"/>
+          </a:p>
+        </p:txBody>
+      </p:sp>
+      <p:sp>
+        <p:nvSpPr>
+          <p:cNvPr id="2" name="Date Placeholder 1"/>
+          <p:cNvSpPr>
+            <a:spLocks noGrp="1"/>
+          </p:cNvSpPr>
+          <p:nvPr>
+            <p:ph type="dt" sz="half" idx="10"/>
+          </p:nvPr>
+        </p:nvSpPr>
+        <p:spPr/>
+        <p:txBody>
+          <a:bodyPr/>
+          <a:lstStyle/>
+          <a:p>
+            <a:r>
+              <a:rPr lang="en-US" smtClean="0"/>
+              <a:t>Physical Design Patterns</a:t>
+            </a:r>
+            <a:endParaRPr lang="en-CA"/>
+          </a:p>
+        </p:txBody>
+      </p:sp>
+      <p:sp>
+        <p:nvSpPr>
+          <p:cNvPr id="3" name="Footer Placeholder 2"/>
+          <p:cNvSpPr>
+            <a:spLocks noGrp="1"/>
+          </p:cNvSpPr>
+          <p:nvPr>
+            <p:ph type="ftr" sz="quarter" idx="11"/>
+          </p:nvPr>
+        </p:nvSpPr>
+        <p:spPr/>
+        <p:txBody>
+          <a:bodyPr/>
+          <a:lstStyle/>
+          <a:p>
+            <a:r>
+              <a:rPr lang="en-CA" smtClean="0"/>
+              <a:t>Karim Ali &amp; Sarah Nadi</a:t>
+            </a:r>
+            <a:endParaRPr lang="en-CA"/>
+          </a:p>
+        </p:txBody>
+      </p:sp>
+      <p:sp>
+        <p:nvSpPr>
+          <p:cNvPr id="4" name="Slide Number Placeholder 3"/>
+          <p:cNvSpPr>
+            <a:spLocks noGrp="1"/>
+          </p:cNvSpPr>
+          <p:nvPr>
+            <p:ph type="sldNum" sz="quarter" idx="12"/>
+          </p:nvPr>
+        </p:nvSpPr>
+        <p:spPr/>
+        <p:txBody>
+          <a:bodyPr/>
+          <a:lstStyle/>
+          <a:p>
+            <a:fld id="{9AC8176B-BF31-4706-B15B-1AFC481B9AC3}" type="slidenum">
+              <a:rPr lang="en-CA" smtClean="0"/>
+              <a:pPr/>
+              <a:t>50</a:t>
             </a:fld>
             <a:endParaRPr lang="en-CA"/>
           </a:p>

--- a/trunk/cs848-db/PhysDesignPres.pptx
+++ b/trunk/cs848-db/PhysDesignPres.pptx
@@ -5,7 +5,7 @@
     <p:sldMasterId id="2147483672" r:id="rId1"/>
   </p:sldMasterIdLst>
   <p:notesMasterIdLst>
-    <p:notesMasterId r:id="rId52"/>
+    <p:notesMasterId r:id="rId47"/>
   </p:notesMasterIdLst>
   <p:sldIdLst>
     <p:sldId id="256" r:id="rId2"/>
@@ -33,31 +33,26 @@
     <p:sldId id="284" r:id="rId24"/>
     <p:sldId id="299" r:id="rId25"/>
     <p:sldId id="300" r:id="rId26"/>
-    <p:sldId id="305" r:id="rId27"/>
-    <p:sldId id="301" r:id="rId28"/>
-    <p:sldId id="302" r:id="rId29"/>
-    <p:sldId id="303" r:id="rId30"/>
-    <p:sldId id="304" r:id="rId31"/>
-    <p:sldId id="277" r:id="rId32"/>
-    <p:sldId id="278" r:id="rId33"/>
-    <p:sldId id="279" r:id="rId34"/>
-    <p:sldId id="280" r:id="rId35"/>
-    <p:sldId id="281" r:id="rId36"/>
-    <p:sldId id="283" r:id="rId37"/>
-    <p:sldId id="282" r:id="rId38"/>
-    <p:sldId id="286" r:id="rId39"/>
-    <p:sldId id="288" r:id="rId40"/>
-    <p:sldId id="287" r:id="rId41"/>
-    <p:sldId id="289" r:id="rId42"/>
-    <p:sldId id="290" r:id="rId43"/>
-    <p:sldId id="291" r:id="rId44"/>
-    <p:sldId id="294" r:id="rId45"/>
-    <p:sldId id="295" r:id="rId46"/>
-    <p:sldId id="296" r:id="rId47"/>
-    <p:sldId id="292" r:id="rId48"/>
-    <p:sldId id="297" r:id="rId49"/>
-    <p:sldId id="298" r:id="rId50"/>
-    <p:sldId id="293" r:id="rId51"/>
+    <p:sldId id="306" r:id="rId27"/>
+    <p:sldId id="305" r:id="rId28"/>
+    <p:sldId id="301" r:id="rId29"/>
+    <p:sldId id="302" r:id="rId30"/>
+    <p:sldId id="303" r:id="rId31"/>
+    <p:sldId id="304" r:id="rId32"/>
+    <p:sldId id="277" r:id="rId33"/>
+    <p:sldId id="278" r:id="rId34"/>
+    <p:sldId id="279" r:id="rId35"/>
+    <p:sldId id="280" r:id="rId36"/>
+    <p:sldId id="281" r:id="rId37"/>
+    <p:sldId id="283" r:id="rId38"/>
+    <p:sldId id="291" r:id="rId39"/>
+    <p:sldId id="294" r:id="rId40"/>
+    <p:sldId id="295" r:id="rId41"/>
+    <p:sldId id="296" r:id="rId42"/>
+    <p:sldId id="292" r:id="rId43"/>
+    <p:sldId id="297" r:id="rId44"/>
+    <p:sldId id="298" r:id="rId45"/>
+    <p:sldId id="293" r:id="rId46"/>
   </p:sldIdLst>
   <p:sldSz cx="9144000" cy="6858000" type="screen4x3"/>
   <p:notesSz cx="6858000" cy="9144000"/>
@@ -2411,7 +2406,7 @@
             <a:fld id="{B77FE1A0-659B-4CF4-8509-2C15FD019BEE}" type="datetimeFigureOut">
               <a:rPr lang="en-US" smtClean="0"/>
               <a:pPr/>
-              <a:t>7/9/2010</a:t>
+              <a:t>7/10/2010</a:t>
             </a:fld>
             <a:endParaRPr lang="en-CA"/>
           </a:p>
@@ -8865,23 +8860,7 @@
             </a:pPr>
             <a:r>
               <a:rPr lang="en-CA" dirty="0" smtClean="0"/>
-              <a:t>Finance: claims </a:t>
-            </a:r>
-            <a:r>
-              <a:rPr lang="en-CA" dirty="0" smtClean="0"/>
-              <a:t>analysis, risk analysis, credit </a:t>
-            </a:r>
-            <a:r>
-              <a:rPr lang="en-CA" dirty="0" smtClean="0"/>
-              <a:t>card analysis</a:t>
-            </a:r>
-            <a:r>
-              <a:rPr lang="en-CA" dirty="0" smtClean="0"/>
-              <a:t>, and fraud </a:t>
-            </a:r>
-            <a:r>
-              <a:rPr lang="en-CA" dirty="0" smtClean="0"/>
-              <a:t>detection</a:t>
+              <a:t>Finance: claims analysis, risk analysis, credit card analysis, and fraud detection</a:t>
             </a:r>
           </a:p>
           <a:p>
@@ -9009,7 +8988,11 @@
           <a:p>
             <a:r>
               <a:rPr lang="en-CA" dirty="0" smtClean="0"/>
-              <a:t>DW: Challenges</a:t>
+              <a:t>DW: </a:t>
+            </a:r>
+            <a:r>
+              <a:rPr lang="en-CA" dirty="0" smtClean="0"/>
+              <a:t>Challenges</a:t>
             </a:r>
             <a:endParaRPr lang="en-CA" dirty="0"/>
           </a:p>
@@ -9073,19 +9056,7 @@
             <a:pPr lvl="2"/>
             <a:r>
               <a:rPr lang="en-CA" dirty="0" smtClean="0"/>
-              <a:t>the fact </a:t>
-            </a:r>
-            <a:r>
-              <a:rPr lang="en-CA" dirty="0" smtClean="0"/>
-              <a:t>table participates </a:t>
-            </a:r>
-            <a:r>
-              <a:rPr lang="en-CA" dirty="0" smtClean="0"/>
-              <a:t>in every </a:t>
-            </a:r>
-            <a:r>
-              <a:rPr lang="en-CA" dirty="0" smtClean="0"/>
-              <a:t>join</a:t>
+              <a:t>the fact table participates in every join</a:t>
             </a:r>
           </a:p>
           <a:p>
@@ -9093,7 +9064,6 @@
               <a:rPr lang="en-CA" dirty="0" smtClean="0"/>
               <a:t>Figure ??</a:t>
             </a:r>
-            <a:endParaRPr lang="en-CA" dirty="0" smtClean="0"/>
           </a:p>
         </p:txBody>
       </p:sp>
@@ -9209,7 +9179,11 @@
           <a:p>
             <a:r>
               <a:rPr lang="en-CA" dirty="0" smtClean="0"/>
-              <a:t>DW: Indexes</a:t>
+              <a:t>DW: </a:t>
+            </a:r>
+            <a:r>
+              <a:rPr lang="en-CA" dirty="0" smtClean="0"/>
+              <a:t>Design</a:t>
             </a:r>
             <a:endParaRPr lang="en-CA" dirty="0"/>
           </a:p>
@@ -9232,6 +9206,27 @@
           </a:bodyPr>
           <a:lstStyle/>
           <a:p>
+            <a:r>
+              <a:rPr lang="en-CA" dirty="0" smtClean="0"/>
+              <a:t>ROLAP</a:t>
+            </a:r>
+          </a:p>
+          <a:p>
+            <a:pPr lvl="2"/>
+            <a:r>
+              <a:rPr lang="en-CA" dirty="0" smtClean="0"/>
+              <a:t>Relational implementation of DW</a:t>
+            </a:r>
+          </a:p>
+          <a:p>
+            <a:pPr lvl="2"/>
+            <a:r>
+              <a:rPr lang="en-CA" dirty="0" smtClean="0"/>
+              <a:t>Multidimensional view of data is achieved through star scheme</a:t>
+            </a:r>
+          </a:p>
+          <a:p>
+            <a:pPr lvl="2"/>
             <a:endParaRPr lang="en-CA" dirty="0" smtClean="0"/>
           </a:p>
         </p:txBody>
@@ -9348,7 +9343,7 @@
           <a:p>
             <a:r>
               <a:rPr lang="en-CA" dirty="0" smtClean="0"/>
-              <a:t>DW: Materialized Views</a:t>
+              <a:t>DW: Indexes</a:t>
             </a:r>
             <a:endParaRPr lang="en-CA" dirty="0"/>
           </a:p>
@@ -9487,7 +9482,7 @@
           <a:p>
             <a:r>
               <a:rPr lang="en-CA" dirty="0" smtClean="0"/>
-              <a:t>DW: Partitioning</a:t>
+              <a:t>DW: Materialized Views</a:t>
             </a:r>
             <a:endParaRPr lang="en-CA" dirty="0"/>
           </a:p>
@@ -9626,7 +9621,7 @@
           <a:p>
             <a:r>
               <a:rPr lang="en-CA" dirty="0" smtClean="0"/>
-              <a:t>DW: Clustering</a:t>
+              <a:t>DW: Partitioning</a:t>
             </a:r>
             <a:endParaRPr lang="en-CA" dirty="0"/>
           </a:p>
@@ -9948,7 +9943,7 @@
           <a:p>
             <a:r>
               <a:rPr lang="en-CA" dirty="0" smtClean="0"/>
-              <a:t>DW: Summary</a:t>
+              <a:t>DW: Clustering</a:t>
             </a:r>
             <a:endParaRPr lang="en-CA" dirty="0"/>
           </a:p>
@@ -10072,7 +10067,7 @@
       </p:grpSpPr>
       <p:sp>
         <p:nvSpPr>
-          <p:cNvPr id="7" name="Title 6"/>
+          <p:cNvPr id="2" name="Title 1"/>
           <p:cNvSpPr>
             <a:spLocks noGrp="1"/>
           </p:cNvSpPr>
@@ -10087,7 +10082,7 @@
           <a:p>
             <a:r>
               <a:rPr lang="en-CA" dirty="0" smtClean="0"/>
-              <a:t>XML Databases</a:t>
+              <a:t>DW: Summary</a:t>
             </a:r>
             <a:endParaRPr lang="en-CA" dirty="0"/>
           </a:p>
@@ -10095,7 +10090,7 @@
       </p:sp>
       <p:sp>
         <p:nvSpPr>
-          <p:cNvPr id="9" name="Content Placeholder 8"/>
+          <p:cNvPr id="3" name="Content Placeholder 2"/>
           <p:cNvSpPr>
             <a:spLocks noGrp="1"/>
           </p:cNvSpPr>
@@ -10105,34 +10100,12 @@
         </p:nvSpPr>
         <p:spPr/>
         <p:txBody>
-          <a:bodyPr/>
-          <a:lstStyle/>
-          <a:p>
-            <a:r>
-              <a:rPr lang="en-CA" dirty="0" smtClean="0"/>
-              <a:t>XML-enabled DBs:</a:t>
-            </a:r>
-          </a:p>
-          <a:p>
-            <a:pPr lvl="2"/>
-            <a:r>
-              <a:rPr lang="en-CA" dirty="0" smtClean="0"/>
-              <a:t>Maps XML documents to relational tables</a:t>
-            </a:r>
-          </a:p>
-          <a:p>
-            <a:r>
-              <a:rPr lang="en-CA" dirty="0" smtClean="0"/>
-              <a:t>Native XML DBs:</a:t>
-            </a:r>
-          </a:p>
-          <a:p>
-            <a:pPr lvl="2"/>
-            <a:r>
-              <a:rPr lang="en-CA" dirty="0" smtClean="0"/>
-              <a:t>Data structures store actual XML</a:t>
-            </a:r>
-            <a:endParaRPr lang="en-CA" dirty="0"/>
+          <a:bodyPr>
+            <a:normAutofit/>
+          </a:bodyPr>
+          <a:lstStyle/>
+          <a:p>
+            <a:endParaRPr lang="en-CA" dirty="0" smtClean="0"/>
           </a:p>
         </p:txBody>
       </p:sp>
@@ -10248,7 +10221,7 @@
           <a:p>
             <a:r>
               <a:rPr lang="en-CA" dirty="0" smtClean="0"/>
-              <a:t>XML DBs: Indexes</a:t>
+              <a:t>XML Databases</a:t>
             </a:r>
             <a:endParaRPr lang="en-CA" dirty="0"/>
           </a:p>
@@ -10256,7 +10229,7 @@
       </p:sp>
       <p:sp>
         <p:nvSpPr>
-          <p:cNvPr id="8" name="Content Placeholder 7"/>
+          <p:cNvPr id="9" name="Content Placeholder 8"/>
           <p:cNvSpPr>
             <a:spLocks noGrp="1"/>
           </p:cNvSpPr>
@@ -10271,20 +10244,27 @@
           <a:p>
             <a:r>
               <a:rPr lang="en-CA" dirty="0" smtClean="0"/>
-              <a:t>Same index structures can be used</a:t>
-            </a:r>
-          </a:p>
-          <a:p>
+              <a:t>XML-enabled DBs:</a:t>
+            </a:r>
+          </a:p>
+          <a:p>
+            <a:pPr lvl="2"/>
             <a:r>
               <a:rPr lang="en-CA" dirty="0" smtClean="0"/>
-              <a:t>Need adjustments</a:t>
+              <a:t>Maps XML documents to relational tables</a:t>
+            </a:r>
+          </a:p>
+          <a:p>
+            <a:r>
+              <a:rPr lang="en-CA" dirty="0" smtClean="0"/>
+              <a:t>Native XML DBs:</a:t>
             </a:r>
           </a:p>
           <a:p>
             <a:pPr lvl="2"/>
             <a:r>
               <a:rPr lang="en-CA" dirty="0" smtClean="0"/>
-              <a:t>Need a numbering schema for the XML nodes</a:t>
+              <a:t>Data structures store actual XML</a:t>
             </a:r>
             <a:endParaRPr lang="en-CA" dirty="0"/>
           </a:p>
@@ -10387,7 +10367,7 @@
       </p:grpSpPr>
       <p:sp>
         <p:nvSpPr>
-          <p:cNvPr id="2" name="Title 1"/>
+          <p:cNvPr id="7" name="Title 6"/>
           <p:cNvSpPr>
             <a:spLocks noGrp="1"/>
           </p:cNvSpPr>
@@ -10402,7 +10382,7 @@
           <a:p>
             <a:r>
               <a:rPr lang="en-CA" dirty="0" smtClean="0"/>
-              <a:t>XML DBs: Materialized Views</a:t>
+              <a:t>XML DBs: Indexes</a:t>
             </a:r>
             <a:endParaRPr lang="en-CA" dirty="0"/>
           </a:p>
@@ -10410,7 +10390,7 @@
       </p:sp>
       <p:sp>
         <p:nvSpPr>
-          <p:cNvPr id="3" name="Content Placeholder 2"/>
+          <p:cNvPr id="8" name="Content Placeholder 7"/>
           <p:cNvSpPr>
             <a:spLocks noGrp="1"/>
           </p:cNvSpPr>
@@ -10423,7 +10403,24 @@
           <a:bodyPr/>
           <a:lstStyle/>
           <a:p>
-            <a:endParaRPr lang="en-CA"/>
+            <a:r>
+              <a:rPr lang="en-CA" dirty="0" smtClean="0"/>
+              <a:t>Same index structures can be used</a:t>
+            </a:r>
+          </a:p>
+          <a:p>
+            <a:r>
+              <a:rPr lang="en-CA" dirty="0" smtClean="0"/>
+              <a:t>Need adjustments</a:t>
+            </a:r>
+          </a:p>
+          <a:p>
+            <a:pPr lvl="2"/>
+            <a:r>
+              <a:rPr lang="en-CA" dirty="0" smtClean="0"/>
+              <a:t>Need a numbering schema for the XML nodes</a:t>
+            </a:r>
+            <a:endParaRPr lang="en-CA" dirty="0"/>
           </a:p>
         </p:txBody>
       </p:sp>
@@ -10539,11 +10536,7 @@
           <a:p>
             <a:r>
               <a:rPr lang="en-CA" dirty="0" smtClean="0"/>
-              <a:t>XML DBs: </a:t>
-            </a:r>
-            <a:r>
-              <a:rPr lang="en-CA" dirty="0" err="1" smtClean="0"/>
-              <a:t>Paritioning</a:t>
+              <a:t>XML DBs: Materialized Views</a:t>
             </a:r>
             <a:endParaRPr lang="en-CA" dirty="0"/>
           </a:p>
@@ -10680,7 +10673,11 @@
           <a:p>
             <a:r>
               <a:rPr lang="en-CA" dirty="0" smtClean="0"/>
-              <a:t>XML DBs: Clustering</a:t>
+              <a:t>XML DBs: </a:t>
+            </a:r>
+            <a:r>
+              <a:rPr lang="en-CA" dirty="0" err="1" smtClean="0"/>
+              <a:t>Paritioning</a:t>
             </a:r>
             <a:endParaRPr lang="en-CA" dirty="0"/>
           </a:p>
@@ -10817,7 +10814,7 @@
           <a:p>
             <a:r>
               <a:rPr lang="en-CA" dirty="0" smtClean="0"/>
-              <a:t>XML DBs: Summary</a:t>
+              <a:t>XML DBs: Clustering</a:t>
             </a:r>
             <a:endParaRPr lang="en-CA" dirty="0"/>
           </a:p>
@@ -10954,7 +10951,7 @@
           <a:p>
             <a:r>
               <a:rPr lang="en-CA" dirty="0" smtClean="0"/>
-              <a:t>Data Warehouses</a:t>
+              <a:t>XML DBs: Summary</a:t>
             </a:r>
             <a:endParaRPr lang="en-CA" dirty="0"/>
           </a:p>
@@ -10975,26 +10972,7 @@
           <a:bodyPr/>
           <a:lstStyle/>
           <a:p>
-            <a:r>
-              <a:rPr lang="en-CA" dirty="0" err="1" smtClean="0"/>
-              <a:t>Targetted</a:t>
-            </a:r>
-            <a:r>
-              <a:rPr lang="en-CA" dirty="0" smtClean="0"/>
-              <a:t> for decision support systems</a:t>
-            </a:r>
-          </a:p>
-          <a:p>
-            <a:r>
-              <a:rPr lang="en-CA" dirty="0" smtClean="0"/>
-              <a:t>Intense complex queries workload</a:t>
-            </a:r>
-          </a:p>
-          <a:p>
-            <a:endParaRPr lang="en-CA" dirty="0" smtClean="0"/>
-          </a:p>
-          <a:p>
-            <a:endParaRPr lang="en-CA" dirty="0"/>
+            <a:endParaRPr lang="en-CA"/>
           </a:p>
         </p:txBody>
       </p:sp>
@@ -11095,7 +11073,7 @@
       </p:grpSpPr>
       <p:sp>
         <p:nvSpPr>
-          <p:cNvPr id="2" name="Title 1"/>
+          <p:cNvPr id="7" name="Title 6"/>
           <p:cNvSpPr>
             <a:spLocks noGrp="1"/>
           </p:cNvSpPr>
@@ -11110,7 +11088,7 @@
           <a:p>
             <a:r>
               <a:rPr lang="en-CA" dirty="0" smtClean="0"/>
-              <a:t>Data Warehouses: Indexes</a:t>
+              <a:t>Future Work &amp; Open Problems</a:t>
             </a:r>
             <a:endParaRPr lang="en-CA" dirty="0"/>
           </a:p>
@@ -11118,77 +11096,20 @@
       </p:sp>
       <p:sp>
         <p:nvSpPr>
-          <p:cNvPr id="3" name="Content Placeholder 2"/>
-          <p:cNvSpPr>
-            <a:spLocks noGrp="1"/>
-          </p:cNvSpPr>
-          <p:nvPr>
-            <p:ph idx="1"/>
-          </p:nvPr>
-        </p:nvSpPr>
-        <p:spPr/>
-        <p:txBody>
-          <a:bodyPr/>
-          <a:lstStyle/>
-          <a:p>
-            <a:r>
-              <a:rPr lang="en-CA" dirty="0" smtClean="0"/>
-              <a:t>Tree-based Indexes:</a:t>
-            </a:r>
-          </a:p>
-          <a:p>
-            <a:pPr lvl="2"/>
-            <a:r>
-              <a:rPr lang="en-CA" dirty="0" smtClean="0"/>
-              <a:t>B-trees</a:t>
-            </a:r>
-          </a:p>
-          <a:p>
-            <a:pPr lvl="2"/>
-            <a:r>
-              <a:rPr lang="en-CA" dirty="0" smtClean="0"/>
-              <a:t>R-trees</a:t>
-            </a:r>
-          </a:p>
-          <a:p>
-            <a:pPr lvl="2"/>
-            <a:r>
-              <a:rPr lang="en-CA" dirty="0" smtClean="0"/>
-              <a:t>K-D-B tree</a:t>
-            </a:r>
-          </a:p>
-          <a:p>
-            <a:pPr lvl="2"/>
-            <a:r>
-              <a:rPr lang="en-CA" dirty="0" smtClean="0"/>
-              <a:t>BV-tee</a:t>
-            </a:r>
-          </a:p>
-          <a:p>
-            <a:pPr lvl="2"/>
-            <a:r>
-              <a:rPr lang="en-CA" dirty="0" smtClean="0"/>
-              <a:t>UB-tree</a:t>
-            </a:r>
-          </a:p>
-          <a:p>
-            <a:r>
-              <a:rPr lang="en-CA" dirty="0" smtClean="0"/>
-              <a:t>Bitmapped Join Indexes</a:t>
-            </a:r>
-          </a:p>
-          <a:p>
-            <a:r>
-              <a:rPr lang="en-CA" dirty="0" smtClean="0"/>
-              <a:t>Projection Indexes</a:t>
-            </a:r>
-          </a:p>
-          <a:p>
-            <a:r>
-              <a:rPr lang="en-CA" dirty="0" smtClean="0"/>
-              <a:t>Bit-sliced Indexes</a:t>
-            </a:r>
-            <a:endParaRPr lang="en-CA" dirty="0"/>
+          <p:cNvPr id="8" name="Text Placeholder 7"/>
+          <p:cNvSpPr>
+            <a:spLocks noGrp="1"/>
+          </p:cNvSpPr>
+          <p:nvPr>
+            <p:ph type="body" idx="1"/>
+          </p:nvPr>
+        </p:nvSpPr>
+        <p:spPr/>
+        <p:txBody>
+          <a:bodyPr/>
+          <a:lstStyle/>
+          <a:p>
+            <a:endParaRPr lang="en-CA"/>
           </a:p>
         </p:txBody>
       </p:sp>
@@ -11289,7 +11210,7 @@
       </p:grpSpPr>
       <p:sp>
         <p:nvSpPr>
-          <p:cNvPr id="2" name="Title 1"/>
+          <p:cNvPr id="7" name="Title 6"/>
           <p:cNvSpPr>
             <a:spLocks noGrp="1"/>
           </p:cNvSpPr>
@@ -11299,14 +11220,12 @@
         </p:nvSpPr>
         <p:spPr/>
         <p:txBody>
-          <a:bodyPr>
-            <a:normAutofit fontScale="90000"/>
-          </a:bodyPr>
+          <a:bodyPr/>
           <a:lstStyle/>
           <a:p>
             <a:r>
               <a:rPr lang="en-CA" dirty="0" smtClean="0"/>
-              <a:t>Data Warehouses: Materialized Views</a:t>
+              <a:t>Future Work</a:t>
             </a:r>
             <a:endParaRPr lang="en-CA" dirty="0"/>
           </a:p>
@@ -11314,7 +11233,7 @@
       </p:sp>
       <p:sp>
         <p:nvSpPr>
-          <p:cNvPr id="3" name="Content Placeholder 2"/>
+          <p:cNvPr id="8" name="Content Placeholder 7"/>
           <p:cNvSpPr>
             <a:spLocks noGrp="1"/>
           </p:cNvSpPr>
@@ -11327,7 +11246,11 @@
           <a:bodyPr/>
           <a:lstStyle/>
           <a:p>
-            <a:endParaRPr lang="en-CA"/>
+            <a:r>
+              <a:rPr lang="en-CA" dirty="0" smtClean="0"/>
+              <a:t>Looking at automating physical design (put some examples of work here and say its time permitting)</a:t>
+            </a:r>
+            <a:endParaRPr lang="en-CA" dirty="0"/>
           </a:p>
         </p:txBody>
       </p:sp>
@@ -11575,12 +11498,14 @@
         </p:nvSpPr>
         <p:spPr/>
         <p:txBody>
-          <a:bodyPr/>
+          <a:bodyPr>
+            <a:normAutofit fontScale="90000"/>
+          </a:bodyPr>
           <a:lstStyle/>
           <a:p>
             <a:r>
               <a:rPr lang="en-CA" dirty="0" smtClean="0"/>
-              <a:t>Data Warehouses: Partitioning</a:t>
+              <a:t>Open Problems in Physical Design</a:t>
             </a:r>
             <a:endParaRPr lang="en-CA" dirty="0"/>
           </a:p>
@@ -11588,7 +11513,7 @@
       </p:sp>
       <p:sp>
         <p:nvSpPr>
-          <p:cNvPr id="3" name="Content Placeholder 2"/>
+          <p:cNvPr id="8" name="Content Placeholder 7"/>
           <p:cNvSpPr>
             <a:spLocks noGrp="1"/>
           </p:cNvSpPr>
@@ -11702,7 +11627,7 @@
       </p:grpSpPr>
       <p:sp>
         <p:nvSpPr>
-          <p:cNvPr id="2" name="Title 1"/>
+          <p:cNvPr id="7" name="Title 6"/>
           <p:cNvSpPr>
             <a:spLocks noGrp="1"/>
           </p:cNvSpPr>
@@ -11717,7 +11642,7 @@
           <a:p>
             <a:r>
               <a:rPr lang="en-CA" dirty="0" smtClean="0"/>
-              <a:t>Data Warehouses: Clustering</a:t>
+              <a:t>Summary &amp; Conclusions</a:t>
             </a:r>
             <a:endParaRPr lang="en-CA" dirty="0"/>
           </a:p>
@@ -11725,12 +11650,12 @@
       </p:sp>
       <p:sp>
         <p:nvSpPr>
-          <p:cNvPr id="3" name="Content Placeholder 2"/>
-          <p:cNvSpPr>
-            <a:spLocks noGrp="1"/>
-          </p:cNvSpPr>
-          <p:nvPr>
-            <p:ph idx="1"/>
+          <p:cNvPr id="8" name="Text Placeholder 7"/>
+          <p:cNvSpPr>
+            <a:spLocks noGrp="1"/>
+          </p:cNvSpPr>
+          <p:nvPr>
+            <p:ph type="body" idx="1"/>
           </p:nvPr>
         </p:nvSpPr>
         <p:spPr/>
@@ -11839,52 +11764,6 @@
       </p:grpSpPr>
       <p:sp>
         <p:nvSpPr>
-          <p:cNvPr id="2" name="Title 1"/>
-          <p:cNvSpPr>
-            <a:spLocks noGrp="1"/>
-          </p:cNvSpPr>
-          <p:nvPr>
-            <p:ph type="title"/>
-          </p:nvPr>
-        </p:nvSpPr>
-        <p:spPr/>
-        <p:txBody>
-          <a:bodyPr/>
-          <a:lstStyle/>
-          <a:p>
-            <a:r>
-              <a:rPr lang="en-CA" dirty="0" smtClean="0"/>
-              <a:t>Data Warehouses: Summary </a:t>
-            </a:r>
-            <a:endParaRPr lang="en-CA" dirty="0"/>
-          </a:p>
-        </p:txBody>
-      </p:sp>
-      <p:sp>
-        <p:nvSpPr>
-          <p:cNvPr id="3" name="Content Placeholder 2"/>
-          <p:cNvSpPr>
-            <a:spLocks noGrp="1"/>
-          </p:cNvSpPr>
-          <p:nvPr>
-            <p:ph idx="1"/>
-          </p:nvPr>
-        </p:nvSpPr>
-        <p:spPr/>
-        <p:txBody>
-          <a:bodyPr/>
-          <a:lstStyle/>
-          <a:p>
-            <a:r>
-              <a:rPr lang="en-CA" dirty="0" smtClean="0"/>
-              <a:t>Summary Figure</a:t>
-            </a:r>
-            <a:endParaRPr lang="en-CA" dirty="0"/>
-          </a:p>
-        </p:txBody>
-      </p:sp>
-      <p:sp>
-        <p:nvSpPr>
           <p:cNvPr id="4" name="Date Placeholder 3"/>
           <p:cNvSpPr>
             <a:spLocks noGrp="1"/>
@@ -11950,6 +11829,36 @@
               <a:t>42</a:t>
             </a:fld>
             <a:endParaRPr lang="en-CA"/>
+          </a:p>
+        </p:txBody>
+      </p:sp>
+      <p:sp>
+        <p:nvSpPr>
+          <p:cNvPr id="10" name="TextBox 9"/>
+          <p:cNvSpPr txBox="1"/>
+          <p:nvPr/>
+        </p:nvSpPr>
+        <p:spPr>
+          <a:xfrm>
+            <a:off x="857224" y="1571612"/>
+            <a:ext cx="2201244" cy="369332"/>
+          </a:xfrm>
+          <a:prstGeom prst="rect">
+            <a:avLst/>
+          </a:prstGeom>
+          <a:noFill/>
+        </p:spPr>
+        <p:txBody>
+          <a:bodyPr wrap="none" rtlCol="0">
+            <a:spAutoFit/>
+          </a:bodyPr>
+          <a:lstStyle/>
+          <a:p>
+            <a:r>
+              <a:rPr lang="en-CA" dirty="0" smtClean="0"/>
+              <a:t>Big summary table(s)</a:t>
+            </a:r>
+            <a:endParaRPr lang="en-CA" dirty="0"/>
           </a:p>
         </p:txBody>
       </p:sp>
@@ -11980,7 +11889,7 @@
       </p:grpSpPr>
       <p:sp>
         <p:nvSpPr>
-          <p:cNvPr id="7" name="Title 6"/>
+          <p:cNvPr id="5" name="Title 4"/>
           <p:cNvSpPr>
             <a:spLocks noGrp="1"/>
           </p:cNvSpPr>
@@ -11995,7 +11904,7 @@
           <a:p>
             <a:r>
               <a:rPr lang="en-CA" dirty="0" smtClean="0"/>
-              <a:t>Future Work &amp; Open Problems</a:t>
+              <a:t>Conclusions</a:t>
             </a:r>
             <a:endParaRPr lang="en-CA" dirty="0"/>
           </a:p>
@@ -12003,26 +11912,26 @@
       </p:sp>
       <p:sp>
         <p:nvSpPr>
-          <p:cNvPr id="8" name="Text Placeholder 7"/>
-          <p:cNvSpPr>
-            <a:spLocks noGrp="1"/>
-          </p:cNvSpPr>
-          <p:nvPr>
-            <p:ph type="body" idx="1"/>
-          </p:nvPr>
-        </p:nvSpPr>
-        <p:spPr/>
-        <p:txBody>
-          <a:bodyPr/>
-          <a:lstStyle/>
-          <a:p>
-            <a:endParaRPr lang="en-CA"/>
-          </a:p>
-        </p:txBody>
-      </p:sp>
-      <p:sp>
-        <p:nvSpPr>
-          <p:cNvPr id="4" name="Date Placeholder 3"/>
+          <p:cNvPr id="6" name="Content Placeholder 5"/>
+          <p:cNvSpPr>
+            <a:spLocks noGrp="1"/>
+          </p:cNvSpPr>
+          <p:nvPr>
+            <p:ph idx="1"/>
+          </p:nvPr>
+        </p:nvSpPr>
+        <p:spPr/>
+        <p:txBody>
+          <a:bodyPr/>
+          <a:lstStyle/>
+          <a:p>
+            <a:endParaRPr lang="en-CA"/>
+          </a:p>
+        </p:txBody>
+      </p:sp>
+      <p:sp>
+        <p:nvSpPr>
+          <p:cNvPr id="2" name="Date Placeholder 1"/>
           <p:cNvSpPr>
             <a:spLocks noGrp="1"/>
           </p:cNvSpPr>
@@ -12045,7 +11954,7 @@
       </p:sp>
       <p:sp>
         <p:nvSpPr>
-          <p:cNvPr id="5" name="Footer Placeholder 4"/>
+          <p:cNvPr id="3" name="Footer Placeholder 2"/>
           <p:cNvSpPr>
             <a:spLocks noGrp="1"/>
           </p:cNvSpPr>
@@ -12068,7 +11977,7 @@
       </p:sp>
       <p:sp>
         <p:nvSpPr>
-          <p:cNvPr id="6" name="Slide Number Placeholder 5"/>
+          <p:cNvPr id="4" name="Slide Number Placeholder 3"/>
           <p:cNvSpPr>
             <a:spLocks noGrp="1"/>
           </p:cNvSpPr>
@@ -12117,53 +12026,7 @@
       </p:grpSpPr>
       <p:sp>
         <p:nvSpPr>
-          <p:cNvPr id="7" name="Title 6"/>
-          <p:cNvSpPr>
-            <a:spLocks noGrp="1"/>
-          </p:cNvSpPr>
-          <p:nvPr>
-            <p:ph type="title"/>
-          </p:nvPr>
-        </p:nvSpPr>
-        <p:spPr/>
-        <p:txBody>
-          <a:bodyPr/>
-          <a:lstStyle/>
-          <a:p>
-            <a:r>
-              <a:rPr lang="en-CA" dirty="0" smtClean="0"/>
-              <a:t>Future Work</a:t>
-            </a:r>
-            <a:endParaRPr lang="en-CA" dirty="0"/>
-          </a:p>
-        </p:txBody>
-      </p:sp>
-      <p:sp>
-        <p:nvSpPr>
-          <p:cNvPr id="8" name="Content Placeholder 7"/>
-          <p:cNvSpPr>
-            <a:spLocks noGrp="1"/>
-          </p:cNvSpPr>
-          <p:nvPr>
-            <p:ph idx="1"/>
-          </p:nvPr>
-        </p:nvSpPr>
-        <p:spPr/>
-        <p:txBody>
-          <a:bodyPr/>
-          <a:lstStyle/>
-          <a:p>
-            <a:r>
-              <a:rPr lang="en-CA" dirty="0" smtClean="0"/>
-              <a:t>Looking at automating physical design (put some examples of work here and say its time permitting)</a:t>
-            </a:r>
-            <a:endParaRPr lang="en-CA" dirty="0"/>
-          </a:p>
-        </p:txBody>
-      </p:sp>
-      <p:sp>
-        <p:nvSpPr>
-          <p:cNvPr id="4" name="Date Placeholder 3"/>
+          <p:cNvPr id="2" name="Date Placeholder 1"/>
           <p:cNvSpPr>
             <a:spLocks noGrp="1"/>
           </p:cNvSpPr>
@@ -12186,7 +12049,7 @@
       </p:sp>
       <p:sp>
         <p:nvSpPr>
-          <p:cNvPr id="5" name="Footer Placeholder 4"/>
+          <p:cNvPr id="3" name="Footer Placeholder 2"/>
           <p:cNvSpPr>
             <a:spLocks noGrp="1"/>
           </p:cNvSpPr>
@@ -12209,7 +12072,7 @@
       </p:sp>
       <p:sp>
         <p:nvSpPr>
-          <p:cNvPr id="6" name="Slide Number Placeholder 5"/>
+          <p:cNvPr id="4" name="Slide Number Placeholder 3"/>
           <p:cNvSpPr>
             <a:spLocks noGrp="1"/>
           </p:cNvSpPr>
@@ -12228,6 +12091,36 @@
               <a:t>44</a:t>
             </a:fld>
             <a:endParaRPr lang="en-CA"/>
+          </a:p>
+        </p:txBody>
+      </p:sp>
+      <p:sp>
+        <p:nvSpPr>
+          <p:cNvPr id="7" name="TextBox 6"/>
+          <p:cNvSpPr txBox="1"/>
+          <p:nvPr/>
+        </p:nvSpPr>
+        <p:spPr>
+          <a:xfrm>
+            <a:off x="2571736" y="2714620"/>
+            <a:ext cx="3676006" cy="1015663"/>
+          </a:xfrm>
+          <a:prstGeom prst="rect">
+            <a:avLst/>
+          </a:prstGeom>
+          <a:noFill/>
+        </p:spPr>
+        <p:txBody>
+          <a:bodyPr wrap="none" rtlCol="0">
+            <a:spAutoFit/>
+          </a:bodyPr>
+          <a:lstStyle/>
+          <a:p>
+            <a:r>
+              <a:rPr lang="en-CA" sz="6000" b="1" dirty="0" smtClean="0"/>
+              <a:t>Thank you</a:t>
+            </a:r>
+            <a:endParaRPr lang="en-CA" sz="6000" b="1" dirty="0"/>
           </a:p>
         </p:txBody>
       </p:sp>
@@ -12258,7 +12151,7 @@
       </p:grpSpPr>
       <p:sp>
         <p:nvSpPr>
-          <p:cNvPr id="2" name="Title 1"/>
+          <p:cNvPr id="5" name="Title 4"/>
           <p:cNvSpPr>
             <a:spLocks noGrp="1"/>
           </p:cNvSpPr>
@@ -12268,14 +12161,12 @@
         </p:nvSpPr>
         <p:spPr/>
         <p:txBody>
-          <a:bodyPr>
-            <a:normAutofit fontScale="90000"/>
-          </a:bodyPr>
+          <a:bodyPr/>
           <a:lstStyle/>
           <a:p>
             <a:r>
               <a:rPr lang="en-CA" dirty="0" smtClean="0"/>
-              <a:t>Open Problems in Physical Design</a:t>
+              <a:t>References</a:t>
             </a:r>
             <a:endParaRPr lang="en-CA" dirty="0"/>
           </a:p>
@@ -12283,7 +12174,7 @@
       </p:sp>
       <p:sp>
         <p:nvSpPr>
-          <p:cNvPr id="8" name="Content Placeholder 7"/>
+          <p:cNvPr id="6" name="Content Placeholder 5"/>
           <p:cNvSpPr>
             <a:spLocks noGrp="1"/>
           </p:cNvSpPr>
@@ -12302,7 +12193,7 @@
       </p:sp>
       <p:sp>
         <p:nvSpPr>
-          <p:cNvPr id="4" name="Date Placeholder 3"/>
+          <p:cNvPr id="2" name="Date Placeholder 1"/>
           <p:cNvSpPr>
             <a:spLocks noGrp="1"/>
           </p:cNvSpPr>
@@ -12325,7 +12216,7 @@
       </p:sp>
       <p:sp>
         <p:nvSpPr>
-          <p:cNvPr id="5" name="Footer Placeholder 4"/>
+          <p:cNvPr id="3" name="Footer Placeholder 2"/>
           <p:cNvSpPr>
             <a:spLocks noGrp="1"/>
           </p:cNvSpPr>
@@ -12348,7 +12239,7 @@
       </p:sp>
       <p:sp>
         <p:nvSpPr>
-          <p:cNvPr id="6" name="Slide Number Placeholder 5"/>
+          <p:cNvPr id="4" name="Slide Number Placeholder 3"/>
           <p:cNvSpPr>
             <a:spLocks noGrp="1"/>
           </p:cNvSpPr>
@@ -12367,530 +12258,6 @@
               <a:t>45</a:t>
             </a:fld>
             <a:endParaRPr lang="en-CA"/>
-          </a:p>
-        </p:txBody>
-      </p:sp>
-    </p:spTree>
-  </p:cSld>
-  <p:clrMapOvr>
-    <a:masterClrMapping/>
-  </p:clrMapOvr>
-</p:sld>
-</file>
-
-<file path=ppt/slides/slide46.xml><?xml version="1.0" encoding="utf-8"?>
-<p:sld xmlns:a="http://schemas.openxmlformats.org/drawingml/2006/main" xmlns:r="http://schemas.openxmlformats.org/officeDocument/2006/relationships" xmlns:p="http://schemas.openxmlformats.org/presentationml/2006/main">
-  <p:cSld>
-    <p:spTree>
-      <p:nvGrpSpPr>
-        <p:cNvPr id="1" name=""/>
-        <p:cNvGrpSpPr/>
-        <p:nvPr/>
-      </p:nvGrpSpPr>
-      <p:grpSpPr>
-        <a:xfrm>
-          <a:off x="0" y="0"/>
-          <a:ext cx="0" cy="0"/>
-          <a:chOff x="0" y="0"/>
-          <a:chExt cx="0" cy="0"/>
-        </a:xfrm>
-      </p:grpSpPr>
-      <p:sp>
-        <p:nvSpPr>
-          <p:cNvPr id="7" name="Title 6"/>
-          <p:cNvSpPr>
-            <a:spLocks noGrp="1"/>
-          </p:cNvSpPr>
-          <p:nvPr>
-            <p:ph type="title"/>
-          </p:nvPr>
-        </p:nvSpPr>
-        <p:spPr/>
-        <p:txBody>
-          <a:bodyPr/>
-          <a:lstStyle/>
-          <a:p>
-            <a:r>
-              <a:rPr lang="en-CA" dirty="0" smtClean="0"/>
-              <a:t>Summary &amp; Conclusions</a:t>
-            </a:r>
-            <a:endParaRPr lang="en-CA" dirty="0"/>
-          </a:p>
-        </p:txBody>
-      </p:sp>
-      <p:sp>
-        <p:nvSpPr>
-          <p:cNvPr id="8" name="Text Placeholder 7"/>
-          <p:cNvSpPr>
-            <a:spLocks noGrp="1"/>
-          </p:cNvSpPr>
-          <p:nvPr>
-            <p:ph type="body" idx="1"/>
-          </p:nvPr>
-        </p:nvSpPr>
-        <p:spPr/>
-        <p:txBody>
-          <a:bodyPr/>
-          <a:lstStyle/>
-          <a:p>
-            <a:endParaRPr lang="en-CA"/>
-          </a:p>
-        </p:txBody>
-      </p:sp>
-      <p:sp>
-        <p:nvSpPr>
-          <p:cNvPr id="4" name="Date Placeholder 3"/>
-          <p:cNvSpPr>
-            <a:spLocks noGrp="1"/>
-          </p:cNvSpPr>
-          <p:nvPr>
-            <p:ph type="dt" sz="half" idx="10"/>
-          </p:nvPr>
-        </p:nvSpPr>
-        <p:spPr/>
-        <p:txBody>
-          <a:bodyPr/>
-          <a:lstStyle/>
-          <a:p>
-            <a:r>
-              <a:rPr lang="en-US" smtClean="0"/>
-              <a:t>Physical Design Patterns</a:t>
-            </a:r>
-            <a:endParaRPr lang="en-CA"/>
-          </a:p>
-        </p:txBody>
-      </p:sp>
-      <p:sp>
-        <p:nvSpPr>
-          <p:cNvPr id="5" name="Footer Placeholder 4"/>
-          <p:cNvSpPr>
-            <a:spLocks noGrp="1"/>
-          </p:cNvSpPr>
-          <p:nvPr>
-            <p:ph type="ftr" sz="quarter" idx="11"/>
-          </p:nvPr>
-        </p:nvSpPr>
-        <p:spPr/>
-        <p:txBody>
-          <a:bodyPr/>
-          <a:lstStyle/>
-          <a:p>
-            <a:r>
-              <a:rPr lang="en-CA" smtClean="0"/>
-              <a:t>Karim Ali &amp; Sarah Nadi</a:t>
-            </a:r>
-            <a:endParaRPr lang="en-CA"/>
-          </a:p>
-        </p:txBody>
-      </p:sp>
-      <p:sp>
-        <p:nvSpPr>
-          <p:cNvPr id="6" name="Slide Number Placeholder 5"/>
-          <p:cNvSpPr>
-            <a:spLocks noGrp="1"/>
-          </p:cNvSpPr>
-          <p:nvPr>
-            <p:ph type="sldNum" sz="quarter" idx="12"/>
-          </p:nvPr>
-        </p:nvSpPr>
-        <p:spPr/>
-        <p:txBody>
-          <a:bodyPr/>
-          <a:lstStyle/>
-          <a:p>
-            <a:fld id="{9AC8176B-BF31-4706-B15B-1AFC481B9AC3}" type="slidenum">
-              <a:rPr lang="en-CA" smtClean="0"/>
-              <a:pPr/>
-              <a:t>46</a:t>
-            </a:fld>
-            <a:endParaRPr lang="en-CA"/>
-          </a:p>
-        </p:txBody>
-      </p:sp>
-    </p:spTree>
-  </p:cSld>
-  <p:clrMapOvr>
-    <a:masterClrMapping/>
-  </p:clrMapOvr>
-</p:sld>
-</file>
-
-<file path=ppt/slides/slide47.xml><?xml version="1.0" encoding="utf-8"?>
-<p:sld xmlns:a="http://schemas.openxmlformats.org/drawingml/2006/main" xmlns:r="http://schemas.openxmlformats.org/officeDocument/2006/relationships" xmlns:p="http://schemas.openxmlformats.org/presentationml/2006/main">
-  <p:cSld>
-    <p:spTree>
-      <p:nvGrpSpPr>
-        <p:cNvPr id="1" name=""/>
-        <p:cNvGrpSpPr/>
-        <p:nvPr/>
-      </p:nvGrpSpPr>
-      <p:grpSpPr>
-        <a:xfrm>
-          <a:off x="0" y="0"/>
-          <a:ext cx="0" cy="0"/>
-          <a:chOff x="0" y="0"/>
-          <a:chExt cx="0" cy="0"/>
-        </a:xfrm>
-      </p:grpSpPr>
-      <p:sp>
-        <p:nvSpPr>
-          <p:cNvPr id="4" name="Date Placeholder 3"/>
-          <p:cNvSpPr>
-            <a:spLocks noGrp="1"/>
-          </p:cNvSpPr>
-          <p:nvPr>
-            <p:ph type="dt" sz="half" idx="10"/>
-          </p:nvPr>
-        </p:nvSpPr>
-        <p:spPr/>
-        <p:txBody>
-          <a:bodyPr/>
-          <a:lstStyle/>
-          <a:p>
-            <a:r>
-              <a:rPr lang="en-US" smtClean="0"/>
-              <a:t>Physical Design Patterns</a:t>
-            </a:r>
-            <a:endParaRPr lang="en-CA"/>
-          </a:p>
-        </p:txBody>
-      </p:sp>
-      <p:sp>
-        <p:nvSpPr>
-          <p:cNvPr id="5" name="Footer Placeholder 4"/>
-          <p:cNvSpPr>
-            <a:spLocks noGrp="1"/>
-          </p:cNvSpPr>
-          <p:nvPr>
-            <p:ph type="ftr" sz="quarter" idx="11"/>
-          </p:nvPr>
-        </p:nvSpPr>
-        <p:spPr/>
-        <p:txBody>
-          <a:bodyPr/>
-          <a:lstStyle/>
-          <a:p>
-            <a:r>
-              <a:rPr lang="en-CA" smtClean="0"/>
-              <a:t>Karim Ali &amp; Sarah Nadi</a:t>
-            </a:r>
-            <a:endParaRPr lang="en-CA"/>
-          </a:p>
-        </p:txBody>
-      </p:sp>
-      <p:sp>
-        <p:nvSpPr>
-          <p:cNvPr id="6" name="Slide Number Placeholder 5"/>
-          <p:cNvSpPr>
-            <a:spLocks noGrp="1"/>
-          </p:cNvSpPr>
-          <p:nvPr>
-            <p:ph type="sldNum" sz="quarter" idx="12"/>
-          </p:nvPr>
-        </p:nvSpPr>
-        <p:spPr/>
-        <p:txBody>
-          <a:bodyPr/>
-          <a:lstStyle/>
-          <a:p>
-            <a:fld id="{9AC8176B-BF31-4706-B15B-1AFC481B9AC3}" type="slidenum">
-              <a:rPr lang="en-CA" smtClean="0"/>
-              <a:pPr/>
-              <a:t>47</a:t>
-            </a:fld>
-            <a:endParaRPr lang="en-CA"/>
-          </a:p>
-        </p:txBody>
-      </p:sp>
-      <p:sp>
-        <p:nvSpPr>
-          <p:cNvPr id="10" name="TextBox 9"/>
-          <p:cNvSpPr txBox="1"/>
-          <p:nvPr/>
-        </p:nvSpPr>
-        <p:spPr>
-          <a:xfrm>
-            <a:off x="857224" y="1571612"/>
-            <a:ext cx="2201244" cy="369332"/>
-          </a:xfrm>
-          <a:prstGeom prst="rect">
-            <a:avLst/>
-          </a:prstGeom>
-          <a:noFill/>
-        </p:spPr>
-        <p:txBody>
-          <a:bodyPr wrap="none" rtlCol="0">
-            <a:spAutoFit/>
-          </a:bodyPr>
-          <a:lstStyle/>
-          <a:p>
-            <a:r>
-              <a:rPr lang="en-CA" dirty="0" smtClean="0"/>
-              <a:t>Big summary table(s)</a:t>
-            </a:r>
-            <a:endParaRPr lang="en-CA" dirty="0"/>
-          </a:p>
-        </p:txBody>
-      </p:sp>
-    </p:spTree>
-  </p:cSld>
-  <p:clrMapOvr>
-    <a:masterClrMapping/>
-  </p:clrMapOvr>
-</p:sld>
-</file>
-
-<file path=ppt/slides/slide48.xml><?xml version="1.0" encoding="utf-8"?>
-<p:sld xmlns:a="http://schemas.openxmlformats.org/drawingml/2006/main" xmlns:r="http://schemas.openxmlformats.org/officeDocument/2006/relationships" xmlns:p="http://schemas.openxmlformats.org/presentationml/2006/main">
-  <p:cSld>
-    <p:spTree>
-      <p:nvGrpSpPr>
-        <p:cNvPr id="1" name=""/>
-        <p:cNvGrpSpPr/>
-        <p:nvPr/>
-      </p:nvGrpSpPr>
-      <p:grpSpPr>
-        <a:xfrm>
-          <a:off x="0" y="0"/>
-          <a:ext cx="0" cy="0"/>
-          <a:chOff x="0" y="0"/>
-          <a:chExt cx="0" cy="0"/>
-        </a:xfrm>
-      </p:grpSpPr>
-      <p:sp>
-        <p:nvSpPr>
-          <p:cNvPr id="5" name="Title 4"/>
-          <p:cNvSpPr>
-            <a:spLocks noGrp="1"/>
-          </p:cNvSpPr>
-          <p:nvPr>
-            <p:ph type="title"/>
-          </p:nvPr>
-        </p:nvSpPr>
-        <p:spPr/>
-        <p:txBody>
-          <a:bodyPr/>
-          <a:lstStyle/>
-          <a:p>
-            <a:r>
-              <a:rPr lang="en-CA" dirty="0" smtClean="0"/>
-              <a:t>Conclusions</a:t>
-            </a:r>
-            <a:endParaRPr lang="en-CA" dirty="0"/>
-          </a:p>
-        </p:txBody>
-      </p:sp>
-      <p:sp>
-        <p:nvSpPr>
-          <p:cNvPr id="6" name="Content Placeholder 5"/>
-          <p:cNvSpPr>
-            <a:spLocks noGrp="1"/>
-          </p:cNvSpPr>
-          <p:nvPr>
-            <p:ph idx="1"/>
-          </p:nvPr>
-        </p:nvSpPr>
-        <p:spPr/>
-        <p:txBody>
-          <a:bodyPr/>
-          <a:lstStyle/>
-          <a:p>
-            <a:endParaRPr lang="en-CA"/>
-          </a:p>
-        </p:txBody>
-      </p:sp>
-      <p:sp>
-        <p:nvSpPr>
-          <p:cNvPr id="2" name="Date Placeholder 1"/>
-          <p:cNvSpPr>
-            <a:spLocks noGrp="1"/>
-          </p:cNvSpPr>
-          <p:nvPr>
-            <p:ph type="dt" sz="half" idx="10"/>
-          </p:nvPr>
-        </p:nvSpPr>
-        <p:spPr/>
-        <p:txBody>
-          <a:bodyPr/>
-          <a:lstStyle/>
-          <a:p>
-            <a:r>
-              <a:rPr lang="en-US" smtClean="0"/>
-              <a:t>Physical Design Patterns</a:t>
-            </a:r>
-            <a:endParaRPr lang="en-CA"/>
-          </a:p>
-        </p:txBody>
-      </p:sp>
-      <p:sp>
-        <p:nvSpPr>
-          <p:cNvPr id="3" name="Footer Placeholder 2"/>
-          <p:cNvSpPr>
-            <a:spLocks noGrp="1"/>
-          </p:cNvSpPr>
-          <p:nvPr>
-            <p:ph type="ftr" sz="quarter" idx="11"/>
-          </p:nvPr>
-        </p:nvSpPr>
-        <p:spPr/>
-        <p:txBody>
-          <a:bodyPr/>
-          <a:lstStyle/>
-          <a:p>
-            <a:r>
-              <a:rPr lang="en-CA" smtClean="0"/>
-              <a:t>Karim Ali &amp; Sarah Nadi</a:t>
-            </a:r>
-            <a:endParaRPr lang="en-CA"/>
-          </a:p>
-        </p:txBody>
-      </p:sp>
-      <p:sp>
-        <p:nvSpPr>
-          <p:cNvPr id="4" name="Slide Number Placeholder 3"/>
-          <p:cNvSpPr>
-            <a:spLocks noGrp="1"/>
-          </p:cNvSpPr>
-          <p:nvPr>
-            <p:ph type="sldNum" sz="quarter" idx="12"/>
-          </p:nvPr>
-        </p:nvSpPr>
-        <p:spPr/>
-        <p:txBody>
-          <a:bodyPr/>
-          <a:lstStyle/>
-          <a:p>
-            <a:fld id="{9AC8176B-BF31-4706-B15B-1AFC481B9AC3}" type="slidenum">
-              <a:rPr lang="en-CA" smtClean="0"/>
-              <a:pPr/>
-              <a:t>48</a:t>
-            </a:fld>
-            <a:endParaRPr lang="en-CA"/>
-          </a:p>
-        </p:txBody>
-      </p:sp>
-    </p:spTree>
-  </p:cSld>
-  <p:clrMapOvr>
-    <a:masterClrMapping/>
-  </p:clrMapOvr>
-</p:sld>
-</file>
-
-<file path=ppt/slides/slide49.xml><?xml version="1.0" encoding="utf-8"?>
-<p:sld xmlns:a="http://schemas.openxmlformats.org/drawingml/2006/main" xmlns:r="http://schemas.openxmlformats.org/officeDocument/2006/relationships" xmlns:p="http://schemas.openxmlformats.org/presentationml/2006/main">
-  <p:cSld>
-    <p:spTree>
-      <p:nvGrpSpPr>
-        <p:cNvPr id="1" name=""/>
-        <p:cNvGrpSpPr/>
-        <p:nvPr/>
-      </p:nvGrpSpPr>
-      <p:grpSpPr>
-        <a:xfrm>
-          <a:off x="0" y="0"/>
-          <a:ext cx="0" cy="0"/>
-          <a:chOff x="0" y="0"/>
-          <a:chExt cx="0" cy="0"/>
-        </a:xfrm>
-      </p:grpSpPr>
-      <p:sp>
-        <p:nvSpPr>
-          <p:cNvPr id="2" name="Date Placeholder 1"/>
-          <p:cNvSpPr>
-            <a:spLocks noGrp="1"/>
-          </p:cNvSpPr>
-          <p:nvPr>
-            <p:ph type="dt" sz="half" idx="10"/>
-          </p:nvPr>
-        </p:nvSpPr>
-        <p:spPr/>
-        <p:txBody>
-          <a:bodyPr/>
-          <a:lstStyle/>
-          <a:p>
-            <a:r>
-              <a:rPr lang="en-US" smtClean="0"/>
-              <a:t>Physical Design Patterns</a:t>
-            </a:r>
-            <a:endParaRPr lang="en-CA"/>
-          </a:p>
-        </p:txBody>
-      </p:sp>
-      <p:sp>
-        <p:nvSpPr>
-          <p:cNvPr id="3" name="Footer Placeholder 2"/>
-          <p:cNvSpPr>
-            <a:spLocks noGrp="1"/>
-          </p:cNvSpPr>
-          <p:nvPr>
-            <p:ph type="ftr" sz="quarter" idx="11"/>
-          </p:nvPr>
-        </p:nvSpPr>
-        <p:spPr/>
-        <p:txBody>
-          <a:bodyPr/>
-          <a:lstStyle/>
-          <a:p>
-            <a:r>
-              <a:rPr lang="en-CA" smtClean="0"/>
-              <a:t>Karim Ali &amp; Sarah Nadi</a:t>
-            </a:r>
-            <a:endParaRPr lang="en-CA"/>
-          </a:p>
-        </p:txBody>
-      </p:sp>
-      <p:sp>
-        <p:nvSpPr>
-          <p:cNvPr id="4" name="Slide Number Placeholder 3"/>
-          <p:cNvSpPr>
-            <a:spLocks noGrp="1"/>
-          </p:cNvSpPr>
-          <p:nvPr>
-            <p:ph type="sldNum" sz="quarter" idx="12"/>
-          </p:nvPr>
-        </p:nvSpPr>
-        <p:spPr/>
-        <p:txBody>
-          <a:bodyPr/>
-          <a:lstStyle/>
-          <a:p>
-            <a:fld id="{9AC8176B-BF31-4706-B15B-1AFC481B9AC3}" type="slidenum">
-              <a:rPr lang="en-CA" smtClean="0"/>
-              <a:pPr/>
-              <a:t>49</a:t>
-            </a:fld>
-            <a:endParaRPr lang="en-CA"/>
-          </a:p>
-        </p:txBody>
-      </p:sp>
-      <p:sp>
-        <p:nvSpPr>
-          <p:cNvPr id="7" name="TextBox 6"/>
-          <p:cNvSpPr txBox="1"/>
-          <p:nvPr/>
-        </p:nvSpPr>
-        <p:spPr>
-          <a:xfrm>
-            <a:off x="2571736" y="2714620"/>
-            <a:ext cx="3676006" cy="1015663"/>
-          </a:xfrm>
-          <a:prstGeom prst="rect">
-            <a:avLst/>
-          </a:prstGeom>
-          <a:noFill/>
-        </p:spPr>
-        <p:txBody>
-          <a:bodyPr wrap="none" rtlCol="0">
-            <a:spAutoFit/>
-          </a:bodyPr>
-          <a:lstStyle/>
-          <a:p>
-            <a:r>
-              <a:rPr lang="en-CA" sz="6000" b="1" dirty="0" smtClean="0"/>
-              <a:t>Thank you</a:t>
-            </a:r>
-            <a:endParaRPr lang="en-CA" sz="6000" b="1" dirty="0"/>
           </a:p>
         </p:txBody>
       </p:sp>
@@ -12971,17 +12338,8 @@
               <a:rPr lang="en-CA" dirty="0" smtClean="0">
                 <a:latin typeface="Wingdings"/>
               </a:rPr>
-              <a:t>--&gt; need to </a:t>
-            </a:r>
-            <a:r>
-              <a:rPr lang="en-CA" dirty="0" smtClean="0">
-                <a:latin typeface="Wingdings"/>
-              </a:rPr>
-              <a:t>minimize</a:t>
-            </a:r>
-            <a:endParaRPr lang="en-CA" dirty="0" smtClean="0">
-              <a:latin typeface="Wingdings"/>
-            </a:endParaRPr>
+              <a:t>--&gt; need to minimize</a:t>
+            </a:r>
           </a:p>
           <a:p>
             <a:endParaRPr lang="en-CA" dirty="0"/>
@@ -13053,143 +12411,6 @@
               <a:rPr lang="en-CA" smtClean="0"/>
               <a:pPr/>
               <a:t>5</a:t>
-            </a:fld>
-            <a:endParaRPr lang="en-CA"/>
-          </a:p>
-        </p:txBody>
-      </p:sp>
-    </p:spTree>
-  </p:cSld>
-  <p:clrMapOvr>
-    <a:masterClrMapping/>
-  </p:clrMapOvr>
-</p:sld>
-</file>
-
-<file path=ppt/slides/slide50.xml><?xml version="1.0" encoding="utf-8"?>
-<p:sld xmlns:a="http://schemas.openxmlformats.org/drawingml/2006/main" xmlns:r="http://schemas.openxmlformats.org/officeDocument/2006/relationships" xmlns:p="http://schemas.openxmlformats.org/presentationml/2006/main">
-  <p:cSld>
-    <p:spTree>
-      <p:nvGrpSpPr>
-        <p:cNvPr id="1" name=""/>
-        <p:cNvGrpSpPr/>
-        <p:nvPr/>
-      </p:nvGrpSpPr>
-      <p:grpSpPr>
-        <a:xfrm>
-          <a:off x="0" y="0"/>
-          <a:ext cx="0" cy="0"/>
-          <a:chOff x="0" y="0"/>
-          <a:chExt cx="0" cy="0"/>
-        </a:xfrm>
-      </p:grpSpPr>
-      <p:sp>
-        <p:nvSpPr>
-          <p:cNvPr id="5" name="Title 4"/>
-          <p:cNvSpPr>
-            <a:spLocks noGrp="1"/>
-          </p:cNvSpPr>
-          <p:nvPr>
-            <p:ph type="title"/>
-          </p:nvPr>
-        </p:nvSpPr>
-        <p:spPr/>
-        <p:txBody>
-          <a:bodyPr/>
-          <a:lstStyle/>
-          <a:p>
-            <a:r>
-              <a:rPr lang="en-CA" dirty="0" smtClean="0"/>
-              <a:t>References</a:t>
-            </a:r>
-            <a:endParaRPr lang="en-CA" dirty="0"/>
-          </a:p>
-        </p:txBody>
-      </p:sp>
-      <p:sp>
-        <p:nvSpPr>
-          <p:cNvPr id="6" name="Content Placeholder 5"/>
-          <p:cNvSpPr>
-            <a:spLocks noGrp="1"/>
-          </p:cNvSpPr>
-          <p:nvPr>
-            <p:ph idx="1"/>
-          </p:nvPr>
-        </p:nvSpPr>
-        <p:spPr/>
-        <p:txBody>
-          <a:bodyPr/>
-          <a:lstStyle/>
-          <a:p>
-            <a:endParaRPr lang="en-CA"/>
-          </a:p>
-        </p:txBody>
-      </p:sp>
-      <p:sp>
-        <p:nvSpPr>
-          <p:cNvPr id="2" name="Date Placeholder 1"/>
-          <p:cNvSpPr>
-            <a:spLocks noGrp="1"/>
-          </p:cNvSpPr>
-          <p:nvPr>
-            <p:ph type="dt" sz="half" idx="10"/>
-          </p:nvPr>
-        </p:nvSpPr>
-        <p:spPr/>
-        <p:txBody>
-          <a:bodyPr/>
-          <a:lstStyle/>
-          <a:p>
-            <a:r>
-              <a:rPr lang="en-US" smtClean="0"/>
-              <a:t>Physical Design Patterns</a:t>
-            </a:r>
-            <a:endParaRPr lang="en-CA"/>
-          </a:p>
-        </p:txBody>
-      </p:sp>
-      <p:sp>
-        <p:nvSpPr>
-          <p:cNvPr id="3" name="Footer Placeholder 2"/>
-          <p:cNvSpPr>
-            <a:spLocks noGrp="1"/>
-          </p:cNvSpPr>
-          <p:nvPr>
-            <p:ph type="ftr" sz="quarter" idx="11"/>
-          </p:nvPr>
-        </p:nvSpPr>
-        <p:spPr/>
-        <p:txBody>
-          <a:bodyPr/>
-          <a:lstStyle/>
-          <a:p>
-            <a:r>
-              <a:rPr lang="en-CA" smtClean="0"/>
-              <a:t>Karim Ali &amp; Sarah Nadi</a:t>
-            </a:r>
-            <a:endParaRPr lang="en-CA"/>
-          </a:p>
-        </p:txBody>
-      </p:sp>
-      <p:sp>
-        <p:nvSpPr>
-          <p:cNvPr id="4" name="Slide Number Placeholder 3"/>
-          <p:cNvSpPr>
-            <a:spLocks noGrp="1"/>
-          </p:cNvSpPr>
-          <p:nvPr>
-            <p:ph type="sldNum" sz="quarter" idx="12"/>
-          </p:nvPr>
-        </p:nvSpPr>
-        <p:spPr/>
-        <p:txBody>
-          <a:bodyPr/>
-          <a:lstStyle/>
-          <a:p>
-            <a:fld id="{9AC8176B-BF31-4706-B15B-1AFC481B9AC3}" type="slidenum">
-              <a:rPr lang="en-CA" smtClean="0"/>
-              <a:pPr/>
-              <a:t>50</a:t>
             </a:fld>
             <a:endParaRPr lang="en-CA"/>
           </a:p>

--- a/trunk/cs848-db/PhysDesignPres.pptx
+++ b/trunk/cs848-db/PhysDesignPres.pptx
@@ -5,7 +5,7 @@
     <p:sldMasterId id="2147483672" r:id="rId1"/>
   </p:sldMasterIdLst>
   <p:notesMasterIdLst>
-    <p:notesMasterId r:id="rId47"/>
+    <p:notesMasterId r:id="rId50"/>
   </p:notesMasterIdLst>
   <p:sldIdLst>
     <p:sldId id="256" r:id="rId2"/>
@@ -25,34 +25,37 @@
     <p:sldId id="270" r:id="rId16"/>
     <p:sldId id="271" r:id="rId17"/>
     <p:sldId id="285" r:id="rId18"/>
-    <p:sldId id="272" r:id="rId19"/>
-    <p:sldId id="273" r:id="rId20"/>
-    <p:sldId id="274" r:id="rId21"/>
-    <p:sldId id="275" r:id="rId22"/>
-    <p:sldId id="276" r:id="rId23"/>
-    <p:sldId id="284" r:id="rId24"/>
-    <p:sldId id="299" r:id="rId25"/>
-    <p:sldId id="300" r:id="rId26"/>
-    <p:sldId id="306" r:id="rId27"/>
-    <p:sldId id="305" r:id="rId28"/>
-    <p:sldId id="301" r:id="rId29"/>
-    <p:sldId id="302" r:id="rId30"/>
-    <p:sldId id="303" r:id="rId31"/>
-    <p:sldId id="304" r:id="rId32"/>
-    <p:sldId id="277" r:id="rId33"/>
-    <p:sldId id="278" r:id="rId34"/>
-    <p:sldId id="279" r:id="rId35"/>
-    <p:sldId id="280" r:id="rId36"/>
-    <p:sldId id="281" r:id="rId37"/>
-    <p:sldId id="283" r:id="rId38"/>
-    <p:sldId id="291" r:id="rId39"/>
-    <p:sldId id="294" r:id="rId40"/>
-    <p:sldId id="295" r:id="rId41"/>
-    <p:sldId id="296" r:id="rId42"/>
-    <p:sldId id="292" r:id="rId43"/>
-    <p:sldId id="297" r:id="rId44"/>
-    <p:sldId id="298" r:id="rId45"/>
-    <p:sldId id="293" r:id="rId46"/>
+    <p:sldId id="307" r:id="rId19"/>
+    <p:sldId id="308" r:id="rId20"/>
+    <p:sldId id="309" r:id="rId21"/>
+    <p:sldId id="310" r:id="rId22"/>
+    <p:sldId id="311" r:id="rId23"/>
+    <p:sldId id="312" r:id="rId24"/>
+    <p:sldId id="313" r:id="rId25"/>
+    <p:sldId id="314" r:id="rId26"/>
+    <p:sldId id="315" r:id="rId27"/>
+    <p:sldId id="299" r:id="rId28"/>
+    <p:sldId id="300" r:id="rId29"/>
+    <p:sldId id="306" r:id="rId30"/>
+    <p:sldId id="305" r:id="rId31"/>
+    <p:sldId id="301" r:id="rId32"/>
+    <p:sldId id="302" r:id="rId33"/>
+    <p:sldId id="303" r:id="rId34"/>
+    <p:sldId id="304" r:id="rId35"/>
+    <p:sldId id="277" r:id="rId36"/>
+    <p:sldId id="278" r:id="rId37"/>
+    <p:sldId id="279" r:id="rId38"/>
+    <p:sldId id="280" r:id="rId39"/>
+    <p:sldId id="281" r:id="rId40"/>
+    <p:sldId id="283" r:id="rId41"/>
+    <p:sldId id="291" r:id="rId42"/>
+    <p:sldId id="294" r:id="rId43"/>
+    <p:sldId id="295" r:id="rId44"/>
+    <p:sldId id="296" r:id="rId45"/>
+    <p:sldId id="292" r:id="rId46"/>
+    <p:sldId id="297" r:id="rId47"/>
+    <p:sldId id="298" r:id="rId48"/>
+    <p:sldId id="293" r:id="rId49"/>
   </p:sldIdLst>
   <p:sldSz cx="9144000" cy="6858000" type="screen4x3"/>
   <p:notesSz cx="6858000" cy="9144000"/>
@@ -7692,14 +7695,39 @@
           <a:p>
             <a:r>
               <a:rPr lang="en-CA" dirty="0" smtClean="0"/>
-              <a:t>Data resides in main memory </a:t>
-            </a:r>
-          </a:p>
-          <a:p>
+              <a:t>Primary copy of d</a:t>
+            </a:r>
             <a:r>
               <a:rPr lang="en-CA" dirty="0" smtClean="0"/>
-              <a:t>Cheaper to access main memory</a:t>
-            </a:r>
+              <a:t>ata </a:t>
+            </a:r>
+            <a:r>
+              <a:rPr lang="en-CA" dirty="0" smtClean="0"/>
+              <a:t>resides in main memory </a:t>
+            </a:r>
+          </a:p>
+          <a:p>
+            <a:r>
+              <a:rPr lang="en-CA" dirty="0" smtClean="0"/>
+              <a:t>Cheaper to access main </a:t>
+            </a:r>
+            <a:r>
+              <a:rPr lang="en-CA" dirty="0" smtClean="0"/>
+              <a:t>memory</a:t>
+            </a:r>
+          </a:p>
+          <a:p>
+            <a:r>
+              <a:rPr lang="en-CA" dirty="0" smtClean="0"/>
+              <a:t>MMDB have better performance</a:t>
+            </a:r>
+          </a:p>
+          <a:p>
+            <a:r>
+              <a:rPr lang="en-CA" dirty="0" smtClean="0"/>
+              <a:t>Usually have an archived copy of the data in case of crashes</a:t>
+            </a:r>
+            <a:endParaRPr lang="en-CA" dirty="0" smtClean="0"/>
           </a:p>
           <a:p>
             <a:endParaRPr lang="en-CA" dirty="0"/>
@@ -7836,12 +7864,31 @@
         </p:nvSpPr>
         <p:spPr/>
         <p:txBody>
-          <a:bodyPr/>
+          <a:bodyPr>
+            <a:normAutofit lnSpcReduction="10000"/>
+          </a:bodyPr>
           <a:lstStyle/>
           <a:p>
             <a:r>
               <a:rPr lang="en-CA" dirty="0" smtClean="0"/>
-              <a:t>Factors to consider:</a:t>
+              <a:t>Use:</a:t>
+            </a:r>
+          </a:p>
+          <a:p>
+            <a:pPr lvl="2"/>
+            <a:r>
+              <a:rPr lang="en-CA" dirty="0" smtClean="0"/>
+              <a:t>Reduce overall computation time without using too much extra space</a:t>
+            </a:r>
+          </a:p>
+          <a:p>
+            <a:r>
+              <a:rPr lang="en-CA" dirty="0" smtClean="0"/>
+              <a:t>Factors </a:t>
+            </a:r>
+            <a:r>
+              <a:rPr lang="en-CA" dirty="0" smtClean="0"/>
+              <a:t>to consider:</a:t>
             </a:r>
           </a:p>
           <a:p>
@@ -7855,20 +7902,36 @@
             <a:pPr lvl="2"/>
             <a:r>
               <a:rPr lang="en-CA" dirty="0" smtClean="0"/>
-              <a:t>Should be cache conscious</a:t>
-            </a:r>
-          </a:p>
-          <a:p>
+              <a:t>Should be cache </a:t>
+            </a:r>
             <a:r>
               <a:rPr lang="en-CA" dirty="0" smtClean="0"/>
-              <a:t>Types of indexes used:</a:t>
+              <a:t>conscious</a:t>
             </a:r>
           </a:p>
           <a:p>
             <a:pPr lvl="2"/>
             <a:r>
-              <a:rPr lang="en-CA" dirty="0" err="1" smtClean="0"/>
-              <a:t>B+trees</a:t>
+              <a:rPr lang="en-CA" dirty="0" smtClean="0"/>
+              <a:t>No need to store data in the index structure</a:t>
+            </a:r>
+            <a:endParaRPr lang="en-CA" dirty="0" smtClean="0"/>
+          </a:p>
+          <a:p>
+            <a:r>
+              <a:rPr lang="en-CA" dirty="0" smtClean="0"/>
+              <a:t>Categories </a:t>
+            </a:r>
+            <a:r>
+              <a:rPr lang="en-CA" dirty="0" smtClean="0"/>
+              <a:t>of indexes used:</a:t>
+            </a:r>
+          </a:p>
+          <a:p>
+            <a:pPr lvl="2"/>
+            <a:r>
+              <a:rPr lang="en-CA" dirty="0" smtClean="0"/>
+              <a:t>B Trees</a:t>
             </a:r>
             <a:endParaRPr lang="en-CA" dirty="0" smtClean="0"/>
           </a:p>
@@ -7883,41 +7946,9 @@
             <a:pPr lvl="2"/>
             <a:r>
               <a:rPr lang="en-CA" dirty="0" smtClean="0"/>
-              <a:t>Cache Sensitive Search Trees</a:t>
-            </a:r>
-          </a:p>
-          <a:p>
-            <a:pPr lvl="2"/>
-            <a:r>
-              <a:rPr lang="en-CA" dirty="0" smtClean="0"/>
-              <a:t>Cache Sensitive B+ Trees</a:t>
-            </a:r>
-          </a:p>
-          <a:p>
-            <a:pPr lvl="2"/>
-            <a:r>
-              <a:rPr lang="en-CA" dirty="0" err="1" smtClean="0"/>
-              <a:t>Prefetching</a:t>
-            </a:r>
-            <a:r>
-              <a:rPr lang="en-CA" dirty="0" smtClean="0"/>
-              <a:t> B+ Trees</a:t>
-            </a:r>
-          </a:p>
-          <a:p>
-            <a:pPr lvl="2"/>
-            <a:r>
-              <a:rPr lang="en-CA" dirty="0" smtClean="0"/>
-              <a:t>J+ Trees and </a:t>
-            </a:r>
-            <a:r>
-              <a:rPr lang="en-CA" dirty="0" err="1" smtClean="0"/>
-              <a:t>pJ</a:t>
-            </a:r>
-            <a:r>
-              <a:rPr lang="en-CA" dirty="0" smtClean="0"/>
-              <a:t>+ trees</a:t>
-            </a:r>
+              <a:t>Search Trees</a:t>
+            </a:r>
+            <a:endParaRPr lang="en-CA" dirty="0" smtClean="0"/>
           </a:p>
         </p:txBody>
       </p:sp>
@@ -8234,6 +8265,39 @@
           <a:chExt cx="0" cy="0"/>
         </a:xfrm>
       </p:grpSpPr>
+      <p:pic>
+        <p:nvPicPr>
+          <p:cNvPr id="1026" name="Picture 2"/>
+          <p:cNvPicPr>
+            <a:picLocks noChangeAspect="1" noChangeArrowheads="1"/>
+          </p:cNvPicPr>
+          <p:nvPr/>
+        </p:nvPicPr>
+        <p:blipFill>
+          <a:blip r:embed="rId2"/>
+          <a:srcRect/>
+          <a:stretch>
+            <a:fillRect/>
+          </a:stretch>
+        </p:blipFill>
+        <p:spPr bwMode="auto">
+          <a:xfrm>
+            <a:off x="897702" y="1500174"/>
+            <a:ext cx="7317636" cy="5166297"/>
+          </a:xfrm>
+          <a:prstGeom prst="rect">
+            <a:avLst/>
+          </a:prstGeom>
+          <a:noFill/>
+          <a:ln w="9525">
+            <a:noFill/>
+            <a:miter lim="800000"/>
+            <a:headEnd/>
+            <a:tailEnd/>
+          </a:ln>
+          <a:effectLst/>
+        </p:spPr>
+      </p:pic>
       <p:sp>
         <p:nvSpPr>
           <p:cNvPr id="2" name="Title 1"/>
@@ -8251,9 +8315,13 @@
           <a:p>
             <a:r>
               <a:rPr lang="en-CA" dirty="0" smtClean="0"/>
-              <a:t>MMDB: Materialized Views</a:t>
-            </a:r>
-            <a:endParaRPr lang="en-CA" dirty="0"/>
+              <a:t>MMDB: Indexes </a:t>
+            </a:r>
+            <a:r>
+              <a:rPr lang="en-CA" sz="2400" i="1" dirty="0" smtClean="0"/>
+              <a:t>Cont’d</a:t>
+            </a:r>
+            <a:endParaRPr lang="en-CA" sz="2400" i="1" dirty="0"/>
           </a:p>
         </p:txBody>
       </p:sp>
@@ -8351,6 +8419,13 @@
   <p:clrMapOvr>
     <a:masterClrMapping/>
   </p:clrMapOvr>
+  <p:timing>
+    <p:tnLst>
+      <p:par>
+        <p:cTn id="1" dur="indefinite" restart="never" nodeType="tmRoot"/>
+      </p:par>
+    </p:tnLst>
+  </p:timing>
 </p:sld>
 </file>
 
@@ -8371,6 +8446,39 @@
           <a:chExt cx="0" cy="0"/>
         </a:xfrm>
       </p:grpSpPr>
+      <p:pic>
+        <p:nvPicPr>
+          <p:cNvPr id="2051" name="Picture 3"/>
+          <p:cNvPicPr>
+            <a:picLocks noChangeAspect="1" noChangeArrowheads="1"/>
+          </p:cNvPicPr>
+          <p:nvPr/>
+        </p:nvPicPr>
+        <p:blipFill>
+          <a:blip r:embed="rId2"/>
+          <a:srcRect/>
+          <a:stretch>
+            <a:fillRect/>
+          </a:stretch>
+        </p:blipFill>
+        <p:spPr bwMode="auto">
+          <a:xfrm>
+            <a:off x="714348" y="1500174"/>
+            <a:ext cx="7643833" cy="5128244"/>
+          </a:xfrm>
+          <a:prstGeom prst="rect">
+            <a:avLst/>
+          </a:prstGeom>
+          <a:noFill/>
+          <a:ln w="9525">
+            <a:noFill/>
+            <a:miter lim="800000"/>
+            <a:headEnd/>
+            <a:tailEnd/>
+          </a:ln>
+          <a:effectLst/>
+        </p:spPr>
+      </p:pic>
       <p:sp>
         <p:nvSpPr>
           <p:cNvPr id="2" name="Title 1"/>
@@ -8388,11 +8496,15 @@
           <a:p>
             <a:r>
               <a:rPr lang="en-CA" dirty="0" smtClean="0"/>
-              <a:t>MMDB: </a:t>
-            </a:r>
-            <a:r>
-              <a:rPr lang="en-CA" dirty="0" err="1" smtClean="0"/>
-              <a:t>Partioning</a:t>
+              <a:t>MMDB: Indexes </a:t>
+            </a:r>
+            <a:r>
+              <a:rPr lang="en-CA" sz="2400" i="1" dirty="0" smtClean="0"/>
+              <a:t>Cont’d</a:t>
+            </a:r>
+            <a:r>
+              <a:rPr lang="en-CA" dirty="0" smtClean="0"/>
+              <a:t> </a:t>
             </a:r>
             <a:endParaRPr lang="en-CA" dirty="0"/>
           </a:p>
@@ -8529,7 +8641,11 @@
           <a:p>
             <a:r>
               <a:rPr lang="en-CA" dirty="0" smtClean="0"/>
-              <a:t>MMDB: Clustering</a:t>
+              <a:t>MMDB: Indexes </a:t>
+            </a:r>
+            <a:r>
+              <a:rPr lang="en-CA" sz="2400" i="1" dirty="0" smtClean="0"/>
+              <a:t>Cont’d</a:t>
             </a:r>
             <a:endParaRPr lang="en-CA" dirty="0"/>
           </a:p>
@@ -8624,6 +8740,39 @@
           </a:p>
         </p:txBody>
       </p:sp>
+      <p:pic>
+        <p:nvPicPr>
+          <p:cNvPr id="3074" name="Picture 2"/>
+          <p:cNvPicPr>
+            <a:picLocks noChangeAspect="1" noChangeArrowheads="1"/>
+          </p:cNvPicPr>
+          <p:nvPr/>
+        </p:nvPicPr>
+        <p:blipFill>
+          <a:blip r:embed="rId2"/>
+          <a:srcRect/>
+          <a:stretch>
+            <a:fillRect/>
+          </a:stretch>
+        </p:blipFill>
+        <p:spPr bwMode="auto">
+          <a:xfrm>
+            <a:off x="76200" y="1524021"/>
+            <a:ext cx="8991600" cy="4905375"/>
+          </a:xfrm>
+          <a:prstGeom prst="rect">
+            <a:avLst/>
+          </a:prstGeom>
+          <a:noFill/>
+          <a:ln w="9525">
+            <a:noFill/>
+            <a:miter lim="800000"/>
+            <a:headEnd/>
+            <a:tailEnd/>
+          </a:ln>
+          <a:effectLst/>
+        </p:spPr>
+      </p:pic>
     </p:spTree>
   </p:cSld>
   <p:clrMapOvr>
@@ -8666,7 +8815,7 @@
           <a:p>
             <a:r>
               <a:rPr lang="en-CA" dirty="0" smtClean="0"/>
-              <a:t>MMDB: Summary</a:t>
+              <a:t>MMDB: Materialized Views</a:t>
             </a:r>
             <a:endParaRPr lang="en-CA" dirty="0"/>
           </a:p>
@@ -8689,7 +8838,27 @@
           <a:p>
             <a:r>
               <a:rPr lang="en-CA" dirty="0" smtClean="0"/>
-              <a:t>Summary table/figure</a:t>
+              <a:t>Not beneficial to MMDB</a:t>
+            </a:r>
+          </a:p>
+          <a:p>
+            <a:pPr lvl="1">
+              <a:buFont typeface="Arial" pitchFamily="34" charset="0"/>
+              <a:buChar char="•"/>
+            </a:pPr>
+            <a:r>
+              <a:rPr lang="en-CA" dirty="0" smtClean="0"/>
+              <a:t>Cost of computing complicated queries is much less</a:t>
+            </a:r>
+          </a:p>
+          <a:p>
+            <a:pPr lvl="1">
+              <a:buFont typeface="Arial" pitchFamily="34" charset="0"/>
+              <a:buChar char="•"/>
+            </a:pPr>
+            <a:r>
+              <a:rPr lang="en-CA" dirty="0" smtClean="0"/>
+              <a:t>Maintenance costs will outweigh benefit</a:t>
             </a:r>
             <a:endParaRPr lang="en-CA" dirty="0"/>
           </a:p>
@@ -8807,7 +8976,11 @@
           <a:p>
             <a:r>
               <a:rPr lang="en-CA" dirty="0" smtClean="0"/>
-              <a:t>Data Warehouses</a:t>
+              <a:t>MMDB: </a:t>
+            </a:r>
+            <a:r>
+              <a:rPr lang="en-CA" dirty="0" err="1" smtClean="0"/>
+              <a:t>Partioning</a:t>
             </a:r>
             <a:endParaRPr lang="en-CA" dirty="0"/>
           </a:p>
@@ -8825,54 +8998,43 @@
         </p:nvSpPr>
         <p:spPr/>
         <p:txBody>
-          <a:bodyPr>
-            <a:normAutofit/>
-          </a:bodyPr>
+          <a:bodyPr/>
           <a:lstStyle/>
           <a:p>
             <a:r>
               <a:rPr lang="en-CA" dirty="0" smtClean="0"/>
-              <a:t>Collection of data and decision support technologies</a:t>
+              <a:t>Not necessary in main memory</a:t>
             </a:r>
           </a:p>
           <a:p>
             <a:r>
               <a:rPr lang="en-CA" dirty="0" smtClean="0"/>
-              <a:t>Used in:</a:t>
-            </a:r>
-          </a:p>
-          <a:p>
-            <a:pPr lvl="2">
-              <a:buClr>
-                <a:srgbClr val="E66C7D"/>
-              </a:buClr>
+              <a:t>Used for the secondary storage on disk to speed up reload</a:t>
+            </a:r>
+          </a:p>
+          <a:p>
+            <a:pPr lvl="1">
+              <a:buFont typeface="Arial" pitchFamily="34" charset="0"/>
+              <a:buChar char="•"/>
             </a:pPr>
             <a:r>
               <a:rPr lang="en-CA" dirty="0" smtClean="0"/>
-              <a:t>Retail: user profiling</a:t>
-            </a:r>
-          </a:p>
-          <a:p>
-            <a:pPr lvl="2">
-              <a:buClr>
-                <a:srgbClr val="E66C7D"/>
-              </a:buClr>
+              <a:t>Horizontal partitioning</a:t>
+            </a:r>
+          </a:p>
+          <a:p>
+            <a:pPr lvl="1">
+              <a:buFont typeface="Arial" pitchFamily="34" charset="0"/>
+              <a:buChar char="•"/>
             </a:pPr>
             <a:r>
               <a:rPr lang="en-CA" dirty="0" smtClean="0"/>
-              <a:t>Finance: claims analysis, risk analysis, credit card analysis, and fraud detection</a:t>
-            </a:r>
-          </a:p>
-          <a:p>
-            <a:pPr lvl="2">
-              <a:buClr>
-                <a:srgbClr val="E66C7D"/>
-              </a:buClr>
-            </a:pPr>
-            <a:r>
-              <a:rPr lang="en-CA" dirty="0" smtClean="0"/>
-              <a:t>Healthcare: outcomes analysis</a:t>
-            </a:r>
+              <a:t>Single vertical partitioning</a:t>
+            </a:r>
+          </a:p>
+          <a:p>
+            <a:pPr lvl="1"/>
+            <a:endParaRPr lang="en-CA" dirty="0"/>
           </a:p>
         </p:txBody>
       </p:sp>
@@ -8988,82 +9150,39 @@
           <a:p>
             <a:r>
               <a:rPr lang="en-CA" dirty="0" smtClean="0"/>
-              <a:t>DW: </a:t>
-            </a:r>
+              <a:t>MMDB: Clustering</a:t>
+            </a:r>
+            <a:endParaRPr lang="en-CA" dirty="0"/>
+          </a:p>
+        </p:txBody>
+      </p:sp>
+      <p:sp>
+        <p:nvSpPr>
+          <p:cNvPr id="3" name="Content Placeholder 2"/>
+          <p:cNvSpPr>
+            <a:spLocks noGrp="1"/>
+          </p:cNvSpPr>
+          <p:nvPr>
+            <p:ph idx="1"/>
+          </p:nvPr>
+        </p:nvSpPr>
+        <p:spPr/>
+        <p:txBody>
+          <a:bodyPr/>
+          <a:lstStyle/>
+          <a:p>
             <a:r>
               <a:rPr lang="en-CA" dirty="0" smtClean="0"/>
-              <a:t>Challenges</a:t>
+              <a:t>Not applicable to MMDB</a:t>
+            </a:r>
+          </a:p>
+          <a:p>
+            <a:pPr lvl="1"/>
+            <a:r>
+              <a:rPr lang="en-CA" dirty="0" smtClean="0"/>
+              <a:t>Sequential access in main memory is not cheaper than random or dispersed access</a:t>
             </a:r>
             <a:endParaRPr lang="en-CA" dirty="0"/>
-          </a:p>
-        </p:txBody>
-      </p:sp>
-      <p:sp>
-        <p:nvSpPr>
-          <p:cNvPr id="3" name="Content Placeholder 2"/>
-          <p:cNvSpPr>
-            <a:spLocks noGrp="1"/>
-          </p:cNvSpPr>
-          <p:nvPr>
-            <p:ph idx="1"/>
-          </p:nvPr>
-        </p:nvSpPr>
-        <p:spPr/>
-        <p:txBody>
-          <a:bodyPr>
-            <a:normAutofit/>
-          </a:bodyPr>
-          <a:lstStyle/>
-          <a:p>
-            <a:r>
-              <a:rPr lang="en-CA" dirty="0" smtClean="0"/>
-              <a:t>Data is usually</a:t>
-            </a:r>
-          </a:p>
-          <a:p>
-            <a:pPr lvl="2"/>
-            <a:r>
-              <a:rPr lang="en-CA" dirty="0" smtClean="0"/>
-              <a:t>Extremely large</a:t>
-            </a:r>
-          </a:p>
-          <a:p>
-            <a:pPr lvl="2"/>
-            <a:r>
-              <a:rPr lang="en-CA" dirty="0" smtClean="0"/>
-              <a:t>Multi-dimensional</a:t>
-            </a:r>
-          </a:p>
-          <a:p>
-            <a:r>
-              <a:rPr lang="en-CA" dirty="0" smtClean="0"/>
-              <a:t>Priority for aggregated and summarized data</a:t>
-            </a:r>
-          </a:p>
-          <a:p>
-            <a:r>
-              <a:rPr lang="en-CA" dirty="0" smtClean="0"/>
-              <a:t>Ad-hoc and complex queries</a:t>
-            </a:r>
-          </a:p>
-          <a:p>
-            <a:r>
-              <a:rPr lang="en-CA" dirty="0" smtClean="0"/>
-              <a:t>Expensive operations: aggregation, and joins</a:t>
-            </a:r>
-          </a:p>
-          <a:p>
-            <a:pPr lvl="2"/>
-            <a:r>
-              <a:rPr lang="en-CA" dirty="0" smtClean="0"/>
-              <a:t>the fact table participates in every join</a:t>
-            </a:r>
-          </a:p>
-          <a:p>
-            <a:r>
-              <a:rPr lang="en-CA" dirty="0" smtClean="0"/>
-              <a:t>Figure ??</a:t>
-            </a:r>
           </a:p>
         </p:txBody>
       </p:sp>
@@ -9179,55 +9298,32 @@
           <a:p>
             <a:r>
               <a:rPr lang="en-CA" dirty="0" smtClean="0"/>
-              <a:t>DW: </a:t>
-            </a:r>
+              <a:t>MMDB: Summary</a:t>
+            </a:r>
+            <a:endParaRPr lang="en-CA" dirty="0"/>
+          </a:p>
+        </p:txBody>
+      </p:sp>
+      <p:sp>
+        <p:nvSpPr>
+          <p:cNvPr id="3" name="Content Placeholder 2"/>
+          <p:cNvSpPr>
+            <a:spLocks noGrp="1"/>
+          </p:cNvSpPr>
+          <p:nvPr>
+            <p:ph idx="1"/>
+          </p:nvPr>
+        </p:nvSpPr>
+        <p:spPr/>
+        <p:txBody>
+          <a:bodyPr/>
+          <a:lstStyle/>
+          <a:p>
             <a:r>
               <a:rPr lang="en-CA" dirty="0" smtClean="0"/>
-              <a:t>Design</a:t>
+              <a:t>Summary table/figure</a:t>
             </a:r>
             <a:endParaRPr lang="en-CA" dirty="0"/>
-          </a:p>
-        </p:txBody>
-      </p:sp>
-      <p:sp>
-        <p:nvSpPr>
-          <p:cNvPr id="3" name="Content Placeholder 2"/>
-          <p:cNvSpPr>
-            <a:spLocks noGrp="1"/>
-          </p:cNvSpPr>
-          <p:nvPr>
-            <p:ph idx="1"/>
-          </p:nvPr>
-        </p:nvSpPr>
-        <p:spPr/>
-        <p:txBody>
-          <a:bodyPr>
-            <a:normAutofit/>
-          </a:bodyPr>
-          <a:lstStyle/>
-          <a:p>
-            <a:r>
-              <a:rPr lang="en-CA" dirty="0" smtClean="0"/>
-              <a:t>ROLAP</a:t>
-            </a:r>
-          </a:p>
-          <a:p>
-            <a:pPr lvl="2"/>
-            <a:r>
-              <a:rPr lang="en-CA" dirty="0" smtClean="0"/>
-              <a:t>Relational implementation of DW</a:t>
-            </a:r>
-          </a:p>
-          <a:p>
-            <a:pPr lvl="2"/>
-            <a:r>
-              <a:rPr lang="en-CA" dirty="0" smtClean="0"/>
-              <a:t>Multidimensional view of data is achieved through star scheme</a:t>
-            </a:r>
-          </a:p>
-          <a:p>
-            <a:pPr lvl="2"/>
-            <a:endParaRPr lang="en-CA" dirty="0" smtClean="0"/>
           </a:p>
         </p:txBody>
       </p:sp>
@@ -9343,7 +9439,7 @@
           <a:p>
             <a:r>
               <a:rPr lang="en-CA" dirty="0" smtClean="0"/>
-              <a:t>DW: Indexes</a:t>
+              <a:t>Data Warehouses</a:t>
             </a:r>
             <a:endParaRPr lang="en-CA" dirty="0"/>
           </a:p>
@@ -9366,7 +9462,49 @@
           </a:bodyPr>
           <a:lstStyle/>
           <a:p>
-            <a:endParaRPr lang="en-CA" dirty="0" smtClean="0"/>
+            <a:r>
+              <a:rPr lang="en-CA" dirty="0" smtClean="0"/>
+              <a:t>Collection of data and decision support technologies</a:t>
+            </a:r>
+          </a:p>
+          <a:p>
+            <a:r>
+              <a:rPr lang="en-CA" dirty="0" smtClean="0"/>
+              <a:t>Used in:</a:t>
+            </a:r>
+          </a:p>
+          <a:p>
+            <a:pPr lvl="2">
+              <a:buClr>
+                <a:srgbClr val="E66C7D"/>
+              </a:buClr>
+            </a:pPr>
+            <a:r>
+              <a:rPr lang="en-CA" dirty="0" smtClean="0"/>
+              <a:t>Retail: user profiling</a:t>
+            </a:r>
+          </a:p>
+          <a:p>
+            <a:pPr lvl="2">
+              <a:buClr>
+                <a:srgbClr val="E66C7D"/>
+              </a:buClr>
+            </a:pPr>
+            <a:r>
+              <a:rPr lang="en-CA" dirty="0" smtClean="0"/>
+              <a:t>Finance: claims analysis, risk analysis, credit card analysis, and fraud detection</a:t>
+            </a:r>
+          </a:p>
+          <a:p>
+            <a:pPr lvl="2">
+              <a:buClr>
+                <a:srgbClr val="E66C7D"/>
+              </a:buClr>
+            </a:pPr>
+            <a:r>
+              <a:rPr lang="en-CA" dirty="0" smtClean="0"/>
+              <a:t>Healthcare: outcomes analysis</a:t>
+            </a:r>
           </a:p>
         </p:txBody>
       </p:sp>
@@ -9482,7 +9620,7 @@
           <a:p>
             <a:r>
               <a:rPr lang="en-CA" dirty="0" smtClean="0"/>
-              <a:t>DW: Materialized Views</a:t>
+              <a:t>DW: Challenges</a:t>
             </a:r>
             <a:endParaRPr lang="en-CA" dirty="0"/>
           </a:p>
@@ -9505,7 +9643,55 @@
           </a:bodyPr>
           <a:lstStyle/>
           <a:p>
-            <a:endParaRPr lang="en-CA" dirty="0" smtClean="0"/>
+            <a:r>
+              <a:rPr lang="en-CA" dirty="0" smtClean="0"/>
+              <a:t>Data is usually</a:t>
+            </a:r>
+          </a:p>
+          <a:p>
+            <a:pPr lvl="2"/>
+            <a:r>
+              <a:rPr lang="en-CA" dirty="0" smtClean="0"/>
+              <a:t>Extremely large</a:t>
+            </a:r>
+          </a:p>
+          <a:p>
+            <a:pPr lvl="2"/>
+            <a:r>
+              <a:rPr lang="en-CA" dirty="0" smtClean="0"/>
+              <a:t>Multi-dimensional</a:t>
+            </a:r>
+          </a:p>
+          <a:p>
+            <a:r>
+              <a:rPr lang="en-CA" dirty="0" smtClean="0"/>
+              <a:t>Priority for aggregated and summarized data</a:t>
+            </a:r>
+          </a:p>
+          <a:p>
+            <a:r>
+              <a:rPr lang="en-CA" dirty="0" smtClean="0"/>
+              <a:t>Ad-hoc and complex queries</a:t>
+            </a:r>
+          </a:p>
+          <a:p>
+            <a:r>
+              <a:rPr lang="en-CA" dirty="0" smtClean="0"/>
+              <a:t>Expensive operations: aggregation, and joins</a:t>
+            </a:r>
+          </a:p>
+          <a:p>
+            <a:pPr lvl="2"/>
+            <a:r>
+              <a:rPr lang="en-CA" dirty="0" smtClean="0"/>
+              <a:t>the fact table participates in every join</a:t>
+            </a:r>
+          </a:p>
+          <a:p>
+            <a:r>
+              <a:rPr lang="en-CA" dirty="0" smtClean="0"/>
+              <a:t>Figure ??</a:t>
+            </a:r>
           </a:p>
         </p:txBody>
       </p:sp>
@@ -9621,7 +9807,7 @@
           <a:p>
             <a:r>
               <a:rPr lang="en-CA" dirty="0" smtClean="0"/>
-              <a:t>DW: Partitioning</a:t>
+              <a:t>DW: Design</a:t>
             </a:r>
             <a:endParaRPr lang="en-CA" dirty="0"/>
           </a:p>
@@ -9644,6 +9830,27 @@
           </a:bodyPr>
           <a:lstStyle/>
           <a:p>
+            <a:r>
+              <a:rPr lang="en-CA" dirty="0" smtClean="0"/>
+              <a:t>ROLAP</a:t>
+            </a:r>
+          </a:p>
+          <a:p>
+            <a:pPr lvl="2"/>
+            <a:r>
+              <a:rPr lang="en-CA" dirty="0" smtClean="0"/>
+              <a:t>Relational implementation of DW</a:t>
+            </a:r>
+          </a:p>
+          <a:p>
+            <a:pPr lvl="2"/>
+            <a:r>
+              <a:rPr lang="en-CA" dirty="0" smtClean="0"/>
+              <a:t>Multidimensional view of data is achieved through star scheme</a:t>
+            </a:r>
+          </a:p>
+          <a:p>
+            <a:pPr lvl="2"/>
             <a:endParaRPr lang="en-CA" dirty="0" smtClean="0"/>
           </a:p>
         </p:txBody>
@@ -9943,7 +10150,7 @@
           <a:p>
             <a:r>
               <a:rPr lang="en-CA" dirty="0" smtClean="0"/>
-              <a:t>DW: Clustering</a:t>
+              <a:t>DW: Indexes</a:t>
             </a:r>
             <a:endParaRPr lang="en-CA" dirty="0"/>
           </a:p>
@@ -10082,7 +10289,7 @@
           <a:p>
             <a:r>
               <a:rPr lang="en-CA" dirty="0" smtClean="0"/>
-              <a:t>DW: Summary</a:t>
+              <a:t>DW: Materialized Views</a:t>
             </a:r>
             <a:endParaRPr lang="en-CA" dirty="0"/>
           </a:p>
@@ -10206,7 +10413,7 @@
       </p:grpSpPr>
       <p:sp>
         <p:nvSpPr>
-          <p:cNvPr id="7" name="Title 6"/>
+          <p:cNvPr id="2" name="Title 1"/>
           <p:cNvSpPr>
             <a:spLocks noGrp="1"/>
           </p:cNvSpPr>
@@ -10221,7 +10428,7 @@
           <a:p>
             <a:r>
               <a:rPr lang="en-CA" dirty="0" smtClean="0"/>
-              <a:t>XML Databases</a:t>
+              <a:t>DW: Partitioning</a:t>
             </a:r>
             <a:endParaRPr lang="en-CA" dirty="0"/>
           </a:p>
@@ -10229,7 +10436,7 @@
       </p:sp>
       <p:sp>
         <p:nvSpPr>
-          <p:cNvPr id="9" name="Content Placeholder 8"/>
+          <p:cNvPr id="3" name="Content Placeholder 2"/>
           <p:cNvSpPr>
             <a:spLocks noGrp="1"/>
           </p:cNvSpPr>
@@ -10239,34 +10446,12 @@
         </p:nvSpPr>
         <p:spPr/>
         <p:txBody>
-          <a:bodyPr/>
-          <a:lstStyle/>
-          <a:p>
-            <a:r>
-              <a:rPr lang="en-CA" dirty="0" smtClean="0"/>
-              <a:t>XML-enabled DBs:</a:t>
-            </a:r>
-          </a:p>
-          <a:p>
-            <a:pPr lvl="2"/>
-            <a:r>
-              <a:rPr lang="en-CA" dirty="0" smtClean="0"/>
-              <a:t>Maps XML documents to relational tables</a:t>
-            </a:r>
-          </a:p>
-          <a:p>
-            <a:r>
-              <a:rPr lang="en-CA" dirty="0" smtClean="0"/>
-              <a:t>Native XML DBs:</a:t>
-            </a:r>
-          </a:p>
-          <a:p>
-            <a:pPr lvl="2"/>
-            <a:r>
-              <a:rPr lang="en-CA" dirty="0" smtClean="0"/>
-              <a:t>Data structures store actual XML</a:t>
-            </a:r>
-            <a:endParaRPr lang="en-CA" dirty="0"/>
+          <a:bodyPr>
+            <a:normAutofit/>
+          </a:bodyPr>
+          <a:lstStyle/>
+          <a:p>
+            <a:endParaRPr lang="en-CA" dirty="0" smtClean="0"/>
           </a:p>
         </p:txBody>
       </p:sp>
@@ -10367,7 +10552,7 @@
       </p:grpSpPr>
       <p:sp>
         <p:nvSpPr>
-          <p:cNvPr id="7" name="Title 6"/>
+          <p:cNvPr id="2" name="Title 1"/>
           <p:cNvSpPr>
             <a:spLocks noGrp="1"/>
           </p:cNvSpPr>
@@ -10382,7 +10567,7 @@
           <a:p>
             <a:r>
               <a:rPr lang="en-CA" dirty="0" smtClean="0"/>
-              <a:t>XML DBs: Indexes</a:t>
+              <a:t>DW: Clustering</a:t>
             </a:r>
             <a:endParaRPr lang="en-CA" dirty="0"/>
           </a:p>
@@ -10390,7 +10575,7 @@
       </p:sp>
       <p:sp>
         <p:nvSpPr>
-          <p:cNvPr id="8" name="Content Placeholder 7"/>
+          <p:cNvPr id="3" name="Content Placeholder 2"/>
           <p:cNvSpPr>
             <a:spLocks noGrp="1"/>
           </p:cNvSpPr>
@@ -10400,27 +10585,12 @@
         </p:nvSpPr>
         <p:spPr/>
         <p:txBody>
-          <a:bodyPr/>
-          <a:lstStyle/>
-          <a:p>
-            <a:r>
-              <a:rPr lang="en-CA" dirty="0" smtClean="0"/>
-              <a:t>Same index structures can be used</a:t>
-            </a:r>
-          </a:p>
-          <a:p>
-            <a:r>
-              <a:rPr lang="en-CA" dirty="0" smtClean="0"/>
-              <a:t>Need adjustments</a:t>
-            </a:r>
-          </a:p>
-          <a:p>
-            <a:pPr lvl="2"/>
-            <a:r>
-              <a:rPr lang="en-CA" dirty="0" smtClean="0"/>
-              <a:t>Need a numbering schema for the XML nodes</a:t>
-            </a:r>
-            <a:endParaRPr lang="en-CA" dirty="0"/>
+          <a:bodyPr>
+            <a:normAutofit/>
+          </a:bodyPr>
+          <a:lstStyle/>
+          <a:p>
+            <a:endParaRPr lang="en-CA" dirty="0" smtClean="0"/>
           </a:p>
         </p:txBody>
       </p:sp>
@@ -10536,7 +10706,7 @@
           <a:p>
             <a:r>
               <a:rPr lang="en-CA" dirty="0" smtClean="0"/>
-              <a:t>XML DBs: Materialized Views</a:t>
+              <a:t>DW: Summary</a:t>
             </a:r>
             <a:endParaRPr lang="en-CA" dirty="0"/>
           </a:p>
@@ -10554,10 +10724,12 @@
         </p:nvSpPr>
         <p:spPr/>
         <p:txBody>
-          <a:bodyPr/>
-          <a:lstStyle/>
-          <a:p>
-            <a:endParaRPr lang="en-CA"/>
+          <a:bodyPr>
+            <a:normAutofit/>
+          </a:bodyPr>
+          <a:lstStyle/>
+          <a:p>
+            <a:endParaRPr lang="en-CA" dirty="0" smtClean="0"/>
           </a:p>
         </p:txBody>
       </p:sp>
@@ -10658,7 +10830,7 @@
       </p:grpSpPr>
       <p:sp>
         <p:nvSpPr>
-          <p:cNvPr id="2" name="Title 1"/>
+          <p:cNvPr id="7" name="Title 6"/>
           <p:cNvSpPr>
             <a:spLocks noGrp="1"/>
           </p:cNvSpPr>
@@ -10673,11 +10845,7 @@
           <a:p>
             <a:r>
               <a:rPr lang="en-CA" dirty="0" smtClean="0"/>
-              <a:t>XML DBs: </a:t>
-            </a:r>
-            <a:r>
-              <a:rPr lang="en-CA" dirty="0" err="1" smtClean="0"/>
-              <a:t>Paritioning</a:t>
+              <a:t>XML Databases</a:t>
             </a:r>
             <a:endParaRPr lang="en-CA" dirty="0"/>
           </a:p>
@@ -10685,7 +10853,7 @@
       </p:sp>
       <p:sp>
         <p:nvSpPr>
-          <p:cNvPr id="3" name="Content Placeholder 2"/>
+          <p:cNvPr id="9" name="Content Placeholder 8"/>
           <p:cNvSpPr>
             <a:spLocks noGrp="1"/>
           </p:cNvSpPr>
@@ -10698,7 +10866,31 @@
           <a:bodyPr/>
           <a:lstStyle/>
           <a:p>
-            <a:endParaRPr lang="en-CA"/>
+            <a:r>
+              <a:rPr lang="en-CA" dirty="0" smtClean="0"/>
+              <a:t>XML-enabled DBs:</a:t>
+            </a:r>
+          </a:p>
+          <a:p>
+            <a:pPr lvl="2"/>
+            <a:r>
+              <a:rPr lang="en-CA" dirty="0" smtClean="0"/>
+              <a:t>Maps XML documents to relational tables</a:t>
+            </a:r>
+          </a:p>
+          <a:p>
+            <a:r>
+              <a:rPr lang="en-CA" dirty="0" smtClean="0"/>
+              <a:t>Native XML DBs:</a:t>
+            </a:r>
+          </a:p>
+          <a:p>
+            <a:pPr lvl="2"/>
+            <a:r>
+              <a:rPr lang="en-CA" dirty="0" smtClean="0"/>
+              <a:t>Data structures store actual XML</a:t>
+            </a:r>
+            <a:endParaRPr lang="en-CA" dirty="0"/>
           </a:p>
         </p:txBody>
       </p:sp>
@@ -10799,7 +10991,7 @@
       </p:grpSpPr>
       <p:sp>
         <p:nvSpPr>
-          <p:cNvPr id="2" name="Title 1"/>
+          <p:cNvPr id="7" name="Title 6"/>
           <p:cNvSpPr>
             <a:spLocks noGrp="1"/>
           </p:cNvSpPr>
@@ -10814,7 +11006,7 @@
           <a:p>
             <a:r>
               <a:rPr lang="en-CA" dirty="0" smtClean="0"/>
-              <a:t>XML DBs: Clustering</a:t>
+              <a:t>XML DBs: Indexes</a:t>
             </a:r>
             <a:endParaRPr lang="en-CA" dirty="0"/>
           </a:p>
@@ -10822,7 +11014,7 @@
       </p:sp>
       <p:sp>
         <p:nvSpPr>
-          <p:cNvPr id="3" name="Content Placeholder 2"/>
+          <p:cNvPr id="8" name="Content Placeholder 7"/>
           <p:cNvSpPr>
             <a:spLocks noGrp="1"/>
           </p:cNvSpPr>
@@ -10835,7 +11027,24 @@
           <a:bodyPr/>
           <a:lstStyle/>
           <a:p>
-            <a:endParaRPr lang="en-CA"/>
+            <a:r>
+              <a:rPr lang="en-CA" dirty="0" smtClean="0"/>
+              <a:t>Same index structures can be used</a:t>
+            </a:r>
+          </a:p>
+          <a:p>
+            <a:r>
+              <a:rPr lang="en-CA" dirty="0" smtClean="0"/>
+              <a:t>Need adjustments</a:t>
+            </a:r>
+          </a:p>
+          <a:p>
+            <a:pPr lvl="2"/>
+            <a:r>
+              <a:rPr lang="en-CA" dirty="0" smtClean="0"/>
+              <a:t>Need a numbering schema for the XML nodes</a:t>
+            </a:r>
+            <a:endParaRPr lang="en-CA" dirty="0"/>
           </a:p>
         </p:txBody>
       </p:sp>
@@ -10951,7 +11160,7 @@
           <a:p>
             <a:r>
               <a:rPr lang="en-CA" dirty="0" smtClean="0"/>
-              <a:t>XML DBs: Summary</a:t>
+              <a:t>XML DBs: Materialized Views</a:t>
             </a:r>
             <a:endParaRPr lang="en-CA" dirty="0"/>
           </a:p>
@@ -11073,7 +11282,7 @@
       </p:grpSpPr>
       <p:sp>
         <p:nvSpPr>
-          <p:cNvPr id="7" name="Title 6"/>
+          <p:cNvPr id="2" name="Title 1"/>
           <p:cNvSpPr>
             <a:spLocks noGrp="1"/>
           </p:cNvSpPr>
@@ -11088,7 +11297,11 @@
           <a:p>
             <a:r>
               <a:rPr lang="en-CA" dirty="0" smtClean="0"/>
-              <a:t>Future Work &amp; Open Problems</a:t>
+              <a:t>XML DBs: </a:t>
+            </a:r>
+            <a:r>
+              <a:rPr lang="en-CA" dirty="0" err="1" smtClean="0"/>
+              <a:t>Paritioning</a:t>
             </a:r>
             <a:endParaRPr lang="en-CA" dirty="0"/>
           </a:p>
@@ -11096,12 +11309,12 @@
       </p:sp>
       <p:sp>
         <p:nvSpPr>
-          <p:cNvPr id="8" name="Text Placeholder 7"/>
-          <p:cNvSpPr>
-            <a:spLocks noGrp="1"/>
-          </p:cNvSpPr>
-          <p:nvPr>
-            <p:ph type="body" idx="1"/>
+          <p:cNvPr id="3" name="Content Placeholder 2"/>
+          <p:cNvSpPr>
+            <a:spLocks noGrp="1"/>
+          </p:cNvSpPr>
+          <p:nvPr>
+            <p:ph idx="1"/>
           </p:nvPr>
         </p:nvSpPr>
         <p:spPr/>
@@ -11210,7 +11423,7 @@
       </p:grpSpPr>
       <p:sp>
         <p:nvSpPr>
-          <p:cNvPr id="7" name="Title 6"/>
+          <p:cNvPr id="2" name="Title 1"/>
           <p:cNvSpPr>
             <a:spLocks noGrp="1"/>
           </p:cNvSpPr>
@@ -11225,7 +11438,7 @@
           <a:p>
             <a:r>
               <a:rPr lang="en-CA" dirty="0" smtClean="0"/>
-              <a:t>Future Work</a:t>
+              <a:t>XML DBs: Clustering</a:t>
             </a:r>
             <a:endParaRPr lang="en-CA" dirty="0"/>
           </a:p>
@@ -11233,7 +11446,7 @@
       </p:sp>
       <p:sp>
         <p:nvSpPr>
-          <p:cNvPr id="8" name="Content Placeholder 7"/>
+          <p:cNvPr id="3" name="Content Placeholder 2"/>
           <p:cNvSpPr>
             <a:spLocks noGrp="1"/>
           </p:cNvSpPr>
@@ -11246,11 +11459,7 @@
           <a:bodyPr/>
           <a:lstStyle/>
           <a:p>
-            <a:r>
-              <a:rPr lang="en-CA" dirty="0" smtClean="0"/>
-              <a:t>Looking at automating physical design (put some examples of work here and say its time permitting)</a:t>
-            </a:r>
-            <a:endParaRPr lang="en-CA" dirty="0"/>
+            <a:endParaRPr lang="en-CA"/>
           </a:p>
         </p:txBody>
       </p:sp>
@@ -11498,14 +11707,12 @@
         </p:nvSpPr>
         <p:spPr/>
         <p:txBody>
-          <a:bodyPr>
-            <a:normAutofit fontScale="90000"/>
-          </a:bodyPr>
+          <a:bodyPr/>
           <a:lstStyle/>
           <a:p>
             <a:r>
               <a:rPr lang="en-CA" dirty="0" smtClean="0"/>
-              <a:t>Open Problems in Physical Design</a:t>
+              <a:t>XML DBs: Summary</a:t>
             </a:r>
             <a:endParaRPr lang="en-CA" dirty="0"/>
           </a:p>
@@ -11513,7 +11720,7 @@
       </p:sp>
       <p:sp>
         <p:nvSpPr>
-          <p:cNvPr id="8" name="Content Placeholder 7"/>
+          <p:cNvPr id="3" name="Content Placeholder 2"/>
           <p:cNvSpPr>
             <a:spLocks noGrp="1"/>
           </p:cNvSpPr>
@@ -11642,7 +11849,7 @@
           <a:p>
             <a:r>
               <a:rPr lang="en-CA" dirty="0" smtClean="0"/>
-              <a:t>Summary &amp; Conclusions</a:t>
+              <a:t>Future Work &amp; Open Problems</a:t>
             </a:r>
             <a:endParaRPr lang="en-CA" dirty="0"/>
           </a:p>
@@ -11764,6 +11971,52 @@
       </p:grpSpPr>
       <p:sp>
         <p:nvSpPr>
+          <p:cNvPr id="7" name="Title 6"/>
+          <p:cNvSpPr>
+            <a:spLocks noGrp="1"/>
+          </p:cNvSpPr>
+          <p:nvPr>
+            <p:ph type="title"/>
+          </p:nvPr>
+        </p:nvSpPr>
+        <p:spPr/>
+        <p:txBody>
+          <a:bodyPr/>
+          <a:lstStyle/>
+          <a:p>
+            <a:r>
+              <a:rPr lang="en-CA" dirty="0" smtClean="0"/>
+              <a:t>Future Work</a:t>
+            </a:r>
+            <a:endParaRPr lang="en-CA" dirty="0"/>
+          </a:p>
+        </p:txBody>
+      </p:sp>
+      <p:sp>
+        <p:nvSpPr>
+          <p:cNvPr id="8" name="Content Placeholder 7"/>
+          <p:cNvSpPr>
+            <a:spLocks noGrp="1"/>
+          </p:cNvSpPr>
+          <p:nvPr>
+            <p:ph idx="1"/>
+          </p:nvPr>
+        </p:nvSpPr>
+        <p:spPr/>
+        <p:txBody>
+          <a:bodyPr/>
+          <a:lstStyle/>
+          <a:p>
+            <a:r>
+              <a:rPr lang="en-CA" dirty="0" smtClean="0"/>
+              <a:t>Looking at automating physical design (put some examples of work here and say its time permitting)</a:t>
+            </a:r>
+            <a:endParaRPr lang="en-CA" dirty="0"/>
+          </a:p>
+        </p:txBody>
+      </p:sp>
+      <p:sp>
+        <p:nvSpPr>
           <p:cNvPr id="4" name="Date Placeholder 3"/>
           <p:cNvSpPr>
             <a:spLocks noGrp="1"/>
@@ -11829,36 +12082,6 @@
               <a:t>42</a:t>
             </a:fld>
             <a:endParaRPr lang="en-CA"/>
-          </a:p>
-        </p:txBody>
-      </p:sp>
-      <p:sp>
-        <p:nvSpPr>
-          <p:cNvPr id="10" name="TextBox 9"/>
-          <p:cNvSpPr txBox="1"/>
-          <p:nvPr/>
-        </p:nvSpPr>
-        <p:spPr>
-          <a:xfrm>
-            <a:off x="857224" y="1571612"/>
-            <a:ext cx="2201244" cy="369332"/>
-          </a:xfrm>
-          <a:prstGeom prst="rect">
-            <a:avLst/>
-          </a:prstGeom>
-          <a:noFill/>
-        </p:spPr>
-        <p:txBody>
-          <a:bodyPr wrap="none" rtlCol="0">
-            <a:spAutoFit/>
-          </a:bodyPr>
-          <a:lstStyle/>
-          <a:p>
-            <a:r>
-              <a:rPr lang="en-CA" dirty="0" smtClean="0"/>
-              <a:t>Big summary table(s)</a:t>
-            </a:r>
-            <a:endParaRPr lang="en-CA" dirty="0"/>
           </a:p>
         </p:txBody>
       </p:sp>
@@ -11889,7 +12112,7 @@
       </p:grpSpPr>
       <p:sp>
         <p:nvSpPr>
-          <p:cNvPr id="5" name="Title 4"/>
+          <p:cNvPr id="2" name="Title 1"/>
           <p:cNvSpPr>
             <a:spLocks noGrp="1"/>
           </p:cNvSpPr>
@@ -11899,12 +12122,14 @@
         </p:nvSpPr>
         <p:spPr/>
         <p:txBody>
-          <a:bodyPr/>
+          <a:bodyPr>
+            <a:normAutofit fontScale="90000"/>
+          </a:bodyPr>
           <a:lstStyle/>
           <a:p>
             <a:r>
               <a:rPr lang="en-CA" dirty="0" smtClean="0"/>
-              <a:t>Conclusions</a:t>
+              <a:t>Open Problems in Physical Design</a:t>
             </a:r>
             <a:endParaRPr lang="en-CA" dirty="0"/>
           </a:p>
@@ -11912,7 +12137,7 @@
       </p:sp>
       <p:sp>
         <p:nvSpPr>
-          <p:cNvPr id="6" name="Content Placeholder 5"/>
+          <p:cNvPr id="8" name="Content Placeholder 7"/>
           <p:cNvSpPr>
             <a:spLocks noGrp="1"/>
           </p:cNvSpPr>
@@ -11931,7 +12156,7 @@
       </p:sp>
       <p:sp>
         <p:nvSpPr>
-          <p:cNvPr id="2" name="Date Placeholder 1"/>
+          <p:cNvPr id="4" name="Date Placeholder 3"/>
           <p:cNvSpPr>
             <a:spLocks noGrp="1"/>
           </p:cNvSpPr>
@@ -11954,7 +12179,7 @@
       </p:sp>
       <p:sp>
         <p:nvSpPr>
-          <p:cNvPr id="3" name="Footer Placeholder 2"/>
+          <p:cNvPr id="5" name="Footer Placeholder 4"/>
           <p:cNvSpPr>
             <a:spLocks noGrp="1"/>
           </p:cNvSpPr>
@@ -11977,7 +12202,7 @@
       </p:sp>
       <p:sp>
         <p:nvSpPr>
-          <p:cNvPr id="4" name="Slide Number Placeholder 3"/>
+          <p:cNvPr id="6" name="Slide Number Placeholder 5"/>
           <p:cNvSpPr>
             <a:spLocks noGrp="1"/>
           </p:cNvSpPr>
@@ -12026,7 +12251,49 @@
       </p:grpSpPr>
       <p:sp>
         <p:nvSpPr>
-          <p:cNvPr id="2" name="Date Placeholder 1"/>
+          <p:cNvPr id="7" name="Title 6"/>
+          <p:cNvSpPr>
+            <a:spLocks noGrp="1"/>
+          </p:cNvSpPr>
+          <p:nvPr>
+            <p:ph type="title"/>
+          </p:nvPr>
+        </p:nvSpPr>
+        <p:spPr/>
+        <p:txBody>
+          <a:bodyPr/>
+          <a:lstStyle/>
+          <a:p>
+            <a:r>
+              <a:rPr lang="en-CA" dirty="0" smtClean="0"/>
+              <a:t>Summary &amp; Conclusions</a:t>
+            </a:r>
+            <a:endParaRPr lang="en-CA" dirty="0"/>
+          </a:p>
+        </p:txBody>
+      </p:sp>
+      <p:sp>
+        <p:nvSpPr>
+          <p:cNvPr id="8" name="Text Placeholder 7"/>
+          <p:cNvSpPr>
+            <a:spLocks noGrp="1"/>
+          </p:cNvSpPr>
+          <p:nvPr>
+            <p:ph type="body" idx="1"/>
+          </p:nvPr>
+        </p:nvSpPr>
+        <p:spPr/>
+        <p:txBody>
+          <a:bodyPr/>
+          <a:lstStyle/>
+          <a:p>
+            <a:endParaRPr lang="en-CA"/>
+          </a:p>
+        </p:txBody>
+      </p:sp>
+      <p:sp>
+        <p:nvSpPr>
+          <p:cNvPr id="4" name="Date Placeholder 3"/>
           <p:cNvSpPr>
             <a:spLocks noGrp="1"/>
           </p:cNvSpPr>
@@ -12049,7 +12316,7 @@
       </p:sp>
       <p:sp>
         <p:nvSpPr>
-          <p:cNvPr id="3" name="Footer Placeholder 2"/>
+          <p:cNvPr id="5" name="Footer Placeholder 4"/>
           <p:cNvSpPr>
             <a:spLocks noGrp="1"/>
           </p:cNvSpPr>
@@ -12072,7 +12339,7 @@
       </p:sp>
       <p:sp>
         <p:nvSpPr>
-          <p:cNvPr id="4" name="Slide Number Placeholder 3"/>
+          <p:cNvPr id="6" name="Slide Number Placeholder 5"/>
           <p:cNvSpPr>
             <a:spLocks noGrp="1"/>
           </p:cNvSpPr>
@@ -12091,36 +12358,6 @@
               <a:t>44</a:t>
             </a:fld>
             <a:endParaRPr lang="en-CA"/>
-          </a:p>
-        </p:txBody>
-      </p:sp>
-      <p:sp>
-        <p:nvSpPr>
-          <p:cNvPr id="7" name="TextBox 6"/>
-          <p:cNvSpPr txBox="1"/>
-          <p:nvPr/>
-        </p:nvSpPr>
-        <p:spPr>
-          <a:xfrm>
-            <a:off x="2571736" y="2714620"/>
-            <a:ext cx="3676006" cy="1015663"/>
-          </a:xfrm>
-          <a:prstGeom prst="rect">
-            <a:avLst/>
-          </a:prstGeom>
-          <a:noFill/>
-        </p:spPr>
-        <p:txBody>
-          <a:bodyPr wrap="none" rtlCol="0">
-            <a:spAutoFit/>
-          </a:bodyPr>
-          <a:lstStyle/>
-          <a:p>
-            <a:r>
-              <a:rPr lang="en-CA" sz="6000" b="1" dirty="0" smtClean="0"/>
-              <a:t>Thank you</a:t>
-            </a:r>
-            <a:endParaRPr lang="en-CA" sz="6000" b="1" dirty="0"/>
           </a:p>
         </p:txBody>
       </p:sp>
@@ -12151,49 +12388,7 @@
       </p:grpSpPr>
       <p:sp>
         <p:nvSpPr>
-          <p:cNvPr id="5" name="Title 4"/>
-          <p:cNvSpPr>
-            <a:spLocks noGrp="1"/>
-          </p:cNvSpPr>
-          <p:nvPr>
-            <p:ph type="title"/>
-          </p:nvPr>
-        </p:nvSpPr>
-        <p:spPr/>
-        <p:txBody>
-          <a:bodyPr/>
-          <a:lstStyle/>
-          <a:p>
-            <a:r>
-              <a:rPr lang="en-CA" dirty="0" smtClean="0"/>
-              <a:t>References</a:t>
-            </a:r>
-            <a:endParaRPr lang="en-CA" dirty="0"/>
-          </a:p>
-        </p:txBody>
-      </p:sp>
-      <p:sp>
-        <p:nvSpPr>
-          <p:cNvPr id="6" name="Content Placeholder 5"/>
-          <p:cNvSpPr>
-            <a:spLocks noGrp="1"/>
-          </p:cNvSpPr>
-          <p:nvPr>
-            <p:ph idx="1"/>
-          </p:nvPr>
-        </p:nvSpPr>
-        <p:spPr/>
-        <p:txBody>
-          <a:bodyPr/>
-          <a:lstStyle/>
-          <a:p>
-            <a:endParaRPr lang="en-CA"/>
-          </a:p>
-        </p:txBody>
-      </p:sp>
-      <p:sp>
-        <p:nvSpPr>
-          <p:cNvPr id="2" name="Date Placeholder 1"/>
+          <p:cNvPr id="4" name="Date Placeholder 3"/>
           <p:cNvSpPr>
             <a:spLocks noGrp="1"/>
           </p:cNvSpPr>
@@ -12216,7 +12411,7 @@
       </p:sp>
       <p:sp>
         <p:nvSpPr>
-          <p:cNvPr id="3" name="Footer Placeholder 2"/>
+          <p:cNvPr id="5" name="Footer Placeholder 4"/>
           <p:cNvSpPr>
             <a:spLocks noGrp="1"/>
           </p:cNvSpPr>
@@ -12239,7 +12434,7 @@
       </p:sp>
       <p:sp>
         <p:nvSpPr>
-          <p:cNvPr id="4" name="Slide Number Placeholder 3"/>
+          <p:cNvPr id="6" name="Slide Number Placeholder 5"/>
           <p:cNvSpPr>
             <a:spLocks noGrp="1"/>
           </p:cNvSpPr>
@@ -12256,6 +12451,435 @@
               <a:rPr lang="en-CA" smtClean="0"/>
               <a:pPr/>
               <a:t>45</a:t>
+            </a:fld>
+            <a:endParaRPr lang="en-CA"/>
+          </a:p>
+        </p:txBody>
+      </p:sp>
+      <p:sp>
+        <p:nvSpPr>
+          <p:cNvPr id="10" name="TextBox 9"/>
+          <p:cNvSpPr txBox="1"/>
+          <p:nvPr/>
+        </p:nvSpPr>
+        <p:spPr>
+          <a:xfrm>
+            <a:off x="857224" y="1571612"/>
+            <a:ext cx="2201244" cy="369332"/>
+          </a:xfrm>
+          <a:prstGeom prst="rect">
+            <a:avLst/>
+          </a:prstGeom>
+          <a:noFill/>
+        </p:spPr>
+        <p:txBody>
+          <a:bodyPr wrap="none" rtlCol="0">
+            <a:spAutoFit/>
+          </a:bodyPr>
+          <a:lstStyle/>
+          <a:p>
+            <a:r>
+              <a:rPr lang="en-CA" dirty="0" smtClean="0"/>
+              <a:t>Big summary table(s)</a:t>
+            </a:r>
+            <a:endParaRPr lang="en-CA" dirty="0"/>
+          </a:p>
+        </p:txBody>
+      </p:sp>
+    </p:spTree>
+  </p:cSld>
+  <p:clrMapOvr>
+    <a:masterClrMapping/>
+  </p:clrMapOvr>
+</p:sld>
+</file>
+
+<file path=ppt/slides/slide46.xml><?xml version="1.0" encoding="utf-8"?>
+<p:sld xmlns:a="http://schemas.openxmlformats.org/drawingml/2006/main" xmlns:r="http://schemas.openxmlformats.org/officeDocument/2006/relationships" xmlns:p="http://schemas.openxmlformats.org/presentationml/2006/main">
+  <p:cSld>
+    <p:spTree>
+      <p:nvGrpSpPr>
+        <p:cNvPr id="1" name=""/>
+        <p:cNvGrpSpPr/>
+        <p:nvPr/>
+      </p:nvGrpSpPr>
+      <p:grpSpPr>
+        <a:xfrm>
+          <a:off x="0" y="0"/>
+          <a:ext cx="0" cy="0"/>
+          <a:chOff x="0" y="0"/>
+          <a:chExt cx="0" cy="0"/>
+        </a:xfrm>
+      </p:grpSpPr>
+      <p:sp>
+        <p:nvSpPr>
+          <p:cNvPr id="5" name="Title 4"/>
+          <p:cNvSpPr>
+            <a:spLocks noGrp="1"/>
+          </p:cNvSpPr>
+          <p:nvPr>
+            <p:ph type="title"/>
+          </p:nvPr>
+        </p:nvSpPr>
+        <p:spPr/>
+        <p:txBody>
+          <a:bodyPr/>
+          <a:lstStyle/>
+          <a:p>
+            <a:r>
+              <a:rPr lang="en-CA" dirty="0" smtClean="0"/>
+              <a:t>Conclusions</a:t>
+            </a:r>
+            <a:endParaRPr lang="en-CA" dirty="0"/>
+          </a:p>
+        </p:txBody>
+      </p:sp>
+      <p:sp>
+        <p:nvSpPr>
+          <p:cNvPr id="6" name="Content Placeholder 5"/>
+          <p:cNvSpPr>
+            <a:spLocks noGrp="1"/>
+          </p:cNvSpPr>
+          <p:nvPr>
+            <p:ph idx="1"/>
+          </p:nvPr>
+        </p:nvSpPr>
+        <p:spPr/>
+        <p:txBody>
+          <a:bodyPr/>
+          <a:lstStyle/>
+          <a:p>
+            <a:endParaRPr lang="en-CA"/>
+          </a:p>
+        </p:txBody>
+      </p:sp>
+      <p:sp>
+        <p:nvSpPr>
+          <p:cNvPr id="2" name="Date Placeholder 1"/>
+          <p:cNvSpPr>
+            <a:spLocks noGrp="1"/>
+          </p:cNvSpPr>
+          <p:nvPr>
+            <p:ph type="dt" sz="half" idx="10"/>
+          </p:nvPr>
+        </p:nvSpPr>
+        <p:spPr/>
+        <p:txBody>
+          <a:bodyPr/>
+          <a:lstStyle/>
+          <a:p>
+            <a:r>
+              <a:rPr lang="en-US" smtClean="0"/>
+              <a:t>Physical Design Patterns</a:t>
+            </a:r>
+            <a:endParaRPr lang="en-CA"/>
+          </a:p>
+        </p:txBody>
+      </p:sp>
+      <p:sp>
+        <p:nvSpPr>
+          <p:cNvPr id="3" name="Footer Placeholder 2"/>
+          <p:cNvSpPr>
+            <a:spLocks noGrp="1"/>
+          </p:cNvSpPr>
+          <p:nvPr>
+            <p:ph type="ftr" sz="quarter" idx="11"/>
+          </p:nvPr>
+        </p:nvSpPr>
+        <p:spPr/>
+        <p:txBody>
+          <a:bodyPr/>
+          <a:lstStyle/>
+          <a:p>
+            <a:r>
+              <a:rPr lang="en-CA" smtClean="0"/>
+              <a:t>Karim Ali &amp; Sarah Nadi</a:t>
+            </a:r>
+            <a:endParaRPr lang="en-CA"/>
+          </a:p>
+        </p:txBody>
+      </p:sp>
+      <p:sp>
+        <p:nvSpPr>
+          <p:cNvPr id="4" name="Slide Number Placeholder 3"/>
+          <p:cNvSpPr>
+            <a:spLocks noGrp="1"/>
+          </p:cNvSpPr>
+          <p:nvPr>
+            <p:ph type="sldNum" sz="quarter" idx="12"/>
+          </p:nvPr>
+        </p:nvSpPr>
+        <p:spPr/>
+        <p:txBody>
+          <a:bodyPr/>
+          <a:lstStyle/>
+          <a:p>
+            <a:fld id="{9AC8176B-BF31-4706-B15B-1AFC481B9AC3}" type="slidenum">
+              <a:rPr lang="en-CA" smtClean="0"/>
+              <a:pPr/>
+              <a:t>46</a:t>
+            </a:fld>
+            <a:endParaRPr lang="en-CA"/>
+          </a:p>
+        </p:txBody>
+      </p:sp>
+    </p:spTree>
+  </p:cSld>
+  <p:clrMapOvr>
+    <a:masterClrMapping/>
+  </p:clrMapOvr>
+</p:sld>
+</file>
+
+<file path=ppt/slides/slide47.xml><?xml version="1.0" encoding="utf-8"?>
+<p:sld xmlns:a="http://schemas.openxmlformats.org/drawingml/2006/main" xmlns:r="http://schemas.openxmlformats.org/officeDocument/2006/relationships" xmlns:p="http://schemas.openxmlformats.org/presentationml/2006/main">
+  <p:cSld>
+    <p:spTree>
+      <p:nvGrpSpPr>
+        <p:cNvPr id="1" name=""/>
+        <p:cNvGrpSpPr/>
+        <p:nvPr/>
+      </p:nvGrpSpPr>
+      <p:grpSpPr>
+        <a:xfrm>
+          <a:off x="0" y="0"/>
+          <a:ext cx="0" cy="0"/>
+          <a:chOff x="0" y="0"/>
+          <a:chExt cx="0" cy="0"/>
+        </a:xfrm>
+      </p:grpSpPr>
+      <p:sp>
+        <p:nvSpPr>
+          <p:cNvPr id="2" name="Date Placeholder 1"/>
+          <p:cNvSpPr>
+            <a:spLocks noGrp="1"/>
+          </p:cNvSpPr>
+          <p:nvPr>
+            <p:ph type="dt" sz="half" idx="10"/>
+          </p:nvPr>
+        </p:nvSpPr>
+        <p:spPr/>
+        <p:txBody>
+          <a:bodyPr/>
+          <a:lstStyle/>
+          <a:p>
+            <a:r>
+              <a:rPr lang="en-US" smtClean="0"/>
+              <a:t>Physical Design Patterns</a:t>
+            </a:r>
+            <a:endParaRPr lang="en-CA"/>
+          </a:p>
+        </p:txBody>
+      </p:sp>
+      <p:sp>
+        <p:nvSpPr>
+          <p:cNvPr id="3" name="Footer Placeholder 2"/>
+          <p:cNvSpPr>
+            <a:spLocks noGrp="1"/>
+          </p:cNvSpPr>
+          <p:nvPr>
+            <p:ph type="ftr" sz="quarter" idx="11"/>
+          </p:nvPr>
+        </p:nvSpPr>
+        <p:spPr/>
+        <p:txBody>
+          <a:bodyPr/>
+          <a:lstStyle/>
+          <a:p>
+            <a:r>
+              <a:rPr lang="en-CA" smtClean="0"/>
+              <a:t>Karim Ali &amp; Sarah Nadi</a:t>
+            </a:r>
+            <a:endParaRPr lang="en-CA"/>
+          </a:p>
+        </p:txBody>
+      </p:sp>
+      <p:sp>
+        <p:nvSpPr>
+          <p:cNvPr id="4" name="Slide Number Placeholder 3"/>
+          <p:cNvSpPr>
+            <a:spLocks noGrp="1"/>
+          </p:cNvSpPr>
+          <p:nvPr>
+            <p:ph type="sldNum" sz="quarter" idx="12"/>
+          </p:nvPr>
+        </p:nvSpPr>
+        <p:spPr/>
+        <p:txBody>
+          <a:bodyPr/>
+          <a:lstStyle/>
+          <a:p>
+            <a:fld id="{9AC8176B-BF31-4706-B15B-1AFC481B9AC3}" type="slidenum">
+              <a:rPr lang="en-CA" smtClean="0"/>
+              <a:pPr/>
+              <a:t>47</a:t>
+            </a:fld>
+            <a:endParaRPr lang="en-CA"/>
+          </a:p>
+        </p:txBody>
+      </p:sp>
+      <p:sp>
+        <p:nvSpPr>
+          <p:cNvPr id="7" name="TextBox 6"/>
+          <p:cNvSpPr txBox="1"/>
+          <p:nvPr/>
+        </p:nvSpPr>
+        <p:spPr>
+          <a:xfrm>
+            <a:off x="2571736" y="2714620"/>
+            <a:ext cx="3676006" cy="1015663"/>
+          </a:xfrm>
+          <a:prstGeom prst="rect">
+            <a:avLst/>
+          </a:prstGeom>
+          <a:noFill/>
+        </p:spPr>
+        <p:txBody>
+          <a:bodyPr wrap="none" rtlCol="0">
+            <a:spAutoFit/>
+          </a:bodyPr>
+          <a:lstStyle/>
+          <a:p>
+            <a:r>
+              <a:rPr lang="en-CA" sz="6000" b="1" dirty="0" smtClean="0"/>
+              <a:t>Thank you</a:t>
+            </a:r>
+            <a:endParaRPr lang="en-CA" sz="6000" b="1" dirty="0"/>
+          </a:p>
+        </p:txBody>
+      </p:sp>
+    </p:spTree>
+  </p:cSld>
+  <p:clrMapOvr>
+    <a:masterClrMapping/>
+  </p:clrMapOvr>
+</p:sld>
+</file>
+
+<file path=ppt/slides/slide48.xml><?xml version="1.0" encoding="utf-8"?>
+<p:sld xmlns:a="http://schemas.openxmlformats.org/drawingml/2006/main" xmlns:r="http://schemas.openxmlformats.org/officeDocument/2006/relationships" xmlns:p="http://schemas.openxmlformats.org/presentationml/2006/main">
+  <p:cSld>
+    <p:spTree>
+      <p:nvGrpSpPr>
+        <p:cNvPr id="1" name=""/>
+        <p:cNvGrpSpPr/>
+        <p:nvPr/>
+      </p:nvGrpSpPr>
+      <p:grpSpPr>
+        <a:xfrm>
+          <a:off x="0" y="0"/>
+          <a:ext cx="0" cy="0"/>
+          <a:chOff x="0" y="0"/>
+          <a:chExt cx="0" cy="0"/>
+        </a:xfrm>
+      </p:grpSpPr>
+      <p:sp>
+        <p:nvSpPr>
+          <p:cNvPr id="5" name="Title 4"/>
+          <p:cNvSpPr>
+            <a:spLocks noGrp="1"/>
+          </p:cNvSpPr>
+          <p:nvPr>
+            <p:ph type="title"/>
+          </p:nvPr>
+        </p:nvSpPr>
+        <p:spPr/>
+        <p:txBody>
+          <a:bodyPr/>
+          <a:lstStyle/>
+          <a:p>
+            <a:r>
+              <a:rPr lang="en-CA" dirty="0" smtClean="0"/>
+              <a:t>References</a:t>
+            </a:r>
+            <a:endParaRPr lang="en-CA" dirty="0"/>
+          </a:p>
+        </p:txBody>
+      </p:sp>
+      <p:sp>
+        <p:nvSpPr>
+          <p:cNvPr id="6" name="Content Placeholder 5"/>
+          <p:cNvSpPr>
+            <a:spLocks noGrp="1"/>
+          </p:cNvSpPr>
+          <p:nvPr>
+            <p:ph idx="1"/>
+          </p:nvPr>
+        </p:nvSpPr>
+        <p:spPr/>
+        <p:txBody>
+          <a:bodyPr/>
+          <a:lstStyle/>
+          <a:p>
+            <a:endParaRPr lang="en-CA"/>
+          </a:p>
+        </p:txBody>
+      </p:sp>
+      <p:sp>
+        <p:nvSpPr>
+          <p:cNvPr id="2" name="Date Placeholder 1"/>
+          <p:cNvSpPr>
+            <a:spLocks noGrp="1"/>
+          </p:cNvSpPr>
+          <p:nvPr>
+            <p:ph type="dt" sz="half" idx="10"/>
+          </p:nvPr>
+        </p:nvSpPr>
+        <p:spPr/>
+        <p:txBody>
+          <a:bodyPr/>
+          <a:lstStyle/>
+          <a:p>
+            <a:r>
+              <a:rPr lang="en-US" smtClean="0"/>
+              <a:t>Physical Design Patterns</a:t>
+            </a:r>
+            <a:endParaRPr lang="en-CA"/>
+          </a:p>
+        </p:txBody>
+      </p:sp>
+      <p:sp>
+        <p:nvSpPr>
+          <p:cNvPr id="3" name="Footer Placeholder 2"/>
+          <p:cNvSpPr>
+            <a:spLocks noGrp="1"/>
+          </p:cNvSpPr>
+          <p:nvPr>
+            <p:ph type="ftr" sz="quarter" idx="11"/>
+          </p:nvPr>
+        </p:nvSpPr>
+        <p:spPr/>
+        <p:txBody>
+          <a:bodyPr/>
+          <a:lstStyle/>
+          <a:p>
+            <a:r>
+              <a:rPr lang="en-CA" smtClean="0"/>
+              <a:t>Karim Ali &amp; Sarah Nadi</a:t>
+            </a:r>
+            <a:endParaRPr lang="en-CA"/>
+          </a:p>
+        </p:txBody>
+      </p:sp>
+      <p:sp>
+        <p:nvSpPr>
+          <p:cNvPr id="4" name="Slide Number Placeholder 3"/>
+          <p:cNvSpPr>
+            <a:spLocks noGrp="1"/>
+          </p:cNvSpPr>
+          <p:nvPr>
+            <p:ph type="sldNum" sz="quarter" idx="12"/>
+          </p:nvPr>
+        </p:nvSpPr>
+        <p:spPr/>
+        <p:txBody>
+          <a:bodyPr/>
+          <a:lstStyle/>
+          <a:p>
+            <a:fld id="{9AC8176B-BF31-4706-B15B-1AFC481B9AC3}" type="slidenum">
+              <a:rPr lang="en-CA" smtClean="0"/>
+              <a:pPr/>
+              <a:t>48</a:t>
             </a:fld>
             <a:endParaRPr lang="en-CA"/>
           </a:p>

--- a/trunk/cs848-db/PhysDesignPres.pptx
+++ b/trunk/cs848-db/PhysDesignPres.pptx
@@ -5,7 +5,7 @@
     <p:sldMasterId id="2147483672" r:id="rId1"/>
   </p:sldMasterIdLst>
   <p:notesMasterIdLst>
-    <p:notesMasterId r:id="rId50"/>
+    <p:notesMasterId r:id="rId49"/>
   </p:notesMasterIdLst>
   <p:sldIdLst>
     <p:sldId id="256" r:id="rId2"/>
@@ -17,45 +17,44 @@
     <p:sldId id="262" r:id="rId8"/>
     <p:sldId id="263" r:id="rId9"/>
     <p:sldId id="264" r:id="rId10"/>
-    <p:sldId id="265" r:id="rId11"/>
-    <p:sldId id="266" r:id="rId12"/>
-    <p:sldId id="267" r:id="rId13"/>
-    <p:sldId id="268" r:id="rId14"/>
-    <p:sldId id="269" r:id="rId15"/>
-    <p:sldId id="270" r:id="rId16"/>
-    <p:sldId id="271" r:id="rId17"/>
-    <p:sldId id="285" r:id="rId18"/>
-    <p:sldId id="307" r:id="rId19"/>
-    <p:sldId id="308" r:id="rId20"/>
-    <p:sldId id="309" r:id="rId21"/>
-    <p:sldId id="310" r:id="rId22"/>
-    <p:sldId id="311" r:id="rId23"/>
-    <p:sldId id="312" r:id="rId24"/>
-    <p:sldId id="313" r:id="rId25"/>
-    <p:sldId id="314" r:id="rId26"/>
-    <p:sldId id="315" r:id="rId27"/>
-    <p:sldId id="299" r:id="rId28"/>
-    <p:sldId id="300" r:id="rId29"/>
-    <p:sldId id="306" r:id="rId30"/>
-    <p:sldId id="305" r:id="rId31"/>
-    <p:sldId id="301" r:id="rId32"/>
-    <p:sldId id="302" r:id="rId33"/>
-    <p:sldId id="303" r:id="rId34"/>
-    <p:sldId id="304" r:id="rId35"/>
-    <p:sldId id="277" r:id="rId36"/>
-    <p:sldId id="278" r:id="rId37"/>
-    <p:sldId id="279" r:id="rId38"/>
-    <p:sldId id="280" r:id="rId39"/>
-    <p:sldId id="281" r:id="rId40"/>
-    <p:sldId id="283" r:id="rId41"/>
-    <p:sldId id="291" r:id="rId42"/>
-    <p:sldId id="294" r:id="rId43"/>
-    <p:sldId id="295" r:id="rId44"/>
-    <p:sldId id="296" r:id="rId45"/>
-    <p:sldId id="292" r:id="rId46"/>
-    <p:sldId id="297" r:id="rId47"/>
-    <p:sldId id="298" r:id="rId48"/>
-    <p:sldId id="293" r:id="rId49"/>
+    <p:sldId id="266" r:id="rId11"/>
+    <p:sldId id="267" r:id="rId12"/>
+    <p:sldId id="268" r:id="rId13"/>
+    <p:sldId id="269" r:id="rId14"/>
+    <p:sldId id="270" r:id="rId15"/>
+    <p:sldId id="271" r:id="rId16"/>
+    <p:sldId id="285" r:id="rId17"/>
+    <p:sldId id="307" r:id="rId18"/>
+    <p:sldId id="308" r:id="rId19"/>
+    <p:sldId id="309" r:id="rId20"/>
+    <p:sldId id="310" r:id="rId21"/>
+    <p:sldId id="311" r:id="rId22"/>
+    <p:sldId id="312" r:id="rId23"/>
+    <p:sldId id="313" r:id="rId24"/>
+    <p:sldId id="314" r:id="rId25"/>
+    <p:sldId id="315" r:id="rId26"/>
+    <p:sldId id="299" r:id="rId27"/>
+    <p:sldId id="300" r:id="rId28"/>
+    <p:sldId id="306" r:id="rId29"/>
+    <p:sldId id="305" r:id="rId30"/>
+    <p:sldId id="301" r:id="rId31"/>
+    <p:sldId id="302" r:id="rId32"/>
+    <p:sldId id="303" r:id="rId33"/>
+    <p:sldId id="304" r:id="rId34"/>
+    <p:sldId id="277" r:id="rId35"/>
+    <p:sldId id="278" r:id="rId36"/>
+    <p:sldId id="279" r:id="rId37"/>
+    <p:sldId id="280" r:id="rId38"/>
+    <p:sldId id="281" r:id="rId39"/>
+    <p:sldId id="283" r:id="rId40"/>
+    <p:sldId id="291" r:id="rId41"/>
+    <p:sldId id="294" r:id="rId42"/>
+    <p:sldId id="295" r:id="rId43"/>
+    <p:sldId id="296" r:id="rId44"/>
+    <p:sldId id="292" r:id="rId45"/>
+    <p:sldId id="297" r:id="rId46"/>
+    <p:sldId id="298" r:id="rId47"/>
+    <p:sldId id="293" r:id="rId48"/>
   </p:sldIdLst>
   <p:sldSz cx="9144000" cy="6858000" type="screen4x3"/>
   <p:notesSz cx="6858000" cy="9144000"/>
@@ -155,2175 +154,6 @@
     </a:lvl9pPr>
   </p:defaultTextStyle>
 </p:presentation>
-</file>
-
-<file path=ppt/diagrams/colors1.xml><?xml version="1.0" encoding="utf-8"?>
-<dgm:colorsDef xmlns:dgm="http://schemas.openxmlformats.org/drawingml/2006/diagram" xmlns:a="http://schemas.openxmlformats.org/drawingml/2006/main" uniqueId="urn:microsoft.com/office/officeart/2005/8/colors/accent1_2">
-  <dgm:title val=""/>
-  <dgm:desc val=""/>
-  <dgm:catLst>
-    <dgm:cat type="accent1" pri="11200"/>
-  </dgm:catLst>
-  <dgm:styleLbl name="node0">
-    <dgm:fillClrLst meth="repeat">
-      <a:schemeClr val="accent1"/>
-    </dgm:fillClrLst>
-    <dgm:linClrLst meth="repeat">
-      <a:schemeClr val="lt1"/>
-    </dgm:linClrLst>
-    <dgm:effectClrLst/>
-    <dgm:txLinClrLst/>
-    <dgm:txFillClrLst/>
-    <dgm:txEffectClrLst/>
-  </dgm:styleLbl>
-  <dgm:styleLbl name="alignNode1">
-    <dgm:fillClrLst meth="repeat">
-      <a:schemeClr val="accent1"/>
-    </dgm:fillClrLst>
-    <dgm:linClrLst meth="repeat">
-      <a:schemeClr val="accent1"/>
-    </dgm:linClrLst>
-    <dgm:effectClrLst/>
-    <dgm:txLinClrLst/>
-    <dgm:txFillClrLst/>
-    <dgm:txEffectClrLst/>
-  </dgm:styleLbl>
-  <dgm:styleLbl name="node1">
-    <dgm:fillClrLst meth="repeat">
-      <a:schemeClr val="accent1"/>
-    </dgm:fillClrLst>
-    <dgm:linClrLst meth="repeat">
-      <a:schemeClr val="lt1"/>
-    </dgm:linClrLst>
-    <dgm:effectClrLst/>
-    <dgm:txLinClrLst/>
-    <dgm:txFillClrLst/>
-    <dgm:txEffectClrLst/>
-  </dgm:styleLbl>
-  <dgm:styleLbl name="lnNode1">
-    <dgm:fillClrLst meth="repeat">
-      <a:schemeClr val="accent1"/>
-    </dgm:fillClrLst>
-    <dgm:linClrLst meth="repeat">
-      <a:schemeClr val="lt1"/>
-    </dgm:linClrLst>
-    <dgm:effectClrLst/>
-    <dgm:txLinClrLst/>
-    <dgm:txFillClrLst/>
-    <dgm:txEffectClrLst/>
-  </dgm:styleLbl>
-  <dgm:styleLbl name="vennNode1">
-    <dgm:fillClrLst meth="repeat">
-      <a:schemeClr val="accent1">
-        <a:alpha val="50000"/>
-      </a:schemeClr>
-    </dgm:fillClrLst>
-    <dgm:linClrLst meth="repeat">
-      <a:schemeClr val="lt1"/>
-    </dgm:linClrLst>
-    <dgm:effectClrLst/>
-    <dgm:txLinClrLst/>
-    <dgm:txFillClrLst/>
-    <dgm:txEffectClrLst/>
-  </dgm:styleLbl>
-  <dgm:styleLbl name="node2">
-    <dgm:fillClrLst meth="repeat">
-      <a:schemeClr val="accent1"/>
-    </dgm:fillClrLst>
-    <dgm:linClrLst meth="repeat">
-      <a:schemeClr val="lt1"/>
-    </dgm:linClrLst>
-    <dgm:effectClrLst/>
-    <dgm:txLinClrLst/>
-    <dgm:txFillClrLst/>
-    <dgm:txEffectClrLst/>
-  </dgm:styleLbl>
-  <dgm:styleLbl name="node3">
-    <dgm:fillClrLst meth="repeat">
-      <a:schemeClr val="accent1"/>
-    </dgm:fillClrLst>
-    <dgm:linClrLst meth="repeat">
-      <a:schemeClr val="lt1"/>
-    </dgm:linClrLst>
-    <dgm:effectClrLst/>
-    <dgm:txLinClrLst/>
-    <dgm:txFillClrLst/>
-    <dgm:txEffectClrLst/>
-  </dgm:styleLbl>
-  <dgm:styleLbl name="node4">
-    <dgm:fillClrLst meth="repeat">
-      <a:schemeClr val="accent1"/>
-    </dgm:fillClrLst>
-    <dgm:linClrLst meth="repeat">
-      <a:schemeClr val="lt1"/>
-    </dgm:linClrLst>
-    <dgm:effectClrLst/>
-    <dgm:txLinClrLst/>
-    <dgm:txFillClrLst/>
-    <dgm:txEffectClrLst/>
-  </dgm:styleLbl>
-  <dgm:styleLbl name="fgImgPlace1">
-    <dgm:fillClrLst meth="repeat">
-      <a:schemeClr val="accent1">
-        <a:tint val="50000"/>
-      </a:schemeClr>
-    </dgm:fillClrLst>
-    <dgm:linClrLst meth="repeat">
-      <a:schemeClr val="lt1"/>
-    </dgm:linClrLst>
-    <dgm:effectClrLst/>
-    <dgm:txLinClrLst/>
-    <dgm:txFillClrLst meth="repeat">
-      <a:schemeClr val="lt1"/>
-    </dgm:txFillClrLst>
-    <dgm:txEffectClrLst/>
-  </dgm:styleLbl>
-  <dgm:styleLbl name="alignImgPlace1">
-    <dgm:fillClrLst meth="repeat">
-      <a:schemeClr val="accent1">
-        <a:tint val="50000"/>
-      </a:schemeClr>
-    </dgm:fillClrLst>
-    <dgm:linClrLst meth="repeat">
-      <a:schemeClr val="lt1"/>
-    </dgm:linClrLst>
-    <dgm:effectClrLst/>
-    <dgm:txLinClrLst/>
-    <dgm:txFillClrLst meth="repeat">
-      <a:schemeClr val="lt1"/>
-    </dgm:txFillClrLst>
-    <dgm:txEffectClrLst/>
-  </dgm:styleLbl>
-  <dgm:styleLbl name="bgImgPlace1">
-    <dgm:fillClrLst meth="repeat">
-      <a:schemeClr val="accent1">
-        <a:tint val="50000"/>
-      </a:schemeClr>
-    </dgm:fillClrLst>
-    <dgm:linClrLst meth="repeat">
-      <a:schemeClr val="lt1"/>
-    </dgm:linClrLst>
-    <dgm:effectClrLst/>
-    <dgm:txLinClrLst/>
-    <dgm:txFillClrLst meth="repeat">
-      <a:schemeClr val="lt1"/>
-    </dgm:txFillClrLst>
-    <dgm:txEffectClrLst/>
-  </dgm:styleLbl>
-  <dgm:styleLbl name="sibTrans2D1">
-    <dgm:fillClrLst meth="repeat">
-      <a:schemeClr val="accent1">
-        <a:tint val="60000"/>
-      </a:schemeClr>
-    </dgm:fillClrLst>
-    <dgm:linClrLst meth="repeat">
-      <a:schemeClr val="accent1">
-        <a:tint val="60000"/>
-      </a:schemeClr>
-    </dgm:linClrLst>
-    <dgm:effectClrLst/>
-    <dgm:txLinClrLst/>
-    <dgm:txFillClrLst/>
-    <dgm:txEffectClrLst/>
-  </dgm:styleLbl>
-  <dgm:styleLbl name="fgSibTrans2D1">
-    <dgm:fillClrLst meth="repeat">
-      <a:schemeClr val="accent1">
-        <a:tint val="60000"/>
-      </a:schemeClr>
-    </dgm:fillClrLst>
-    <dgm:linClrLst meth="repeat">
-      <a:schemeClr val="accent1">
-        <a:tint val="60000"/>
-      </a:schemeClr>
-    </dgm:linClrLst>
-    <dgm:effectClrLst/>
-    <dgm:txLinClrLst/>
-    <dgm:txFillClrLst/>
-    <dgm:txEffectClrLst/>
-  </dgm:styleLbl>
-  <dgm:styleLbl name="bgSibTrans2D1">
-    <dgm:fillClrLst meth="repeat">
-      <a:schemeClr val="accent1">
-        <a:tint val="60000"/>
-      </a:schemeClr>
-    </dgm:fillClrLst>
-    <dgm:linClrLst meth="repeat">
-      <a:schemeClr val="accent1">
-        <a:tint val="60000"/>
-      </a:schemeClr>
-    </dgm:linClrLst>
-    <dgm:effectClrLst/>
-    <dgm:txLinClrLst/>
-    <dgm:txFillClrLst/>
-    <dgm:txEffectClrLst/>
-  </dgm:styleLbl>
-  <dgm:styleLbl name="sibTrans1D1">
-    <dgm:fillClrLst meth="repeat">
-      <a:schemeClr val="accent1"/>
-    </dgm:fillClrLst>
-    <dgm:linClrLst meth="repeat">
-      <a:schemeClr val="accent1"/>
-    </dgm:linClrLst>
-    <dgm:effectClrLst/>
-    <dgm:txLinClrLst/>
-    <dgm:txFillClrLst meth="repeat">
-      <a:schemeClr val="tx1"/>
-    </dgm:txFillClrLst>
-    <dgm:txEffectClrLst/>
-  </dgm:styleLbl>
-  <dgm:styleLbl name="callout">
-    <dgm:fillClrLst meth="repeat">
-      <a:schemeClr val="accent1"/>
-    </dgm:fillClrLst>
-    <dgm:linClrLst meth="repeat">
-      <a:schemeClr val="accent1">
-        <a:tint val="50000"/>
-      </a:schemeClr>
-    </dgm:linClrLst>
-    <dgm:effectClrLst/>
-    <dgm:txLinClrLst/>
-    <dgm:txFillClrLst meth="repeat">
-      <a:schemeClr val="tx1"/>
-    </dgm:txFillClrLst>
-    <dgm:txEffectClrLst/>
-  </dgm:styleLbl>
-  <dgm:styleLbl name="asst0">
-    <dgm:fillClrLst meth="repeat">
-      <a:schemeClr val="accent1"/>
-    </dgm:fillClrLst>
-    <dgm:linClrLst meth="repeat">
-      <a:schemeClr val="lt1"/>
-    </dgm:linClrLst>
-    <dgm:effectClrLst/>
-    <dgm:txLinClrLst/>
-    <dgm:txFillClrLst/>
-    <dgm:txEffectClrLst/>
-  </dgm:styleLbl>
-  <dgm:styleLbl name="asst1">
-    <dgm:fillClrLst meth="repeat">
-      <a:schemeClr val="accent1"/>
-    </dgm:fillClrLst>
-    <dgm:linClrLst meth="repeat">
-      <a:schemeClr val="lt1"/>
-    </dgm:linClrLst>
-    <dgm:effectClrLst/>
-    <dgm:txLinClrLst/>
-    <dgm:txFillClrLst/>
-    <dgm:txEffectClrLst/>
-  </dgm:styleLbl>
-  <dgm:styleLbl name="asst2">
-    <dgm:fillClrLst meth="repeat">
-      <a:schemeClr val="accent1"/>
-    </dgm:fillClrLst>
-    <dgm:linClrLst meth="repeat">
-      <a:schemeClr val="lt1"/>
-    </dgm:linClrLst>
-    <dgm:effectClrLst/>
-    <dgm:txLinClrLst/>
-    <dgm:txFillClrLst/>
-    <dgm:txEffectClrLst/>
-  </dgm:styleLbl>
-  <dgm:styleLbl name="asst3">
-    <dgm:fillClrLst meth="repeat">
-      <a:schemeClr val="accent1"/>
-    </dgm:fillClrLst>
-    <dgm:linClrLst meth="repeat">
-      <a:schemeClr val="lt1"/>
-    </dgm:linClrLst>
-    <dgm:effectClrLst/>
-    <dgm:txLinClrLst/>
-    <dgm:txFillClrLst/>
-    <dgm:txEffectClrLst/>
-  </dgm:styleLbl>
-  <dgm:styleLbl name="asst4">
-    <dgm:fillClrLst meth="repeat">
-      <a:schemeClr val="accent1"/>
-    </dgm:fillClrLst>
-    <dgm:linClrLst meth="repeat">
-      <a:schemeClr val="lt1"/>
-    </dgm:linClrLst>
-    <dgm:effectClrLst/>
-    <dgm:txLinClrLst/>
-    <dgm:txFillClrLst/>
-    <dgm:txEffectClrLst/>
-  </dgm:styleLbl>
-  <dgm:styleLbl name="parChTrans2D1">
-    <dgm:fillClrLst meth="repeat">
-      <a:schemeClr val="accent1">
-        <a:tint val="60000"/>
-      </a:schemeClr>
-    </dgm:fillClrLst>
-    <dgm:linClrLst meth="repeat">
-      <a:schemeClr val="accent1">
-        <a:tint val="60000"/>
-      </a:schemeClr>
-    </dgm:linClrLst>
-    <dgm:effectClrLst/>
-    <dgm:txLinClrLst/>
-    <dgm:txFillClrLst meth="repeat">
-      <a:schemeClr val="lt1"/>
-    </dgm:txFillClrLst>
-    <dgm:txEffectClrLst/>
-  </dgm:styleLbl>
-  <dgm:styleLbl name="parChTrans2D2">
-    <dgm:fillClrLst meth="repeat">
-      <a:schemeClr val="accent1"/>
-    </dgm:fillClrLst>
-    <dgm:linClrLst meth="repeat">
-      <a:schemeClr val="accent1"/>
-    </dgm:linClrLst>
-    <dgm:effectClrLst/>
-    <dgm:txLinClrLst/>
-    <dgm:txFillClrLst meth="repeat">
-      <a:schemeClr val="lt1"/>
-    </dgm:txFillClrLst>
-    <dgm:txEffectClrLst/>
-  </dgm:styleLbl>
-  <dgm:styleLbl name="parChTrans2D3">
-    <dgm:fillClrLst meth="repeat">
-      <a:schemeClr val="accent1"/>
-    </dgm:fillClrLst>
-    <dgm:linClrLst meth="repeat">
-      <a:schemeClr val="accent1"/>
-    </dgm:linClrLst>
-    <dgm:effectClrLst/>
-    <dgm:txLinClrLst/>
-    <dgm:txFillClrLst meth="repeat">
-      <a:schemeClr val="lt1"/>
-    </dgm:txFillClrLst>
-    <dgm:txEffectClrLst/>
-  </dgm:styleLbl>
-  <dgm:styleLbl name="parChTrans2D4">
-    <dgm:fillClrLst meth="repeat">
-      <a:schemeClr val="accent1"/>
-    </dgm:fillClrLst>
-    <dgm:linClrLst meth="repeat">
-      <a:schemeClr val="accent1"/>
-    </dgm:linClrLst>
-    <dgm:effectClrLst/>
-    <dgm:txLinClrLst/>
-    <dgm:txFillClrLst meth="repeat">
-      <a:schemeClr val="lt1"/>
-    </dgm:txFillClrLst>
-    <dgm:txEffectClrLst/>
-  </dgm:styleLbl>
-  <dgm:styleLbl name="parChTrans1D1">
-    <dgm:fillClrLst meth="repeat">
-      <a:schemeClr val="accent1"/>
-    </dgm:fillClrLst>
-    <dgm:linClrLst meth="repeat">
-      <a:schemeClr val="accent1">
-        <a:shade val="60000"/>
-      </a:schemeClr>
-    </dgm:linClrLst>
-    <dgm:effectClrLst/>
-    <dgm:txLinClrLst/>
-    <dgm:txFillClrLst meth="repeat">
-      <a:schemeClr val="tx1"/>
-    </dgm:txFillClrLst>
-    <dgm:txEffectClrLst/>
-  </dgm:styleLbl>
-  <dgm:styleLbl name="parChTrans1D2">
-    <dgm:fillClrLst meth="repeat">
-      <a:schemeClr val="accent1"/>
-    </dgm:fillClrLst>
-    <dgm:linClrLst meth="repeat">
-      <a:schemeClr val="accent1">
-        <a:shade val="60000"/>
-      </a:schemeClr>
-    </dgm:linClrLst>
-    <dgm:effectClrLst/>
-    <dgm:txLinClrLst/>
-    <dgm:txFillClrLst meth="repeat">
-      <a:schemeClr val="tx1"/>
-    </dgm:txFillClrLst>
-    <dgm:txEffectClrLst/>
-  </dgm:styleLbl>
-  <dgm:styleLbl name="parChTrans1D3">
-    <dgm:fillClrLst meth="repeat">
-      <a:schemeClr val="accent1"/>
-    </dgm:fillClrLst>
-    <dgm:linClrLst meth="repeat">
-      <a:schemeClr val="accent1">
-        <a:shade val="80000"/>
-      </a:schemeClr>
-    </dgm:linClrLst>
-    <dgm:effectClrLst/>
-    <dgm:txLinClrLst/>
-    <dgm:txFillClrLst meth="repeat">
-      <a:schemeClr val="tx1"/>
-    </dgm:txFillClrLst>
-    <dgm:txEffectClrLst/>
-  </dgm:styleLbl>
-  <dgm:styleLbl name="parChTrans1D4">
-    <dgm:fillClrLst meth="repeat">
-      <a:schemeClr val="accent1"/>
-    </dgm:fillClrLst>
-    <dgm:linClrLst meth="repeat">
-      <a:schemeClr val="accent1">
-        <a:shade val="80000"/>
-      </a:schemeClr>
-    </dgm:linClrLst>
-    <dgm:effectClrLst/>
-    <dgm:txLinClrLst/>
-    <dgm:txFillClrLst meth="repeat">
-      <a:schemeClr val="tx1"/>
-    </dgm:txFillClrLst>
-    <dgm:txEffectClrLst/>
-  </dgm:styleLbl>
-  <dgm:styleLbl name="fgAcc1">
-    <dgm:fillClrLst meth="repeat">
-      <a:schemeClr val="lt1">
-        <a:alpha val="90000"/>
-      </a:schemeClr>
-    </dgm:fillClrLst>
-    <dgm:linClrLst meth="repeat">
-      <a:schemeClr val="accent1"/>
-    </dgm:linClrLst>
-    <dgm:effectClrLst/>
-    <dgm:txLinClrLst/>
-    <dgm:txFillClrLst meth="repeat">
-      <a:schemeClr val="dk1"/>
-    </dgm:txFillClrLst>
-    <dgm:txEffectClrLst/>
-  </dgm:styleLbl>
-  <dgm:styleLbl name="conFgAcc1">
-    <dgm:fillClrLst meth="repeat">
-      <a:schemeClr val="lt1">
-        <a:alpha val="90000"/>
-      </a:schemeClr>
-    </dgm:fillClrLst>
-    <dgm:linClrLst meth="repeat">
-      <a:schemeClr val="accent1"/>
-    </dgm:linClrLst>
-    <dgm:effectClrLst/>
-    <dgm:txLinClrLst/>
-    <dgm:txFillClrLst meth="repeat">
-      <a:schemeClr val="dk1"/>
-    </dgm:txFillClrLst>
-    <dgm:txEffectClrLst/>
-  </dgm:styleLbl>
-  <dgm:styleLbl name="alignAcc1">
-    <dgm:fillClrLst meth="repeat">
-      <a:schemeClr val="lt1">
-        <a:alpha val="90000"/>
-      </a:schemeClr>
-    </dgm:fillClrLst>
-    <dgm:linClrLst meth="repeat">
-      <a:schemeClr val="accent1"/>
-    </dgm:linClrLst>
-    <dgm:effectClrLst/>
-    <dgm:txLinClrLst/>
-    <dgm:txFillClrLst meth="repeat">
-      <a:schemeClr val="dk1"/>
-    </dgm:txFillClrLst>
-    <dgm:txEffectClrLst/>
-  </dgm:styleLbl>
-  <dgm:styleLbl name="trAlignAcc1">
-    <dgm:fillClrLst meth="repeat">
-      <a:schemeClr val="lt1">
-        <a:alpha val="40000"/>
-      </a:schemeClr>
-    </dgm:fillClrLst>
-    <dgm:linClrLst meth="repeat">
-      <a:schemeClr val="accent1"/>
-    </dgm:linClrLst>
-    <dgm:effectClrLst/>
-    <dgm:txLinClrLst/>
-    <dgm:txFillClrLst meth="repeat">
-      <a:schemeClr val="dk1"/>
-    </dgm:txFillClrLst>
-    <dgm:txEffectClrLst/>
-  </dgm:styleLbl>
-  <dgm:styleLbl name="bgAcc1">
-    <dgm:fillClrLst meth="repeat">
-      <a:schemeClr val="lt1">
-        <a:alpha val="90000"/>
-      </a:schemeClr>
-    </dgm:fillClrLst>
-    <dgm:linClrLst meth="repeat">
-      <a:schemeClr val="accent1"/>
-    </dgm:linClrLst>
-    <dgm:effectClrLst/>
-    <dgm:txLinClrLst/>
-    <dgm:txFillClrLst meth="repeat">
-      <a:schemeClr val="dk1"/>
-    </dgm:txFillClrLst>
-    <dgm:txEffectClrLst/>
-  </dgm:styleLbl>
-  <dgm:styleLbl name="solidFgAcc1">
-    <dgm:fillClrLst meth="repeat">
-      <a:schemeClr val="lt1"/>
-    </dgm:fillClrLst>
-    <dgm:linClrLst meth="repeat">
-      <a:schemeClr val="accent1"/>
-    </dgm:linClrLst>
-    <dgm:effectClrLst/>
-    <dgm:txLinClrLst/>
-    <dgm:txFillClrLst meth="repeat">
-      <a:schemeClr val="dk1"/>
-    </dgm:txFillClrLst>
-    <dgm:txEffectClrLst/>
-  </dgm:styleLbl>
-  <dgm:styleLbl name="solidAlignAcc1">
-    <dgm:fillClrLst meth="repeat">
-      <a:schemeClr val="lt1"/>
-    </dgm:fillClrLst>
-    <dgm:linClrLst meth="repeat">
-      <a:schemeClr val="accent1"/>
-    </dgm:linClrLst>
-    <dgm:effectClrLst/>
-    <dgm:txLinClrLst/>
-    <dgm:txFillClrLst meth="repeat">
-      <a:schemeClr val="dk1"/>
-    </dgm:txFillClrLst>
-    <dgm:txEffectClrLst/>
-  </dgm:styleLbl>
-  <dgm:styleLbl name="solidBgAcc1">
-    <dgm:fillClrLst meth="repeat">
-      <a:schemeClr val="lt1"/>
-    </dgm:fillClrLst>
-    <dgm:linClrLst meth="repeat">
-      <a:schemeClr val="accent1"/>
-    </dgm:linClrLst>
-    <dgm:effectClrLst/>
-    <dgm:txLinClrLst/>
-    <dgm:txFillClrLst meth="repeat">
-      <a:schemeClr val="dk1"/>
-    </dgm:txFillClrLst>
-    <dgm:txEffectClrLst/>
-  </dgm:styleLbl>
-  <dgm:styleLbl name="fgAccFollowNode1">
-    <dgm:fillClrLst meth="repeat">
-      <a:schemeClr val="accent1">
-        <a:alpha val="90000"/>
-        <a:tint val="40000"/>
-      </a:schemeClr>
-    </dgm:fillClrLst>
-    <dgm:linClrLst meth="repeat">
-      <a:schemeClr val="accent1">
-        <a:alpha val="90000"/>
-        <a:tint val="40000"/>
-      </a:schemeClr>
-    </dgm:linClrLst>
-    <dgm:effectClrLst/>
-    <dgm:txLinClrLst/>
-    <dgm:txFillClrLst meth="repeat">
-      <a:schemeClr val="dk1"/>
-    </dgm:txFillClrLst>
-    <dgm:txEffectClrLst/>
-  </dgm:styleLbl>
-  <dgm:styleLbl name="alignAccFollowNode1">
-    <dgm:fillClrLst meth="repeat">
-      <a:schemeClr val="accent1">
-        <a:alpha val="90000"/>
-        <a:tint val="40000"/>
-      </a:schemeClr>
-    </dgm:fillClrLst>
-    <dgm:linClrLst meth="repeat">
-      <a:schemeClr val="accent1">
-        <a:alpha val="90000"/>
-        <a:tint val="40000"/>
-      </a:schemeClr>
-    </dgm:linClrLst>
-    <dgm:effectClrLst/>
-    <dgm:txLinClrLst/>
-    <dgm:txFillClrLst meth="repeat">
-      <a:schemeClr val="dk1"/>
-    </dgm:txFillClrLst>
-    <dgm:txEffectClrLst/>
-  </dgm:styleLbl>
-  <dgm:styleLbl name="bgAccFollowNode1">
-    <dgm:fillClrLst meth="repeat">
-      <a:schemeClr val="accent1">
-        <a:alpha val="90000"/>
-        <a:tint val="40000"/>
-      </a:schemeClr>
-    </dgm:fillClrLst>
-    <dgm:linClrLst meth="repeat">
-      <a:schemeClr val="accent1">
-        <a:alpha val="90000"/>
-        <a:tint val="40000"/>
-      </a:schemeClr>
-    </dgm:linClrLst>
-    <dgm:effectClrLst/>
-    <dgm:txLinClrLst/>
-    <dgm:txFillClrLst meth="repeat">
-      <a:schemeClr val="dk1"/>
-    </dgm:txFillClrLst>
-    <dgm:txEffectClrLst/>
-  </dgm:styleLbl>
-  <dgm:styleLbl name="fgAcc0">
-    <dgm:fillClrLst meth="repeat">
-      <a:schemeClr val="lt1">
-        <a:alpha val="90000"/>
-      </a:schemeClr>
-    </dgm:fillClrLst>
-    <dgm:linClrLst meth="repeat">
-      <a:schemeClr val="accent1"/>
-    </dgm:linClrLst>
-    <dgm:effectClrLst/>
-    <dgm:txLinClrLst/>
-    <dgm:txFillClrLst meth="repeat">
-      <a:schemeClr val="dk1"/>
-    </dgm:txFillClrLst>
-    <dgm:txEffectClrLst/>
-  </dgm:styleLbl>
-  <dgm:styleLbl name="fgAcc2">
-    <dgm:fillClrLst meth="repeat">
-      <a:schemeClr val="lt1">
-        <a:alpha val="90000"/>
-      </a:schemeClr>
-    </dgm:fillClrLst>
-    <dgm:linClrLst meth="repeat">
-      <a:schemeClr val="accent1"/>
-    </dgm:linClrLst>
-    <dgm:effectClrLst/>
-    <dgm:txLinClrLst/>
-    <dgm:txFillClrLst meth="repeat">
-      <a:schemeClr val="dk1"/>
-    </dgm:txFillClrLst>
-    <dgm:txEffectClrLst/>
-  </dgm:styleLbl>
-  <dgm:styleLbl name="fgAcc3">
-    <dgm:fillClrLst meth="repeat">
-      <a:schemeClr val="lt1">
-        <a:alpha val="90000"/>
-      </a:schemeClr>
-    </dgm:fillClrLst>
-    <dgm:linClrLst meth="repeat">
-      <a:schemeClr val="accent1"/>
-    </dgm:linClrLst>
-    <dgm:effectClrLst/>
-    <dgm:txLinClrLst/>
-    <dgm:txFillClrLst meth="repeat">
-      <a:schemeClr val="dk1"/>
-    </dgm:txFillClrLst>
-    <dgm:txEffectClrLst/>
-  </dgm:styleLbl>
-  <dgm:styleLbl name="fgAcc4">
-    <dgm:fillClrLst meth="repeat">
-      <a:schemeClr val="lt1">
-        <a:alpha val="90000"/>
-      </a:schemeClr>
-    </dgm:fillClrLst>
-    <dgm:linClrLst meth="repeat">
-      <a:schemeClr val="accent1"/>
-    </dgm:linClrLst>
-    <dgm:effectClrLst/>
-    <dgm:txLinClrLst/>
-    <dgm:txFillClrLst meth="repeat">
-      <a:schemeClr val="dk1"/>
-    </dgm:txFillClrLst>
-    <dgm:txEffectClrLst/>
-  </dgm:styleLbl>
-  <dgm:styleLbl name="bgShp">
-    <dgm:fillClrLst meth="repeat">
-      <a:schemeClr val="accent1">
-        <a:tint val="40000"/>
-      </a:schemeClr>
-    </dgm:fillClrLst>
-    <dgm:linClrLst meth="repeat">
-      <a:schemeClr val="accent1"/>
-    </dgm:linClrLst>
-    <dgm:effectClrLst/>
-    <dgm:txLinClrLst/>
-    <dgm:txFillClrLst meth="repeat">
-      <a:schemeClr val="dk1"/>
-    </dgm:txFillClrLst>
-    <dgm:txEffectClrLst/>
-  </dgm:styleLbl>
-  <dgm:styleLbl name="dkBgShp">
-    <dgm:fillClrLst meth="repeat">
-      <a:schemeClr val="accent1">
-        <a:shade val="80000"/>
-      </a:schemeClr>
-    </dgm:fillClrLst>
-    <dgm:linClrLst meth="repeat">
-      <a:schemeClr val="accent1"/>
-    </dgm:linClrLst>
-    <dgm:effectClrLst/>
-    <dgm:txLinClrLst/>
-    <dgm:txFillClrLst meth="repeat">
-      <a:schemeClr val="lt1"/>
-    </dgm:txFillClrLst>
-    <dgm:txEffectClrLst/>
-  </dgm:styleLbl>
-  <dgm:styleLbl name="trBgShp">
-    <dgm:fillClrLst meth="repeat">
-      <a:schemeClr val="accent1">
-        <a:tint val="50000"/>
-        <a:alpha val="40000"/>
-      </a:schemeClr>
-    </dgm:fillClrLst>
-    <dgm:linClrLst meth="repeat">
-      <a:schemeClr val="accent1"/>
-    </dgm:linClrLst>
-    <dgm:effectClrLst/>
-    <dgm:txLinClrLst/>
-    <dgm:txFillClrLst meth="repeat">
-      <a:schemeClr val="lt1"/>
-    </dgm:txFillClrLst>
-    <dgm:txEffectClrLst/>
-  </dgm:styleLbl>
-  <dgm:styleLbl name="fgShp">
-    <dgm:fillClrLst meth="repeat">
-      <a:schemeClr val="accent1">
-        <a:tint val="60000"/>
-      </a:schemeClr>
-    </dgm:fillClrLst>
-    <dgm:linClrLst meth="repeat">
-      <a:schemeClr val="lt1"/>
-    </dgm:linClrLst>
-    <dgm:effectClrLst/>
-    <dgm:txLinClrLst/>
-    <dgm:txFillClrLst meth="repeat">
-      <a:schemeClr val="dk1"/>
-    </dgm:txFillClrLst>
-    <dgm:txEffectClrLst/>
-  </dgm:styleLbl>
-  <dgm:styleLbl name="revTx">
-    <dgm:fillClrLst meth="repeat">
-      <a:schemeClr val="lt1">
-        <a:alpha val="0"/>
-      </a:schemeClr>
-    </dgm:fillClrLst>
-    <dgm:linClrLst meth="repeat">
-      <a:schemeClr val="dk1">
-        <a:alpha val="0"/>
-      </a:schemeClr>
-    </dgm:linClrLst>
-    <dgm:effectClrLst/>
-    <dgm:txLinClrLst/>
-    <dgm:txFillClrLst meth="repeat">
-      <a:schemeClr val="tx1"/>
-    </dgm:txFillClrLst>
-    <dgm:txEffectClrLst/>
-  </dgm:styleLbl>
-</dgm:colorsDef>
-</file>
-
-<file path=ppt/diagrams/data1.xml><?xml version="1.0" encoding="utf-8"?>
-<dgm:dataModel xmlns:dgm="http://schemas.openxmlformats.org/drawingml/2006/diagram" xmlns:a="http://schemas.openxmlformats.org/drawingml/2006/main">
-  <dgm:ptLst>
-    <dgm:pt modelId="{65D7F8DC-DB41-4255-BDF5-8BEF01559757}" type="doc">
-      <dgm:prSet loTypeId="urn:microsoft.com/office/officeart/2005/8/layout/process1" loCatId="process" qsTypeId="urn:microsoft.com/office/officeart/2005/8/quickstyle/simple1" qsCatId="simple" csTypeId="urn:microsoft.com/office/officeart/2005/8/colors/accent1_2" csCatId="accent1" phldr="1"/>
-      <dgm:spPr/>
-    </dgm:pt>
-    <dgm:pt modelId="{755038E8-E48F-4384-B95F-54E0D515425E}">
-      <dgm:prSet phldrT="[Text]"/>
-      <dgm:spPr/>
-      <dgm:t>
-        <a:bodyPr/>
-        <a:lstStyle/>
-        <a:p>
-          <a:r>
-            <a:rPr lang="en-CA" dirty="0" smtClean="0"/>
-            <a:t>Conceptual Design</a:t>
-          </a:r>
-          <a:endParaRPr lang="en-CA" dirty="0"/>
-        </a:p>
-      </dgm:t>
-    </dgm:pt>
-    <dgm:pt modelId="{26BE8A05-BA12-4BDE-88BE-15843A2F9CF6}" type="parTrans" cxnId="{EE291297-9A20-4B2B-BB85-F50F2485D91E}">
-      <dgm:prSet/>
-      <dgm:spPr/>
-      <dgm:t>
-        <a:bodyPr/>
-        <a:lstStyle/>
-        <a:p>
-          <a:endParaRPr lang="en-CA"/>
-        </a:p>
-      </dgm:t>
-    </dgm:pt>
-    <dgm:pt modelId="{7A09C7B4-53C1-4A59-80E2-93DCDB24B0C0}" type="sibTrans" cxnId="{EE291297-9A20-4B2B-BB85-F50F2485D91E}">
-      <dgm:prSet/>
-      <dgm:spPr/>
-      <dgm:t>
-        <a:bodyPr/>
-        <a:lstStyle/>
-        <a:p>
-          <a:endParaRPr lang="en-CA"/>
-        </a:p>
-      </dgm:t>
-    </dgm:pt>
-    <dgm:pt modelId="{5C5E5ED6-6822-4F14-A500-A501A1227E9E}">
-      <dgm:prSet phldrT="[Text]"/>
-      <dgm:spPr/>
-      <dgm:t>
-        <a:bodyPr/>
-        <a:lstStyle/>
-        <a:p>
-          <a:r>
-            <a:rPr lang="en-CA" dirty="0" smtClean="0"/>
-            <a:t>Logical Design</a:t>
-          </a:r>
-          <a:endParaRPr lang="en-CA" dirty="0"/>
-        </a:p>
-      </dgm:t>
-    </dgm:pt>
-    <dgm:pt modelId="{9FE35701-E9DC-4D81-BA5B-C024A196AEB2}" type="parTrans" cxnId="{3D786157-B69E-414D-934C-FE5AF25CEBEB}">
-      <dgm:prSet/>
-      <dgm:spPr/>
-      <dgm:t>
-        <a:bodyPr/>
-        <a:lstStyle/>
-        <a:p>
-          <a:endParaRPr lang="en-CA"/>
-        </a:p>
-      </dgm:t>
-    </dgm:pt>
-    <dgm:pt modelId="{DFD62396-3500-4AFD-A2CF-8A96C97377D3}" type="sibTrans" cxnId="{3D786157-B69E-414D-934C-FE5AF25CEBEB}">
-      <dgm:prSet/>
-      <dgm:spPr/>
-      <dgm:t>
-        <a:bodyPr/>
-        <a:lstStyle/>
-        <a:p>
-          <a:endParaRPr lang="en-CA"/>
-        </a:p>
-      </dgm:t>
-    </dgm:pt>
-    <dgm:pt modelId="{D8ED17F6-A4BE-43BC-BD46-68739F98046B}">
-      <dgm:prSet phldrT="[Text]"/>
-      <dgm:spPr/>
-      <dgm:t>
-        <a:bodyPr/>
-        <a:lstStyle/>
-        <a:p>
-          <a:r>
-            <a:rPr lang="en-CA" dirty="0" smtClean="0"/>
-            <a:t>Physical Design</a:t>
-          </a:r>
-          <a:endParaRPr lang="en-CA" dirty="0"/>
-        </a:p>
-      </dgm:t>
-    </dgm:pt>
-    <dgm:pt modelId="{707B526F-F67F-4BD9-A4C7-7A8B2AAF0DD0}" type="parTrans" cxnId="{849A1256-659C-4791-A84D-728C2D0E79D9}">
-      <dgm:prSet/>
-      <dgm:spPr/>
-      <dgm:t>
-        <a:bodyPr/>
-        <a:lstStyle/>
-        <a:p>
-          <a:endParaRPr lang="en-CA"/>
-        </a:p>
-      </dgm:t>
-    </dgm:pt>
-    <dgm:pt modelId="{A14618C6-09B3-49E9-B578-EC26EC8487E5}" type="sibTrans" cxnId="{849A1256-659C-4791-A84D-728C2D0E79D9}">
-      <dgm:prSet/>
-      <dgm:spPr/>
-      <dgm:t>
-        <a:bodyPr/>
-        <a:lstStyle/>
-        <a:p>
-          <a:endParaRPr lang="en-CA"/>
-        </a:p>
-      </dgm:t>
-    </dgm:pt>
-    <dgm:pt modelId="{629DF71A-B182-4C1C-AB8F-9B42E8D6E404}" type="pres">
-      <dgm:prSet presAssocID="{65D7F8DC-DB41-4255-BDF5-8BEF01559757}" presName="Name0" presStyleCnt="0">
-        <dgm:presLayoutVars>
-          <dgm:dir/>
-          <dgm:resizeHandles val="exact"/>
-        </dgm:presLayoutVars>
-      </dgm:prSet>
-      <dgm:spPr/>
-    </dgm:pt>
-    <dgm:pt modelId="{BD5ADEF0-3508-4591-880A-248D203F04EC}" type="pres">
-      <dgm:prSet presAssocID="{755038E8-E48F-4384-B95F-54E0D515425E}" presName="node" presStyleLbl="node1" presStyleIdx="0" presStyleCnt="3">
-        <dgm:presLayoutVars>
-          <dgm:bulletEnabled val="1"/>
-        </dgm:presLayoutVars>
-      </dgm:prSet>
-      <dgm:spPr/>
-      <dgm:t>
-        <a:bodyPr/>
-        <a:lstStyle/>
-        <a:p>
-          <a:endParaRPr lang="en-CA"/>
-        </a:p>
-      </dgm:t>
-    </dgm:pt>
-    <dgm:pt modelId="{57A7BE9F-CBA0-442F-8316-E59B977CCFC1}" type="pres">
-      <dgm:prSet presAssocID="{7A09C7B4-53C1-4A59-80E2-93DCDB24B0C0}" presName="sibTrans" presStyleLbl="sibTrans2D1" presStyleIdx="0" presStyleCnt="2"/>
-      <dgm:spPr/>
-      <dgm:t>
-        <a:bodyPr/>
-        <a:lstStyle/>
-        <a:p>
-          <a:endParaRPr lang="en-CA"/>
-        </a:p>
-      </dgm:t>
-    </dgm:pt>
-    <dgm:pt modelId="{DF110919-ECAE-4112-89F6-2B744167167B}" type="pres">
-      <dgm:prSet presAssocID="{7A09C7B4-53C1-4A59-80E2-93DCDB24B0C0}" presName="connectorText" presStyleLbl="sibTrans2D1" presStyleIdx="0" presStyleCnt="2"/>
-      <dgm:spPr/>
-      <dgm:t>
-        <a:bodyPr/>
-        <a:lstStyle/>
-        <a:p>
-          <a:endParaRPr lang="en-CA"/>
-        </a:p>
-      </dgm:t>
-    </dgm:pt>
-    <dgm:pt modelId="{E77B4E80-275C-40D9-A9DB-4FDB66FE9F9F}" type="pres">
-      <dgm:prSet presAssocID="{5C5E5ED6-6822-4F14-A500-A501A1227E9E}" presName="node" presStyleLbl="node1" presStyleIdx="1" presStyleCnt="3">
-        <dgm:presLayoutVars>
-          <dgm:bulletEnabled val="1"/>
-        </dgm:presLayoutVars>
-      </dgm:prSet>
-      <dgm:spPr/>
-      <dgm:t>
-        <a:bodyPr/>
-        <a:lstStyle/>
-        <a:p>
-          <a:endParaRPr lang="en-CA"/>
-        </a:p>
-      </dgm:t>
-    </dgm:pt>
-    <dgm:pt modelId="{6FF92367-D6EE-4A8C-8479-C517E3F4873F}" type="pres">
-      <dgm:prSet presAssocID="{DFD62396-3500-4AFD-A2CF-8A96C97377D3}" presName="sibTrans" presStyleLbl="sibTrans2D1" presStyleIdx="1" presStyleCnt="2"/>
-      <dgm:spPr/>
-      <dgm:t>
-        <a:bodyPr/>
-        <a:lstStyle/>
-        <a:p>
-          <a:endParaRPr lang="en-CA"/>
-        </a:p>
-      </dgm:t>
-    </dgm:pt>
-    <dgm:pt modelId="{9FDD49A1-C779-4D7D-9D3A-C94F49360032}" type="pres">
-      <dgm:prSet presAssocID="{DFD62396-3500-4AFD-A2CF-8A96C97377D3}" presName="connectorText" presStyleLbl="sibTrans2D1" presStyleIdx="1" presStyleCnt="2"/>
-      <dgm:spPr/>
-      <dgm:t>
-        <a:bodyPr/>
-        <a:lstStyle/>
-        <a:p>
-          <a:endParaRPr lang="en-CA"/>
-        </a:p>
-      </dgm:t>
-    </dgm:pt>
-    <dgm:pt modelId="{73ACEF66-4575-4007-864E-A0ADB0761B3C}" type="pres">
-      <dgm:prSet presAssocID="{D8ED17F6-A4BE-43BC-BD46-68739F98046B}" presName="node" presStyleLbl="node1" presStyleIdx="2" presStyleCnt="3">
-        <dgm:presLayoutVars>
-          <dgm:bulletEnabled val="1"/>
-        </dgm:presLayoutVars>
-      </dgm:prSet>
-      <dgm:spPr/>
-      <dgm:t>
-        <a:bodyPr/>
-        <a:lstStyle/>
-        <a:p>
-          <a:endParaRPr lang="en-CA"/>
-        </a:p>
-      </dgm:t>
-    </dgm:pt>
-  </dgm:ptLst>
-  <dgm:cxnLst>
-    <dgm:cxn modelId="{3D786157-B69E-414D-934C-FE5AF25CEBEB}" srcId="{65D7F8DC-DB41-4255-BDF5-8BEF01559757}" destId="{5C5E5ED6-6822-4F14-A500-A501A1227E9E}" srcOrd="1" destOrd="0" parTransId="{9FE35701-E9DC-4D81-BA5B-C024A196AEB2}" sibTransId="{DFD62396-3500-4AFD-A2CF-8A96C97377D3}"/>
-    <dgm:cxn modelId="{3EC3B4B1-682F-4034-AEAA-B0034E570E7E}" type="presOf" srcId="{D8ED17F6-A4BE-43BC-BD46-68739F98046B}" destId="{73ACEF66-4575-4007-864E-A0ADB0761B3C}" srcOrd="0" destOrd="0" presId="urn:microsoft.com/office/officeart/2005/8/layout/process1"/>
-    <dgm:cxn modelId="{849A1256-659C-4791-A84D-728C2D0E79D9}" srcId="{65D7F8DC-DB41-4255-BDF5-8BEF01559757}" destId="{D8ED17F6-A4BE-43BC-BD46-68739F98046B}" srcOrd="2" destOrd="0" parTransId="{707B526F-F67F-4BD9-A4C7-7A8B2AAF0DD0}" sibTransId="{A14618C6-09B3-49E9-B578-EC26EC8487E5}"/>
-    <dgm:cxn modelId="{EE291297-9A20-4B2B-BB85-F50F2485D91E}" srcId="{65D7F8DC-DB41-4255-BDF5-8BEF01559757}" destId="{755038E8-E48F-4384-B95F-54E0D515425E}" srcOrd="0" destOrd="0" parTransId="{26BE8A05-BA12-4BDE-88BE-15843A2F9CF6}" sibTransId="{7A09C7B4-53C1-4A59-80E2-93DCDB24B0C0}"/>
-    <dgm:cxn modelId="{18624C75-DE7D-4C4F-AF9D-E594EE2552D5}" type="presOf" srcId="{DFD62396-3500-4AFD-A2CF-8A96C97377D3}" destId="{6FF92367-D6EE-4A8C-8479-C517E3F4873F}" srcOrd="0" destOrd="0" presId="urn:microsoft.com/office/officeart/2005/8/layout/process1"/>
-    <dgm:cxn modelId="{A43EE8AD-1DB0-445C-8568-98E4A7B70FFE}" type="presOf" srcId="{65D7F8DC-DB41-4255-BDF5-8BEF01559757}" destId="{629DF71A-B182-4C1C-AB8F-9B42E8D6E404}" srcOrd="0" destOrd="0" presId="urn:microsoft.com/office/officeart/2005/8/layout/process1"/>
-    <dgm:cxn modelId="{028768FD-14C4-4FA2-9823-3757962BDF3E}" type="presOf" srcId="{7A09C7B4-53C1-4A59-80E2-93DCDB24B0C0}" destId="{57A7BE9F-CBA0-442F-8316-E59B977CCFC1}" srcOrd="0" destOrd="0" presId="urn:microsoft.com/office/officeart/2005/8/layout/process1"/>
-    <dgm:cxn modelId="{29AFAE50-1736-4E73-AF5C-76E222C9E10D}" type="presOf" srcId="{755038E8-E48F-4384-B95F-54E0D515425E}" destId="{BD5ADEF0-3508-4591-880A-248D203F04EC}" srcOrd="0" destOrd="0" presId="urn:microsoft.com/office/officeart/2005/8/layout/process1"/>
-    <dgm:cxn modelId="{E7F69BA4-5204-4DEC-A235-BF3B92D757B4}" type="presOf" srcId="{5C5E5ED6-6822-4F14-A500-A501A1227E9E}" destId="{E77B4E80-275C-40D9-A9DB-4FDB66FE9F9F}" srcOrd="0" destOrd="0" presId="urn:microsoft.com/office/officeart/2005/8/layout/process1"/>
-    <dgm:cxn modelId="{52CE621C-D9A7-4B72-B747-E79BD50F3964}" type="presOf" srcId="{DFD62396-3500-4AFD-A2CF-8A96C97377D3}" destId="{9FDD49A1-C779-4D7D-9D3A-C94F49360032}" srcOrd="1" destOrd="0" presId="urn:microsoft.com/office/officeart/2005/8/layout/process1"/>
-    <dgm:cxn modelId="{6AFEA3F9-7CC8-4C6A-9A62-BF33BEDF22C8}" type="presOf" srcId="{7A09C7B4-53C1-4A59-80E2-93DCDB24B0C0}" destId="{DF110919-ECAE-4112-89F6-2B744167167B}" srcOrd="1" destOrd="0" presId="urn:microsoft.com/office/officeart/2005/8/layout/process1"/>
-    <dgm:cxn modelId="{E9875D60-4C48-4BD7-9C5D-1F3B85E3256D}" type="presParOf" srcId="{629DF71A-B182-4C1C-AB8F-9B42E8D6E404}" destId="{BD5ADEF0-3508-4591-880A-248D203F04EC}" srcOrd="0" destOrd="0" presId="urn:microsoft.com/office/officeart/2005/8/layout/process1"/>
-    <dgm:cxn modelId="{84A13EC1-766A-4147-B30B-F84B8553C78A}" type="presParOf" srcId="{629DF71A-B182-4C1C-AB8F-9B42E8D6E404}" destId="{57A7BE9F-CBA0-442F-8316-E59B977CCFC1}" srcOrd="1" destOrd="0" presId="urn:microsoft.com/office/officeart/2005/8/layout/process1"/>
-    <dgm:cxn modelId="{AB3679B3-6B30-451D-B0F8-B5EE715E1783}" type="presParOf" srcId="{57A7BE9F-CBA0-442F-8316-E59B977CCFC1}" destId="{DF110919-ECAE-4112-89F6-2B744167167B}" srcOrd="0" destOrd="0" presId="urn:microsoft.com/office/officeart/2005/8/layout/process1"/>
-    <dgm:cxn modelId="{855E6A1C-2547-4259-99FA-23ECED17C7E4}" type="presParOf" srcId="{629DF71A-B182-4C1C-AB8F-9B42E8D6E404}" destId="{E77B4E80-275C-40D9-A9DB-4FDB66FE9F9F}" srcOrd="2" destOrd="0" presId="urn:microsoft.com/office/officeart/2005/8/layout/process1"/>
-    <dgm:cxn modelId="{7C9C8434-9D06-44E8-A211-994BB926BB99}" type="presParOf" srcId="{629DF71A-B182-4C1C-AB8F-9B42E8D6E404}" destId="{6FF92367-D6EE-4A8C-8479-C517E3F4873F}" srcOrd="3" destOrd="0" presId="urn:microsoft.com/office/officeart/2005/8/layout/process1"/>
-    <dgm:cxn modelId="{27E557ED-3E0A-405F-9A81-54B4BAD95E47}" type="presParOf" srcId="{6FF92367-D6EE-4A8C-8479-C517E3F4873F}" destId="{9FDD49A1-C779-4D7D-9D3A-C94F49360032}" srcOrd="0" destOrd="0" presId="urn:microsoft.com/office/officeart/2005/8/layout/process1"/>
-    <dgm:cxn modelId="{6C8146C5-85B5-459C-AD94-ACFCB326AA9F}" type="presParOf" srcId="{629DF71A-B182-4C1C-AB8F-9B42E8D6E404}" destId="{73ACEF66-4575-4007-864E-A0ADB0761B3C}" srcOrd="4" destOrd="0" presId="urn:microsoft.com/office/officeart/2005/8/layout/process1"/>
-  </dgm:cxnLst>
-  <dgm:bg/>
-  <dgm:whole/>
-</dgm:dataModel>
-</file>
-
-<file path=ppt/diagrams/layout1.xml><?xml version="1.0" encoding="utf-8"?>
-<dgm:layoutDef xmlns:dgm="http://schemas.openxmlformats.org/drawingml/2006/diagram" xmlns:a="http://schemas.openxmlformats.org/drawingml/2006/main" uniqueId="urn:microsoft.com/office/officeart/2005/8/layout/process1">
-  <dgm:title val=""/>
-  <dgm:desc val=""/>
-  <dgm:catLst>
-    <dgm:cat type="process" pri="1000"/>
-    <dgm:cat type="convert" pri="15000"/>
-  </dgm:catLst>
-  <dgm:sampData useDef="1">
-    <dgm:dataModel>
-      <dgm:ptLst/>
-      <dgm:bg/>
-      <dgm:whole/>
-    </dgm:dataModel>
-  </dgm:sampData>
-  <dgm:styleData>
-    <dgm:dataModel>
-      <dgm:ptLst>
-        <dgm:pt modelId="0" type="doc"/>
-        <dgm:pt modelId="1"/>
-        <dgm:pt modelId="2"/>
-      </dgm:ptLst>
-      <dgm:cxnLst>
-        <dgm:cxn modelId="3" srcId="0" destId="1" srcOrd="0" destOrd="0"/>
-        <dgm:cxn modelId="4" srcId="0" destId="2" srcOrd="1" destOrd="0"/>
-      </dgm:cxnLst>
-      <dgm:bg/>
-      <dgm:whole/>
-    </dgm:dataModel>
-  </dgm:styleData>
-  <dgm:clrData>
-    <dgm:dataModel>
-      <dgm:ptLst>
-        <dgm:pt modelId="0" type="doc"/>
-        <dgm:pt modelId="1"/>
-        <dgm:pt modelId="2"/>
-        <dgm:pt modelId="3"/>
-        <dgm:pt modelId="4"/>
-      </dgm:ptLst>
-      <dgm:cxnLst>
-        <dgm:cxn modelId="5" srcId="0" destId="1" srcOrd="0" destOrd="0"/>
-        <dgm:cxn modelId="6" srcId="0" destId="2" srcOrd="1" destOrd="0"/>
-        <dgm:cxn modelId="7" srcId="0" destId="3" srcOrd="2" destOrd="0"/>
-        <dgm:cxn modelId="8" srcId="0" destId="4" srcOrd="3" destOrd="0"/>
-      </dgm:cxnLst>
-      <dgm:bg/>
-      <dgm:whole/>
-    </dgm:dataModel>
-  </dgm:clrData>
-  <dgm:layoutNode name="Name0">
-    <dgm:varLst>
-      <dgm:dir/>
-      <dgm:resizeHandles val="exact"/>
-    </dgm:varLst>
-    <dgm:choose name="Name1">
-      <dgm:if name="Name2" func="var" arg="dir" op="equ" val="norm">
-        <dgm:alg type="lin"/>
-      </dgm:if>
-      <dgm:else name="Name3">
-        <dgm:alg type="lin">
-          <dgm:param type="linDir" val="fromR"/>
-        </dgm:alg>
-      </dgm:else>
-    </dgm:choose>
-    <dgm:shape xmlns:r="http://schemas.openxmlformats.org/officeDocument/2006/relationships" r:blip="">
-      <dgm:adjLst/>
-    </dgm:shape>
-    <dgm:presOf/>
-    <dgm:constrLst>
-      <dgm:constr type="w" for="ch" ptType="node" refType="w"/>
-      <dgm:constr type="h" for="ch" ptType="node" op="equ"/>
-      <dgm:constr type="primFontSz" for="ch" ptType="node" op="equ" val="65"/>
-      <dgm:constr type="w" for="ch" ptType="sibTrans" refType="w" refFor="ch" refPtType="node" op="equ" fact="0.4"/>
-      <dgm:constr type="h" for="ch" ptType="sibTrans" op="equ"/>
-      <dgm:constr type="primFontSz" for="des" forName="connectorText" op="equ" val="55"/>
-      <dgm:constr type="primFontSz" for="des" forName="connectorText" refType="primFontSz" refFor="ch" refPtType="node" op="lte" fact="0.8"/>
-    </dgm:constrLst>
-    <dgm:ruleLst/>
-    <dgm:forEach name="nodesForEach" axis="ch" ptType="node">
-      <dgm:layoutNode name="node">
-        <dgm:varLst>
-          <dgm:bulletEnabled val="1"/>
-        </dgm:varLst>
-        <dgm:alg type="tx"/>
-        <dgm:shape xmlns:r="http://schemas.openxmlformats.org/officeDocument/2006/relationships" type="roundRect" r:blip="">
-          <dgm:adjLst>
-            <dgm:adj idx="1" val="0.1"/>
-          </dgm:adjLst>
-        </dgm:shape>
-        <dgm:presOf axis="desOrSelf" ptType="node"/>
-        <dgm:constrLst>
-          <dgm:constr type="h" refType="w" fact="0.6"/>
-          <dgm:constr type="tMarg" refType="primFontSz" fact="0.3"/>
-          <dgm:constr type="bMarg" refType="primFontSz" fact="0.3"/>
-          <dgm:constr type="lMarg" refType="primFontSz" fact="0.3"/>
-          <dgm:constr type="rMarg" refType="primFontSz" fact="0.3"/>
-        </dgm:constrLst>
-        <dgm:ruleLst>
-          <dgm:rule type="primFontSz" val="18" fact="NaN" max="NaN"/>
-          <dgm:rule type="h" val="NaN" fact="1.5" max="NaN"/>
-          <dgm:rule type="primFontSz" val="5" fact="NaN" max="NaN"/>
-          <dgm:rule type="h" val="INF" fact="NaN" max="NaN"/>
-        </dgm:ruleLst>
-      </dgm:layoutNode>
-      <dgm:forEach name="sibTransForEach" axis="followSib" ptType="sibTrans" cnt="1">
-        <dgm:layoutNode name="sibTrans">
-          <dgm:alg type="conn">
-            <dgm:param type="begPts" val="auto"/>
-            <dgm:param type="endPts" val="auto"/>
-          </dgm:alg>
-          <dgm:shape xmlns:r="http://schemas.openxmlformats.org/officeDocument/2006/relationships" type="conn" r:blip="">
-            <dgm:adjLst/>
-          </dgm:shape>
-          <dgm:presOf axis="self"/>
-          <dgm:constrLst>
-            <dgm:constr type="h" refType="w" fact="0.62"/>
-            <dgm:constr type="connDist"/>
-            <dgm:constr type="begPad" refType="connDist" fact="0.25"/>
-            <dgm:constr type="endPad" refType="connDist" fact="0.22"/>
-          </dgm:constrLst>
-          <dgm:ruleLst/>
-          <dgm:layoutNode name="connectorText">
-            <dgm:alg type="tx">
-              <dgm:param type="autoTxRot" val="grav"/>
-            </dgm:alg>
-            <dgm:shape xmlns:r="http://schemas.openxmlformats.org/officeDocument/2006/relationships" type="conn" r:blip="" hideGeom="1">
-              <dgm:adjLst/>
-            </dgm:shape>
-            <dgm:presOf axis="self"/>
-            <dgm:constrLst>
-              <dgm:constr type="lMarg"/>
-              <dgm:constr type="rMarg"/>
-              <dgm:constr type="tMarg"/>
-              <dgm:constr type="bMarg"/>
-            </dgm:constrLst>
-            <dgm:ruleLst>
-              <dgm:rule type="primFontSz" val="5" fact="NaN" max="NaN"/>
-            </dgm:ruleLst>
-          </dgm:layoutNode>
-        </dgm:layoutNode>
-      </dgm:forEach>
-    </dgm:forEach>
-  </dgm:layoutNode>
-</dgm:layoutDef>
-</file>
-
-<file path=ppt/diagrams/quickStyle1.xml><?xml version="1.0" encoding="utf-8"?>
-<dgm:styleDef xmlns:dgm="http://schemas.openxmlformats.org/drawingml/2006/diagram" xmlns:a="http://schemas.openxmlformats.org/drawingml/2006/main" uniqueId="urn:microsoft.com/office/officeart/2005/8/quickstyle/simple1">
-  <dgm:title val=""/>
-  <dgm:desc val=""/>
-  <dgm:catLst>
-    <dgm:cat type="simple" pri="10100"/>
-  </dgm:catLst>
-  <dgm:scene3d>
-    <a:camera prst="orthographicFront"/>
-    <a:lightRig rig="threePt" dir="t"/>
-  </dgm:scene3d>
-  <dgm:styleLbl name="node0">
-    <dgm:scene3d>
-      <a:camera prst="orthographicFront"/>
-      <a:lightRig rig="threePt" dir="t"/>
-    </dgm:scene3d>
-    <dgm:sp3d/>
-    <dgm:txPr/>
-    <dgm:style>
-      <a:lnRef idx="2">
-        <a:scrgbClr r="0" g="0" b="0"/>
-      </a:lnRef>
-      <a:fillRef idx="1">
-        <a:scrgbClr r="0" g="0" b="0"/>
-      </a:fillRef>
-      <a:effectRef idx="0">
-        <a:scrgbClr r="0" g="0" b="0"/>
-      </a:effectRef>
-      <a:fontRef idx="minor">
-        <a:schemeClr val="lt1"/>
-      </a:fontRef>
-    </dgm:style>
-  </dgm:styleLbl>
-  <dgm:styleLbl name="lnNode1">
-    <dgm:scene3d>
-      <a:camera prst="orthographicFront"/>
-      <a:lightRig rig="threePt" dir="t"/>
-    </dgm:scene3d>
-    <dgm:sp3d/>
-    <dgm:txPr/>
-    <dgm:style>
-      <a:lnRef idx="2">
-        <a:scrgbClr r="0" g="0" b="0"/>
-      </a:lnRef>
-      <a:fillRef idx="1">
-        <a:scrgbClr r="0" g="0" b="0"/>
-      </a:fillRef>
-      <a:effectRef idx="0">
-        <a:scrgbClr r="0" g="0" b="0"/>
-      </a:effectRef>
-      <a:fontRef idx="minor">
-        <a:schemeClr val="lt1"/>
-      </a:fontRef>
-    </dgm:style>
-  </dgm:styleLbl>
-  <dgm:styleLbl name="vennNode1">
-    <dgm:scene3d>
-      <a:camera prst="orthographicFront"/>
-      <a:lightRig rig="threePt" dir="t"/>
-    </dgm:scene3d>
-    <dgm:sp3d/>
-    <dgm:txPr/>
-    <dgm:style>
-      <a:lnRef idx="2">
-        <a:scrgbClr r="0" g="0" b="0"/>
-      </a:lnRef>
-      <a:fillRef idx="1">
-        <a:scrgbClr r="0" g="0" b="0"/>
-      </a:fillRef>
-      <a:effectRef idx="0">
-        <a:scrgbClr r="0" g="0" b="0"/>
-      </a:effectRef>
-      <a:fontRef idx="minor">
-        <a:schemeClr val="tx1"/>
-      </a:fontRef>
-    </dgm:style>
-  </dgm:styleLbl>
-  <dgm:styleLbl name="alignNode1">
-    <dgm:scene3d>
-      <a:camera prst="orthographicFront"/>
-      <a:lightRig rig="threePt" dir="t"/>
-    </dgm:scene3d>
-    <dgm:sp3d/>
-    <dgm:txPr/>
-    <dgm:style>
-      <a:lnRef idx="2">
-        <a:scrgbClr r="0" g="0" b="0"/>
-      </a:lnRef>
-      <a:fillRef idx="1">
-        <a:scrgbClr r="0" g="0" b="0"/>
-      </a:fillRef>
-      <a:effectRef idx="0">
-        <a:scrgbClr r="0" g="0" b="0"/>
-      </a:effectRef>
-      <a:fontRef idx="minor">
-        <a:schemeClr val="lt1"/>
-      </a:fontRef>
-    </dgm:style>
-  </dgm:styleLbl>
-  <dgm:styleLbl name="node1">
-    <dgm:scene3d>
-      <a:camera prst="orthographicFront"/>
-      <a:lightRig rig="threePt" dir="t"/>
-    </dgm:scene3d>
-    <dgm:sp3d/>
-    <dgm:txPr/>
-    <dgm:style>
-      <a:lnRef idx="2">
-        <a:scrgbClr r="0" g="0" b="0"/>
-      </a:lnRef>
-      <a:fillRef idx="1">
-        <a:scrgbClr r="0" g="0" b="0"/>
-      </a:fillRef>
-      <a:effectRef idx="0">
-        <a:scrgbClr r="0" g="0" b="0"/>
-      </a:effectRef>
-      <a:fontRef idx="minor">
-        <a:schemeClr val="lt1"/>
-      </a:fontRef>
-    </dgm:style>
-  </dgm:styleLbl>
-  <dgm:styleLbl name="node2">
-    <dgm:scene3d>
-      <a:camera prst="orthographicFront"/>
-      <a:lightRig rig="threePt" dir="t"/>
-    </dgm:scene3d>
-    <dgm:sp3d/>
-    <dgm:txPr/>
-    <dgm:style>
-      <a:lnRef idx="2">
-        <a:scrgbClr r="0" g="0" b="0"/>
-      </a:lnRef>
-      <a:fillRef idx="1">
-        <a:scrgbClr r="0" g="0" b="0"/>
-      </a:fillRef>
-      <a:effectRef idx="0">
-        <a:scrgbClr r="0" g="0" b="0"/>
-      </a:effectRef>
-      <a:fontRef idx="minor">
-        <a:schemeClr val="lt1"/>
-      </a:fontRef>
-    </dgm:style>
-  </dgm:styleLbl>
-  <dgm:styleLbl name="node3">
-    <dgm:scene3d>
-      <a:camera prst="orthographicFront"/>
-      <a:lightRig rig="threePt" dir="t"/>
-    </dgm:scene3d>
-    <dgm:sp3d/>
-    <dgm:txPr/>
-    <dgm:style>
-      <a:lnRef idx="2">
-        <a:scrgbClr r="0" g="0" b="0"/>
-      </a:lnRef>
-      <a:fillRef idx="1">
-        <a:scrgbClr r="0" g="0" b="0"/>
-      </a:fillRef>
-      <a:effectRef idx="0">
-        <a:scrgbClr r="0" g="0" b="0"/>
-      </a:effectRef>
-      <a:fontRef idx="minor">
-        <a:schemeClr val="lt1"/>
-      </a:fontRef>
-    </dgm:style>
-  </dgm:styleLbl>
-  <dgm:styleLbl name="node4">
-    <dgm:scene3d>
-      <a:camera prst="orthographicFront"/>
-      <a:lightRig rig="threePt" dir="t"/>
-    </dgm:scene3d>
-    <dgm:sp3d/>
-    <dgm:txPr/>
-    <dgm:style>
-      <a:lnRef idx="2">
-        <a:scrgbClr r="0" g="0" b="0"/>
-      </a:lnRef>
-      <a:fillRef idx="1">
-        <a:scrgbClr r="0" g="0" b="0"/>
-      </a:fillRef>
-      <a:effectRef idx="0">
-        <a:scrgbClr r="0" g="0" b="0"/>
-      </a:effectRef>
-      <a:fontRef idx="minor">
-        <a:schemeClr val="lt1"/>
-      </a:fontRef>
-    </dgm:style>
-  </dgm:styleLbl>
-  <dgm:styleLbl name="fgImgPlace1">
-    <dgm:scene3d>
-      <a:camera prst="orthographicFront"/>
-      <a:lightRig rig="threePt" dir="t"/>
-    </dgm:scene3d>
-    <dgm:sp3d/>
-    <dgm:txPr/>
-    <dgm:style>
-      <a:lnRef idx="2">
-        <a:scrgbClr r="0" g="0" b="0"/>
-      </a:lnRef>
-      <a:fillRef idx="1">
-        <a:scrgbClr r="0" g="0" b="0"/>
-      </a:fillRef>
-      <a:effectRef idx="0">
-        <a:scrgbClr r="0" g="0" b="0"/>
-      </a:effectRef>
-      <a:fontRef idx="minor"/>
-    </dgm:style>
-  </dgm:styleLbl>
-  <dgm:styleLbl name="alignImgPlace1">
-    <dgm:scene3d>
-      <a:camera prst="orthographicFront"/>
-      <a:lightRig rig="threePt" dir="t"/>
-    </dgm:scene3d>
-    <dgm:sp3d/>
-    <dgm:txPr/>
-    <dgm:style>
-      <a:lnRef idx="2">
-        <a:scrgbClr r="0" g="0" b="0"/>
-      </a:lnRef>
-      <a:fillRef idx="1">
-        <a:scrgbClr r="0" g="0" b="0"/>
-      </a:fillRef>
-      <a:effectRef idx="0">
-        <a:scrgbClr r="0" g="0" b="0"/>
-      </a:effectRef>
-      <a:fontRef idx="minor"/>
-    </dgm:style>
-  </dgm:styleLbl>
-  <dgm:styleLbl name="bgImgPlace1">
-    <dgm:scene3d>
-      <a:camera prst="orthographicFront"/>
-      <a:lightRig rig="threePt" dir="t"/>
-    </dgm:scene3d>
-    <dgm:sp3d/>
-    <dgm:txPr/>
-    <dgm:style>
-      <a:lnRef idx="2">
-        <a:scrgbClr r="0" g="0" b="0"/>
-      </a:lnRef>
-      <a:fillRef idx="1">
-        <a:scrgbClr r="0" g="0" b="0"/>
-      </a:fillRef>
-      <a:effectRef idx="0">
-        <a:scrgbClr r="0" g="0" b="0"/>
-      </a:effectRef>
-      <a:fontRef idx="minor"/>
-    </dgm:style>
-  </dgm:styleLbl>
-  <dgm:styleLbl name="sibTrans2D1">
-    <dgm:scene3d>
-      <a:camera prst="orthographicFront"/>
-      <a:lightRig rig="threePt" dir="t"/>
-    </dgm:scene3d>
-    <dgm:sp3d/>
-    <dgm:txPr/>
-    <dgm:style>
-      <a:lnRef idx="0">
-        <a:scrgbClr r="0" g="0" b="0"/>
-      </a:lnRef>
-      <a:fillRef idx="1">
-        <a:scrgbClr r="0" g="0" b="0"/>
-      </a:fillRef>
-      <a:effectRef idx="0">
-        <a:scrgbClr r="0" g="0" b="0"/>
-      </a:effectRef>
-      <a:fontRef idx="minor">
-        <a:schemeClr val="lt1"/>
-      </a:fontRef>
-    </dgm:style>
-  </dgm:styleLbl>
-  <dgm:styleLbl name="fgSibTrans2D1">
-    <dgm:scene3d>
-      <a:camera prst="orthographicFront"/>
-      <a:lightRig rig="threePt" dir="t"/>
-    </dgm:scene3d>
-    <dgm:sp3d/>
-    <dgm:txPr/>
-    <dgm:style>
-      <a:lnRef idx="0">
-        <a:scrgbClr r="0" g="0" b="0"/>
-      </a:lnRef>
-      <a:fillRef idx="1">
-        <a:scrgbClr r="0" g="0" b="0"/>
-      </a:fillRef>
-      <a:effectRef idx="0">
-        <a:scrgbClr r="0" g="0" b="0"/>
-      </a:effectRef>
-      <a:fontRef idx="minor">
-        <a:schemeClr val="lt1"/>
-      </a:fontRef>
-    </dgm:style>
-  </dgm:styleLbl>
-  <dgm:styleLbl name="bgSibTrans2D1">
-    <dgm:scene3d>
-      <a:camera prst="orthographicFront"/>
-      <a:lightRig rig="threePt" dir="t"/>
-    </dgm:scene3d>
-    <dgm:sp3d/>
-    <dgm:txPr/>
-    <dgm:style>
-      <a:lnRef idx="0">
-        <a:scrgbClr r="0" g="0" b="0"/>
-      </a:lnRef>
-      <a:fillRef idx="1">
-        <a:scrgbClr r="0" g="0" b="0"/>
-      </a:fillRef>
-      <a:effectRef idx="0">
-        <a:scrgbClr r="0" g="0" b="0"/>
-      </a:effectRef>
-      <a:fontRef idx="minor">
-        <a:schemeClr val="lt1"/>
-      </a:fontRef>
-    </dgm:style>
-  </dgm:styleLbl>
-  <dgm:styleLbl name="sibTrans1D1">
-    <dgm:scene3d>
-      <a:camera prst="orthographicFront"/>
-      <a:lightRig rig="threePt" dir="t"/>
-    </dgm:scene3d>
-    <dgm:sp3d/>
-    <dgm:txPr/>
-    <dgm:style>
-      <a:lnRef idx="1">
-        <a:scrgbClr r="0" g="0" b="0"/>
-      </a:lnRef>
-      <a:fillRef idx="0">
-        <a:scrgbClr r="0" g="0" b="0"/>
-      </a:fillRef>
-      <a:effectRef idx="0">
-        <a:scrgbClr r="0" g="0" b="0"/>
-      </a:effectRef>
-      <a:fontRef idx="minor"/>
-    </dgm:style>
-  </dgm:styleLbl>
-  <dgm:styleLbl name="callout">
-    <dgm:scene3d>
-      <a:camera prst="orthographicFront"/>
-      <a:lightRig rig="threePt" dir="t"/>
-    </dgm:scene3d>
-    <dgm:sp3d/>
-    <dgm:txPr/>
-    <dgm:style>
-      <a:lnRef idx="2">
-        <a:scrgbClr r="0" g="0" b="0"/>
-      </a:lnRef>
-      <a:fillRef idx="1">
-        <a:scrgbClr r="0" g="0" b="0"/>
-      </a:fillRef>
-      <a:effectRef idx="0">
-        <a:scrgbClr r="0" g="0" b="0"/>
-      </a:effectRef>
-      <a:fontRef idx="minor"/>
-    </dgm:style>
-  </dgm:styleLbl>
-  <dgm:styleLbl name="asst0">
-    <dgm:scene3d>
-      <a:camera prst="orthographicFront"/>
-      <a:lightRig rig="threePt" dir="t"/>
-    </dgm:scene3d>
-    <dgm:sp3d/>
-    <dgm:txPr/>
-    <dgm:style>
-      <a:lnRef idx="2">
-        <a:scrgbClr r="0" g="0" b="0"/>
-      </a:lnRef>
-      <a:fillRef idx="1">
-        <a:scrgbClr r="0" g="0" b="0"/>
-      </a:fillRef>
-      <a:effectRef idx="0">
-        <a:scrgbClr r="0" g="0" b="0"/>
-      </a:effectRef>
-      <a:fontRef idx="minor">
-        <a:schemeClr val="lt1"/>
-      </a:fontRef>
-    </dgm:style>
-  </dgm:styleLbl>
-  <dgm:styleLbl name="asst1">
-    <dgm:scene3d>
-      <a:camera prst="orthographicFront"/>
-      <a:lightRig rig="threePt" dir="t"/>
-    </dgm:scene3d>
-    <dgm:sp3d/>
-    <dgm:txPr/>
-    <dgm:style>
-      <a:lnRef idx="2">
-        <a:scrgbClr r="0" g="0" b="0"/>
-      </a:lnRef>
-      <a:fillRef idx="1">
-        <a:scrgbClr r="0" g="0" b="0"/>
-      </a:fillRef>
-      <a:effectRef idx="0">
-        <a:scrgbClr r="0" g="0" b="0"/>
-      </a:effectRef>
-      <a:fontRef idx="minor">
-        <a:schemeClr val="lt1"/>
-      </a:fontRef>
-    </dgm:style>
-  </dgm:styleLbl>
-  <dgm:styleLbl name="asst2">
-    <dgm:scene3d>
-      <a:camera prst="orthographicFront"/>
-      <a:lightRig rig="threePt" dir="t"/>
-    </dgm:scene3d>
-    <dgm:sp3d/>
-    <dgm:txPr/>
-    <dgm:style>
-      <a:lnRef idx="2">
-        <a:scrgbClr r="0" g="0" b="0"/>
-      </a:lnRef>
-      <a:fillRef idx="1">
-        <a:scrgbClr r="0" g="0" b="0"/>
-      </a:fillRef>
-      <a:effectRef idx="0">
-        <a:scrgbClr r="0" g="0" b="0"/>
-      </a:effectRef>
-      <a:fontRef idx="minor">
-        <a:schemeClr val="lt1"/>
-      </a:fontRef>
-    </dgm:style>
-  </dgm:styleLbl>
-  <dgm:styleLbl name="asst3">
-    <dgm:scene3d>
-      <a:camera prst="orthographicFront"/>
-      <a:lightRig rig="threePt" dir="t"/>
-    </dgm:scene3d>
-    <dgm:sp3d/>
-    <dgm:txPr/>
-    <dgm:style>
-      <a:lnRef idx="2">
-        <a:scrgbClr r="0" g="0" b="0"/>
-      </a:lnRef>
-      <a:fillRef idx="1">
-        <a:scrgbClr r="0" g="0" b="0"/>
-      </a:fillRef>
-      <a:effectRef idx="0">
-        <a:scrgbClr r="0" g="0" b="0"/>
-      </a:effectRef>
-      <a:fontRef idx="minor">
-        <a:schemeClr val="lt1"/>
-      </a:fontRef>
-    </dgm:style>
-  </dgm:styleLbl>
-  <dgm:styleLbl name="asst4">
-    <dgm:scene3d>
-      <a:camera prst="orthographicFront"/>
-      <a:lightRig rig="threePt" dir="t"/>
-    </dgm:scene3d>
-    <dgm:sp3d/>
-    <dgm:txPr/>
-    <dgm:style>
-      <a:lnRef idx="2">
-        <a:scrgbClr r="0" g="0" b="0"/>
-      </a:lnRef>
-      <a:fillRef idx="1">
-        <a:scrgbClr r="0" g="0" b="0"/>
-      </a:fillRef>
-      <a:effectRef idx="0">
-        <a:scrgbClr r="0" g="0" b="0"/>
-      </a:effectRef>
-      <a:fontRef idx="minor">
-        <a:schemeClr val="lt1"/>
-      </a:fontRef>
-    </dgm:style>
-  </dgm:styleLbl>
-  <dgm:styleLbl name="parChTrans2D1">
-    <dgm:scene3d>
-      <a:camera prst="orthographicFront"/>
-      <a:lightRig rig="threePt" dir="t"/>
-    </dgm:scene3d>
-    <dgm:sp3d/>
-    <dgm:txPr/>
-    <dgm:style>
-      <a:lnRef idx="2">
-        <a:scrgbClr r="0" g="0" b="0"/>
-      </a:lnRef>
-      <a:fillRef idx="1">
-        <a:scrgbClr r="0" g="0" b="0"/>
-      </a:fillRef>
-      <a:effectRef idx="0">
-        <a:scrgbClr r="0" g="0" b="0"/>
-      </a:effectRef>
-      <a:fontRef idx="minor">
-        <a:schemeClr val="lt1"/>
-      </a:fontRef>
-    </dgm:style>
-  </dgm:styleLbl>
-  <dgm:styleLbl name="parChTrans2D2">
-    <dgm:scene3d>
-      <a:camera prst="orthographicFront"/>
-      <a:lightRig rig="threePt" dir="t"/>
-    </dgm:scene3d>
-    <dgm:sp3d/>
-    <dgm:txPr/>
-    <dgm:style>
-      <a:lnRef idx="2">
-        <a:scrgbClr r="0" g="0" b="0"/>
-      </a:lnRef>
-      <a:fillRef idx="1">
-        <a:scrgbClr r="0" g="0" b="0"/>
-      </a:fillRef>
-      <a:effectRef idx="0">
-        <a:scrgbClr r="0" g="0" b="0"/>
-      </a:effectRef>
-      <a:fontRef idx="minor">
-        <a:schemeClr val="lt1"/>
-      </a:fontRef>
-    </dgm:style>
-  </dgm:styleLbl>
-  <dgm:styleLbl name="parChTrans2D3">
-    <dgm:scene3d>
-      <a:camera prst="orthographicFront"/>
-      <a:lightRig rig="threePt" dir="t"/>
-    </dgm:scene3d>
-    <dgm:sp3d/>
-    <dgm:txPr/>
-    <dgm:style>
-      <a:lnRef idx="2">
-        <a:scrgbClr r="0" g="0" b="0"/>
-      </a:lnRef>
-      <a:fillRef idx="1">
-        <a:scrgbClr r="0" g="0" b="0"/>
-      </a:fillRef>
-      <a:effectRef idx="0">
-        <a:scrgbClr r="0" g="0" b="0"/>
-      </a:effectRef>
-      <a:fontRef idx="minor">
-        <a:schemeClr val="lt1"/>
-      </a:fontRef>
-    </dgm:style>
-  </dgm:styleLbl>
-  <dgm:styleLbl name="parChTrans2D4">
-    <dgm:scene3d>
-      <a:camera prst="orthographicFront"/>
-      <a:lightRig rig="threePt" dir="t"/>
-    </dgm:scene3d>
-    <dgm:sp3d/>
-    <dgm:txPr/>
-    <dgm:style>
-      <a:lnRef idx="2">
-        <a:scrgbClr r="0" g="0" b="0"/>
-      </a:lnRef>
-      <a:fillRef idx="1">
-        <a:scrgbClr r="0" g="0" b="0"/>
-      </a:fillRef>
-      <a:effectRef idx="0">
-        <a:scrgbClr r="0" g="0" b="0"/>
-      </a:effectRef>
-      <a:fontRef idx="minor">
-        <a:schemeClr val="lt1"/>
-      </a:fontRef>
-    </dgm:style>
-  </dgm:styleLbl>
-  <dgm:styleLbl name="parChTrans1D1">
-    <dgm:scene3d>
-      <a:camera prst="orthographicFront"/>
-      <a:lightRig rig="threePt" dir="t"/>
-    </dgm:scene3d>
-    <dgm:sp3d/>
-    <dgm:txPr/>
-    <dgm:style>
-      <a:lnRef idx="2">
-        <a:scrgbClr r="0" g="0" b="0"/>
-      </a:lnRef>
-      <a:fillRef idx="0">
-        <a:scrgbClr r="0" g="0" b="0"/>
-      </a:fillRef>
-      <a:effectRef idx="0">
-        <a:scrgbClr r="0" g="0" b="0"/>
-      </a:effectRef>
-      <a:fontRef idx="minor"/>
-    </dgm:style>
-  </dgm:styleLbl>
-  <dgm:styleLbl name="parChTrans1D2">
-    <dgm:scene3d>
-      <a:camera prst="orthographicFront"/>
-      <a:lightRig rig="threePt" dir="t"/>
-    </dgm:scene3d>
-    <dgm:sp3d/>
-    <dgm:txPr/>
-    <dgm:style>
-      <a:lnRef idx="2">
-        <a:scrgbClr r="0" g="0" b="0"/>
-      </a:lnRef>
-      <a:fillRef idx="0">
-        <a:scrgbClr r="0" g="0" b="0"/>
-      </a:fillRef>
-      <a:effectRef idx="0">
-        <a:scrgbClr r="0" g="0" b="0"/>
-      </a:effectRef>
-      <a:fontRef idx="minor"/>
-    </dgm:style>
-  </dgm:styleLbl>
-  <dgm:styleLbl name="parChTrans1D3">
-    <dgm:scene3d>
-      <a:camera prst="orthographicFront"/>
-      <a:lightRig rig="threePt" dir="t"/>
-    </dgm:scene3d>
-    <dgm:sp3d/>
-    <dgm:txPr/>
-    <dgm:style>
-      <a:lnRef idx="2">
-        <a:scrgbClr r="0" g="0" b="0"/>
-      </a:lnRef>
-      <a:fillRef idx="0">
-        <a:scrgbClr r="0" g="0" b="0"/>
-      </a:fillRef>
-      <a:effectRef idx="0">
-        <a:scrgbClr r="0" g="0" b="0"/>
-      </a:effectRef>
-      <a:fontRef idx="minor"/>
-    </dgm:style>
-  </dgm:styleLbl>
-  <dgm:styleLbl name="parChTrans1D4">
-    <dgm:scene3d>
-      <a:camera prst="orthographicFront"/>
-      <a:lightRig rig="threePt" dir="t"/>
-    </dgm:scene3d>
-    <dgm:sp3d/>
-    <dgm:txPr/>
-    <dgm:style>
-      <a:lnRef idx="2">
-        <a:scrgbClr r="0" g="0" b="0"/>
-      </a:lnRef>
-      <a:fillRef idx="0">
-        <a:scrgbClr r="0" g="0" b="0"/>
-      </a:fillRef>
-      <a:effectRef idx="0">
-        <a:scrgbClr r="0" g="0" b="0"/>
-      </a:effectRef>
-      <a:fontRef idx="minor"/>
-    </dgm:style>
-  </dgm:styleLbl>
-  <dgm:styleLbl name="fgAcc1">
-    <dgm:scene3d>
-      <a:camera prst="orthographicFront"/>
-      <a:lightRig rig="threePt" dir="t"/>
-    </dgm:scene3d>
-    <dgm:sp3d/>
-    <dgm:txPr/>
-    <dgm:style>
-      <a:lnRef idx="2">
-        <a:scrgbClr r="0" g="0" b="0"/>
-      </a:lnRef>
-      <a:fillRef idx="1">
-        <a:scrgbClr r="0" g="0" b="0"/>
-      </a:fillRef>
-      <a:effectRef idx="0">
-        <a:scrgbClr r="0" g="0" b="0"/>
-      </a:effectRef>
-      <a:fontRef idx="minor"/>
-    </dgm:style>
-  </dgm:styleLbl>
-  <dgm:styleLbl name="conFgAcc1">
-    <dgm:scene3d>
-      <a:camera prst="orthographicFront"/>
-      <a:lightRig rig="threePt" dir="t"/>
-    </dgm:scene3d>
-    <dgm:sp3d/>
-    <dgm:txPr/>
-    <dgm:style>
-      <a:lnRef idx="2">
-        <a:scrgbClr r="0" g="0" b="0"/>
-      </a:lnRef>
-      <a:fillRef idx="1">
-        <a:scrgbClr r="0" g="0" b="0"/>
-      </a:fillRef>
-      <a:effectRef idx="0">
-        <a:scrgbClr r="0" g="0" b="0"/>
-      </a:effectRef>
-      <a:fontRef idx="minor"/>
-    </dgm:style>
-  </dgm:styleLbl>
-  <dgm:styleLbl name="alignAcc1">
-    <dgm:scene3d>
-      <a:camera prst="orthographicFront"/>
-      <a:lightRig rig="threePt" dir="t"/>
-    </dgm:scene3d>
-    <dgm:sp3d/>
-    <dgm:txPr/>
-    <dgm:style>
-      <a:lnRef idx="2">
-        <a:scrgbClr r="0" g="0" b="0"/>
-      </a:lnRef>
-      <a:fillRef idx="1">
-        <a:scrgbClr r="0" g="0" b="0"/>
-      </a:fillRef>
-      <a:effectRef idx="0">
-        <a:scrgbClr r="0" g="0" b="0"/>
-      </a:effectRef>
-      <a:fontRef idx="minor"/>
-    </dgm:style>
-  </dgm:styleLbl>
-  <dgm:styleLbl name="trAlignAcc1">
-    <dgm:scene3d>
-      <a:camera prst="orthographicFront"/>
-      <a:lightRig rig="threePt" dir="t"/>
-    </dgm:scene3d>
-    <dgm:sp3d/>
-    <dgm:txPr/>
-    <dgm:style>
-      <a:lnRef idx="1">
-        <a:scrgbClr r="0" g="0" b="0"/>
-      </a:lnRef>
-      <a:fillRef idx="1">
-        <a:scrgbClr r="0" g="0" b="0"/>
-      </a:fillRef>
-      <a:effectRef idx="0">
-        <a:scrgbClr r="0" g="0" b="0"/>
-      </a:effectRef>
-      <a:fontRef idx="minor"/>
-    </dgm:style>
-  </dgm:styleLbl>
-  <dgm:styleLbl name="bgAcc1">
-    <dgm:scene3d>
-      <a:camera prst="orthographicFront"/>
-      <a:lightRig rig="threePt" dir="t"/>
-    </dgm:scene3d>
-    <dgm:sp3d/>
-    <dgm:txPr/>
-    <dgm:style>
-      <a:lnRef idx="2">
-        <a:scrgbClr r="0" g="0" b="0"/>
-      </a:lnRef>
-      <a:fillRef idx="1">
-        <a:scrgbClr r="0" g="0" b="0"/>
-      </a:fillRef>
-      <a:effectRef idx="0">
-        <a:scrgbClr r="0" g="0" b="0"/>
-      </a:effectRef>
-      <a:fontRef idx="minor"/>
-    </dgm:style>
-  </dgm:styleLbl>
-  <dgm:styleLbl name="solidFgAcc1">
-    <dgm:scene3d>
-      <a:camera prst="orthographicFront"/>
-      <a:lightRig rig="threePt" dir="t"/>
-    </dgm:scene3d>
-    <dgm:sp3d/>
-    <dgm:txPr/>
-    <dgm:style>
-      <a:lnRef idx="2">
-        <a:scrgbClr r="0" g="0" b="0"/>
-      </a:lnRef>
-      <a:fillRef idx="1">
-        <a:scrgbClr r="0" g="0" b="0"/>
-      </a:fillRef>
-      <a:effectRef idx="0">
-        <a:scrgbClr r="0" g="0" b="0"/>
-      </a:effectRef>
-      <a:fontRef idx="minor"/>
-    </dgm:style>
-  </dgm:styleLbl>
-  <dgm:styleLbl name="solidAlignAcc1">
-    <dgm:scene3d>
-      <a:camera prst="orthographicFront"/>
-      <a:lightRig rig="threePt" dir="t"/>
-    </dgm:scene3d>
-    <dgm:sp3d/>
-    <dgm:txPr/>
-    <dgm:style>
-      <a:lnRef idx="2">
-        <a:scrgbClr r="0" g="0" b="0"/>
-      </a:lnRef>
-      <a:fillRef idx="1">
-        <a:scrgbClr r="0" g="0" b="0"/>
-      </a:fillRef>
-      <a:effectRef idx="0">
-        <a:scrgbClr r="0" g="0" b="0"/>
-      </a:effectRef>
-      <a:fontRef idx="minor"/>
-    </dgm:style>
-  </dgm:styleLbl>
-  <dgm:styleLbl name="solidBgAcc1">
-    <dgm:scene3d>
-      <a:camera prst="orthographicFront"/>
-      <a:lightRig rig="threePt" dir="t"/>
-    </dgm:scene3d>
-    <dgm:sp3d/>
-    <dgm:txPr/>
-    <dgm:style>
-      <a:lnRef idx="2">
-        <a:scrgbClr r="0" g="0" b="0"/>
-      </a:lnRef>
-      <a:fillRef idx="1">
-        <a:scrgbClr r="0" g="0" b="0"/>
-      </a:fillRef>
-      <a:effectRef idx="0">
-        <a:scrgbClr r="0" g="0" b="0"/>
-      </a:effectRef>
-      <a:fontRef idx="minor"/>
-    </dgm:style>
-  </dgm:styleLbl>
-  <dgm:styleLbl name="fgAccFollowNode1">
-    <dgm:scene3d>
-      <a:camera prst="orthographicFront"/>
-      <a:lightRig rig="threePt" dir="t"/>
-    </dgm:scene3d>
-    <dgm:sp3d/>
-    <dgm:txPr/>
-    <dgm:style>
-      <a:lnRef idx="2">
-        <a:scrgbClr r="0" g="0" b="0"/>
-      </a:lnRef>
-      <a:fillRef idx="1">
-        <a:scrgbClr r="0" g="0" b="0"/>
-      </a:fillRef>
-      <a:effectRef idx="0">
-        <a:scrgbClr r="0" g="0" b="0"/>
-      </a:effectRef>
-      <a:fontRef idx="minor"/>
-    </dgm:style>
-  </dgm:styleLbl>
-  <dgm:styleLbl name="alignAccFollowNode1">
-    <dgm:scene3d>
-      <a:camera prst="orthographicFront"/>
-      <a:lightRig rig="threePt" dir="t"/>
-    </dgm:scene3d>
-    <dgm:sp3d/>
-    <dgm:txPr/>
-    <dgm:style>
-      <a:lnRef idx="2">
-        <a:scrgbClr r="0" g="0" b="0"/>
-      </a:lnRef>
-      <a:fillRef idx="1">
-        <a:scrgbClr r="0" g="0" b="0"/>
-      </a:fillRef>
-      <a:effectRef idx="0">
-        <a:scrgbClr r="0" g="0" b="0"/>
-      </a:effectRef>
-      <a:fontRef idx="minor"/>
-    </dgm:style>
-  </dgm:styleLbl>
-  <dgm:styleLbl name="bgAccFollowNode1">
-    <dgm:scene3d>
-      <a:camera prst="orthographicFront"/>
-      <a:lightRig rig="threePt" dir="t"/>
-    </dgm:scene3d>
-    <dgm:sp3d/>
-    <dgm:txPr/>
-    <dgm:style>
-      <a:lnRef idx="2">
-        <a:scrgbClr r="0" g="0" b="0"/>
-      </a:lnRef>
-      <a:fillRef idx="1">
-        <a:scrgbClr r="0" g="0" b="0"/>
-      </a:fillRef>
-      <a:effectRef idx="0">
-        <a:scrgbClr r="0" g="0" b="0"/>
-      </a:effectRef>
-      <a:fontRef idx="minor"/>
-    </dgm:style>
-  </dgm:styleLbl>
-  <dgm:styleLbl name="fgAcc0">
-    <dgm:scene3d>
-      <a:camera prst="orthographicFront"/>
-      <a:lightRig rig="threePt" dir="t"/>
-    </dgm:scene3d>
-    <dgm:sp3d/>
-    <dgm:txPr/>
-    <dgm:style>
-      <a:lnRef idx="2">
-        <a:scrgbClr r="0" g="0" b="0"/>
-      </a:lnRef>
-      <a:fillRef idx="1">
-        <a:scrgbClr r="0" g="0" b="0"/>
-      </a:fillRef>
-      <a:effectRef idx="0">
-        <a:scrgbClr r="0" g="0" b="0"/>
-      </a:effectRef>
-      <a:fontRef idx="minor"/>
-    </dgm:style>
-  </dgm:styleLbl>
-  <dgm:styleLbl name="fgAcc2">
-    <dgm:scene3d>
-      <a:camera prst="orthographicFront"/>
-      <a:lightRig rig="threePt" dir="t"/>
-    </dgm:scene3d>
-    <dgm:sp3d/>
-    <dgm:txPr/>
-    <dgm:style>
-      <a:lnRef idx="2">
-        <a:scrgbClr r="0" g="0" b="0"/>
-      </a:lnRef>
-      <a:fillRef idx="1">
-        <a:scrgbClr r="0" g="0" b="0"/>
-      </a:fillRef>
-      <a:effectRef idx="0">
-        <a:scrgbClr r="0" g="0" b="0"/>
-      </a:effectRef>
-      <a:fontRef idx="minor"/>
-    </dgm:style>
-  </dgm:styleLbl>
-  <dgm:styleLbl name="fgAcc3">
-    <dgm:scene3d>
-      <a:camera prst="orthographicFront"/>
-      <a:lightRig rig="threePt" dir="t"/>
-    </dgm:scene3d>
-    <dgm:sp3d/>
-    <dgm:txPr/>
-    <dgm:style>
-      <a:lnRef idx="2">
-        <a:scrgbClr r="0" g="0" b="0"/>
-      </a:lnRef>
-      <a:fillRef idx="1">
-        <a:scrgbClr r="0" g="0" b="0"/>
-      </a:fillRef>
-      <a:effectRef idx="0">
-        <a:scrgbClr r="0" g="0" b="0"/>
-      </a:effectRef>
-      <a:fontRef idx="minor"/>
-    </dgm:style>
-  </dgm:styleLbl>
-  <dgm:styleLbl name="fgAcc4">
-    <dgm:scene3d>
-      <a:camera prst="orthographicFront"/>
-      <a:lightRig rig="threePt" dir="t"/>
-    </dgm:scene3d>
-    <dgm:sp3d/>
-    <dgm:txPr/>
-    <dgm:style>
-      <a:lnRef idx="2">
-        <a:scrgbClr r="0" g="0" b="0"/>
-      </a:lnRef>
-      <a:fillRef idx="1">
-        <a:scrgbClr r="0" g="0" b="0"/>
-      </a:fillRef>
-      <a:effectRef idx="0">
-        <a:scrgbClr r="0" g="0" b="0"/>
-      </a:effectRef>
-      <a:fontRef idx="minor"/>
-    </dgm:style>
-  </dgm:styleLbl>
-  <dgm:styleLbl name="bgShp">
-    <dgm:scene3d>
-      <a:camera prst="orthographicFront"/>
-      <a:lightRig rig="threePt" dir="t"/>
-    </dgm:scene3d>
-    <dgm:sp3d/>
-    <dgm:txPr/>
-    <dgm:style>
-      <a:lnRef idx="0">
-        <a:scrgbClr r="0" g="0" b="0"/>
-      </a:lnRef>
-      <a:fillRef idx="1">
-        <a:scrgbClr r="0" g="0" b="0"/>
-      </a:fillRef>
-      <a:effectRef idx="0">
-        <a:scrgbClr r="0" g="0" b="0"/>
-      </a:effectRef>
-      <a:fontRef idx="minor"/>
-    </dgm:style>
-  </dgm:styleLbl>
-  <dgm:styleLbl name="dkBgShp">
-    <dgm:scene3d>
-      <a:camera prst="orthographicFront"/>
-      <a:lightRig rig="threePt" dir="t"/>
-    </dgm:scene3d>
-    <dgm:sp3d/>
-    <dgm:txPr/>
-    <dgm:style>
-      <a:lnRef idx="0">
-        <a:scrgbClr r="0" g="0" b="0"/>
-      </a:lnRef>
-      <a:fillRef idx="1">
-        <a:scrgbClr r="0" g="0" b="0"/>
-      </a:fillRef>
-      <a:effectRef idx="0">
-        <a:scrgbClr r="0" g="0" b="0"/>
-      </a:effectRef>
-      <a:fontRef idx="minor"/>
-    </dgm:style>
-  </dgm:styleLbl>
-  <dgm:styleLbl name="trBgShp">
-    <dgm:scene3d>
-      <a:camera prst="orthographicFront"/>
-      <a:lightRig rig="threePt" dir="t"/>
-    </dgm:scene3d>
-    <dgm:sp3d/>
-    <dgm:txPr/>
-    <dgm:style>
-      <a:lnRef idx="0">
-        <a:scrgbClr r="0" g="0" b="0"/>
-      </a:lnRef>
-      <a:fillRef idx="1">
-        <a:scrgbClr r="0" g="0" b="0"/>
-      </a:fillRef>
-      <a:effectRef idx="0">
-        <a:scrgbClr r="0" g="0" b="0"/>
-      </a:effectRef>
-      <a:fontRef idx="minor"/>
-    </dgm:style>
-  </dgm:styleLbl>
-  <dgm:styleLbl name="fgShp">
-    <dgm:scene3d>
-      <a:camera prst="orthographicFront"/>
-      <a:lightRig rig="threePt" dir="t"/>
-    </dgm:scene3d>
-    <dgm:sp3d/>
-    <dgm:txPr/>
-    <dgm:style>
-      <a:lnRef idx="2">
-        <a:scrgbClr r="0" g="0" b="0"/>
-      </a:lnRef>
-      <a:fillRef idx="1">
-        <a:scrgbClr r="0" g="0" b="0"/>
-      </a:fillRef>
-      <a:effectRef idx="0">
-        <a:scrgbClr r="0" g="0" b="0"/>
-      </a:effectRef>
-      <a:fontRef idx="minor"/>
-    </dgm:style>
-  </dgm:styleLbl>
-  <dgm:styleLbl name="revTx">
-    <dgm:scene3d>
-      <a:camera prst="orthographicFront"/>
-      <a:lightRig rig="threePt" dir="t"/>
-    </dgm:scene3d>
-    <dgm:sp3d/>
-    <dgm:txPr/>
-    <dgm:style>
-      <a:lnRef idx="0">
-        <a:scrgbClr r="0" g="0" b="0"/>
-      </a:lnRef>
-      <a:fillRef idx="0">
-        <a:scrgbClr r="0" g="0" b="0"/>
-      </a:fillRef>
-      <a:effectRef idx="0">
-        <a:scrgbClr r="0" g="0" b="0"/>
-      </a:effectRef>
-      <a:fontRef idx="minor"/>
-    </dgm:style>
-  </dgm:styleLbl>
-</dgm:styleDef>
 </file>
 
 <file path=ppt/notesMasters/notesMaster1.xml><?xml version="1.0" encoding="utf-8"?>
@@ -6539,7 +4369,7 @@
       </p:grpSpPr>
       <p:sp>
         <p:nvSpPr>
-          <p:cNvPr id="2" name="Title 1"/>
+          <p:cNvPr id="7" name="Title 6"/>
           <p:cNvSpPr>
             <a:spLocks noGrp="1"/>
           </p:cNvSpPr>
@@ -6549,22 +4379,12 @@
         </p:nvSpPr>
         <p:spPr/>
         <p:txBody>
-          <a:bodyPr>
-            <a:normAutofit fontScale="90000"/>
-          </a:bodyPr>
-          <a:lstStyle/>
-          <a:p>
-            <a:r>
-              <a:rPr lang="en-CA" dirty="0" err="1" smtClean="0"/>
-              <a:t>Sriping</a:t>
-            </a:r>
-            <a:r>
-              <a:rPr lang="en-CA" dirty="0" smtClean="0"/>
-              <a:t>, Mirroring, </a:t>
-            </a:r>
-            <a:r>
-              <a:rPr lang="en-CA" dirty="0" err="1" smtClean="0"/>
-              <a:t>Denormalization</a:t>
+          <a:bodyPr/>
+          <a:lstStyle/>
+          <a:p>
+            <a:r>
+              <a:rPr lang="en-CA" dirty="0" smtClean="0"/>
+              <a:t>Physical Design of Different Information Systems</a:t>
             </a:r>
             <a:endParaRPr lang="en-CA" dirty="0"/>
           </a:p>
@@ -6572,12 +4392,12 @@
       </p:sp>
       <p:sp>
         <p:nvSpPr>
-          <p:cNvPr id="3" name="Content Placeholder 2"/>
-          <p:cNvSpPr>
-            <a:spLocks noGrp="1"/>
-          </p:cNvSpPr>
-          <p:nvPr>
-            <p:ph idx="1"/>
+          <p:cNvPr id="8" name="Text Placeholder 7"/>
+          <p:cNvSpPr>
+            <a:spLocks noGrp="1"/>
+          </p:cNvSpPr>
+          <p:nvPr>
+            <p:ph type="body" idx="1"/>
           </p:nvPr>
         </p:nvSpPr>
         <p:spPr/>
@@ -6696,12 +4516,14 @@
         </p:nvSpPr>
         <p:spPr/>
         <p:txBody>
-          <a:bodyPr/>
-          <a:lstStyle/>
-          <a:p>
-            <a:r>
-              <a:rPr lang="en-CA" dirty="0" smtClean="0"/>
-              <a:t>Physical Design of Different Information Systems</a:t>
+          <a:bodyPr>
+            <a:normAutofit fontScale="90000"/>
+          </a:bodyPr>
+          <a:lstStyle/>
+          <a:p>
+            <a:r>
+              <a:rPr lang="en-CA" dirty="0" smtClean="0"/>
+              <a:t>Disk Based Relational Database Systems (DRDB)</a:t>
             </a:r>
             <a:endParaRPr lang="en-CA" dirty="0"/>
           </a:p>
@@ -6709,12 +4531,12 @@
       </p:sp>
       <p:sp>
         <p:nvSpPr>
-          <p:cNvPr id="8" name="Text Placeholder 7"/>
-          <p:cNvSpPr>
-            <a:spLocks noGrp="1"/>
-          </p:cNvSpPr>
-          <p:nvPr>
-            <p:ph type="body" idx="1"/>
+          <p:cNvPr id="8" name="Content Placeholder 7"/>
+          <p:cNvSpPr>
+            <a:spLocks noGrp="1"/>
+          </p:cNvSpPr>
+          <p:nvPr>
+            <p:ph idx="1"/>
           </p:nvPr>
         </p:nvSpPr>
         <p:spPr/>
@@ -6823,7 +4645,7 @@
       </p:grpSpPr>
       <p:sp>
         <p:nvSpPr>
-          <p:cNvPr id="7" name="Title 6"/>
+          <p:cNvPr id="2" name="Title 1"/>
           <p:cNvSpPr>
             <a:spLocks noGrp="1"/>
           </p:cNvSpPr>
@@ -6833,14 +4655,12 @@
         </p:nvSpPr>
         <p:spPr/>
         <p:txBody>
-          <a:bodyPr>
-            <a:normAutofit fontScale="90000"/>
-          </a:bodyPr>
-          <a:lstStyle/>
-          <a:p>
-            <a:r>
-              <a:rPr lang="en-CA" dirty="0" smtClean="0"/>
-              <a:t>Disk Based Relational Database Systems (DRDB)</a:t>
+          <a:bodyPr/>
+          <a:lstStyle/>
+          <a:p>
+            <a:r>
+              <a:rPr lang="en-CA" dirty="0" smtClean="0"/>
+              <a:t>DRDB: Indexes</a:t>
             </a:r>
             <a:endParaRPr lang="en-CA" dirty="0"/>
           </a:p>
@@ -6848,7 +4668,7 @@
       </p:sp>
       <p:sp>
         <p:nvSpPr>
-          <p:cNvPr id="8" name="Content Placeholder 7"/>
+          <p:cNvPr id="3" name="Content Placeholder 2"/>
           <p:cNvSpPr>
             <a:spLocks noGrp="1"/>
           </p:cNvSpPr>
@@ -6977,7 +4797,7 @@
           <a:p>
             <a:r>
               <a:rPr lang="en-CA" dirty="0" smtClean="0"/>
-              <a:t>DRDB: Indexes</a:t>
+              <a:t>DRDB: Materialized Views</a:t>
             </a:r>
             <a:endParaRPr lang="en-CA" dirty="0"/>
           </a:p>
@@ -7114,7 +4934,11 @@
           <a:p>
             <a:r>
               <a:rPr lang="en-CA" dirty="0" smtClean="0"/>
-              <a:t>DRDB: Materialized Views</a:t>
+              <a:t>DRDB: </a:t>
+            </a:r>
+            <a:r>
+              <a:rPr lang="en-CA" dirty="0" err="1" smtClean="0"/>
+              <a:t>Paritioning</a:t>
             </a:r>
             <a:endParaRPr lang="en-CA" dirty="0"/>
           </a:p>
@@ -7251,11 +5075,7 @@
           <a:p>
             <a:r>
               <a:rPr lang="en-CA" dirty="0" smtClean="0"/>
-              <a:t>DRDB: </a:t>
-            </a:r>
-            <a:r>
-              <a:rPr lang="en-CA" dirty="0" err="1" smtClean="0"/>
-              <a:t>Paritioning</a:t>
+              <a:t>DRDB: Clustering</a:t>
             </a:r>
             <a:endParaRPr lang="en-CA" dirty="0"/>
           </a:p>
@@ -7392,7 +5212,7 @@
           <a:p>
             <a:r>
               <a:rPr lang="en-CA" dirty="0" smtClean="0"/>
-              <a:t>DRDB: Clustering</a:t>
+              <a:t>DRDB: Summary</a:t>
             </a:r>
             <a:endParaRPr lang="en-CA" dirty="0"/>
           </a:p>
@@ -7413,7 +5233,11 @@
           <a:bodyPr/>
           <a:lstStyle/>
           <a:p>
-            <a:endParaRPr lang="en-CA"/>
+            <a:r>
+              <a:rPr lang="en-CA" dirty="0" smtClean="0"/>
+              <a:t>Summary table/figure</a:t>
+            </a:r>
+            <a:endParaRPr lang="en-CA" dirty="0"/>
           </a:p>
         </p:txBody>
       </p:sp>
@@ -7524,12 +5348,14 @@
         </p:nvSpPr>
         <p:spPr/>
         <p:txBody>
-          <a:bodyPr/>
-          <a:lstStyle/>
-          <a:p>
-            <a:r>
-              <a:rPr lang="en-CA" dirty="0" smtClean="0"/>
-              <a:t>DRDB: Summary</a:t>
+          <a:bodyPr>
+            <a:normAutofit fontScale="90000"/>
+          </a:bodyPr>
+          <a:lstStyle/>
+          <a:p>
+            <a:r>
+              <a:rPr lang="en-CA" dirty="0" smtClean="0"/>
+              <a:t>Main Memory Database Systems (MMDB)</a:t>
             </a:r>
             <a:endParaRPr lang="en-CA" dirty="0"/>
           </a:p>
@@ -7552,8 +5378,28 @@
           <a:p>
             <a:r>
               <a:rPr lang="en-CA" dirty="0" smtClean="0"/>
-              <a:t>Summary table/figure</a:t>
-            </a:r>
+              <a:t>Primary copy of data resides in main memory </a:t>
+            </a:r>
+          </a:p>
+          <a:p>
+            <a:r>
+              <a:rPr lang="en-CA" dirty="0" smtClean="0"/>
+              <a:t>Cheaper to access main memory</a:t>
+            </a:r>
+          </a:p>
+          <a:p>
+            <a:r>
+              <a:rPr lang="en-CA" dirty="0" smtClean="0"/>
+              <a:t>MMDB have better performance</a:t>
+            </a:r>
+          </a:p>
+          <a:p>
+            <a:r>
+              <a:rPr lang="en-CA" dirty="0" smtClean="0"/>
+              <a:t>Usually have an archived copy of the data in case of crashes</a:t>
+            </a:r>
+          </a:p>
+          <a:p>
             <a:endParaRPr lang="en-CA" dirty="0"/>
           </a:p>
         </p:txBody>
@@ -7665,72 +5511,99 @@
         </p:nvSpPr>
         <p:spPr/>
         <p:txBody>
+          <a:bodyPr/>
+          <a:lstStyle/>
+          <a:p>
+            <a:r>
+              <a:rPr lang="en-CA" dirty="0" smtClean="0"/>
+              <a:t>MMDB: Indexes</a:t>
+            </a:r>
+            <a:endParaRPr lang="en-CA" dirty="0"/>
+          </a:p>
+        </p:txBody>
+      </p:sp>
+      <p:sp>
+        <p:nvSpPr>
+          <p:cNvPr id="3" name="Content Placeholder 2"/>
+          <p:cNvSpPr>
+            <a:spLocks noGrp="1"/>
+          </p:cNvSpPr>
+          <p:nvPr>
+            <p:ph idx="1"/>
+          </p:nvPr>
+        </p:nvSpPr>
+        <p:spPr/>
+        <p:txBody>
           <a:bodyPr>
-            <a:normAutofit fontScale="90000"/>
+            <a:normAutofit lnSpcReduction="10000"/>
           </a:bodyPr>
           <a:lstStyle/>
           <a:p>
             <a:r>
               <a:rPr lang="en-CA" dirty="0" smtClean="0"/>
-              <a:t>Main Memory Database Systems (MMDB)</a:t>
-            </a:r>
-            <a:endParaRPr lang="en-CA" dirty="0"/>
-          </a:p>
-        </p:txBody>
-      </p:sp>
-      <p:sp>
-        <p:nvSpPr>
-          <p:cNvPr id="3" name="Content Placeholder 2"/>
-          <p:cNvSpPr>
-            <a:spLocks noGrp="1"/>
-          </p:cNvSpPr>
-          <p:nvPr>
-            <p:ph idx="1"/>
-          </p:nvPr>
-        </p:nvSpPr>
-        <p:spPr/>
-        <p:txBody>
-          <a:bodyPr/>
-          <a:lstStyle/>
-          <a:p>
-            <a:r>
-              <a:rPr lang="en-CA" dirty="0" smtClean="0"/>
-              <a:t>Primary copy of d</a:t>
-            </a:r>
-            <a:r>
-              <a:rPr lang="en-CA" dirty="0" smtClean="0"/>
-              <a:t>ata </a:t>
-            </a:r>
-            <a:r>
-              <a:rPr lang="en-CA" dirty="0" smtClean="0"/>
-              <a:t>resides in main memory </a:t>
-            </a:r>
-          </a:p>
-          <a:p>
-            <a:r>
-              <a:rPr lang="en-CA" dirty="0" smtClean="0"/>
-              <a:t>Cheaper to access main </a:t>
-            </a:r>
-            <a:r>
-              <a:rPr lang="en-CA" dirty="0" smtClean="0"/>
-              <a:t>memory</a:t>
-            </a:r>
-          </a:p>
-          <a:p>
-            <a:r>
-              <a:rPr lang="en-CA" dirty="0" smtClean="0"/>
-              <a:t>MMDB have better performance</a:t>
-            </a:r>
-          </a:p>
-          <a:p>
-            <a:r>
-              <a:rPr lang="en-CA" dirty="0" smtClean="0"/>
-              <a:t>Usually have an archived copy of the data in case of crashes</a:t>
-            </a:r>
-            <a:endParaRPr lang="en-CA" dirty="0" smtClean="0"/>
-          </a:p>
-          <a:p>
-            <a:endParaRPr lang="en-CA" dirty="0"/>
+              <a:t>Use:</a:t>
+            </a:r>
+          </a:p>
+          <a:p>
+            <a:pPr lvl="2"/>
+            <a:r>
+              <a:rPr lang="en-CA" dirty="0" smtClean="0"/>
+              <a:t>Reduce overall computation time without using too much extra space</a:t>
+            </a:r>
+          </a:p>
+          <a:p>
+            <a:r>
+              <a:rPr lang="en-CA" dirty="0" smtClean="0"/>
+              <a:t>Factors to consider:</a:t>
+            </a:r>
+          </a:p>
+          <a:p>
+            <a:pPr lvl="2"/>
+            <a:r>
+              <a:rPr lang="en-CA" dirty="0" smtClean="0"/>
+              <a:t>I/O operations are cheaper</a:t>
+            </a:r>
+          </a:p>
+          <a:p>
+            <a:pPr lvl="2"/>
+            <a:r>
+              <a:rPr lang="en-CA" dirty="0" smtClean="0"/>
+              <a:t>Should be cache conscious</a:t>
+            </a:r>
+          </a:p>
+          <a:p>
+            <a:pPr lvl="2"/>
+            <a:r>
+              <a:rPr lang="en-CA" dirty="0" smtClean="0"/>
+              <a:t>No need to store data in the index structure</a:t>
+            </a:r>
+          </a:p>
+          <a:p>
+            <a:r>
+              <a:rPr lang="en-CA" dirty="0" smtClean="0"/>
+              <a:t>Categories of indexes used:</a:t>
+            </a:r>
+          </a:p>
+          <a:p>
+            <a:pPr lvl="2"/>
+            <a:r>
+              <a:rPr lang="en-CA" dirty="0" smtClean="0"/>
+              <a:t>B Trees</a:t>
+            </a:r>
+          </a:p>
+          <a:p>
+            <a:pPr lvl="2"/>
+            <a:r>
+              <a:rPr lang="en-CA" dirty="0" smtClean="0"/>
+              <a:t>T Trees</a:t>
+            </a:r>
+          </a:p>
+          <a:p>
+            <a:pPr lvl="2"/>
+            <a:r>
+              <a:rPr lang="en-CA" dirty="0" smtClean="0"/>
+              <a:t>Search Trees</a:t>
+            </a:r>
           </a:p>
         </p:txBody>
       </p:sp>
@@ -7813,442 +5686,6 @@
 </file>
 
 <file path=ppt/slides/slide19.xml><?xml version="1.0" encoding="utf-8"?>
-<p:sld xmlns:a="http://schemas.openxmlformats.org/drawingml/2006/main" xmlns:r="http://schemas.openxmlformats.org/officeDocument/2006/relationships" xmlns:p="http://schemas.openxmlformats.org/presentationml/2006/main">
-  <p:cSld>
-    <p:spTree>
-      <p:nvGrpSpPr>
-        <p:cNvPr id="1" name=""/>
-        <p:cNvGrpSpPr/>
-        <p:nvPr/>
-      </p:nvGrpSpPr>
-      <p:grpSpPr>
-        <a:xfrm>
-          <a:off x="0" y="0"/>
-          <a:ext cx="0" cy="0"/>
-          <a:chOff x="0" y="0"/>
-          <a:chExt cx="0" cy="0"/>
-        </a:xfrm>
-      </p:grpSpPr>
-      <p:sp>
-        <p:nvSpPr>
-          <p:cNvPr id="2" name="Title 1"/>
-          <p:cNvSpPr>
-            <a:spLocks noGrp="1"/>
-          </p:cNvSpPr>
-          <p:nvPr>
-            <p:ph type="title"/>
-          </p:nvPr>
-        </p:nvSpPr>
-        <p:spPr/>
-        <p:txBody>
-          <a:bodyPr/>
-          <a:lstStyle/>
-          <a:p>
-            <a:r>
-              <a:rPr lang="en-CA" dirty="0" smtClean="0"/>
-              <a:t>MMDB: Indexes</a:t>
-            </a:r>
-            <a:endParaRPr lang="en-CA" dirty="0"/>
-          </a:p>
-        </p:txBody>
-      </p:sp>
-      <p:sp>
-        <p:nvSpPr>
-          <p:cNvPr id="3" name="Content Placeholder 2"/>
-          <p:cNvSpPr>
-            <a:spLocks noGrp="1"/>
-          </p:cNvSpPr>
-          <p:nvPr>
-            <p:ph idx="1"/>
-          </p:nvPr>
-        </p:nvSpPr>
-        <p:spPr/>
-        <p:txBody>
-          <a:bodyPr>
-            <a:normAutofit lnSpcReduction="10000"/>
-          </a:bodyPr>
-          <a:lstStyle/>
-          <a:p>
-            <a:r>
-              <a:rPr lang="en-CA" dirty="0" smtClean="0"/>
-              <a:t>Use:</a:t>
-            </a:r>
-          </a:p>
-          <a:p>
-            <a:pPr lvl="2"/>
-            <a:r>
-              <a:rPr lang="en-CA" dirty="0" smtClean="0"/>
-              <a:t>Reduce overall computation time without using too much extra space</a:t>
-            </a:r>
-          </a:p>
-          <a:p>
-            <a:r>
-              <a:rPr lang="en-CA" dirty="0" smtClean="0"/>
-              <a:t>Factors </a:t>
-            </a:r>
-            <a:r>
-              <a:rPr lang="en-CA" dirty="0" smtClean="0"/>
-              <a:t>to consider:</a:t>
-            </a:r>
-          </a:p>
-          <a:p>
-            <a:pPr lvl="2"/>
-            <a:r>
-              <a:rPr lang="en-CA" dirty="0" smtClean="0"/>
-              <a:t>I/O operations are cheaper</a:t>
-            </a:r>
-          </a:p>
-          <a:p>
-            <a:pPr lvl="2"/>
-            <a:r>
-              <a:rPr lang="en-CA" dirty="0" smtClean="0"/>
-              <a:t>Should be cache </a:t>
-            </a:r>
-            <a:r>
-              <a:rPr lang="en-CA" dirty="0" smtClean="0"/>
-              <a:t>conscious</a:t>
-            </a:r>
-          </a:p>
-          <a:p>
-            <a:pPr lvl="2"/>
-            <a:r>
-              <a:rPr lang="en-CA" dirty="0" smtClean="0"/>
-              <a:t>No need to store data in the index structure</a:t>
-            </a:r>
-            <a:endParaRPr lang="en-CA" dirty="0" smtClean="0"/>
-          </a:p>
-          <a:p>
-            <a:r>
-              <a:rPr lang="en-CA" dirty="0" smtClean="0"/>
-              <a:t>Categories </a:t>
-            </a:r>
-            <a:r>
-              <a:rPr lang="en-CA" dirty="0" smtClean="0"/>
-              <a:t>of indexes used:</a:t>
-            </a:r>
-          </a:p>
-          <a:p>
-            <a:pPr lvl="2"/>
-            <a:r>
-              <a:rPr lang="en-CA" dirty="0" smtClean="0"/>
-              <a:t>B Trees</a:t>
-            </a:r>
-            <a:endParaRPr lang="en-CA" dirty="0" smtClean="0"/>
-          </a:p>
-          <a:p>
-            <a:pPr lvl="2"/>
-            <a:r>
-              <a:rPr lang="en-CA" dirty="0" smtClean="0"/>
-              <a:t>T Trees</a:t>
-            </a:r>
-          </a:p>
-          <a:p>
-            <a:pPr lvl="2"/>
-            <a:r>
-              <a:rPr lang="en-CA" dirty="0" smtClean="0"/>
-              <a:t>Search Trees</a:t>
-            </a:r>
-            <a:endParaRPr lang="en-CA" dirty="0" smtClean="0"/>
-          </a:p>
-        </p:txBody>
-      </p:sp>
-      <p:sp>
-        <p:nvSpPr>
-          <p:cNvPr id="4" name="Date Placeholder 3"/>
-          <p:cNvSpPr>
-            <a:spLocks noGrp="1"/>
-          </p:cNvSpPr>
-          <p:nvPr>
-            <p:ph type="dt" sz="half" idx="10"/>
-          </p:nvPr>
-        </p:nvSpPr>
-        <p:spPr/>
-        <p:txBody>
-          <a:bodyPr/>
-          <a:lstStyle/>
-          <a:p>
-            <a:r>
-              <a:rPr lang="en-US" smtClean="0"/>
-              <a:t>Physical Design Patterns</a:t>
-            </a:r>
-            <a:endParaRPr lang="en-CA"/>
-          </a:p>
-        </p:txBody>
-      </p:sp>
-      <p:sp>
-        <p:nvSpPr>
-          <p:cNvPr id="5" name="Footer Placeholder 4"/>
-          <p:cNvSpPr>
-            <a:spLocks noGrp="1"/>
-          </p:cNvSpPr>
-          <p:nvPr>
-            <p:ph type="ftr" sz="quarter" idx="11"/>
-          </p:nvPr>
-        </p:nvSpPr>
-        <p:spPr/>
-        <p:txBody>
-          <a:bodyPr/>
-          <a:lstStyle/>
-          <a:p>
-            <a:r>
-              <a:rPr lang="en-CA" smtClean="0"/>
-              <a:t>Karim Ali &amp; Sarah Nadi</a:t>
-            </a:r>
-            <a:endParaRPr lang="en-CA"/>
-          </a:p>
-        </p:txBody>
-      </p:sp>
-      <p:sp>
-        <p:nvSpPr>
-          <p:cNvPr id="6" name="Slide Number Placeholder 5"/>
-          <p:cNvSpPr>
-            <a:spLocks noGrp="1"/>
-          </p:cNvSpPr>
-          <p:nvPr>
-            <p:ph type="sldNum" sz="quarter" idx="12"/>
-          </p:nvPr>
-        </p:nvSpPr>
-        <p:spPr/>
-        <p:txBody>
-          <a:bodyPr/>
-          <a:lstStyle/>
-          <a:p>
-            <a:fld id="{9AC8176B-BF31-4706-B15B-1AFC481B9AC3}" type="slidenum">
-              <a:rPr lang="en-CA" smtClean="0"/>
-              <a:pPr/>
-              <a:t>19</a:t>
-            </a:fld>
-            <a:endParaRPr lang="en-CA"/>
-          </a:p>
-        </p:txBody>
-      </p:sp>
-    </p:spTree>
-  </p:cSld>
-  <p:clrMapOvr>
-    <a:masterClrMapping/>
-  </p:clrMapOvr>
-</p:sld>
-</file>
-
-<file path=ppt/slides/slide2.xml><?xml version="1.0" encoding="utf-8"?>
-<p:sld xmlns:a="http://schemas.openxmlformats.org/drawingml/2006/main" xmlns:r="http://schemas.openxmlformats.org/officeDocument/2006/relationships" xmlns:p="http://schemas.openxmlformats.org/presentationml/2006/main">
-  <p:cSld>
-    <p:spTree>
-      <p:nvGrpSpPr>
-        <p:cNvPr id="1" name=""/>
-        <p:cNvGrpSpPr/>
-        <p:nvPr/>
-      </p:nvGrpSpPr>
-      <p:grpSpPr>
-        <a:xfrm>
-          <a:off x="0" y="0"/>
-          <a:ext cx="0" cy="0"/>
-          <a:chOff x="0" y="0"/>
-          <a:chExt cx="0" cy="0"/>
-        </a:xfrm>
-      </p:grpSpPr>
-      <p:sp>
-        <p:nvSpPr>
-          <p:cNvPr id="2" name="Title 1"/>
-          <p:cNvSpPr>
-            <a:spLocks noGrp="1"/>
-          </p:cNvSpPr>
-          <p:nvPr>
-            <p:ph type="title"/>
-          </p:nvPr>
-        </p:nvSpPr>
-        <p:spPr/>
-        <p:txBody>
-          <a:bodyPr/>
-          <a:lstStyle/>
-          <a:p>
-            <a:r>
-              <a:rPr lang="en-CA" dirty="0" smtClean="0"/>
-              <a:t>Outline</a:t>
-            </a:r>
-            <a:endParaRPr lang="en-CA" dirty="0"/>
-          </a:p>
-        </p:txBody>
-      </p:sp>
-      <p:sp>
-        <p:nvSpPr>
-          <p:cNvPr id="3" name="Content Placeholder 2"/>
-          <p:cNvSpPr>
-            <a:spLocks noGrp="1"/>
-          </p:cNvSpPr>
-          <p:nvPr>
-            <p:ph idx="1"/>
-          </p:nvPr>
-        </p:nvSpPr>
-        <p:spPr/>
-        <p:txBody>
-          <a:bodyPr>
-            <a:normAutofit fontScale="92500" lnSpcReduction="10000"/>
-          </a:bodyPr>
-          <a:lstStyle/>
-          <a:p>
-            <a:r>
-              <a:rPr lang="en-CA" dirty="0" smtClean="0"/>
-              <a:t>Stages of Design</a:t>
-            </a:r>
-          </a:p>
-          <a:p>
-            <a:r>
-              <a:rPr lang="en-CA" dirty="0" smtClean="0"/>
-              <a:t>Elements of Physical Design in Information Systems</a:t>
-            </a:r>
-          </a:p>
-          <a:p>
-            <a:r>
-              <a:rPr lang="en-CA" dirty="0" smtClean="0"/>
-              <a:t>Different Physical Designs</a:t>
-            </a:r>
-          </a:p>
-          <a:p>
-            <a:pPr lvl="2"/>
-            <a:r>
-              <a:rPr lang="en-CA" dirty="0" smtClean="0"/>
-              <a:t>Disk Based Relational Database Systems (DRDB)</a:t>
-            </a:r>
-          </a:p>
-          <a:p>
-            <a:pPr lvl="2"/>
-            <a:r>
-              <a:rPr lang="en-CA" dirty="0" smtClean="0"/>
-              <a:t>Memory Based Relational Database Systems (MMDB)</a:t>
-            </a:r>
-          </a:p>
-          <a:p>
-            <a:pPr lvl="2"/>
-            <a:r>
-              <a:rPr lang="en-CA" dirty="0" smtClean="0"/>
-              <a:t>XML Databases</a:t>
-            </a:r>
-          </a:p>
-          <a:p>
-            <a:pPr lvl="2"/>
-            <a:r>
-              <a:rPr lang="en-CA" dirty="0" smtClean="0"/>
-              <a:t>Data Warehouses</a:t>
-            </a:r>
-          </a:p>
-          <a:p>
-            <a:r>
-              <a:rPr lang="en-CA" dirty="0" smtClean="0"/>
-              <a:t>Future Work</a:t>
-            </a:r>
-          </a:p>
-          <a:p>
-            <a:r>
-              <a:rPr lang="en-CA" dirty="0" smtClean="0"/>
-              <a:t>Open Problems</a:t>
-            </a:r>
-          </a:p>
-          <a:p>
-            <a:r>
-              <a:rPr lang="en-CA" dirty="0" smtClean="0"/>
-              <a:t>Summary &amp; Conclusions</a:t>
-            </a:r>
-          </a:p>
-          <a:p>
-            <a:endParaRPr lang="en-CA" dirty="0"/>
-          </a:p>
-        </p:txBody>
-      </p:sp>
-      <p:sp>
-        <p:nvSpPr>
-          <p:cNvPr id="4" name="Date Placeholder 3"/>
-          <p:cNvSpPr>
-            <a:spLocks noGrp="1"/>
-          </p:cNvSpPr>
-          <p:nvPr>
-            <p:ph type="dt" sz="half" idx="10"/>
-          </p:nvPr>
-        </p:nvSpPr>
-        <p:spPr/>
-        <p:txBody>
-          <a:bodyPr/>
-          <a:lstStyle/>
-          <a:p>
-            <a:r>
-              <a:rPr lang="en-US" dirty="0" smtClean="0"/>
-              <a:t>Physical Design Patterns</a:t>
-            </a:r>
-            <a:endParaRPr lang="en-CA" dirty="0"/>
-          </a:p>
-        </p:txBody>
-      </p:sp>
-      <p:sp>
-        <p:nvSpPr>
-          <p:cNvPr id="6" name="Footer Placeholder 5"/>
-          <p:cNvSpPr>
-            <a:spLocks noGrp="1"/>
-          </p:cNvSpPr>
-          <p:nvPr>
-            <p:ph type="ftr" sz="quarter" idx="11"/>
-          </p:nvPr>
-        </p:nvSpPr>
-        <p:spPr/>
-        <p:txBody>
-          <a:bodyPr/>
-          <a:lstStyle/>
-          <a:p>
-            <a:r>
-              <a:rPr lang="en-CA" dirty="0" err="1" smtClean="0"/>
-              <a:t>Karim</a:t>
-            </a:r>
-            <a:r>
-              <a:rPr lang="en-CA" dirty="0" smtClean="0"/>
-              <a:t> Ali &amp; Sarah </a:t>
-            </a:r>
-            <a:r>
-              <a:rPr lang="en-CA" dirty="0" err="1" smtClean="0"/>
-              <a:t>Nadi</a:t>
-            </a:r>
-            <a:endParaRPr lang="en-CA" dirty="0"/>
-          </a:p>
-        </p:txBody>
-      </p:sp>
-      <p:sp>
-        <p:nvSpPr>
-          <p:cNvPr id="5" name="Slide Number Placeholder 4"/>
-          <p:cNvSpPr>
-            <a:spLocks noGrp="1"/>
-          </p:cNvSpPr>
-          <p:nvPr>
-            <p:ph type="sldNum" sz="quarter" idx="12"/>
-          </p:nvPr>
-        </p:nvSpPr>
-        <p:spPr/>
-        <p:txBody>
-          <a:bodyPr/>
-          <a:lstStyle/>
-          <a:p>
-            <a:fld id="{9AC8176B-BF31-4706-B15B-1AFC481B9AC3}" type="slidenum">
-              <a:rPr lang="en-CA" smtClean="0"/>
-              <a:pPr/>
-              <a:t>2</a:t>
-            </a:fld>
-            <a:endParaRPr lang="en-CA"/>
-          </a:p>
-        </p:txBody>
-      </p:sp>
-    </p:spTree>
-  </p:cSld>
-  <p:clrMapOvr>
-    <a:masterClrMapping/>
-  </p:clrMapOvr>
-  <p:timing>
-    <p:tnLst>
-      <p:par>
-        <p:cTn id="1" dur="indefinite" restart="never" nodeType="tmRoot"/>
-      </p:par>
-    </p:tnLst>
-  </p:timing>
-</p:sld>
-</file>
-
-<file path=ppt/slides/slide20.xml><?xml version="1.0" encoding="utf-8"?>
 <p:sld xmlns:a="http://schemas.openxmlformats.org/drawingml/2006/main" xmlns:r="http://schemas.openxmlformats.org/officeDocument/2006/relationships" xmlns:p="http://schemas.openxmlformats.org/presentationml/2006/main">
   <p:cSld>
     <p:spTree>
@@ -8408,7 +5845,7 @@
             <a:fld id="{9AC8176B-BF31-4706-B15B-1AFC481B9AC3}" type="slidenum">
               <a:rPr lang="en-CA" smtClean="0"/>
               <a:pPr/>
-              <a:t>20</a:t>
+              <a:t>19</a:t>
             </a:fld>
             <a:endParaRPr lang="en-CA"/>
           </a:p>
@@ -8429,7 +5866,226 @@
 </p:sld>
 </file>
 
-<file path=ppt/slides/slide21.xml><?xml version="1.0" encoding="utf-8"?>
+<file path=ppt/slides/slide2.xml><?xml version="1.0" encoding="utf-8"?>
+<p:sld xmlns:a="http://schemas.openxmlformats.org/drawingml/2006/main" xmlns:r="http://schemas.openxmlformats.org/officeDocument/2006/relationships" xmlns:p="http://schemas.openxmlformats.org/presentationml/2006/main">
+  <p:cSld>
+    <p:spTree>
+      <p:nvGrpSpPr>
+        <p:cNvPr id="1" name=""/>
+        <p:cNvGrpSpPr/>
+        <p:nvPr/>
+      </p:nvGrpSpPr>
+      <p:grpSpPr>
+        <a:xfrm>
+          <a:off x="0" y="0"/>
+          <a:ext cx="0" cy="0"/>
+          <a:chOff x="0" y="0"/>
+          <a:chExt cx="0" cy="0"/>
+        </a:xfrm>
+      </p:grpSpPr>
+      <p:sp>
+        <p:nvSpPr>
+          <p:cNvPr id="2" name="Title 1"/>
+          <p:cNvSpPr>
+            <a:spLocks noGrp="1"/>
+          </p:cNvSpPr>
+          <p:nvPr>
+            <p:ph type="title"/>
+          </p:nvPr>
+        </p:nvSpPr>
+        <p:spPr/>
+        <p:txBody>
+          <a:bodyPr/>
+          <a:lstStyle/>
+          <a:p>
+            <a:r>
+              <a:rPr lang="en-CA" dirty="0" smtClean="0"/>
+              <a:t>Outline</a:t>
+            </a:r>
+            <a:endParaRPr lang="en-CA" dirty="0"/>
+          </a:p>
+        </p:txBody>
+      </p:sp>
+      <p:sp>
+        <p:nvSpPr>
+          <p:cNvPr id="3" name="Content Placeholder 2"/>
+          <p:cNvSpPr>
+            <a:spLocks noGrp="1"/>
+          </p:cNvSpPr>
+          <p:nvPr>
+            <p:ph idx="1"/>
+          </p:nvPr>
+        </p:nvSpPr>
+        <p:spPr/>
+        <p:txBody>
+          <a:bodyPr>
+            <a:normAutofit fontScale="92500" lnSpcReduction="10000"/>
+          </a:bodyPr>
+          <a:lstStyle/>
+          <a:p>
+            <a:r>
+              <a:rPr lang="en-CA" dirty="0" smtClean="0"/>
+              <a:t>Database lifecycle</a:t>
+            </a:r>
+            <a:endParaRPr lang="en-CA" dirty="0" smtClean="0"/>
+          </a:p>
+          <a:p>
+            <a:r>
+              <a:rPr lang="en-CA" dirty="0" smtClean="0"/>
+              <a:t>Elements of Physical Design in Information Systems</a:t>
+            </a:r>
+          </a:p>
+          <a:p>
+            <a:r>
+              <a:rPr lang="en-CA" dirty="0" smtClean="0"/>
+              <a:t>Different Physical Designs</a:t>
+            </a:r>
+          </a:p>
+          <a:p>
+            <a:pPr lvl="2"/>
+            <a:r>
+              <a:rPr lang="en-CA" dirty="0" smtClean="0"/>
+              <a:t>Disk Based Relational Database Systems (DRDB)</a:t>
+            </a:r>
+          </a:p>
+          <a:p>
+            <a:pPr lvl="2"/>
+            <a:r>
+              <a:rPr lang="en-CA" dirty="0" smtClean="0"/>
+              <a:t>Memory Based Relational Database Systems (MMDB)</a:t>
+            </a:r>
+          </a:p>
+          <a:p>
+            <a:pPr lvl="2"/>
+            <a:r>
+              <a:rPr lang="en-CA" dirty="0" smtClean="0"/>
+              <a:t>XML Databases</a:t>
+            </a:r>
+          </a:p>
+          <a:p>
+            <a:pPr lvl="2"/>
+            <a:r>
+              <a:rPr lang="en-CA" dirty="0" smtClean="0"/>
+              <a:t>Data Warehouses</a:t>
+            </a:r>
+          </a:p>
+          <a:p>
+            <a:r>
+              <a:rPr lang="en-CA" dirty="0" smtClean="0"/>
+              <a:t>Future Work</a:t>
+            </a:r>
+          </a:p>
+          <a:p>
+            <a:r>
+              <a:rPr lang="en-CA" dirty="0" smtClean="0"/>
+              <a:t>Open Problems</a:t>
+            </a:r>
+          </a:p>
+          <a:p>
+            <a:r>
+              <a:rPr lang="en-CA" dirty="0" smtClean="0"/>
+              <a:t>Summary &amp; Conclusions</a:t>
+            </a:r>
+          </a:p>
+          <a:p>
+            <a:endParaRPr lang="en-CA" dirty="0"/>
+          </a:p>
+        </p:txBody>
+      </p:sp>
+      <p:sp>
+        <p:nvSpPr>
+          <p:cNvPr id="4" name="Date Placeholder 3"/>
+          <p:cNvSpPr>
+            <a:spLocks noGrp="1"/>
+          </p:cNvSpPr>
+          <p:nvPr>
+            <p:ph type="dt" sz="half" idx="10"/>
+          </p:nvPr>
+        </p:nvSpPr>
+        <p:spPr/>
+        <p:txBody>
+          <a:bodyPr/>
+          <a:lstStyle/>
+          <a:p>
+            <a:r>
+              <a:rPr lang="en-US" dirty="0" smtClean="0"/>
+              <a:t>Physical Design Patterns</a:t>
+            </a:r>
+            <a:endParaRPr lang="en-CA" dirty="0"/>
+          </a:p>
+        </p:txBody>
+      </p:sp>
+      <p:sp>
+        <p:nvSpPr>
+          <p:cNvPr id="6" name="Footer Placeholder 5"/>
+          <p:cNvSpPr>
+            <a:spLocks noGrp="1"/>
+          </p:cNvSpPr>
+          <p:nvPr>
+            <p:ph type="ftr" sz="quarter" idx="11"/>
+          </p:nvPr>
+        </p:nvSpPr>
+        <p:spPr/>
+        <p:txBody>
+          <a:bodyPr/>
+          <a:lstStyle/>
+          <a:p>
+            <a:r>
+              <a:rPr lang="en-CA" dirty="0" err="1" smtClean="0"/>
+              <a:t>Karim</a:t>
+            </a:r>
+            <a:r>
+              <a:rPr lang="en-CA" dirty="0" smtClean="0"/>
+              <a:t> Ali &amp; Sarah </a:t>
+            </a:r>
+            <a:r>
+              <a:rPr lang="en-CA" dirty="0" err="1" smtClean="0"/>
+              <a:t>Nadi</a:t>
+            </a:r>
+            <a:endParaRPr lang="en-CA" dirty="0"/>
+          </a:p>
+        </p:txBody>
+      </p:sp>
+      <p:sp>
+        <p:nvSpPr>
+          <p:cNvPr id="5" name="Slide Number Placeholder 4"/>
+          <p:cNvSpPr>
+            <a:spLocks noGrp="1"/>
+          </p:cNvSpPr>
+          <p:nvPr>
+            <p:ph type="sldNum" sz="quarter" idx="12"/>
+          </p:nvPr>
+        </p:nvSpPr>
+        <p:spPr/>
+        <p:txBody>
+          <a:bodyPr/>
+          <a:lstStyle/>
+          <a:p>
+            <a:fld id="{9AC8176B-BF31-4706-B15B-1AFC481B9AC3}" type="slidenum">
+              <a:rPr lang="en-CA" smtClean="0"/>
+              <a:pPr/>
+              <a:t>2</a:t>
+            </a:fld>
+            <a:endParaRPr lang="en-CA"/>
+          </a:p>
+        </p:txBody>
+      </p:sp>
+    </p:spTree>
+  </p:cSld>
+  <p:clrMapOvr>
+    <a:masterClrMapping/>
+  </p:clrMapOvr>
+  <p:timing>
+    <p:tnLst>
+      <p:par>
+        <p:cTn id="1" dur="indefinite" restart="never" nodeType="tmRoot"/>
+      </p:par>
+    </p:tnLst>
+  </p:timing>
+</p:sld>
+</file>
+
+<file path=ppt/slides/slide20.xml><?xml version="1.0" encoding="utf-8"?>
 <p:sld xmlns:a="http://schemas.openxmlformats.org/drawingml/2006/main" xmlns:r="http://schemas.openxmlformats.org/officeDocument/2006/relationships" xmlns:p="http://schemas.openxmlformats.org/presentationml/2006/main">
   <p:cSld>
     <p:spTree>
@@ -8593,7 +6249,7 @@
             <a:fld id="{9AC8176B-BF31-4706-B15B-1AFC481B9AC3}" type="slidenum">
               <a:rPr lang="en-CA" smtClean="0"/>
               <a:pPr/>
-              <a:t>21</a:t>
+              <a:t>20</a:t>
             </a:fld>
             <a:endParaRPr lang="en-CA"/>
           </a:p>
@@ -8607,7 +6263,7 @@
 </p:sld>
 </file>
 
-<file path=ppt/slides/slide22.xml><?xml version="1.0" encoding="utf-8"?>
+<file path=ppt/slides/slide21.xml><?xml version="1.0" encoding="utf-8"?>
 <p:sld xmlns:a="http://schemas.openxmlformats.org/drawingml/2006/main" xmlns:r="http://schemas.openxmlformats.org/officeDocument/2006/relationships" xmlns:p="http://schemas.openxmlformats.org/presentationml/2006/main">
   <p:cSld>
     <p:spTree>
@@ -8734,7 +6390,7 @@
             <a:fld id="{9AC8176B-BF31-4706-B15B-1AFC481B9AC3}" type="slidenum">
               <a:rPr lang="en-CA" smtClean="0"/>
               <a:pPr/>
-              <a:t>22</a:t>
+              <a:t>21</a:t>
             </a:fld>
             <a:endParaRPr lang="en-CA"/>
           </a:p>
@@ -8781,6 +6437,167 @@
 </p:sld>
 </file>
 
+<file path=ppt/slides/slide22.xml><?xml version="1.0" encoding="utf-8"?>
+<p:sld xmlns:a="http://schemas.openxmlformats.org/drawingml/2006/main" xmlns:r="http://schemas.openxmlformats.org/officeDocument/2006/relationships" xmlns:p="http://schemas.openxmlformats.org/presentationml/2006/main">
+  <p:cSld>
+    <p:spTree>
+      <p:nvGrpSpPr>
+        <p:cNvPr id="1" name=""/>
+        <p:cNvGrpSpPr/>
+        <p:nvPr/>
+      </p:nvGrpSpPr>
+      <p:grpSpPr>
+        <a:xfrm>
+          <a:off x="0" y="0"/>
+          <a:ext cx="0" cy="0"/>
+          <a:chOff x="0" y="0"/>
+          <a:chExt cx="0" cy="0"/>
+        </a:xfrm>
+      </p:grpSpPr>
+      <p:sp>
+        <p:nvSpPr>
+          <p:cNvPr id="2" name="Title 1"/>
+          <p:cNvSpPr>
+            <a:spLocks noGrp="1"/>
+          </p:cNvSpPr>
+          <p:nvPr>
+            <p:ph type="title"/>
+          </p:nvPr>
+        </p:nvSpPr>
+        <p:spPr/>
+        <p:txBody>
+          <a:bodyPr/>
+          <a:lstStyle/>
+          <a:p>
+            <a:r>
+              <a:rPr lang="en-CA" dirty="0" smtClean="0"/>
+              <a:t>MMDB: Materialized Views</a:t>
+            </a:r>
+            <a:endParaRPr lang="en-CA" dirty="0"/>
+          </a:p>
+        </p:txBody>
+      </p:sp>
+      <p:sp>
+        <p:nvSpPr>
+          <p:cNvPr id="3" name="Content Placeholder 2"/>
+          <p:cNvSpPr>
+            <a:spLocks noGrp="1"/>
+          </p:cNvSpPr>
+          <p:nvPr>
+            <p:ph idx="1"/>
+          </p:nvPr>
+        </p:nvSpPr>
+        <p:spPr/>
+        <p:txBody>
+          <a:bodyPr/>
+          <a:lstStyle/>
+          <a:p>
+            <a:r>
+              <a:rPr lang="en-CA" dirty="0" smtClean="0"/>
+              <a:t>Not beneficial to MMDB</a:t>
+            </a:r>
+          </a:p>
+          <a:p>
+            <a:pPr lvl="1">
+              <a:buFont typeface="Arial" pitchFamily="34" charset="0"/>
+              <a:buChar char="•"/>
+            </a:pPr>
+            <a:r>
+              <a:rPr lang="en-CA" dirty="0" smtClean="0"/>
+              <a:t>Cost of computing complicated queries is much less</a:t>
+            </a:r>
+          </a:p>
+          <a:p>
+            <a:pPr lvl="1">
+              <a:buFont typeface="Arial" pitchFamily="34" charset="0"/>
+              <a:buChar char="•"/>
+            </a:pPr>
+            <a:r>
+              <a:rPr lang="en-CA" dirty="0" smtClean="0"/>
+              <a:t>Maintenance costs will outweigh benefit</a:t>
+            </a:r>
+            <a:endParaRPr lang="en-CA" dirty="0"/>
+          </a:p>
+        </p:txBody>
+      </p:sp>
+      <p:sp>
+        <p:nvSpPr>
+          <p:cNvPr id="4" name="Date Placeholder 3"/>
+          <p:cNvSpPr>
+            <a:spLocks noGrp="1"/>
+          </p:cNvSpPr>
+          <p:nvPr>
+            <p:ph type="dt" sz="half" idx="10"/>
+          </p:nvPr>
+        </p:nvSpPr>
+        <p:spPr/>
+        <p:txBody>
+          <a:bodyPr/>
+          <a:lstStyle/>
+          <a:p>
+            <a:r>
+              <a:rPr lang="en-US" smtClean="0"/>
+              <a:t>Physical Design Patterns</a:t>
+            </a:r>
+            <a:endParaRPr lang="en-CA"/>
+          </a:p>
+        </p:txBody>
+      </p:sp>
+      <p:sp>
+        <p:nvSpPr>
+          <p:cNvPr id="5" name="Footer Placeholder 4"/>
+          <p:cNvSpPr>
+            <a:spLocks noGrp="1"/>
+          </p:cNvSpPr>
+          <p:nvPr>
+            <p:ph type="ftr" sz="quarter" idx="11"/>
+          </p:nvPr>
+        </p:nvSpPr>
+        <p:spPr/>
+        <p:txBody>
+          <a:bodyPr/>
+          <a:lstStyle/>
+          <a:p>
+            <a:r>
+              <a:rPr lang="en-CA" smtClean="0"/>
+              <a:t>Karim Ali &amp; Sarah Nadi</a:t>
+            </a:r>
+            <a:endParaRPr lang="en-CA"/>
+          </a:p>
+        </p:txBody>
+      </p:sp>
+      <p:sp>
+        <p:nvSpPr>
+          <p:cNvPr id="6" name="Slide Number Placeholder 5"/>
+          <p:cNvSpPr>
+            <a:spLocks noGrp="1"/>
+          </p:cNvSpPr>
+          <p:nvPr>
+            <p:ph type="sldNum" sz="quarter" idx="12"/>
+          </p:nvPr>
+        </p:nvSpPr>
+        <p:spPr/>
+        <p:txBody>
+          <a:bodyPr/>
+          <a:lstStyle/>
+          <a:p>
+            <a:fld id="{9AC8176B-BF31-4706-B15B-1AFC481B9AC3}" type="slidenum">
+              <a:rPr lang="en-CA" smtClean="0"/>
+              <a:pPr/>
+              <a:t>22</a:t>
+            </a:fld>
+            <a:endParaRPr lang="en-CA"/>
+          </a:p>
+        </p:txBody>
+      </p:sp>
+    </p:spTree>
+  </p:cSld>
+  <p:clrMapOvr>
+    <a:masterClrMapping/>
+  </p:clrMapOvr>
+</p:sld>
+</file>
+
 <file path=ppt/slides/slide23.xml><?xml version="1.0" encoding="utf-8"?>
 <p:sld xmlns:a="http://schemas.openxmlformats.org/drawingml/2006/main" xmlns:r="http://schemas.openxmlformats.org/officeDocument/2006/relationships" xmlns:p="http://schemas.openxmlformats.org/presentationml/2006/main">
   <p:cSld>
@@ -8815,7 +6632,11 @@
           <a:p>
             <a:r>
               <a:rPr lang="en-CA" dirty="0" smtClean="0"/>
-              <a:t>MMDB: Materialized Views</a:t>
+              <a:t>MMDB: </a:t>
+            </a:r>
+            <a:r>
+              <a:rPr lang="en-CA" dirty="0" err="1" smtClean="0"/>
+              <a:t>Partioning</a:t>
             </a:r>
             <a:endParaRPr lang="en-CA" dirty="0"/>
           </a:p>
@@ -8838,7 +6659,13 @@
           <a:p>
             <a:r>
               <a:rPr lang="en-CA" dirty="0" smtClean="0"/>
-              <a:t>Not beneficial to MMDB</a:t>
+              <a:t>Not necessary in main memory</a:t>
+            </a:r>
+          </a:p>
+          <a:p>
+            <a:r>
+              <a:rPr lang="en-CA" dirty="0" smtClean="0"/>
+              <a:t>Used for the secondary storage on disk to speed up reload</a:t>
             </a:r>
           </a:p>
           <a:p>
@@ -8848,7 +6675,7 @@
             </a:pPr>
             <a:r>
               <a:rPr lang="en-CA" dirty="0" smtClean="0"/>
-              <a:t>Cost of computing complicated queries is much less</a:t>
+              <a:t>Horizontal partitioning</a:t>
             </a:r>
           </a:p>
           <a:p>
@@ -8858,8 +6685,11 @@
             </a:pPr>
             <a:r>
               <a:rPr lang="en-CA" dirty="0" smtClean="0"/>
-              <a:t>Maintenance costs will outweigh benefit</a:t>
-            </a:r>
+              <a:t>Single vertical partitioning</a:t>
+            </a:r>
+          </a:p>
+          <a:p>
+            <a:pPr lvl="1"/>
             <a:endParaRPr lang="en-CA" dirty="0"/>
           </a:p>
         </p:txBody>
@@ -8976,11 +6806,7 @@
           <a:p>
             <a:r>
               <a:rPr lang="en-CA" dirty="0" smtClean="0"/>
-              <a:t>MMDB: </a:t>
-            </a:r>
-            <a:r>
-              <a:rPr lang="en-CA" dirty="0" err="1" smtClean="0"/>
-              <a:t>Partioning</a:t>
+              <a:t>MMDB: Clustering</a:t>
             </a:r>
             <a:endParaRPr lang="en-CA" dirty="0"/>
           </a:p>
@@ -9003,37 +6829,15 @@
           <a:p>
             <a:r>
               <a:rPr lang="en-CA" dirty="0" smtClean="0"/>
-              <a:t>Not necessary in main memory</a:t>
-            </a:r>
-          </a:p>
-          <a:p>
-            <a:r>
-              <a:rPr lang="en-CA" dirty="0" smtClean="0"/>
-              <a:t>Used for the secondary storage on disk to speed up reload</a:t>
-            </a:r>
-          </a:p>
-          <a:p>
-            <a:pPr lvl="1">
-              <a:buFont typeface="Arial" pitchFamily="34" charset="0"/>
-              <a:buChar char="•"/>
-            </a:pPr>
-            <a:r>
-              <a:rPr lang="en-CA" dirty="0" smtClean="0"/>
-              <a:t>Horizontal partitioning</a:t>
-            </a:r>
-          </a:p>
-          <a:p>
-            <a:pPr lvl="1">
-              <a:buFont typeface="Arial" pitchFamily="34" charset="0"/>
-              <a:buChar char="•"/>
-            </a:pPr>
-            <a:r>
-              <a:rPr lang="en-CA" dirty="0" smtClean="0"/>
-              <a:t>Single vertical partitioning</a:t>
+              <a:t>Not applicable to MMDB</a:t>
             </a:r>
           </a:p>
           <a:p>
             <a:pPr lvl="1"/>
+            <a:r>
+              <a:rPr lang="en-CA" dirty="0" smtClean="0"/>
+              <a:t>Sequential access in main memory is not cheaper than random or dispersed access</a:t>
+            </a:r>
             <a:endParaRPr lang="en-CA" dirty="0"/>
           </a:p>
         </p:txBody>
@@ -9150,7 +6954,7 @@
           <a:p>
             <a:r>
               <a:rPr lang="en-CA" dirty="0" smtClean="0"/>
-              <a:t>MMDB: Clustering</a:t>
+              <a:t>MMDB: Summary</a:t>
             </a:r>
             <a:endParaRPr lang="en-CA" dirty="0"/>
           </a:p>
@@ -9173,14 +6977,7 @@
           <a:p>
             <a:r>
               <a:rPr lang="en-CA" dirty="0" smtClean="0"/>
-              <a:t>Not applicable to MMDB</a:t>
-            </a:r>
-          </a:p>
-          <a:p>
-            <a:pPr lvl="1"/>
-            <a:r>
-              <a:rPr lang="en-CA" dirty="0" smtClean="0"/>
-              <a:t>Sequential access in main memory is not cheaper than random or dispersed access</a:t>
+              <a:t>Summary table/figure</a:t>
             </a:r>
             <a:endParaRPr lang="en-CA" dirty="0"/>
           </a:p>
@@ -9298,7 +7095,7 @@
           <a:p>
             <a:r>
               <a:rPr lang="en-CA" dirty="0" smtClean="0"/>
-              <a:t>MMDB: Summary</a:t>
+              <a:t>Data Warehouses</a:t>
             </a:r>
             <a:endParaRPr lang="en-CA" dirty="0"/>
           </a:p>
@@ -9316,14 +7113,54 @@
         </p:nvSpPr>
         <p:spPr/>
         <p:txBody>
-          <a:bodyPr/>
-          <a:lstStyle/>
-          <a:p>
-            <a:r>
-              <a:rPr lang="en-CA" dirty="0" smtClean="0"/>
-              <a:t>Summary table/figure</a:t>
-            </a:r>
-            <a:endParaRPr lang="en-CA" dirty="0"/>
+          <a:bodyPr>
+            <a:normAutofit/>
+          </a:bodyPr>
+          <a:lstStyle/>
+          <a:p>
+            <a:r>
+              <a:rPr lang="en-CA" dirty="0" smtClean="0"/>
+              <a:t>Collection of data and decision support technologies</a:t>
+            </a:r>
+          </a:p>
+          <a:p>
+            <a:r>
+              <a:rPr lang="en-CA" dirty="0" smtClean="0"/>
+              <a:t>Used in:</a:t>
+            </a:r>
+          </a:p>
+          <a:p>
+            <a:pPr lvl="2">
+              <a:buClr>
+                <a:srgbClr val="E66C7D"/>
+              </a:buClr>
+            </a:pPr>
+            <a:r>
+              <a:rPr lang="en-CA" dirty="0" smtClean="0"/>
+              <a:t>Retail: user profiling</a:t>
+            </a:r>
+          </a:p>
+          <a:p>
+            <a:pPr lvl="2">
+              <a:buClr>
+                <a:srgbClr val="E66C7D"/>
+              </a:buClr>
+            </a:pPr>
+            <a:r>
+              <a:rPr lang="en-CA" dirty="0" smtClean="0"/>
+              <a:t>Finance: claims analysis, risk analysis, credit card analysis, and fraud detection</a:t>
+            </a:r>
+          </a:p>
+          <a:p>
+            <a:pPr lvl="2">
+              <a:buClr>
+                <a:srgbClr val="E66C7D"/>
+              </a:buClr>
+            </a:pPr>
+            <a:r>
+              <a:rPr lang="en-CA" dirty="0" smtClean="0"/>
+              <a:t>Healthcare: outcomes analysis</a:t>
+            </a:r>
           </a:p>
         </p:txBody>
       </p:sp>
@@ -9439,7 +7276,7 @@
           <a:p>
             <a:r>
               <a:rPr lang="en-CA" dirty="0" smtClean="0"/>
-              <a:t>Data Warehouses</a:t>
+              <a:t>DW: Challenges</a:t>
             </a:r>
             <a:endParaRPr lang="en-CA" dirty="0"/>
           </a:p>
@@ -9464,46 +7301,52 @@
           <a:p>
             <a:r>
               <a:rPr lang="en-CA" dirty="0" smtClean="0"/>
-              <a:t>Collection of data and decision support technologies</a:t>
-            </a:r>
-          </a:p>
-          <a:p>
-            <a:r>
-              <a:rPr lang="en-CA" dirty="0" smtClean="0"/>
-              <a:t>Used in:</a:t>
-            </a:r>
-          </a:p>
-          <a:p>
-            <a:pPr lvl="2">
-              <a:buClr>
-                <a:srgbClr val="E66C7D"/>
-              </a:buClr>
-            </a:pPr>
-            <a:r>
-              <a:rPr lang="en-CA" dirty="0" smtClean="0"/>
-              <a:t>Retail: user profiling</a:t>
-            </a:r>
-          </a:p>
-          <a:p>
-            <a:pPr lvl="2">
-              <a:buClr>
-                <a:srgbClr val="E66C7D"/>
-              </a:buClr>
-            </a:pPr>
-            <a:r>
-              <a:rPr lang="en-CA" dirty="0" smtClean="0"/>
-              <a:t>Finance: claims analysis, risk analysis, credit card analysis, and fraud detection</a:t>
-            </a:r>
-          </a:p>
-          <a:p>
-            <a:pPr lvl="2">
-              <a:buClr>
-                <a:srgbClr val="E66C7D"/>
-              </a:buClr>
-            </a:pPr>
-            <a:r>
-              <a:rPr lang="en-CA" dirty="0" smtClean="0"/>
-              <a:t>Healthcare: outcomes analysis</a:t>
+              <a:t>Data is usually</a:t>
+            </a:r>
+          </a:p>
+          <a:p>
+            <a:pPr lvl="2"/>
+            <a:r>
+              <a:rPr lang="en-CA" dirty="0" smtClean="0"/>
+              <a:t>Extremely large</a:t>
+            </a:r>
+          </a:p>
+          <a:p>
+            <a:pPr lvl="2"/>
+            <a:r>
+              <a:rPr lang="en-CA" dirty="0" smtClean="0"/>
+              <a:t>Multi-dimensional</a:t>
+            </a:r>
+          </a:p>
+          <a:p>
+            <a:r>
+              <a:rPr lang="en-CA" dirty="0" smtClean="0"/>
+              <a:t>Priority for aggregated and summarized data</a:t>
+            </a:r>
+          </a:p>
+          <a:p>
+            <a:r>
+              <a:rPr lang="en-CA" dirty="0" smtClean="0"/>
+              <a:t>Ad-hoc and complex queries</a:t>
+            </a:r>
+          </a:p>
+          <a:p>
+            <a:r>
+              <a:rPr lang="en-CA" dirty="0" smtClean="0"/>
+              <a:t>Expensive operations: aggregation, and joins</a:t>
+            </a:r>
+          </a:p>
+          <a:p>
+            <a:pPr lvl="2"/>
+            <a:r>
+              <a:rPr lang="en-CA" dirty="0" smtClean="0"/>
+              <a:t>the fact table participates in every join</a:t>
+            </a:r>
+          </a:p>
+          <a:p>
+            <a:r>
+              <a:rPr lang="en-CA" dirty="0" smtClean="0"/>
+              <a:t>Figure ??</a:t>
             </a:r>
           </a:p>
         </p:txBody>
@@ -9620,7 +7463,7 @@
           <a:p>
             <a:r>
               <a:rPr lang="en-CA" dirty="0" smtClean="0"/>
-              <a:t>DW: Challenges</a:t>
+              <a:t>DW: Design</a:t>
             </a:r>
             <a:endParaRPr lang="en-CA" dirty="0"/>
           </a:p>
@@ -9645,53 +7488,26 @@
           <a:p>
             <a:r>
               <a:rPr lang="en-CA" dirty="0" smtClean="0"/>
-              <a:t>Data is usually</a:t>
+              <a:t>ROLAP</a:t>
             </a:r>
           </a:p>
           <a:p>
             <a:pPr lvl="2"/>
             <a:r>
               <a:rPr lang="en-CA" dirty="0" smtClean="0"/>
-              <a:t>Extremely large</a:t>
+              <a:t>Relational implementation of DW</a:t>
             </a:r>
           </a:p>
           <a:p>
             <a:pPr lvl="2"/>
             <a:r>
               <a:rPr lang="en-CA" dirty="0" smtClean="0"/>
-              <a:t>Multi-dimensional</a:t>
-            </a:r>
-          </a:p>
-          <a:p>
-            <a:r>
-              <a:rPr lang="en-CA" dirty="0" smtClean="0"/>
-              <a:t>Priority for aggregated and summarized data</a:t>
-            </a:r>
-          </a:p>
-          <a:p>
-            <a:r>
-              <a:rPr lang="en-CA" dirty="0" smtClean="0"/>
-              <a:t>Ad-hoc and complex queries</a:t>
-            </a:r>
-          </a:p>
-          <a:p>
-            <a:r>
-              <a:rPr lang="en-CA" dirty="0" smtClean="0"/>
-              <a:t>Expensive operations: aggregation, and joins</a:t>
+              <a:t>Multidimensional view of data is achieved through star scheme</a:t>
             </a:r>
           </a:p>
           <a:p>
             <a:pPr lvl="2"/>
-            <a:r>
-              <a:rPr lang="en-CA" dirty="0" smtClean="0"/>
-              <a:t>the fact table participates in every join</a:t>
-            </a:r>
-          </a:p>
-          <a:p>
-            <a:r>
-              <a:rPr lang="en-CA" dirty="0" smtClean="0"/>
-              <a:t>Figure ??</a:t>
-            </a:r>
+            <a:endParaRPr lang="en-CA" dirty="0" smtClean="0"/>
           </a:p>
         </p:txBody>
       </p:sp>
@@ -9807,7 +7623,7 @@
           <a:p>
             <a:r>
               <a:rPr lang="en-CA" dirty="0" smtClean="0"/>
-              <a:t>DW: Design</a:t>
+              <a:t>DW: Indexes</a:t>
             </a:r>
             <a:endParaRPr lang="en-CA" dirty="0"/>
           </a:p>
@@ -9830,27 +7646,6 @@
           </a:bodyPr>
           <a:lstStyle/>
           <a:p>
-            <a:r>
-              <a:rPr lang="en-CA" dirty="0" smtClean="0"/>
-              <a:t>ROLAP</a:t>
-            </a:r>
-          </a:p>
-          <a:p>
-            <a:pPr lvl="2"/>
-            <a:r>
-              <a:rPr lang="en-CA" dirty="0" smtClean="0"/>
-              <a:t>Relational implementation of DW</a:t>
-            </a:r>
-          </a:p>
-          <a:p>
-            <a:pPr lvl="2"/>
-            <a:r>
-              <a:rPr lang="en-CA" dirty="0" smtClean="0"/>
-              <a:t>Multidimensional view of data is achieved through star scheme</a:t>
-            </a:r>
-          </a:p>
-          <a:p>
-            <a:pPr lvl="2"/>
             <a:endParaRPr lang="en-CA" dirty="0" smtClean="0"/>
           </a:p>
         </p:txBody>
@@ -9952,49 +7747,6 @@
       </p:grpSpPr>
       <p:sp>
         <p:nvSpPr>
-          <p:cNvPr id="2" name="Title 1"/>
-          <p:cNvSpPr>
-            <a:spLocks noGrp="1"/>
-          </p:cNvSpPr>
-          <p:nvPr>
-            <p:ph type="title"/>
-          </p:nvPr>
-        </p:nvSpPr>
-        <p:spPr/>
-        <p:txBody>
-          <a:bodyPr/>
-          <a:lstStyle/>
-          <a:p>
-            <a:r>
-              <a:rPr lang="en-CA" dirty="0" smtClean="0"/>
-              <a:t>Stages of Design</a:t>
-            </a:r>
-            <a:endParaRPr lang="en-CA" dirty="0"/>
-          </a:p>
-        </p:txBody>
-      </p:sp>
-      <p:graphicFrame>
-        <p:nvGraphicFramePr>
-          <p:cNvPr id="7" name="Content Placeholder 6"/>
-          <p:cNvGraphicFramePr>
-            <a:graphicFrameLocks noGrp="1"/>
-          </p:cNvGraphicFramePr>
-          <p:nvPr>
-            <p:ph idx="1"/>
-          </p:nvPr>
-        </p:nvGraphicFramePr>
-        <p:xfrm>
-          <a:off x="457200" y="642918"/>
-          <a:ext cx="8229600" cy="4625975"/>
-        </p:xfrm>
-        <a:graphic>
-          <a:graphicData uri="http://schemas.openxmlformats.org/drawingml/2006/diagram">
-            <dgm:relIds xmlns:dgm="http://schemas.openxmlformats.org/drawingml/2006/diagram" xmlns:r="http://schemas.openxmlformats.org/officeDocument/2006/relationships" r:dm="rId2" r:lo="rId3" r:qs="rId4" r:cs="rId5"/>
-          </a:graphicData>
-        </a:graphic>
-      </p:graphicFrame>
-      <p:sp>
-        <p:nvSpPr>
           <p:cNvPr id="4" name="Date Placeholder 3"/>
           <p:cNvSpPr>
             <a:spLocks noGrp="1"/>
@@ -10063,16 +7815,49 @@
           </a:p>
         </p:txBody>
       </p:sp>
-      <p:sp>
-        <p:nvSpPr>
-          <p:cNvPr id="8" name="TextBox 7"/>
+      <p:pic>
+        <p:nvPicPr>
+          <p:cNvPr id="1026" name="Picture 2"/>
+          <p:cNvPicPr>
+            <a:picLocks noChangeAspect="1" noChangeArrowheads="1"/>
+          </p:cNvPicPr>
+          <p:nvPr/>
+        </p:nvPicPr>
+        <p:blipFill>
+          <a:blip r:embed="rId2"/>
+          <a:srcRect/>
+          <a:stretch>
+            <a:fillRect/>
+          </a:stretch>
+        </p:blipFill>
+        <p:spPr bwMode="auto">
+          <a:xfrm>
+            <a:off x="2190751" y="170366"/>
+            <a:ext cx="4738703" cy="6360610"/>
+          </a:xfrm>
+          <a:prstGeom prst="rect">
+            <a:avLst/>
+          </a:prstGeom>
+          <a:noFill/>
+          <a:ln w="9525">
+            <a:noFill/>
+            <a:miter lim="800000"/>
+            <a:headEnd/>
+            <a:tailEnd/>
+          </a:ln>
+          <a:effectLst/>
+        </p:spPr>
+      </p:pic>
+      <p:sp>
+        <p:nvSpPr>
+          <p:cNvPr id="10" name="TextBox 9"/>
           <p:cNvSpPr txBox="1"/>
           <p:nvPr/>
         </p:nvSpPr>
         <p:spPr>
           <a:xfrm>
-            <a:off x="500034" y="3857628"/>
-            <a:ext cx="1928826" cy="646331"/>
+            <a:off x="142844" y="71414"/>
+            <a:ext cx="1983235" cy="369332"/>
           </a:xfrm>
           <a:prstGeom prst="rect">
             <a:avLst/>
@@ -10080,24 +7865,16 @@
           <a:noFill/>
         </p:spPr>
         <p:txBody>
-          <a:bodyPr wrap="square" rtlCol="0">
+          <a:bodyPr wrap="none" rtlCol="0">
             <a:spAutoFit/>
           </a:bodyPr>
           <a:lstStyle/>
           <a:p>
-            <a:pPr>
-              <a:buFont typeface="Arial" pitchFamily="34" charset="0"/>
-              <a:buChar char="•"/>
-            </a:pPr>
-            <a:r>
-              <a:rPr lang="en-CA" dirty="0" smtClean="0"/>
-              <a:t>Describes the intended </a:t>
-            </a:r>
-            <a:r>
-              <a:rPr lang="en-CA" dirty="0" err="1" smtClean="0"/>
-              <a:t>behavior</a:t>
-            </a:r>
-            <a:endParaRPr lang="en-CA" dirty="0" smtClean="0"/>
+            <a:r>
+              <a:rPr lang="en-CA" dirty="0" smtClean="0"/>
+              <a:t>Database Lifecycle</a:t>
+            </a:r>
+            <a:endParaRPr lang="en-CA" dirty="0"/>
           </a:p>
         </p:txBody>
       </p:sp>
@@ -10150,7 +7927,7 @@
           <a:p>
             <a:r>
               <a:rPr lang="en-CA" dirty="0" smtClean="0"/>
-              <a:t>DW: Indexes</a:t>
+              <a:t>DW: Materialized Views</a:t>
             </a:r>
             <a:endParaRPr lang="en-CA" dirty="0"/>
           </a:p>
@@ -10289,7 +8066,7 @@
           <a:p>
             <a:r>
               <a:rPr lang="en-CA" dirty="0" smtClean="0"/>
-              <a:t>DW: Materialized Views</a:t>
+              <a:t>DW: Partitioning</a:t>
             </a:r>
             <a:endParaRPr lang="en-CA" dirty="0"/>
           </a:p>
@@ -10428,7 +8205,7 @@
           <a:p>
             <a:r>
               <a:rPr lang="en-CA" dirty="0" smtClean="0"/>
-              <a:t>DW: Partitioning</a:t>
+              <a:t>DW: Clustering</a:t>
             </a:r>
             <a:endParaRPr lang="en-CA" dirty="0"/>
           </a:p>
@@ -10567,7 +8344,7 @@
           <a:p>
             <a:r>
               <a:rPr lang="en-CA" dirty="0" smtClean="0"/>
-              <a:t>DW: Clustering</a:t>
+              <a:t>DW: Summary</a:t>
             </a:r>
             <a:endParaRPr lang="en-CA" dirty="0"/>
           </a:p>
@@ -10691,7 +8468,7 @@
       </p:grpSpPr>
       <p:sp>
         <p:nvSpPr>
-          <p:cNvPr id="2" name="Title 1"/>
+          <p:cNvPr id="7" name="Title 6"/>
           <p:cNvSpPr>
             <a:spLocks noGrp="1"/>
           </p:cNvSpPr>
@@ -10706,7 +8483,7 @@
           <a:p>
             <a:r>
               <a:rPr lang="en-CA" dirty="0" smtClean="0"/>
-              <a:t>DW: Summary</a:t>
+              <a:t>XML Databases</a:t>
             </a:r>
             <a:endParaRPr lang="en-CA" dirty="0"/>
           </a:p>
@@ -10714,7 +8491,7 @@
       </p:sp>
       <p:sp>
         <p:nvSpPr>
-          <p:cNvPr id="3" name="Content Placeholder 2"/>
+          <p:cNvPr id="9" name="Content Placeholder 8"/>
           <p:cNvSpPr>
             <a:spLocks noGrp="1"/>
           </p:cNvSpPr>
@@ -10724,12 +8501,34 @@
         </p:nvSpPr>
         <p:spPr/>
         <p:txBody>
-          <a:bodyPr>
-            <a:normAutofit/>
-          </a:bodyPr>
-          <a:lstStyle/>
-          <a:p>
-            <a:endParaRPr lang="en-CA" dirty="0" smtClean="0"/>
+          <a:bodyPr/>
+          <a:lstStyle/>
+          <a:p>
+            <a:r>
+              <a:rPr lang="en-CA" dirty="0" smtClean="0"/>
+              <a:t>XML-enabled DBs:</a:t>
+            </a:r>
+          </a:p>
+          <a:p>
+            <a:pPr lvl="2"/>
+            <a:r>
+              <a:rPr lang="en-CA" dirty="0" smtClean="0"/>
+              <a:t>Maps XML documents to relational tables</a:t>
+            </a:r>
+          </a:p>
+          <a:p>
+            <a:r>
+              <a:rPr lang="en-CA" dirty="0" smtClean="0"/>
+              <a:t>Native XML DBs:</a:t>
+            </a:r>
+          </a:p>
+          <a:p>
+            <a:pPr lvl="2"/>
+            <a:r>
+              <a:rPr lang="en-CA" dirty="0" smtClean="0"/>
+              <a:t>Data structures store actual XML</a:t>
+            </a:r>
+            <a:endParaRPr lang="en-CA" dirty="0"/>
           </a:p>
         </p:txBody>
       </p:sp>
@@ -10845,7 +8644,7 @@
           <a:p>
             <a:r>
               <a:rPr lang="en-CA" dirty="0" smtClean="0"/>
-              <a:t>XML Databases</a:t>
+              <a:t>XML DBs: Indexes</a:t>
             </a:r>
             <a:endParaRPr lang="en-CA" dirty="0"/>
           </a:p>
@@ -10853,7 +8652,7 @@
       </p:sp>
       <p:sp>
         <p:nvSpPr>
-          <p:cNvPr id="9" name="Content Placeholder 8"/>
+          <p:cNvPr id="8" name="Content Placeholder 7"/>
           <p:cNvSpPr>
             <a:spLocks noGrp="1"/>
           </p:cNvSpPr>
@@ -10868,27 +8667,20 @@
           <a:p>
             <a:r>
               <a:rPr lang="en-CA" dirty="0" smtClean="0"/>
-              <a:t>XML-enabled DBs:</a:t>
+              <a:t>Same index structures can be used</a:t>
+            </a:r>
+          </a:p>
+          <a:p>
+            <a:r>
+              <a:rPr lang="en-CA" dirty="0" smtClean="0"/>
+              <a:t>Need adjustments</a:t>
             </a:r>
           </a:p>
           <a:p>
             <a:pPr lvl="2"/>
             <a:r>
               <a:rPr lang="en-CA" dirty="0" smtClean="0"/>
-              <a:t>Maps XML documents to relational tables</a:t>
-            </a:r>
-          </a:p>
-          <a:p>
-            <a:r>
-              <a:rPr lang="en-CA" dirty="0" smtClean="0"/>
-              <a:t>Native XML DBs:</a:t>
-            </a:r>
-          </a:p>
-          <a:p>
-            <a:pPr lvl="2"/>
-            <a:r>
-              <a:rPr lang="en-CA" dirty="0" smtClean="0"/>
-              <a:t>Data structures store actual XML</a:t>
+              <a:t>Need a numbering schema for the XML nodes</a:t>
             </a:r>
             <a:endParaRPr lang="en-CA" dirty="0"/>
           </a:p>
@@ -10991,7 +8783,7 @@
       </p:grpSpPr>
       <p:sp>
         <p:nvSpPr>
-          <p:cNvPr id="7" name="Title 6"/>
+          <p:cNvPr id="2" name="Title 1"/>
           <p:cNvSpPr>
             <a:spLocks noGrp="1"/>
           </p:cNvSpPr>
@@ -11006,7 +8798,7 @@
           <a:p>
             <a:r>
               <a:rPr lang="en-CA" dirty="0" smtClean="0"/>
-              <a:t>XML DBs: Indexes</a:t>
+              <a:t>XML DBs: Materialized Views</a:t>
             </a:r>
             <a:endParaRPr lang="en-CA" dirty="0"/>
           </a:p>
@@ -11014,7 +8806,7 @@
       </p:sp>
       <p:sp>
         <p:nvSpPr>
-          <p:cNvPr id="8" name="Content Placeholder 7"/>
+          <p:cNvPr id="3" name="Content Placeholder 2"/>
           <p:cNvSpPr>
             <a:spLocks noGrp="1"/>
           </p:cNvSpPr>
@@ -11027,24 +8819,7 @@
           <a:bodyPr/>
           <a:lstStyle/>
           <a:p>
-            <a:r>
-              <a:rPr lang="en-CA" dirty="0" smtClean="0"/>
-              <a:t>Same index structures can be used</a:t>
-            </a:r>
-          </a:p>
-          <a:p>
-            <a:r>
-              <a:rPr lang="en-CA" dirty="0" smtClean="0"/>
-              <a:t>Need adjustments</a:t>
-            </a:r>
-          </a:p>
-          <a:p>
-            <a:pPr lvl="2"/>
-            <a:r>
-              <a:rPr lang="en-CA" dirty="0" smtClean="0"/>
-              <a:t>Need a numbering schema for the XML nodes</a:t>
-            </a:r>
-            <a:endParaRPr lang="en-CA" dirty="0"/>
+            <a:endParaRPr lang="en-CA"/>
           </a:p>
         </p:txBody>
       </p:sp>
@@ -11160,7 +8935,11 @@
           <a:p>
             <a:r>
               <a:rPr lang="en-CA" dirty="0" smtClean="0"/>
-              <a:t>XML DBs: Materialized Views</a:t>
+              <a:t>XML DBs: </a:t>
+            </a:r>
+            <a:r>
+              <a:rPr lang="en-CA" dirty="0" err="1" smtClean="0"/>
+              <a:t>Paritioning</a:t>
             </a:r>
             <a:endParaRPr lang="en-CA" dirty="0"/>
           </a:p>
@@ -11297,11 +9076,7 @@
           <a:p>
             <a:r>
               <a:rPr lang="en-CA" dirty="0" smtClean="0"/>
-              <a:t>XML DBs: </a:t>
-            </a:r>
-            <a:r>
-              <a:rPr lang="en-CA" dirty="0" err="1" smtClean="0"/>
-              <a:t>Paritioning</a:t>
+              <a:t>XML DBs: Clustering</a:t>
             </a:r>
             <a:endParaRPr lang="en-CA" dirty="0"/>
           </a:p>
@@ -11438,7 +9213,7 @@
           <a:p>
             <a:r>
               <a:rPr lang="en-CA" dirty="0" smtClean="0"/>
-              <a:t>XML DBs: Clustering</a:t>
+              <a:t>XML DBs: Summary</a:t>
             </a:r>
             <a:endParaRPr lang="en-CA" dirty="0"/>
           </a:p>
@@ -11697,7 +9472,7 @@
       </p:grpSpPr>
       <p:sp>
         <p:nvSpPr>
-          <p:cNvPr id="2" name="Title 1"/>
+          <p:cNvPr id="7" name="Title 6"/>
           <p:cNvSpPr>
             <a:spLocks noGrp="1"/>
           </p:cNvSpPr>
@@ -11712,7 +9487,7 @@
           <a:p>
             <a:r>
               <a:rPr lang="en-CA" dirty="0" smtClean="0"/>
-              <a:t>XML DBs: Summary</a:t>
+              <a:t>Future Work &amp; Open Problems</a:t>
             </a:r>
             <a:endParaRPr lang="en-CA" dirty="0"/>
           </a:p>
@@ -11720,12 +9495,12 @@
       </p:sp>
       <p:sp>
         <p:nvSpPr>
-          <p:cNvPr id="3" name="Content Placeholder 2"/>
-          <p:cNvSpPr>
-            <a:spLocks noGrp="1"/>
-          </p:cNvSpPr>
-          <p:nvPr>
-            <p:ph idx="1"/>
+          <p:cNvPr id="8" name="Text Placeholder 7"/>
+          <p:cNvSpPr>
+            <a:spLocks noGrp="1"/>
+          </p:cNvSpPr>
+          <p:nvPr>
+            <p:ph type="body" idx="1"/>
           </p:nvPr>
         </p:nvSpPr>
         <p:spPr/>
@@ -11849,7 +9624,7 @@
           <a:p>
             <a:r>
               <a:rPr lang="en-CA" dirty="0" smtClean="0"/>
-              <a:t>Future Work &amp; Open Problems</a:t>
+              <a:t>Future Work</a:t>
             </a:r>
             <a:endParaRPr lang="en-CA" dirty="0"/>
           </a:p>
@@ -11857,20 +9632,24 @@
       </p:sp>
       <p:sp>
         <p:nvSpPr>
-          <p:cNvPr id="8" name="Text Placeholder 7"/>
-          <p:cNvSpPr>
-            <a:spLocks noGrp="1"/>
-          </p:cNvSpPr>
-          <p:nvPr>
-            <p:ph type="body" idx="1"/>
-          </p:nvPr>
-        </p:nvSpPr>
-        <p:spPr/>
-        <p:txBody>
-          <a:bodyPr/>
-          <a:lstStyle/>
-          <a:p>
-            <a:endParaRPr lang="en-CA"/>
+          <p:cNvPr id="8" name="Content Placeholder 7"/>
+          <p:cNvSpPr>
+            <a:spLocks noGrp="1"/>
+          </p:cNvSpPr>
+          <p:nvPr>
+            <p:ph idx="1"/>
+          </p:nvPr>
+        </p:nvSpPr>
+        <p:spPr/>
+        <p:txBody>
+          <a:bodyPr/>
+          <a:lstStyle/>
+          <a:p>
+            <a:r>
+              <a:rPr lang="en-CA" dirty="0" smtClean="0"/>
+              <a:t>Looking at automating physical design (put some examples of work here and say its time permitting)</a:t>
+            </a:r>
+            <a:endParaRPr lang="en-CA" dirty="0"/>
           </a:p>
         </p:txBody>
       </p:sp>
@@ -11971,7 +9750,7 @@
       </p:grpSpPr>
       <p:sp>
         <p:nvSpPr>
-          <p:cNvPr id="7" name="Title 6"/>
+          <p:cNvPr id="2" name="Title 1"/>
           <p:cNvSpPr>
             <a:spLocks noGrp="1"/>
           </p:cNvSpPr>
@@ -11981,12 +9760,14 @@
         </p:nvSpPr>
         <p:spPr/>
         <p:txBody>
-          <a:bodyPr/>
-          <a:lstStyle/>
-          <a:p>
-            <a:r>
-              <a:rPr lang="en-CA" dirty="0" smtClean="0"/>
-              <a:t>Future Work</a:t>
+          <a:bodyPr>
+            <a:normAutofit fontScale="90000"/>
+          </a:bodyPr>
+          <a:lstStyle/>
+          <a:p>
+            <a:r>
+              <a:rPr lang="en-CA" dirty="0" smtClean="0"/>
+              <a:t>Open Problems in Physical Design</a:t>
             </a:r>
             <a:endParaRPr lang="en-CA" dirty="0"/>
           </a:p>
@@ -12007,11 +9788,7 @@
           <a:bodyPr/>
           <a:lstStyle/>
           <a:p>
-            <a:r>
-              <a:rPr lang="en-CA" dirty="0" smtClean="0"/>
-              <a:t>Looking at automating physical design (put some examples of work here and say its time permitting)</a:t>
-            </a:r>
-            <a:endParaRPr lang="en-CA" dirty="0"/>
+            <a:endParaRPr lang="en-CA"/>
           </a:p>
         </p:txBody>
       </p:sp>
@@ -12112,7 +9889,7 @@
       </p:grpSpPr>
       <p:sp>
         <p:nvSpPr>
-          <p:cNvPr id="2" name="Title 1"/>
+          <p:cNvPr id="7" name="Title 6"/>
           <p:cNvSpPr>
             <a:spLocks noGrp="1"/>
           </p:cNvSpPr>
@@ -12122,14 +9899,12 @@
         </p:nvSpPr>
         <p:spPr/>
         <p:txBody>
-          <a:bodyPr>
-            <a:normAutofit fontScale="90000"/>
-          </a:bodyPr>
-          <a:lstStyle/>
-          <a:p>
-            <a:r>
-              <a:rPr lang="en-CA" dirty="0" smtClean="0"/>
-              <a:t>Open Problems in Physical Design</a:t>
+          <a:bodyPr/>
+          <a:lstStyle/>
+          <a:p>
+            <a:r>
+              <a:rPr lang="en-CA" dirty="0" smtClean="0"/>
+              <a:t>Summary &amp; Conclusions</a:t>
             </a:r>
             <a:endParaRPr lang="en-CA" dirty="0"/>
           </a:p>
@@ -12137,12 +9912,12 @@
       </p:sp>
       <p:sp>
         <p:nvSpPr>
-          <p:cNvPr id="8" name="Content Placeholder 7"/>
-          <p:cNvSpPr>
-            <a:spLocks noGrp="1"/>
-          </p:cNvSpPr>
-          <p:nvPr>
-            <p:ph idx="1"/>
+          <p:cNvPr id="8" name="Text Placeholder 7"/>
+          <p:cNvSpPr>
+            <a:spLocks noGrp="1"/>
+          </p:cNvSpPr>
+          <p:nvPr>
+            <p:ph type="body" idx="1"/>
           </p:nvPr>
         </p:nvSpPr>
         <p:spPr/>
@@ -12251,48 +10026,6 @@
       </p:grpSpPr>
       <p:sp>
         <p:nvSpPr>
-          <p:cNvPr id="7" name="Title 6"/>
-          <p:cNvSpPr>
-            <a:spLocks noGrp="1"/>
-          </p:cNvSpPr>
-          <p:nvPr>
-            <p:ph type="title"/>
-          </p:nvPr>
-        </p:nvSpPr>
-        <p:spPr/>
-        <p:txBody>
-          <a:bodyPr/>
-          <a:lstStyle/>
-          <a:p>
-            <a:r>
-              <a:rPr lang="en-CA" dirty="0" smtClean="0"/>
-              <a:t>Summary &amp; Conclusions</a:t>
-            </a:r>
-            <a:endParaRPr lang="en-CA" dirty="0"/>
-          </a:p>
-        </p:txBody>
-      </p:sp>
-      <p:sp>
-        <p:nvSpPr>
-          <p:cNvPr id="8" name="Text Placeholder 7"/>
-          <p:cNvSpPr>
-            <a:spLocks noGrp="1"/>
-          </p:cNvSpPr>
-          <p:nvPr>
-            <p:ph type="body" idx="1"/>
-          </p:nvPr>
-        </p:nvSpPr>
-        <p:spPr/>
-        <p:txBody>
-          <a:bodyPr/>
-          <a:lstStyle/>
-          <a:p>
-            <a:endParaRPr lang="en-CA"/>
-          </a:p>
-        </p:txBody>
-      </p:sp>
-      <p:sp>
-        <p:nvSpPr>
           <p:cNvPr id="4" name="Date Placeholder 3"/>
           <p:cNvSpPr>
             <a:spLocks noGrp="1"/>
@@ -12358,6 +10091,36 @@
               <a:t>44</a:t>
             </a:fld>
             <a:endParaRPr lang="en-CA"/>
+          </a:p>
+        </p:txBody>
+      </p:sp>
+      <p:sp>
+        <p:nvSpPr>
+          <p:cNvPr id="10" name="TextBox 9"/>
+          <p:cNvSpPr txBox="1"/>
+          <p:nvPr/>
+        </p:nvSpPr>
+        <p:spPr>
+          <a:xfrm>
+            <a:off x="857224" y="1571612"/>
+            <a:ext cx="2201244" cy="369332"/>
+          </a:xfrm>
+          <a:prstGeom prst="rect">
+            <a:avLst/>
+          </a:prstGeom>
+          <a:noFill/>
+        </p:spPr>
+        <p:txBody>
+          <a:bodyPr wrap="none" rtlCol="0">
+            <a:spAutoFit/>
+          </a:bodyPr>
+          <a:lstStyle/>
+          <a:p>
+            <a:r>
+              <a:rPr lang="en-CA" dirty="0" smtClean="0"/>
+              <a:t>Big summary table(s)</a:t>
+            </a:r>
+            <a:endParaRPr lang="en-CA" dirty="0"/>
           </a:p>
         </p:txBody>
       </p:sp>
@@ -12388,7 +10151,49 @@
       </p:grpSpPr>
       <p:sp>
         <p:nvSpPr>
-          <p:cNvPr id="4" name="Date Placeholder 3"/>
+          <p:cNvPr id="5" name="Title 4"/>
+          <p:cNvSpPr>
+            <a:spLocks noGrp="1"/>
+          </p:cNvSpPr>
+          <p:nvPr>
+            <p:ph type="title"/>
+          </p:nvPr>
+        </p:nvSpPr>
+        <p:spPr/>
+        <p:txBody>
+          <a:bodyPr/>
+          <a:lstStyle/>
+          <a:p>
+            <a:r>
+              <a:rPr lang="en-CA" dirty="0" smtClean="0"/>
+              <a:t>Conclusions</a:t>
+            </a:r>
+            <a:endParaRPr lang="en-CA" dirty="0"/>
+          </a:p>
+        </p:txBody>
+      </p:sp>
+      <p:sp>
+        <p:nvSpPr>
+          <p:cNvPr id="6" name="Content Placeholder 5"/>
+          <p:cNvSpPr>
+            <a:spLocks noGrp="1"/>
+          </p:cNvSpPr>
+          <p:nvPr>
+            <p:ph idx="1"/>
+          </p:nvPr>
+        </p:nvSpPr>
+        <p:spPr/>
+        <p:txBody>
+          <a:bodyPr/>
+          <a:lstStyle/>
+          <a:p>
+            <a:endParaRPr lang="en-CA"/>
+          </a:p>
+        </p:txBody>
+      </p:sp>
+      <p:sp>
+        <p:nvSpPr>
+          <p:cNvPr id="2" name="Date Placeholder 1"/>
           <p:cNvSpPr>
             <a:spLocks noGrp="1"/>
           </p:cNvSpPr>
@@ -12411,7 +10216,7 @@
       </p:sp>
       <p:sp>
         <p:nvSpPr>
-          <p:cNvPr id="5" name="Footer Placeholder 4"/>
+          <p:cNvPr id="3" name="Footer Placeholder 2"/>
           <p:cNvSpPr>
             <a:spLocks noGrp="1"/>
           </p:cNvSpPr>
@@ -12434,7 +10239,7 @@
       </p:sp>
       <p:sp>
         <p:nvSpPr>
-          <p:cNvPr id="6" name="Slide Number Placeholder 5"/>
+          <p:cNvPr id="4" name="Slide Number Placeholder 3"/>
           <p:cNvSpPr>
             <a:spLocks noGrp="1"/>
           </p:cNvSpPr>
@@ -12453,36 +10258,6 @@
               <a:t>45</a:t>
             </a:fld>
             <a:endParaRPr lang="en-CA"/>
-          </a:p>
-        </p:txBody>
-      </p:sp>
-      <p:sp>
-        <p:nvSpPr>
-          <p:cNvPr id="10" name="TextBox 9"/>
-          <p:cNvSpPr txBox="1"/>
-          <p:nvPr/>
-        </p:nvSpPr>
-        <p:spPr>
-          <a:xfrm>
-            <a:off x="857224" y="1571612"/>
-            <a:ext cx="2201244" cy="369332"/>
-          </a:xfrm>
-          <a:prstGeom prst="rect">
-            <a:avLst/>
-          </a:prstGeom>
-          <a:noFill/>
-        </p:spPr>
-        <p:txBody>
-          <a:bodyPr wrap="none" rtlCol="0">
-            <a:spAutoFit/>
-          </a:bodyPr>
-          <a:lstStyle/>
-          <a:p>
-            <a:r>
-              <a:rPr lang="en-CA" dirty="0" smtClean="0"/>
-              <a:t>Big summary table(s)</a:t>
-            </a:r>
-            <a:endParaRPr lang="en-CA" dirty="0"/>
           </a:p>
         </p:txBody>
       </p:sp>
@@ -12513,48 +10288,6 @@
       </p:grpSpPr>
       <p:sp>
         <p:nvSpPr>
-          <p:cNvPr id="5" name="Title 4"/>
-          <p:cNvSpPr>
-            <a:spLocks noGrp="1"/>
-          </p:cNvSpPr>
-          <p:nvPr>
-            <p:ph type="title"/>
-          </p:nvPr>
-        </p:nvSpPr>
-        <p:spPr/>
-        <p:txBody>
-          <a:bodyPr/>
-          <a:lstStyle/>
-          <a:p>
-            <a:r>
-              <a:rPr lang="en-CA" dirty="0" smtClean="0"/>
-              <a:t>Conclusions</a:t>
-            </a:r>
-            <a:endParaRPr lang="en-CA" dirty="0"/>
-          </a:p>
-        </p:txBody>
-      </p:sp>
-      <p:sp>
-        <p:nvSpPr>
-          <p:cNvPr id="6" name="Content Placeholder 5"/>
-          <p:cNvSpPr>
-            <a:spLocks noGrp="1"/>
-          </p:cNvSpPr>
-          <p:nvPr>
-            <p:ph idx="1"/>
-          </p:nvPr>
-        </p:nvSpPr>
-        <p:spPr/>
-        <p:txBody>
-          <a:bodyPr/>
-          <a:lstStyle/>
-          <a:p>
-            <a:endParaRPr lang="en-CA"/>
-          </a:p>
-        </p:txBody>
-      </p:sp>
-      <p:sp>
-        <p:nvSpPr>
           <p:cNvPr id="2" name="Date Placeholder 1"/>
           <p:cNvSpPr>
             <a:spLocks noGrp="1"/>
@@ -12620,6 +10353,36 @@
               <a:t>46</a:t>
             </a:fld>
             <a:endParaRPr lang="en-CA"/>
+          </a:p>
+        </p:txBody>
+      </p:sp>
+      <p:sp>
+        <p:nvSpPr>
+          <p:cNvPr id="7" name="TextBox 6"/>
+          <p:cNvSpPr txBox="1"/>
+          <p:nvPr/>
+        </p:nvSpPr>
+        <p:spPr>
+          <a:xfrm>
+            <a:off x="2571736" y="2714620"/>
+            <a:ext cx="3676006" cy="1015663"/>
+          </a:xfrm>
+          <a:prstGeom prst="rect">
+            <a:avLst/>
+          </a:prstGeom>
+          <a:noFill/>
+        </p:spPr>
+        <p:txBody>
+          <a:bodyPr wrap="none" rtlCol="0">
+            <a:spAutoFit/>
+          </a:bodyPr>
+          <a:lstStyle/>
+          <a:p>
+            <a:r>
+              <a:rPr lang="en-CA" sz="6000" b="1" dirty="0" smtClean="0"/>
+              <a:t>Thank you</a:t>
+            </a:r>
+            <a:endParaRPr lang="en-CA" sz="6000" b="1" dirty="0"/>
           </a:p>
         </p:txBody>
       </p:sp>
@@ -12650,6 +10413,48 @@
       </p:grpSpPr>
       <p:sp>
         <p:nvSpPr>
+          <p:cNvPr id="5" name="Title 4"/>
+          <p:cNvSpPr>
+            <a:spLocks noGrp="1"/>
+          </p:cNvSpPr>
+          <p:nvPr>
+            <p:ph type="title"/>
+          </p:nvPr>
+        </p:nvSpPr>
+        <p:spPr/>
+        <p:txBody>
+          <a:bodyPr/>
+          <a:lstStyle/>
+          <a:p>
+            <a:r>
+              <a:rPr lang="en-CA" dirty="0" smtClean="0"/>
+              <a:t>References</a:t>
+            </a:r>
+            <a:endParaRPr lang="en-CA" dirty="0"/>
+          </a:p>
+        </p:txBody>
+      </p:sp>
+      <p:sp>
+        <p:nvSpPr>
+          <p:cNvPr id="6" name="Content Placeholder 5"/>
+          <p:cNvSpPr>
+            <a:spLocks noGrp="1"/>
+          </p:cNvSpPr>
+          <p:nvPr>
+            <p:ph idx="1"/>
+          </p:nvPr>
+        </p:nvSpPr>
+        <p:spPr/>
+        <p:txBody>
+          <a:bodyPr/>
+          <a:lstStyle/>
+          <a:p>
+            <a:endParaRPr lang="en-CA"/>
+          </a:p>
+        </p:txBody>
+      </p:sp>
+      <p:sp>
+        <p:nvSpPr>
           <p:cNvPr id="2" name="Date Placeholder 1"/>
           <p:cNvSpPr>
             <a:spLocks noGrp="1"/>
@@ -12713,173 +10518,6 @@
               <a:rPr lang="en-CA" smtClean="0"/>
               <a:pPr/>
               <a:t>47</a:t>
-            </a:fld>
-            <a:endParaRPr lang="en-CA"/>
-          </a:p>
-        </p:txBody>
-      </p:sp>
-      <p:sp>
-        <p:nvSpPr>
-          <p:cNvPr id="7" name="TextBox 6"/>
-          <p:cNvSpPr txBox="1"/>
-          <p:nvPr/>
-        </p:nvSpPr>
-        <p:spPr>
-          <a:xfrm>
-            <a:off x="2571736" y="2714620"/>
-            <a:ext cx="3676006" cy="1015663"/>
-          </a:xfrm>
-          <a:prstGeom prst="rect">
-            <a:avLst/>
-          </a:prstGeom>
-          <a:noFill/>
-        </p:spPr>
-        <p:txBody>
-          <a:bodyPr wrap="none" rtlCol="0">
-            <a:spAutoFit/>
-          </a:bodyPr>
-          <a:lstStyle/>
-          <a:p>
-            <a:r>
-              <a:rPr lang="en-CA" sz="6000" b="1" dirty="0" smtClean="0"/>
-              <a:t>Thank you</a:t>
-            </a:r>
-            <a:endParaRPr lang="en-CA" sz="6000" b="1" dirty="0"/>
-          </a:p>
-        </p:txBody>
-      </p:sp>
-    </p:spTree>
-  </p:cSld>
-  <p:clrMapOvr>
-    <a:masterClrMapping/>
-  </p:clrMapOvr>
-</p:sld>
-</file>
-
-<file path=ppt/slides/slide48.xml><?xml version="1.0" encoding="utf-8"?>
-<p:sld xmlns:a="http://schemas.openxmlformats.org/drawingml/2006/main" xmlns:r="http://schemas.openxmlformats.org/officeDocument/2006/relationships" xmlns:p="http://schemas.openxmlformats.org/presentationml/2006/main">
-  <p:cSld>
-    <p:spTree>
-      <p:nvGrpSpPr>
-        <p:cNvPr id="1" name=""/>
-        <p:cNvGrpSpPr/>
-        <p:nvPr/>
-      </p:nvGrpSpPr>
-      <p:grpSpPr>
-        <a:xfrm>
-          <a:off x="0" y="0"/>
-          <a:ext cx="0" cy="0"/>
-          <a:chOff x="0" y="0"/>
-          <a:chExt cx="0" cy="0"/>
-        </a:xfrm>
-      </p:grpSpPr>
-      <p:sp>
-        <p:nvSpPr>
-          <p:cNvPr id="5" name="Title 4"/>
-          <p:cNvSpPr>
-            <a:spLocks noGrp="1"/>
-          </p:cNvSpPr>
-          <p:nvPr>
-            <p:ph type="title"/>
-          </p:nvPr>
-        </p:nvSpPr>
-        <p:spPr/>
-        <p:txBody>
-          <a:bodyPr/>
-          <a:lstStyle/>
-          <a:p>
-            <a:r>
-              <a:rPr lang="en-CA" dirty="0" smtClean="0"/>
-              <a:t>References</a:t>
-            </a:r>
-            <a:endParaRPr lang="en-CA" dirty="0"/>
-          </a:p>
-        </p:txBody>
-      </p:sp>
-      <p:sp>
-        <p:nvSpPr>
-          <p:cNvPr id="6" name="Content Placeholder 5"/>
-          <p:cNvSpPr>
-            <a:spLocks noGrp="1"/>
-          </p:cNvSpPr>
-          <p:nvPr>
-            <p:ph idx="1"/>
-          </p:nvPr>
-        </p:nvSpPr>
-        <p:spPr/>
-        <p:txBody>
-          <a:bodyPr/>
-          <a:lstStyle/>
-          <a:p>
-            <a:endParaRPr lang="en-CA"/>
-          </a:p>
-        </p:txBody>
-      </p:sp>
-      <p:sp>
-        <p:nvSpPr>
-          <p:cNvPr id="2" name="Date Placeholder 1"/>
-          <p:cNvSpPr>
-            <a:spLocks noGrp="1"/>
-          </p:cNvSpPr>
-          <p:nvPr>
-            <p:ph type="dt" sz="half" idx="10"/>
-          </p:nvPr>
-        </p:nvSpPr>
-        <p:spPr/>
-        <p:txBody>
-          <a:bodyPr/>
-          <a:lstStyle/>
-          <a:p>
-            <a:r>
-              <a:rPr lang="en-US" smtClean="0"/>
-              <a:t>Physical Design Patterns</a:t>
-            </a:r>
-            <a:endParaRPr lang="en-CA"/>
-          </a:p>
-        </p:txBody>
-      </p:sp>
-      <p:sp>
-        <p:nvSpPr>
-          <p:cNvPr id="3" name="Footer Placeholder 2"/>
-          <p:cNvSpPr>
-            <a:spLocks noGrp="1"/>
-          </p:cNvSpPr>
-          <p:nvPr>
-            <p:ph type="ftr" sz="quarter" idx="11"/>
-          </p:nvPr>
-        </p:nvSpPr>
-        <p:spPr/>
-        <p:txBody>
-          <a:bodyPr/>
-          <a:lstStyle/>
-          <a:p>
-            <a:r>
-              <a:rPr lang="en-CA" smtClean="0"/>
-              <a:t>Karim Ali &amp; Sarah Nadi</a:t>
-            </a:r>
-            <a:endParaRPr lang="en-CA"/>
-          </a:p>
-        </p:txBody>
-      </p:sp>
-      <p:sp>
-        <p:nvSpPr>
-          <p:cNvPr id="4" name="Slide Number Placeholder 3"/>
-          <p:cNvSpPr>
-            <a:spLocks noGrp="1"/>
-          </p:cNvSpPr>
-          <p:nvPr>
-            <p:ph type="sldNum" sz="quarter" idx="12"/>
-          </p:nvPr>
-        </p:nvSpPr>
-        <p:spPr/>
-        <p:txBody>
-          <a:bodyPr/>
-          <a:lstStyle/>
-          <a:p>
-            <a:fld id="{9AC8176B-BF31-4706-B15B-1AFC481B9AC3}" type="slidenum">
-              <a:rPr lang="en-CA" smtClean="0"/>
-              <a:pPr/>
-              <a:t>48</a:t>
             </a:fld>
             <a:endParaRPr lang="en-CA"/>
           </a:p>
@@ -13563,7 +11201,7 @@
           <a:p>
             <a:r>
               <a:rPr lang="en-CA" dirty="0" smtClean="0"/>
-              <a:t>Data Compression</a:t>
+              <a:t>Other Methods</a:t>
             </a:r>
             <a:endParaRPr lang="en-CA" dirty="0"/>
           </a:p>
@@ -13584,7 +11222,33 @@
           <a:bodyPr/>
           <a:lstStyle/>
           <a:p>
-            <a:endParaRPr lang="en-CA"/>
+            <a:r>
+              <a:rPr lang="en-CA" dirty="0" smtClean="0"/>
+              <a:t>Data Compression:</a:t>
+            </a:r>
+          </a:p>
+          <a:p>
+            <a:r>
+              <a:rPr lang="en-CA" dirty="0" smtClean="0"/>
+              <a:t>Striping:</a:t>
+            </a:r>
+          </a:p>
+          <a:p>
+            <a:r>
+              <a:rPr lang="en-CA" dirty="0" smtClean="0"/>
+              <a:t>Mirroring:</a:t>
+            </a:r>
+          </a:p>
+          <a:p>
+            <a:r>
+              <a:rPr lang="en-CA" dirty="0" err="1" smtClean="0"/>
+              <a:t>Denormalization</a:t>
+            </a:r>
+            <a:r>
+              <a:rPr lang="en-CA" dirty="0" smtClean="0"/>
+              <a:t>:</a:t>
+            </a:r>
+            <a:endParaRPr lang="en-CA" dirty="0"/>
           </a:p>
         </p:txBody>
       </p:sp>

--- a/trunk/cs848-db/PhysDesignPres.pptx
+++ b/trunk/cs848-db/PhysDesignPres.pptx
@@ -5,7 +5,7 @@
     <p:sldMasterId id="2147483672" r:id="rId1"/>
   </p:sldMasterIdLst>
   <p:notesMasterIdLst>
-    <p:notesMasterId r:id="rId49"/>
+    <p:notesMasterId r:id="rId48"/>
   </p:notesMasterIdLst>
   <p:sldIdLst>
     <p:sldId id="256" r:id="rId2"/>
@@ -28,33 +28,32 @@
     <p:sldId id="308" r:id="rId19"/>
     <p:sldId id="309" r:id="rId20"/>
     <p:sldId id="310" r:id="rId21"/>
-    <p:sldId id="311" r:id="rId22"/>
-    <p:sldId id="312" r:id="rId23"/>
-    <p:sldId id="313" r:id="rId24"/>
-    <p:sldId id="314" r:id="rId25"/>
-    <p:sldId id="315" r:id="rId26"/>
-    <p:sldId id="299" r:id="rId27"/>
-    <p:sldId id="300" r:id="rId28"/>
-    <p:sldId id="306" r:id="rId29"/>
-    <p:sldId id="305" r:id="rId30"/>
-    <p:sldId id="301" r:id="rId31"/>
-    <p:sldId id="302" r:id="rId32"/>
-    <p:sldId id="303" r:id="rId33"/>
-    <p:sldId id="304" r:id="rId34"/>
-    <p:sldId id="277" r:id="rId35"/>
-    <p:sldId id="278" r:id="rId36"/>
-    <p:sldId id="279" r:id="rId37"/>
-    <p:sldId id="280" r:id="rId38"/>
-    <p:sldId id="281" r:id="rId39"/>
-    <p:sldId id="283" r:id="rId40"/>
-    <p:sldId id="291" r:id="rId41"/>
-    <p:sldId id="294" r:id="rId42"/>
-    <p:sldId id="295" r:id="rId43"/>
-    <p:sldId id="296" r:id="rId44"/>
-    <p:sldId id="292" r:id="rId45"/>
-    <p:sldId id="297" r:id="rId46"/>
-    <p:sldId id="298" r:id="rId47"/>
-    <p:sldId id="293" r:id="rId48"/>
+    <p:sldId id="312" r:id="rId22"/>
+    <p:sldId id="313" r:id="rId23"/>
+    <p:sldId id="314" r:id="rId24"/>
+    <p:sldId id="315" r:id="rId25"/>
+    <p:sldId id="299" r:id="rId26"/>
+    <p:sldId id="300" r:id="rId27"/>
+    <p:sldId id="306" r:id="rId28"/>
+    <p:sldId id="305" r:id="rId29"/>
+    <p:sldId id="301" r:id="rId30"/>
+    <p:sldId id="302" r:id="rId31"/>
+    <p:sldId id="303" r:id="rId32"/>
+    <p:sldId id="304" r:id="rId33"/>
+    <p:sldId id="277" r:id="rId34"/>
+    <p:sldId id="278" r:id="rId35"/>
+    <p:sldId id="279" r:id="rId36"/>
+    <p:sldId id="280" r:id="rId37"/>
+    <p:sldId id="281" r:id="rId38"/>
+    <p:sldId id="283" r:id="rId39"/>
+    <p:sldId id="291" r:id="rId40"/>
+    <p:sldId id="294" r:id="rId41"/>
+    <p:sldId id="295" r:id="rId42"/>
+    <p:sldId id="296" r:id="rId43"/>
+    <p:sldId id="292" r:id="rId44"/>
+    <p:sldId id="297" r:id="rId45"/>
+    <p:sldId id="298" r:id="rId46"/>
+    <p:sldId id="293" r:id="rId47"/>
   </p:sldIdLst>
   <p:sldSz cx="9144000" cy="6858000" type="screen4x3"/>
   <p:notesSz cx="6858000" cy="9144000"/>
@@ -5702,39 +5701,6 @@
           <a:chExt cx="0" cy="0"/>
         </a:xfrm>
       </p:grpSpPr>
-      <p:pic>
-        <p:nvPicPr>
-          <p:cNvPr id="1026" name="Picture 2"/>
-          <p:cNvPicPr>
-            <a:picLocks noChangeAspect="1" noChangeArrowheads="1"/>
-          </p:cNvPicPr>
-          <p:nvPr/>
-        </p:nvPicPr>
-        <p:blipFill>
-          <a:blip r:embed="rId2"/>
-          <a:srcRect/>
-          <a:stretch>
-            <a:fillRect/>
-          </a:stretch>
-        </p:blipFill>
-        <p:spPr bwMode="auto">
-          <a:xfrm>
-            <a:off x="897702" y="1500174"/>
-            <a:ext cx="7317636" cy="5166297"/>
-          </a:xfrm>
-          <a:prstGeom prst="rect">
-            <a:avLst/>
-          </a:prstGeom>
-          <a:noFill/>
-          <a:ln w="9525">
-            <a:noFill/>
-            <a:miter lim="800000"/>
-            <a:headEnd/>
-            <a:tailEnd/>
-          </a:ln>
-          <a:effectLst/>
-        </p:spPr>
-      </p:pic>
       <p:sp>
         <p:nvSpPr>
           <p:cNvPr id="2" name="Title 1"/>
@@ -5759,25 +5725,6 @@
               <a:t>Cont’d</a:t>
             </a:r>
             <a:endParaRPr lang="en-CA" sz="2400" i="1" dirty="0"/>
-          </a:p>
-        </p:txBody>
-      </p:sp>
-      <p:sp>
-        <p:nvSpPr>
-          <p:cNvPr id="3" name="Content Placeholder 2"/>
-          <p:cNvSpPr>
-            <a:spLocks noGrp="1"/>
-          </p:cNvSpPr>
-          <p:nvPr>
-            <p:ph idx="1"/>
-          </p:nvPr>
-        </p:nvSpPr>
-        <p:spPr/>
-        <p:txBody>
-          <a:bodyPr/>
-          <a:lstStyle/>
-          <a:p>
-            <a:endParaRPr lang="en-CA"/>
           </a:p>
         </p:txBody>
       </p:sp>
@@ -5851,6 +5798,428 @@
           </a:p>
         </p:txBody>
       </p:sp>
+      <p:graphicFrame>
+        <p:nvGraphicFramePr>
+          <p:cNvPr id="8" name="Table 7"/>
+          <p:cNvGraphicFramePr>
+            <a:graphicFrameLocks noGrp="1"/>
+          </p:cNvGraphicFramePr>
+          <p:nvPr/>
+        </p:nvGraphicFramePr>
+        <p:xfrm>
+          <a:off x="357159" y="1571612"/>
+          <a:ext cx="8501122" cy="4729480"/>
+        </p:xfrm>
+        <a:graphic>
+          <a:graphicData uri="http://schemas.openxmlformats.org/drawingml/2006/table">
+            <a:tbl>
+              <a:tblPr firstRow="1" bandRow="1">
+                <a:tableStyleId>{5C22544A-7EE6-4342-B048-85BDC9FD1C3A}</a:tableStyleId>
+              </a:tblPr>
+              <a:tblGrid>
+                <a:gridCol w="1714511"/>
+                <a:gridCol w="3952904"/>
+                <a:gridCol w="2833707"/>
+              </a:tblGrid>
+              <a:tr h="370840">
+                <a:tc>
+                  <a:txBody>
+                    <a:bodyPr/>
+                    <a:lstStyle/>
+                    <a:p>
+                      <a:r>
+                        <a:rPr lang="en-CA" dirty="0" smtClean="0"/>
+                        <a:t>Index</a:t>
+                      </a:r>
+                      <a:r>
+                        <a:rPr lang="en-CA" baseline="0" dirty="0" smtClean="0"/>
+                        <a:t> Structure</a:t>
+                      </a:r>
+                      <a:endParaRPr lang="en-CA" dirty="0"/>
+                    </a:p>
+                  </a:txBody>
+                  <a:tcPr/>
+                </a:tc>
+                <a:tc>
+                  <a:txBody>
+                    <a:bodyPr/>
+                    <a:lstStyle/>
+                    <a:p>
+                      <a:r>
+                        <a:rPr lang="en-CA" dirty="0" smtClean="0"/>
+                        <a:t>Features</a:t>
+                      </a:r>
+                      <a:r>
+                        <a:rPr lang="en-CA" baseline="0" dirty="0" smtClean="0"/>
+                        <a:t> suitable for MMDB</a:t>
+                      </a:r>
+                      <a:endParaRPr lang="en-CA" dirty="0"/>
+                    </a:p>
+                  </a:txBody>
+                  <a:tcPr/>
+                </a:tc>
+                <a:tc>
+                  <a:txBody>
+                    <a:bodyPr/>
+                    <a:lstStyle/>
+                    <a:p>
+                      <a:r>
+                        <a:rPr lang="en-CA" dirty="0" smtClean="0"/>
+                        <a:t>Cache Consciousness</a:t>
+                      </a:r>
+                      <a:endParaRPr lang="en-CA" dirty="0"/>
+                    </a:p>
+                  </a:txBody>
+                  <a:tcPr/>
+                </a:tc>
+              </a:tr>
+              <a:tr h="370840">
+                <a:tc>
+                  <a:txBody>
+                    <a:bodyPr/>
+                    <a:lstStyle/>
+                    <a:p>
+                      <a:r>
+                        <a:rPr lang="en-CA" dirty="0" smtClean="0"/>
+                        <a:t>B Tree</a:t>
+                      </a:r>
+                      <a:endParaRPr lang="en-CA" dirty="0"/>
+                    </a:p>
+                  </a:txBody>
+                  <a:tcPr/>
+                </a:tc>
+                <a:tc>
+                  <a:txBody>
+                    <a:bodyPr/>
+                    <a:lstStyle/>
+                    <a:p>
+                      <a:pPr>
+                        <a:buFont typeface="Arial" pitchFamily="34" charset="0"/>
+                        <a:buChar char="•"/>
+                      </a:pPr>
+                      <a:r>
+                        <a:rPr lang="en-CA" sz="1600" dirty="0" smtClean="0"/>
+                        <a:t> Good storage utilization</a:t>
+                      </a:r>
+                    </a:p>
+                    <a:p>
+                      <a:pPr>
+                        <a:buFont typeface="Arial" pitchFamily="34" charset="0"/>
+                        <a:buChar char="•"/>
+                      </a:pPr>
+                      <a:r>
+                        <a:rPr lang="en-CA" sz="1600" baseline="0" dirty="0" smtClean="0"/>
+                        <a:t> Reasonably quick searching</a:t>
+                      </a:r>
+                    </a:p>
+                    <a:p>
+                      <a:pPr>
+                        <a:buFont typeface="Arial" pitchFamily="34" charset="0"/>
+                        <a:buChar char="•"/>
+                      </a:pPr>
+                      <a:r>
+                        <a:rPr lang="en-CA" sz="1600" baseline="0" dirty="0" smtClean="0"/>
+                        <a:t> Fast updating</a:t>
+                      </a:r>
+                      <a:endParaRPr lang="en-CA" sz="1600" dirty="0"/>
+                    </a:p>
+                  </a:txBody>
+                  <a:tcPr/>
+                </a:tc>
+                <a:tc>
+                  <a:txBody>
+                    <a:bodyPr/>
+                    <a:lstStyle/>
+                    <a:p>
+                      <a:pPr>
+                        <a:buFont typeface="Arial" pitchFamily="34" charset="0"/>
+                        <a:buChar char="•"/>
+                      </a:pPr>
+                      <a:r>
+                        <a:rPr lang="en-CA" sz="1600" baseline="0" dirty="0" smtClean="0"/>
+                        <a:t> Reasonable cache behaviour if node fits in cache line</a:t>
+                      </a:r>
+                      <a:endParaRPr lang="en-CA" sz="1600" dirty="0"/>
+                    </a:p>
+                  </a:txBody>
+                  <a:tcPr/>
+                </a:tc>
+              </a:tr>
+              <a:tr h="370840">
+                <a:tc>
+                  <a:txBody>
+                    <a:bodyPr/>
+                    <a:lstStyle/>
+                    <a:p>
+                      <a:r>
+                        <a:rPr lang="en-CA" dirty="0" smtClean="0"/>
+                        <a:t>B+ Tree</a:t>
+                      </a:r>
+                      <a:endParaRPr lang="en-CA" dirty="0"/>
+                    </a:p>
+                  </a:txBody>
+                  <a:tcPr/>
+                </a:tc>
+                <a:tc>
+                  <a:txBody>
+                    <a:bodyPr/>
+                    <a:lstStyle/>
+                    <a:p>
+                      <a:pPr>
+                        <a:buFont typeface="Arial" pitchFamily="34" charset="0"/>
+                        <a:buChar char="•"/>
+                      </a:pPr>
+                      <a:r>
+                        <a:rPr lang="en-CA" sz="1600" dirty="0" smtClean="0"/>
+                        <a:t> Wastes space since all data</a:t>
+                      </a:r>
+                      <a:r>
+                        <a:rPr lang="en-CA" sz="1600" baseline="0" dirty="0" smtClean="0"/>
+                        <a:t> is stored in the leaves</a:t>
+                      </a:r>
+                    </a:p>
+                    <a:p>
+                      <a:pPr>
+                        <a:buFont typeface="Arial" pitchFamily="34" charset="0"/>
+                        <a:buChar char="•"/>
+                      </a:pPr>
+                      <a:r>
+                        <a:rPr lang="en-CA" sz="1600" baseline="0" dirty="0" smtClean="0"/>
+                        <a:t> Reasonably quick searching</a:t>
+                      </a:r>
+                    </a:p>
+                    <a:p>
+                      <a:pPr>
+                        <a:buFont typeface="Arial" pitchFamily="34" charset="0"/>
+                        <a:buChar char="•"/>
+                      </a:pPr>
+                      <a:r>
+                        <a:rPr lang="en-CA" sz="1600" baseline="0" dirty="0" smtClean="0"/>
+                        <a:t> Fast updating</a:t>
+                      </a:r>
+                      <a:endParaRPr lang="en-CA" sz="1600" dirty="0"/>
+                    </a:p>
+                  </a:txBody>
+                  <a:tcPr/>
+                </a:tc>
+                <a:tc>
+                  <a:txBody>
+                    <a:bodyPr/>
+                    <a:lstStyle/>
+                    <a:p>
+                      <a:pPr>
+                        <a:buFont typeface="Arial" pitchFamily="34" charset="0"/>
+                        <a:buChar char="•"/>
+                      </a:pPr>
+                      <a:r>
+                        <a:rPr lang="en-CA" sz="1600" dirty="0" smtClean="0"/>
+                        <a:t> Reasonable</a:t>
+                      </a:r>
+                      <a:r>
+                        <a:rPr lang="en-CA" sz="1600" baseline="0" dirty="0" smtClean="0"/>
+                        <a:t> cache </a:t>
+                      </a:r>
+                      <a:r>
+                        <a:rPr lang="en-CA" sz="1600" baseline="0" dirty="0" err="1" smtClean="0"/>
+                        <a:t>behavior</a:t>
+                      </a:r>
+                      <a:r>
+                        <a:rPr lang="en-CA" sz="1600" baseline="0" dirty="0" smtClean="0"/>
+                        <a:t> if node fits in cache line</a:t>
+                      </a:r>
+                      <a:endParaRPr lang="en-CA" sz="1600" dirty="0"/>
+                    </a:p>
+                  </a:txBody>
+                  <a:tcPr/>
+                </a:tc>
+              </a:tr>
+              <a:tr h="370840">
+                <a:tc>
+                  <a:txBody>
+                    <a:bodyPr/>
+                    <a:lstStyle/>
+                    <a:p>
+                      <a:r>
+                        <a:rPr lang="en-CA" dirty="0" smtClean="0"/>
+                        <a:t>Cache Sensitive B+ Tree</a:t>
+                      </a:r>
+                      <a:r>
+                        <a:rPr lang="en-CA" baseline="0" dirty="0" smtClean="0"/>
+                        <a:t> </a:t>
+                      </a:r>
+                      <a:r>
+                        <a:rPr lang="en-CA" dirty="0" smtClean="0"/>
+                        <a:t>(</a:t>
+                      </a:r>
+                      <a:r>
+                        <a:rPr lang="en-CA" dirty="0" err="1" smtClean="0"/>
+                        <a:t>CSB+Tree</a:t>
+                      </a:r>
+                      <a:r>
+                        <a:rPr lang="en-CA" dirty="0" smtClean="0"/>
+                        <a:t>)</a:t>
+                      </a:r>
+                      <a:endParaRPr lang="en-CA" dirty="0"/>
+                    </a:p>
+                  </a:txBody>
+                  <a:tcPr/>
+                </a:tc>
+                <a:tc>
+                  <a:txBody>
+                    <a:bodyPr/>
+                    <a:lstStyle/>
+                    <a:p>
+                      <a:pPr>
+                        <a:buFont typeface="Arial" pitchFamily="34" charset="0"/>
+                        <a:buChar char="•"/>
+                      </a:pPr>
+                      <a:r>
+                        <a:rPr lang="en-CA" sz="1600" dirty="0" smtClean="0"/>
+                        <a:t> Same features of B+ Trees</a:t>
+                      </a:r>
+                      <a:endParaRPr lang="en-CA" sz="1600" dirty="0"/>
+                    </a:p>
+                  </a:txBody>
+                  <a:tcPr/>
+                </a:tc>
+                <a:tc>
+                  <a:txBody>
+                    <a:bodyPr/>
+                    <a:lstStyle/>
+                    <a:p>
+                      <a:pPr>
+                        <a:buFont typeface="Arial" pitchFamily="34" charset="0"/>
+                        <a:buChar char="•"/>
+                      </a:pPr>
+                      <a:r>
+                        <a:rPr lang="en-CA" sz="1600" dirty="0" smtClean="0"/>
+                        <a:t> Good cache performance due to improved locality &amp;</a:t>
+                      </a:r>
+                      <a:r>
+                        <a:rPr lang="en-CA" sz="1600" baseline="0" dirty="0" smtClean="0"/>
+                        <a:t> lower tree height</a:t>
+                      </a:r>
+                      <a:endParaRPr lang="en-CA" sz="1600" dirty="0"/>
+                    </a:p>
+                  </a:txBody>
+                  <a:tcPr/>
+                </a:tc>
+              </a:tr>
+              <a:tr h="370840">
+                <a:tc>
+                  <a:txBody>
+                    <a:bodyPr/>
+                    <a:lstStyle/>
+                    <a:p>
+                      <a:r>
+                        <a:rPr lang="en-CA" dirty="0" err="1" smtClean="0"/>
+                        <a:t>Prefetching</a:t>
+                      </a:r>
+                      <a:r>
+                        <a:rPr lang="en-CA" baseline="0" dirty="0" smtClean="0"/>
+                        <a:t> B+ Tree (</a:t>
+                      </a:r>
+                      <a:r>
+                        <a:rPr lang="en-CA" baseline="0" dirty="0" err="1" smtClean="0"/>
+                        <a:t>pB</a:t>
+                      </a:r>
+                      <a:r>
+                        <a:rPr lang="en-CA" baseline="0" dirty="0" smtClean="0"/>
+                        <a:t>+ Tree)</a:t>
+                      </a:r>
+                      <a:endParaRPr lang="en-CA" dirty="0"/>
+                    </a:p>
+                  </a:txBody>
+                  <a:tcPr/>
+                </a:tc>
+                <a:tc>
+                  <a:txBody>
+                    <a:bodyPr/>
+                    <a:lstStyle/>
+                    <a:p>
+                      <a:pPr marL="0" marR="0" indent="0" algn="l" defTabSz="914400" rtl="0" eaLnBrk="1" fontAlgn="auto" latinLnBrk="0" hangingPunct="1">
+                        <a:lnSpc>
+                          <a:spcPct val="100000"/>
+                        </a:lnSpc>
+                        <a:spcBef>
+                          <a:spcPts val="0"/>
+                        </a:spcBef>
+                        <a:spcAft>
+                          <a:spcPts val="0"/>
+                        </a:spcAft>
+                        <a:buClrTx/>
+                        <a:buSzTx/>
+                        <a:buFont typeface="Arial" pitchFamily="34" charset="0"/>
+                        <a:buChar char="•"/>
+                        <a:tabLst/>
+                        <a:defRPr/>
+                      </a:pPr>
+                      <a:r>
+                        <a:rPr lang="en-CA" sz="1600" dirty="0" smtClean="0"/>
+                        <a:t> Same features of B+ Trees</a:t>
+                      </a:r>
+                    </a:p>
+                    <a:p>
+                      <a:pPr>
+                        <a:buFont typeface="Arial" pitchFamily="34" charset="0"/>
+                        <a:buChar char="•"/>
+                      </a:pPr>
+                      <a:endParaRPr lang="en-CA" sz="1600" dirty="0"/>
+                    </a:p>
+                  </a:txBody>
+                  <a:tcPr/>
+                </a:tc>
+                <a:tc>
+                  <a:txBody>
+                    <a:bodyPr/>
+                    <a:lstStyle/>
+                    <a:p>
+                      <a:pPr>
+                        <a:buFont typeface="Arial" pitchFamily="34" charset="0"/>
+                        <a:buChar char="•"/>
+                      </a:pPr>
+                      <a:r>
+                        <a:rPr lang="en-CA" sz="1600" dirty="0" smtClean="0"/>
+                        <a:t> Improved</a:t>
+                      </a:r>
+                      <a:r>
+                        <a:rPr lang="en-CA" sz="1600" baseline="0" dirty="0" smtClean="0"/>
+                        <a:t> cache performance by </a:t>
+                      </a:r>
+                      <a:r>
+                        <a:rPr lang="en-CA" sz="1600" baseline="0" dirty="0" err="1" smtClean="0"/>
+                        <a:t>prefetching</a:t>
+                      </a:r>
+                      <a:r>
+                        <a:rPr lang="en-CA" sz="1600" baseline="0" dirty="0" smtClean="0"/>
+                        <a:t> more data in each cache miss</a:t>
+                      </a:r>
+                    </a:p>
+                    <a:p>
+                      <a:pPr>
+                        <a:buFont typeface="Arial" pitchFamily="34" charset="0"/>
+                        <a:buChar char="•"/>
+                      </a:pPr>
+                      <a:r>
+                        <a:rPr lang="en-CA" sz="1600" baseline="0" dirty="0" smtClean="0"/>
+                        <a:t> Increased node size leads to same benefits of CSB+ Tree</a:t>
+                      </a:r>
+                    </a:p>
+                    <a:p>
+                      <a:pPr>
+                        <a:buFont typeface="Arial" pitchFamily="34" charset="0"/>
+                        <a:buChar char="•"/>
+                      </a:pPr>
+                      <a:endParaRPr lang="en-CA" sz="1600" dirty="0"/>
+                    </a:p>
+                  </a:txBody>
+                  <a:tcPr/>
+                </a:tc>
+              </a:tr>
+            </a:tbl>
+          </a:graphicData>
+        </a:graphic>
+      </p:graphicFrame>
     </p:spTree>
   </p:cSld>
   <p:clrMapOvr>
@@ -5927,7 +6296,6 @@
               <a:rPr lang="en-CA" dirty="0" smtClean="0"/>
               <a:t>Database lifecycle</a:t>
             </a:r>
-            <a:endParaRPr lang="en-CA" dirty="0" smtClean="0"/>
           </a:p>
           <a:p>
             <a:r>
@@ -6102,39 +6470,6 @@
           <a:chExt cx="0" cy="0"/>
         </a:xfrm>
       </p:grpSpPr>
-      <p:pic>
-        <p:nvPicPr>
-          <p:cNvPr id="2051" name="Picture 3"/>
-          <p:cNvPicPr>
-            <a:picLocks noChangeAspect="1" noChangeArrowheads="1"/>
-          </p:cNvPicPr>
-          <p:nvPr/>
-        </p:nvPicPr>
-        <p:blipFill>
-          <a:blip r:embed="rId2"/>
-          <a:srcRect/>
-          <a:stretch>
-            <a:fillRect/>
-          </a:stretch>
-        </p:blipFill>
-        <p:spPr bwMode="auto">
-          <a:xfrm>
-            <a:off x="714348" y="1500174"/>
-            <a:ext cx="7643833" cy="5128244"/>
-          </a:xfrm>
-          <a:prstGeom prst="rect">
-            <a:avLst/>
-          </a:prstGeom>
-          <a:noFill/>
-          <a:ln w="9525">
-            <a:noFill/>
-            <a:miter lim="800000"/>
-            <a:headEnd/>
-            <a:tailEnd/>
-          </a:ln>
-          <a:effectLst/>
-        </p:spPr>
-      </p:pic>
       <p:sp>
         <p:nvSpPr>
           <p:cNvPr id="2" name="Title 1"/>
@@ -6168,25 +6503,6 @@
       </p:sp>
       <p:sp>
         <p:nvSpPr>
-          <p:cNvPr id="3" name="Content Placeholder 2"/>
-          <p:cNvSpPr>
-            <a:spLocks noGrp="1"/>
-          </p:cNvSpPr>
-          <p:nvPr>
-            <p:ph idx="1"/>
-          </p:nvPr>
-        </p:nvSpPr>
-        <p:spPr/>
-        <p:txBody>
-          <a:bodyPr/>
-          <a:lstStyle/>
-          <a:p>
-            <a:endParaRPr lang="en-CA"/>
-          </a:p>
-        </p:txBody>
-      </p:sp>
-      <p:sp>
-        <p:nvSpPr>
           <p:cNvPr id="4" name="Date Placeholder 3"/>
           <p:cNvSpPr>
             <a:spLocks noGrp="1"/>
@@ -6224,10 +6540,18 @@
           <a:lstStyle/>
           <a:p>
             <a:r>
-              <a:rPr lang="en-CA" smtClean="0"/>
-              <a:t>Karim Ali &amp; Sarah Nadi</a:t>
-            </a:r>
-            <a:endParaRPr lang="en-CA"/>
+              <a:rPr lang="en-CA" dirty="0" err="1" smtClean="0"/>
+              <a:t>Karim</a:t>
+            </a:r>
+            <a:r>
+              <a:rPr lang="en-CA" dirty="0" smtClean="0"/>
+              <a:t> Ali &amp; Sarah </a:t>
+            </a:r>
+            <a:r>
+              <a:rPr lang="en-CA" dirty="0" err="1" smtClean="0"/>
+              <a:t>Nadi</a:t>
+            </a:r>
+            <a:endParaRPr lang="en-CA" dirty="0"/>
           </a:p>
         </p:txBody>
       </p:sp>
@@ -6255,6 +6579,241 @@
           </a:p>
         </p:txBody>
       </p:sp>
+      <p:graphicFrame>
+        <p:nvGraphicFramePr>
+          <p:cNvPr id="8" name="Table 7"/>
+          <p:cNvGraphicFramePr>
+            <a:graphicFrameLocks noGrp="1"/>
+          </p:cNvGraphicFramePr>
+          <p:nvPr/>
+        </p:nvGraphicFramePr>
+        <p:xfrm>
+          <a:off x="428596" y="2071678"/>
+          <a:ext cx="8501122" cy="2595880"/>
+        </p:xfrm>
+        <a:graphic>
+          <a:graphicData uri="http://schemas.openxmlformats.org/drawingml/2006/table">
+            <a:tbl>
+              <a:tblPr firstRow="1" bandRow="1">
+                <a:tableStyleId>{5C22544A-7EE6-4342-B048-85BDC9FD1C3A}</a:tableStyleId>
+              </a:tblPr>
+              <a:tblGrid>
+                <a:gridCol w="1714511"/>
+                <a:gridCol w="3952904"/>
+                <a:gridCol w="2833707"/>
+              </a:tblGrid>
+              <a:tr h="370840">
+                <a:tc>
+                  <a:txBody>
+                    <a:bodyPr/>
+                    <a:lstStyle/>
+                    <a:p>
+                      <a:r>
+                        <a:rPr lang="en-CA" dirty="0" smtClean="0"/>
+                        <a:t>Index</a:t>
+                      </a:r>
+                      <a:r>
+                        <a:rPr lang="en-CA" baseline="0" dirty="0" smtClean="0"/>
+                        <a:t> Structure</a:t>
+                      </a:r>
+                      <a:endParaRPr lang="en-CA" dirty="0"/>
+                    </a:p>
+                  </a:txBody>
+                  <a:tcPr/>
+                </a:tc>
+                <a:tc>
+                  <a:txBody>
+                    <a:bodyPr/>
+                    <a:lstStyle/>
+                    <a:p>
+                      <a:r>
+                        <a:rPr lang="en-CA" dirty="0" smtClean="0"/>
+                        <a:t>Features</a:t>
+                      </a:r>
+                      <a:r>
+                        <a:rPr lang="en-CA" baseline="0" dirty="0" smtClean="0"/>
+                        <a:t> suitable for MMDB</a:t>
+                      </a:r>
+                      <a:endParaRPr lang="en-CA" dirty="0"/>
+                    </a:p>
+                  </a:txBody>
+                  <a:tcPr/>
+                </a:tc>
+                <a:tc>
+                  <a:txBody>
+                    <a:bodyPr/>
+                    <a:lstStyle/>
+                    <a:p>
+                      <a:r>
+                        <a:rPr lang="en-CA" dirty="0" smtClean="0"/>
+                        <a:t>Cache Consciousness</a:t>
+                      </a:r>
+                      <a:endParaRPr lang="en-CA" dirty="0"/>
+                    </a:p>
+                  </a:txBody>
+                  <a:tcPr/>
+                </a:tc>
+              </a:tr>
+              <a:tr h="370840">
+                <a:tc>
+                  <a:txBody>
+                    <a:bodyPr/>
+                    <a:lstStyle/>
+                    <a:p>
+                      <a:r>
+                        <a:rPr lang="en-CA" dirty="0" smtClean="0"/>
+                        <a:t>Cache</a:t>
+                      </a:r>
+                      <a:r>
+                        <a:rPr lang="en-CA" baseline="0" dirty="0" smtClean="0"/>
+                        <a:t> Sensitive T Tree (CST Tree)</a:t>
+                      </a:r>
+                      <a:endParaRPr lang="en-CA" dirty="0"/>
+                    </a:p>
+                  </a:txBody>
+                  <a:tcPr/>
+                </a:tc>
+                <a:tc>
+                  <a:txBody>
+                    <a:bodyPr/>
+                    <a:lstStyle/>
+                    <a:p>
+                      <a:pPr>
+                        <a:buFont typeface="Arial" pitchFamily="34" charset="0"/>
+                        <a:buChar char="•"/>
+                      </a:pPr>
+                      <a:r>
+                        <a:rPr lang="en-CA" sz="1600" dirty="0" smtClean="0"/>
+                        <a:t>Binary Search Tree used for maximum value of</a:t>
+                      </a:r>
+                      <a:r>
+                        <a:rPr lang="en-CA" sz="1600" baseline="0" dirty="0" smtClean="0"/>
+                        <a:t> each node used for faster search</a:t>
+                      </a:r>
+                    </a:p>
+                    <a:p>
+                      <a:pPr>
+                        <a:buFont typeface="Arial" pitchFamily="34" charset="0"/>
+                        <a:buChar char="•"/>
+                      </a:pPr>
+                      <a:r>
+                        <a:rPr lang="en-CA" sz="1600" baseline="0" dirty="0" smtClean="0"/>
+                        <a:t>More space efficient by removing pointers and using array stores. Index calculation used to allocate values</a:t>
+                      </a:r>
+                      <a:endParaRPr lang="en-CA" sz="1600" dirty="0"/>
+                    </a:p>
+                  </a:txBody>
+                  <a:tcPr/>
+                </a:tc>
+                <a:tc>
+                  <a:txBody>
+                    <a:bodyPr/>
+                    <a:lstStyle/>
+                    <a:p>
+                      <a:pPr>
+                        <a:buFont typeface="Arial" pitchFamily="34" charset="0"/>
+                        <a:buChar char="•"/>
+                      </a:pPr>
+                      <a:r>
+                        <a:rPr lang="en-CA" sz="1600" baseline="0" dirty="0" smtClean="0"/>
+                        <a:t> Node size is aligned with cache line </a:t>
+                      </a:r>
+                      <a:r>
+                        <a:rPr lang="en-CA" sz="1600" baseline="0" dirty="0" err="1" smtClean="0"/>
+                        <a:t>wize</a:t>
+                      </a:r>
+                      <a:r>
+                        <a:rPr lang="en-CA" sz="1600" baseline="0" dirty="0" smtClean="0"/>
+                        <a:t> to avoid misses</a:t>
+                      </a:r>
+                      <a:endParaRPr lang="en-CA" sz="1600" dirty="0"/>
+                    </a:p>
+                  </a:txBody>
+                  <a:tcPr/>
+                </a:tc>
+              </a:tr>
+              <a:tr h="370840">
+                <a:tc>
+                  <a:txBody>
+                    <a:bodyPr/>
+                    <a:lstStyle/>
+                    <a:p>
+                      <a:r>
+                        <a:rPr lang="en-CA" dirty="0" smtClean="0"/>
+                        <a:t>Cache  Sensitive Search Tree (CSS Tree)</a:t>
+                      </a:r>
+                      <a:endParaRPr lang="en-CA" dirty="0"/>
+                    </a:p>
+                  </a:txBody>
+                  <a:tcPr/>
+                </a:tc>
+                <a:tc>
+                  <a:txBody>
+                    <a:bodyPr/>
+                    <a:lstStyle/>
+                    <a:p>
+                      <a:pPr>
+                        <a:buFont typeface="Arial" pitchFamily="34" charset="0"/>
+                        <a:buChar char="•"/>
+                      </a:pPr>
+                      <a:r>
+                        <a:rPr lang="en-CA" sz="1600" dirty="0" smtClean="0"/>
+                        <a:t> Fast traversal in log</a:t>
+                      </a:r>
+                      <a:r>
+                        <a:rPr lang="en-CA" sz="1600" baseline="-30000" dirty="0" smtClean="0"/>
+                        <a:t>m+1</a:t>
+                      </a:r>
+                      <a:r>
+                        <a:rPr lang="en-CA" sz="1600" dirty="0" smtClean="0"/>
+                        <a:t>n</a:t>
+                      </a:r>
+                      <a:r>
+                        <a:rPr lang="en-CA" sz="1600" baseline="0" dirty="0" smtClean="0"/>
+                        <a:t> (m is the number of keys per node)</a:t>
+                      </a:r>
+                    </a:p>
+                    <a:p>
+                      <a:pPr>
+                        <a:buFont typeface="Arial" pitchFamily="34" charset="0"/>
+                        <a:buChar char="•"/>
+                      </a:pPr>
+                      <a:r>
+                        <a:rPr lang="en-CA" sz="1600" baseline="0" dirty="0" smtClean="0"/>
+                        <a:t>Mainly suitable for read environments</a:t>
+                      </a:r>
+                      <a:endParaRPr lang="en-CA" sz="1600" dirty="0"/>
+                    </a:p>
+                  </a:txBody>
+                  <a:tcPr/>
+                </a:tc>
+                <a:tc>
+                  <a:txBody>
+                    <a:bodyPr/>
+                    <a:lstStyle/>
+                    <a:p>
+                      <a:pPr>
+                        <a:buFont typeface="Arial" pitchFamily="34" charset="0"/>
+                        <a:buNone/>
+                      </a:pPr>
+                      <a:r>
+                        <a:rPr lang="en-CA" sz="1600" dirty="0" smtClean="0"/>
+                        <a:t>Good</a:t>
+                      </a:r>
+                      <a:r>
+                        <a:rPr lang="en-CA" sz="1600" baseline="0" dirty="0" smtClean="0"/>
+                        <a:t> cache behaviour since m is chosen to fit in the cache line size</a:t>
+                      </a:r>
+                      <a:endParaRPr lang="en-CA" sz="1600" dirty="0"/>
+                    </a:p>
+                  </a:txBody>
+                  <a:tcPr/>
+                </a:tc>
+              </a:tr>
+            </a:tbl>
+          </a:graphicData>
+        </a:graphic>
+      </p:graphicFrame>
     </p:spTree>
   </p:cSld>
   <p:clrMapOvr>
@@ -6297,11 +6856,7 @@
           <a:p>
             <a:r>
               <a:rPr lang="en-CA" dirty="0" smtClean="0"/>
-              <a:t>MMDB: Indexes </a:t>
-            </a:r>
-            <a:r>
-              <a:rPr lang="en-CA" sz="2400" i="1" dirty="0" smtClean="0"/>
-              <a:t>Cont’d</a:t>
+              <a:t>MMDB: Materialized Views</a:t>
             </a:r>
             <a:endParaRPr lang="en-CA" dirty="0"/>
           </a:p>
@@ -6322,7 +6877,31 @@
           <a:bodyPr/>
           <a:lstStyle/>
           <a:p>
-            <a:endParaRPr lang="en-CA"/>
+            <a:r>
+              <a:rPr lang="en-CA" dirty="0" smtClean="0"/>
+              <a:t>Not beneficial to MMDB</a:t>
+            </a:r>
+          </a:p>
+          <a:p>
+            <a:pPr lvl="1">
+              <a:buFont typeface="Arial" pitchFamily="34" charset="0"/>
+              <a:buChar char="•"/>
+            </a:pPr>
+            <a:r>
+              <a:rPr lang="en-CA" dirty="0" smtClean="0"/>
+              <a:t>Cost of computing complicated queries is much less</a:t>
+            </a:r>
+          </a:p>
+          <a:p>
+            <a:pPr lvl="1">
+              <a:buFont typeface="Arial" pitchFamily="34" charset="0"/>
+              <a:buChar char="•"/>
+            </a:pPr>
+            <a:r>
+              <a:rPr lang="en-CA" dirty="0" smtClean="0"/>
+              <a:t>Maintenance costs will outweigh benefit</a:t>
+            </a:r>
+            <a:endParaRPr lang="en-CA" dirty="0"/>
           </a:p>
         </p:txBody>
       </p:sp>
@@ -6396,39 +6975,6 @@
           </a:p>
         </p:txBody>
       </p:sp>
-      <p:pic>
-        <p:nvPicPr>
-          <p:cNvPr id="3074" name="Picture 2"/>
-          <p:cNvPicPr>
-            <a:picLocks noChangeAspect="1" noChangeArrowheads="1"/>
-          </p:cNvPicPr>
-          <p:nvPr/>
-        </p:nvPicPr>
-        <p:blipFill>
-          <a:blip r:embed="rId2"/>
-          <a:srcRect/>
-          <a:stretch>
-            <a:fillRect/>
-          </a:stretch>
-        </p:blipFill>
-        <p:spPr bwMode="auto">
-          <a:xfrm>
-            <a:off x="76200" y="1524021"/>
-            <a:ext cx="8991600" cy="4905375"/>
-          </a:xfrm>
-          <a:prstGeom prst="rect">
-            <a:avLst/>
-          </a:prstGeom>
-          <a:noFill/>
-          <a:ln w="9525">
-            <a:noFill/>
-            <a:miter lim="800000"/>
-            <a:headEnd/>
-            <a:tailEnd/>
-          </a:ln>
-          <a:effectLst/>
-        </p:spPr>
-      </p:pic>
     </p:spTree>
   </p:cSld>
   <p:clrMapOvr>
@@ -6471,7 +7017,11 @@
           <a:p>
             <a:r>
               <a:rPr lang="en-CA" dirty="0" smtClean="0"/>
-              <a:t>MMDB: Materialized Views</a:t>
+              <a:t>MMDB: </a:t>
+            </a:r>
+            <a:r>
+              <a:rPr lang="en-CA" dirty="0" err="1" smtClean="0"/>
+              <a:t>Partioning</a:t>
             </a:r>
             <a:endParaRPr lang="en-CA" dirty="0"/>
           </a:p>
@@ -6494,7 +7044,13 @@
           <a:p>
             <a:r>
               <a:rPr lang="en-CA" dirty="0" smtClean="0"/>
-              <a:t>Not beneficial to MMDB</a:t>
+              <a:t>Not necessary in main memory</a:t>
+            </a:r>
+          </a:p>
+          <a:p>
+            <a:r>
+              <a:rPr lang="en-CA" dirty="0" smtClean="0"/>
+              <a:t>Used for the secondary storage on disk to speed up reload</a:t>
             </a:r>
           </a:p>
           <a:p>
@@ -6504,7 +7060,7 @@
             </a:pPr>
             <a:r>
               <a:rPr lang="en-CA" dirty="0" smtClean="0"/>
-              <a:t>Cost of computing complicated queries is much less</a:t>
+              <a:t>Horizontal partitioning</a:t>
             </a:r>
           </a:p>
           <a:p>
@@ -6514,8 +7070,11 @@
             </a:pPr>
             <a:r>
               <a:rPr lang="en-CA" dirty="0" smtClean="0"/>
-              <a:t>Maintenance costs will outweigh benefit</a:t>
-            </a:r>
+              <a:t>Single vertical partitioning</a:t>
+            </a:r>
+          </a:p>
+          <a:p>
+            <a:pPr lvl="1"/>
             <a:endParaRPr lang="en-CA" dirty="0"/>
           </a:p>
         </p:txBody>
@@ -6632,11 +7191,7 @@
           <a:p>
             <a:r>
               <a:rPr lang="en-CA" dirty="0" smtClean="0"/>
-              <a:t>MMDB: </a:t>
-            </a:r>
-            <a:r>
-              <a:rPr lang="en-CA" dirty="0" err="1" smtClean="0"/>
-              <a:t>Partioning</a:t>
+              <a:t>MMDB: Clustering</a:t>
             </a:r>
             <a:endParaRPr lang="en-CA" dirty="0"/>
           </a:p>
@@ -6659,37 +7214,15 @@
           <a:p>
             <a:r>
               <a:rPr lang="en-CA" dirty="0" smtClean="0"/>
-              <a:t>Not necessary in main memory</a:t>
-            </a:r>
-          </a:p>
-          <a:p>
-            <a:r>
-              <a:rPr lang="en-CA" dirty="0" smtClean="0"/>
-              <a:t>Used for the secondary storage on disk to speed up reload</a:t>
-            </a:r>
-          </a:p>
-          <a:p>
-            <a:pPr lvl="1">
-              <a:buFont typeface="Arial" pitchFamily="34" charset="0"/>
-              <a:buChar char="•"/>
-            </a:pPr>
-            <a:r>
-              <a:rPr lang="en-CA" dirty="0" smtClean="0"/>
-              <a:t>Horizontal partitioning</a:t>
-            </a:r>
-          </a:p>
-          <a:p>
-            <a:pPr lvl="1">
-              <a:buFont typeface="Arial" pitchFamily="34" charset="0"/>
-              <a:buChar char="•"/>
-            </a:pPr>
-            <a:r>
-              <a:rPr lang="en-CA" dirty="0" smtClean="0"/>
-              <a:t>Single vertical partitioning</a:t>
+              <a:t>Not applicable to MMDB</a:t>
             </a:r>
           </a:p>
           <a:p>
             <a:pPr lvl="1"/>
+            <a:r>
+              <a:rPr lang="en-CA" dirty="0" smtClean="0"/>
+              <a:t>Sequential access in main memory is not cheaper than random or dispersed access</a:t>
+            </a:r>
             <a:endParaRPr lang="en-CA" dirty="0"/>
           </a:p>
         </p:txBody>
@@ -6806,37 +7339,7 @@
           <a:p>
             <a:r>
               <a:rPr lang="en-CA" dirty="0" smtClean="0"/>
-              <a:t>MMDB: Clustering</a:t>
-            </a:r>
-            <a:endParaRPr lang="en-CA" dirty="0"/>
-          </a:p>
-        </p:txBody>
-      </p:sp>
-      <p:sp>
-        <p:nvSpPr>
-          <p:cNvPr id="3" name="Content Placeholder 2"/>
-          <p:cNvSpPr>
-            <a:spLocks noGrp="1"/>
-          </p:cNvSpPr>
-          <p:nvPr>
-            <p:ph idx="1"/>
-          </p:nvPr>
-        </p:nvSpPr>
-        <p:spPr/>
-        <p:txBody>
-          <a:bodyPr/>
-          <a:lstStyle/>
-          <a:p>
-            <a:r>
-              <a:rPr lang="en-CA" dirty="0" smtClean="0"/>
-              <a:t>Not applicable to MMDB</a:t>
-            </a:r>
-          </a:p>
-          <a:p>
-            <a:pPr lvl="1"/>
-            <a:r>
-              <a:rPr lang="en-CA" dirty="0" smtClean="0"/>
-              <a:t>Sequential access in main memory is not cheaper than random or dispersed access</a:t>
+              <a:t>MMDB: Summary</a:t>
             </a:r>
             <a:endParaRPr lang="en-CA" dirty="0"/>
           </a:p>
@@ -6912,6 +7415,341 @@
           </a:p>
         </p:txBody>
       </p:sp>
+      <p:graphicFrame>
+        <p:nvGraphicFramePr>
+          <p:cNvPr id="8" name="Table 7"/>
+          <p:cNvGraphicFramePr>
+            <a:graphicFrameLocks noGrp="1"/>
+          </p:cNvGraphicFramePr>
+          <p:nvPr/>
+        </p:nvGraphicFramePr>
+        <p:xfrm>
+          <a:off x="500034" y="1857364"/>
+          <a:ext cx="8286808" cy="4297680"/>
+        </p:xfrm>
+        <a:graphic>
+          <a:graphicData uri="http://schemas.openxmlformats.org/drawingml/2006/table">
+            <a:tbl>
+              <a:tblPr firstRow="1" bandRow="1">
+                <a:tableStyleId>{5C22544A-7EE6-4342-B048-85BDC9FD1C3A}</a:tableStyleId>
+              </a:tblPr>
+              <a:tblGrid>
+                <a:gridCol w="2500330"/>
+                <a:gridCol w="3167084"/>
+                <a:gridCol w="2619394"/>
+              </a:tblGrid>
+              <a:tr h="370840">
+                <a:tc>
+                  <a:txBody>
+                    <a:bodyPr/>
+                    <a:lstStyle/>
+                    <a:p>
+                      <a:r>
+                        <a:rPr lang="en-CA" dirty="0" smtClean="0"/>
+                        <a:t>Physical Design Element</a:t>
+                      </a:r>
+                      <a:endParaRPr lang="en-CA" dirty="0"/>
+                    </a:p>
+                  </a:txBody>
+                  <a:tcPr/>
+                </a:tc>
+                <a:tc>
+                  <a:txBody>
+                    <a:bodyPr/>
+                    <a:lstStyle/>
+                    <a:p>
+                      <a:r>
+                        <a:rPr lang="en-CA" dirty="0" smtClean="0"/>
+                        <a:t>Desired</a:t>
+                      </a:r>
+                      <a:r>
+                        <a:rPr lang="en-CA" baseline="0" dirty="0" smtClean="0"/>
+                        <a:t> Features</a:t>
+                      </a:r>
+                      <a:endParaRPr lang="en-CA" dirty="0"/>
+                    </a:p>
+                  </a:txBody>
+                  <a:tcPr/>
+                </a:tc>
+                <a:tc>
+                  <a:txBody>
+                    <a:bodyPr/>
+                    <a:lstStyle/>
+                    <a:p>
+                      <a:r>
+                        <a:rPr lang="en-CA" dirty="0" smtClean="0"/>
+                        <a:t>Methods/Structures Used</a:t>
+                      </a:r>
+                      <a:endParaRPr lang="en-CA" dirty="0"/>
+                    </a:p>
+                  </a:txBody>
+                  <a:tcPr/>
+                </a:tc>
+              </a:tr>
+              <a:tr h="370840">
+                <a:tc>
+                  <a:txBody>
+                    <a:bodyPr/>
+                    <a:lstStyle/>
+                    <a:p>
+                      <a:r>
+                        <a:rPr lang="en-CA" dirty="0" smtClean="0"/>
+                        <a:t>Index Structures</a:t>
+                      </a:r>
+                      <a:endParaRPr lang="en-CA" dirty="0"/>
+                    </a:p>
+                  </a:txBody>
+                  <a:tcPr/>
+                </a:tc>
+                <a:tc>
+                  <a:txBody>
+                    <a:bodyPr/>
+                    <a:lstStyle/>
+                    <a:p>
+                      <a:pPr>
+                        <a:buFont typeface="Arial" pitchFamily="34" charset="0"/>
+                        <a:buChar char="•"/>
+                      </a:pPr>
+                      <a:r>
+                        <a:rPr lang="en-CA" baseline="0" dirty="0" smtClean="0"/>
+                        <a:t> No need to store actual data values in index</a:t>
+                      </a:r>
+                    </a:p>
+                    <a:p>
+                      <a:pPr>
+                        <a:buFont typeface="Arial" pitchFamily="34" charset="0"/>
+                        <a:buChar char="•"/>
+                      </a:pPr>
+                      <a:r>
+                        <a:rPr lang="en-CA" baseline="0" dirty="0" smtClean="0"/>
+                        <a:t> Larger node size that is aligned with cache line size</a:t>
+                      </a:r>
+                      <a:endParaRPr lang="en-CA" dirty="0"/>
+                    </a:p>
+                  </a:txBody>
+                  <a:tcPr/>
+                </a:tc>
+                <a:tc>
+                  <a:txBody>
+                    <a:bodyPr/>
+                    <a:lstStyle/>
+                    <a:p>
+                      <a:pPr>
+                        <a:buFont typeface="Arial" pitchFamily="34" charset="0"/>
+                        <a:buChar char="•"/>
+                      </a:pPr>
+                      <a:r>
+                        <a:rPr lang="en-CA" baseline="0" dirty="0" smtClean="0"/>
+                        <a:t> B Tree, B+ Tree, </a:t>
+                      </a:r>
+                      <a:r>
+                        <a:rPr lang="en-CA" baseline="0" dirty="0" err="1" smtClean="0"/>
+                        <a:t>pB</a:t>
+                      </a:r>
+                      <a:r>
+                        <a:rPr lang="en-CA" baseline="0" dirty="0" smtClean="0"/>
+                        <a:t>+ Tree, CSB+ Tree</a:t>
+                      </a:r>
+                    </a:p>
+                    <a:p>
+                      <a:pPr>
+                        <a:buFont typeface="Arial" pitchFamily="34" charset="0"/>
+                        <a:buChar char="•"/>
+                      </a:pPr>
+                      <a:r>
+                        <a:rPr lang="en-CA" baseline="0" dirty="0" smtClean="0"/>
+                        <a:t> T Tree, CST Tree</a:t>
+                      </a:r>
+                    </a:p>
+                    <a:p>
+                      <a:pPr>
+                        <a:buFont typeface="Arial" pitchFamily="34" charset="0"/>
+                        <a:buChar char="•"/>
+                      </a:pPr>
+                      <a:r>
+                        <a:rPr lang="en-CA" baseline="0" dirty="0" smtClean="0"/>
+                        <a:t> CSS Tree</a:t>
+                      </a:r>
+                      <a:endParaRPr lang="en-CA" dirty="0"/>
+                    </a:p>
+                  </a:txBody>
+                  <a:tcPr/>
+                </a:tc>
+              </a:tr>
+              <a:tr h="370840">
+                <a:tc>
+                  <a:txBody>
+                    <a:bodyPr/>
+                    <a:lstStyle/>
+                    <a:p>
+                      <a:r>
+                        <a:rPr lang="en-CA" dirty="0" smtClean="0"/>
+                        <a:t>Materialized Views</a:t>
+                      </a:r>
+                      <a:endParaRPr lang="en-CA" dirty="0"/>
+                    </a:p>
+                  </a:txBody>
+                  <a:tcPr/>
+                </a:tc>
+                <a:tc>
+                  <a:txBody>
+                    <a:bodyPr/>
+                    <a:lstStyle/>
+                    <a:p>
+                      <a:pPr>
+                        <a:buFont typeface="Arial" pitchFamily="34" charset="0"/>
+                        <a:buChar char="•"/>
+                      </a:pPr>
+                      <a:r>
+                        <a:rPr lang="en-CA" dirty="0" smtClean="0"/>
+                        <a:t> Not needed since processing and memory access is cheap</a:t>
+                      </a:r>
+                      <a:endParaRPr lang="en-CA" dirty="0"/>
+                    </a:p>
+                  </a:txBody>
+                  <a:tcPr/>
+                </a:tc>
+                <a:tc>
+                  <a:txBody>
+                    <a:bodyPr/>
+                    <a:lstStyle/>
+                    <a:p>
+                      <a:r>
+                        <a:rPr lang="en-CA" dirty="0" smtClean="0"/>
+                        <a:t>N/A</a:t>
+                      </a:r>
+                      <a:endParaRPr lang="en-CA" dirty="0"/>
+                    </a:p>
+                  </a:txBody>
+                  <a:tcPr/>
+                </a:tc>
+              </a:tr>
+              <a:tr h="370840">
+                <a:tc>
+                  <a:txBody>
+                    <a:bodyPr/>
+                    <a:lstStyle/>
+                    <a:p>
+                      <a:r>
+                        <a:rPr lang="en-CA" dirty="0" smtClean="0"/>
+                        <a:t>Partitioning</a:t>
+                      </a:r>
+                      <a:endParaRPr lang="en-CA" dirty="0"/>
+                    </a:p>
+                  </a:txBody>
+                  <a:tcPr/>
+                </a:tc>
+                <a:tc>
+                  <a:txBody>
+                    <a:bodyPr/>
+                    <a:lstStyle/>
+                    <a:p>
+                      <a:pPr>
+                        <a:buFont typeface="Arial" pitchFamily="34" charset="0"/>
+                        <a:buChar char="•"/>
+                      </a:pPr>
+                      <a:r>
+                        <a:rPr lang="en-CA" dirty="0" smtClean="0"/>
+                        <a:t>Only</a:t>
+                      </a:r>
+                      <a:r>
+                        <a:rPr lang="en-CA" baseline="0" dirty="0" smtClean="0"/>
+                        <a:t> needed in secondary storage to speed up reloading in case of a crash</a:t>
+                      </a:r>
+                      <a:endParaRPr lang="en-CA" dirty="0"/>
+                    </a:p>
+                  </a:txBody>
+                  <a:tcPr/>
+                </a:tc>
+                <a:tc>
+                  <a:txBody>
+                    <a:bodyPr/>
+                    <a:lstStyle/>
+                    <a:p>
+                      <a:pPr>
+                        <a:buFont typeface="Arial" pitchFamily="34" charset="0"/>
+                        <a:buChar char="•"/>
+                      </a:pPr>
+                      <a:r>
+                        <a:rPr lang="en-CA" dirty="0" smtClean="0"/>
+                        <a:t>Horizontal Partitioning</a:t>
+                      </a:r>
+                    </a:p>
+                    <a:p>
+                      <a:pPr>
+                        <a:buFont typeface="Arial" pitchFamily="34" charset="0"/>
+                        <a:buChar char="•"/>
+                      </a:pPr>
+                      <a:r>
+                        <a:rPr lang="en-CA" dirty="0" smtClean="0"/>
+                        <a:t>Single Vertical Partitioning</a:t>
+                      </a:r>
+                      <a:endParaRPr lang="en-CA" dirty="0"/>
+                    </a:p>
+                  </a:txBody>
+                  <a:tcPr/>
+                </a:tc>
+              </a:tr>
+              <a:tr h="370840">
+                <a:tc>
+                  <a:txBody>
+                    <a:bodyPr/>
+                    <a:lstStyle/>
+                    <a:p>
+                      <a:r>
+                        <a:rPr lang="en-CA" dirty="0" smtClean="0"/>
+                        <a:t>Clustering</a:t>
+                      </a:r>
+                      <a:endParaRPr lang="en-CA" dirty="0"/>
+                    </a:p>
+                  </a:txBody>
+                  <a:tcPr/>
+                </a:tc>
+                <a:tc>
+                  <a:txBody>
+                    <a:bodyPr/>
+                    <a:lstStyle/>
+                    <a:p>
+                      <a:pPr>
+                        <a:buFont typeface="Arial" pitchFamily="34" charset="0"/>
+                        <a:buChar char="•"/>
+                      </a:pPr>
+                      <a:r>
+                        <a:rPr lang="en-CA" baseline="0" dirty="0" smtClean="0"/>
+                        <a:t> Not needed since random access in main memory costs the same as </a:t>
+                      </a:r>
+                      <a:r>
+                        <a:rPr lang="en-CA" baseline="0" dirty="0" err="1" smtClean="0"/>
+                        <a:t>sequencial</a:t>
+                      </a:r>
+                      <a:r>
+                        <a:rPr lang="en-CA" baseline="0" dirty="0" smtClean="0"/>
+                        <a:t> access</a:t>
+                      </a:r>
+                      <a:endParaRPr lang="en-CA" dirty="0"/>
+                    </a:p>
+                  </a:txBody>
+                  <a:tcPr/>
+                </a:tc>
+                <a:tc>
+                  <a:txBody>
+                    <a:bodyPr/>
+                    <a:lstStyle/>
+                    <a:p>
+                      <a:r>
+                        <a:rPr lang="en-CA" dirty="0" smtClean="0"/>
+                        <a:t>N/1</a:t>
+                      </a:r>
+                      <a:endParaRPr lang="en-CA" dirty="0"/>
+                    </a:p>
+                  </a:txBody>
+                  <a:tcPr/>
+                </a:tc>
+              </a:tr>
+            </a:tbl>
+          </a:graphicData>
+        </a:graphic>
+      </p:graphicFrame>
     </p:spTree>
   </p:cSld>
   <p:clrMapOvr>
@@ -6954,7 +7792,7 @@
           <a:p>
             <a:r>
               <a:rPr lang="en-CA" dirty="0" smtClean="0"/>
-              <a:t>MMDB: Summary</a:t>
+              <a:t>Data Warehouses</a:t>
             </a:r>
             <a:endParaRPr lang="en-CA" dirty="0"/>
           </a:p>
@@ -6972,14 +7810,54 @@
         </p:nvSpPr>
         <p:spPr/>
         <p:txBody>
-          <a:bodyPr/>
-          <a:lstStyle/>
-          <a:p>
-            <a:r>
-              <a:rPr lang="en-CA" dirty="0" smtClean="0"/>
-              <a:t>Summary table/figure</a:t>
-            </a:r>
-            <a:endParaRPr lang="en-CA" dirty="0"/>
+          <a:bodyPr>
+            <a:normAutofit/>
+          </a:bodyPr>
+          <a:lstStyle/>
+          <a:p>
+            <a:r>
+              <a:rPr lang="en-CA" dirty="0" smtClean="0"/>
+              <a:t>Collection of data and decision support technologies</a:t>
+            </a:r>
+          </a:p>
+          <a:p>
+            <a:r>
+              <a:rPr lang="en-CA" dirty="0" smtClean="0"/>
+              <a:t>Used in:</a:t>
+            </a:r>
+          </a:p>
+          <a:p>
+            <a:pPr lvl="2">
+              <a:buClr>
+                <a:srgbClr val="E66C7D"/>
+              </a:buClr>
+            </a:pPr>
+            <a:r>
+              <a:rPr lang="en-CA" dirty="0" smtClean="0"/>
+              <a:t>Retail: user profiling</a:t>
+            </a:r>
+          </a:p>
+          <a:p>
+            <a:pPr lvl="2">
+              <a:buClr>
+                <a:srgbClr val="E66C7D"/>
+              </a:buClr>
+            </a:pPr>
+            <a:r>
+              <a:rPr lang="en-CA" dirty="0" smtClean="0"/>
+              <a:t>Finance: claims analysis, risk analysis, credit card analysis, and fraud detection</a:t>
+            </a:r>
+          </a:p>
+          <a:p>
+            <a:pPr lvl="2">
+              <a:buClr>
+                <a:srgbClr val="E66C7D"/>
+              </a:buClr>
+            </a:pPr>
+            <a:r>
+              <a:rPr lang="en-CA" dirty="0" smtClean="0"/>
+              <a:t>Healthcare: outcomes analysis</a:t>
+            </a:r>
           </a:p>
         </p:txBody>
       </p:sp>
@@ -7095,7 +7973,7 @@
           <a:p>
             <a:r>
               <a:rPr lang="en-CA" dirty="0" smtClean="0"/>
-              <a:t>Data Warehouses</a:t>
+              <a:t>DW: Challenges</a:t>
             </a:r>
             <a:endParaRPr lang="en-CA" dirty="0"/>
           </a:p>
@@ -7120,46 +7998,52 @@
           <a:p>
             <a:r>
               <a:rPr lang="en-CA" dirty="0" smtClean="0"/>
-              <a:t>Collection of data and decision support technologies</a:t>
-            </a:r>
-          </a:p>
-          <a:p>
-            <a:r>
-              <a:rPr lang="en-CA" dirty="0" smtClean="0"/>
-              <a:t>Used in:</a:t>
-            </a:r>
-          </a:p>
-          <a:p>
-            <a:pPr lvl="2">
-              <a:buClr>
-                <a:srgbClr val="E66C7D"/>
-              </a:buClr>
-            </a:pPr>
-            <a:r>
-              <a:rPr lang="en-CA" dirty="0" smtClean="0"/>
-              <a:t>Retail: user profiling</a:t>
-            </a:r>
-          </a:p>
-          <a:p>
-            <a:pPr lvl="2">
-              <a:buClr>
-                <a:srgbClr val="E66C7D"/>
-              </a:buClr>
-            </a:pPr>
-            <a:r>
-              <a:rPr lang="en-CA" dirty="0" smtClean="0"/>
-              <a:t>Finance: claims analysis, risk analysis, credit card analysis, and fraud detection</a:t>
-            </a:r>
-          </a:p>
-          <a:p>
-            <a:pPr lvl="2">
-              <a:buClr>
-                <a:srgbClr val="E66C7D"/>
-              </a:buClr>
-            </a:pPr>
-            <a:r>
-              <a:rPr lang="en-CA" dirty="0" smtClean="0"/>
-              <a:t>Healthcare: outcomes analysis</a:t>
+              <a:t>Data is usually</a:t>
+            </a:r>
+          </a:p>
+          <a:p>
+            <a:pPr lvl="2"/>
+            <a:r>
+              <a:rPr lang="en-CA" dirty="0" smtClean="0"/>
+              <a:t>Extremely large</a:t>
+            </a:r>
+          </a:p>
+          <a:p>
+            <a:pPr lvl="2"/>
+            <a:r>
+              <a:rPr lang="en-CA" dirty="0" smtClean="0"/>
+              <a:t>Multi-dimensional</a:t>
+            </a:r>
+          </a:p>
+          <a:p>
+            <a:r>
+              <a:rPr lang="en-CA" dirty="0" smtClean="0"/>
+              <a:t>Priority for aggregated and summarized data</a:t>
+            </a:r>
+          </a:p>
+          <a:p>
+            <a:r>
+              <a:rPr lang="en-CA" dirty="0" smtClean="0"/>
+              <a:t>Ad-hoc and complex queries</a:t>
+            </a:r>
+          </a:p>
+          <a:p>
+            <a:r>
+              <a:rPr lang="en-CA" dirty="0" smtClean="0"/>
+              <a:t>Expensive operations: aggregation, and joins</a:t>
+            </a:r>
+          </a:p>
+          <a:p>
+            <a:pPr lvl="2"/>
+            <a:r>
+              <a:rPr lang="en-CA" dirty="0" smtClean="0"/>
+              <a:t>the fact table participates in every join</a:t>
+            </a:r>
+          </a:p>
+          <a:p>
+            <a:r>
+              <a:rPr lang="en-CA" dirty="0" smtClean="0"/>
+              <a:t>Figure ??</a:t>
             </a:r>
           </a:p>
         </p:txBody>
@@ -7276,7 +8160,7 @@
           <a:p>
             <a:r>
               <a:rPr lang="en-CA" dirty="0" smtClean="0"/>
-              <a:t>DW: Challenges</a:t>
+              <a:t>DW: Design</a:t>
             </a:r>
             <a:endParaRPr lang="en-CA" dirty="0"/>
           </a:p>
@@ -7301,53 +8185,26 @@
           <a:p>
             <a:r>
               <a:rPr lang="en-CA" dirty="0" smtClean="0"/>
-              <a:t>Data is usually</a:t>
+              <a:t>ROLAP</a:t>
             </a:r>
           </a:p>
           <a:p>
             <a:pPr lvl="2"/>
             <a:r>
               <a:rPr lang="en-CA" dirty="0" smtClean="0"/>
-              <a:t>Extremely large</a:t>
+              <a:t>Relational implementation of DW</a:t>
             </a:r>
           </a:p>
           <a:p>
             <a:pPr lvl="2"/>
             <a:r>
               <a:rPr lang="en-CA" dirty="0" smtClean="0"/>
-              <a:t>Multi-dimensional</a:t>
-            </a:r>
-          </a:p>
-          <a:p>
-            <a:r>
-              <a:rPr lang="en-CA" dirty="0" smtClean="0"/>
-              <a:t>Priority for aggregated and summarized data</a:t>
-            </a:r>
-          </a:p>
-          <a:p>
-            <a:r>
-              <a:rPr lang="en-CA" dirty="0" smtClean="0"/>
-              <a:t>Ad-hoc and complex queries</a:t>
-            </a:r>
-          </a:p>
-          <a:p>
-            <a:r>
-              <a:rPr lang="en-CA" dirty="0" smtClean="0"/>
-              <a:t>Expensive operations: aggregation, and joins</a:t>
+              <a:t>Multidimensional view of data is achieved through star scheme</a:t>
             </a:r>
           </a:p>
           <a:p>
             <a:pPr lvl="2"/>
-            <a:r>
-              <a:rPr lang="en-CA" dirty="0" smtClean="0"/>
-              <a:t>the fact table participates in every join</a:t>
-            </a:r>
-          </a:p>
-          <a:p>
-            <a:r>
-              <a:rPr lang="en-CA" dirty="0" smtClean="0"/>
-              <a:t>Figure ??</a:t>
-            </a:r>
+            <a:endParaRPr lang="en-CA" dirty="0" smtClean="0"/>
           </a:p>
         </p:txBody>
       </p:sp>
@@ -7463,7 +8320,7 @@
           <a:p>
             <a:r>
               <a:rPr lang="en-CA" dirty="0" smtClean="0"/>
-              <a:t>DW: Design</a:t>
+              <a:t>DW: Indexes</a:t>
             </a:r>
             <a:endParaRPr lang="en-CA" dirty="0"/>
           </a:p>
@@ -7486,27 +8343,6 @@
           </a:bodyPr>
           <a:lstStyle/>
           <a:p>
-            <a:r>
-              <a:rPr lang="en-CA" dirty="0" smtClean="0"/>
-              <a:t>ROLAP</a:t>
-            </a:r>
-          </a:p>
-          <a:p>
-            <a:pPr lvl="2"/>
-            <a:r>
-              <a:rPr lang="en-CA" dirty="0" smtClean="0"/>
-              <a:t>Relational implementation of DW</a:t>
-            </a:r>
-          </a:p>
-          <a:p>
-            <a:pPr lvl="2"/>
-            <a:r>
-              <a:rPr lang="en-CA" dirty="0" smtClean="0"/>
-              <a:t>Multidimensional view of data is achieved through star scheme</a:t>
-            </a:r>
-          </a:p>
-          <a:p>
-            <a:pPr lvl="2"/>
             <a:endParaRPr lang="en-CA" dirty="0" smtClean="0"/>
           </a:p>
         </p:txBody>
@@ -7623,7 +8459,7 @@
           <a:p>
             <a:r>
               <a:rPr lang="en-CA" dirty="0" smtClean="0"/>
-              <a:t>DW: Indexes</a:t>
+              <a:t>DW: Materialized Views</a:t>
             </a:r>
             <a:endParaRPr lang="en-CA" dirty="0"/>
           </a:p>
@@ -7927,7 +8763,7 @@
           <a:p>
             <a:r>
               <a:rPr lang="en-CA" dirty="0" smtClean="0"/>
-              <a:t>DW: Materialized Views</a:t>
+              <a:t>DW: Partitioning</a:t>
             </a:r>
             <a:endParaRPr lang="en-CA" dirty="0"/>
           </a:p>
@@ -8066,7 +8902,7 @@
           <a:p>
             <a:r>
               <a:rPr lang="en-CA" dirty="0" smtClean="0"/>
-              <a:t>DW: Partitioning</a:t>
+              <a:t>DW: Clustering</a:t>
             </a:r>
             <a:endParaRPr lang="en-CA" dirty="0"/>
           </a:p>
@@ -8205,7 +9041,7 @@
           <a:p>
             <a:r>
               <a:rPr lang="en-CA" dirty="0" smtClean="0"/>
-              <a:t>DW: Clustering</a:t>
+              <a:t>DW: Summary</a:t>
             </a:r>
             <a:endParaRPr lang="en-CA" dirty="0"/>
           </a:p>
@@ -8329,7 +9165,7 @@
       </p:grpSpPr>
       <p:sp>
         <p:nvSpPr>
-          <p:cNvPr id="2" name="Title 1"/>
+          <p:cNvPr id="7" name="Title 6"/>
           <p:cNvSpPr>
             <a:spLocks noGrp="1"/>
           </p:cNvSpPr>
@@ -8344,7 +9180,7 @@
           <a:p>
             <a:r>
               <a:rPr lang="en-CA" dirty="0" smtClean="0"/>
-              <a:t>DW: Summary</a:t>
+              <a:t>XML Databases</a:t>
             </a:r>
             <a:endParaRPr lang="en-CA" dirty="0"/>
           </a:p>
@@ -8352,7 +9188,7 @@
       </p:sp>
       <p:sp>
         <p:nvSpPr>
-          <p:cNvPr id="3" name="Content Placeholder 2"/>
+          <p:cNvPr id="9" name="Content Placeholder 8"/>
           <p:cNvSpPr>
             <a:spLocks noGrp="1"/>
           </p:cNvSpPr>
@@ -8362,12 +9198,34 @@
         </p:nvSpPr>
         <p:spPr/>
         <p:txBody>
-          <a:bodyPr>
-            <a:normAutofit/>
-          </a:bodyPr>
-          <a:lstStyle/>
-          <a:p>
-            <a:endParaRPr lang="en-CA" dirty="0" smtClean="0"/>
+          <a:bodyPr/>
+          <a:lstStyle/>
+          <a:p>
+            <a:r>
+              <a:rPr lang="en-CA" dirty="0" smtClean="0"/>
+              <a:t>XML-enabled DBs:</a:t>
+            </a:r>
+          </a:p>
+          <a:p>
+            <a:pPr lvl="2"/>
+            <a:r>
+              <a:rPr lang="en-CA" dirty="0" smtClean="0"/>
+              <a:t>Maps XML documents to relational tables</a:t>
+            </a:r>
+          </a:p>
+          <a:p>
+            <a:r>
+              <a:rPr lang="en-CA" dirty="0" smtClean="0"/>
+              <a:t>Native XML DBs:</a:t>
+            </a:r>
+          </a:p>
+          <a:p>
+            <a:pPr lvl="2"/>
+            <a:r>
+              <a:rPr lang="en-CA" dirty="0" smtClean="0"/>
+              <a:t>Data structures store actual XML</a:t>
+            </a:r>
+            <a:endParaRPr lang="en-CA" dirty="0"/>
           </a:p>
         </p:txBody>
       </p:sp>
@@ -8483,7 +9341,7 @@
           <a:p>
             <a:r>
               <a:rPr lang="en-CA" dirty="0" smtClean="0"/>
-              <a:t>XML Databases</a:t>
+              <a:t>XML DBs: Indexes</a:t>
             </a:r>
             <a:endParaRPr lang="en-CA" dirty="0"/>
           </a:p>
@@ -8491,7 +9349,7 @@
       </p:sp>
       <p:sp>
         <p:nvSpPr>
-          <p:cNvPr id="9" name="Content Placeholder 8"/>
+          <p:cNvPr id="8" name="Content Placeholder 7"/>
           <p:cNvSpPr>
             <a:spLocks noGrp="1"/>
           </p:cNvSpPr>
@@ -8506,27 +9364,20 @@
           <a:p>
             <a:r>
               <a:rPr lang="en-CA" dirty="0" smtClean="0"/>
-              <a:t>XML-enabled DBs:</a:t>
+              <a:t>Same index structures can be used</a:t>
+            </a:r>
+          </a:p>
+          <a:p>
+            <a:r>
+              <a:rPr lang="en-CA" dirty="0" smtClean="0"/>
+              <a:t>Need adjustments</a:t>
             </a:r>
           </a:p>
           <a:p>
             <a:pPr lvl="2"/>
             <a:r>
               <a:rPr lang="en-CA" dirty="0" smtClean="0"/>
-              <a:t>Maps XML documents to relational tables</a:t>
-            </a:r>
-          </a:p>
-          <a:p>
-            <a:r>
-              <a:rPr lang="en-CA" dirty="0" smtClean="0"/>
-              <a:t>Native XML DBs:</a:t>
-            </a:r>
-          </a:p>
-          <a:p>
-            <a:pPr lvl="2"/>
-            <a:r>
-              <a:rPr lang="en-CA" dirty="0" smtClean="0"/>
-              <a:t>Data structures store actual XML</a:t>
+              <a:t>Need a numbering schema for the XML nodes</a:t>
             </a:r>
             <a:endParaRPr lang="en-CA" dirty="0"/>
           </a:p>
@@ -8629,7 +9480,7 @@
       </p:grpSpPr>
       <p:sp>
         <p:nvSpPr>
-          <p:cNvPr id="7" name="Title 6"/>
+          <p:cNvPr id="2" name="Title 1"/>
           <p:cNvSpPr>
             <a:spLocks noGrp="1"/>
           </p:cNvSpPr>
@@ -8644,7 +9495,7 @@
           <a:p>
             <a:r>
               <a:rPr lang="en-CA" dirty="0" smtClean="0"/>
-              <a:t>XML DBs: Indexes</a:t>
+              <a:t>XML DBs: Materialized Views</a:t>
             </a:r>
             <a:endParaRPr lang="en-CA" dirty="0"/>
           </a:p>
@@ -8652,7 +9503,7 @@
       </p:sp>
       <p:sp>
         <p:nvSpPr>
-          <p:cNvPr id="8" name="Content Placeholder 7"/>
+          <p:cNvPr id="3" name="Content Placeholder 2"/>
           <p:cNvSpPr>
             <a:spLocks noGrp="1"/>
           </p:cNvSpPr>
@@ -8665,24 +9516,7 @@
           <a:bodyPr/>
           <a:lstStyle/>
           <a:p>
-            <a:r>
-              <a:rPr lang="en-CA" dirty="0" smtClean="0"/>
-              <a:t>Same index structures can be used</a:t>
-            </a:r>
-          </a:p>
-          <a:p>
-            <a:r>
-              <a:rPr lang="en-CA" dirty="0" smtClean="0"/>
-              <a:t>Need adjustments</a:t>
-            </a:r>
-          </a:p>
-          <a:p>
-            <a:pPr lvl="2"/>
-            <a:r>
-              <a:rPr lang="en-CA" dirty="0" smtClean="0"/>
-              <a:t>Need a numbering schema for the XML nodes</a:t>
-            </a:r>
-            <a:endParaRPr lang="en-CA" dirty="0"/>
+            <a:endParaRPr lang="en-CA"/>
           </a:p>
         </p:txBody>
       </p:sp>
@@ -8798,7 +9632,11 @@
           <a:p>
             <a:r>
               <a:rPr lang="en-CA" dirty="0" smtClean="0"/>
-              <a:t>XML DBs: Materialized Views</a:t>
+              <a:t>XML DBs: </a:t>
+            </a:r>
+            <a:r>
+              <a:rPr lang="en-CA" dirty="0" err="1" smtClean="0"/>
+              <a:t>Paritioning</a:t>
             </a:r>
             <a:endParaRPr lang="en-CA" dirty="0"/>
           </a:p>
@@ -8935,11 +9773,7 @@
           <a:p>
             <a:r>
               <a:rPr lang="en-CA" dirty="0" smtClean="0"/>
-              <a:t>XML DBs: </a:t>
-            </a:r>
-            <a:r>
-              <a:rPr lang="en-CA" dirty="0" err="1" smtClean="0"/>
-              <a:t>Paritioning</a:t>
+              <a:t>XML DBs: Clustering</a:t>
             </a:r>
             <a:endParaRPr lang="en-CA" dirty="0"/>
           </a:p>
@@ -9076,7 +9910,7 @@
           <a:p>
             <a:r>
               <a:rPr lang="en-CA" dirty="0" smtClean="0"/>
-              <a:t>XML DBs: Clustering</a:t>
+              <a:t>XML DBs: Summary</a:t>
             </a:r>
             <a:endParaRPr lang="en-CA" dirty="0"/>
           </a:p>
@@ -9198,7 +10032,7 @@
       </p:grpSpPr>
       <p:sp>
         <p:nvSpPr>
-          <p:cNvPr id="2" name="Title 1"/>
+          <p:cNvPr id="7" name="Title 6"/>
           <p:cNvSpPr>
             <a:spLocks noGrp="1"/>
           </p:cNvSpPr>
@@ -9213,7 +10047,7 @@
           <a:p>
             <a:r>
               <a:rPr lang="en-CA" dirty="0" smtClean="0"/>
-              <a:t>XML DBs: Summary</a:t>
+              <a:t>Future Work &amp; Open Problems</a:t>
             </a:r>
             <a:endParaRPr lang="en-CA" dirty="0"/>
           </a:p>
@@ -9221,12 +10055,12 @@
       </p:sp>
       <p:sp>
         <p:nvSpPr>
-          <p:cNvPr id="3" name="Content Placeholder 2"/>
-          <p:cNvSpPr>
-            <a:spLocks noGrp="1"/>
-          </p:cNvSpPr>
-          <p:nvPr>
-            <p:ph idx="1"/>
+          <p:cNvPr id="8" name="Text Placeholder 7"/>
+          <p:cNvSpPr>
+            <a:spLocks noGrp="1"/>
+          </p:cNvSpPr>
+          <p:nvPr>
+            <p:ph type="body" idx="1"/>
           </p:nvPr>
         </p:nvSpPr>
         <p:spPr/>
@@ -9487,7 +10321,7 @@
           <a:p>
             <a:r>
               <a:rPr lang="en-CA" dirty="0" smtClean="0"/>
-              <a:t>Future Work &amp; Open Problems</a:t>
+              <a:t>Future Work</a:t>
             </a:r>
             <a:endParaRPr lang="en-CA" dirty="0"/>
           </a:p>
@@ -9495,20 +10329,24 @@
       </p:sp>
       <p:sp>
         <p:nvSpPr>
-          <p:cNvPr id="8" name="Text Placeholder 7"/>
-          <p:cNvSpPr>
-            <a:spLocks noGrp="1"/>
-          </p:cNvSpPr>
-          <p:nvPr>
-            <p:ph type="body" idx="1"/>
-          </p:nvPr>
-        </p:nvSpPr>
-        <p:spPr/>
-        <p:txBody>
-          <a:bodyPr/>
-          <a:lstStyle/>
-          <a:p>
-            <a:endParaRPr lang="en-CA"/>
+          <p:cNvPr id="8" name="Content Placeholder 7"/>
+          <p:cNvSpPr>
+            <a:spLocks noGrp="1"/>
+          </p:cNvSpPr>
+          <p:nvPr>
+            <p:ph idx="1"/>
+          </p:nvPr>
+        </p:nvSpPr>
+        <p:spPr/>
+        <p:txBody>
+          <a:bodyPr/>
+          <a:lstStyle/>
+          <a:p>
+            <a:r>
+              <a:rPr lang="en-CA" dirty="0" smtClean="0"/>
+              <a:t>Looking at automating physical design (put some examples of work here and say its time permitting)</a:t>
+            </a:r>
+            <a:endParaRPr lang="en-CA" dirty="0"/>
           </a:p>
         </p:txBody>
       </p:sp>
@@ -9609,7 +10447,7 @@
       </p:grpSpPr>
       <p:sp>
         <p:nvSpPr>
-          <p:cNvPr id="7" name="Title 6"/>
+          <p:cNvPr id="2" name="Title 1"/>
           <p:cNvSpPr>
             <a:spLocks noGrp="1"/>
           </p:cNvSpPr>
@@ -9619,12 +10457,14 @@
         </p:nvSpPr>
         <p:spPr/>
         <p:txBody>
-          <a:bodyPr/>
-          <a:lstStyle/>
-          <a:p>
-            <a:r>
-              <a:rPr lang="en-CA" dirty="0" smtClean="0"/>
-              <a:t>Future Work</a:t>
+          <a:bodyPr>
+            <a:normAutofit fontScale="90000"/>
+          </a:bodyPr>
+          <a:lstStyle/>
+          <a:p>
+            <a:r>
+              <a:rPr lang="en-CA" dirty="0" smtClean="0"/>
+              <a:t>Open Problems in Physical Design</a:t>
             </a:r>
             <a:endParaRPr lang="en-CA" dirty="0"/>
           </a:p>
@@ -9645,11 +10485,7 @@
           <a:bodyPr/>
           <a:lstStyle/>
           <a:p>
-            <a:r>
-              <a:rPr lang="en-CA" dirty="0" smtClean="0"/>
-              <a:t>Looking at automating physical design (put some examples of work here and say its time permitting)</a:t>
-            </a:r>
-            <a:endParaRPr lang="en-CA" dirty="0"/>
+            <a:endParaRPr lang="en-CA"/>
           </a:p>
         </p:txBody>
       </p:sp>
@@ -9750,7 +10586,7 @@
       </p:grpSpPr>
       <p:sp>
         <p:nvSpPr>
-          <p:cNvPr id="2" name="Title 1"/>
+          <p:cNvPr id="7" name="Title 6"/>
           <p:cNvSpPr>
             <a:spLocks noGrp="1"/>
           </p:cNvSpPr>
@@ -9760,14 +10596,12 @@
         </p:nvSpPr>
         <p:spPr/>
         <p:txBody>
-          <a:bodyPr>
-            <a:normAutofit fontScale="90000"/>
-          </a:bodyPr>
-          <a:lstStyle/>
-          <a:p>
-            <a:r>
-              <a:rPr lang="en-CA" dirty="0" smtClean="0"/>
-              <a:t>Open Problems in Physical Design</a:t>
+          <a:bodyPr/>
+          <a:lstStyle/>
+          <a:p>
+            <a:r>
+              <a:rPr lang="en-CA" dirty="0" smtClean="0"/>
+              <a:t>Summary &amp; Conclusions</a:t>
             </a:r>
             <a:endParaRPr lang="en-CA" dirty="0"/>
           </a:p>
@@ -9775,12 +10609,12 @@
       </p:sp>
       <p:sp>
         <p:nvSpPr>
-          <p:cNvPr id="8" name="Content Placeholder 7"/>
-          <p:cNvSpPr>
-            <a:spLocks noGrp="1"/>
-          </p:cNvSpPr>
-          <p:nvPr>
-            <p:ph idx="1"/>
+          <p:cNvPr id="8" name="Text Placeholder 7"/>
+          <p:cNvSpPr>
+            <a:spLocks noGrp="1"/>
+          </p:cNvSpPr>
+          <p:nvPr>
+            <p:ph type="body" idx="1"/>
           </p:nvPr>
         </p:nvSpPr>
         <p:spPr/>
@@ -9889,48 +10723,6 @@
       </p:grpSpPr>
       <p:sp>
         <p:nvSpPr>
-          <p:cNvPr id="7" name="Title 6"/>
-          <p:cNvSpPr>
-            <a:spLocks noGrp="1"/>
-          </p:cNvSpPr>
-          <p:nvPr>
-            <p:ph type="title"/>
-          </p:nvPr>
-        </p:nvSpPr>
-        <p:spPr/>
-        <p:txBody>
-          <a:bodyPr/>
-          <a:lstStyle/>
-          <a:p>
-            <a:r>
-              <a:rPr lang="en-CA" dirty="0" smtClean="0"/>
-              <a:t>Summary &amp; Conclusions</a:t>
-            </a:r>
-            <a:endParaRPr lang="en-CA" dirty="0"/>
-          </a:p>
-        </p:txBody>
-      </p:sp>
-      <p:sp>
-        <p:nvSpPr>
-          <p:cNvPr id="8" name="Text Placeholder 7"/>
-          <p:cNvSpPr>
-            <a:spLocks noGrp="1"/>
-          </p:cNvSpPr>
-          <p:nvPr>
-            <p:ph type="body" idx="1"/>
-          </p:nvPr>
-        </p:nvSpPr>
-        <p:spPr/>
-        <p:txBody>
-          <a:bodyPr/>
-          <a:lstStyle/>
-          <a:p>
-            <a:endParaRPr lang="en-CA"/>
-          </a:p>
-        </p:txBody>
-      </p:sp>
-      <p:sp>
-        <p:nvSpPr>
           <p:cNvPr id="4" name="Date Placeholder 3"/>
           <p:cNvSpPr>
             <a:spLocks noGrp="1"/>
@@ -9996,6 +10788,36 @@
               <a:t>43</a:t>
             </a:fld>
             <a:endParaRPr lang="en-CA"/>
+          </a:p>
+        </p:txBody>
+      </p:sp>
+      <p:sp>
+        <p:nvSpPr>
+          <p:cNvPr id="10" name="TextBox 9"/>
+          <p:cNvSpPr txBox="1"/>
+          <p:nvPr/>
+        </p:nvSpPr>
+        <p:spPr>
+          <a:xfrm>
+            <a:off x="857224" y="1571612"/>
+            <a:ext cx="2201244" cy="369332"/>
+          </a:xfrm>
+          <a:prstGeom prst="rect">
+            <a:avLst/>
+          </a:prstGeom>
+          <a:noFill/>
+        </p:spPr>
+        <p:txBody>
+          <a:bodyPr wrap="none" rtlCol="0">
+            <a:spAutoFit/>
+          </a:bodyPr>
+          <a:lstStyle/>
+          <a:p>
+            <a:r>
+              <a:rPr lang="en-CA" dirty="0" smtClean="0"/>
+              <a:t>Big summary table(s)</a:t>
+            </a:r>
+            <a:endParaRPr lang="en-CA" dirty="0"/>
           </a:p>
         </p:txBody>
       </p:sp>
@@ -10026,7 +10848,49 @@
       </p:grpSpPr>
       <p:sp>
         <p:nvSpPr>
-          <p:cNvPr id="4" name="Date Placeholder 3"/>
+          <p:cNvPr id="5" name="Title 4"/>
+          <p:cNvSpPr>
+            <a:spLocks noGrp="1"/>
+          </p:cNvSpPr>
+          <p:nvPr>
+            <p:ph type="title"/>
+          </p:nvPr>
+        </p:nvSpPr>
+        <p:spPr/>
+        <p:txBody>
+          <a:bodyPr/>
+          <a:lstStyle/>
+          <a:p>
+            <a:r>
+              <a:rPr lang="en-CA" dirty="0" smtClean="0"/>
+              <a:t>Conclusions</a:t>
+            </a:r>
+            <a:endParaRPr lang="en-CA" dirty="0"/>
+          </a:p>
+        </p:txBody>
+      </p:sp>
+      <p:sp>
+        <p:nvSpPr>
+          <p:cNvPr id="6" name="Content Placeholder 5"/>
+          <p:cNvSpPr>
+            <a:spLocks noGrp="1"/>
+          </p:cNvSpPr>
+          <p:nvPr>
+            <p:ph idx="1"/>
+          </p:nvPr>
+        </p:nvSpPr>
+        <p:spPr/>
+        <p:txBody>
+          <a:bodyPr/>
+          <a:lstStyle/>
+          <a:p>
+            <a:endParaRPr lang="en-CA"/>
+          </a:p>
+        </p:txBody>
+      </p:sp>
+      <p:sp>
+        <p:nvSpPr>
+          <p:cNvPr id="2" name="Date Placeholder 1"/>
           <p:cNvSpPr>
             <a:spLocks noGrp="1"/>
           </p:cNvSpPr>
@@ -10049,7 +10913,7 @@
       </p:sp>
       <p:sp>
         <p:nvSpPr>
-          <p:cNvPr id="5" name="Footer Placeholder 4"/>
+          <p:cNvPr id="3" name="Footer Placeholder 2"/>
           <p:cNvSpPr>
             <a:spLocks noGrp="1"/>
           </p:cNvSpPr>
@@ -10072,7 +10936,7 @@
       </p:sp>
       <p:sp>
         <p:nvSpPr>
-          <p:cNvPr id="6" name="Slide Number Placeholder 5"/>
+          <p:cNvPr id="4" name="Slide Number Placeholder 3"/>
           <p:cNvSpPr>
             <a:spLocks noGrp="1"/>
           </p:cNvSpPr>
@@ -10091,36 +10955,6 @@
               <a:t>44</a:t>
             </a:fld>
             <a:endParaRPr lang="en-CA"/>
-          </a:p>
-        </p:txBody>
-      </p:sp>
-      <p:sp>
-        <p:nvSpPr>
-          <p:cNvPr id="10" name="TextBox 9"/>
-          <p:cNvSpPr txBox="1"/>
-          <p:nvPr/>
-        </p:nvSpPr>
-        <p:spPr>
-          <a:xfrm>
-            <a:off x="857224" y="1571612"/>
-            <a:ext cx="2201244" cy="369332"/>
-          </a:xfrm>
-          <a:prstGeom prst="rect">
-            <a:avLst/>
-          </a:prstGeom>
-          <a:noFill/>
-        </p:spPr>
-        <p:txBody>
-          <a:bodyPr wrap="none" rtlCol="0">
-            <a:spAutoFit/>
-          </a:bodyPr>
-          <a:lstStyle/>
-          <a:p>
-            <a:r>
-              <a:rPr lang="en-CA" dirty="0" smtClean="0"/>
-              <a:t>Big summary table(s)</a:t>
-            </a:r>
-            <a:endParaRPr lang="en-CA" dirty="0"/>
           </a:p>
         </p:txBody>
       </p:sp>
@@ -10151,48 +10985,6 @@
       </p:grpSpPr>
       <p:sp>
         <p:nvSpPr>
-          <p:cNvPr id="5" name="Title 4"/>
-          <p:cNvSpPr>
-            <a:spLocks noGrp="1"/>
-          </p:cNvSpPr>
-          <p:nvPr>
-            <p:ph type="title"/>
-          </p:nvPr>
-        </p:nvSpPr>
-        <p:spPr/>
-        <p:txBody>
-          <a:bodyPr/>
-          <a:lstStyle/>
-          <a:p>
-            <a:r>
-              <a:rPr lang="en-CA" dirty="0" smtClean="0"/>
-              <a:t>Conclusions</a:t>
-            </a:r>
-            <a:endParaRPr lang="en-CA" dirty="0"/>
-          </a:p>
-        </p:txBody>
-      </p:sp>
-      <p:sp>
-        <p:nvSpPr>
-          <p:cNvPr id="6" name="Content Placeholder 5"/>
-          <p:cNvSpPr>
-            <a:spLocks noGrp="1"/>
-          </p:cNvSpPr>
-          <p:nvPr>
-            <p:ph idx="1"/>
-          </p:nvPr>
-        </p:nvSpPr>
-        <p:spPr/>
-        <p:txBody>
-          <a:bodyPr/>
-          <a:lstStyle/>
-          <a:p>
-            <a:endParaRPr lang="en-CA"/>
-          </a:p>
-        </p:txBody>
-      </p:sp>
-      <p:sp>
-        <p:nvSpPr>
           <p:cNvPr id="2" name="Date Placeholder 1"/>
           <p:cNvSpPr>
             <a:spLocks noGrp="1"/>
@@ -10258,6 +11050,36 @@
               <a:t>45</a:t>
             </a:fld>
             <a:endParaRPr lang="en-CA"/>
+          </a:p>
+        </p:txBody>
+      </p:sp>
+      <p:sp>
+        <p:nvSpPr>
+          <p:cNvPr id="7" name="TextBox 6"/>
+          <p:cNvSpPr txBox="1"/>
+          <p:nvPr/>
+        </p:nvSpPr>
+        <p:spPr>
+          <a:xfrm>
+            <a:off x="2571736" y="2714620"/>
+            <a:ext cx="3676006" cy="1015663"/>
+          </a:xfrm>
+          <a:prstGeom prst="rect">
+            <a:avLst/>
+          </a:prstGeom>
+          <a:noFill/>
+        </p:spPr>
+        <p:txBody>
+          <a:bodyPr wrap="none" rtlCol="0">
+            <a:spAutoFit/>
+          </a:bodyPr>
+          <a:lstStyle/>
+          <a:p>
+            <a:r>
+              <a:rPr lang="en-CA" sz="6000" b="1" dirty="0" smtClean="0"/>
+              <a:t>Thank you</a:t>
+            </a:r>
+            <a:endParaRPr lang="en-CA" sz="6000" b="1" dirty="0"/>
           </a:p>
         </p:txBody>
       </p:sp>
@@ -10288,6 +11110,48 @@
       </p:grpSpPr>
       <p:sp>
         <p:nvSpPr>
+          <p:cNvPr id="5" name="Title 4"/>
+          <p:cNvSpPr>
+            <a:spLocks noGrp="1"/>
+          </p:cNvSpPr>
+          <p:nvPr>
+            <p:ph type="title"/>
+          </p:nvPr>
+        </p:nvSpPr>
+        <p:spPr/>
+        <p:txBody>
+          <a:bodyPr/>
+          <a:lstStyle/>
+          <a:p>
+            <a:r>
+              <a:rPr lang="en-CA" dirty="0" smtClean="0"/>
+              <a:t>References</a:t>
+            </a:r>
+            <a:endParaRPr lang="en-CA" dirty="0"/>
+          </a:p>
+        </p:txBody>
+      </p:sp>
+      <p:sp>
+        <p:nvSpPr>
+          <p:cNvPr id="6" name="Content Placeholder 5"/>
+          <p:cNvSpPr>
+            <a:spLocks noGrp="1"/>
+          </p:cNvSpPr>
+          <p:nvPr>
+            <p:ph idx="1"/>
+          </p:nvPr>
+        </p:nvSpPr>
+        <p:spPr/>
+        <p:txBody>
+          <a:bodyPr/>
+          <a:lstStyle/>
+          <a:p>
+            <a:endParaRPr lang="en-CA"/>
+          </a:p>
+        </p:txBody>
+      </p:sp>
+      <p:sp>
+        <p:nvSpPr>
           <p:cNvPr id="2" name="Date Placeholder 1"/>
           <p:cNvSpPr>
             <a:spLocks noGrp="1"/>
@@ -10351,173 +11215,6 @@
               <a:rPr lang="en-CA" smtClean="0"/>
               <a:pPr/>
               <a:t>46</a:t>
-            </a:fld>
-            <a:endParaRPr lang="en-CA"/>
-          </a:p>
-        </p:txBody>
-      </p:sp>
-      <p:sp>
-        <p:nvSpPr>
-          <p:cNvPr id="7" name="TextBox 6"/>
-          <p:cNvSpPr txBox="1"/>
-          <p:nvPr/>
-        </p:nvSpPr>
-        <p:spPr>
-          <a:xfrm>
-            <a:off x="2571736" y="2714620"/>
-            <a:ext cx="3676006" cy="1015663"/>
-          </a:xfrm>
-          <a:prstGeom prst="rect">
-            <a:avLst/>
-          </a:prstGeom>
-          <a:noFill/>
-        </p:spPr>
-        <p:txBody>
-          <a:bodyPr wrap="none" rtlCol="0">
-            <a:spAutoFit/>
-          </a:bodyPr>
-          <a:lstStyle/>
-          <a:p>
-            <a:r>
-              <a:rPr lang="en-CA" sz="6000" b="1" dirty="0" smtClean="0"/>
-              <a:t>Thank you</a:t>
-            </a:r>
-            <a:endParaRPr lang="en-CA" sz="6000" b="1" dirty="0"/>
-          </a:p>
-        </p:txBody>
-      </p:sp>
-    </p:spTree>
-  </p:cSld>
-  <p:clrMapOvr>
-    <a:masterClrMapping/>
-  </p:clrMapOvr>
-</p:sld>
-</file>
-
-<file path=ppt/slides/slide47.xml><?xml version="1.0" encoding="utf-8"?>
-<p:sld xmlns:a="http://schemas.openxmlformats.org/drawingml/2006/main" xmlns:r="http://schemas.openxmlformats.org/officeDocument/2006/relationships" xmlns:p="http://schemas.openxmlformats.org/presentationml/2006/main">
-  <p:cSld>
-    <p:spTree>
-      <p:nvGrpSpPr>
-        <p:cNvPr id="1" name=""/>
-        <p:cNvGrpSpPr/>
-        <p:nvPr/>
-      </p:nvGrpSpPr>
-      <p:grpSpPr>
-        <a:xfrm>
-          <a:off x="0" y="0"/>
-          <a:ext cx="0" cy="0"/>
-          <a:chOff x="0" y="0"/>
-          <a:chExt cx="0" cy="0"/>
-        </a:xfrm>
-      </p:grpSpPr>
-      <p:sp>
-        <p:nvSpPr>
-          <p:cNvPr id="5" name="Title 4"/>
-          <p:cNvSpPr>
-            <a:spLocks noGrp="1"/>
-          </p:cNvSpPr>
-          <p:nvPr>
-            <p:ph type="title"/>
-          </p:nvPr>
-        </p:nvSpPr>
-        <p:spPr/>
-        <p:txBody>
-          <a:bodyPr/>
-          <a:lstStyle/>
-          <a:p>
-            <a:r>
-              <a:rPr lang="en-CA" dirty="0" smtClean="0"/>
-              <a:t>References</a:t>
-            </a:r>
-            <a:endParaRPr lang="en-CA" dirty="0"/>
-          </a:p>
-        </p:txBody>
-      </p:sp>
-      <p:sp>
-        <p:nvSpPr>
-          <p:cNvPr id="6" name="Content Placeholder 5"/>
-          <p:cNvSpPr>
-            <a:spLocks noGrp="1"/>
-          </p:cNvSpPr>
-          <p:nvPr>
-            <p:ph idx="1"/>
-          </p:nvPr>
-        </p:nvSpPr>
-        <p:spPr/>
-        <p:txBody>
-          <a:bodyPr/>
-          <a:lstStyle/>
-          <a:p>
-            <a:endParaRPr lang="en-CA"/>
-          </a:p>
-        </p:txBody>
-      </p:sp>
-      <p:sp>
-        <p:nvSpPr>
-          <p:cNvPr id="2" name="Date Placeholder 1"/>
-          <p:cNvSpPr>
-            <a:spLocks noGrp="1"/>
-          </p:cNvSpPr>
-          <p:nvPr>
-            <p:ph type="dt" sz="half" idx="10"/>
-          </p:nvPr>
-        </p:nvSpPr>
-        <p:spPr/>
-        <p:txBody>
-          <a:bodyPr/>
-          <a:lstStyle/>
-          <a:p>
-            <a:r>
-              <a:rPr lang="en-US" smtClean="0"/>
-              <a:t>Physical Design Patterns</a:t>
-            </a:r>
-            <a:endParaRPr lang="en-CA"/>
-          </a:p>
-        </p:txBody>
-      </p:sp>
-      <p:sp>
-        <p:nvSpPr>
-          <p:cNvPr id="3" name="Footer Placeholder 2"/>
-          <p:cNvSpPr>
-            <a:spLocks noGrp="1"/>
-          </p:cNvSpPr>
-          <p:nvPr>
-            <p:ph type="ftr" sz="quarter" idx="11"/>
-          </p:nvPr>
-        </p:nvSpPr>
-        <p:spPr/>
-        <p:txBody>
-          <a:bodyPr/>
-          <a:lstStyle/>
-          <a:p>
-            <a:r>
-              <a:rPr lang="en-CA" smtClean="0"/>
-              <a:t>Karim Ali &amp; Sarah Nadi</a:t>
-            </a:r>
-            <a:endParaRPr lang="en-CA"/>
-          </a:p>
-        </p:txBody>
-      </p:sp>
-      <p:sp>
-        <p:nvSpPr>
-          <p:cNvPr id="4" name="Slide Number Placeholder 3"/>
-          <p:cNvSpPr>
-            <a:spLocks noGrp="1"/>
-          </p:cNvSpPr>
-          <p:nvPr>
-            <p:ph type="sldNum" sz="quarter" idx="12"/>
-          </p:nvPr>
-        </p:nvSpPr>
-        <p:spPr/>
-        <p:txBody>
-          <a:bodyPr/>
-          <a:lstStyle/>
-          <a:p>
-            <a:fld id="{9AC8176B-BF31-4706-B15B-1AFC481B9AC3}" type="slidenum">
-              <a:rPr lang="en-CA" smtClean="0"/>
-              <a:pPr/>
-              <a:t>47</a:t>
             </a:fld>
             <a:endParaRPr lang="en-CA"/>
           </a:p>
@@ -10891,7 +11588,9 @@
         </p:nvSpPr>
         <p:spPr/>
         <p:txBody>
-          <a:bodyPr/>
+          <a:bodyPr>
+            <a:normAutofit lnSpcReduction="10000"/>
+          </a:bodyPr>
           <a:lstStyle/>
           <a:p>
             <a:r>
@@ -10907,14 +11606,48 @@
             </a:r>
             <a:r>
               <a:rPr lang="en-CA" dirty="0" smtClean="0"/>
-              <a:t>divides tables into sets of rows according to a specific attribute (E.g. Date ranges)</a:t>
+              <a:t>divides tables into sets of rows </a:t>
+            </a:r>
+            <a:r>
+              <a:rPr lang="en-CA" dirty="0" smtClean="0"/>
+              <a:t>according to a specific attribute (E.g. Date ranges)</a:t>
             </a:r>
           </a:p>
           <a:p>
             <a:pPr lvl="2"/>
             <a:r>
               <a:rPr lang="en-CA" i="1" dirty="0" smtClean="0"/>
-              <a:t>Vertical Partitioning: </a:t>
+              <a:t>Group Horizontal Partitioning</a:t>
+            </a:r>
+            <a:r>
+              <a:rPr lang="en-CA" dirty="0" smtClean="0"/>
+              <a:t>: groups </a:t>
+            </a:r>
+            <a:r>
+              <a:rPr lang="en-CA" dirty="0" err="1" smtClean="0"/>
+              <a:t>tuples</a:t>
+            </a:r>
+            <a:r>
+              <a:rPr lang="en-CA" dirty="0" smtClean="0"/>
+              <a:t> that are more frequently used together</a:t>
+            </a:r>
+          </a:p>
+          <a:p>
+            <a:pPr lvl="2"/>
+            <a:r>
+              <a:rPr lang="en-CA" i="1" dirty="0" smtClean="0"/>
+              <a:t>Single Vertical Partitioning</a:t>
+            </a:r>
+            <a:r>
+              <a:rPr lang="en-CA" dirty="0" smtClean="0"/>
+              <a:t>: divides data into groups by attributes of the same type</a:t>
+            </a:r>
+          </a:p>
+          <a:p>
+            <a:pPr lvl="2"/>
+            <a:r>
+              <a:rPr lang="en-CA" i="1" dirty="0" smtClean="0"/>
+              <a:t>Group Vertical Partitioning: </a:t>
             </a:r>
             <a:r>
               <a:rPr lang="en-CA" dirty="0" smtClean="0"/>
@@ -10924,7 +11657,11 @@
           <a:p>
             <a:r>
               <a:rPr lang="en-CA" dirty="0" smtClean="0"/>
-              <a:t>Reduces table scan time</a:t>
+              <a:t>Reduces </a:t>
+            </a:r>
+            <a:r>
+              <a:rPr lang="en-CA" dirty="0" smtClean="0"/>
+              <a:t>table scan time</a:t>
             </a:r>
           </a:p>
           <a:p>
@@ -11219,25 +11956,80 @@
         </p:nvSpPr>
         <p:spPr/>
         <p:txBody>
-          <a:bodyPr/>
-          <a:lstStyle/>
-          <a:p>
-            <a:r>
-              <a:rPr lang="en-CA" dirty="0" smtClean="0"/>
-              <a:t>Data Compression:</a:t>
-            </a:r>
-          </a:p>
-          <a:p>
-            <a:r>
-              <a:rPr lang="en-CA" dirty="0" smtClean="0"/>
-              <a:t>Striping:</a:t>
-            </a:r>
-          </a:p>
-          <a:p>
-            <a:r>
-              <a:rPr lang="en-CA" dirty="0" smtClean="0"/>
-              <a:t>Mirroring:</a:t>
-            </a:r>
+          <a:bodyPr>
+            <a:normAutofit lnSpcReduction="10000"/>
+          </a:bodyPr>
+          <a:lstStyle/>
+          <a:p>
+            <a:r>
+              <a:rPr lang="en-CA" dirty="0" smtClean="0"/>
+              <a:t>Data Compression</a:t>
+            </a:r>
+            <a:r>
+              <a:rPr lang="en-CA" dirty="0" smtClean="0"/>
+              <a:t>:</a:t>
+            </a:r>
+          </a:p>
+          <a:p>
+            <a:pPr lvl="1">
+              <a:buFont typeface="Arial" pitchFamily="34" charset="0"/>
+              <a:buChar char="•"/>
+            </a:pPr>
+            <a:r>
+              <a:rPr lang="en-CA" dirty="0" smtClean="0"/>
+              <a:t>Fitting more data into a fixed amount of space</a:t>
+            </a:r>
+            <a:endParaRPr lang="en-CA" dirty="0" smtClean="0"/>
+          </a:p>
+          <a:p>
+            <a:r>
+              <a:rPr lang="en-CA" dirty="0" smtClean="0"/>
+              <a:t>Striping</a:t>
+            </a:r>
+            <a:r>
+              <a:rPr lang="en-CA" dirty="0" smtClean="0"/>
+              <a:t>:</a:t>
+            </a:r>
+          </a:p>
+          <a:p>
+            <a:pPr lvl="1">
+              <a:buFont typeface="Arial" pitchFamily="34" charset="0"/>
+              <a:buChar char="•"/>
+            </a:pPr>
+            <a:r>
+              <a:rPr lang="en-CA" dirty="0" smtClean="0"/>
+              <a:t>Distribute data that is accessed together </a:t>
+            </a:r>
+            <a:r>
+              <a:rPr lang="en-CA" dirty="0" err="1" smtClean="0"/>
+              <a:t>accross</a:t>
+            </a:r>
+            <a:r>
+              <a:rPr lang="en-CA" dirty="0" smtClean="0"/>
+              <a:t> multiple disks</a:t>
+            </a:r>
+            <a:endParaRPr lang="en-CA" dirty="0" smtClean="0"/>
+          </a:p>
+          <a:p>
+            <a:r>
+              <a:rPr lang="en-CA" dirty="0" smtClean="0"/>
+              <a:t>Mirroring</a:t>
+            </a:r>
+            <a:r>
+              <a:rPr lang="en-CA" dirty="0" smtClean="0"/>
+              <a:t>:</a:t>
+            </a:r>
+          </a:p>
+          <a:p>
+            <a:pPr lvl="1">
+              <a:buFont typeface="Arial" pitchFamily="34" charset="0"/>
+              <a:buChar char="•"/>
+            </a:pPr>
+            <a:r>
+              <a:rPr lang="en-CA" dirty="0" smtClean="0"/>
+              <a:t>Duplicating the data to multiple disks</a:t>
+            </a:r>
+            <a:endParaRPr lang="en-CA" dirty="0" smtClean="0"/>
           </a:p>
           <a:p>
             <a:r>
@@ -11247,6 +12039,16 @@
             <a:r>
               <a:rPr lang="en-CA" dirty="0" smtClean="0"/>
               <a:t>:</a:t>
+            </a:r>
+          </a:p>
+          <a:p>
+            <a:pPr lvl="1">
+              <a:buFont typeface="Arial" pitchFamily="34" charset="0"/>
+              <a:buChar char="•"/>
+            </a:pPr>
+            <a:r>
+              <a:rPr lang="en-CA" dirty="0" smtClean="0"/>
+              <a:t>Refine global schema to reflect query and transaction requirements</a:t>
             </a:r>
             <a:endParaRPr lang="en-CA" dirty="0"/>
           </a:p>

--- a/trunk/cs848-db/PhysDesignPres.pptx
+++ b/trunk/cs848-db/PhysDesignPres.pptx
@@ -238,7 +238,7 @@
             <a:fld id="{B77FE1A0-659B-4CF4-8509-2C15FD019BEE}" type="datetimeFigureOut">
               <a:rPr lang="en-US" smtClean="0"/>
               <a:pPr/>
-              <a:t>7/10/2010</a:t>
+              <a:t>7/11/2010</a:t>
             </a:fld>
             <a:endParaRPr lang="en-CA"/>
           </a:p>
@@ -7218,10 +7218,21 @@
             </a:r>
           </a:p>
           <a:p>
-            <a:pPr lvl="1"/>
-            <a:r>
-              <a:rPr lang="en-CA" dirty="0" smtClean="0"/>
-              <a:t>Sequential access in main memory is not cheaper than random or dispersed access</a:t>
+            <a:pPr lvl="1">
+              <a:buFont typeface="Arial" pitchFamily="34" charset="0"/>
+              <a:buChar char="•"/>
+            </a:pPr>
+            <a:r>
+              <a:rPr lang="en-CA" dirty="0" err="1" smtClean="0"/>
+              <a:t>equential</a:t>
+            </a:r>
+            <a:r>
+              <a:rPr lang="en-CA" dirty="0" smtClean="0"/>
+              <a:t> </a:t>
+            </a:r>
+            <a:r>
+              <a:rPr lang="en-CA" dirty="0" smtClean="0"/>
+              <a:t>access in main memory is not cheaper than random or dispersed access</a:t>
             </a:r>
             <a:endParaRPr lang="en-CA" dirty="0"/>
           </a:p>
@@ -11606,11 +11617,7 @@
             </a:r>
             <a:r>
               <a:rPr lang="en-CA" dirty="0" smtClean="0"/>
-              <a:t>divides tables into sets of rows </a:t>
-            </a:r>
-            <a:r>
-              <a:rPr lang="en-CA" dirty="0" smtClean="0"/>
-              <a:t>according to a specific attribute (E.g. Date ranges)</a:t>
+              <a:t>divides tables into sets of rows according to a specific attribute (E.g. Date ranges)</a:t>
             </a:r>
           </a:p>
           <a:p>
@@ -11657,11 +11664,7 @@
           <a:p>
             <a:r>
               <a:rPr lang="en-CA" dirty="0" smtClean="0"/>
-              <a:t>Reduces </a:t>
-            </a:r>
-            <a:r>
-              <a:rPr lang="en-CA" dirty="0" smtClean="0"/>
-              <a:t>table scan time</a:t>
+              <a:t>Reduces table scan time</a:t>
             </a:r>
           </a:p>
           <a:p>
@@ -11963,11 +11966,7 @@
           <a:p>
             <a:r>
               <a:rPr lang="en-CA" dirty="0" smtClean="0"/>
-              <a:t>Data Compression</a:t>
-            </a:r>
-            <a:r>
-              <a:rPr lang="en-CA" dirty="0" smtClean="0"/>
-              <a:t>:</a:t>
+              <a:t>Data Compression:</a:t>
             </a:r>
           </a:p>
           <a:p>
@@ -11979,16 +11978,11 @@
               <a:rPr lang="en-CA" dirty="0" smtClean="0"/>
               <a:t>Fitting more data into a fixed amount of space</a:t>
             </a:r>
-            <a:endParaRPr lang="en-CA" dirty="0" smtClean="0"/>
-          </a:p>
-          <a:p>
-            <a:r>
-              <a:rPr lang="en-CA" dirty="0" smtClean="0"/>
-              <a:t>Striping</a:t>
-            </a:r>
-            <a:r>
-              <a:rPr lang="en-CA" dirty="0" smtClean="0"/>
-              <a:t>:</a:t>
+          </a:p>
+          <a:p>
+            <a:r>
+              <a:rPr lang="en-CA" dirty="0" smtClean="0"/>
+              <a:t>Striping:</a:t>
             </a:r>
           </a:p>
           <a:p>
@@ -12008,16 +12002,11 @@
               <a:rPr lang="en-CA" dirty="0" smtClean="0"/>
               <a:t> multiple disks</a:t>
             </a:r>
-            <a:endParaRPr lang="en-CA" dirty="0" smtClean="0"/>
-          </a:p>
-          <a:p>
-            <a:r>
-              <a:rPr lang="en-CA" dirty="0" smtClean="0"/>
-              <a:t>Mirroring</a:t>
-            </a:r>
-            <a:r>
-              <a:rPr lang="en-CA" dirty="0" smtClean="0"/>
-              <a:t>:</a:t>
+          </a:p>
+          <a:p>
+            <a:r>
+              <a:rPr lang="en-CA" dirty="0" smtClean="0"/>
+              <a:t>Mirroring:</a:t>
             </a:r>
           </a:p>
           <a:p>
@@ -12029,7 +12018,6 @@
               <a:rPr lang="en-CA" dirty="0" smtClean="0"/>
               <a:t>Duplicating the data to multiple disks</a:t>
             </a:r>
-            <a:endParaRPr lang="en-CA" dirty="0" smtClean="0"/>
           </a:p>
           <a:p>
             <a:r>

--- a/trunk/cs848-db/PhysDesignPres.pptx
+++ b/trunk/cs848-db/PhysDesignPres.pptx
@@ -5,7 +5,7 @@
     <p:sldMasterId id="2147483672" r:id="rId1"/>
   </p:sldMasterIdLst>
   <p:notesMasterIdLst>
-    <p:notesMasterId r:id="rId48"/>
+    <p:notesMasterId r:id="rId55"/>
   </p:notesMasterIdLst>
   <p:sldIdLst>
     <p:sldId id="256" r:id="rId2"/>
@@ -32,28 +32,35 @@
     <p:sldId id="313" r:id="rId23"/>
     <p:sldId id="314" r:id="rId24"/>
     <p:sldId id="315" r:id="rId25"/>
-    <p:sldId id="299" r:id="rId26"/>
-    <p:sldId id="300" r:id="rId27"/>
-    <p:sldId id="306" r:id="rId28"/>
-    <p:sldId id="305" r:id="rId29"/>
-    <p:sldId id="301" r:id="rId30"/>
-    <p:sldId id="302" r:id="rId31"/>
-    <p:sldId id="303" r:id="rId32"/>
-    <p:sldId id="304" r:id="rId33"/>
-    <p:sldId id="277" r:id="rId34"/>
-    <p:sldId id="278" r:id="rId35"/>
-    <p:sldId id="279" r:id="rId36"/>
-    <p:sldId id="280" r:id="rId37"/>
-    <p:sldId id="281" r:id="rId38"/>
-    <p:sldId id="283" r:id="rId39"/>
-    <p:sldId id="291" r:id="rId40"/>
-    <p:sldId id="294" r:id="rId41"/>
-    <p:sldId id="295" r:id="rId42"/>
-    <p:sldId id="296" r:id="rId43"/>
-    <p:sldId id="292" r:id="rId44"/>
-    <p:sldId id="297" r:id="rId45"/>
-    <p:sldId id="298" r:id="rId46"/>
-    <p:sldId id="293" r:id="rId47"/>
+    <p:sldId id="316" r:id="rId26"/>
+    <p:sldId id="317" r:id="rId27"/>
+    <p:sldId id="318" r:id="rId28"/>
+    <p:sldId id="319" r:id="rId29"/>
+    <p:sldId id="320" r:id="rId30"/>
+    <p:sldId id="321" r:id="rId31"/>
+    <p:sldId id="322" r:id="rId32"/>
+    <p:sldId id="323" r:id="rId33"/>
+    <p:sldId id="324" r:id="rId34"/>
+    <p:sldId id="325" r:id="rId35"/>
+    <p:sldId id="326" r:id="rId36"/>
+    <p:sldId id="327" r:id="rId37"/>
+    <p:sldId id="328" r:id="rId38"/>
+    <p:sldId id="329" r:id="rId39"/>
+    <p:sldId id="330" r:id="rId40"/>
+    <p:sldId id="277" r:id="rId41"/>
+    <p:sldId id="278" r:id="rId42"/>
+    <p:sldId id="279" r:id="rId43"/>
+    <p:sldId id="280" r:id="rId44"/>
+    <p:sldId id="281" r:id="rId45"/>
+    <p:sldId id="283" r:id="rId46"/>
+    <p:sldId id="291" r:id="rId47"/>
+    <p:sldId id="294" r:id="rId48"/>
+    <p:sldId id="295" r:id="rId49"/>
+    <p:sldId id="296" r:id="rId50"/>
+    <p:sldId id="292" r:id="rId51"/>
+    <p:sldId id="297" r:id="rId52"/>
+    <p:sldId id="298" r:id="rId53"/>
+    <p:sldId id="293" r:id="rId54"/>
   </p:sldIdLst>
   <p:sldSz cx="9144000" cy="6858000" type="screen4x3"/>
   <p:notesSz cx="6858000" cy="9144000"/>
@@ -7228,11 +7235,7 @@
             </a:r>
             <a:r>
               <a:rPr lang="en-CA" dirty="0" smtClean="0"/>
-              <a:t> </a:t>
-            </a:r>
-            <a:r>
-              <a:rPr lang="en-CA" dirty="0" smtClean="0"/>
-              <a:t>access in main memory is not cheaper than random or dispersed access</a:t>
+              <a:t> access in main memory is not cheaper than random or dispersed access</a:t>
             </a:r>
             <a:endParaRPr lang="en-CA" dirty="0"/>
           </a:p>
@@ -7984,78 +7987,19 @@
           <a:p>
             <a:r>
               <a:rPr lang="en-CA" dirty="0" smtClean="0"/>
-              <a:t>DW: Challenges</a:t>
+              <a:t>Data Warehouses </a:t>
+            </a:r>
+            <a:r>
+              <a:rPr lang="en-CA" sz="2400" i="1" dirty="0" smtClean="0">
+                <a:solidFill>
+                  <a:srgbClr val="F0AD00">
+                    <a:satMod val="150000"/>
+                  </a:srgbClr>
+                </a:solidFill>
+              </a:rPr>
+              <a:t>Cont’d</a:t>
             </a:r>
             <a:endParaRPr lang="en-CA" dirty="0"/>
-          </a:p>
-        </p:txBody>
-      </p:sp>
-      <p:sp>
-        <p:nvSpPr>
-          <p:cNvPr id="3" name="Content Placeholder 2"/>
-          <p:cNvSpPr>
-            <a:spLocks noGrp="1"/>
-          </p:cNvSpPr>
-          <p:nvPr>
-            <p:ph idx="1"/>
-          </p:nvPr>
-        </p:nvSpPr>
-        <p:spPr/>
-        <p:txBody>
-          <a:bodyPr>
-            <a:normAutofit/>
-          </a:bodyPr>
-          <a:lstStyle/>
-          <a:p>
-            <a:r>
-              <a:rPr lang="en-CA" dirty="0" smtClean="0"/>
-              <a:t>Data is usually</a:t>
-            </a:r>
-          </a:p>
-          <a:p>
-            <a:pPr lvl="2"/>
-            <a:r>
-              <a:rPr lang="en-CA" dirty="0" smtClean="0"/>
-              <a:t>Extremely large</a:t>
-            </a:r>
-          </a:p>
-          <a:p>
-            <a:pPr lvl="2"/>
-            <a:r>
-              <a:rPr lang="en-CA" dirty="0" smtClean="0"/>
-              <a:t>Multi-dimensional</a:t>
-            </a:r>
-          </a:p>
-          <a:p>
-            <a:r>
-              <a:rPr lang="en-CA" dirty="0" smtClean="0"/>
-              <a:t>Priority for aggregated and summarized data</a:t>
-            </a:r>
-          </a:p>
-          <a:p>
-            <a:r>
-              <a:rPr lang="en-CA" dirty="0" smtClean="0"/>
-              <a:t>Ad-hoc and complex queries</a:t>
-            </a:r>
-          </a:p>
-          <a:p>
-            <a:r>
-              <a:rPr lang="en-CA" dirty="0" smtClean="0"/>
-              <a:t>Expensive operations: aggregation, and joins</a:t>
-            </a:r>
-          </a:p>
-          <a:p>
-            <a:pPr lvl="2"/>
-            <a:r>
-              <a:rPr lang="en-CA" dirty="0" smtClean="0"/>
-              <a:t>the fact table participates in every join</a:t>
-            </a:r>
-          </a:p>
-          <a:p>
-            <a:r>
-              <a:rPr lang="en-CA" dirty="0" smtClean="0"/>
-              <a:t>Figure ??</a:t>
-            </a:r>
           </a:p>
         </p:txBody>
       </p:sp>
@@ -8129,6 +8073,39 @@
           </a:p>
         </p:txBody>
       </p:sp>
+      <p:pic>
+        <p:nvPicPr>
+          <p:cNvPr id="1026" name="Picture 2"/>
+          <p:cNvPicPr>
+            <a:picLocks noChangeAspect="1" noChangeArrowheads="1"/>
+          </p:cNvPicPr>
+          <p:nvPr/>
+        </p:nvPicPr>
+        <p:blipFill>
+          <a:blip r:embed="rId2"/>
+          <a:srcRect/>
+          <a:stretch>
+            <a:fillRect/>
+          </a:stretch>
+        </p:blipFill>
+        <p:spPr bwMode="auto">
+          <a:xfrm>
+            <a:off x="464315" y="1762823"/>
+            <a:ext cx="8215370" cy="4452259"/>
+          </a:xfrm>
+          <a:prstGeom prst="rect">
+            <a:avLst/>
+          </a:prstGeom>
+          <a:noFill/>
+          <a:ln w="9525">
+            <a:noFill/>
+            <a:miter lim="800000"/>
+            <a:headEnd/>
+            <a:tailEnd/>
+          </a:ln>
+          <a:effectLst/>
+        </p:spPr>
+      </p:pic>
     </p:spTree>
   </p:cSld>
   <p:clrMapOvr>
@@ -8179,48 +8156,6 @@
       </p:sp>
       <p:sp>
         <p:nvSpPr>
-          <p:cNvPr id="3" name="Content Placeholder 2"/>
-          <p:cNvSpPr>
-            <a:spLocks noGrp="1"/>
-          </p:cNvSpPr>
-          <p:nvPr>
-            <p:ph idx="1"/>
-          </p:nvPr>
-        </p:nvSpPr>
-        <p:spPr/>
-        <p:txBody>
-          <a:bodyPr>
-            <a:normAutofit/>
-          </a:bodyPr>
-          <a:lstStyle/>
-          <a:p>
-            <a:r>
-              <a:rPr lang="en-CA" dirty="0" smtClean="0"/>
-              <a:t>ROLAP</a:t>
-            </a:r>
-          </a:p>
-          <a:p>
-            <a:pPr lvl="2"/>
-            <a:r>
-              <a:rPr lang="en-CA" dirty="0" smtClean="0"/>
-              <a:t>Relational implementation of DW</a:t>
-            </a:r>
-          </a:p>
-          <a:p>
-            <a:pPr lvl="2"/>
-            <a:r>
-              <a:rPr lang="en-CA" dirty="0" smtClean="0"/>
-              <a:t>Multidimensional view of data is achieved through star scheme</a:t>
-            </a:r>
-          </a:p>
-          <a:p>
-            <a:pPr lvl="2"/>
-            <a:endParaRPr lang="en-CA" dirty="0" smtClean="0"/>
-          </a:p>
-        </p:txBody>
-      </p:sp>
-      <p:sp>
-        <p:nvSpPr>
           <p:cNvPr id="4" name="Date Placeholder 3"/>
           <p:cNvSpPr>
             <a:spLocks noGrp="1"/>
@@ -8289,6 +8224,39 @@
           </a:p>
         </p:txBody>
       </p:sp>
+      <p:pic>
+        <p:nvPicPr>
+          <p:cNvPr id="2050" name="Picture 2"/>
+          <p:cNvPicPr>
+            <a:picLocks noChangeAspect="1" noChangeArrowheads="1"/>
+          </p:cNvPicPr>
+          <p:nvPr/>
+        </p:nvPicPr>
+        <p:blipFill>
+          <a:blip r:embed="rId2"/>
+          <a:srcRect/>
+          <a:stretch>
+            <a:fillRect/>
+          </a:stretch>
+        </p:blipFill>
+        <p:spPr bwMode="auto">
+          <a:xfrm>
+            <a:off x="1643042" y="1643050"/>
+            <a:ext cx="5357850" cy="4292311"/>
+          </a:xfrm>
+          <a:prstGeom prst="rect">
+            <a:avLst/>
+          </a:prstGeom>
+          <a:noFill/>
+          <a:ln w="9525">
+            <a:noFill/>
+            <a:miter lim="800000"/>
+            <a:headEnd/>
+            <a:tailEnd/>
+          </a:ln>
+          <a:effectLst/>
+        </p:spPr>
+      </p:pic>
     </p:spTree>
   </p:cSld>
   <p:clrMapOvr>
@@ -8326,35 +8294,26 @@
         </p:nvSpPr>
         <p:spPr/>
         <p:txBody>
-          <a:bodyPr/>
-          <a:lstStyle/>
-          <a:p>
-            <a:r>
-              <a:rPr lang="en-CA" dirty="0" smtClean="0"/>
-              <a:t>DW: Indexes</a:t>
-            </a:r>
-            <a:endParaRPr lang="en-CA" dirty="0"/>
-          </a:p>
-        </p:txBody>
-      </p:sp>
-      <p:sp>
-        <p:nvSpPr>
-          <p:cNvPr id="3" name="Content Placeholder 2"/>
-          <p:cNvSpPr>
-            <a:spLocks noGrp="1"/>
-          </p:cNvSpPr>
-          <p:nvPr>
-            <p:ph idx="1"/>
-          </p:nvPr>
-        </p:nvSpPr>
-        <p:spPr/>
-        <p:txBody>
           <a:bodyPr>
             <a:normAutofit/>
           </a:bodyPr>
           <a:lstStyle/>
           <a:p>
-            <a:endParaRPr lang="en-CA" dirty="0" smtClean="0"/>
+            <a:r>
+              <a:rPr lang="en-CA" dirty="0" smtClean="0"/>
+              <a:t>DW: Design </a:t>
+            </a:r>
+            <a:r>
+              <a:rPr lang="en-CA" sz="2400" i="1" dirty="0" smtClean="0">
+                <a:solidFill>
+                  <a:srgbClr val="F0AD00">
+                    <a:satMod val="150000"/>
+                  </a:srgbClr>
+                </a:solidFill>
+              </a:rPr>
+              <a:t>Cont’d</a:t>
+            </a:r>
+            <a:endParaRPr lang="en-CA" dirty="0"/>
           </a:p>
         </p:txBody>
       </p:sp>
@@ -8428,6 +8387,349 @@
           </a:p>
         </p:txBody>
       </p:sp>
+      <p:graphicFrame>
+        <p:nvGraphicFramePr>
+          <p:cNvPr id="8" name="Content Placeholder 7"/>
+          <p:cNvGraphicFramePr>
+            <a:graphicFrameLocks noGrp="1"/>
+          </p:cNvGraphicFramePr>
+          <p:nvPr>
+            <p:ph idx="1"/>
+          </p:nvPr>
+        </p:nvGraphicFramePr>
+        <p:xfrm>
+          <a:off x="457200" y="1774825"/>
+          <a:ext cx="8229600" cy="2672080"/>
+        </p:xfrm>
+        <a:graphic>
+          <a:graphicData uri="http://schemas.openxmlformats.org/drawingml/2006/table">
+            <a:tbl>
+              <a:tblPr firstRow="1" bandRow="1">
+                <a:tableStyleId>{5C22544A-7EE6-4342-B048-85BDC9FD1C3A}</a:tableStyleId>
+              </a:tblPr>
+              <a:tblGrid>
+                <a:gridCol w="2057400"/>
+                <a:gridCol w="2057400"/>
+                <a:gridCol w="2057400"/>
+                <a:gridCol w="2057400"/>
+              </a:tblGrid>
+              <a:tr h="370840">
+                <a:tc>
+                  <a:txBody>
+                    <a:bodyPr/>
+                    <a:lstStyle/>
+                    <a:p>
+                      <a:endParaRPr lang="en-CA" dirty="0"/>
+                    </a:p>
+                  </a:txBody>
+                  <a:tcPr/>
+                </a:tc>
+                <a:tc>
+                  <a:txBody>
+                    <a:bodyPr/>
+                    <a:lstStyle/>
+                    <a:p>
+                      <a:pPr algn="ctr"/>
+                      <a:r>
+                        <a:rPr lang="en-CA" dirty="0" smtClean="0"/>
+                        <a:t>ROLAP</a:t>
+                      </a:r>
+                      <a:endParaRPr lang="en-CA" dirty="0"/>
+                    </a:p>
+                  </a:txBody>
+                  <a:tcPr anchor="ctr"/>
+                </a:tc>
+                <a:tc>
+                  <a:txBody>
+                    <a:bodyPr/>
+                    <a:lstStyle/>
+                    <a:p>
+                      <a:pPr algn="ctr"/>
+                      <a:r>
+                        <a:rPr lang="en-CA" dirty="0" smtClean="0"/>
+                        <a:t>MOLAP</a:t>
+                      </a:r>
+                      <a:endParaRPr lang="en-CA" dirty="0"/>
+                    </a:p>
+                  </a:txBody>
+                  <a:tcPr anchor="ctr"/>
+                </a:tc>
+                <a:tc>
+                  <a:txBody>
+                    <a:bodyPr/>
+                    <a:lstStyle/>
+                    <a:p>
+                      <a:pPr algn="ctr"/>
+                      <a:r>
+                        <a:rPr lang="en-CA" dirty="0" smtClean="0"/>
+                        <a:t>HOLAP</a:t>
+                      </a:r>
+                      <a:endParaRPr lang="en-CA" dirty="0"/>
+                    </a:p>
+                  </a:txBody>
+                  <a:tcPr anchor="ctr"/>
+                </a:tc>
+              </a:tr>
+              <a:tr h="370840">
+                <a:tc>
+                  <a:txBody>
+                    <a:bodyPr/>
+                    <a:lstStyle/>
+                    <a:p>
+                      <a:r>
+                        <a:rPr lang="en-CA" dirty="0" smtClean="0"/>
+                        <a:t>Storage</a:t>
+                      </a:r>
+                      <a:endParaRPr lang="en-CA" dirty="0"/>
+                    </a:p>
+                  </a:txBody>
+                  <a:tcPr/>
+                </a:tc>
+                <a:tc>
+                  <a:txBody>
+                    <a:bodyPr/>
+                    <a:lstStyle/>
+                    <a:p>
+                      <a:pPr algn="ctr"/>
+                      <a:r>
+                        <a:rPr lang="en-CA" dirty="0" smtClean="0"/>
+                        <a:t>Relational</a:t>
+                      </a:r>
+                      <a:r>
+                        <a:rPr lang="en-CA" baseline="0" dirty="0" smtClean="0"/>
+                        <a:t> </a:t>
+                      </a:r>
+                      <a:r>
+                        <a:rPr lang="en-CA" dirty="0" smtClean="0"/>
+                        <a:t>DBs</a:t>
+                      </a:r>
+                      <a:endParaRPr lang="en-CA" dirty="0"/>
+                    </a:p>
+                  </a:txBody>
+                  <a:tcPr/>
+                </a:tc>
+                <a:tc>
+                  <a:txBody>
+                    <a:bodyPr/>
+                    <a:lstStyle/>
+                    <a:p>
+                      <a:pPr algn="ctr"/>
+                      <a:r>
+                        <a:rPr lang="en-CA" dirty="0" smtClean="0"/>
+                        <a:t>Data Cubes</a:t>
+                      </a:r>
+                      <a:endParaRPr lang="en-CA" dirty="0"/>
+                    </a:p>
+                  </a:txBody>
+                  <a:tcPr/>
+                </a:tc>
+                <a:tc>
+                  <a:txBody>
+                    <a:bodyPr/>
+                    <a:lstStyle/>
+                    <a:p>
+                      <a:pPr algn="ctr"/>
+                      <a:r>
+                        <a:rPr lang="en-CA" dirty="0" smtClean="0"/>
+                        <a:t>Hybrid</a:t>
+                      </a:r>
+                      <a:endParaRPr lang="en-CA" dirty="0"/>
+                    </a:p>
+                  </a:txBody>
+                  <a:tcPr/>
+                </a:tc>
+              </a:tr>
+              <a:tr h="370840">
+                <a:tc>
+                  <a:txBody>
+                    <a:bodyPr/>
+                    <a:lstStyle/>
+                    <a:p>
+                      <a:r>
+                        <a:rPr lang="en-CA" dirty="0" smtClean="0"/>
+                        <a:t>Dimensions</a:t>
+                      </a:r>
+                      <a:endParaRPr lang="en-CA" dirty="0"/>
+                    </a:p>
+                  </a:txBody>
+                  <a:tcPr/>
+                </a:tc>
+                <a:tc>
+                  <a:txBody>
+                    <a:bodyPr/>
+                    <a:lstStyle/>
+                    <a:p>
+                      <a:pPr algn="ctr"/>
+                      <a:r>
+                        <a:rPr lang="en-CA" dirty="0" smtClean="0"/>
+                        <a:t>Composite</a:t>
+                      </a:r>
+                      <a:r>
+                        <a:rPr lang="en-CA" baseline="0" dirty="0" smtClean="0"/>
+                        <a:t> Keys</a:t>
+                      </a:r>
+                      <a:endParaRPr lang="en-CA" dirty="0"/>
+                    </a:p>
+                  </a:txBody>
+                  <a:tcPr/>
+                </a:tc>
+                <a:tc>
+                  <a:txBody>
+                    <a:bodyPr/>
+                    <a:lstStyle/>
+                    <a:p>
+                      <a:pPr algn="ctr"/>
+                      <a:r>
+                        <a:rPr lang="en-CA" dirty="0" smtClean="0"/>
+                        <a:t>Arrays</a:t>
+                      </a:r>
+                      <a:endParaRPr lang="en-CA" dirty="0"/>
+                    </a:p>
+                  </a:txBody>
+                  <a:tcPr/>
+                </a:tc>
+                <a:tc>
+                  <a:txBody>
+                    <a:bodyPr/>
+                    <a:lstStyle/>
+                    <a:p>
+                      <a:pPr algn="ctr"/>
+                      <a:endParaRPr lang="en-CA" dirty="0"/>
+                    </a:p>
+                  </a:txBody>
+                  <a:tcPr/>
+                </a:tc>
+              </a:tr>
+              <a:tr h="370840">
+                <a:tc>
+                  <a:txBody>
+                    <a:bodyPr/>
+                    <a:lstStyle/>
+                    <a:p>
+                      <a:r>
+                        <a:rPr lang="en-CA" dirty="0" smtClean="0"/>
+                        <a:t>Characteristics</a:t>
+                      </a:r>
+                      <a:endParaRPr lang="en-CA" dirty="0"/>
+                    </a:p>
+                  </a:txBody>
+                  <a:tcPr/>
+                </a:tc>
+                <a:tc>
+                  <a:txBody>
+                    <a:bodyPr/>
+                    <a:lstStyle/>
+                    <a:p>
+                      <a:pPr algn="ctr"/>
+                      <a:r>
+                        <a:rPr lang="en-CA" dirty="0" smtClean="0"/>
+                        <a:t>Each</a:t>
+                      </a:r>
+                      <a:r>
+                        <a:rPr lang="en-CA" baseline="0" dirty="0" smtClean="0"/>
+                        <a:t> row is a cell in the cube</a:t>
+                      </a:r>
+                      <a:endParaRPr lang="en-CA" dirty="0"/>
+                    </a:p>
+                  </a:txBody>
+                  <a:tcPr/>
+                </a:tc>
+                <a:tc>
+                  <a:txBody>
+                    <a:bodyPr/>
+                    <a:lstStyle/>
+                    <a:p>
+                      <a:pPr algn="ctr"/>
+                      <a:r>
+                        <a:rPr lang="en-CA" dirty="0" smtClean="0"/>
+                        <a:t>Each</a:t>
+                      </a:r>
+                      <a:r>
+                        <a:rPr lang="en-CA" baseline="0" dirty="0" smtClean="0"/>
+                        <a:t> cell is represented by a fixed calculable location</a:t>
+                      </a:r>
+                      <a:endParaRPr lang="en-CA" dirty="0"/>
+                    </a:p>
+                  </a:txBody>
+                  <a:tcPr/>
+                </a:tc>
+                <a:tc>
+                  <a:txBody>
+                    <a:bodyPr/>
+                    <a:lstStyle/>
+                    <a:p>
+                      <a:pPr algn="ctr"/>
+                      <a:endParaRPr lang="en-CA" dirty="0"/>
+                    </a:p>
+                  </a:txBody>
+                  <a:tcPr/>
+                </a:tc>
+              </a:tr>
+              <a:tr h="370840">
+                <a:tc>
+                  <a:txBody>
+                    <a:bodyPr/>
+                    <a:lstStyle/>
+                    <a:p>
+                      <a:r>
+                        <a:rPr lang="en-CA" dirty="0" smtClean="0"/>
+                        <a:t>Good For</a:t>
+                      </a:r>
+                      <a:endParaRPr lang="en-CA" dirty="0"/>
+                    </a:p>
+                  </a:txBody>
+                  <a:tcPr/>
+                </a:tc>
+                <a:tc>
+                  <a:txBody>
+                    <a:bodyPr/>
+                    <a:lstStyle/>
+                    <a:p>
+                      <a:pPr algn="ctr"/>
+                      <a:r>
+                        <a:rPr lang="en-CA" dirty="0" smtClean="0"/>
+                        <a:t>Sparse Data</a:t>
+                      </a:r>
+                      <a:endParaRPr lang="en-CA" dirty="0"/>
+                    </a:p>
+                  </a:txBody>
+                  <a:tcPr/>
+                </a:tc>
+                <a:tc>
+                  <a:txBody>
+                    <a:bodyPr/>
+                    <a:lstStyle/>
+                    <a:p>
+                      <a:pPr algn="ctr"/>
+                      <a:r>
+                        <a:rPr lang="en-CA" dirty="0" smtClean="0"/>
+                        <a:t>Dense</a:t>
+                      </a:r>
+                      <a:r>
+                        <a:rPr lang="en-CA" baseline="0" dirty="0" smtClean="0"/>
+                        <a:t> Data</a:t>
+                      </a:r>
+                      <a:endParaRPr lang="en-CA" dirty="0"/>
+                    </a:p>
+                  </a:txBody>
+                  <a:tcPr/>
+                </a:tc>
+                <a:tc>
+                  <a:txBody>
+                    <a:bodyPr/>
+                    <a:lstStyle/>
+                    <a:p>
+                      <a:pPr algn="ctr"/>
+                      <a:endParaRPr lang="en-CA" dirty="0"/>
+                    </a:p>
+                  </a:txBody>
+                  <a:tcPr/>
+                </a:tc>
+              </a:tr>
+            </a:tbl>
+          </a:graphicData>
+        </a:graphic>
+      </p:graphicFrame>
     </p:spTree>
   </p:cSld>
   <p:clrMapOvr>
@@ -8465,35 +8767,26 @@
         </p:nvSpPr>
         <p:spPr/>
         <p:txBody>
-          <a:bodyPr/>
-          <a:lstStyle/>
-          <a:p>
-            <a:r>
-              <a:rPr lang="en-CA" dirty="0" smtClean="0"/>
-              <a:t>DW: Materialized Views</a:t>
-            </a:r>
-            <a:endParaRPr lang="en-CA" dirty="0"/>
-          </a:p>
-        </p:txBody>
-      </p:sp>
-      <p:sp>
-        <p:nvSpPr>
-          <p:cNvPr id="3" name="Content Placeholder 2"/>
-          <p:cNvSpPr>
-            <a:spLocks noGrp="1"/>
-          </p:cNvSpPr>
-          <p:nvPr>
-            <p:ph idx="1"/>
-          </p:nvPr>
-        </p:nvSpPr>
-        <p:spPr/>
-        <p:txBody>
           <a:bodyPr>
             <a:normAutofit/>
           </a:bodyPr>
           <a:lstStyle/>
           <a:p>
-            <a:endParaRPr lang="en-CA" dirty="0" smtClean="0"/>
+            <a:r>
+              <a:rPr lang="en-CA" dirty="0" smtClean="0"/>
+              <a:t>DW: Design </a:t>
+            </a:r>
+            <a:r>
+              <a:rPr lang="en-CA" sz="2400" i="1" dirty="0" smtClean="0">
+                <a:solidFill>
+                  <a:srgbClr val="F0AD00">
+                    <a:satMod val="150000"/>
+                  </a:srgbClr>
+                </a:solidFill>
+              </a:rPr>
+              <a:t>Cont’d</a:t>
+            </a:r>
+            <a:endParaRPr lang="en-CA" dirty="0"/>
           </a:p>
         </p:txBody>
       </p:sp>
@@ -8567,6 +8860,62 @@
           </a:p>
         </p:txBody>
       </p:sp>
+      <p:sp>
+        <p:nvSpPr>
+          <p:cNvPr id="7" name="Content Placeholder 6"/>
+          <p:cNvSpPr>
+            <a:spLocks noGrp="1"/>
+          </p:cNvSpPr>
+          <p:nvPr>
+            <p:ph idx="1"/>
+          </p:nvPr>
+        </p:nvSpPr>
+        <p:spPr/>
+        <p:txBody>
+          <a:bodyPr/>
+          <a:lstStyle/>
+          <a:p>
+            <a:r>
+              <a:rPr lang="en-CA" dirty="0" smtClean="0"/>
+              <a:t>Star Schema</a:t>
+            </a:r>
+            <a:endParaRPr lang="en-CA" dirty="0"/>
+          </a:p>
+        </p:txBody>
+      </p:sp>
+      <p:pic>
+        <p:nvPicPr>
+          <p:cNvPr id="1026" name="Picture 2"/>
+          <p:cNvPicPr>
+            <a:picLocks noChangeAspect="1" noChangeArrowheads="1"/>
+          </p:cNvPicPr>
+          <p:nvPr/>
+        </p:nvPicPr>
+        <p:blipFill>
+          <a:blip r:embed="rId2"/>
+          <a:srcRect/>
+          <a:stretch>
+            <a:fillRect/>
+          </a:stretch>
+        </p:blipFill>
+        <p:spPr bwMode="auto">
+          <a:xfrm>
+            <a:off x="1328216" y="2357430"/>
+            <a:ext cx="6487568" cy="3929090"/>
+          </a:xfrm>
+          <a:prstGeom prst="rect">
+            <a:avLst/>
+          </a:prstGeom>
+          <a:noFill/>
+          <a:ln w="9525">
+            <a:noFill/>
+            <a:miter lim="800000"/>
+            <a:headEnd/>
+            <a:tailEnd/>
+          </a:ln>
+          <a:effectLst/>
+        </p:spPr>
+      </p:pic>
     </p:spTree>
   </p:cSld>
   <p:clrMapOvr>
@@ -8774,7 +9123,7 @@
           <a:p>
             <a:r>
               <a:rPr lang="en-CA" dirty="0" smtClean="0"/>
-              <a:t>DW: Partitioning</a:t>
+              <a:t>DW: Challenges</a:t>
             </a:r>
             <a:endParaRPr lang="en-CA" dirty="0"/>
           </a:p>
@@ -8797,7 +9146,55 @@
           </a:bodyPr>
           <a:lstStyle/>
           <a:p>
-            <a:endParaRPr lang="en-CA" dirty="0" smtClean="0"/>
+            <a:r>
+              <a:rPr lang="en-CA" dirty="0" smtClean="0"/>
+              <a:t>Data is usually</a:t>
+            </a:r>
+          </a:p>
+          <a:p>
+            <a:pPr lvl="2"/>
+            <a:r>
+              <a:rPr lang="en-CA" dirty="0" smtClean="0"/>
+              <a:t>Extremely large</a:t>
+            </a:r>
+          </a:p>
+          <a:p>
+            <a:pPr lvl="2"/>
+            <a:r>
+              <a:rPr lang="en-CA" dirty="0" smtClean="0"/>
+              <a:t>Multi-dimensional</a:t>
+            </a:r>
+          </a:p>
+          <a:p>
+            <a:r>
+              <a:rPr lang="en-CA" dirty="0" smtClean="0"/>
+              <a:t>Priority for aggregated and summarized data</a:t>
+            </a:r>
+          </a:p>
+          <a:p>
+            <a:r>
+              <a:rPr lang="en-CA" dirty="0" smtClean="0"/>
+              <a:t>Ad-hoc and complex queries</a:t>
+            </a:r>
+          </a:p>
+          <a:p>
+            <a:r>
+              <a:rPr lang="en-CA" dirty="0" smtClean="0"/>
+              <a:t>Expensive operations: aggregation, and joins</a:t>
+            </a:r>
+          </a:p>
+          <a:p>
+            <a:pPr lvl="2"/>
+            <a:r>
+              <a:rPr lang="en-CA" dirty="0" smtClean="0"/>
+              <a:t>the fact table participates in every join</a:t>
+            </a:r>
+          </a:p>
+          <a:p>
+            <a:r>
+              <a:rPr lang="en-CA" dirty="0" smtClean="0"/>
+              <a:t>Figure ??</a:t>
+            </a:r>
           </a:p>
         </p:txBody>
       </p:sp>
@@ -8913,30 +9310,9 @@
           <a:p>
             <a:r>
               <a:rPr lang="en-CA" dirty="0" smtClean="0"/>
-              <a:t>DW: Clustering</a:t>
+              <a:t>DW: Indexes</a:t>
             </a:r>
             <a:endParaRPr lang="en-CA" dirty="0"/>
-          </a:p>
-        </p:txBody>
-      </p:sp>
-      <p:sp>
-        <p:nvSpPr>
-          <p:cNvPr id="3" name="Content Placeholder 2"/>
-          <p:cNvSpPr>
-            <a:spLocks noGrp="1"/>
-          </p:cNvSpPr>
-          <p:nvPr>
-            <p:ph idx="1"/>
-          </p:nvPr>
-        </p:nvSpPr>
-        <p:spPr/>
-        <p:txBody>
-          <a:bodyPr>
-            <a:normAutofit/>
-          </a:bodyPr>
-          <a:lstStyle/>
-          <a:p>
-            <a:endParaRPr lang="en-CA" dirty="0" smtClean="0"/>
           </a:p>
         </p:txBody>
       </p:sp>
@@ -9007,6 +9383,120 @@
               <a:t>31</a:t>
             </a:fld>
             <a:endParaRPr lang="en-CA"/>
+          </a:p>
+        </p:txBody>
+      </p:sp>
+      <p:sp>
+        <p:nvSpPr>
+          <p:cNvPr id="7" name="Content Placeholder 6"/>
+          <p:cNvSpPr>
+            <a:spLocks noGrp="1"/>
+          </p:cNvSpPr>
+          <p:nvPr>
+            <p:ph idx="1"/>
+          </p:nvPr>
+        </p:nvSpPr>
+        <p:spPr/>
+        <p:txBody>
+          <a:bodyPr>
+            <a:normAutofit/>
+          </a:bodyPr>
+          <a:lstStyle/>
+          <a:p>
+            <a:r>
+              <a:rPr lang="en-CA" dirty="0" smtClean="0"/>
+              <a:t>Universal B</a:t>
+            </a:r>
+            <a:r>
+              <a:rPr lang="en-CA" baseline="30000" dirty="0" smtClean="0"/>
+              <a:t>+</a:t>
+            </a:r>
+            <a:r>
+              <a:rPr lang="en-CA" dirty="0" smtClean="0"/>
+              <a:t>-Trees (UB-Trees)</a:t>
+            </a:r>
+          </a:p>
+          <a:p>
+            <a:pPr lvl="2"/>
+            <a:r>
+              <a:rPr lang="en-CA" dirty="0" smtClean="0"/>
+              <a:t>Variation of B</a:t>
+            </a:r>
+            <a:r>
+              <a:rPr lang="en-CA" baseline="30000" dirty="0" smtClean="0"/>
+              <a:t>+</a:t>
+            </a:r>
+            <a:r>
+              <a:rPr lang="en-CA" dirty="0" smtClean="0"/>
+              <a:t>-trees</a:t>
+            </a:r>
+          </a:p>
+          <a:p>
+            <a:pPr lvl="3"/>
+            <a:r>
+              <a:rPr lang="en-CA" dirty="0" smtClean="0"/>
+              <a:t>Records are stored at the leaves</a:t>
+            </a:r>
+          </a:p>
+          <a:p>
+            <a:pPr lvl="2"/>
+            <a:r>
+              <a:rPr lang="en-CA" dirty="0" smtClean="0"/>
+              <a:t>Multidimensional data is linearized</a:t>
+            </a:r>
+          </a:p>
+          <a:p>
+            <a:pPr lvl="3"/>
+            <a:r>
+              <a:rPr lang="en-CA" dirty="0" smtClean="0"/>
+              <a:t>Records are stored according the Z-order</a:t>
+            </a:r>
+          </a:p>
+          <a:p>
+            <a:pPr lvl="2"/>
+            <a:r>
+              <a:rPr lang="en-CA" dirty="0" smtClean="0"/>
+              <a:t>Pros</a:t>
+            </a:r>
+          </a:p>
+          <a:p>
+            <a:pPr lvl="3"/>
+            <a:r>
+              <a:rPr lang="en-CA" dirty="0" smtClean="0"/>
+              <a:t>Well suited for high cardinality attributes</a:t>
+            </a:r>
+          </a:p>
+          <a:p>
+            <a:pPr lvl="3"/>
+            <a:r>
+              <a:rPr lang="en-CA" dirty="0" smtClean="0"/>
+              <a:t>Excellent for point and interval queries</a:t>
+            </a:r>
+          </a:p>
+          <a:p>
+            <a:pPr lvl="2"/>
+            <a:r>
+              <a:rPr lang="en-CA" dirty="0" smtClean="0"/>
+              <a:t>Cons</a:t>
+            </a:r>
+          </a:p>
+          <a:p>
+            <a:pPr lvl="3"/>
+            <a:r>
+              <a:rPr lang="en-CA" dirty="0" smtClean="0"/>
+              <a:t>Poor performance with low cardinality attributes</a:t>
+            </a:r>
+          </a:p>
+          <a:p>
+            <a:pPr lvl="3"/>
+            <a:r>
+              <a:rPr lang="en-CA" dirty="0" smtClean="0"/>
+              <a:t>More I/O operations (result ordered by key values)</a:t>
+            </a:r>
+          </a:p>
+          <a:p>
+            <a:pPr lvl="3"/>
+            <a:endParaRPr lang="en-CA" dirty="0" smtClean="0"/>
           </a:p>
         </p:txBody>
       </p:sp>
@@ -9052,30 +9542,19 @@
           <a:p>
             <a:r>
               <a:rPr lang="en-CA" dirty="0" smtClean="0"/>
-              <a:t>DW: Summary</a:t>
+              <a:t>DW: Indexes </a:t>
+            </a:r>
+            <a:r>
+              <a:rPr lang="en-CA" sz="2400" i="1" dirty="0" smtClean="0">
+                <a:solidFill>
+                  <a:srgbClr val="F0AD00">
+                    <a:satMod val="150000"/>
+                  </a:srgbClr>
+                </a:solidFill>
+              </a:rPr>
+              <a:t>Cont’d</a:t>
             </a:r>
             <a:endParaRPr lang="en-CA" dirty="0"/>
-          </a:p>
-        </p:txBody>
-      </p:sp>
-      <p:sp>
-        <p:nvSpPr>
-          <p:cNvPr id="3" name="Content Placeholder 2"/>
-          <p:cNvSpPr>
-            <a:spLocks noGrp="1"/>
-          </p:cNvSpPr>
-          <p:nvPr>
-            <p:ph idx="1"/>
-          </p:nvPr>
-        </p:nvSpPr>
-        <p:spPr/>
-        <p:txBody>
-          <a:bodyPr>
-            <a:normAutofit/>
-          </a:bodyPr>
-          <a:lstStyle/>
-          <a:p>
-            <a:endParaRPr lang="en-CA" dirty="0" smtClean="0"/>
           </a:p>
         </p:txBody>
       </p:sp>
@@ -9149,11 +9628,129 @@
           </a:p>
         </p:txBody>
       </p:sp>
+      <p:sp>
+        <p:nvSpPr>
+          <p:cNvPr id="7" name="Content Placeholder 6"/>
+          <p:cNvSpPr>
+            <a:spLocks noGrp="1"/>
+          </p:cNvSpPr>
+          <p:nvPr>
+            <p:ph idx="1"/>
+          </p:nvPr>
+        </p:nvSpPr>
+        <p:spPr>
+          <a:xfrm>
+            <a:off x="457200" y="1775191"/>
+            <a:ext cx="8472518" cy="4625609"/>
+          </a:xfrm>
+        </p:spPr>
+        <p:txBody>
+          <a:bodyPr>
+            <a:normAutofit/>
+          </a:bodyPr>
+          <a:lstStyle/>
+          <a:p>
+            <a:r>
+              <a:rPr lang="en-CA" dirty="0" smtClean="0"/>
+              <a:t>Bitmap Index</a:t>
+            </a:r>
+          </a:p>
+          <a:p>
+            <a:pPr lvl="2"/>
+            <a:r>
+              <a:rPr lang="en-CA" dirty="0" smtClean="0"/>
+              <a:t>Bit array data structure (aka bitset, bitmap)</a:t>
+            </a:r>
+          </a:p>
+          <a:p>
+            <a:pPr lvl="2"/>
+            <a:r>
+              <a:rPr lang="en-CA" dirty="0" smtClean="0"/>
+              <a:t>Pros</a:t>
+            </a:r>
+          </a:p>
+          <a:p>
+            <a:pPr lvl="3"/>
+            <a:r>
+              <a:rPr lang="en-CA" dirty="0" smtClean="0"/>
+              <a:t>Outperforms B</a:t>
+            </a:r>
+            <a:r>
+              <a:rPr lang="en-CA" baseline="30000" dirty="0" smtClean="0"/>
+              <a:t>+</a:t>
+            </a:r>
+            <a:r>
+              <a:rPr lang="en-CA" dirty="0" smtClean="0"/>
+              <a:t>-trees for low cardinality attributes (e.g. gender)</a:t>
+            </a:r>
+          </a:p>
+          <a:p>
+            <a:pPr lvl="3"/>
+            <a:r>
+              <a:rPr lang="en-CA" dirty="0" smtClean="0"/>
+              <a:t>Even more useful when combined with star schema</a:t>
+            </a:r>
+          </a:p>
+          <a:p>
+            <a:pPr lvl="4"/>
+            <a:r>
+              <a:rPr lang="en-CA" dirty="0" smtClean="0"/>
+              <a:t>Joining a large fact table with multiple small dimension tables</a:t>
+            </a:r>
+          </a:p>
+          <a:p>
+            <a:pPr lvl="3"/>
+            <a:r>
+              <a:rPr lang="en-CA" dirty="0" smtClean="0"/>
+              <a:t>Less storage space</a:t>
+            </a:r>
+          </a:p>
+          <a:p>
+            <a:pPr lvl="3"/>
+            <a:r>
+              <a:rPr lang="en-CA" dirty="0" smtClean="0"/>
+              <a:t>Reduces search space</a:t>
+            </a:r>
+          </a:p>
+          <a:p>
+            <a:pPr lvl="4"/>
+            <a:r>
+              <a:rPr lang="en-CA" dirty="0" smtClean="0"/>
+              <a:t>Utilizes bitwise operations </a:t>
+            </a:r>
+          </a:p>
+          <a:p>
+            <a:pPr lvl="2"/>
+            <a:r>
+              <a:rPr lang="en-CA" dirty="0" smtClean="0"/>
+              <a:t>Cons</a:t>
+            </a:r>
+          </a:p>
+          <a:p>
+            <a:pPr lvl="3"/>
+            <a:r>
+              <a:rPr lang="en-CA" dirty="0" smtClean="0"/>
+              <a:t>Not amenable to index updates (though not an issue for DW)</a:t>
+            </a:r>
+          </a:p>
+          <a:p>
+            <a:pPr lvl="2"/>
+            <a:endParaRPr lang="en-CA" dirty="0" smtClean="0"/>
+          </a:p>
+        </p:txBody>
+      </p:sp>
     </p:spTree>
   </p:cSld>
   <p:clrMapOvr>
     <a:masterClrMapping/>
   </p:clrMapOvr>
+  <p:timing>
+    <p:tnLst>
+      <p:par>
+        <p:cTn id="1" dur="indefinite" restart="never" nodeType="tmRoot"/>
+      </p:par>
+    </p:tnLst>
+  </p:timing>
 </p:sld>
 </file>
 
@@ -9176,7 +9773,7 @@
       </p:grpSpPr>
       <p:sp>
         <p:nvSpPr>
-          <p:cNvPr id="7" name="Title 6"/>
+          <p:cNvPr id="2" name="Title 1"/>
           <p:cNvSpPr>
             <a:spLocks noGrp="1"/>
           </p:cNvSpPr>
@@ -9191,50 +9788,17 @@
           <a:p>
             <a:r>
               <a:rPr lang="en-CA" dirty="0" smtClean="0"/>
-              <a:t>XML Databases</a:t>
-            </a:r>
-            <a:endParaRPr lang="en-CA" dirty="0"/>
-          </a:p>
-        </p:txBody>
-      </p:sp>
-      <p:sp>
-        <p:nvSpPr>
-          <p:cNvPr id="9" name="Content Placeholder 8"/>
-          <p:cNvSpPr>
-            <a:spLocks noGrp="1"/>
-          </p:cNvSpPr>
-          <p:nvPr>
-            <p:ph idx="1"/>
-          </p:nvPr>
-        </p:nvSpPr>
-        <p:spPr/>
-        <p:txBody>
-          <a:bodyPr/>
-          <a:lstStyle/>
-          <a:p>
-            <a:r>
-              <a:rPr lang="en-CA" dirty="0" smtClean="0"/>
-              <a:t>XML-enabled DBs:</a:t>
-            </a:r>
-          </a:p>
-          <a:p>
-            <a:pPr lvl="2"/>
-            <a:r>
-              <a:rPr lang="en-CA" dirty="0" smtClean="0"/>
-              <a:t>Maps XML documents to relational tables</a:t>
-            </a:r>
-          </a:p>
-          <a:p>
-            <a:r>
-              <a:rPr lang="en-CA" dirty="0" smtClean="0"/>
-              <a:t>Native XML DBs:</a:t>
-            </a:r>
-          </a:p>
-          <a:p>
-            <a:pPr lvl="2"/>
-            <a:r>
-              <a:rPr lang="en-CA" dirty="0" smtClean="0"/>
-              <a:t>Data structures store actual XML</a:t>
+              <a:t>DW: Indexes </a:t>
+            </a:r>
+            <a:r>
+              <a:rPr lang="en-CA" sz="2400" i="1" dirty="0" smtClean="0">
+                <a:solidFill>
+                  <a:srgbClr val="F0AD00">
+                    <a:satMod val="150000"/>
+                  </a:srgbClr>
+                </a:solidFill>
+              </a:rPr>
+              <a:t>Cont’d</a:t>
             </a:r>
             <a:endParaRPr lang="en-CA" dirty="0"/>
           </a:p>
@@ -9310,11 +9874,77 @@
           </a:p>
         </p:txBody>
       </p:sp>
+      <p:sp>
+        <p:nvSpPr>
+          <p:cNvPr id="7" name="Content Placeholder 6"/>
+          <p:cNvSpPr>
+            <a:spLocks noGrp="1"/>
+          </p:cNvSpPr>
+          <p:nvPr>
+            <p:ph idx="1"/>
+          </p:nvPr>
+        </p:nvSpPr>
+        <p:spPr/>
+        <p:txBody>
+          <a:bodyPr>
+            <a:normAutofit/>
+          </a:bodyPr>
+          <a:lstStyle/>
+          <a:p>
+            <a:r>
+              <a:rPr lang="en-CA" dirty="0" smtClean="0"/>
+              <a:t>Projection Index</a:t>
+            </a:r>
+          </a:p>
+          <a:p>
+            <a:pPr lvl="2"/>
+            <a:r>
+              <a:rPr lang="en-CA" dirty="0" smtClean="0"/>
+              <a:t>Values preserve their table row order in the index</a:t>
+            </a:r>
+          </a:p>
+          <a:p>
+            <a:pPr lvl="2"/>
+            <a:r>
+              <a:rPr lang="en-CA" dirty="0" smtClean="0"/>
+              <a:t>Pros</a:t>
+            </a:r>
+          </a:p>
+          <a:p>
+            <a:pPr lvl="3"/>
+            <a:r>
+              <a:rPr lang="en-CA" dirty="0" smtClean="0"/>
+              <a:t>More results per I/O operation since a query in DW usually retrieves a few columns from a given table</a:t>
+            </a:r>
+          </a:p>
+          <a:p>
+            <a:pPr lvl="2"/>
+            <a:r>
+              <a:rPr lang="en-CA" dirty="0" smtClean="0"/>
+              <a:t>Cons</a:t>
+            </a:r>
+          </a:p>
+          <a:p>
+            <a:pPr lvl="3"/>
+            <a:r>
+              <a:rPr lang="en-CA" dirty="0" smtClean="0"/>
+              <a:t>Can only fetch raw data (e.g. column list in selection)</a:t>
+            </a:r>
+          </a:p>
+        </p:txBody>
+      </p:sp>
     </p:spTree>
   </p:cSld>
   <p:clrMapOvr>
     <a:masterClrMapping/>
   </p:clrMapOvr>
+  <p:timing>
+    <p:tnLst>
+      <p:par>
+        <p:cTn id="1" dur="indefinite" restart="never" nodeType="tmRoot"/>
+      </p:par>
+    </p:tnLst>
+  </p:timing>
 </p:sld>
 </file>
 
@@ -9337,7 +9967,7 @@
       </p:grpSpPr>
       <p:sp>
         <p:nvSpPr>
-          <p:cNvPr id="7" name="Title 6"/>
+          <p:cNvPr id="2" name="Title 1"/>
           <p:cNvSpPr>
             <a:spLocks noGrp="1"/>
           </p:cNvSpPr>
@@ -9352,7 +9982,7 @@
           <a:p>
             <a:r>
               <a:rPr lang="en-CA" dirty="0" smtClean="0"/>
-              <a:t>XML DBs: Indexes</a:t>
+              <a:t>DW: Materialized Views</a:t>
             </a:r>
             <a:endParaRPr lang="en-CA" dirty="0"/>
           </a:p>
@@ -9360,7 +9990,7 @@
       </p:sp>
       <p:sp>
         <p:nvSpPr>
-          <p:cNvPr id="8" name="Content Placeholder 7"/>
+          <p:cNvPr id="3" name="Content Placeholder 2"/>
           <p:cNvSpPr>
             <a:spLocks noGrp="1"/>
           </p:cNvSpPr>
@@ -9368,29 +9998,67 @@
             <p:ph idx="1"/>
           </p:nvPr>
         </p:nvSpPr>
-        <p:spPr/>
-        <p:txBody>
-          <a:bodyPr/>
-          <a:lstStyle/>
-          <a:p>
-            <a:r>
-              <a:rPr lang="en-CA" dirty="0" smtClean="0"/>
-              <a:t>Same index structures can be used</a:t>
-            </a:r>
-          </a:p>
-          <a:p>
-            <a:r>
-              <a:rPr lang="en-CA" dirty="0" smtClean="0"/>
-              <a:t>Need adjustments</a:t>
+        <p:spPr>
+          <a:xfrm>
+            <a:off x="457200" y="1775191"/>
+            <a:ext cx="8329642" cy="4625609"/>
+          </a:xfrm>
+        </p:spPr>
+        <p:txBody>
+          <a:bodyPr>
+            <a:normAutofit/>
+          </a:bodyPr>
+          <a:lstStyle/>
+          <a:p>
+            <a:r>
+              <a:rPr lang="en-CA" dirty="0" smtClean="0"/>
+              <a:t>Materialize frequent queries of the base tables as views</a:t>
             </a:r>
           </a:p>
           <a:p>
             <a:pPr lvl="2"/>
             <a:r>
               <a:rPr lang="en-CA" dirty="0" smtClean="0"/>
-              <a:t>Need a numbering schema for the XML nodes</a:t>
-            </a:r>
-            <a:endParaRPr lang="en-CA" dirty="0"/>
+              <a:t>Pre-compute and store aggregated data (i.e. summaries)</a:t>
+            </a:r>
+          </a:p>
+          <a:p>
+            <a:pPr lvl="2"/>
+            <a:r>
+              <a:rPr lang="en-CA" dirty="0" smtClean="0"/>
+              <a:t>Pre-compute expensive joins</a:t>
+            </a:r>
+          </a:p>
+          <a:p>
+            <a:r>
+              <a:rPr lang="en-CA" dirty="0" smtClean="0"/>
+              <a:t>To materialize or not?</a:t>
+            </a:r>
+          </a:p>
+          <a:p>
+            <a:pPr lvl="2"/>
+            <a:r>
+              <a:rPr lang="en-CA" dirty="0" smtClean="0"/>
+              <a:t>Workload characteristics</a:t>
+            </a:r>
+          </a:p>
+          <a:p>
+            <a:pPr lvl="2"/>
+            <a:r>
+              <a:rPr lang="en-CA" dirty="0" smtClean="0"/>
+              <a:t>Cost for incremental update</a:t>
+            </a:r>
+          </a:p>
+          <a:p>
+            <a:pPr lvl="2"/>
+            <a:r>
+              <a:rPr lang="en-CA" dirty="0" smtClean="0"/>
+              <a:t>Storage requirements</a:t>
+            </a:r>
+          </a:p>
+          <a:p>
+            <a:pPr lvl="2"/>
+            <a:endParaRPr lang="en-CA" dirty="0" smtClean="0"/>
           </a:p>
         </p:txBody>
       </p:sp>
@@ -9506,9 +10174,13 @@
           <a:p>
             <a:r>
               <a:rPr lang="en-CA" dirty="0" smtClean="0"/>
-              <a:t>XML DBs: Materialized Views</a:t>
-            </a:r>
-            <a:endParaRPr lang="en-CA" dirty="0"/>
+              <a:t>DW: Materialized Views </a:t>
+            </a:r>
+            <a:r>
+              <a:rPr lang="en-CA" sz="2400" i="1" dirty="0" smtClean="0"/>
+              <a:t>Cont’d</a:t>
+            </a:r>
+            <a:endParaRPr lang="en-CA" sz="2400" i="1" dirty="0"/>
           </a:p>
         </p:txBody>
       </p:sp>
@@ -9522,12 +10194,56 @@
             <p:ph idx="1"/>
           </p:nvPr>
         </p:nvSpPr>
-        <p:spPr/>
-        <p:txBody>
-          <a:bodyPr/>
-          <a:lstStyle/>
-          <a:p>
-            <a:endParaRPr lang="en-CA"/>
+        <p:spPr>
+          <a:xfrm>
+            <a:off x="457200" y="1775191"/>
+            <a:ext cx="8329642" cy="4625609"/>
+          </a:xfrm>
+        </p:spPr>
+        <p:txBody>
+          <a:bodyPr>
+            <a:normAutofit/>
+          </a:bodyPr>
+          <a:lstStyle/>
+          <a:p>
+            <a:r>
+              <a:rPr lang="en-CA" dirty="0" smtClean="0"/>
+              <a:t>Pros</a:t>
+            </a:r>
+          </a:p>
+          <a:p>
+            <a:pPr lvl="2"/>
+            <a:r>
+              <a:rPr lang="en-CA" dirty="0" smtClean="0"/>
+              <a:t>Behaves like an index</a:t>
+            </a:r>
+          </a:p>
+          <a:p>
+            <a:pPr lvl="2"/>
+            <a:r>
+              <a:rPr lang="en-CA" dirty="0" smtClean="0"/>
+              <a:t>Improves performance through fast lookups</a:t>
+            </a:r>
+          </a:p>
+          <a:p>
+            <a:pPr lvl="2"/>
+            <a:r>
+              <a:rPr lang="en-CA" dirty="0" smtClean="0"/>
+              <a:t>Useful for rollup and drilldown operations</a:t>
+            </a:r>
+          </a:p>
+          <a:p>
+            <a:r>
+              <a:rPr lang="en-CA" dirty="0" smtClean="0"/>
+              <a:t>Cons</a:t>
+            </a:r>
+          </a:p>
+          <a:p>
+            <a:pPr lvl="2"/>
+            <a:r>
+              <a:rPr lang="en-CA" dirty="0" smtClean="0"/>
+              <a:t>Not applicable to all queries (e.g. ad-hoc queries)</a:t>
+            </a:r>
           </a:p>
         </p:txBody>
       </p:sp>
@@ -9643,11 +10359,7 @@
           <a:p>
             <a:r>
               <a:rPr lang="en-CA" dirty="0" smtClean="0"/>
-              <a:t>XML DBs: </a:t>
-            </a:r>
-            <a:r>
-              <a:rPr lang="en-CA" dirty="0" err="1" smtClean="0"/>
-              <a:t>Paritioning</a:t>
+              <a:t>DW: Partitioning</a:t>
             </a:r>
             <a:endParaRPr lang="en-CA" dirty="0"/>
           </a:p>
@@ -9663,12 +10375,83 @@
             <p:ph idx="1"/>
           </p:nvPr>
         </p:nvSpPr>
-        <p:spPr/>
-        <p:txBody>
-          <a:bodyPr/>
-          <a:lstStyle/>
-          <a:p>
-            <a:endParaRPr lang="en-CA"/>
+        <p:spPr>
+          <a:xfrm>
+            <a:off x="457200" y="1775191"/>
+            <a:ext cx="8401080" cy="4625609"/>
+          </a:xfrm>
+        </p:spPr>
+        <p:txBody>
+          <a:bodyPr>
+            <a:normAutofit fontScale="92500" lnSpcReduction="20000"/>
+          </a:bodyPr>
+          <a:lstStyle/>
+          <a:p>
+            <a:r>
+              <a:rPr lang="en-CA" dirty="0" smtClean="0"/>
+              <a:t>Dividing database objects into smaller more manageable pieces</a:t>
+            </a:r>
+          </a:p>
+          <a:p>
+            <a:r>
+              <a:rPr lang="en-CA" dirty="0" smtClean="0"/>
+              <a:t>Pros</a:t>
+            </a:r>
+          </a:p>
+          <a:p>
+            <a:pPr lvl="2"/>
+            <a:r>
+              <a:rPr lang="en-CA" dirty="0" smtClean="0"/>
+              <a:t>Ability to manage larger databases</a:t>
+            </a:r>
+          </a:p>
+          <a:p>
+            <a:pPr lvl="2"/>
+            <a:r>
+              <a:rPr lang="en-CA" dirty="0" smtClean="0"/>
+              <a:t>Enhances query performance over large tables</a:t>
+            </a:r>
+          </a:p>
+          <a:p>
+            <a:pPr lvl="2"/>
+            <a:r>
+              <a:rPr lang="en-CA" dirty="0" smtClean="0"/>
+              <a:t>Enables parallel processing </a:t>
+            </a:r>
+          </a:p>
+          <a:p>
+            <a:pPr lvl="2"/>
+            <a:r>
+              <a:rPr lang="en-CA" dirty="0" smtClean="0"/>
+              <a:t>Facilitates data compression</a:t>
+            </a:r>
+          </a:p>
+          <a:p>
+            <a:r>
+              <a:rPr lang="en-CA" dirty="0" smtClean="0"/>
+              <a:t>Cons</a:t>
+            </a:r>
+          </a:p>
+          <a:p>
+            <a:pPr lvl="2"/>
+            <a:r>
+              <a:rPr lang="en-CA" dirty="0" smtClean="0"/>
+              <a:t>Complexity: managing partitions</a:t>
+            </a:r>
+          </a:p>
+          <a:p>
+            <a:pPr lvl="2"/>
+            <a:r>
+              <a:rPr lang="en-CA" dirty="0" smtClean="0"/>
+              <a:t>Efficiency: number of partitions affects the performance of meta data operations (e.g. browsing the data cube definition)</a:t>
+            </a:r>
+          </a:p>
+          <a:p>
+            <a:pPr lvl="2"/>
+            <a:r>
+              <a:rPr lang="en-CA" dirty="0" smtClean="0"/>
+              <a:t>Might affect data refresh operations</a:t>
+            </a:r>
           </a:p>
         </p:txBody>
       </p:sp>
@@ -9784,28 +10567,13 @@
           <a:p>
             <a:r>
               <a:rPr lang="en-CA" dirty="0" smtClean="0"/>
-              <a:t>XML DBs: Clustering</a:t>
-            </a:r>
-            <a:endParaRPr lang="en-CA" dirty="0"/>
-          </a:p>
-        </p:txBody>
-      </p:sp>
-      <p:sp>
-        <p:nvSpPr>
-          <p:cNvPr id="3" name="Content Placeholder 2"/>
-          <p:cNvSpPr>
-            <a:spLocks noGrp="1"/>
-          </p:cNvSpPr>
-          <p:nvPr>
-            <p:ph idx="1"/>
-          </p:nvPr>
-        </p:nvSpPr>
-        <p:spPr/>
-        <p:txBody>
-          <a:bodyPr/>
-          <a:lstStyle/>
-          <a:p>
-            <a:endParaRPr lang="en-CA"/>
+              <a:t>DW: Partitioning </a:t>
+            </a:r>
+            <a:r>
+              <a:rPr lang="en-CA" sz="2400" i="1" dirty="0" smtClean="0"/>
+              <a:t>Cont’d</a:t>
+            </a:r>
+            <a:endParaRPr lang="en-CA" sz="2400" i="1" dirty="0"/>
           </a:p>
         </p:txBody>
       </p:sp>
@@ -9879,6 +10647,209 @@
           </a:p>
         </p:txBody>
       </p:sp>
+      <p:graphicFrame>
+        <p:nvGraphicFramePr>
+          <p:cNvPr id="9" name="Content Placeholder 8"/>
+          <p:cNvGraphicFramePr>
+            <a:graphicFrameLocks noGrp="1"/>
+          </p:cNvGraphicFramePr>
+          <p:nvPr>
+            <p:ph idx="1"/>
+          </p:nvPr>
+        </p:nvGraphicFramePr>
+        <p:xfrm>
+          <a:off x="457200" y="1774825"/>
+          <a:ext cx="8229600" cy="1930400"/>
+        </p:xfrm>
+        <a:graphic>
+          <a:graphicData uri="http://schemas.openxmlformats.org/drawingml/2006/table">
+            <a:tbl>
+              <a:tblPr firstRow="1" bandRow="1">
+                <a:tableStyleId>{5C22544A-7EE6-4342-B048-85BDC9FD1C3A}</a:tableStyleId>
+              </a:tblPr>
+              <a:tblGrid>
+                <a:gridCol w="2743200"/>
+                <a:gridCol w="2743200"/>
+                <a:gridCol w="2743200"/>
+              </a:tblGrid>
+              <a:tr h="370840">
+                <a:tc>
+                  <a:txBody>
+                    <a:bodyPr/>
+                    <a:lstStyle/>
+                    <a:p>
+                      <a:endParaRPr lang="en-CA" dirty="0"/>
+                    </a:p>
+                  </a:txBody>
+                  <a:tcPr/>
+                </a:tc>
+                <a:tc>
+                  <a:txBody>
+                    <a:bodyPr/>
+                    <a:lstStyle/>
+                    <a:p>
+                      <a:pPr algn="ctr"/>
+                      <a:r>
+                        <a:rPr lang="en-CA" dirty="0" smtClean="0"/>
+                        <a:t>Horizontal Partitioning</a:t>
+                      </a:r>
+                      <a:endParaRPr lang="en-CA" dirty="0"/>
+                    </a:p>
+                  </a:txBody>
+                  <a:tcPr/>
+                </a:tc>
+                <a:tc>
+                  <a:txBody>
+                    <a:bodyPr/>
+                    <a:lstStyle/>
+                    <a:p>
+                      <a:pPr algn="ctr"/>
+                      <a:r>
+                        <a:rPr lang="en-CA" dirty="0" smtClean="0"/>
+                        <a:t>Vertical Partitioning</a:t>
+                      </a:r>
+                      <a:endParaRPr lang="en-CA" dirty="0"/>
+                    </a:p>
+                  </a:txBody>
+                  <a:tcPr/>
+                </a:tc>
+              </a:tr>
+              <a:tr h="370840">
+                <a:tc>
+                  <a:txBody>
+                    <a:bodyPr/>
+                    <a:lstStyle/>
+                    <a:p>
+                      <a:r>
+                        <a:rPr lang="en-CA" dirty="0" smtClean="0"/>
+                        <a:t>How?</a:t>
+                      </a:r>
+                      <a:endParaRPr lang="en-CA" dirty="0"/>
+                    </a:p>
+                  </a:txBody>
+                  <a:tcPr/>
+                </a:tc>
+                <a:tc>
+                  <a:txBody>
+                    <a:bodyPr/>
+                    <a:lstStyle/>
+                    <a:p>
+                      <a:pPr algn="ctr"/>
+                      <a:r>
+                        <a:rPr lang="en-CA" dirty="0" smtClean="0"/>
+                        <a:t>Splitting out rows</a:t>
+                      </a:r>
+                      <a:endParaRPr lang="en-CA" dirty="0"/>
+                    </a:p>
+                  </a:txBody>
+                  <a:tcPr/>
+                </a:tc>
+                <a:tc>
+                  <a:txBody>
+                    <a:bodyPr/>
+                    <a:lstStyle/>
+                    <a:p>
+                      <a:pPr algn="ctr"/>
+                      <a:r>
+                        <a:rPr lang="en-CA" dirty="0" smtClean="0"/>
+                        <a:t>Splitting out columns</a:t>
+                      </a:r>
+                      <a:endParaRPr lang="en-CA" dirty="0"/>
+                    </a:p>
+                  </a:txBody>
+                  <a:tcPr/>
+                </a:tc>
+              </a:tr>
+              <a:tr h="370840">
+                <a:tc>
+                  <a:txBody>
+                    <a:bodyPr/>
+                    <a:lstStyle/>
+                    <a:p>
+                      <a:r>
+                        <a:rPr lang="en-CA" dirty="0" smtClean="0"/>
+                        <a:t>Based on?</a:t>
+                      </a:r>
+                      <a:endParaRPr lang="en-CA" dirty="0"/>
+                    </a:p>
+                  </a:txBody>
+                  <a:tcPr/>
+                </a:tc>
+                <a:tc>
+                  <a:txBody>
+                    <a:bodyPr/>
+                    <a:lstStyle/>
+                    <a:p>
+                      <a:pPr algn="l">
+                        <a:buFontTx/>
+                        <a:buChar char="-"/>
+                      </a:pPr>
+                      <a:r>
+                        <a:rPr lang="en-CA" dirty="0" smtClean="0"/>
+                        <a:t>Time dimension (type of range partitioning)</a:t>
+                      </a:r>
+                    </a:p>
+                    <a:p>
+                      <a:pPr algn="l">
+                        <a:buFontTx/>
+                        <a:buChar char="-"/>
+                      </a:pPr>
+                      <a:r>
+                        <a:rPr lang="en-CA" dirty="0" smtClean="0"/>
+                        <a:t>Predefined table size</a:t>
+                      </a:r>
+                    </a:p>
+                    <a:p>
+                      <a:pPr algn="l">
+                        <a:buFontTx/>
+                        <a:buChar char="-"/>
+                      </a:pPr>
+                      <a:r>
+                        <a:rPr lang="en-CA" dirty="0" smtClean="0"/>
+                        <a:t>Usage</a:t>
+                      </a:r>
+                      <a:endParaRPr lang="en-CA" dirty="0"/>
+                    </a:p>
+                  </a:txBody>
+                  <a:tcPr/>
+                </a:tc>
+                <a:tc>
+                  <a:txBody>
+                    <a:bodyPr/>
+                    <a:lstStyle/>
+                    <a:p>
+                      <a:pPr algn="l">
+                        <a:buFontTx/>
+                        <a:buChar char="-"/>
+                      </a:pPr>
+                      <a:r>
+                        <a:rPr lang="en-CA" dirty="0" smtClean="0"/>
+                        <a:t>Normalization</a:t>
+                      </a:r>
+                    </a:p>
+                    <a:p>
+                      <a:pPr algn="l">
+                        <a:buFontTx/>
+                        <a:buChar char="-"/>
+                      </a:pPr>
+                      <a:r>
+                        <a:rPr lang="en-CA" dirty="0" smtClean="0"/>
+                        <a:t>Move</a:t>
+                      </a:r>
+                      <a:r>
+                        <a:rPr lang="en-CA" baseline="0" dirty="0" smtClean="0"/>
+                        <a:t> seldom used columns (i.e. row splitting)</a:t>
+                      </a:r>
+                      <a:endParaRPr lang="en-CA" dirty="0"/>
+                    </a:p>
+                  </a:txBody>
+                  <a:tcPr/>
+                </a:tc>
+              </a:tr>
+            </a:tbl>
+          </a:graphicData>
+        </a:graphic>
+      </p:graphicFrame>
     </p:spTree>
   </p:cSld>
   <p:clrMapOvr>
@@ -9921,7 +10892,7 @@
           <a:p>
             <a:r>
               <a:rPr lang="en-CA" dirty="0" smtClean="0"/>
-              <a:t>XML DBs: Summary</a:t>
+              <a:t>DW: Clustering</a:t>
             </a:r>
             <a:endParaRPr lang="en-CA" dirty="0"/>
           </a:p>
@@ -9939,10 +10910,12 @@
         </p:nvSpPr>
         <p:spPr/>
         <p:txBody>
-          <a:bodyPr/>
-          <a:lstStyle/>
-          <a:p>
-            <a:endParaRPr lang="en-CA"/>
+          <a:bodyPr>
+            <a:normAutofit/>
+          </a:bodyPr>
+          <a:lstStyle/>
+          <a:p>
+            <a:endParaRPr lang="en-CA" dirty="0" smtClean="0"/>
           </a:p>
         </p:txBody>
       </p:sp>
@@ -10043,7 +11016,7 @@
       </p:grpSpPr>
       <p:sp>
         <p:nvSpPr>
-          <p:cNvPr id="7" name="Title 6"/>
+          <p:cNvPr id="2" name="Title 1"/>
           <p:cNvSpPr>
             <a:spLocks noGrp="1"/>
           </p:cNvSpPr>
@@ -10058,7 +11031,7 @@
           <a:p>
             <a:r>
               <a:rPr lang="en-CA" dirty="0" smtClean="0"/>
-              <a:t>Future Work &amp; Open Problems</a:t>
+              <a:t>DW: Summary</a:t>
             </a:r>
             <a:endParaRPr lang="en-CA" dirty="0"/>
           </a:p>
@@ -10066,20 +11039,22 @@
       </p:sp>
       <p:sp>
         <p:nvSpPr>
-          <p:cNvPr id="8" name="Text Placeholder 7"/>
-          <p:cNvSpPr>
-            <a:spLocks noGrp="1"/>
-          </p:cNvSpPr>
-          <p:nvPr>
-            <p:ph type="body" idx="1"/>
-          </p:nvPr>
-        </p:nvSpPr>
-        <p:spPr/>
-        <p:txBody>
-          <a:bodyPr/>
-          <a:lstStyle/>
-          <a:p>
-            <a:endParaRPr lang="en-CA"/>
+          <p:cNvPr id="3" name="Content Placeholder 2"/>
+          <p:cNvSpPr>
+            <a:spLocks noGrp="1"/>
+          </p:cNvSpPr>
+          <p:nvPr>
+            <p:ph idx="1"/>
+          </p:nvPr>
+        </p:nvSpPr>
+        <p:spPr/>
+        <p:txBody>
+          <a:bodyPr>
+            <a:normAutofit/>
+          </a:bodyPr>
+          <a:lstStyle/>
+          <a:p>
+            <a:endParaRPr lang="en-CA" dirty="0" smtClean="0"/>
           </a:p>
         </p:txBody>
       </p:sp>
@@ -10332,7 +11307,7 @@
           <a:p>
             <a:r>
               <a:rPr lang="en-CA" dirty="0" smtClean="0"/>
-              <a:t>Future Work</a:t>
+              <a:t>XML Databases</a:t>
             </a:r>
             <a:endParaRPr lang="en-CA" dirty="0"/>
           </a:p>
@@ -10340,7 +11315,7 @@
       </p:sp>
       <p:sp>
         <p:nvSpPr>
-          <p:cNvPr id="8" name="Content Placeholder 7"/>
+          <p:cNvPr id="9" name="Content Placeholder 8"/>
           <p:cNvSpPr>
             <a:spLocks noGrp="1"/>
           </p:cNvSpPr>
@@ -10355,7 +11330,27 @@
           <a:p>
             <a:r>
               <a:rPr lang="en-CA" dirty="0" smtClean="0"/>
-              <a:t>Looking at automating physical design (put some examples of work here and say its time permitting)</a:t>
+              <a:t>XML-enabled DBs:</a:t>
+            </a:r>
+          </a:p>
+          <a:p>
+            <a:pPr lvl="2"/>
+            <a:r>
+              <a:rPr lang="en-CA" dirty="0" smtClean="0"/>
+              <a:t>Maps XML documents to relational tables</a:t>
+            </a:r>
+          </a:p>
+          <a:p>
+            <a:r>
+              <a:rPr lang="en-CA" dirty="0" smtClean="0"/>
+              <a:t>Native XML DBs:</a:t>
+            </a:r>
+          </a:p>
+          <a:p>
+            <a:pPr lvl="2"/>
+            <a:r>
+              <a:rPr lang="en-CA" dirty="0" smtClean="0"/>
+              <a:t>Data structures store actual XML</a:t>
             </a:r>
             <a:endParaRPr lang="en-CA" dirty="0"/>
           </a:p>
@@ -10458,7 +11453,7 @@
       </p:grpSpPr>
       <p:sp>
         <p:nvSpPr>
-          <p:cNvPr id="2" name="Title 1"/>
+          <p:cNvPr id="7" name="Title 6"/>
           <p:cNvSpPr>
             <a:spLocks noGrp="1"/>
           </p:cNvSpPr>
@@ -10468,14 +11463,12 @@
         </p:nvSpPr>
         <p:spPr/>
         <p:txBody>
-          <a:bodyPr>
-            <a:normAutofit fontScale="90000"/>
-          </a:bodyPr>
-          <a:lstStyle/>
-          <a:p>
-            <a:r>
-              <a:rPr lang="en-CA" dirty="0" smtClean="0"/>
-              <a:t>Open Problems in Physical Design</a:t>
+          <a:bodyPr/>
+          <a:lstStyle/>
+          <a:p>
+            <a:r>
+              <a:rPr lang="en-CA" dirty="0" smtClean="0"/>
+              <a:t>XML DBs: Indexes</a:t>
             </a:r>
             <a:endParaRPr lang="en-CA" dirty="0"/>
           </a:p>
@@ -10496,7 +11489,24 @@
           <a:bodyPr/>
           <a:lstStyle/>
           <a:p>
-            <a:endParaRPr lang="en-CA"/>
+            <a:r>
+              <a:rPr lang="en-CA" dirty="0" smtClean="0"/>
+              <a:t>Same index structures can be used</a:t>
+            </a:r>
+          </a:p>
+          <a:p>
+            <a:r>
+              <a:rPr lang="en-CA" dirty="0" smtClean="0"/>
+              <a:t>Need adjustments</a:t>
+            </a:r>
+          </a:p>
+          <a:p>
+            <a:pPr lvl="2"/>
+            <a:r>
+              <a:rPr lang="en-CA" dirty="0" smtClean="0"/>
+              <a:t>Need a numbering schema for the XML nodes</a:t>
+            </a:r>
+            <a:endParaRPr lang="en-CA" dirty="0"/>
           </a:p>
         </p:txBody>
       </p:sp>
@@ -10597,7 +11607,7 @@
       </p:grpSpPr>
       <p:sp>
         <p:nvSpPr>
-          <p:cNvPr id="7" name="Title 6"/>
+          <p:cNvPr id="2" name="Title 1"/>
           <p:cNvSpPr>
             <a:spLocks noGrp="1"/>
           </p:cNvSpPr>
@@ -10612,7 +11622,7 @@
           <a:p>
             <a:r>
               <a:rPr lang="en-CA" dirty="0" smtClean="0"/>
-              <a:t>Summary &amp; Conclusions</a:t>
+              <a:t>XML DBs: Materialized Views</a:t>
             </a:r>
             <a:endParaRPr lang="en-CA" dirty="0"/>
           </a:p>
@@ -10620,12 +11630,12 @@
       </p:sp>
       <p:sp>
         <p:nvSpPr>
-          <p:cNvPr id="8" name="Text Placeholder 7"/>
-          <p:cNvSpPr>
-            <a:spLocks noGrp="1"/>
-          </p:cNvSpPr>
-          <p:nvPr>
-            <p:ph type="body" idx="1"/>
+          <p:cNvPr id="3" name="Content Placeholder 2"/>
+          <p:cNvSpPr>
+            <a:spLocks noGrp="1"/>
+          </p:cNvSpPr>
+          <p:nvPr>
+            <p:ph idx="1"/>
           </p:nvPr>
         </p:nvSpPr>
         <p:spPr/>
@@ -10734,6 +11744,52 @@
       </p:grpSpPr>
       <p:sp>
         <p:nvSpPr>
+          <p:cNvPr id="2" name="Title 1"/>
+          <p:cNvSpPr>
+            <a:spLocks noGrp="1"/>
+          </p:cNvSpPr>
+          <p:nvPr>
+            <p:ph type="title"/>
+          </p:nvPr>
+        </p:nvSpPr>
+        <p:spPr/>
+        <p:txBody>
+          <a:bodyPr/>
+          <a:lstStyle/>
+          <a:p>
+            <a:r>
+              <a:rPr lang="en-CA" dirty="0" smtClean="0"/>
+              <a:t>XML DBs: </a:t>
+            </a:r>
+            <a:r>
+              <a:rPr lang="en-CA" dirty="0" err="1" smtClean="0"/>
+              <a:t>Paritioning</a:t>
+            </a:r>
+            <a:endParaRPr lang="en-CA" dirty="0"/>
+          </a:p>
+        </p:txBody>
+      </p:sp>
+      <p:sp>
+        <p:nvSpPr>
+          <p:cNvPr id="3" name="Content Placeholder 2"/>
+          <p:cNvSpPr>
+            <a:spLocks noGrp="1"/>
+          </p:cNvSpPr>
+          <p:nvPr>
+            <p:ph idx="1"/>
+          </p:nvPr>
+        </p:nvSpPr>
+        <p:spPr/>
+        <p:txBody>
+          <a:bodyPr/>
+          <a:lstStyle/>
+          <a:p>
+            <a:endParaRPr lang="en-CA"/>
+          </a:p>
+        </p:txBody>
+      </p:sp>
+      <p:sp>
+        <p:nvSpPr>
           <p:cNvPr id="4" name="Date Placeholder 3"/>
           <p:cNvSpPr>
             <a:spLocks noGrp="1"/>
@@ -10799,36 +11855,6 @@
               <a:t>43</a:t>
             </a:fld>
             <a:endParaRPr lang="en-CA"/>
-          </a:p>
-        </p:txBody>
-      </p:sp>
-      <p:sp>
-        <p:nvSpPr>
-          <p:cNvPr id="10" name="TextBox 9"/>
-          <p:cNvSpPr txBox="1"/>
-          <p:nvPr/>
-        </p:nvSpPr>
-        <p:spPr>
-          <a:xfrm>
-            <a:off x="857224" y="1571612"/>
-            <a:ext cx="2201244" cy="369332"/>
-          </a:xfrm>
-          <a:prstGeom prst="rect">
-            <a:avLst/>
-          </a:prstGeom>
-          <a:noFill/>
-        </p:spPr>
-        <p:txBody>
-          <a:bodyPr wrap="none" rtlCol="0">
-            <a:spAutoFit/>
-          </a:bodyPr>
-          <a:lstStyle/>
-          <a:p>
-            <a:r>
-              <a:rPr lang="en-CA" dirty="0" smtClean="0"/>
-              <a:t>Big summary table(s)</a:t>
-            </a:r>
-            <a:endParaRPr lang="en-CA" dirty="0"/>
           </a:p>
         </p:txBody>
       </p:sp>
@@ -10859,7 +11885,7 @@
       </p:grpSpPr>
       <p:sp>
         <p:nvSpPr>
-          <p:cNvPr id="5" name="Title 4"/>
+          <p:cNvPr id="2" name="Title 1"/>
           <p:cNvSpPr>
             <a:spLocks noGrp="1"/>
           </p:cNvSpPr>
@@ -10874,7 +11900,7 @@
           <a:p>
             <a:r>
               <a:rPr lang="en-CA" dirty="0" smtClean="0"/>
-              <a:t>Conclusions</a:t>
+              <a:t>XML DBs: Clustering</a:t>
             </a:r>
             <a:endParaRPr lang="en-CA" dirty="0"/>
           </a:p>
@@ -10882,7 +11908,7 @@
       </p:sp>
       <p:sp>
         <p:nvSpPr>
-          <p:cNvPr id="6" name="Content Placeholder 5"/>
+          <p:cNvPr id="3" name="Content Placeholder 2"/>
           <p:cNvSpPr>
             <a:spLocks noGrp="1"/>
           </p:cNvSpPr>
@@ -10901,7 +11927,7 @@
       </p:sp>
       <p:sp>
         <p:nvSpPr>
-          <p:cNvPr id="2" name="Date Placeholder 1"/>
+          <p:cNvPr id="4" name="Date Placeholder 3"/>
           <p:cNvSpPr>
             <a:spLocks noGrp="1"/>
           </p:cNvSpPr>
@@ -10924,7 +11950,7 @@
       </p:sp>
       <p:sp>
         <p:nvSpPr>
-          <p:cNvPr id="3" name="Footer Placeholder 2"/>
+          <p:cNvPr id="5" name="Footer Placeholder 4"/>
           <p:cNvSpPr>
             <a:spLocks noGrp="1"/>
           </p:cNvSpPr>
@@ -10947,7 +11973,7 @@
       </p:sp>
       <p:sp>
         <p:nvSpPr>
-          <p:cNvPr id="4" name="Slide Number Placeholder 3"/>
+          <p:cNvPr id="6" name="Slide Number Placeholder 5"/>
           <p:cNvSpPr>
             <a:spLocks noGrp="1"/>
           </p:cNvSpPr>
@@ -10996,7 +12022,49 @@
       </p:grpSpPr>
       <p:sp>
         <p:nvSpPr>
-          <p:cNvPr id="2" name="Date Placeholder 1"/>
+          <p:cNvPr id="2" name="Title 1"/>
+          <p:cNvSpPr>
+            <a:spLocks noGrp="1"/>
+          </p:cNvSpPr>
+          <p:nvPr>
+            <p:ph type="title"/>
+          </p:nvPr>
+        </p:nvSpPr>
+        <p:spPr/>
+        <p:txBody>
+          <a:bodyPr/>
+          <a:lstStyle/>
+          <a:p>
+            <a:r>
+              <a:rPr lang="en-CA" dirty="0" smtClean="0"/>
+              <a:t>XML DBs: Summary</a:t>
+            </a:r>
+            <a:endParaRPr lang="en-CA" dirty="0"/>
+          </a:p>
+        </p:txBody>
+      </p:sp>
+      <p:sp>
+        <p:nvSpPr>
+          <p:cNvPr id="3" name="Content Placeholder 2"/>
+          <p:cNvSpPr>
+            <a:spLocks noGrp="1"/>
+          </p:cNvSpPr>
+          <p:nvPr>
+            <p:ph idx="1"/>
+          </p:nvPr>
+        </p:nvSpPr>
+        <p:spPr/>
+        <p:txBody>
+          <a:bodyPr/>
+          <a:lstStyle/>
+          <a:p>
+            <a:endParaRPr lang="en-CA"/>
+          </a:p>
+        </p:txBody>
+      </p:sp>
+      <p:sp>
+        <p:nvSpPr>
+          <p:cNvPr id="4" name="Date Placeholder 3"/>
           <p:cNvSpPr>
             <a:spLocks noGrp="1"/>
           </p:cNvSpPr>
@@ -11019,7 +12087,7 @@
       </p:sp>
       <p:sp>
         <p:nvSpPr>
-          <p:cNvPr id="3" name="Footer Placeholder 2"/>
+          <p:cNvPr id="5" name="Footer Placeholder 4"/>
           <p:cNvSpPr>
             <a:spLocks noGrp="1"/>
           </p:cNvSpPr>
@@ -11042,7 +12110,7 @@
       </p:sp>
       <p:sp>
         <p:nvSpPr>
-          <p:cNvPr id="4" name="Slide Number Placeholder 3"/>
+          <p:cNvPr id="6" name="Slide Number Placeholder 5"/>
           <p:cNvSpPr>
             <a:spLocks noGrp="1"/>
           </p:cNvSpPr>
@@ -11061,36 +12129,6 @@
               <a:t>45</a:t>
             </a:fld>
             <a:endParaRPr lang="en-CA"/>
-          </a:p>
-        </p:txBody>
-      </p:sp>
-      <p:sp>
-        <p:nvSpPr>
-          <p:cNvPr id="7" name="TextBox 6"/>
-          <p:cNvSpPr txBox="1"/>
-          <p:nvPr/>
-        </p:nvSpPr>
-        <p:spPr>
-          <a:xfrm>
-            <a:off x="2571736" y="2714620"/>
-            <a:ext cx="3676006" cy="1015663"/>
-          </a:xfrm>
-          <a:prstGeom prst="rect">
-            <a:avLst/>
-          </a:prstGeom>
-          <a:noFill/>
-        </p:spPr>
-        <p:txBody>
-          <a:bodyPr wrap="none" rtlCol="0">
-            <a:spAutoFit/>
-          </a:bodyPr>
-          <a:lstStyle/>
-          <a:p>
-            <a:r>
-              <a:rPr lang="en-CA" sz="6000" b="1" dirty="0" smtClean="0"/>
-              <a:t>Thank you</a:t>
-            </a:r>
-            <a:endParaRPr lang="en-CA" sz="6000" b="1" dirty="0"/>
           </a:p>
         </p:txBody>
       </p:sp>
@@ -11121,7 +12159,7 @@
       </p:grpSpPr>
       <p:sp>
         <p:nvSpPr>
-          <p:cNvPr id="5" name="Title 4"/>
+          <p:cNvPr id="7" name="Title 6"/>
           <p:cNvSpPr>
             <a:spLocks noGrp="1"/>
           </p:cNvSpPr>
@@ -11136,7 +12174,7 @@
           <a:p>
             <a:r>
               <a:rPr lang="en-CA" dirty="0" smtClean="0"/>
-              <a:t>References</a:t>
+              <a:t>Future Work &amp; Open Problems</a:t>
             </a:r>
             <a:endParaRPr lang="en-CA" dirty="0"/>
           </a:p>
@@ -11144,26 +12182,26 @@
       </p:sp>
       <p:sp>
         <p:nvSpPr>
-          <p:cNvPr id="6" name="Content Placeholder 5"/>
-          <p:cNvSpPr>
-            <a:spLocks noGrp="1"/>
-          </p:cNvSpPr>
-          <p:nvPr>
-            <p:ph idx="1"/>
-          </p:nvPr>
-        </p:nvSpPr>
-        <p:spPr/>
-        <p:txBody>
-          <a:bodyPr/>
-          <a:lstStyle/>
-          <a:p>
-            <a:endParaRPr lang="en-CA"/>
-          </a:p>
-        </p:txBody>
-      </p:sp>
-      <p:sp>
-        <p:nvSpPr>
-          <p:cNvPr id="2" name="Date Placeholder 1"/>
+          <p:cNvPr id="8" name="Text Placeholder 7"/>
+          <p:cNvSpPr>
+            <a:spLocks noGrp="1"/>
+          </p:cNvSpPr>
+          <p:nvPr>
+            <p:ph type="body" idx="1"/>
+          </p:nvPr>
+        </p:nvSpPr>
+        <p:spPr/>
+        <p:txBody>
+          <a:bodyPr/>
+          <a:lstStyle/>
+          <a:p>
+            <a:endParaRPr lang="en-CA"/>
+          </a:p>
+        </p:txBody>
+      </p:sp>
+      <p:sp>
+        <p:nvSpPr>
+          <p:cNvPr id="4" name="Date Placeholder 3"/>
           <p:cNvSpPr>
             <a:spLocks noGrp="1"/>
           </p:cNvSpPr>
@@ -11186,7 +12224,7 @@
       </p:sp>
       <p:sp>
         <p:nvSpPr>
-          <p:cNvPr id="3" name="Footer Placeholder 2"/>
+          <p:cNvPr id="5" name="Footer Placeholder 4"/>
           <p:cNvSpPr>
             <a:spLocks noGrp="1"/>
           </p:cNvSpPr>
@@ -11209,7 +12247,7 @@
       </p:sp>
       <p:sp>
         <p:nvSpPr>
-          <p:cNvPr id="4" name="Slide Number Placeholder 3"/>
+          <p:cNvPr id="6" name="Slide Number Placeholder 5"/>
           <p:cNvSpPr>
             <a:spLocks noGrp="1"/>
           </p:cNvSpPr>
@@ -11226,6 +12264,423 @@
               <a:rPr lang="en-CA" smtClean="0"/>
               <a:pPr/>
               <a:t>46</a:t>
+            </a:fld>
+            <a:endParaRPr lang="en-CA"/>
+          </a:p>
+        </p:txBody>
+      </p:sp>
+    </p:spTree>
+  </p:cSld>
+  <p:clrMapOvr>
+    <a:masterClrMapping/>
+  </p:clrMapOvr>
+</p:sld>
+</file>
+
+<file path=ppt/slides/slide47.xml><?xml version="1.0" encoding="utf-8"?>
+<p:sld xmlns:a="http://schemas.openxmlformats.org/drawingml/2006/main" xmlns:r="http://schemas.openxmlformats.org/officeDocument/2006/relationships" xmlns:p="http://schemas.openxmlformats.org/presentationml/2006/main">
+  <p:cSld>
+    <p:spTree>
+      <p:nvGrpSpPr>
+        <p:cNvPr id="1" name=""/>
+        <p:cNvGrpSpPr/>
+        <p:nvPr/>
+      </p:nvGrpSpPr>
+      <p:grpSpPr>
+        <a:xfrm>
+          <a:off x="0" y="0"/>
+          <a:ext cx="0" cy="0"/>
+          <a:chOff x="0" y="0"/>
+          <a:chExt cx="0" cy="0"/>
+        </a:xfrm>
+      </p:grpSpPr>
+      <p:sp>
+        <p:nvSpPr>
+          <p:cNvPr id="7" name="Title 6"/>
+          <p:cNvSpPr>
+            <a:spLocks noGrp="1"/>
+          </p:cNvSpPr>
+          <p:nvPr>
+            <p:ph type="title"/>
+          </p:nvPr>
+        </p:nvSpPr>
+        <p:spPr/>
+        <p:txBody>
+          <a:bodyPr/>
+          <a:lstStyle/>
+          <a:p>
+            <a:r>
+              <a:rPr lang="en-CA" dirty="0" smtClean="0"/>
+              <a:t>Future Work</a:t>
+            </a:r>
+            <a:endParaRPr lang="en-CA" dirty="0"/>
+          </a:p>
+        </p:txBody>
+      </p:sp>
+      <p:sp>
+        <p:nvSpPr>
+          <p:cNvPr id="8" name="Content Placeholder 7"/>
+          <p:cNvSpPr>
+            <a:spLocks noGrp="1"/>
+          </p:cNvSpPr>
+          <p:nvPr>
+            <p:ph idx="1"/>
+          </p:nvPr>
+        </p:nvSpPr>
+        <p:spPr/>
+        <p:txBody>
+          <a:bodyPr/>
+          <a:lstStyle/>
+          <a:p>
+            <a:r>
+              <a:rPr lang="en-CA" dirty="0" smtClean="0"/>
+              <a:t>Looking at automating physical design (put some examples of work here and say its time permitting)</a:t>
+            </a:r>
+            <a:endParaRPr lang="en-CA" dirty="0"/>
+          </a:p>
+        </p:txBody>
+      </p:sp>
+      <p:sp>
+        <p:nvSpPr>
+          <p:cNvPr id="4" name="Date Placeholder 3"/>
+          <p:cNvSpPr>
+            <a:spLocks noGrp="1"/>
+          </p:cNvSpPr>
+          <p:nvPr>
+            <p:ph type="dt" sz="half" idx="10"/>
+          </p:nvPr>
+        </p:nvSpPr>
+        <p:spPr/>
+        <p:txBody>
+          <a:bodyPr/>
+          <a:lstStyle/>
+          <a:p>
+            <a:r>
+              <a:rPr lang="en-US" smtClean="0"/>
+              <a:t>Physical Design Patterns</a:t>
+            </a:r>
+            <a:endParaRPr lang="en-CA"/>
+          </a:p>
+        </p:txBody>
+      </p:sp>
+      <p:sp>
+        <p:nvSpPr>
+          <p:cNvPr id="5" name="Footer Placeholder 4"/>
+          <p:cNvSpPr>
+            <a:spLocks noGrp="1"/>
+          </p:cNvSpPr>
+          <p:nvPr>
+            <p:ph type="ftr" sz="quarter" idx="11"/>
+          </p:nvPr>
+        </p:nvSpPr>
+        <p:spPr/>
+        <p:txBody>
+          <a:bodyPr/>
+          <a:lstStyle/>
+          <a:p>
+            <a:r>
+              <a:rPr lang="en-CA" smtClean="0"/>
+              <a:t>Karim Ali &amp; Sarah Nadi</a:t>
+            </a:r>
+            <a:endParaRPr lang="en-CA"/>
+          </a:p>
+        </p:txBody>
+      </p:sp>
+      <p:sp>
+        <p:nvSpPr>
+          <p:cNvPr id="6" name="Slide Number Placeholder 5"/>
+          <p:cNvSpPr>
+            <a:spLocks noGrp="1"/>
+          </p:cNvSpPr>
+          <p:nvPr>
+            <p:ph type="sldNum" sz="quarter" idx="12"/>
+          </p:nvPr>
+        </p:nvSpPr>
+        <p:spPr/>
+        <p:txBody>
+          <a:bodyPr/>
+          <a:lstStyle/>
+          <a:p>
+            <a:fld id="{9AC8176B-BF31-4706-B15B-1AFC481B9AC3}" type="slidenum">
+              <a:rPr lang="en-CA" smtClean="0"/>
+              <a:pPr/>
+              <a:t>47</a:t>
+            </a:fld>
+            <a:endParaRPr lang="en-CA"/>
+          </a:p>
+        </p:txBody>
+      </p:sp>
+    </p:spTree>
+  </p:cSld>
+  <p:clrMapOvr>
+    <a:masterClrMapping/>
+  </p:clrMapOvr>
+</p:sld>
+</file>
+
+<file path=ppt/slides/slide48.xml><?xml version="1.0" encoding="utf-8"?>
+<p:sld xmlns:a="http://schemas.openxmlformats.org/drawingml/2006/main" xmlns:r="http://schemas.openxmlformats.org/officeDocument/2006/relationships" xmlns:p="http://schemas.openxmlformats.org/presentationml/2006/main">
+  <p:cSld>
+    <p:spTree>
+      <p:nvGrpSpPr>
+        <p:cNvPr id="1" name=""/>
+        <p:cNvGrpSpPr/>
+        <p:nvPr/>
+      </p:nvGrpSpPr>
+      <p:grpSpPr>
+        <a:xfrm>
+          <a:off x="0" y="0"/>
+          <a:ext cx="0" cy="0"/>
+          <a:chOff x="0" y="0"/>
+          <a:chExt cx="0" cy="0"/>
+        </a:xfrm>
+      </p:grpSpPr>
+      <p:sp>
+        <p:nvSpPr>
+          <p:cNvPr id="2" name="Title 1"/>
+          <p:cNvSpPr>
+            <a:spLocks noGrp="1"/>
+          </p:cNvSpPr>
+          <p:nvPr>
+            <p:ph type="title"/>
+          </p:nvPr>
+        </p:nvSpPr>
+        <p:spPr/>
+        <p:txBody>
+          <a:bodyPr>
+            <a:normAutofit fontScale="90000"/>
+          </a:bodyPr>
+          <a:lstStyle/>
+          <a:p>
+            <a:r>
+              <a:rPr lang="en-CA" dirty="0" smtClean="0"/>
+              <a:t>Open Problems in Physical Design</a:t>
+            </a:r>
+            <a:endParaRPr lang="en-CA" dirty="0"/>
+          </a:p>
+        </p:txBody>
+      </p:sp>
+      <p:sp>
+        <p:nvSpPr>
+          <p:cNvPr id="8" name="Content Placeholder 7"/>
+          <p:cNvSpPr>
+            <a:spLocks noGrp="1"/>
+          </p:cNvSpPr>
+          <p:nvPr>
+            <p:ph idx="1"/>
+          </p:nvPr>
+        </p:nvSpPr>
+        <p:spPr/>
+        <p:txBody>
+          <a:bodyPr/>
+          <a:lstStyle/>
+          <a:p>
+            <a:endParaRPr lang="en-CA"/>
+          </a:p>
+        </p:txBody>
+      </p:sp>
+      <p:sp>
+        <p:nvSpPr>
+          <p:cNvPr id="4" name="Date Placeholder 3"/>
+          <p:cNvSpPr>
+            <a:spLocks noGrp="1"/>
+          </p:cNvSpPr>
+          <p:nvPr>
+            <p:ph type="dt" sz="half" idx="10"/>
+          </p:nvPr>
+        </p:nvSpPr>
+        <p:spPr/>
+        <p:txBody>
+          <a:bodyPr/>
+          <a:lstStyle/>
+          <a:p>
+            <a:r>
+              <a:rPr lang="en-US" smtClean="0"/>
+              <a:t>Physical Design Patterns</a:t>
+            </a:r>
+            <a:endParaRPr lang="en-CA"/>
+          </a:p>
+        </p:txBody>
+      </p:sp>
+      <p:sp>
+        <p:nvSpPr>
+          <p:cNvPr id="5" name="Footer Placeholder 4"/>
+          <p:cNvSpPr>
+            <a:spLocks noGrp="1"/>
+          </p:cNvSpPr>
+          <p:nvPr>
+            <p:ph type="ftr" sz="quarter" idx="11"/>
+          </p:nvPr>
+        </p:nvSpPr>
+        <p:spPr/>
+        <p:txBody>
+          <a:bodyPr/>
+          <a:lstStyle/>
+          <a:p>
+            <a:r>
+              <a:rPr lang="en-CA" smtClean="0"/>
+              <a:t>Karim Ali &amp; Sarah Nadi</a:t>
+            </a:r>
+            <a:endParaRPr lang="en-CA"/>
+          </a:p>
+        </p:txBody>
+      </p:sp>
+      <p:sp>
+        <p:nvSpPr>
+          <p:cNvPr id="6" name="Slide Number Placeholder 5"/>
+          <p:cNvSpPr>
+            <a:spLocks noGrp="1"/>
+          </p:cNvSpPr>
+          <p:nvPr>
+            <p:ph type="sldNum" sz="quarter" idx="12"/>
+          </p:nvPr>
+        </p:nvSpPr>
+        <p:spPr/>
+        <p:txBody>
+          <a:bodyPr/>
+          <a:lstStyle/>
+          <a:p>
+            <a:fld id="{9AC8176B-BF31-4706-B15B-1AFC481B9AC3}" type="slidenum">
+              <a:rPr lang="en-CA" smtClean="0"/>
+              <a:pPr/>
+              <a:t>48</a:t>
+            </a:fld>
+            <a:endParaRPr lang="en-CA"/>
+          </a:p>
+        </p:txBody>
+      </p:sp>
+    </p:spTree>
+  </p:cSld>
+  <p:clrMapOvr>
+    <a:masterClrMapping/>
+  </p:clrMapOvr>
+</p:sld>
+</file>
+
+<file path=ppt/slides/slide49.xml><?xml version="1.0" encoding="utf-8"?>
+<p:sld xmlns:a="http://schemas.openxmlformats.org/drawingml/2006/main" xmlns:r="http://schemas.openxmlformats.org/officeDocument/2006/relationships" xmlns:p="http://schemas.openxmlformats.org/presentationml/2006/main">
+  <p:cSld>
+    <p:spTree>
+      <p:nvGrpSpPr>
+        <p:cNvPr id="1" name=""/>
+        <p:cNvGrpSpPr/>
+        <p:nvPr/>
+      </p:nvGrpSpPr>
+      <p:grpSpPr>
+        <a:xfrm>
+          <a:off x="0" y="0"/>
+          <a:ext cx="0" cy="0"/>
+          <a:chOff x="0" y="0"/>
+          <a:chExt cx="0" cy="0"/>
+        </a:xfrm>
+      </p:grpSpPr>
+      <p:sp>
+        <p:nvSpPr>
+          <p:cNvPr id="7" name="Title 6"/>
+          <p:cNvSpPr>
+            <a:spLocks noGrp="1"/>
+          </p:cNvSpPr>
+          <p:nvPr>
+            <p:ph type="title"/>
+          </p:nvPr>
+        </p:nvSpPr>
+        <p:spPr/>
+        <p:txBody>
+          <a:bodyPr/>
+          <a:lstStyle/>
+          <a:p>
+            <a:r>
+              <a:rPr lang="en-CA" dirty="0" smtClean="0"/>
+              <a:t>Summary &amp; Conclusions</a:t>
+            </a:r>
+            <a:endParaRPr lang="en-CA" dirty="0"/>
+          </a:p>
+        </p:txBody>
+      </p:sp>
+      <p:sp>
+        <p:nvSpPr>
+          <p:cNvPr id="8" name="Text Placeholder 7"/>
+          <p:cNvSpPr>
+            <a:spLocks noGrp="1"/>
+          </p:cNvSpPr>
+          <p:nvPr>
+            <p:ph type="body" idx="1"/>
+          </p:nvPr>
+        </p:nvSpPr>
+        <p:spPr/>
+        <p:txBody>
+          <a:bodyPr/>
+          <a:lstStyle/>
+          <a:p>
+            <a:endParaRPr lang="en-CA"/>
+          </a:p>
+        </p:txBody>
+      </p:sp>
+      <p:sp>
+        <p:nvSpPr>
+          <p:cNvPr id="4" name="Date Placeholder 3"/>
+          <p:cNvSpPr>
+            <a:spLocks noGrp="1"/>
+          </p:cNvSpPr>
+          <p:nvPr>
+            <p:ph type="dt" sz="half" idx="10"/>
+          </p:nvPr>
+        </p:nvSpPr>
+        <p:spPr/>
+        <p:txBody>
+          <a:bodyPr/>
+          <a:lstStyle/>
+          <a:p>
+            <a:r>
+              <a:rPr lang="en-US" smtClean="0"/>
+              <a:t>Physical Design Patterns</a:t>
+            </a:r>
+            <a:endParaRPr lang="en-CA"/>
+          </a:p>
+        </p:txBody>
+      </p:sp>
+      <p:sp>
+        <p:nvSpPr>
+          <p:cNvPr id="5" name="Footer Placeholder 4"/>
+          <p:cNvSpPr>
+            <a:spLocks noGrp="1"/>
+          </p:cNvSpPr>
+          <p:nvPr>
+            <p:ph type="ftr" sz="quarter" idx="11"/>
+          </p:nvPr>
+        </p:nvSpPr>
+        <p:spPr/>
+        <p:txBody>
+          <a:bodyPr/>
+          <a:lstStyle/>
+          <a:p>
+            <a:r>
+              <a:rPr lang="en-CA" smtClean="0"/>
+              <a:t>Karim Ali &amp; Sarah Nadi</a:t>
+            </a:r>
+            <a:endParaRPr lang="en-CA"/>
+          </a:p>
+        </p:txBody>
+      </p:sp>
+      <p:sp>
+        <p:nvSpPr>
+          <p:cNvPr id="6" name="Slide Number Placeholder 5"/>
+          <p:cNvSpPr>
+            <a:spLocks noGrp="1"/>
+          </p:cNvSpPr>
+          <p:nvPr>
+            <p:ph type="sldNum" sz="quarter" idx="12"/>
+          </p:nvPr>
+        </p:nvSpPr>
+        <p:spPr/>
+        <p:txBody>
+          <a:bodyPr/>
+          <a:lstStyle/>
+          <a:p>
+            <a:fld id="{9AC8176B-BF31-4706-B15B-1AFC481B9AC3}" type="slidenum">
+              <a:rPr lang="en-CA" smtClean="0"/>
+              <a:pPr/>
+              <a:t>49</a:t>
             </a:fld>
             <a:endParaRPr lang="en-CA"/>
           </a:p>
@@ -11381,6 +12836,530 @@
               <a:rPr lang="en-CA" smtClean="0"/>
               <a:pPr/>
               <a:t>5</a:t>
+            </a:fld>
+            <a:endParaRPr lang="en-CA"/>
+          </a:p>
+        </p:txBody>
+      </p:sp>
+    </p:spTree>
+  </p:cSld>
+  <p:clrMapOvr>
+    <a:masterClrMapping/>
+  </p:clrMapOvr>
+</p:sld>
+</file>
+
+<file path=ppt/slides/slide50.xml><?xml version="1.0" encoding="utf-8"?>
+<p:sld xmlns:a="http://schemas.openxmlformats.org/drawingml/2006/main" xmlns:r="http://schemas.openxmlformats.org/officeDocument/2006/relationships" xmlns:p="http://schemas.openxmlformats.org/presentationml/2006/main">
+  <p:cSld>
+    <p:spTree>
+      <p:nvGrpSpPr>
+        <p:cNvPr id="1" name=""/>
+        <p:cNvGrpSpPr/>
+        <p:nvPr/>
+      </p:nvGrpSpPr>
+      <p:grpSpPr>
+        <a:xfrm>
+          <a:off x="0" y="0"/>
+          <a:ext cx="0" cy="0"/>
+          <a:chOff x="0" y="0"/>
+          <a:chExt cx="0" cy="0"/>
+        </a:xfrm>
+      </p:grpSpPr>
+      <p:sp>
+        <p:nvSpPr>
+          <p:cNvPr id="4" name="Date Placeholder 3"/>
+          <p:cNvSpPr>
+            <a:spLocks noGrp="1"/>
+          </p:cNvSpPr>
+          <p:nvPr>
+            <p:ph type="dt" sz="half" idx="10"/>
+          </p:nvPr>
+        </p:nvSpPr>
+        <p:spPr/>
+        <p:txBody>
+          <a:bodyPr/>
+          <a:lstStyle/>
+          <a:p>
+            <a:r>
+              <a:rPr lang="en-US" smtClean="0"/>
+              <a:t>Physical Design Patterns</a:t>
+            </a:r>
+            <a:endParaRPr lang="en-CA"/>
+          </a:p>
+        </p:txBody>
+      </p:sp>
+      <p:sp>
+        <p:nvSpPr>
+          <p:cNvPr id="5" name="Footer Placeholder 4"/>
+          <p:cNvSpPr>
+            <a:spLocks noGrp="1"/>
+          </p:cNvSpPr>
+          <p:nvPr>
+            <p:ph type="ftr" sz="quarter" idx="11"/>
+          </p:nvPr>
+        </p:nvSpPr>
+        <p:spPr/>
+        <p:txBody>
+          <a:bodyPr/>
+          <a:lstStyle/>
+          <a:p>
+            <a:r>
+              <a:rPr lang="en-CA" smtClean="0"/>
+              <a:t>Karim Ali &amp; Sarah Nadi</a:t>
+            </a:r>
+            <a:endParaRPr lang="en-CA"/>
+          </a:p>
+        </p:txBody>
+      </p:sp>
+      <p:sp>
+        <p:nvSpPr>
+          <p:cNvPr id="6" name="Slide Number Placeholder 5"/>
+          <p:cNvSpPr>
+            <a:spLocks noGrp="1"/>
+          </p:cNvSpPr>
+          <p:nvPr>
+            <p:ph type="sldNum" sz="quarter" idx="12"/>
+          </p:nvPr>
+        </p:nvSpPr>
+        <p:spPr/>
+        <p:txBody>
+          <a:bodyPr/>
+          <a:lstStyle/>
+          <a:p>
+            <a:fld id="{9AC8176B-BF31-4706-B15B-1AFC481B9AC3}" type="slidenum">
+              <a:rPr lang="en-CA" smtClean="0"/>
+              <a:pPr/>
+              <a:t>50</a:t>
+            </a:fld>
+            <a:endParaRPr lang="en-CA"/>
+          </a:p>
+        </p:txBody>
+      </p:sp>
+      <p:sp>
+        <p:nvSpPr>
+          <p:cNvPr id="10" name="TextBox 9"/>
+          <p:cNvSpPr txBox="1"/>
+          <p:nvPr/>
+        </p:nvSpPr>
+        <p:spPr>
+          <a:xfrm>
+            <a:off x="857224" y="1571612"/>
+            <a:ext cx="2201244" cy="369332"/>
+          </a:xfrm>
+          <a:prstGeom prst="rect">
+            <a:avLst/>
+          </a:prstGeom>
+          <a:noFill/>
+        </p:spPr>
+        <p:txBody>
+          <a:bodyPr wrap="none" rtlCol="0">
+            <a:spAutoFit/>
+          </a:bodyPr>
+          <a:lstStyle/>
+          <a:p>
+            <a:r>
+              <a:rPr lang="en-CA" dirty="0" smtClean="0"/>
+              <a:t>Big summary table(s)</a:t>
+            </a:r>
+            <a:endParaRPr lang="en-CA" dirty="0"/>
+          </a:p>
+        </p:txBody>
+      </p:sp>
+    </p:spTree>
+  </p:cSld>
+  <p:clrMapOvr>
+    <a:masterClrMapping/>
+  </p:clrMapOvr>
+</p:sld>
+</file>
+
+<file path=ppt/slides/slide51.xml><?xml version="1.0" encoding="utf-8"?>
+<p:sld xmlns:a="http://schemas.openxmlformats.org/drawingml/2006/main" xmlns:r="http://schemas.openxmlformats.org/officeDocument/2006/relationships" xmlns:p="http://schemas.openxmlformats.org/presentationml/2006/main">
+  <p:cSld>
+    <p:spTree>
+      <p:nvGrpSpPr>
+        <p:cNvPr id="1" name=""/>
+        <p:cNvGrpSpPr/>
+        <p:nvPr/>
+      </p:nvGrpSpPr>
+      <p:grpSpPr>
+        <a:xfrm>
+          <a:off x="0" y="0"/>
+          <a:ext cx="0" cy="0"/>
+          <a:chOff x="0" y="0"/>
+          <a:chExt cx="0" cy="0"/>
+        </a:xfrm>
+      </p:grpSpPr>
+      <p:sp>
+        <p:nvSpPr>
+          <p:cNvPr id="5" name="Title 4"/>
+          <p:cNvSpPr>
+            <a:spLocks noGrp="1"/>
+          </p:cNvSpPr>
+          <p:nvPr>
+            <p:ph type="title"/>
+          </p:nvPr>
+        </p:nvSpPr>
+        <p:spPr/>
+        <p:txBody>
+          <a:bodyPr/>
+          <a:lstStyle/>
+          <a:p>
+            <a:r>
+              <a:rPr lang="en-CA" dirty="0" smtClean="0"/>
+              <a:t>Conclusions</a:t>
+            </a:r>
+            <a:endParaRPr lang="en-CA" dirty="0"/>
+          </a:p>
+        </p:txBody>
+      </p:sp>
+      <p:sp>
+        <p:nvSpPr>
+          <p:cNvPr id="6" name="Content Placeholder 5"/>
+          <p:cNvSpPr>
+            <a:spLocks noGrp="1"/>
+          </p:cNvSpPr>
+          <p:nvPr>
+            <p:ph idx="1"/>
+          </p:nvPr>
+        </p:nvSpPr>
+        <p:spPr/>
+        <p:txBody>
+          <a:bodyPr/>
+          <a:lstStyle/>
+          <a:p>
+            <a:endParaRPr lang="en-CA"/>
+          </a:p>
+        </p:txBody>
+      </p:sp>
+      <p:sp>
+        <p:nvSpPr>
+          <p:cNvPr id="2" name="Date Placeholder 1"/>
+          <p:cNvSpPr>
+            <a:spLocks noGrp="1"/>
+          </p:cNvSpPr>
+          <p:nvPr>
+            <p:ph type="dt" sz="half" idx="10"/>
+          </p:nvPr>
+        </p:nvSpPr>
+        <p:spPr/>
+        <p:txBody>
+          <a:bodyPr/>
+          <a:lstStyle/>
+          <a:p>
+            <a:r>
+              <a:rPr lang="en-US" smtClean="0"/>
+              <a:t>Physical Design Patterns</a:t>
+            </a:r>
+            <a:endParaRPr lang="en-CA"/>
+          </a:p>
+        </p:txBody>
+      </p:sp>
+      <p:sp>
+        <p:nvSpPr>
+          <p:cNvPr id="3" name="Footer Placeholder 2"/>
+          <p:cNvSpPr>
+            <a:spLocks noGrp="1"/>
+          </p:cNvSpPr>
+          <p:nvPr>
+            <p:ph type="ftr" sz="quarter" idx="11"/>
+          </p:nvPr>
+        </p:nvSpPr>
+        <p:spPr/>
+        <p:txBody>
+          <a:bodyPr/>
+          <a:lstStyle/>
+          <a:p>
+            <a:r>
+              <a:rPr lang="en-CA" smtClean="0"/>
+              <a:t>Karim Ali &amp; Sarah Nadi</a:t>
+            </a:r>
+            <a:endParaRPr lang="en-CA"/>
+          </a:p>
+        </p:txBody>
+      </p:sp>
+      <p:sp>
+        <p:nvSpPr>
+          <p:cNvPr id="4" name="Slide Number Placeholder 3"/>
+          <p:cNvSpPr>
+            <a:spLocks noGrp="1"/>
+          </p:cNvSpPr>
+          <p:nvPr>
+            <p:ph type="sldNum" sz="quarter" idx="12"/>
+          </p:nvPr>
+        </p:nvSpPr>
+        <p:spPr/>
+        <p:txBody>
+          <a:bodyPr/>
+          <a:lstStyle/>
+          <a:p>
+            <a:fld id="{9AC8176B-BF31-4706-B15B-1AFC481B9AC3}" type="slidenum">
+              <a:rPr lang="en-CA" smtClean="0"/>
+              <a:pPr/>
+              <a:t>51</a:t>
+            </a:fld>
+            <a:endParaRPr lang="en-CA"/>
+          </a:p>
+        </p:txBody>
+      </p:sp>
+    </p:spTree>
+  </p:cSld>
+  <p:clrMapOvr>
+    <a:masterClrMapping/>
+  </p:clrMapOvr>
+</p:sld>
+</file>
+
+<file path=ppt/slides/slide52.xml><?xml version="1.0" encoding="utf-8"?>
+<p:sld xmlns:a="http://schemas.openxmlformats.org/drawingml/2006/main" xmlns:r="http://schemas.openxmlformats.org/officeDocument/2006/relationships" xmlns:p="http://schemas.openxmlformats.org/presentationml/2006/main">
+  <p:cSld>
+    <p:spTree>
+      <p:nvGrpSpPr>
+        <p:cNvPr id="1" name=""/>
+        <p:cNvGrpSpPr/>
+        <p:nvPr/>
+      </p:nvGrpSpPr>
+      <p:grpSpPr>
+        <a:xfrm>
+          <a:off x="0" y="0"/>
+          <a:ext cx="0" cy="0"/>
+          <a:chOff x="0" y="0"/>
+          <a:chExt cx="0" cy="0"/>
+        </a:xfrm>
+      </p:grpSpPr>
+      <p:sp>
+        <p:nvSpPr>
+          <p:cNvPr id="2" name="Date Placeholder 1"/>
+          <p:cNvSpPr>
+            <a:spLocks noGrp="1"/>
+          </p:cNvSpPr>
+          <p:nvPr>
+            <p:ph type="dt" sz="half" idx="10"/>
+          </p:nvPr>
+        </p:nvSpPr>
+        <p:spPr/>
+        <p:txBody>
+          <a:bodyPr/>
+          <a:lstStyle/>
+          <a:p>
+            <a:r>
+              <a:rPr lang="en-US" smtClean="0"/>
+              <a:t>Physical Design Patterns</a:t>
+            </a:r>
+            <a:endParaRPr lang="en-CA"/>
+          </a:p>
+        </p:txBody>
+      </p:sp>
+      <p:sp>
+        <p:nvSpPr>
+          <p:cNvPr id="3" name="Footer Placeholder 2"/>
+          <p:cNvSpPr>
+            <a:spLocks noGrp="1"/>
+          </p:cNvSpPr>
+          <p:nvPr>
+            <p:ph type="ftr" sz="quarter" idx="11"/>
+          </p:nvPr>
+        </p:nvSpPr>
+        <p:spPr/>
+        <p:txBody>
+          <a:bodyPr/>
+          <a:lstStyle/>
+          <a:p>
+            <a:r>
+              <a:rPr lang="en-CA" smtClean="0"/>
+              <a:t>Karim Ali &amp; Sarah Nadi</a:t>
+            </a:r>
+            <a:endParaRPr lang="en-CA"/>
+          </a:p>
+        </p:txBody>
+      </p:sp>
+      <p:sp>
+        <p:nvSpPr>
+          <p:cNvPr id="4" name="Slide Number Placeholder 3"/>
+          <p:cNvSpPr>
+            <a:spLocks noGrp="1"/>
+          </p:cNvSpPr>
+          <p:nvPr>
+            <p:ph type="sldNum" sz="quarter" idx="12"/>
+          </p:nvPr>
+        </p:nvSpPr>
+        <p:spPr/>
+        <p:txBody>
+          <a:bodyPr/>
+          <a:lstStyle/>
+          <a:p>
+            <a:fld id="{9AC8176B-BF31-4706-B15B-1AFC481B9AC3}" type="slidenum">
+              <a:rPr lang="en-CA" smtClean="0"/>
+              <a:pPr/>
+              <a:t>52</a:t>
+            </a:fld>
+            <a:endParaRPr lang="en-CA"/>
+          </a:p>
+        </p:txBody>
+      </p:sp>
+      <p:sp>
+        <p:nvSpPr>
+          <p:cNvPr id="7" name="TextBox 6"/>
+          <p:cNvSpPr txBox="1"/>
+          <p:nvPr/>
+        </p:nvSpPr>
+        <p:spPr>
+          <a:xfrm>
+            <a:off x="2571736" y="2714620"/>
+            <a:ext cx="3676006" cy="1015663"/>
+          </a:xfrm>
+          <a:prstGeom prst="rect">
+            <a:avLst/>
+          </a:prstGeom>
+          <a:noFill/>
+        </p:spPr>
+        <p:txBody>
+          <a:bodyPr wrap="none" rtlCol="0">
+            <a:spAutoFit/>
+          </a:bodyPr>
+          <a:lstStyle/>
+          <a:p>
+            <a:r>
+              <a:rPr lang="en-CA" sz="6000" b="1" dirty="0" smtClean="0"/>
+              <a:t>Thank you</a:t>
+            </a:r>
+            <a:endParaRPr lang="en-CA" sz="6000" b="1" dirty="0"/>
+          </a:p>
+        </p:txBody>
+      </p:sp>
+    </p:spTree>
+  </p:cSld>
+  <p:clrMapOvr>
+    <a:masterClrMapping/>
+  </p:clrMapOvr>
+</p:sld>
+</file>
+
+<file path=ppt/slides/slide53.xml><?xml version="1.0" encoding="utf-8"?>
+<p:sld xmlns:a="http://schemas.openxmlformats.org/drawingml/2006/main" xmlns:r="http://schemas.openxmlformats.org/officeDocument/2006/relationships" xmlns:p="http://schemas.openxmlformats.org/presentationml/2006/main">
+  <p:cSld>
+    <p:spTree>
+      <p:nvGrpSpPr>
+        <p:cNvPr id="1" name=""/>
+        <p:cNvGrpSpPr/>
+        <p:nvPr/>
+      </p:nvGrpSpPr>
+      <p:grpSpPr>
+        <a:xfrm>
+          <a:off x="0" y="0"/>
+          <a:ext cx="0" cy="0"/>
+          <a:chOff x="0" y="0"/>
+          <a:chExt cx="0" cy="0"/>
+        </a:xfrm>
+      </p:grpSpPr>
+      <p:sp>
+        <p:nvSpPr>
+          <p:cNvPr id="5" name="Title 4"/>
+          <p:cNvSpPr>
+            <a:spLocks noGrp="1"/>
+          </p:cNvSpPr>
+          <p:nvPr>
+            <p:ph type="title"/>
+          </p:nvPr>
+        </p:nvSpPr>
+        <p:spPr/>
+        <p:txBody>
+          <a:bodyPr/>
+          <a:lstStyle/>
+          <a:p>
+            <a:r>
+              <a:rPr lang="en-CA" dirty="0" smtClean="0"/>
+              <a:t>References</a:t>
+            </a:r>
+            <a:endParaRPr lang="en-CA" dirty="0"/>
+          </a:p>
+        </p:txBody>
+      </p:sp>
+      <p:sp>
+        <p:nvSpPr>
+          <p:cNvPr id="6" name="Content Placeholder 5"/>
+          <p:cNvSpPr>
+            <a:spLocks noGrp="1"/>
+          </p:cNvSpPr>
+          <p:nvPr>
+            <p:ph idx="1"/>
+          </p:nvPr>
+        </p:nvSpPr>
+        <p:spPr/>
+        <p:txBody>
+          <a:bodyPr/>
+          <a:lstStyle/>
+          <a:p>
+            <a:endParaRPr lang="en-CA"/>
+          </a:p>
+        </p:txBody>
+      </p:sp>
+      <p:sp>
+        <p:nvSpPr>
+          <p:cNvPr id="2" name="Date Placeholder 1"/>
+          <p:cNvSpPr>
+            <a:spLocks noGrp="1"/>
+          </p:cNvSpPr>
+          <p:nvPr>
+            <p:ph type="dt" sz="half" idx="10"/>
+          </p:nvPr>
+        </p:nvSpPr>
+        <p:spPr/>
+        <p:txBody>
+          <a:bodyPr/>
+          <a:lstStyle/>
+          <a:p>
+            <a:r>
+              <a:rPr lang="en-US" smtClean="0"/>
+              <a:t>Physical Design Patterns</a:t>
+            </a:r>
+            <a:endParaRPr lang="en-CA"/>
+          </a:p>
+        </p:txBody>
+      </p:sp>
+      <p:sp>
+        <p:nvSpPr>
+          <p:cNvPr id="3" name="Footer Placeholder 2"/>
+          <p:cNvSpPr>
+            <a:spLocks noGrp="1"/>
+          </p:cNvSpPr>
+          <p:nvPr>
+            <p:ph type="ftr" sz="quarter" idx="11"/>
+          </p:nvPr>
+        </p:nvSpPr>
+        <p:spPr/>
+        <p:txBody>
+          <a:bodyPr/>
+          <a:lstStyle/>
+          <a:p>
+            <a:r>
+              <a:rPr lang="en-CA" smtClean="0"/>
+              <a:t>Karim Ali &amp; Sarah Nadi</a:t>
+            </a:r>
+            <a:endParaRPr lang="en-CA"/>
+          </a:p>
+        </p:txBody>
+      </p:sp>
+      <p:sp>
+        <p:nvSpPr>
+          <p:cNvPr id="4" name="Slide Number Placeholder 3"/>
+          <p:cNvSpPr>
+            <a:spLocks noGrp="1"/>
+          </p:cNvSpPr>
+          <p:nvPr>
+            <p:ph type="sldNum" sz="quarter" idx="12"/>
+          </p:nvPr>
+        </p:nvSpPr>
+        <p:spPr/>
+        <p:txBody>
+          <a:bodyPr/>
+          <a:lstStyle/>
+          <a:p>
+            <a:fld id="{9AC8176B-BF31-4706-B15B-1AFC481B9AC3}" type="slidenum">
+              <a:rPr lang="en-CA" smtClean="0"/>
+              <a:pPr/>
+              <a:t>53</a:t>
             </a:fld>
             <a:endParaRPr lang="en-CA"/>
           </a:p>

--- a/trunk/cs848-db/PhysDesignPres.pptx
+++ b/trunk/cs848-db/PhysDesignPres.pptx
@@ -5,15 +5,15 @@
     <p:sldMasterId id="2147483672" r:id="rId1"/>
   </p:sldMasterIdLst>
   <p:notesMasterIdLst>
-    <p:notesMasterId r:id="rId55"/>
+    <p:notesMasterId r:id="rId56"/>
   </p:notesMasterIdLst>
   <p:sldIdLst>
     <p:sldId id="256" r:id="rId2"/>
     <p:sldId id="257" r:id="rId3"/>
     <p:sldId id="258" r:id="rId4"/>
     <p:sldId id="259" r:id="rId5"/>
-    <p:sldId id="260" r:id="rId6"/>
-    <p:sldId id="261" r:id="rId7"/>
+    <p:sldId id="261" r:id="rId6"/>
+    <p:sldId id="260" r:id="rId7"/>
     <p:sldId id="262" r:id="rId8"/>
     <p:sldId id="263" r:id="rId9"/>
     <p:sldId id="264" r:id="rId10"/>
@@ -49,18 +49,19 @@
     <p:sldId id="330" r:id="rId40"/>
     <p:sldId id="277" r:id="rId41"/>
     <p:sldId id="278" r:id="rId42"/>
-    <p:sldId id="279" r:id="rId43"/>
-    <p:sldId id="280" r:id="rId44"/>
-    <p:sldId id="281" r:id="rId45"/>
-    <p:sldId id="283" r:id="rId46"/>
-    <p:sldId id="291" r:id="rId47"/>
-    <p:sldId id="294" r:id="rId48"/>
-    <p:sldId id="295" r:id="rId49"/>
-    <p:sldId id="296" r:id="rId50"/>
-    <p:sldId id="292" r:id="rId51"/>
-    <p:sldId id="297" r:id="rId52"/>
-    <p:sldId id="298" r:id="rId53"/>
-    <p:sldId id="293" r:id="rId54"/>
+    <p:sldId id="331" r:id="rId43"/>
+    <p:sldId id="279" r:id="rId44"/>
+    <p:sldId id="280" r:id="rId45"/>
+    <p:sldId id="281" r:id="rId46"/>
+    <p:sldId id="283" r:id="rId47"/>
+    <p:sldId id="291" r:id="rId48"/>
+    <p:sldId id="294" r:id="rId49"/>
+    <p:sldId id="295" r:id="rId50"/>
+    <p:sldId id="296" r:id="rId51"/>
+    <p:sldId id="292" r:id="rId52"/>
+    <p:sldId id="297" r:id="rId53"/>
+    <p:sldId id="298" r:id="rId54"/>
+    <p:sldId id="293" r:id="rId55"/>
   </p:sldIdLst>
   <p:sldSz cx="9144000" cy="6858000" type="screen4x3"/>
   <p:notesSz cx="6858000" cy="9144000"/>
@@ -11330,6 +11331,16 @@
           <a:p>
             <a:r>
               <a:rPr lang="en-CA" dirty="0" smtClean="0"/>
+              <a:t>Store, organize &amp; query XML documents</a:t>
+            </a:r>
+          </a:p>
+          <a:p>
+            <a:pPr lvl="1">
+              <a:buFont typeface="Arial" pitchFamily="34" charset="0"/>
+              <a:buChar char="•"/>
+            </a:pPr>
+            <a:r>
+              <a:rPr lang="en-CA" dirty="0" smtClean="0"/>
               <a:t>XML-enabled DBs:</a:t>
             </a:r>
           </a:p>
@@ -11341,6 +11352,10 @@
             </a:r>
           </a:p>
           <a:p>
+            <a:pPr lvl="1">
+              <a:buFont typeface="Arial" pitchFamily="34" charset="0"/>
+              <a:buChar char="•"/>
+            </a:pPr>
             <a:r>
               <a:rPr lang="en-CA" dirty="0" smtClean="0"/>
               <a:t>Native XML DBs:</a:t>
@@ -11451,6 +11466,39 @@
           <a:chExt cx="0" cy="0"/>
         </a:xfrm>
       </p:grpSpPr>
+      <p:pic>
+        <p:nvPicPr>
+          <p:cNvPr id="1026" name="Picture 2"/>
+          <p:cNvPicPr>
+            <a:picLocks noChangeAspect="1" noChangeArrowheads="1"/>
+          </p:cNvPicPr>
+          <p:nvPr/>
+        </p:nvPicPr>
+        <p:blipFill>
+          <a:blip r:embed="rId2"/>
+          <a:srcRect/>
+          <a:stretch>
+            <a:fillRect/>
+          </a:stretch>
+        </p:blipFill>
+        <p:spPr bwMode="auto">
+          <a:xfrm>
+            <a:off x="331581" y="4200894"/>
+            <a:ext cx="3454601" cy="2371378"/>
+          </a:xfrm>
+          <a:prstGeom prst="rect">
+            <a:avLst/>
+          </a:prstGeom>
+          <a:noFill/>
+          <a:ln w="9525">
+            <a:noFill/>
+            <a:miter lim="800000"/>
+            <a:headEnd/>
+            <a:tailEnd/>
+          </a:ln>
+          <a:effectLst/>
+        </p:spPr>
+      </p:pic>
       <p:sp>
         <p:nvSpPr>
           <p:cNvPr id="7" name="Title 6"/>
@@ -11491,22 +11539,22 @@
           <a:p>
             <a:r>
               <a:rPr lang="en-CA" dirty="0" smtClean="0"/>
-              <a:t>Same index structures can be used</a:t>
-            </a:r>
-          </a:p>
-          <a:p>
-            <a:r>
-              <a:rPr lang="en-CA" dirty="0" smtClean="0"/>
-              <a:t>Need adjustments</a:t>
-            </a:r>
-          </a:p>
-          <a:p>
-            <a:pPr lvl="2"/>
-            <a:r>
-              <a:rPr lang="en-CA" dirty="0" smtClean="0"/>
-              <a:t>Need a numbering schema for the XML nodes</a:t>
-            </a:r>
-            <a:endParaRPr lang="en-CA" dirty="0"/>
+              <a:t>XML-enabled DB (Microsoft SQL Server 2005)</a:t>
+            </a:r>
+          </a:p>
+          <a:p>
+            <a:pPr lvl="1"/>
+            <a:r>
+              <a:rPr lang="en-CA" dirty="0" smtClean="0"/>
+              <a:t>Shred XML data in a relational table with columns: ORDPATH, tag, node type, value, path ID</a:t>
+            </a:r>
+          </a:p>
+          <a:p>
+            <a:pPr lvl="1"/>
+            <a:r>
+              <a:rPr lang="en-CA" dirty="0" smtClean="0"/>
+              <a:t>Use a B+ Tree index based on combination of primary key of base table &amp; the ORDPATH</a:t>
+            </a:r>
           </a:p>
         </p:txBody>
       </p:sp>
@@ -11580,6 +11628,39 @@
           </a:p>
         </p:txBody>
       </p:sp>
+      <p:pic>
+        <p:nvPicPr>
+          <p:cNvPr id="1027" name="Picture 3"/>
+          <p:cNvPicPr>
+            <a:picLocks noChangeAspect="1" noChangeArrowheads="1"/>
+          </p:cNvPicPr>
+          <p:nvPr/>
+        </p:nvPicPr>
+        <p:blipFill>
+          <a:blip r:embed="rId3"/>
+          <a:srcRect/>
+          <a:stretch>
+            <a:fillRect/>
+          </a:stretch>
+        </p:blipFill>
+        <p:spPr bwMode="auto">
+          <a:xfrm>
+            <a:off x="4267200" y="4292660"/>
+            <a:ext cx="4733956" cy="2089598"/>
+          </a:xfrm>
+          <a:prstGeom prst="rect">
+            <a:avLst/>
+          </a:prstGeom>
+          <a:noFill/>
+          <a:ln w="9525">
+            <a:noFill/>
+            <a:miter lim="800000"/>
+            <a:headEnd/>
+            <a:tailEnd/>
+          </a:ln>
+          <a:effectLst/>
+        </p:spPr>
+      </p:pic>
     </p:spTree>
   </p:cSld>
   <p:clrMapOvr>
@@ -11617,33 +11698,73 @@
         </p:nvSpPr>
         <p:spPr/>
         <p:txBody>
-          <a:bodyPr/>
-          <a:lstStyle/>
-          <a:p>
-            <a:r>
-              <a:rPr lang="en-CA" dirty="0" smtClean="0"/>
-              <a:t>XML DBs: Materialized Views</a:t>
-            </a:r>
+          <a:bodyPr>
+            <a:normAutofit/>
+          </a:bodyPr>
+          <a:lstStyle/>
+          <a:p>
+            <a:r>
+              <a:rPr lang="en-CA" dirty="0" smtClean="0"/>
+              <a:t>XML DBs: Indexes </a:t>
+            </a:r>
+            <a:r>
+              <a:rPr lang="en-CA" sz="2700" i="1" dirty="0" smtClean="0"/>
+              <a:t>Cont’d</a:t>
+            </a:r>
+            <a:endParaRPr lang="en-CA" sz="2700" i="1" dirty="0"/>
+          </a:p>
+        </p:txBody>
+      </p:sp>
+      <p:sp>
+        <p:nvSpPr>
+          <p:cNvPr id="3" name="Content Placeholder 2"/>
+          <p:cNvSpPr>
+            <a:spLocks noGrp="1"/>
+          </p:cNvSpPr>
+          <p:nvPr>
+            <p:ph idx="1"/>
+          </p:nvPr>
+        </p:nvSpPr>
+        <p:spPr/>
+        <p:txBody>
+          <a:bodyPr/>
+          <a:lstStyle/>
+          <a:p>
+            <a:r>
+              <a:rPr lang="en-CA" dirty="0" smtClean="0"/>
+              <a:t>Native XML DB (E.g. </a:t>
+            </a:r>
+            <a:r>
+              <a:rPr lang="en-CA" dirty="0" err="1" smtClean="0"/>
+              <a:t>eXist</a:t>
+            </a:r>
+            <a:r>
+              <a:rPr lang="en-CA" dirty="0" smtClean="0"/>
+              <a:t>, TIMBER)</a:t>
+            </a:r>
+          </a:p>
+          <a:p>
+            <a:pPr lvl="1">
+              <a:buFont typeface="Arial" pitchFamily="34" charset="0"/>
+              <a:buChar char="•"/>
+            </a:pPr>
+            <a:r>
+              <a:rPr lang="en-CA" dirty="0" smtClean="0"/>
+              <a:t>Numbering schema for the XML nodes</a:t>
+            </a:r>
+          </a:p>
+          <a:p>
+            <a:pPr lvl="1">
+              <a:buFont typeface="Arial" pitchFamily="34" charset="0"/>
+              <a:buChar char="•"/>
+            </a:pPr>
+            <a:r>
+              <a:rPr lang="en-CA" dirty="0" smtClean="0"/>
+              <a:t>B+ Tree used on the numbered nodes</a:t>
+            </a:r>
+          </a:p>
+          <a:p>
             <a:endParaRPr lang="en-CA" dirty="0"/>
-          </a:p>
-        </p:txBody>
-      </p:sp>
-      <p:sp>
-        <p:nvSpPr>
-          <p:cNvPr id="3" name="Content Placeholder 2"/>
-          <p:cNvSpPr>
-            <a:spLocks noGrp="1"/>
-          </p:cNvSpPr>
-          <p:nvPr>
-            <p:ph idx="1"/>
-          </p:nvPr>
-        </p:nvSpPr>
-        <p:spPr/>
-        <p:txBody>
-          <a:bodyPr/>
-          <a:lstStyle/>
-          <a:p>
-            <a:endParaRPr lang="en-CA"/>
           </a:p>
         </p:txBody>
       </p:sp>
@@ -11717,6 +11838,39 @@
           </a:p>
         </p:txBody>
       </p:sp>
+      <p:pic>
+        <p:nvPicPr>
+          <p:cNvPr id="2050" name="Picture 2"/>
+          <p:cNvPicPr>
+            <a:picLocks noChangeAspect="1" noChangeArrowheads="1"/>
+          </p:cNvPicPr>
+          <p:nvPr/>
+        </p:nvPicPr>
+        <p:blipFill>
+          <a:blip r:embed="rId2"/>
+          <a:srcRect/>
+          <a:stretch>
+            <a:fillRect/>
+          </a:stretch>
+        </p:blipFill>
+        <p:spPr bwMode="auto">
+          <a:xfrm>
+            <a:off x="661992" y="3610606"/>
+            <a:ext cx="7910536" cy="2818790"/>
+          </a:xfrm>
+          <a:prstGeom prst="rect">
+            <a:avLst/>
+          </a:prstGeom>
+          <a:noFill/>
+          <a:ln w="9525">
+            <a:noFill/>
+            <a:miter lim="800000"/>
+            <a:headEnd/>
+            <a:tailEnd/>
+          </a:ln>
+          <a:effectLst/>
+        </p:spPr>
+      </p:pic>
     </p:spTree>
   </p:cSld>
   <p:clrMapOvr>
@@ -11759,32 +11913,36 @@
           <a:p>
             <a:r>
               <a:rPr lang="en-CA" dirty="0" smtClean="0"/>
-              <a:t>XML DBs: </a:t>
+              <a:t>XML DBs: Materialized Views</a:t>
+            </a:r>
+            <a:endParaRPr lang="en-CA" dirty="0"/>
+          </a:p>
+        </p:txBody>
+      </p:sp>
+      <p:sp>
+        <p:nvSpPr>
+          <p:cNvPr id="3" name="Content Placeholder 2"/>
+          <p:cNvSpPr>
+            <a:spLocks noGrp="1"/>
+          </p:cNvSpPr>
+          <p:nvPr>
+            <p:ph idx="1"/>
+          </p:nvPr>
+        </p:nvSpPr>
+        <p:spPr/>
+        <p:txBody>
+          <a:bodyPr/>
+          <a:lstStyle/>
+          <a:p>
+            <a:r>
+              <a:rPr lang="en-CA" dirty="0" smtClean="0"/>
+              <a:t>Query rewriting is more tricky due to semi-structured nature &amp; complicated querying </a:t>
             </a:r>
             <a:r>
               <a:rPr lang="en-CA" dirty="0" err="1" smtClean="0"/>
-              <a:t>Paritioning</a:t>
+              <a:t>langauges</a:t>
             </a:r>
             <a:endParaRPr lang="en-CA" dirty="0"/>
-          </a:p>
-        </p:txBody>
-      </p:sp>
-      <p:sp>
-        <p:nvSpPr>
-          <p:cNvPr id="3" name="Content Placeholder 2"/>
-          <p:cNvSpPr>
-            <a:spLocks noGrp="1"/>
-          </p:cNvSpPr>
-          <p:nvPr>
-            <p:ph idx="1"/>
-          </p:nvPr>
-        </p:nvSpPr>
-        <p:spPr/>
-        <p:txBody>
-          <a:bodyPr/>
-          <a:lstStyle/>
-          <a:p>
-            <a:endParaRPr lang="en-CA"/>
           </a:p>
         </p:txBody>
       </p:sp>
@@ -11900,7 +12058,11 @@
           <a:p>
             <a:r>
               <a:rPr lang="en-CA" dirty="0" smtClean="0"/>
-              <a:t>XML DBs: Clustering</a:t>
+              <a:t>XML DBs: </a:t>
+            </a:r>
+            <a:r>
+              <a:rPr lang="en-CA" dirty="0" err="1" smtClean="0"/>
+              <a:t>Paritioning</a:t>
             </a:r>
             <a:endParaRPr lang="en-CA" dirty="0"/>
           </a:p>
@@ -12037,7 +12199,7 @@
           <a:p>
             <a:r>
               <a:rPr lang="en-CA" dirty="0" smtClean="0"/>
-              <a:t>XML DBs: Summary</a:t>
+              <a:t>XML DBs: Clustering</a:t>
             </a:r>
             <a:endParaRPr lang="en-CA" dirty="0"/>
           </a:p>
@@ -12159,7 +12321,7 @@
       </p:grpSpPr>
       <p:sp>
         <p:nvSpPr>
-          <p:cNvPr id="7" name="Title 6"/>
+          <p:cNvPr id="2" name="Title 1"/>
           <p:cNvSpPr>
             <a:spLocks noGrp="1"/>
           </p:cNvSpPr>
@@ -12174,7 +12336,7 @@
           <a:p>
             <a:r>
               <a:rPr lang="en-CA" dirty="0" smtClean="0"/>
-              <a:t>Future Work &amp; Open Problems</a:t>
+              <a:t>XML DBs: Summary</a:t>
             </a:r>
             <a:endParaRPr lang="en-CA" dirty="0"/>
           </a:p>
@@ -12182,12 +12344,12 @@
       </p:sp>
       <p:sp>
         <p:nvSpPr>
-          <p:cNvPr id="8" name="Text Placeholder 7"/>
-          <p:cNvSpPr>
-            <a:spLocks noGrp="1"/>
-          </p:cNvSpPr>
-          <p:nvPr>
-            <p:ph type="body" idx="1"/>
+          <p:cNvPr id="3" name="Content Placeholder 2"/>
+          <p:cNvSpPr>
+            <a:spLocks noGrp="1"/>
+          </p:cNvSpPr>
+          <p:nvPr>
+            <p:ph idx="1"/>
           </p:nvPr>
         </p:nvSpPr>
         <p:spPr/>
@@ -12311,7 +12473,7 @@
           <a:p>
             <a:r>
               <a:rPr lang="en-CA" dirty="0" smtClean="0"/>
-              <a:t>Future Work</a:t>
+              <a:t>Future Work &amp; Open Problems</a:t>
             </a:r>
             <a:endParaRPr lang="en-CA" dirty="0"/>
           </a:p>
@@ -12319,24 +12481,20 @@
       </p:sp>
       <p:sp>
         <p:nvSpPr>
-          <p:cNvPr id="8" name="Content Placeholder 7"/>
-          <p:cNvSpPr>
-            <a:spLocks noGrp="1"/>
-          </p:cNvSpPr>
-          <p:nvPr>
-            <p:ph idx="1"/>
-          </p:nvPr>
-        </p:nvSpPr>
-        <p:spPr/>
-        <p:txBody>
-          <a:bodyPr/>
-          <a:lstStyle/>
-          <a:p>
-            <a:r>
-              <a:rPr lang="en-CA" dirty="0" smtClean="0"/>
-              <a:t>Looking at automating physical design (put some examples of work here and say its time permitting)</a:t>
-            </a:r>
-            <a:endParaRPr lang="en-CA" dirty="0"/>
+          <p:cNvPr id="8" name="Text Placeholder 7"/>
+          <p:cNvSpPr>
+            <a:spLocks noGrp="1"/>
+          </p:cNvSpPr>
+          <p:nvPr>
+            <p:ph type="body" idx="1"/>
+          </p:nvPr>
+        </p:nvSpPr>
+        <p:spPr/>
+        <p:txBody>
+          <a:bodyPr/>
+          <a:lstStyle/>
+          <a:p>
+            <a:endParaRPr lang="en-CA"/>
           </a:p>
         </p:txBody>
       </p:sp>
@@ -12437,7 +12595,7 @@
       </p:grpSpPr>
       <p:sp>
         <p:nvSpPr>
-          <p:cNvPr id="2" name="Title 1"/>
+          <p:cNvPr id="7" name="Title 6"/>
           <p:cNvSpPr>
             <a:spLocks noGrp="1"/>
           </p:cNvSpPr>
@@ -12447,14 +12605,12 @@
         </p:nvSpPr>
         <p:spPr/>
         <p:txBody>
-          <a:bodyPr>
-            <a:normAutofit fontScale="90000"/>
-          </a:bodyPr>
-          <a:lstStyle/>
-          <a:p>
-            <a:r>
-              <a:rPr lang="en-CA" dirty="0" smtClean="0"/>
-              <a:t>Open Problems in Physical Design</a:t>
+          <a:bodyPr/>
+          <a:lstStyle/>
+          <a:p>
+            <a:r>
+              <a:rPr lang="en-CA" dirty="0" smtClean="0"/>
+              <a:t>Future Work</a:t>
             </a:r>
             <a:endParaRPr lang="en-CA" dirty="0"/>
           </a:p>
@@ -12475,7 +12631,11 @@
           <a:bodyPr/>
           <a:lstStyle/>
           <a:p>
-            <a:endParaRPr lang="en-CA"/>
+            <a:r>
+              <a:rPr lang="en-CA" dirty="0" smtClean="0"/>
+              <a:t>Looking at automating physical design (put some examples of work here and say its time permitting)</a:t>
+            </a:r>
+            <a:endParaRPr lang="en-CA" dirty="0"/>
           </a:p>
         </p:txBody>
       </p:sp>
@@ -12576,7 +12736,7 @@
       </p:grpSpPr>
       <p:sp>
         <p:nvSpPr>
-          <p:cNvPr id="7" name="Title 6"/>
+          <p:cNvPr id="2" name="Title 1"/>
           <p:cNvSpPr>
             <a:spLocks noGrp="1"/>
           </p:cNvSpPr>
@@ -12586,12 +12746,14 @@
         </p:nvSpPr>
         <p:spPr/>
         <p:txBody>
-          <a:bodyPr/>
-          <a:lstStyle/>
-          <a:p>
-            <a:r>
-              <a:rPr lang="en-CA" dirty="0" smtClean="0"/>
-              <a:t>Summary &amp; Conclusions</a:t>
+          <a:bodyPr>
+            <a:normAutofit fontScale="90000"/>
+          </a:bodyPr>
+          <a:lstStyle/>
+          <a:p>
+            <a:r>
+              <a:rPr lang="en-CA" dirty="0" smtClean="0"/>
+              <a:t>Open Problems in Physical Design</a:t>
             </a:r>
             <a:endParaRPr lang="en-CA" dirty="0"/>
           </a:p>
@@ -12599,12 +12761,12 @@
       </p:sp>
       <p:sp>
         <p:nvSpPr>
-          <p:cNvPr id="8" name="Text Placeholder 7"/>
-          <p:cNvSpPr>
-            <a:spLocks noGrp="1"/>
-          </p:cNvSpPr>
-          <p:nvPr>
-            <p:ph type="body" idx="1"/>
+          <p:cNvPr id="8" name="Content Placeholder 7"/>
+          <p:cNvSpPr>
+            <a:spLocks noGrp="1"/>
+          </p:cNvSpPr>
+          <p:nvPr>
+            <p:ph idx="1"/>
           </p:nvPr>
         </p:nvSpPr>
         <p:spPr/>
@@ -12713,7 +12875,7 @@
       </p:grpSpPr>
       <p:sp>
         <p:nvSpPr>
-          <p:cNvPr id="7" name="Title 6"/>
+          <p:cNvPr id="2" name="Title 1"/>
           <p:cNvSpPr>
             <a:spLocks noGrp="1"/>
           </p:cNvSpPr>
@@ -12728,7 +12890,7 @@
           <a:p>
             <a:r>
               <a:rPr lang="en-CA" dirty="0" smtClean="0"/>
-              <a:t>Indexes</a:t>
+              <a:t>Materialized Views</a:t>
             </a:r>
             <a:endParaRPr lang="en-CA" dirty="0"/>
           </a:p>
@@ -12736,7 +12898,7 @@
       </p:sp>
       <p:sp>
         <p:nvSpPr>
-          <p:cNvPr id="8" name="Content Placeholder 7"/>
+          <p:cNvPr id="3" name="Content Placeholder 2"/>
           <p:cNvSpPr>
             <a:spLocks noGrp="1"/>
           </p:cNvSpPr>
@@ -12751,22 +12913,26 @@
           <a:p>
             <a:r>
               <a:rPr lang="en-CA" dirty="0" smtClean="0"/>
-              <a:t>Data needs to be organized for quick searching</a:t>
-            </a:r>
-          </a:p>
-          <a:p>
-            <a:r>
-              <a:rPr lang="en-CA" dirty="0" smtClean="0"/>
-              <a:t>I/O operations are expensive </a:t>
-            </a:r>
-            <a:r>
-              <a:rPr lang="en-CA" dirty="0" smtClean="0">
-                <a:latin typeface="Wingdings"/>
-              </a:rPr>
-              <a:t>--&gt; need to minimize</a:t>
-            </a:r>
-          </a:p>
-          <a:p>
+              <a:t>Repeated complicated queries should not have to be executed every time</a:t>
+            </a:r>
+          </a:p>
+          <a:p>
+            <a:r>
+              <a:rPr lang="en-CA" dirty="0" smtClean="0"/>
+              <a:t>Save execution time, and I/O reads by pre-computing the results &amp; storing them</a:t>
+            </a:r>
+          </a:p>
+          <a:p>
+            <a:r>
+              <a:rPr lang="en-CA" dirty="0" smtClean="0"/>
+              <a:t>Materialized views are stores on disk</a:t>
+            </a:r>
+          </a:p>
+          <a:p>
+            <a:r>
+              <a:rPr lang="en-CA" dirty="0" smtClean="0"/>
+              <a:t>Rewriting queries using materialized views speeds up execution</a:t>
+            </a:r>
             <a:endParaRPr lang="en-CA" dirty="0"/>
           </a:p>
         </p:txBody>
@@ -12868,6 +13034,48 @@
       </p:grpSpPr>
       <p:sp>
         <p:nvSpPr>
+          <p:cNvPr id="7" name="Title 6"/>
+          <p:cNvSpPr>
+            <a:spLocks noGrp="1"/>
+          </p:cNvSpPr>
+          <p:nvPr>
+            <p:ph type="title"/>
+          </p:nvPr>
+        </p:nvSpPr>
+        <p:spPr/>
+        <p:txBody>
+          <a:bodyPr/>
+          <a:lstStyle/>
+          <a:p>
+            <a:r>
+              <a:rPr lang="en-CA" dirty="0" smtClean="0"/>
+              <a:t>Summary &amp; Conclusions</a:t>
+            </a:r>
+            <a:endParaRPr lang="en-CA" dirty="0"/>
+          </a:p>
+        </p:txBody>
+      </p:sp>
+      <p:sp>
+        <p:nvSpPr>
+          <p:cNvPr id="8" name="Text Placeholder 7"/>
+          <p:cNvSpPr>
+            <a:spLocks noGrp="1"/>
+          </p:cNvSpPr>
+          <p:nvPr>
+            <p:ph type="body" idx="1"/>
+          </p:nvPr>
+        </p:nvSpPr>
+        <p:spPr/>
+        <p:txBody>
+          <a:bodyPr/>
+          <a:lstStyle/>
+          <a:p>
+            <a:endParaRPr lang="en-CA"/>
+          </a:p>
+        </p:txBody>
+      </p:sp>
+      <p:sp>
+        <p:nvSpPr>
           <p:cNvPr id="4" name="Date Placeholder 3"/>
           <p:cNvSpPr>
             <a:spLocks noGrp="1"/>
@@ -12933,36 +13141,6 @@
               <a:t>50</a:t>
             </a:fld>
             <a:endParaRPr lang="en-CA"/>
-          </a:p>
-        </p:txBody>
-      </p:sp>
-      <p:sp>
-        <p:nvSpPr>
-          <p:cNvPr id="10" name="TextBox 9"/>
-          <p:cNvSpPr txBox="1"/>
-          <p:nvPr/>
-        </p:nvSpPr>
-        <p:spPr>
-          <a:xfrm>
-            <a:off x="857224" y="1571612"/>
-            <a:ext cx="2201244" cy="369332"/>
-          </a:xfrm>
-          <a:prstGeom prst="rect">
-            <a:avLst/>
-          </a:prstGeom>
-          <a:noFill/>
-        </p:spPr>
-        <p:txBody>
-          <a:bodyPr wrap="none" rtlCol="0">
-            <a:spAutoFit/>
-          </a:bodyPr>
-          <a:lstStyle/>
-          <a:p>
-            <a:r>
-              <a:rPr lang="en-CA" dirty="0" smtClean="0"/>
-              <a:t>Big summary table(s)</a:t>
-            </a:r>
-            <a:endParaRPr lang="en-CA" dirty="0"/>
           </a:p>
         </p:txBody>
       </p:sp>
@@ -12993,49 +13171,7 @@
       </p:grpSpPr>
       <p:sp>
         <p:nvSpPr>
-          <p:cNvPr id="5" name="Title 4"/>
-          <p:cNvSpPr>
-            <a:spLocks noGrp="1"/>
-          </p:cNvSpPr>
-          <p:nvPr>
-            <p:ph type="title"/>
-          </p:nvPr>
-        </p:nvSpPr>
-        <p:spPr/>
-        <p:txBody>
-          <a:bodyPr/>
-          <a:lstStyle/>
-          <a:p>
-            <a:r>
-              <a:rPr lang="en-CA" dirty="0" smtClean="0"/>
-              <a:t>Conclusions</a:t>
-            </a:r>
-            <a:endParaRPr lang="en-CA" dirty="0"/>
-          </a:p>
-        </p:txBody>
-      </p:sp>
-      <p:sp>
-        <p:nvSpPr>
-          <p:cNvPr id="6" name="Content Placeholder 5"/>
-          <p:cNvSpPr>
-            <a:spLocks noGrp="1"/>
-          </p:cNvSpPr>
-          <p:nvPr>
-            <p:ph idx="1"/>
-          </p:nvPr>
-        </p:nvSpPr>
-        <p:spPr/>
-        <p:txBody>
-          <a:bodyPr/>
-          <a:lstStyle/>
-          <a:p>
-            <a:endParaRPr lang="en-CA"/>
-          </a:p>
-        </p:txBody>
-      </p:sp>
-      <p:sp>
-        <p:nvSpPr>
-          <p:cNvPr id="2" name="Date Placeholder 1"/>
+          <p:cNvPr id="4" name="Date Placeholder 3"/>
           <p:cNvSpPr>
             <a:spLocks noGrp="1"/>
           </p:cNvSpPr>
@@ -13058,7 +13194,7 @@
       </p:sp>
       <p:sp>
         <p:nvSpPr>
-          <p:cNvPr id="3" name="Footer Placeholder 2"/>
+          <p:cNvPr id="5" name="Footer Placeholder 4"/>
           <p:cNvSpPr>
             <a:spLocks noGrp="1"/>
           </p:cNvSpPr>
@@ -13081,7 +13217,7 @@
       </p:sp>
       <p:sp>
         <p:nvSpPr>
-          <p:cNvPr id="4" name="Slide Number Placeholder 3"/>
+          <p:cNvPr id="6" name="Slide Number Placeholder 5"/>
           <p:cNvSpPr>
             <a:spLocks noGrp="1"/>
           </p:cNvSpPr>
@@ -13100,6 +13236,36 @@
               <a:t>51</a:t>
             </a:fld>
             <a:endParaRPr lang="en-CA"/>
+          </a:p>
+        </p:txBody>
+      </p:sp>
+      <p:sp>
+        <p:nvSpPr>
+          <p:cNvPr id="10" name="TextBox 9"/>
+          <p:cNvSpPr txBox="1"/>
+          <p:nvPr/>
+        </p:nvSpPr>
+        <p:spPr>
+          <a:xfrm>
+            <a:off x="857224" y="1571612"/>
+            <a:ext cx="2201244" cy="369332"/>
+          </a:xfrm>
+          <a:prstGeom prst="rect">
+            <a:avLst/>
+          </a:prstGeom>
+          <a:noFill/>
+        </p:spPr>
+        <p:txBody>
+          <a:bodyPr wrap="none" rtlCol="0">
+            <a:spAutoFit/>
+          </a:bodyPr>
+          <a:lstStyle/>
+          <a:p>
+            <a:r>
+              <a:rPr lang="en-CA" dirty="0" smtClean="0"/>
+              <a:t>Big summary table(s)</a:t>
+            </a:r>
+            <a:endParaRPr lang="en-CA" dirty="0"/>
           </a:p>
         </p:txBody>
       </p:sp>
@@ -13130,6 +13296,48 @@
       </p:grpSpPr>
       <p:sp>
         <p:nvSpPr>
+          <p:cNvPr id="5" name="Title 4"/>
+          <p:cNvSpPr>
+            <a:spLocks noGrp="1"/>
+          </p:cNvSpPr>
+          <p:nvPr>
+            <p:ph type="title"/>
+          </p:nvPr>
+        </p:nvSpPr>
+        <p:spPr/>
+        <p:txBody>
+          <a:bodyPr/>
+          <a:lstStyle/>
+          <a:p>
+            <a:r>
+              <a:rPr lang="en-CA" dirty="0" smtClean="0"/>
+              <a:t>Conclusions</a:t>
+            </a:r>
+            <a:endParaRPr lang="en-CA" dirty="0"/>
+          </a:p>
+        </p:txBody>
+      </p:sp>
+      <p:sp>
+        <p:nvSpPr>
+          <p:cNvPr id="6" name="Content Placeholder 5"/>
+          <p:cNvSpPr>
+            <a:spLocks noGrp="1"/>
+          </p:cNvSpPr>
+          <p:nvPr>
+            <p:ph idx="1"/>
+          </p:nvPr>
+        </p:nvSpPr>
+        <p:spPr/>
+        <p:txBody>
+          <a:bodyPr/>
+          <a:lstStyle/>
+          <a:p>
+            <a:endParaRPr lang="en-CA"/>
+          </a:p>
+        </p:txBody>
+      </p:sp>
+      <p:sp>
+        <p:nvSpPr>
           <p:cNvPr id="2" name="Date Placeholder 1"/>
           <p:cNvSpPr>
             <a:spLocks noGrp="1"/>
@@ -13195,36 +13403,6 @@
               <a:t>52</a:t>
             </a:fld>
             <a:endParaRPr lang="en-CA"/>
-          </a:p>
-        </p:txBody>
-      </p:sp>
-      <p:sp>
-        <p:nvSpPr>
-          <p:cNvPr id="7" name="TextBox 6"/>
-          <p:cNvSpPr txBox="1"/>
-          <p:nvPr/>
-        </p:nvSpPr>
-        <p:spPr>
-          <a:xfrm>
-            <a:off x="2571736" y="2714620"/>
-            <a:ext cx="3676006" cy="1015663"/>
-          </a:xfrm>
-          <a:prstGeom prst="rect">
-            <a:avLst/>
-          </a:prstGeom>
-          <a:noFill/>
-        </p:spPr>
-        <p:txBody>
-          <a:bodyPr wrap="none" rtlCol="0">
-            <a:spAutoFit/>
-          </a:bodyPr>
-          <a:lstStyle/>
-          <a:p>
-            <a:r>
-              <a:rPr lang="en-CA" sz="6000" b="1" dirty="0" smtClean="0"/>
-              <a:t>Thank you</a:t>
-            </a:r>
-            <a:endParaRPr lang="en-CA" sz="6000" b="1" dirty="0"/>
           </a:p>
         </p:txBody>
       </p:sp>
@@ -13255,48 +13433,6 @@
       </p:grpSpPr>
       <p:sp>
         <p:nvSpPr>
-          <p:cNvPr id="5" name="Title 4"/>
-          <p:cNvSpPr>
-            <a:spLocks noGrp="1"/>
-          </p:cNvSpPr>
-          <p:nvPr>
-            <p:ph type="title"/>
-          </p:nvPr>
-        </p:nvSpPr>
-        <p:spPr/>
-        <p:txBody>
-          <a:bodyPr/>
-          <a:lstStyle/>
-          <a:p>
-            <a:r>
-              <a:rPr lang="en-CA" dirty="0" smtClean="0"/>
-              <a:t>References</a:t>
-            </a:r>
-            <a:endParaRPr lang="en-CA" dirty="0"/>
-          </a:p>
-        </p:txBody>
-      </p:sp>
-      <p:sp>
-        <p:nvSpPr>
-          <p:cNvPr id="6" name="Content Placeholder 5"/>
-          <p:cNvSpPr>
-            <a:spLocks noGrp="1"/>
-          </p:cNvSpPr>
-          <p:nvPr>
-            <p:ph idx="1"/>
-          </p:nvPr>
-        </p:nvSpPr>
-        <p:spPr/>
-        <p:txBody>
-          <a:bodyPr/>
-          <a:lstStyle/>
-          <a:p>
-            <a:endParaRPr lang="en-CA"/>
-          </a:p>
-        </p:txBody>
-      </p:sp>
-      <p:sp>
-        <p:nvSpPr>
           <p:cNvPr id="2" name="Date Placeholder 1"/>
           <p:cNvSpPr>
             <a:spLocks noGrp="1"/>
@@ -13360,6 +13496,173 @@
               <a:rPr lang="en-CA" smtClean="0"/>
               <a:pPr/>
               <a:t>53</a:t>
+            </a:fld>
+            <a:endParaRPr lang="en-CA"/>
+          </a:p>
+        </p:txBody>
+      </p:sp>
+      <p:sp>
+        <p:nvSpPr>
+          <p:cNvPr id="7" name="TextBox 6"/>
+          <p:cNvSpPr txBox="1"/>
+          <p:nvPr/>
+        </p:nvSpPr>
+        <p:spPr>
+          <a:xfrm>
+            <a:off x="2571736" y="2714620"/>
+            <a:ext cx="3676006" cy="1015663"/>
+          </a:xfrm>
+          <a:prstGeom prst="rect">
+            <a:avLst/>
+          </a:prstGeom>
+          <a:noFill/>
+        </p:spPr>
+        <p:txBody>
+          <a:bodyPr wrap="none" rtlCol="0">
+            <a:spAutoFit/>
+          </a:bodyPr>
+          <a:lstStyle/>
+          <a:p>
+            <a:r>
+              <a:rPr lang="en-CA" sz="6000" b="1" dirty="0" smtClean="0"/>
+              <a:t>Thank you</a:t>
+            </a:r>
+            <a:endParaRPr lang="en-CA" sz="6000" b="1" dirty="0"/>
+          </a:p>
+        </p:txBody>
+      </p:sp>
+    </p:spTree>
+  </p:cSld>
+  <p:clrMapOvr>
+    <a:masterClrMapping/>
+  </p:clrMapOvr>
+</p:sld>
+</file>
+
+<file path=ppt/slides/slide54.xml><?xml version="1.0" encoding="utf-8"?>
+<p:sld xmlns:a="http://schemas.openxmlformats.org/drawingml/2006/main" xmlns:r="http://schemas.openxmlformats.org/officeDocument/2006/relationships" xmlns:p="http://schemas.openxmlformats.org/presentationml/2006/main">
+  <p:cSld>
+    <p:spTree>
+      <p:nvGrpSpPr>
+        <p:cNvPr id="1" name=""/>
+        <p:cNvGrpSpPr/>
+        <p:nvPr/>
+      </p:nvGrpSpPr>
+      <p:grpSpPr>
+        <a:xfrm>
+          <a:off x="0" y="0"/>
+          <a:ext cx="0" cy="0"/>
+          <a:chOff x="0" y="0"/>
+          <a:chExt cx="0" cy="0"/>
+        </a:xfrm>
+      </p:grpSpPr>
+      <p:sp>
+        <p:nvSpPr>
+          <p:cNvPr id="5" name="Title 4"/>
+          <p:cNvSpPr>
+            <a:spLocks noGrp="1"/>
+          </p:cNvSpPr>
+          <p:nvPr>
+            <p:ph type="title"/>
+          </p:nvPr>
+        </p:nvSpPr>
+        <p:spPr/>
+        <p:txBody>
+          <a:bodyPr/>
+          <a:lstStyle/>
+          <a:p>
+            <a:r>
+              <a:rPr lang="en-CA" dirty="0" smtClean="0"/>
+              <a:t>References</a:t>
+            </a:r>
+            <a:endParaRPr lang="en-CA" dirty="0"/>
+          </a:p>
+        </p:txBody>
+      </p:sp>
+      <p:sp>
+        <p:nvSpPr>
+          <p:cNvPr id="6" name="Content Placeholder 5"/>
+          <p:cNvSpPr>
+            <a:spLocks noGrp="1"/>
+          </p:cNvSpPr>
+          <p:nvPr>
+            <p:ph idx="1"/>
+          </p:nvPr>
+        </p:nvSpPr>
+        <p:spPr/>
+        <p:txBody>
+          <a:bodyPr/>
+          <a:lstStyle/>
+          <a:p>
+            <a:endParaRPr lang="en-CA"/>
+          </a:p>
+        </p:txBody>
+      </p:sp>
+      <p:sp>
+        <p:nvSpPr>
+          <p:cNvPr id="2" name="Date Placeholder 1"/>
+          <p:cNvSpPr>
+            <a:spLocks noGrp="1"/>
+          </p:cNvSpPr>
+          <p:nvPr>
+            <p:ph type="dt" sz="half" idx="10"/>
+          </p:nvPr>
+        </p:nvSpPr>
+        <p:spPr/>
+        <p:txBody>
+          <a:bodyPr/>
+          <a:lstStyle/>
+          <a:p>
+            <a:r>
+              <a:rPr lang="en-US" smtClean="0"/>
+              <a:t>Physical Design Patterns</a:t>
+            </a:r>
+            <a:endParaRPr lang="en-CA"/>
+          </a:p>
+        </p:txBody>
+      </p:sp>
+      <p:sp>
+        <p:nvSpPr>
+          <p:cNvPr id="3" name="Footer Placeholder 2"/>
+          <p:cNvSpPr>
+            <a:spLocks noGrp="1"/>
+          </p:cNvSpPr>
+          <p:nvPr>
+            <p:ph type="ftr" sz="quarter" idx="11"/>
+          </p:nvPr>
+        </p:nvSpPr>
+        <p:spPr/>
+        <p:txBody>
+          <a:bodyPr/>
+          <a:lstStyle/>
+          <a:p>
+            <a:r>
+              <a:rPr lang="en-CA" smtClean="0"/>
+              <a:t>Karim Ali &amp; Sarah Nadi</a:t>
+            </a:r>
+            <a:endParaRPr lang="en-CA"/>
+          </a:p>
+        </p:txBody>
+      </p:sp>
+      <p:sp>
+        <p:nvSpPr>
+          <p:cNvPr id="4" name="Slide Number Placeholder 3"/>
+          <p:cNvSpPr>
+            <a:spLocks noGrp="1"/>
+          </p:cNvSpPr>
+          <p:nvPr>
+            <p:ph type="sldNum" sz="quarter" idx="12"/>
+          </p:nvPr>
+        </p:nvSpPr>
+        <p:spPr/>
+        <p:txBody>
+          <a:bodyPr/>
+          <a:lstStyle/>
+          <a:p>
+            <a:fld id="{9AC8176B-BF31-4706-B15B-1AFC481B9AC3}" type="slidenum">
+              <a:rPr lang="en-CA" smtClean="0"/>
+              <a:pPr/>
+              <a:t>54</a:t>
             </a:fld>
             <a:endParaRPr lang="en-CA"/>
           </a:p>
@@ -13392,7 +13695,7 @@
       </p:grpSpPr>
       <p:sp>
         <p:nvSpPr>
-          <p:cNvPr id="2" name="Title 1"/>
+          <p:cNvPr id="7" name="Title 6"/>
           <p:cNvSpPr>
             <a:spLocks noGrp="1"/>
           </p:cNvSpPr>
@@ -13407,7 +13710,7 @@
           <a:p>
             <a:r>
               <a:rPr lang="en-CA" dirty="0" smtClean="0"/>
-              <a:t>Materialized Views</a:t>
+              <a:t>Indexes</a:t>
             </a:r>
             <a:endParaRPr lang="en-CA" dirty="0"/>
           </a:p>
@@ -13415,7 +13718,7 @@
       </p:sp>
       <p:sp>
         <p:nvSpPr>
-          <p:cNvPr id="3" name="Content Placeholder 2"/>
+          <p:cNvPr id="8" name="Content Placeholder 7"/>
           <p:cNvSpPr>
             <a:spLocks noGrp="1"/>
           </p:cNvSpPr>
@@ -13430,19 +13733,13 @@
           <a:p>
             <a:r>
               <a:rPr lang="en-CA" dirty="0" smtClean="0"/>
-              <a:t>Repeated complicated queries should not have to be executed every time</a:t>
-            </a:r>
-          </a:p>
-          <a:p>
-            <a:r>
-              <a:rPr lang="en-CA" dirty="0" smtClean="0"/>
-              <a:t>Save execution time, and I/O reads by pre-computing the results &amp; storing them</a:t>
-            </a:r>
-          </a:p>
-          <a:p>
-            <a:r>
-              <a:rPr lang="en-CA" dirty="0" smtClean="0"/>
-              <a:t>Materialized views are store on disk</a:t>
+              <a:t>Data needs to be organized for quick searching</a:t>
+            </a:r>
+          </a:p>
+          <a:p>
+            <a:r>
+              <a:rPr lang="en-CA" dirty="0" smtClean="0"/>
+              <a:t>Need to minimize expensive I/O operations</a:t>
             </a:r>
             <a:endParaRPr lang="en-CA" dirty="0"/>
           </a:p>

--- a/trunk/cs848-db/PhysDesignPres.pptx
+++ b/trunk/cs848-db/PhysDesignPres.pptx
@@ -5,7 +5,7 @@
     <p:sldMasterId id="2147483672" r:id="rId1"/>
   </p:sldMasterIdLst>
   <p:notesMasterIdLst>
-    <p:notesMasterId r:id="rId56"/>
+    <p:notesMasterId r:id="rId54"/>
   </p:notesMasterIdLst>
   <p:sldIdLst>
     <p:sldId id="256" r:id="rId2"/>
@@ -18,20 +18,20 @@
     <p:sldId id="263" r:id="rId9"/>
     <p:sldId id="264" r:id="rId10"/>
     <p:sldId id="266" r:id="rId11"/>
-    <p:sldId id="267" r:id="rId12"/>
-    <p:sldId id="268" r:id="rId13"/>
-    <p:sldId id="269" r:id="rId14"/>
-    <p:sldId id="270" r:id="rId15"/>
-    <p:sldId id="271" r:id="rId16"/>
-    <p:sldId id="285" r:id="rId17"/>
-    <p:sldId id="307" r:id="rId18"/>
-    <p:sldId id="308" r:id="rId19"/>
-    <p:sldId id="309" r:id="rId20"/>
-    <p:sldId id="310" r:id="rId21"/>
-    <p:sldId id="312" r:id="rId22"/>
-    <p:sldId id="313" r:id="rId23"/>
-    <p:sldId id="314" r:id="rId24"/>
-    <p:sldId id="315" r:id="rId25"/>
+    <p:sldId id="332" r:id="rId12"/>
+    <p:sldId id="333" r:id="rId13"/>
+    <p:sldId id="334" r:id="rId14"/>
+    <p:sldId id="335" r:id="rId15"/>
+    <p:sldId id="336" r:id="rId16"/>
+    <p:sldId id="270" r:id="rId17"/>
+    <p:sldId id="271" r:id="rId18"/>
+    <p:sldId id="307" r:id="rId19"/>
+    <p:sldId id="308" r:id="rId20"/>
+    <p:sldId id="309" r:id="rId21"/>
+    <p:sldId id="310" r:id="rId22"/>
+    <p:sldId id="312" r:id="rId23"/>
+    <p:sldId id="313" r:id="rId24"/>
+    <p:sldId id="314" r:id="rId25"/>
     <p:sldId id="316" r:id="rId26"/>
     <p:sldId id="317" r:id="rId27"/>
     <p:sldId id="318" r:id="rId28"/>
@@ -45,23 +45,21 @@
     <p:sldId id="326" r:id="rId36"/>
     <p:sldId id="327" r:id="rId37"/>
     <p:sldId id="328" r:id="rId38"/>
-    <p:sldId id="329" r:id="rId39"/>
-    <p:sldId id="330" r:id="rId40"/>
-    <p:sldId id="277" r:id="rId41"/>
-    <p:sldId id="278" r:id="rId42"/>
-    <p:sldId id="331" r:id="rId43"/>
-    <p:sldId id="279" r:id="rId44"/>
-    <p:sldId id="280" r:id="rId45"/>
-    <p:sldId id="281" r:id="rId46"/>
-    <p:sldId id="283" r:id="rId47"/>
-    <p:sldId id="291" r:id="rId48"/>
-    <p:sldId id="294" r:id="rId49"/>
-    <p:sldId id="295" r:id="rId50"/>
-    <p:sldId id="296" r:id="rId51"/>
-    <p:sldId id="292" r:id="rId52"/>
-    <p:sldId id="297" r:id="rId53"/>
-    <p:sldId id="298" r:id="rId54"/>
-    <p:sldId id="293" r:id="rId55"/>
+    <p:sldId id="337" r:id="rId39"/>
+    <p:sldId id="277" r:id="rId40"/>
+    <p:sldId id="278" r:id="rId41"/>
+    <p:sldId id="331" r:id="rId42"/>
+    <p:sldId id="279" r:id="rId43"/>
+    <p:sldId id="280" r:id="rId44"/>
+    <p:sldId id="281" r:id="rId45"/>
+    <p:sldId id="291" r:id="rId46"/>
+    <p:sldId id="294" r:id="rId47"/>
+    <p:sldId id="295" r:id="rId48"/>
+    <p:sldId id="296" r:id="rId49"/>
+    <p:sldId id="292" r:id="rId50"/>
+    <p:sldId id="297" r:id="rId51"/>
+    <p:sldId id="298" r:id="rId52"/>
+    <p:sldId id="293" r:id="rId53"/>
   </p:sldIdLst>
   <p:sldSz cx="9144000" cy="6858000" type="screen4x3"/>
   <p:notesSz cx="6858000" cy="9144000"/>
@@ -246,7 +244,7 @@
             <a:fld id="{B77FE1A0-659B-4CF4-8509-2C15FD019BEE}" type="datetimeFigureOut">
               <a:rPr lang="en-US" smtClean="0"/>
               <a:pPr/>
-              <a:t>7/11/2010</a:t>
+              <a:t>7/12/2010</a:t>
             </a:fld>
             <a:endParaRPr lang="en-CA"/>
           </a:p>
@@ -4551,7 +4549,43 @@
           <a:bodyPr/>
           <a:lstStyle/>
           <a:p>
-            <a:endParaRPr lang="en-CA"/>
+            <a:r>
+              <a:rPr lang="en-CA" dirty="0" smtClean="0"/>
+              <a:t>Data is stored on disk as relations (i.e. tables)</a:t>
+            </a:r>
+          </a:p>
+          <a:p>
+            <a:r>
+              <a:rPr lang="en-CA" dirty="0" smtClean="0"/>
+              <a:t>Data is organized based on a relational model (first order predicate logic)</a:t>
+            </a:r>
+          </a:p>
+          <a:p>
+            <a:r>
+              <a:rPr lang="en-CA" dirty="0" smtClean="0"/>
+              <a:t>Less expensive than in-memory databases</a:t>
+            </a:r>
+          </a:p>
+          <a:p>
+            <a:r>
+              <a:rPr lang="en-CA" dirty="0" smtClean="0"/>
+              <a:t>Queries are expressed in</a:t>
+            </a:r>
+          </a:p>
+          <a:p>
+            <a:pPr lvl="2"/>
+            <a:r>
+              <a:rPr lang="en-CA" dirty="0" smtClean="0"/>
+              <a:t>Relational calculus (i.e. declarative)</a:t>
+            </a:r>
+          </a:p>
+          <a:p>
+            <a:pPr lvl="2"/>
+            <a:r>
+              <a:rPr lang="en-CA" dirty="0" smtClean="0"/>
+              <a:t>Relational algebra (i.e. procedural)</a:t>
+            </a:r>
+            <a:endParaRPr lang="en-CA" dirty="0"/>
           </a:p>
         </p:txBody>
       </p:sp>
@@ -4688,7 +4722,10 @@
           <a:bodyPr/>
           <a:lstStyle/>
           <a:p>
-            <a:endParaRPr lang="en-CA"/>
+            <a:r>
+              <a:rPr lang="en-CA" dirty="0" smtClean="0"/>
+              <a:t>B+tree</a:t>
+            </a:r>
           </a:p>
         </p:txBody>
       </p:sp>
@@ -4762,6 +4799,39 @@
           </a:p>
         </p:txBody>
       </p:sp>
+      <p:pic>
+        <p:nvPicPr>
+          <p:cNvPr id="1027" name="Picture 3"/>
+          <p:cNvPicPr>
+            <a:picLocks noChangeAspect="1" noChangeArrowheads="1"/>
+          </p:cNvPicPr>
+          <p:nvPr/>
+        </p:nvPicPr>
+        <p:blipFill>
+          <a:blip r:embed="rId2"/>
+          <a:srcRect/>
+          <a:stretch>
+            <a:fillRect/>
+          </a:stretch>
+        </p:blipFill>
+        <p:spPr bwMode="auto">
+          <a:xfrm>
+            <a:off x="642910" y="2500306"/>
+            <a:ext cx="7620000" cy="3505200"/>
+          </a:xfrm>
+          <a:prstGeom prst="rect">
+            <a:avLst/>
+          </a:prstGeom>
+          <a:noFill/>
+          <a:ln w="9525">
+            <a:noFill/>
+            <a:miter lim="800000"/>
+            <a:headEnd/>
+            <a:tailEnd/>
+          </a:ln>
+          <a:effectLst/>
+        </p:spPr>
+      </p:pic>
     </p:spTree>
   </p:cSld>
   <p:clrMapOvr>
@@ -4804,9 +4874,13 @@
           <a:p>
             <a:r>
               <a:rPr lang="en-CA" dirty="0" smtClean="0"/>
-              <a:t>DRDB: Materialized Views</a:t>
-            </a:r>
-            <a:endParaRPr lang="en-CA" dirty="0"/>
+              <a:t>DRDB: Indexes </a:t>
+            </a:r>
+            <a:r>
+              <a:rPr lang="en-CA" sz="2400" i="1" dirty="0" smtClean="0"/>
+              <a:t>Cont’d</a:t>
+            </a:r>
+            <a:endParaRPr lang="en-CA" sz="2400" i="1" dirty="0"/>
           </a:p>
         </p:txBody>
       </p:sp>
@@ -4825,7 +4899,66 @@
           <a:bodyPr/>
           <a:lstStyle/>
           <a:p>
-            <a:endParaRPr lang="en-CA"/>
+            <a:r>
+              <a:rPr lang="en-CA" dirty="0" smtClean="0"/>
+              <a:t>B+tree</a:t>
+            </a:r>
+          </a:p>
+          <a:p>
+            <a:pPr lvl="2"/>
+            <a:r>
+              <a:rPr lang="en-CA" dirty="0" smtClean="0"/>
+              <a:t>Primary indexing method used for DRDB</a:t>
+            </a:r>
+          </a:p>
+          <a:p>
+            <a:pPr lvl="3"/>
+            <a:r>
+              <a:rPr lang="en-CA" dirty="0" smtClean="0"/>
+              <a:t>DB2, Oracle, SQL Server</a:t>
+            </a:r>
+          </a:p>
+          <a:p>
+            <a:pPr lvl="2"/>
+            <a:r>
+              <a:rPr lang="en-CA" dirty="0" smtClean="0"/>
+              <a:t>Pros</a:t>
+            </a:r>
+          </a:p>
+          <a:p>
+            <a:pPr lvl="3"/>
+            <a:r>
+              <a:rPr lang="en-CA" dirty="0" smtClean="0"/>
+              <a:t>Fast scans (short tree depth)</a:t>
+            </a:r>
+          </a:p>
+          <a:p>
+            <a:pPr lvl="3"/>
+            <a:r>
+              <a:rPr lang="en-CA" dirty="0" smtClean="0"/>
+              <a:t>Dynamic maintenance (self-balancing tree)</a:t>
+            </a:r>
+          </a:p>
+          <a:p>
+            <a:pPr lvl="3"/>
+            <a:r>
+              <a:rPr lang="en-CA" dirty="0" smtClean="0"/>
+              <a:t>Stores key values in sorted order (i.e. facilitates range search)</a:t>
+            </a:r>
+          </a:p>
+          <a:p>
+            <a:pPr lvl="2"/>
+            <a:r>
+              <a:rPr lang="en-CA" dirty="0" smtClean="0"/>
+              <a:t>Cons</a:t>
+            </a:r>
+          </a:p>
+          <a:p>
+            <a:pPr lvl="3"/>
+            <a:r>
+              <a:rPr lang="en-CA" dirty="0" smtClean="0"/>
+              <a:t>Splitting/Consolidation costs</a:t>
+            </a:r>
           </a:p>
         </p:txBody>
       </p:sp>
@@ -4941,13 +5074,13 @@
           <a:p>
             <a:r>
               <a:rPr lang="en-CA" dirty="0" smtClean="0"/>
-              <a:t>DRDB: </a:t>
-            </a:r>
-            <a:r>
-              <a:rPr lang="en-CA" dirty="0" err="1" smtClean="0"/>
-              <a:t>Paritioning</a:t>
-            </a:r>
-            <a:endParaRPr lang="en-CA" dirty="0"/>
+              <a:t>DRDB: Indexes </a:t>
+            </a:r>
+            <a:r>
+              <a:rPr lang="en-CA" sz="2400" i="1" dirty="0" smtClean="0"/>
+              <a:t>Cont’d</a:t>
+            </a:r>
+            <a:endParaRPr lang="en-CA" sz="2400" i="1" dirty="0"/>
           </a:p>
         </p:txBody>
       </p:sp>
@@ -4966,7 +5099,49 @@
           <a:bodyPr/>
           <a:lstStyle/>
           <a:p>
-            <a:endParaRPr lang="en-CA"/>
+            <a:r>
+              <a:rPr lang="en-CA" dirty="0" smtClean="0"/>
+              <a:t>Composite Index</a:t>
+            </a:r>
+          </a:p>
+          <a:p>
+            <a:pPr lvl="2"/>
+            <a:r>
+              <a:rPr lang="en-CA" dirty="0" smtClean="0"/>
+              <a:t>Defined on multiple attributes</a:t>
+            </a:r>
+          </a:p>
+          <a:p>
+            <a:pPr lvl="2"/>
+            <a:r>
+              <a:rPr lang="en-CA" dirty="0" smtClean="0"/>
+              <a:t>Based on B+tree index</a:t>
+            </a:r>
+          </a:p>
+          <a:p>
+            <a:pPr lvl="3"/>
+            <a:r>
+              <a:rPr lang="en-CA" dirty="0" smtClean="0"/>
+              <a:t>Concatenated key values</a:t>
+            </a:r>
+          </a:p>
+          <a:p>
+            <a:pPr lvl="2"/>
+            <a:r>
+              <a:rPr lang="en-CA" dirty="0" smtClean="0"/>
+              <a:t>Useful for cases when it is inadequate to index one attribute alone</a:t>
+            </a:r>
+          </a:p>
+          <a:p>
+            <a:pPr lvl="3"/>
+            <a:r>
+              <a:rPr lang="en-CA" dirty="0" smtClean="0"/>
+              <a:t>E.g. CITY &amp; STATE</a:t>
+            </a:r>
+          </a:p>
+          <a:p>
+            <a:pPr lvl="2"/>
+            <a:endParaRPr lang="en-CA" dirty="0" smtClean="0"/>
           </a:p>
         </p:txBody>
       </p:sp>
@@ -5082,9 +5257,13 @@
           <a:p>
             <a:r>
               <a:rPr lang="en-CA" dirty="0" smtClean="0"/>
-              <a:t>DRDB: Clustering</a:t>
-            </a:r>
-            <a:endParaRPr lang="en-CA" dirty="0"/>
+              <a:t>DRDB: Indexes </a:t>
+            </a:r>
+            <a:r>
+              <a:rPr lang="en-CA" sz="2400" i="1" dirty="0" smtClean="0"/>
+              <a:t>Cont’d</a:t>
+            </a:r>
+            <a:endParaRPr lang="en-CA" sz="2400" i="1" dirty="0"/>
           </a:p>
         </p:txBody>
       </p:sp>
@@ -5103,7 +5282,68 @@
           <a:bodyPr/>
           <a:lstStyle/>
           <a:p>
-            <a:endParaRPr lang="en-CA"/>
+            <a:r>
+              <a:rPr lang="en-CA" dirty="0" smtClean="0"/>
+              <a:t>Bitmap Index</a:t>
+            </a:r>
+          </a:p>
+          <a:p>
+            <a:pPr lvl="2"/>
+            <a:r>
+              <a:rPr lang="en-CA" dirty="0" smtClean="0"/>
+              <a:t>Bit array data structure (bitset, bitmap)</a:t>
+            </a:r>
+          </a:p>
+          <a:p>
+            <a:pPr lvl="2"/>
+            <a:r>
+              <a:rPr lang="en-CA" dirty="0" smtClean="0"/>
+              <a:t>Pros</a:t>
+            </a:r>
+          </a:p>
+          <a:p>
+            <a:pPr lvl="3"/>
+            <a:r>
+              <a:rPr lang="en-CA" dirty="0" smtClean="0"/>
+              <a:t>Outperforms B</a:t>
+            </a:r>
+            <a:r>
+              <a:rPr lang="en-CA" baseline="30000" dirty="0" smtClean="0"/>
+              <a:t>+</a:t>
+            </a:r>
+            <a:r>
+              <a:rPr lang="en-CA" dirty="0" smtClean="0"/>
+              <a:t>-trees for low cardinality attributes (e.g. gender)</a:t>
+            </a:r>
+          </a:p>
+          <a:p>
+            <a:pPr lvl="3"/>
+            <a:r>
+              <a:rPr lang="en-CA" dirty="0" smtClean="0"/>
+              <a:t>Less storage space</a:t>
+            </a:r>
+          </a:p>
+          <a:p>
+            <a:pPr lvl="3"/>
+            <a:r>
+              <a:rPr lang="en-CA" dirty="0" smtClean="0"/>
+              <a:t>Queries are answered using bitwise logical operations</a:t>
+            </a:r>
+          </a:p>
+          <a:p>
+            <a:pPr lvl="2"/>
+            <a:r>
+              <a:rPr lang="en-CA" dirty="0" smtClean="0"/>
+              <a:t>Cons</a:t>
+            </a:r>
+          </a:p>
+          <a:p>
+            <a:pPr lvl="3"/>
+            <a:r>
+              <a:rPr lang="en-CA" smtClean="0"/>
+              <a:t>Not amenable to index updates</a:t>
+            </a:r>
+            <a:endParaRPr lang="en-CA" dirty="0" smtClean="0"/>
           </a:p>
         </p:txBody>
       </p:sp>
@@ -5219,7 +5459,11 @@
           <a:p>
             <a:r>
               <a:rPr lang="en-CA" dirty="0" smtClean="0"/>
-              <a:t>DRDB: Summary</a:t>
+              <a:t>DRDB: </a:t>
+            </a:r>
+            <a:r>
+              <a:rPr lang="en-CA" dirty="0" err="1" smtClean="0"/>
+              <a:t>Paritioning</a:t>
             </a:r>
             <a:endParaRPr lang="en-CA" dirty="0"/>
           </a:p>
@@ -5240,11 +5484,7 @@
           <a:bodyPr/>
           <a:lstStyle/>
           <a:p>
-            <a:r>
-              <a:rPr lang="en-CA" dirty="0" smtClean="0"/>
-              <a:t>Summary table/figure</a:t>
-            </a:r>
-            <a:endParaRPr lang="en-CA" dirty="0"/>
+            <a:endParaRPr lang="en-CA"/>
           </a:p>
         </p:txBody>
       </p:sp>
@@ -5355,14 +5595,12 @@
         </p:nvSpPr>
         <p:spPr/>
         <p:txBody>
-          <a:bodyPr>
-            <a:normAutofit fontScale="90000"/>
-          </a:bodyPr>
-          <a:lstStyle/>
-          <a:p>
-            <a:r>
-              <a:rPr lang="en-CA" dirty="0" smtClean="0"/>
-              <a:t>Main Memory Database Systems (MMDB)</a:t>
+          <a:bodyPr/>
+          <a:lstStyle/>
+          <a:p>
+            <a:r>
+              <a:rPr lang="en-CA" dirty="0" smtClean="0"/>
+              <a:t>DRDB: Clustering</a:t>
             </a:r>
             <a:endParaRPr lang="en-CA" dirty="0"/>
           </a:p>
@@ -5383,31 +5621,7 @@
           <a:bodyPr/>
           <a:lstStyle/>
           <a:p>
-            <a:r>
-              <a:rPr lang="en-CA" dirty="0" smtClean="0"/>
-              <a:t>Primary copy of data resides in main memory </a:t>
-            </a:r>
-          </a:p>
-          <a:p>
-            <a:r>
-              <a:rPr lang="en-CA" dirty="0" smtClean="0"/>
-              <a:t>Cheaper to access main memory</a:t>
-            </a:r>
-          </a:p>
-          <a:p>
-            <a:r>
-              <a:rPr lang="en-CA" dirty="0" smtClean="0"/>
-              <a:t>MMDB have better performance</a:t>
-            </a:r>
-          </a:p>
-          <a:p>
-            <a:r>
-              <a:rPr lang="en-CA" dirty="0" smtClean="0"/>
-              <a:t>Usually have an archived copy of the data in case of crashes</a:t>
-            </a:r>
-          </a:p>
-          <a:p>
-            <a:endParaRPr lang="en-CA" dirty="0"/>
+            <a:endParaRPr lang="en-CA"/>
           </a:p>
         </p:txBody>
       </p:sp>
@@ -5518,12 +5732,14 @@
         </p:nvSpPr>
         <p:spPr/>
         <p:txBody>
-          <a:bodyPr/>
-          <a:lstStyle/>
-          <a:p>
-            <a:r>
-              <a:rPr lang="en-CA" dirty="0" smtClean="0"/>
-              <a:t>MMDB: Indexes</a:t>
+          <a:bodyPr>
+            <a:normAutofit fontScale="90000"/>
+          </a:bodyPr>
+          <a:lstStyle/>
+          <a:p>
+            <a:r>
+              <a:rPr lang="en-CA" dirty="0" smtClean="0"/>
+              <a:t>Main Memory Database Systems (MMDB)</a:t>
             </a:r>
             <a:endParaRPr lang="en-CA" dirty="0"/>
           </a:p>
@@ -5541,76 +5757,34 @@
         </p:nvSpPr>
         <p:spPr/>
         <p:txBody>
-          <a:bodyPr>
-            <a:normAutofit lnSpcReduction="10000"/>
-          </a:bodyPr>
-          <a:lstStyle/>
-          <a:p>
-            <a:r>
-              <a:rPr lang="en-CA" dirty="0" smtClean="0"/>
-              <a:t>Use:</a:t>
-            </a:r>
-          </a:p>
-          <a:p>
-            <a:pPr lvl="2"/>
-            <a:r>
-              <a:rPr lang="en-CA" dirty="0" smtClean="0"/>
-              <a:t>Reduce overall computation time without using too much extra space</a:t>
-            </a:r>
-          </a:p>
-          <a:p>
-            <a:r>
-              <a:rPr lang="en-CA" dirty="0" smtClean="0"/>
-              <a:t>Factors to consider:</a:t>
-            </a:r>
-          </a:p>
-          <a:p>
-            <a:pPr lvl="2"/>
-            <a:r>
-              <a:rPr lang="en-CA" dirty="0" smtClean="0"/>
-              <a:t>I/O operations are cheaper</a:t>
-            </a:r>
-          </a:p>
-          <a:p>
-            <a:pPr lvl="2"/>
-            <a:r>
-              <a:rPr lang="en-CA" dirty="0" smtClean="0"/>
-              <a:t>Should be cache conscious</a:t>
-            </a:r>
-          </a:p>
-          <a:p>
-            <a:pPr lvl="2"/>
-            <a:r>
-              <a:rPr lang="en-CA" dirty="0" smtClean="0"/>
-              <a:t>No need to store data in the index structure</a:t>
-            </a:r>
-          </a:p>
-          <a:p>
-            <a:r>
-              <a:rPr lang="en-CA" dirty="0" smtClean="0"/>
-              <a:t>Categories of indexes used:</a:t>
-            </a:r>
-          </a:p>
-          <a:p>
-            <a:pPr lvl="2"/>
-            <a:r>
-              <a:rPr lang="en-CA" dirty="0" smtClean="0"/>
-              <a:t>B Trees</a:t>
-            </a:r>
-          </a:p>
-          <a:p>
-            <a:pPr lvl="2"/>
-            <a:r>
-              <a:rPr lang="en-CA" dirty="0" smtClean="0"/>
-              <a:t>T Trees</a:t>
-            </a:r>
-          </a:p>
-          <a:p>
-            <a:pPr lvl="2"/>
-            <a:r>
-              <a:rPr lang="en-CA" dirty="0" smtClean="0"/>
-              <a:t>Search Trees</a:t>
-            </a:r>
+          <a:bodyPr/>
+          <a:lstStyle/>
+          <a:p>
+            <a:r>
+              <a:rPr lang="en-CA" dirty="0" smtClean="0"/>
+              <a:t>Primary copy of data resides in main memory </a:t>
+            </a:r>
+          </a:p>
+          <a:p>
+            <a:r>
+              <a:rPr lang="en-CA" dirty="0" smtClean="0"/>
+              <a:t>Cheaper to access main memory</a:t>
+            </a:r>
+          </a:p>
+          <a:p>
+            <a:r>
+              <a:rPr lang="en-CA" dirty="0" smtClean="0"/>
+              <a:t>MMDB have better performance</a:t>
+            </a:r>
+          </a:p>
+          <a:p>
+            <a:r>
+              <a:rPr lang="en-CA" dirty="0" smtClean="0"/>
+              <a:t>Usually have an archived copy of the data in case of crashes</a:t>
+            </a:r>
+          </a:p>
+          <a:p>
+            <a:endParaRPr lang="en-CA" dirty="0"/>
           </a:p>
         </p:txBody>
       </p:sp>
@@ -5726,13 +5900,94 @@
           <a:p>
             <a:r>
               <a:rPr lang="en-CA" dirty="0" smtClean="0"/>
-              <a:t>MMDB: Indexes </a:t>
-            </a:r>
-            <a:r>
-              <a:rPr lang="en-CA" sz="2400" i="1" dirty="0" smtClean="0"/>
-              <a:t>Cont’d</a:t>
-            </a:r>
-            <a:endParaRPr lang="en-CA" sz="2400" i="1" dirty="0"/>
+              <a:t>MMDB: Indexes</a:t>
+            </a:r>
+            <a:endParaRPr lang="en-CA" dirty="0"/>
+          </a:p>
+        </p:txBody>
+      </p:sp>
+      <p:sp>
+        <p:nvSpPr>
+          <p:cNvPr id="3" name="Content Placeholder 2"/>
+          <p:cNvSpPr>
+            <a:spLocks noGrp="1"/>
+          </p:cNvSpPr>
+          <p:nvPr>
+            <p:ph idx="1"/>
+          </p:nvPr>
+        </p:nvSpPr>
+        <p:spPr/>
+        <p:txBody>
+          <a:bodyPr>
+            <a:normAutofit lnSpcReduction="10000"/>
+          </a:bodyPr>
+          <a:lstStyle/>
+          <a:p>
+            <a:r>
+              <a:rPr lang="en-CA" dirty="0" smtClean="0"/>
+              <a:t>Use:</a:t>
+            </a:r>
+          </a:p>
+          <a:p>
+            <a:pPr lvl="2"/>
+            <a:r>
+              <a:rPr lang="en-CA" dirty="0" smtClean="0"/>
+              <a:t>Reduce overall computation time without using too much extra space</a:t>
+            </a:r>
+          </a:p>
+          <a:p>
+            <a:r>
+              <a:rPr lang="en-CA" dirty="0" smtClean="0"/>
+              <a:t>Factors to consider:</a:t>
+            </a:r>
+          </a:p>
+          <a:p>
+            <a:pPr lvl="2"/>
+            <a:r>
+              <a:rPr lang="en-CA" dirty="0" smtClean="0"/>
+              <a:t>I/O operations are cheaper</a:t>
+            </a:r>
+          </a:p>
+          <a:p>
+            <a:pPr lvl="2"/>
+            <a:r>
+              <a:rPr lang="en-CA" dirty="0" smtClean="0"/>
+              <a:t>Should be cache conscious</a:t>
+            </a:r>
+          </a:p>
+          <a:p>
+            <a:pPr lvl="2"/>
+            <a:r>
+              <a:rPr lang="en-CA" dirty="0" smtClean="0"/>
+              <a:t>No need to store data in the index structure</a:t>
+            </a:r>
+          </a:p>
+          <a:p>
+            <a:r>
+              <a:rPr lang="en-CA" dirty="0" smtClean="0"/>
+              <a:t>Categories of indexes used:</a:t>
+            </a:r>
+          </a:p>
+          <a:p>
+            <a:pPr lvl="2"/>
+            <a:r>
+              <a:rPr lang="en-CA" dirty="0" smtClean="0"/>
+              <a:t>B Trees</a:t>
+            </a:r>
+          </a:p>
+          <a:p>
+            <a:pPr lvl="2"/>
+            <a:r>
+              <a:rPr lang="en-CA" dirty="0" smtClean="0"/>
+              <a:t>T Trees</a:t>
+            </a:r>
+          </a:p>
+          <a:p>
+            <a:pPr lvl="2"/>
+            <a:r>
+              <a:rPr lang="en-CA" dirty="0" smtClean="0"/>
+              <a:t>Search Trees</a:t>
+            </a:r>
           </a:p>
         </p:txBody>
       </p:sp>
@@ -5801,6 +6056,346 @@
               <a:rPr lang="en-CA" smtClean="0"/>
               <a:pPr/>
               <a:t>19</a:t>
+            </a:fld>
+            <a:endParaRPr lang="en-CA"/>
+          </a:p>
+        </p:txBody>
+      </p:sp>
+    </p:spTree>
+  </p:cSld>
+  <p:clrMapOvr>
+    <a:masterClrMapping/>
+  </p:clrMapOvr>
+</p:sld>
+</file>
+
+<file path=ppt/slides/slide2.xml><?xml version="1.0" encoding="utf-8"?>
+<p:sld xmlns:a="http://schemas.openxmlformats.org/drawingml/2006/main" xmlns:r="http://schemas.openxmlformats.org/officeDocument/2006/relationships" xmlns:p="http://schemas.openxmlformats.org/presentationml/2006/main">
+  <p:cSld>
+    <p:spTree>
+      <p:nvGrpSpPr>
+        <p:cNvPr id="1" name=""/>
+        <p:cNvGrpSpPr/>
+        <p:nvPr/>
+      </p:nvGrpSpPr>
+      <p:grpSpPr>
+        <a:xfrm>
+          <a:off x="0" y="0"/>
+          <a:ext cx="0" cy="0"/>
+          <a:chOff x="0" y="0"/>
+          <a:chExt cx="0" cy="0"/>
+        </a:xfrm>
+      </p:grpSpPr>
+      <p:sp>
+        <p:nvSpPr>
+          <p:cNvPr id="2" name="Title 1"/>
+          <p:cNvSpPr>
+            <a:spLocks noGrp="1"/>
+          </p:cNvSpPr>
+          <p:nvPr>
+            <p:ph type="title"/>
+          </p:nvPr>
+        </p:nvSpPr>
+        <p:spPr/>
+        <p:txBody>
+          <a:bodyPr/>
+          <a:lstStyle/>
+          <a:p>
+            <a:r>
+              <a:rPr lang="en-CA" dirty="0" smtClean="0"/>
+              <a:t>Outline</a:t>
+            </a:r>
+            <a:endParaRPr lang="en-CA" dirty="0"/>
+          </a:p>
+        </p:txBody>
+      </p:sp>
+      <p:sp>
+        <p:nvSpPr>
+          <p:cNvPr id="3" name="Content Placeholder 2"/>
+          <p:cNvSpPr>
+            <a:spLocks noGrp="1"/>
+          </p:cNvSpPr>
+          <p:nvPr>
+            <p:ph idx="1"/>
+          </p:nvPr>
+        </p:nvSpPr>
+        <p:spPr/>
+        <p:txBody>
+          <a:bodyPr>
+            <a:normAutofit fontScale="92500" lnSpcReduction="10000"/>
+          </a:bodyPr>
+          <a:lstStyle/>
+          <a:p>
+            <a:r>
+              <a:rPr lang="en-CA" dirty="0" smtClean="0"/>
+              <a:t>Database lifecycle</a:t>
+            </a:r>
+          </a:p>
+          <a:p>
+            <a:r>
+              <a:rPr lang="en-CA" dirty="0" smtClean="0"/>
+              <a:t>Elements of Physical Design in Information Systems</a:t>
+            </a:r>
+          </a:p>
+          <a:p>
+            <a:r>
+              <a:rPr lang="en-CA" dirty="0" smtClean="0"/>
+              <a:t>Different Physical Designs</a:t>
+            </a:r>
+          </a:p>
+          <a:p>
+            <a:pPr lvl="2"/>
+            <a:r>
+              <a:rPr lang="en-CA" dirty="0" smtClean="0"/>
+              <a:t>Disk Based Relational Database Systems (DRDB)</a:t>
+            </a:r>
+          </a:p>
+          <a:p>
+            <a:pPr lvl="2"/>
+            <a:r>
+              <a:rPr lang="en-CA" dirty="0" smtClean="0"/>
+              <a:t>Memory Based Relational Database Systems (MMDB)</a:t>
+            </a:r>
+          </a:p>
+          <a:p>
+            <a:pPr lvl="2"/>
+            <a:r>
+              <a:rPr lang="en-CA" dirty="0" smtClean="0"/>
+              <a:t>XML Databases</a:t>
+            </a:r>
+          </a:p>
+          <a:p>
+            <a:pPr lvl="2"/>
+            <a:r>
+              <a:rPr lang="en-CA" dirty="0" smtClean="0"/>
+              <a:t>Data Warehouses</a:t>
+            </a:r>
+          </a:p>
+          <a:p>
+            <a:r>
+              <a:rPr lang="en-CA" dirty="0" smtClean="0"/>
+              <a:t>Future Work</a:t>
+            </a:r>
+          </a:p>
+          <a:p>
+            <a:r>
+              <a:rPr lang="en-CA" dirty="0" smtClean="0"/>
+              <a:t>Open Problems</a:t>
+            </a:r>
+          </a:p>
+          <a:p>
+            <a:r>
+              <a:rPr lang="en-CA" dirty="0" smtClean="0"/>
+              <a:t>Summary &amp; Conclusions</a:t>
+            </a:r>
+          </a:p>
+          <a:p>
+            <a:endParaRPr lang="en-CA" dirty="0"/>
+          </a:p>
+        </p:txBody>
+      </p:sp>
+      <p:sp>
+        <p:nvSpPr>
+          <p:cNvPr id="4" name="Date Placeholder 3"/>
+          <p:cNvSpPr>
+            <a:spLocks noGrp="1"/>
+          </p:cNvSpPr>
+          <p:nvPr>
+            <p:ph type="dt" sz="half" idx="10"/>
+          </p:nvPr>
+        </p:nvSpPr>
+        <p:spPr/>
+        <p:txBody>
+          <a:bodyPr/>
+          <a:lstStyle/>
+          <a:p>
+            <a:r>
+              <a:rPr lang="en-US" dirty="0" smtClean="0"/>
+              <a:t>Physical Design Patterns</a:t>
+            </a:r>
+            <a:endParaRPr lang="en-CA" dirty="0"/>
+          </a:p>
+        </p:txBody>
+      </p:sp>
+      <p:sp>
+        <p:nvSpPr>
+          <p:cNvPr id="6" name="Footer Placeholder 5"/>
+          <p:cNvSpPr>
+            <a:spLocks noGrp="1"/>
+          </p:cNvSpPr>
+          <p:nvPr>
+            <p:ph type="ftr" sz="quarter" idx="11"/>
+          </p:nvPr>
+        </p:nvSpPr>
+        <p:spPr/>
+        <p:txBody>
+          <a:bodyPr/>
+          <a:lstStyle/>
+          <a:p>
+            <a:r>
+              <a:rPr lang="en-CA" dirty="0" err="1" smtClean="0"/>
+              <a:t>Karim</a:t>
+            </a:r>
+            <a:r>
+              <a:rPr lang="en-CA" dirty="0" smtClean="0"/>
+              <a:t> Ali &amp; Sarah </a:t>
+            </a:r>
+            <a:r>
+              <a:rPr lang="en-CA" dirty="0" err="1" smtClean="0"/>
+              <a:t>Nadi</a:t>
+            </a:r>
+            <a:endParaRPr lang="en-CA" dirty="0"/>
+          </a:p>
+        </p:txBody>
+      </p:sp>
+      <p:sp>
+        <p:nvSpPr>
+          <p:cNvPr id="5" name="Slide Number Placeholder 4"/>
+          <p:cNvSpPr>
+            <a:spLocks noGrp="1"/>
+          </p:cNvSpPr>
+          <p:nvPr>
+            <p:ph type="sldNum" sz="quarter" idx="12"/>
+          </p:nvPr>
+        </p:nvSpPr>
+        <p:spPr/>
+        <p:txBody>
+          <a:bodyPr/>
+          <a:lstStyle/>
+          <a:p>
+            <a:fld id="{9AC8176B-BF31-4706-B15B-1AFC481B9AC3}" type="slidenum">
+              <a:rPr lang="en-CA" smtClean="0"/>
+              <a:pPr/>
+              <a:t>2</a:t>
+            </a:fld>
+            <a:endParaRPr lang="en-CA"/>
+          </a:p>
+        </p:txBody>
+      </p:sp>
+    </p:spTree>
+  </p:cSld>
+  <p:clrMapOvr>
+    <a:masterClrMapping/>
+  </p:clrMapOvr>
+  <p:timing>
+    <p:tnLst>
+      <p:par>
+        <p:cTn id="1" dur="indefinite" restart="never" nodeType="tmRoot"/>
+      </p:par>
+    </p:tnLst>
+  </p:timing>
+</p:sld>
+</file>
+
+<file path=ppt/slides/slide20.xml><?xml version="1.0" encoding="utf-8"?>
+<p:sld xmlns:a="http://schemas.openxmlformats.org/drawingml/2006/main" xmlns:r="http://schemas.openxmlformats.org/officeDocument/2006/relationships" xmlns:p="http://schemas.openxmlformats.org/presentationml/2006/main">
+  <p:cSld>
+    <p:spTree>
+      <p:nvGrpSpPr>
+        <p:cNvPr id="1" name=""/>
+        <p:cNvGrpSpPr/>
+        <p:nvPr/>
+      </p:nvGrpSpPr>
+      <p:grpSpPr>
+        <a:xfrm>
+          <a:off x="0" y="0"/>
+          <a:ext cx="0" cy="0"/>
+          <a:chOff x="0" y="0"/>
+          <a:chExt cx="0" cy="0"/>
+        </a:xfrm>
+      </p:grpSpPr>
+      <p:sp>
+        <p:nvSpPr>
+          <p:cNvPr id="2" name="Title 1"/>
+          <p:cNvSpPr>
+            <a:spLocks noGrp="1"/>
+          </p:cNvSpPr>
+          <p:nvPr>
+            <p:ph type="title"/>
+          </p:nvPr>
+        </p:nvSpPr>
+        <p:spPr/>
+        <p:txBody>
+          <a:bodyPr/>
+          <a:lstStyle/>
+          <a:p>
+            <a:r>
+              <a:rPr lang="en-CA" dirty="0" smtClean="0"/>
+              <a:t>MMDB: Indexes </a:t>
+            </a:r>
+            <a:r>
+              <a:rPr lang="en-CA" sz="2400" i="1" dirty="0" smtClean="0"/>
+              <a:t>Cont’d</a:t>
+            </a:r>
+            <a:endParaRPr lang="en-CA" sz="2400" i="1" dirty="0"/>
+          </a:p>
+        </p:txBody>
+      </p:sp>
+      <p:sp>
+        <p:nvSpPr>
+          <p:cNvPr id="4" name="Date Placeholder 3"/>
+          <p:cNvSpPr>
+            <a:spLocks noGrp="1"/>
+          </p:cNvSpPr>
+          <p:nvPr>
+            <p:ph type="dt" sz="half" idx="10"/>
+          </p:nvPr>
+        </p:nvSpPr>
+        <p:spPr/>
+        <p:txBody>
+          <a:bodyPr/>
+          <a:lstStyle/>
+          <a:p>
+            <a:r>
+              <a:rPr lang="en-US" smtClean="0"/>
+              <a:t>Physical Design Patterns</a:t>
+            </a:r>
+            <a:endParaRPr lang="en-CA"/>
+          </a:p>
+        </p:txBody>
+      </p:sp>
+      <p:sp>
+        <p:nvSpPr>
+          <p:cNvPr id="5" name="Footer Placeholder 4"/>
+          <p:cNvSpPr>
+            <a:spLocks noGrp="1"/>
+          </p:cNvSpPr>
+          <p:nvPr>
+            <p:ph type="ftr" sz="quarter" idx="11"/>
+          </p:nvPr>
+        </p:nvSpPr>
+        <p:spPr/>
+        <p:txBody>
+          <a:bodyPr/>
+          <a:lstStyle/>
+          <a:p>
+            <a:r>
+              <a:rPr lang="en-CA" smtClean="0"/>
+              <a:t>Karim Ali &amp; Sarah Nadi</a:t>
+            </a:r>
+            <a:endParaRPr lang="en-CA"/>
+          </a:p>
+        </p:txBody>
+      </p:sp>
+      <p:sp>
+        <p:nvSpPr>
+          <p:cNvPr id="6" name="Slide Number Placeholder 5"/>
+          <p:cNvSpPr>
+            <a:spLocks noGrp="1"/>
+          </p:cNvSpPr>
+          <p:nvPr>
+            <p:ph type="sldNum" sz="quarter" idx="12"/>
+          </p:nvPr>
+        </p:nvSpPr>
+        <p:spPr/>
+        <p:txBody>
+          <a:bodyPr/>
+          <a:lstStyle/>
+          <a:p>
+            <a:fld id="{9AC8176B-BF31-4706-B15B-1AFC481B9AC3}" type="slidenum">
+              <a:rPr lang="en-CA" smtClean="0"/>
+              <a:pPr/>
+              <a:t>20</a:t>
             </a:fld>
             <a:endParaRPr lang="en-CA"/>
           </a:p>
@@ -6243,7 +6838,7 @@
 </p:sld>
 </file>
 
-<file path=ppt/slides/slide2.xml><?xml version="1.0" encoding="utf-8"?>
+<file path=ppt/slides/slide21.xml><?xml version="1.0" encoding="utf-8"?>
 <p:sld xmlns:a="http://schemas.openxmlformats.org/drawingml/2006/main" xmlns:r="http://schemas.openxmlformats.org/officeDocument/2006/relationships" xmlns:p="http://schemas.openxmlformats.org/presentationml/2006/main">
   <p:cSld>
     <p:spTree>
@@ -6277,7 +6872,15 @@
           <a:p>
             <a:r>
               <a:rPr lang="en-CA" dirty="0" smtClean="0"/>
-              <a:t>Outline</a:t>
+              <a:t>MMDB: Indexes </a:t>
+            </a:r>
+            <a:r>
+              <a:rPr lang="en-CA" sz="2400" i="1" dirty="0" smtClean="0"/>
+              <a:t>Cont’d</a:t>
+            </a:r>
+            <a:r>
+              <a:rPr lang="en-CA" dirty="0" smtClean="0"/>
+              <a:t> </a:t>
             </a:r>
             <a:endParaRPr lang="en-CA" dirty="0"/>
           </a:p>
@@ -6285,91 +6888,6 @@
       </p:sp>
       <p:sp>
         <p:nvSpPr>
-          <p:cNvPr id="3" name="Content Placeholder 2"/>
-          <p:cNvSpPr>
-            <a:spLocks noGrp="1"/>
-          </p:cNvSpPr>
-          <p:nvPr>
-            <p:ph idx="1"/>
-          </p:nvPr>
-        </p:nvSpPr>
-        <p:spPr/>
-        <p:txBody>
-          <a:bodyPr>
-            <a:normAutofit fontScale="92500" lnSpcReduction="10000"/>
-          </a:bodyPr>
-          <a:lstStyle/>
-          <a:p>
-            <a:r>
-              <a:rPr lang="en-CA" dirty="0" smtClean="0"/>
-              <a:t>Database lifecycle</a:t>
-            </a:r>
-          </a:p>
-          <a:p>
-            <a:r>
-              <a:rPr lang="en-CA" dirty="0" smtClean="0"/>
-              <a:t>Elements of Physical Design in Information Systems</a:t>
-            </a:r>
-          </a:p>
-          <a:p>
-            <a:r>
-              <a:rPr lang="en-CA" dirty="0" smtClean="0"/>
-              <a:t>Different Physical Designs</a:t>
-            </a:r>
-          </a:p>
-          <a:p>
-            <a:pPr lvl="2"/>
-            <a:r>
-              <a:rPr lang="en-CA" dirty="0" smtClean="0"/>
-              <a:t>Disk Based Relational Database Systems (DRDB)</a:t>
-            </a:r>
-          </a:p>
-          <a:p>
-            <a:pPr lvl="2"/>
-            <a:r>
-              <a:rPr lang="en-CA" dirty="0" smtClean="0"/>
-              <a:t>Memory Based Relational Database Systems (MMDB)</a:t>
-            </a:r>
-          </a:p>
-          <a:p>
-            <a:pPr lvl="2"/>
-            <a:r>
-              <a:rPr lang="en-CA" dirty="0" smtClean="0"/>
-              <a:t>XML Databases</a:t>
-            </a:r>
-          </a:p>
-          <a:p>
-            <a:pPr lvl="2"/>
-            <a:r>
-              <a:rPr lang="en-CA" dirty="0" smtClean="0"/>
-              <a:t>Data Warehouses</a:t>
-            </a:r>
-          </a:p>
-          <a:p>
-            <a:r>
-              <a:rPr lang="en-CA" dirty="0" smtClean="0"/>
-              <a:t>Future Work</a:t>
-            </a:r>
-          </a:p>
-          <a:p>
-            <a:r>
-              <a:rPr lang="en-CA" dirty="0" smtClean="0"/>
-              <a:t>Open Problems</a:t>
-            </a:r>
-          </a:p>
-          <a:p>
-            <a:r>
-              <a:rPr lang="en-CA" dirty="0" smtClean="0"/>
-              <a:t>Summary &amp; Conclusions</a:t>
-            </a:r>
-          </a:p>
-          <a:p>
-            <a:endParaRPr lang="en-CA" dirty="0"/>
-          </a:p>
-        </p:txBody>
-      </p:sp>
-      <p:sp>
-        <p:nvSpPr>
           <p:cNvPr id="4" name="Date Placeholder 3"/>
           <p:cNvSpPr>
             <a:spLocks noGrp="1"/>
@@ -6384,16 +6902,16 @@
           <a:lstStyle/>
           <a:p>
             <a:r>
-              <a:rPr lang="en-US" dirty="0" smtClean="0"/>
+              <a:rPr lang="en-US" smtClean="0"/>
               <a:t>Physical Design Patterns</a:t>
             </a:r>
-            <a:endParaRPr lang="en-CA" dirty="0"/>
-          </a:p>
-        </p:txBody>
-      </p:sp>
-      <p:sp>
-        <p:nvSpPr>
-          <p:cNvPr id="6" name="Footer Placeholder 5"/>
+            <a:endParaRPr lang="en-CA"/>
+          </a:p>
+        </p:txBody>
+      </p:sp>
+      <p:sp>
+        <p:nvSpPr>
+          <p:cNvPr id="5" name="Footer Placeholder 4"/>
           <p:cNvSpPr>
             <a:spLocks noGrp="1"/>
           </p:cNvSpPr>
@@ -6424,7 +6942,7 @@
       </p:sp>
       <p:sp>
         <p:nvSpPr>
-          <p:cNvPr id="5" name="Slide Number Placeholder 4"/>
+          <p:cNvPr id="6" name="Slide Number Placeholder 5"/>
           <p:cNvSpPr>
             <a:spLocks noGrp="1"/>
           </p:cNvSpPr>
@@ -6440,148 +6958,7 @@
             <a:fld id="{9AC8176B-BF31-4706-B15B-1AFC481B9AC3}" type="slidenum">
               <a:rPr lang="en-CA" smtClean="0"/>
               <a:pPr/>
-              <a:t>2</a:t>
-            </a:fld>
-            <a:endParaRPr lang="en-CA"/>
-          </a:p>
-        </p:txBody>
-      </p:sp>
-    </p:spTree>
-  </p:cSld>
-  <p:clrMapOvr>
-    <a:masterClrMapping/>
-  </p:clrMapOvr>
-  <p:timing>
-    <p:tnLst>
-      <p:par>
-        <p:cTn id="1" dur="indefinite" restart="never" nodeType="tmRoot"/>
-      </p:par>
-    </p:tnLst>
-  </p:timing>
-</p:sld>
-</file>
-
-<file path=ppt/slides/slide20.xml><?xml version="1.0" encoding="utf-8"?>
-<p:sld xmlns:a="http://schemas.openxmlformats.org/drawingml/2006/main" xmlns:r="http://schemas.openxmlformats.org/officeDocument/2006/relationships" xmlns:p="http://schemas.openxmlformats.org/presentationml/2006/main">
-  <p:cSld>
-    <p:spTree>
-      <p:nvGrpSpPr>
-        <p:cNvPr id="1" name=""/>
-        <p:cNvGrpSpPr/>
-        <p:nvPr/>
-      </p:nvGrpSpPr>
-      <p:grpSpPr>
-        <a:xfrm>
-          <a:off x="0" y="0"/>
-          <a:ext cx="0" cy="0"/>
-          <a:chOff x="0" y="0"/>
-          <a:chExt cx="0" cy="0"/>
-        </a:xfrm>
-      </p:grpSpPr>
-      <p:sp>
-        <p:nvSpPr>
-          <p:cNvPr id="2" name="Title 1"/>
-          <p:cNvSpPr>
-            <a:spLocks noGrp="1"/>
-          </p:cNvSpPr>
-          <p:nvPr>
-            <p:ph type="title"/>
-          </p:nvPr>
-        </p:nvSpPr>
-        <p:spPr/>
-        <p:txBody>
-          <a:bodyPr/>
-          <a:lstStyle/>
-          <a:p>
-            <a:r>
-              <a:rPr lang="en-CA" dirty="0" smtClean="0"/>
-              <a:t>MMDB: Indexes </a:t>
-            </a:r>
-            <a:r>
-              <a:rPr lang="en-CA" sz="2400" i="1" dirty="0" smtClean="0"/>
-              <a:t>Cont’d</a:t>
-            </a:r>
-            <a:r>
-              <a:rPr lang="en-CA" dirty="0" smtClean="0"/>
-              <a:t> </a:t>
-            </a:r>
-            <a:endParaRPr lang="en-CA" dirty="0"/>
-          </a:p>
-        </p:txBody>
-      </p:sp>
-      <p:sp>
-        <p:nvSpPr>
-          <p:cNvPr id="4" name="Date Placeholder 3"/>
-          <p:cNvSpPr>
-            <a:spLocks noGrp="1"/>
-          </p:cNvSpPr>
-          <p:nvPr>
-            <p:ph type="dt" sz="half" idx="10"/>
-          </p:nvPr>
-        </p:nvSpPr>
-        <p:spPr/>
-        <p:txBody>
-          <a:bodyPr/>
-          <a:lstStyle/>
-          <a:p>
-            <a:r>
-              <a:rPr lang="en-US" smtClean="0"/>
-              <a:t>Physical Design Patterns</a:t>
-            </a:r>
-            <a:endParaRPr lang="en-CA"/>
-          </a:p>
-        </p:txBody>
-      </p:sp>
-      <p:sp>
-        <p:nvSpPr>
-          <p:cNvPr id="5" name="Footer Placeholder 4"/>
-          <p:cNvSpPr>
-            <a:spLocks noGrp="1"/>
-          </p:cNvSpPr>
-          <p:nvPr>
-            <p:ph type="ftr" sz="quarter" idx="11"/>
-          </p:nvPr>
-        </p:nvSpPr>
-        <p:spPr/>
-        <p:txBody>
-          <a:bodyPr/>
-          <a:lstStyle/>
-          <a:p>
-            <a:r>
-              <a:rPr lang="en-CA" dirty="0" err="1" smtClean="0"/>
-              <a:t>Karim</a:t>
-            </a:r>
-            <a:r>
-              <a:rPr lang="en-CA" dirty="0" smtClean="0"/>
-              <a:t> Ali &amp; Sarah </a:t>
-            </a:r>
-            <a:r>
-              <a:rPr lang="en-CA" dirty="0" err="1" smtClean="0"/>
-              <a:t>Nadi</a:t>
-            </a:r>
-            <a:endParaRPr lang="en-CA" dirty="0"/>
-          </a:p>
-        </p:txBody>
-      </p:sp>
-      <p:sp>
-        <p:nvSpPr>
-          <p:cNvPr id="6" name="Slide Number Placeholder 5"/>
-          <p:cNvSpPr>
-            <a:spLocks noGrp="1"/>
-          </p:cNvSpPr>
-          <p:nvPr>
-            <p:ph type="sldNum" sz="quarter" idx="12"/>
-          </p:nvPr>
-        </p:nvSpPr>
-        <p:spPr/>
-        <p:txBody>
-          <a:bodyPr/>
-          <a:lstStyle/>
-          <a:p>
-            <a:fld id="{9AC8176B-BF31-4706-B15B-1AFC481B9AC3}" type="slidenum">
-              <a:rPr lang="en-CA" smtClean="0"/>
-              <a:pPr/>
-              <a:t>20</a:t>
+              <a:t>21</a:t>
             </a:fld>
             <a:endParaRPr lang="en-CA"/>
           </a:p>
@@ -6830,167 +7207,6 @@
 </p:sld>
 </file>
 
-<file path=ppt/slides/slide21.xml><?xml version="1.0" encoding="utf-8"?>
-<p:sld xmlns:a="http://schemas.openxmlformats.org/drawingml/2006/main" xmlns:r="http://schemas.openxmlformats.org/officeDocument/2006/relationships" xmlns:p="http://schemas.openxmlformats.org/presentationml/2006/main">
-  <p:cSld>
-    <p:spTree>
-      <p:nvGrpSpPr>
-        <p:cNvPr id="1" name=""/>
-        <p:cNvGrpSpPr/>
-        <p:nvPr/>
-      </p:nvGrpSpPr>
-      <p:grpSpPr>
-        <a:xfrm>
-          <a:off x="0" y="0"/>
-          <a:ext cx="0" cy="0"/>
-          <a:chOff x="0" y="0"/>
-          <a:chExt cx="0" cy="0"/>
-        </a:xfrm>
-      </p:grpSpPr>
-      <p:sp>
-        <p:nvSpPr>
-          <p:cNvPr id="2" name="Title 1"/>
-          <p:cNvSpPr>
-            <a:spLocks noGrp="1"/>
-          </p:cNvSpPr>
-          <p:nvPr>
-            <p:ph type="title"/>
-          </p:nvPr>
-        </p:nvSpPr>
-        <p:spPr/>
-        <p:txBody>
-          <a:bodyPr/>
-          <a:lstStyle/>
-          <a:p>
-            <a:r>
-              <a:rPr lang="en-CA" dirty="0" smtClean="0"/>
-              <a:t>MMDB: Materialized Views</a:t>
-            </a:r>
-            <a:endParaRPr lang="en-CA" dirty="0"/>
-          </a:p>
-        </p:txBody>
-      </p:sp>
-      <p:sp>
-        <p:nvSpPr>
-          <p:cNvPr id="3" name="Content Placeholder 2"/>
-          <p:cNvSpPr>
-            <a:spLocks noGrp="1"/>
-          </p:cNvSpPr>
-          <p:nvPr>
-            <p:ph idx="1"/>
-          </p:nvPr>
-        </p:nvSpPr>
-        <p:spPr/>
-        <p:txBody>
-          <a:bodyPr/>
-          <a:lstStyle/>
-          <a:p>
-            <a:r>
-              <a:rPr lang="en-CA" dirty="0" smtClean="0"/>
-              <a:t>Not beneficial to MMDB</a:t>
-            </a:r>
-          </a:p>
-          <a:p>
-            <a:pPr lvl="1">
-              <a:buFont typeface="Arial" pitchFamily="34" charset="0"/>
-              <a:buChar char="•"/>
-            </a:pPr>
-            <a:r>
-              <a:rPr lang="en-CA" dirty="0" smtClean="0"/>
-              <a:t>Cost of computing complicated queries is much less</a:t>
-            </a:r>
-          </a:p>
-          <a:p>
-            <a:pPr lvl="1">
-              <a:buFont typeface="Arial" pitchFamily="34" charset="0"/>
-              <a:buChar char="•"/>
-            </a:pPr>
-            <a:r>
-              <a:rPr lang="en-CA" dirty="0" smtClean="0"/>
-              <a:t>Maintenance costs will outweigh benefit</a:t>
-            </a:r>
-            <a:endParaRPr lang="en-CA" dirty="0"/>
-          </a:p>
-        </p:txBody>
-      </p:sp>
-      <p:sp>
-        <p:nvSpPr>
-          <p:cNvPr id="4" name="Date Placeholder 3"/>
-          <p:cNvSpPr>
-            <a:spLocks noGrp="1"/>
-          </p:cNvSpPr>
-          <p:nvPr>
-            <p:ph type="dt" sz="half" idx="10"/>
-          </p:nvPr>
-        </p:nvSpPr>
-        <p:spPr/>
-        <p:txBody>
-          <a:bodyPr/>
-          <a:lstStyle/>
-          <a:p>
-            <a:r>
-              <a:rPr lang="en-US" smtClean="0"/>
-              <a:t>Physical Design Patterns</a:t>
-            </a:r>
-            <a:endParaRPr lang="en-CA"/>
-          </a:p>
-        </p:txBody>
-      </p:sp>
-      <p:sp>
-        <p:nvSpPr>
-          <p:cNvPr id="5" name="Footer Placeholder 4"/>
-          <p:cNvSpPr>
-            <a:spLocks noGrp="1"/>
-          </p:cNvSpPr>
-          <p:nvPr>
-            <p:ph type="ftr" sz="quarter" idx="11"/>
-          </p:nvPr>
-        </p:nvSpPr>
-        <p:spPr/>
-        <p:txBody>
-          <a:bodyPr/>
-          <a:lstStyle/>
-          <a:p>
-            <a:r>
-              <a:rPr lang="en-CA" smtClean="0"/>
-              <a:t>Karim Ali &amp; Sarah Nadi</a:t>
-            </a:r>
-            <a:endParaRPr lang="en-CA"/>
-          </a:p>
-        </p:txBody>
-      </p:sp>
-      <p:sp>
-        <p:nvSpPr>
-          <p:cNvPr id="6" name="Slide Number Placeholder 5"/>
-          <p:cNvSpPr>
-            <a:spLocks noGrp="1"/>
-          </p:cNvSpPr>
-          <p:nvPr>
-            <p:ph type="sldNum" sz="quarter" idx="12"/>
-          </p:nvPr>
-        </p:nvSpPr>
-        <p:spPr/>
-        <p:txBody>
-          <a:bodyPr/>
-          <a:lstStyle/>
-          <a:p>
-            <a:fld id="{9AC8176B-BF31-4706-B15B-1AFC481B9AC3}" type="slidenum">
-              <a:rPr lang="en-CA" smtClean="0"/>
-              <a:pPr/>
-              <a:t>21</a:t>
-            </a:fld>
-            <a:endParaRPr lang="en-CA"/>
-          </a:p>
-        </p:txBody>
-      </p:sp>
-    </p:spTree>
-  </p:cSld>
-  <p:clrMapOvr>
-    <a:masterClrMapping/>
-  </p:clrMapOvr>
-</p:sld>
-</file>
-
 <file path=ppt/slides/slide22.xml><?xml version="1.0" encoding="utf-8"?>
 <p:sld xmlns:a="http://schemas.openxmlformats.org/drawingml/2006/main" xmlns:r="http://schemas.openxmlformats.org/officeDocument/2006/relationships" xmlns:p="http://schemas.openxmlformats.org/presentationml/2006/main">
   <p:cSld>
@@ -7025,11 +7241,7 @@
           <a:p>
             <a:r>
               <a:rPr lang="en-CA" dirty="0" smtClean="0"/>
-              <a:t>MMDB: </a:t>
-            </a:r>
-            <a:r>
-              <a:rPr lang="en-CA" dirty="0" err="1" smtClean="0"/>
-              <a:t>Partioning</a:t>
+              <a:t>MMDB: Materialized Views</a:t>
             </a:r>
             <a:endParaRPr lang="en-CA" dirty="0"/>
           </a:p>
@@ -7052,13 +7264,7 @@
           <a:p>
             <a:r>
               <a:rPr lang="en-CA" dirty="0" smtClean="0"/>
-              <a:t>Not necessary in main memory</a:t>
-            </a:r>
-          </a:p>
-          <a:p>
-            <a:r>
-              <a:rPr lang="en-CA" dirty="0" smtClean="0"/>
-              <a:t>Used for the secondary storage on disk to speed up reload</a:t>
+              <a:t>Not beneficial to MMDB</a:t>
             </a:r>
           </a:p>
           <a:p>
@@ -7068,7 +7274,7 @@
             </a:pPr>
             <a:r>
               <a:rPr lang="en-CA" dirty="0" smtClean="0"/>
-              <a:t>Horizontal partitioning</a:t>
+              <a:t>Cost of computing complicated queries is much less</a:t>
             </a:r>
           </a:p>
           <a:p>
@@ -7078,11 +7284,8 @@
             </a:pPr>
             <a:r>
               <a:rPr lang="en-CA" dirty="0" smtClean="0"/>
-              <a:t>Single vertical partitioning</a:t>
-            </a:r>
-          </a:p>
-          <a:p>
-            <a:pPr lvl="1"/>
+              <a:t>Maintenance costs will outweigh benefit</a:t>
+            </a:r>
             <a:endParaRPr lang="en-CA" dirty="0"/>
           </a:p>
         </p:txBody>
@@ -7199,7 +7402,11 @@
           <a:p>
             <a:r>
               <a:rPr lang="en-CA" dirty="0" smtClean="0"/>
-              <a:t>MMDB: Clustering</a:t>
+              <a:t>MMDB: </a:t>
+            </a:r>
+            <a:r>
+              <a:rPr lang="en-CA" dirty="0" err="1" smtClean="0"/>
+              <a:t>Partioning</a:t>
             </a:r>
             <a:endParaRPr lang="en-CA" dirty="0"/>
           </a:p>
@@ -7222,7 +7429,13 @@
           <a:p>
             <a:r>
               <a:rPr lang="en-CA" dirty="0" smtClean="0"/>
-              <a:t>Not applicable to MMDB</a:t>
+              <a:t>Not necessary in main memory</a:t>
+            </a:r>
+          </a:p>
+          <a:p>
+            <a:r>
+              <a:rPr lang="en-CA" dirty="0" smtClean="0"/>
+              <a:t>Used for the secondary storage on disk to speed up reload</a:t>
             </a:r>
           </a:p>
           <a:p>
@@ -7231,13 +7444,22 @@
               <a:buChar char="•"/>
             </a:pPr>
             <a:r>
-              <a:rPr lang="en-CA" dirty="0" err="1" smtClean="0"/>
-              <a:t>equential</a:t>
-            </a:r>
-            <a:r>
-              <a:rPr lang="en-CA" dirty="0" smtClean="0"/>
-              <a:t> access in main memory is not cheaper than random or dispersed access</a:t>
-            </a:r>
+              <a:rPr lang="en-CA" dirty="0" smtClean="0"/>
+              <a:t>Horizontal partitioning</a:t>
+            </a:r>
+          </a:p>
+          <a:p>
+            <a:pPr lvl="1">
+              <a:buFont typeface="Arial" pitchFamily="34" charset="0"/>
+              <a:buChar char="•"/>
+            </a:pPr>
+            <a:r>
+              <a:rPr lang="en-CA" dirty="0" smtClean="0"/>
+              <a:t>Single vertical partitioning</a:t>
+            </a:r>
+          </a:p>
+          <a:p>
+            <a:pPr lvl="1"/>
             <a:endParaRPr lang="en-CA" dirty="0"/>
           </a:p>
         </p:txBody>
@@ -7354,7 +7576,44 @@
           <a:p>
             <a:r>
               <a:rPr lang="en-CA" dirty="0" smtClean="0"/>
-              <a:t>MMDB: Summary</a:t>
+              <a:t>MMDB: Clustering</a:t>
+            </a:r>
+            <a:endParaRPr lang="en-CA" dirty="0"/>
+          </a:p>
+        </p:txBody>
+      </p:sp>
+      <p:sp>
+        <p:nvSpPr>
+          <p:cNvPr id="3" name="Content Placeholder 2"/>
+          <p:cNvSpPr>
+            <a:spLocks noGrp="1"/>
+          </p:cNvSpPr>
+          <p:nvPr>
+            <p:ph idx="1"/>
+          </p:nvPr>
+        </p:nvSpPr>
+        <p:spPr/>
+        <p:txBody>
+          <a:bodyPr/>
+          <a:lstStyle/>
+          <a:p>
+            <a:r>
+              <a:rPr lang="en-CA" dirty="0" smtClean="0"/>
+              <a:t>Not applicable to MMDB</a:t>
+            </a:r>
+          </a:p>
+          <a:p>
+            <a:pPr lvl="1">
+              <a:buFont typeface="Arial" pitchFamily="34" charset="0"/>
+              <a:buChar char="•"/>
+            </a:pPr>
+            <a:r>
+              <a:rPr lang="en-CA" dirty="0" err="1" smtClean="0"/>
+              <a:t>equential</a:t>
+            </a:r>
+            <a:r>
+              <a:rPr lang="en-CA" dirty="0" smtClean="0"/>
+              <a:t> access in main memory is not cheaper than random or dispersed access</a:t>
             </a:r>
             <a:endParaRPr lang="en-CA" dirty="0"/>
           </a:p>
@@ -7430,341 +7689,6 @@
           </a:p>
         </p:txBody>
       </p:sp>
-      <p:graphicFrame>
-        <p:nvGraphicFramePr>
-          <p:cNvPr id="8" name="Table 7"/>
-          <p:cNvGraphicFramePr>
-            <a:graphicFrameLocks noGrp="1"/>
-          </p:cNvGraphicFramePr>
-          <p:nvPr/>
-        </p:nvGraphicFramePr>
-        <p:xfrm>
-          <a:off x="500034" y="1857364"/>
-          <a:ext cx="8286808" cy="4297680"/>
-        </p:xfrm>
-        <a:graphic>
-          <a:graphicData uri="http://schemas.openxmlformats.org/drawingml/2006/table">
-            <a:tbl>
-              <a:tblPr firstRow="1" bandRow="1">
-                <a:tableStyleId>{5C22544A-7EE6-4342-B048-85BDC9FD1C3A}</a:tableStyleId>
-              </a:tblPr>
-              <a:tblGrid>
-                <a:gridCol w="2500330"/>
-                <a:gridCol w="3167084"/>
-                <a:gridCol w="2619394"/>
-              </a:tblGrid>
-              <a:tr h="370840">
-                <a:tc>
-                  <a:txBody>
-                    <a:bodyPr/>
-                    <a:lstStyle/>
-                    <a:p>
-                      <a:r>
-                        <a:rPr lang="en-CA" dirty="0" smtClean="0"/>
-                        <a:t>Physical Design Element</a:t>
-                      </a:r>
-                      <a:endParaRPr lang="en-CA" dirty="0"/>
-                    </a:p>
-                  </a:txBody>
-                  <a:tcPr/>
-                </a:tc>
-                <a:tc>
-                  <a:txBody>
-                    <a:bodyPr/>
-                    <a:lstStyle/>
-                    <a:p>
-                      <a:r>
-                        <a:rPr lang="en-CA" dirty="0" smtClean="0"/>
-                        <a:t>Desired</a:t>
-                      </a:r>
-                      <a:r>
-                        <a:rPr lang="en-CA" baseline="0" dirty="0" smtClean="0"/>
-                        <a:t> Features</a:t>
-                      </a:r>
-                      <a:endParaRPr lang="en-CA" dirty="0"/>
-                    </a:p>
-                  </a:txBody>
-                  <a:tcPr/>
-                </a:tc>
-                <a:tc>
-                  <a:txBody>
-                    <a:bodyPr/>
-                    <a:lstStyle/>
-                    <a:p>
-                      <a:r>
-                        <a:rPr lang="en-CA" dirty="0" smtClean="0"/>
-                        <a:t>Methods/Structures Used</a:t>
-                      </a:r>
-                      <a:endParaRPr lang="en-CA" dirty="0"/>
-                    </a:p>
-                  </a:txBody>
-                  <a:tcPr/>
-                </a:tc>
-              </a:tr>
-              <a:tr h="370840">
-                <a:tc>
-                  <a:txBody>
-                    <a:bodyPr/>
-                    <a:lstStyle/>
-                    <a:p>
-                      <a:r>
-                        <a:rPr lang="en-CA" dirty="0" smtClean="0"/>
-                        <a:t>Index Structures</a:t>
-                      </a:r>
-                      <a:endParaRPr lang="en-CA" dirty="0"/>
-                    </a:p>
-                  </a:txBody>
-                  <a:tcPr/>
-                </a:tc>
-                <a:tc>
-                  <a:txBody>
-                    <a:bodyPr/>
-                    <a:lstStyle/>
-                    <a:p>
-                      <a:pPr>
-                        <a:buFont typeface="Arial" pitchFamily="34" charset="0"/>
-                        <a:buChar char="•"/>
-                      </a:pPr>
-                      <a:r>
-                        <a:rPr lang="en-CA" baseline="0" dirty="0" smtClean="0"/>
-                        <a:t> No need to store actual data values in index</a:t>
-                      </a:r>
-                    </a:p>
-                    <a:p>
-                      <a:pPr>
-                        <a:buFont typeface="Arial" pitchFamily="34" charset="0"/>
-                        <a:buChar char="•"/>
-                      </a:pPr>
-                      <a:r>
-                        <a:rPr lang="en-CA" baseline="0" dirty="0" smtClean="0"/>
-                        <a:t> Larger node size that is aligned with cache line size</a:t>
-                      </a:r>
-                      <a:endParaRPr lang="en-CA" dirty="0"/>
-                    </a:p>
-                  </a:txBody>
-                  <a:tcPr/>
-                </a:tc>
-                <a:tc>
-                  <a:txBody>
-                    <a:bodyPr/>
-                    <a:lstStyle/>
-                    <a:p>
-                      <a:pPr>
-                        <a:buFont typeface="Arial" pitchFamily="34" charset="0"/>
-                        <a:buChar char="•"/>
-                      </a:pPr>
-                      <a:r>
-                        <a:rPr lang="en-CA" baseline="0" dirty="0" smtClean="0"/>
-                        <a:t> B Tree, B+ Tree, </a:t>
-                      </a:r>
-                      <a:r>
-                        <a:rPr lang="en-CA" baseline="0" dirty="0" err="1" smtClean="0"/>
-                        <a:t>pB</a:t>
-                      </a:r>
-                      <a:r>
-                        <a:rPr lang="en-CA" baseline="0" dirty="0" smtClean="0"/>
-                        <a:t>+ Tree, CSB+ Tree</a:t>
-                      </a:r>
-                    </a:p>
-                    <a:p>
-                      <a:pPr>
-                        <a:buFont typeface="Arial" pitchFamily="34" charset="0"/>
-                        <a:buChar char="•"/>
-                      </a:pPr>
-                      <a:r>
-                        <a:rPr lang="en-CA" baseline="0" dirty="0" smtClean="0"/>
-                        <a:t> T Tree, CST Tree</a:t>
-                      </a:r>
-                    </a:p>
-                    <a:p>
-                      <a:pPr>
-                        <a:buFont typeface="Arial" pitchFamily="34" charset="0"/>
-                        <a:buChar char="•"/>
-                      </a:pPr>
-                      <a:r>
-                        <a:rPr lang="en-CA" baseline="0" dirty="0" smtClean="0"/>
-                        <a:t> CSS Tree</a:t>
-                      </a:r>
-                      <a:endParaRPr lang="en-CA" dirty="0"/>
-                    </a:p>
-                  </a:txBody>
-                  <a:tcPr/>
-                </a:tc>
-              </a:tr>
-              <a:tr h="370840">
-                <a:tc>
-                  <a:txBody>
-                    <a:bodyPr/>
-                    <a:lstStyle/>
-                    <a:p>
-                      <a:r>
-                        <a:rPr lang="en-CA" dirty="0" smtClean="0"/>
-                        <a:t>Materialized Views</a:t>
-                      </a:r>
-                      <a:endParaRPr lang="en-CA" dirty="0"/>
-                    </a:p>
-                  </a:txBody>
-                  <a:tcPr/>
-                </a:tc>
-                <a:tc>
-                  <a:txBody>
-                    <a:bodyPr/>
-                    <a:lstStyle/>
-                    <a:p>
-                      <a:pPr>
-                        <a:buFont typeface="Arial" pitchFamily="34" charset="0"/>
-                        <a:buChar char="•"/>
-                      </a:pPr>
-                      <a:r>
-                        <a:rPr lang="en-CA" dirty="0" smtClean="0"/>
-                        <a:t> Not needed since processing and memory access is cheap</a:t>
-                      </a:r>
-                      <a:endParaRPr lang="en-CA" dirty="0"/>
-                    </a:p>
-                  </a:txBody>
-                  <a:tcPr/>
-                </a:tc>
-                <a:tc>
-                  <a:txBody>
-                    <a:bodyPr/>
-                    <a:lstStyle/>
-                    <a:p>
-                      <a:r>
-                        <a:rPr lang="en-CA" dirty="0" smtClean="0"/>
-                        <a:t>N/A</a:t>
-                      </a:r>
-                      <a:endParaRPr lang="en-CA" dirty="0"/>
-                    </a:p>
-                  </a:txBody>
-                  <a:tcPr/>
-                </a:tc>
-              </a:tr>
-              <a:tr h="370840">
-                <a:tc>
-                  <a:txBody>
-                    <a:bodyPr/>
-                    <a:lstStyle/>
-                    <a:p>
-                      <a:r>
-                        <a:rPr lang="en-CA" dirty="0" smtClean="0"/>
-                        <a:t>Partitioning</a:t>
-                      </a:r>
-                      <a:endParaRPr lang="en-CA" dirty="0"/>
-                    </a:p>
-                  </a:txBody>
-                  <a:tcPr/>
-                </a:tc>
-                <a:tc>
-                  <a:txBody>
-                    <a:bodyPr/>
-                    <a:lstStyle/>
-                    <a:p>
-                      <a:pPr>
-                        <a:buFont typeface="Arial" pitchFamily="34" charset="0"/>
-                        <a:buChar char="•"/>
-                      </a:pPr>
-                      <a:r>
-                        <a:rPr lang="en-CA" dirty="0" smtClean="0"/>
-                        <a:t>Only</a:t>
-                      </a:r>
-                      <a:r>
-                        <a:rPr lang="en-CA" baseline="0" dirty="0" smtClean="0"/>
-                        <a:t> needed in secondary storage to speed up reloading in case of a crash</a:t>
-                      </a:r>
-                      <a:endParaRPr lang="en-CA" dirty="0"/>
-                    </a:p>
-                  </a:txBody>
-                  <a:tcPr/>
-                </a:tc>
-                <a:tc>
-                  <a:txBody>
-                    <a:bodyPr/>
-                    <a:lstStyle/>
-                    <a:p>
-                      <a:pPr>
-                        <a:buFont typeface="Arial" pitchFamily="34" charset="0"/>
-                        <a:buChar char="•"/>
-                      </a:pPr>
-                      <a:r>
-                        <a:rPr lang="en-CA" dirty="0" smtClean="0"/>
-                        <a:t>Horizontal Partitioning</a:t>
-                      </a:r>
-                    </a:p>
-                    <a:p>
-                      <a:pPr>
-                        <a:buFont typeface="Arial" pitchFamily="34" charset="0"/>
-                        <a:buChar char="•"/>
-                      </a:pPr>
-                      <a:r>
-                        <a:rPr lang="en-CA" dirty="0" smtClean="0"/>
-                        <a:t>Single Vertical Partitioning</a:t>
-                      </a:r>
-                      <a:endParaRPr lang="en-CA" dirty="0"/>
-                    </a:p>
-                  </a:txBody>
-                  <a:tcPr/>
-                </a:tc>
-              </a:tr>
-              <a:tr h="370840">
-                <a:tc>
-                  <a:txBody>
-                    <a:bodyPr/>
-                    <a:lstStyle/>
-                    <a:p>
-                      <a:r>
-                        <a:rPr lang="en-CA" dirty="0" smtClean="0"/>
-                        <a:t>Clustering</a:t>
-                      </a:r>
-                      <a:endParaRPr lang="en-CA" dirty="0"/>
-                    </a:p>
-                  </a:txBody>
-                  <a:tcPr/>
-                </a:tc>
-                <a:tc>
-                  <a:txBody>
-                    <a:bodyPr/>
-                    <a:lstStyle/>
-                    <a:p>
-                      <a:pPr>
-                        <a:buFont typeface="Arial" pitchFamily="34" charset="0"/>
-                        <a:buChar char="•"/>
-                      </a:pPr>
-                      <a:r>
-                        <a:rPr lang="en-CA" baseline="0" dirty="0" smtClean="0"/>
-                        <a:t> Not needed since random access in main memory costs the same as </a:t>
-                      </a:r>
-                      <a:r>
-                        <a:rPr lang="en-CA" baseline="0" dirty="0" err="1" smtClean="0"/>
-                        <a:t>sequencial</a:t>
-                      </a:r>
-                      <a:r>
-                        <a:rPr lang="en-CA" baseline="0" dirty="0" smtClean="0"/>
-                        <a:t> access</a:t>
-                      </a:r>
-                      <a:endParaRPr lang="en-CA" dirty="0"/>
-                    </a:p>
-                  </a:txBody>
-                  <a:tcPr/>
-                </a:tc>
-                <a:tc>
-                  <a:txBody>
-                    <a:bodyPr/>
-                    <a:lstStyle/>
-                    <a:p>
-                      <a:r>
-                        <a:rPr lang="en-CA" dirty="0" smtClean="0"/>
-                        <a:t>N/1</a:t>
-                      </a:r>
-                      <a:endParaRPr lang="en-CA" dirty="0"/>
-                    </a:p>
-                  </a:txBody>
-                  <a:tcPr/>
-                </a:tc>
-              </a:tr>
-            </a:tbl>
-          </a:graphicData>
-        </a:graphic>
-      </p:graphicFrame>
     </p:spTree>
   </p:cSld>
   <p:clrMapOvr>
@@ -10916,7 +10840,10 @@
           </a:bodyPr>
           <a:lstStyle/>
           <a:p>
-            <a:endParaRPr lang="en-CA" dirty="0" smtClean="0"/>
+            <a:r>
+              <a:rPr lang="en-CA" dirty="0" smtClean="0"/>
+              <a:t>Data is clustered by nature</a:t>
+            </a:r>
           </a:p>
         </p:txBody>
       </p:sp>
@@ -10990,6 +10917,39 @@
           </a:p>
         </p:txBody>
       </p:sp>
+      <p:pic>
+        <p:nvPicPr>
+          <p:cNvPr id="1026" name="Picture 2"/>
+          <p:cNvPicPr>
+            <a:picLocks noChangeAspect="1" noChangeArrowheads="1"/>
+          </p:cNvPicPr>
+          <p:nvPr/>
+        </p:nvPicPr>
+        <p:blipFill>
+          <a:blip r:embed="rId2"/>
+          <a:srcRect/>
+          <a:stretch>
+            <a:fillRect/>
+          </a:stretch>
+        </p:blipFill>
+        <p:spPr bwMode="auto">
+          <a:xfrm>
+            <a:off x="1000100" y="2357430"/>
+            <a:ext cx="7172325" cy="3971925"/>
+          </a:xfrm>
+          <a:prstGeom prst="rect">
+            <a:avLst/>
+          </a:prstGeom>
+          <a:noFill/>
+          <a:ln w="9525">
+            <a:noFill/>
+            <a:miter lim="800000"/>
+            <a:headEnd/>
+            <a:tailEnd/>
+          </a:ln>
+          <a:effectLst/>
+        </p:spPr>
+      </p:pic>
     </p:spTree>
   </p:cSld>
   <p:clrMapOvr>
@@ -11017,7 +10977,7 @@
       </p:grpSpPr>
       <p:sp>
         <p:nvSpPr>
-          <p:cNvPr id="2" name="Title 1"/>
+          <p:cNvPr id="7" name="Title 6"/>
           <p:cNvSpPr>
             <a:spLocks noGrp="1"/>
           </p:cNvSpPr>
@@ -11032,7 +10992,7 @@
           <a:p>
             <a:r>
               <a:rPr lang="en-CA" dirty="0" smtClean="0"/>
-              <a:t>DW: Summary</a:t>
+              <a:t>XML Databases</a:t>
             </a:r>
             <a:endParaRPr lang="en-CA" dirty="0"/>
           </a:p>
@@ -11040,7 +11000,7 @@
       </p:sp>
       <p:sp>
         <p:nvSpPr>
-          <p:cNvPr id="3" name="Content Placeholder 2"/>
+          <p:cNvPr id="9" name="Content Placeholder 8"/>
           <p:cNvSpPr>
             <a:spLocks noGrp="1"/>
           </p:cNvSpPr>
@@ -11050,12 +11010,48 @@
         </p:nvSpPr>
         <p:spPr/>
         <p:txBody>
-          <a:bodyPr>
-            <a:normAutofit/>
-          </a:bodyPr>
-          <a:lstStyle/>
-          <a:p>
-            <a:endParaRPr lang="en-CA" dirty="0" smtClean="0"/>
+          <a:bodyPr/>
+          <a:lstStyle/>
+          <a:p>
+            <a:r>
+              <a:rPr lang="en-CA" dirty="0" smtClean="0"/>
+              <a:t>Store, organize &amp; query XML documents</a:t>
+            </a:r>
+          </a:p>
+          <a:p>
+            <a:pPr lvl="1">
+              <a:buFont typeface="Arial" pitchFamily="34" charset="0"/>
+              <a:buChar char="•"/>
+            </a:pPr>
+            <a:r>
+              <a:rPr lang="en-CA" dirty="0" smtClean="0"/>
+              <a:t>XML-enabled DBs:</a:t>
+            </a:r>
+          </a:p>
+          <a:p>
+            <a:pPr lvl="2"/>
+            <a:r>
+              <a:rPr lang="en-CA" dirty="0" smtClean="0"/>
+              <a:t>Maps XML documents to relational tables</a:t>
+            </a:r>
+          </a:p>
+          <a:p>
+            <a:pPr lvl="1">
+              <a:buFont typeface="Arial" pitchFamily="34" charset="0"/>
+              <a:buChar char="•"/>
+            </a:pPr>
+            <a:r>
+              <a:rPr lang="en-CA" dirty="0" smtClean="0"/>
+              <a:t>Native XML DBs:</a:t>
+            </a:r>
+          </a:p>
+          <a:p>
+            <a:pPr lvl="2"/>
+            <a:r>
+              <a:rPr lang="en-CA" dirty="0" smtClean="0"/>
+              <a:t>Data structures store actual XML</a:t>
+            </a:r>
+            <a:endParaRPr lang="en-CA" dirty="0"/>
           </a:p>
         </p:txBody>
       </p:sp>
@@ -11275,181 +11271,6 @@
 </file>
 
 <file path=ppt/slides/slide40.xml><?xml version="1.0" encoding="utf-8"?>
-<p:sld xmlns:a="http://schemas.openxmlformats.org/drawingml/2006/main" xmlns:r="http://schemas.openxmlformats.org/officeDocument/2006/relationships" xmlns:p="http://schemas.openxmlformats.org/presentationml/2006/main">
-  <p:cSld>
-    <p:spTree>
-      <p:nvGrpSpPr>
-        <p:cNvPr id="1" name=""/>
-        <p:cNvGrpSpPr/>
-        <p:nvPr/>
-      </p:nvGrpSpPr>
-      <p:grpSpPr>
-        <a:xfrm>
-          <a:off x="0" y="0"/>
-          <a:ext cx="0" cy="0"/>
-          <a:chOff x="0" y="0"/>
-          <a:chExt cx="0" cy="0"/>
-        </a:xfrm>
-      </p:grpSpPr>
-      <p:sp>
-        <p:nvSpPr>
-          <p:cNvPr id="7" name="Title 6"/>
-          <p:cNvSpPr>
-            <a:spLocks noGrp="1"/>
-          </p:cNvSpPr>
-          <p:nvPr>
-            <p:ph type="title"/>
-          </p:nvPr>
-        </p:nvSpPr>
-        <p:spPr/>
-        <p:txBody>
-          <a:bodyPr/>
-          <a:lstStyle/>
-          <a:p>
-            <a:r>
-              <a:rPr lang="en-CA" dirty="0" smtClean="0"/>
-              <a:t>XML Databases</a:t>
-            </a:r>
-            <a:endParaRPr lang="en-CA" dirty="0"/>
-          </a:p>
-        </p:txBody>
-      </p:sp>
-      <p:sp>
-        <p:nvSpPr>
-          <p:cNvPr id="9" name="Content Placeholder 8"/>
-          <p:cNvSpPr>
-            <a:spLocks noGrp="1"/>
-          </p:cNvSpPr>
-          <p:nvPr>
-            <p:ph idx="1"/>
-          </p:nvPr>
-        </p:nvSpPr>
-        <p:spPr/>
-        <p:txBody>
-          <a:bodyPr/>
-          <a:lstStyle/>
-          <a:p>
-            <a:r>
-              <a:rPr lang="en-CA" dirty="0" smtClean="0"/>
-              <a:t>Store, organize &amp; query XML documents</a:t>
-            </a:r>
-          </a:p>
-          <a:p>
-            <a:pPr lvl="1">
-              <a:buFont typeface="Arial" pitchFamily="34" charset="0"/>
-              <a:buChar char="•"/>
-            </a:pPr>
-            <a:r>
-              <a:rPr lang="en-CA" dirty="0" smtClean="0"/>
-              <a:t>XML-enabled DBs:</a:t>
-            </a:r>
-          </a:p>
-          <a:p>
-            <a:pPr lvl="2"/>
-            <a:r>
-              <a:rPr lang="en-CA" dirty="0" smtClean="0"/>
-              <a:t>Maps XML documents to relational tables</a:t>
-            </a:r>
-          </a:p>
-          <a:p>
-            <a:pPr lvl="1">
-              <a:buFont typeface="Arial" pitchFamily="34" charset="0"/>
-              <a:buChar char="•"/>
-            </a:pPr>
-            <a:r>
-              <a:rPr lang="en-CA" dirty="0" smtClean="0"/>
-              <a:t>Native XML DBs:</a:t>
-            </a:r>
-          </a:p>
-          <a:p>
-            <a:pPr lvl="2"/>
-            <a:r>
-              <a:rPr lang="en-CA" dirty="0" smtClean="0"/>
-              <a:t>Data structures store actual XML</a:t>
-            </a:r>
-            <a:endParaRPr lang="en-CA" dirty="0"/>
-          </a:p>
-        </p:txBody>
-      </p:sp>
-      <p:sp>
-        <p:nvSpPr>
-          <p:cNvPr id="4" name="Date Placeholder 3"/>
-          <p:cNvSpPr>
-            <a:spLocks noGrp="1"/>
-          </p:cNvSpPr>
-          <p:nvPr>
-            <p:ph type="dt" sz="half" idx="10"/>
-          </p:nvPr>
-        </p:nvSpPr>
-        <p:spPr/>
-        <p:txBody>
-          <a:bodyPr/>
-          <a:lstStyle/>
-          <a:p>
-            <a:r>
-              <a:rPr lang="en-US" smtClean="0"/>
-              <a:t>Physical Design Patterns</a:t>
-            </a:r>
-            <a:endParaRPr lang="en-CA"/>
-          </a:p>
-        </p:txBody>
-      </p:sp>
-      <p:sp>
-        <p:nvSpPr>
-          <p:cNvPr id="5" name="Footer Placeholder 4"/>
-          <p:cNvSpPr>
-            <a:spLocks noGrp="1"/>
-          </p:cNvSpPr>
-          <p:nvPr>
-            <p:ph type="ftr" sz="quarter" idx="11"/>
-          </p:nvPr>
-        </p:nvSpPr>
-        <p:spPr/>
-        <p:txBody>
-          <a:bodyPr/>
-          <a:lstStyle/>
-          <a:p>
-            <a:r>
-              <a:rPr lang="en-CA" smtClean="0"/>
-              <a:t>Karim Ali &amp; Sarah Nadi</a:t>
-            </a:r>
-            <a:endParaRPr lang="en-CA"/>
-          </a:p>
-        </p:txBody>
-      </p:sp>
-      <p:sp>
-        <p:nvSpPr>
-          <p:cNvPr id="6" name="Slide Number Placeholder 5"/>
-          <p:cNvSpPr>
-            <a:spLocks noGrp="1"/>
-          </p:cNvSpPr>
-          <p:nvPr>
-            <p:ph type="sldNum" sz="quarter" idx="12"/>
-          </p:nvPr>
-        </p:nvSpPr>
-        <p:spPr/>
-        <p:txBody>
-          <a:bodyPr/>
-          <a:lstStyle/>
-          <a:p>
-            <a:fld id="{9AC8176B-BF31-4706-B15B-1AFC481B9AC3}" type="slidenum">
-              <a:rPr lang="en-CA" smtClean="0"/>
-              <a:pPr/>
-              <a:t>40</a:t>
-            </a:fld>
-            <a:endParaRPr lang="en-CA"/>
-          </a:p>
-        </p:txBody>
-      </p:sp>
-    </p:spTree>
-  </p:cSld>
-  <p:clrMapOvr>
-    <a:masterClrMapping/>
-  </p:clrMapOvr>
-</p:sld>
-</file>
-
-<file path=ppt/slides/slide41.xml><?xml version="1.0" encoding="utf-8"?>
 <p:sld xmlns:a="http://schemas.openxmlformats.org/drawingml/2006/main" xmlns:r="http://schemas.openxmlformats.org/officeDocument/2006/relationships" xmlns:p="http://schemas.openxmlformats.org/presentationml/2006/main">
   <p:cSld>
     <p:spTree>
@@ -11622,7 +11443,7 @@
             <a:fld id="{9AC8176B-BF31-4706-B15B-1AFC481B9AC3}" type="slidenum">
               <a:rPr lang="en-CA" smtClean="0"/>
               <a:pPr/>
-              <a:t>41</a:t>
+              <a:t>40</a:t>
             </a:fld>
             <a:endParaRPr lang="en-CA"/>
           </a:p>
@@ -11669,7 +11490,7 @@
 </p:sld>
 </file>
 
-<file path=ppt/slides/slide42.xml><?xml version="1.0" encoding="utf-8"?>
+<file path=ppt/slides/slide41.xml><?xml version="1.0" encoding="utf-8"?>
 <p:sld xmlns:a="http://schemas.openxmlformats.org/drawingml/2006/main" xmlns:r="http://schemas.openxmlformats.org/officeDocument/2006/relationships" xmlns:p="http://schemas.openxmlformats.org/presentationml/2006/main">
   <p:cSld>
     <p:spTree>
@@ -11832,7 +11653,7 @@
             <a:fld id="{9AC8176B-BF31-4706-B15B-1AFC481B9AC3}" type="slidenum">
               <a:rPr lang="en-CA" smtClean="0"/>
               <a:pPr/>
-              <a:t>42</a:t>
+              <a:t>41</a:t>
             </a:fld>
             <a:endParaRPr lang="en-CA"/>
           </a:p>
@@ -11879,6 +11700,171 @@
 </p:sld>
 </file>
 
+<file path=ppt/slides/slide42.xml><?xml version="1.0" encoding="utf-8"?>
+<p:sld xmlns:a="http://schemas.openxmlformats.org/drawingml/2006/main" xmlns:r="http://schemas.openxmlformats.org/officeDocument/2006/relationships" xmlns:p="http://schemas.openxmlformats.org/presentationml/2006/main">
+  <p:cSld>
+    <p:spTree>
+      <p:nvGrpSpPr>
+        <p:cNvPr id="1" name=""/>
+        <p:cNvGrpSpPr/>
+        <p:nvPr/>
+      </p:nvGrpSpPr>
+      <p:grpSpPr>
+        <a:xfrm>
+          <a:off x="0" y="0"/>
+          <a:ext cx="0" cy="0"/>
+          <a:chOff x="0" y="0"/>
+          <a:chExt cx="0" cy="0"/>
+        </a:xfrm>
+      </p:grpSpPr>
+      <p:sp>
+        <p:nvSpPr>
+          <p:cNvPr id="2" name="Title 1"/>
+          <p:cNvSpPr>
+            <a:spLocks noGrp="1"/>
+          </p:cNvSpPr>
+          <p:nvPr>
+            <p:ph type="title"/>
+          </p:nvPr>
+        </p:nvSpPr>
+        <p:spPr/>
+        <p:txBody>
+          <a:bodyPr/>
+          <a:lstStyle/>
+          <a:p>
+            <a:r>
+              <a:rPr lang="en-CA" dirty="0" smtClean="0"/>
+              <a:t>XML DBs: Materialized Views</a:t>
+            </a:r>
+            <a:endParaRPr lang="en-CA" dirty="0"/>
+          </a:p>
+        </p:txBody>
+      </p:sp>
+      <p:sp>
+        <p:nvSpPr>
+          <p:cNvPr id="3" name="Content Placeholder 2"/>
+          <p:cNvSpPr>
+            <a:spLocks noGrp="1"/>
+          </p:cNvSpPr>
+          <p:nvPr>
+            <p:ph idx="1"/>
+          </p:nvPr>
+        </p:nvSpPr>
+        <p:spPr/>
+        <p:txBody>
+          <a:bodyPr/>
+          <a:lstStyle/>
+          <a:p>
+            <a:r>
+              <a:rPr lang="en-CA" dirty="0" smtClean="0"/>
+              <a:t>Greatly enhances performance</a:t>
+            </a:r>
+          </a:p>
+          <a:p>
+            <a:r>
+              <a:rPr lang="en-CA" dirty="0" err="1" smtClean="0"/>
+              <a:t>XQuery</a:t>
+            </a:r>
+            <a:r>
+              <a:rPr lang="en-CA" dirty="0" smtClean="0"/>
+              <a:t> and </a:t>
+            </a:r>
+            <a:r>
+              <a:rPr lang="en-CA" dirty="0" err="1" smtClean="0"/>
+              <a:t>Xpath</a:t>
+            </a:r>
+            <a:r>
+              <a:rPr lang="en-CA" dirty="0" smtClean="0"/>
+              <a:t> query results are materialized</a:t>
+            </a:r>
+          </a:p>
+          <a:p>
+            <a:r>
+              <a:rPr lang="en-CA" dirty="0" smtClean="0"/>
+              <a:t>Query rewriting is more tricky due to semi-structured nature &amp; complicated querying languages</a:t>
+            </a:r>
+            <a:endParaRPr lang="en-CA" dirty="0"/>
+          </a:p>
+        </p:txBody>
+      </p:sp>
+      <p:sp>
+        <p:nvSpPr>
+          <p:cNvPr id="4" name="Date Placeholder 3"/>
+          <p:cNvSpPr>
+            <a:spLocks noGrp="1"/>
+          </p:cNvSpPr>
+          <p:nvPr>
+            <p:ph type="dt" sz="half" idx="10"/>
+          </p:nvPr>
+        </p:nvSpPr>
+        <p:spPr/>
+        <p:txBody>
+          <a:bodyPr/>
+          <a:lstStyle/>
+          <a:p>
+            <a:r>
+              <a:rPr lang="en-US" smtClean="0"/>
+              <a:t>Physical Design Patterns</a:t>
+            </a:r>
+            <a:endParaRPr lang="en-CA"/>
+          </a:p>
+        </p:txBody>
+      </p:sp>
+      <p:sp>
+        <p:nvSpPr>
+          <p:cNvPr id="5" name="Footer Placeholder 4"/>
+          <p:cNvSpPr>
+            <a:spLocks noGrp="1"/>
+          </p:cNvSpPr>
+          <p:nvPr>
+            <p:ph type="ftr" sz="quarter" idx="11"/>
+          </p:nvPr>
+        </p:nvSpPr>
+        <p:spPr/>
+        <p:txBody>
+          <a:bodyPr/>
+          <a:lstStyle/>
+          <a:p>
+            <a:r>
+              <a:rPr lang="en-CA" smtClean="0"/>
+              <a:t>Karim Ali &amp; Sarah Nadi</a:t>
+            </a:r>
+            <a:endParaRPr lang="en-CA"/>
+          </a:p>
+        </p:txBody>
+      </p:sp>
+      <p:sp>
+        <p:nvSpPr>
+          <p:cNvPr id="6" name="Slide Number Placeholder 5"/>
+          <p:cNvSpPr>
+            <a:spLocks noGrp="1"/>
+          </p:cNvSpPr>
+          <p:nvPr>
+            <p:ph type="sldNum" sz="quarter" idx="12"/>
+          </p:nvPr>
+        </p:nvSpPr>
+        <p:spPr/>
+        <p:txBody>
+          <a:bodyPr/>
+          <a:lstStyle/>
+          <a:p>
+            <a:fld id="{9AC8176B-BF31-4706-B15B-1AFC481B9AC3}" type="slidenum">
+              <a:rPr lang="en-CA" smtClean="0"/>
+              <a:pPr/>
+              <a:t>42</a:t>
+            </a:fld>
+            <a:endParaRPr lang="en-CA"/>
+          </a:p>
+        </p:txBody>
+      </p:sp>
+    </p:spTree>
+  </p:cSld>
+  <p:clrMapOvr>
+    <a:masterClrMapping/>
+  </p:clrMapOvr>
+</p:sld>
+</file>
+
 <file path=ppt/slides/slide43.xml><?xml version="1.0" encoding="utf-8"?>
 <p:sld xmlns:a="http://schemas.openxmlformats.org/drawingml/2006/main" xmlns:r="http://schemas.openxmlformats.org/officeDocument/2006/relationships" xmlns:p="http://schemas.openxmlformats.org/presentationml/2006/main">
   <p:cSld>
@@ -11913,7 +11899,11 @@
           <a:p>
             <a:r>
               <a:rPr lang="en-CA" dirty="0" smtClean="0"/>
-              <a:t>XML DBs: Materialized Views</a:t>
+              <a:t>XML DBs: </a:t>
+            </a:r>
+            <a:r>
+              <a:rPr lang="en-CA" dirty="0" err="1" smtClean="0"/>
+              <a:t>Paritioning</a:t>
             </a:r>
             <a:endParaRPr lang="en-CA" dirty="0"/>
           </a:p>
@@ -11936,11 +11926,31 @@
           <a:p>
             <a:r>
               <a:rPr lang="en-CA" dirty="0" smtClean="0"/>
-              <a:t>Query rewriting is more tricky due to semi-structured nature &amp; complicated querying </a:t>
+              <a:t>Horizontal partitioning</a:t>
+            </a:r>
+          </a:p>
+          <a:p>
+            <a:pPr lvl="1">
+              <a:buFont typeface="Arial" pitchFamily="34" charset="0"/>
+              <a:buChar char="•"/>
+            </a:pPr>
+            <a:r>
+              <a:rPr lang="en-CA" dirty="0" smtClean="0"/>
+              <a:t>Based on node type</a:t>
+            </a:r>
+          </a:p>
+          <a:p>
+            <a:pPr lvl="1">
+              <a:buFont typeface="Arial" pitchFamily="34" charset="0"/>
+              <a:buChar char="•"/>
+            </a:pPr>
+            <a:r>
+              <a:rPr lang="en-CA" dirty="0" smtClean="0"/>
+              <a:t>Through </a:t>
             </a:r>
             <a:r>
               <a:rPr lang="en-CA" dirty="0" err="1" smtClean="0"/>
-              <a:t>langauges</a:t>
+              <a:t>inlining</a:t>
             </a:r>
             <a:endParaRPr lang="en-CA" dirty="0"/>
           </a:p>
@@ -12058,11 +12068,7 @@
           <a:p>
             <a:r>
               <a:rPr lang="en-CA" dirty="0" smtClean="0"/>
-              <a:t>XML DBs: </a:t>
-            </a:r>
-            <a:r>
-              <a:rPr lang="en-CA" dirty="0" err="1" smtClean="0"/>
-              <a:t>Paritioning</a:t>
+              <a:t>XML DBs: Clustering</a:t>
             </a:r>
             <a:endParaRPr lang="en-CA" dirty="0"/>
           </a:p>
@@ -12083,7 +12089,17 @@
           <a:bodyPr/>
           <a:lstStyle/>
           <a:p>
-            <a:endParaRPr lang="en-CA"/>
+            <a:r>
+              <a:rPr lang="en-CA" dirty="0" smtClean="0"/>
+              <a:t>Elements &amp; sub-elements are clustered together</a:t>
+            </a:r>
+          </a:p>
+          <a:p>
+            <a:r>
+              <a:rPr lang="en-CA" dirty="0" smtClean="0"/>
+              <a:t>XML documents are clustered based on structural similarity</a:t>
+            </a:r>
+            <a:endParaRPr lang="en-CA" dirty="0"/>
           </a:p>
         </p:txBody>
       </p:sp>
@@ -12184,7 +12200,7 @@
       </p:grpSpPr>
       <p:sp>
         <p:nvSpPr>
-          <p:cNvPr id="2" name="Title 1"/>
+          <p:cNvPr id="7" name="Title 6"/>
           <p:cNvSpPr>
             <a:spLocks noGrp="1"/>
           </p:cNvSpPr>
@@ -12199,7 +12215,7 @@
           <a:p>
             <a:r>
               <a:rPr lang="en-CA" dirty="0" smtClean="0"/>
-              <a:t>XML DBs: Clustering</a:t>
+              <a:t>Future Work &amp; Open Problems</a:t>
             </a:r>
             <a:endParaRPr lang="en-CA" dirty="0"/>
           </a:p>
@@ -12207,12 +12223,12 @@
       </p:sp>
       <p:sp>
         <p:nvSpPr>
-          <p:cNvPr id="3" name="Content Placeholder 2"/>
-          <p:cNvSpPr>
-            <a:spLocks noGrp="1"/>
-          </p:cNvSpPr>
-          <p:nvPr>
-            <p:ph idx="1"/>
+          <p:cNvPr id="8" name="Text Placeholder 7"/>
+          <p:cNvSpPr>
+            <a:spLocks noGrp="1"/>
+          </p:cNvSpPr>
+          <p:nvPr>
+            <p:ph type="body" idx="1"/>
           </p:nvPr>
         </p:nvSpPr>
         <p:spPr/>
@@ -12321,7 +12337,7 @@
       </p:grpSpPr>
       <p:sp>
         <p:nvSpPr>
-          <p:cNvPr id="2" name="Title 1"/>
+          <p:cNvPr id="7" name="Title 6"/>
           <p:cNvSpPr>
             <a:spLocks noGrp="1"/>
           </p:cNvSpPr>
@@ -12336,7 +12352,7 @@
           <a:p>
             <a:r>
               <a:rPr lang="en-CA" dirty="0" smtClean="0"/>
-              <a:t>XML DBs: Summary</a:t>
+              <a:t>Future Work</a:t>
             </a:r>
             <a:endParaRPr lang="en-CA" dirty="0"/>
           </a:p>
@@ -12344,7 +12360,7 @@
       </p:sp>
       <p:sp>
         <p:nvSpPr>
-          <p:cNvPr id="3" name="Content Placeholder 2"/>
+          <p:cNvPr id="8" name="Content Placeholder 7"/>
           <p:cNvSpPr>
             <a:spLocks noGrp="1"/>
           </p:cNvSpPr>
@@ -12357,7 +12373,11 @@
           <a:bodyPr/>
           <a:lstStyle/>
           <a:p>
-            <a:endParaRPr lang="en-CA"/>
+            <a:r>
+              <a:rPr lang="en-CA" dirty="0" smtClean="0"/>
+              <a:t>Looking at automating physical design (put some examples of work here and say its time permitting)</a:t>
+            </a:r>
+            <a:endParaRPr lang="en-CA" dirty="0"/>
           </a:p>
         </p:txBody>
       </p:sp>
@@ -12458,7 +12478,7 @@
       </p:grpSpPr>
       <p:sp>
         <p:nvSpPr>
-          <p:cNvPr id="7" name="Title 6"/>
+          <p:cNvPr id="2" name="Title 1"/>
           <p:cNvSpPr>
             <a:spLocks noGrp="1"/>
           </p:cNvSpPr>
@@ -12468,12 +12488,14 @@
         </p:nvSpPr>
         <p:spPr/>
         <p:txBody>
-          <a:bodyPr/>
-          <a:lstStyle/>
-          <a:p>
-            <a:r>
-              <a:rPr lang="en-CA" dirty="0" smtClean="0"/>
-              <a:t>Future Work &amp; Open Problems</a:t>
+          <a:bodyPr>
+            <a:normAutofit fontScale="90000"/>
+          </a:bodyPr>
+          <a:lstStyle/>
+          <a:p>
+            <a:r>
+              <a:rPr lang="en-CA" dirty="0" smtClean="0"/>
+              <a:t>Open Problems in Physical Design</a:t>
             </a:r>
             <a:endParaRPr lang="en-CA" dirty="0"/>
           </a:p>
@@ -12481,12 +12503,12 @@
       </p:sp>
       <p:sp>
         <p:nvSpPr>
-          <p:cNvPr id="8" name="Text Placeholder 7"/>
-          <p:cNvSpPr>
-            <a:spLocks noGrp="1"/>
-          </p:cNvSpPr>
-          <p:nvPr>
-            <p:ph type="body" idx="1"/>
+          <p:cNvPr id="8" name="Content Placeholder 7"/>
+          <p:cNvSpPr>
+            <a:spLocks noGrp="1"/>
+          </p:cNvSpPr>
+          <p:nvPr>
+            <p:ph idx="1"/>
           </p:nvPr>
         </p:nvSpPr>
         <p:spPr/>
@@ -12610,7 +12632,7 @@
           <a:p>
             <a:r>
               <a:rPr lang="en-CA" dirty="0" smtClean="0"/>
-              <a:t>Future Work</a:t>
+              <a:t>Summary &amp; Conclusions</a:t>
             </a:r>
             <a:endParaRPr lang="en-CA" dirty="0"/>
           </a:p>
@@ -12618,24 +12640,20 @@
       </p:sp>
       <p:sp>
         <p:nvSpPr>
-          <p:cNvPr id="8" name="Content Placeholder 7"/>
-          <p:cNvSpPr>
-            <a:spLocks noGrp="1"/>
-          </p:cNvSpPr>
-          <p:nvPr>
-            <p:ph idx="1"/>
-          </p:nvPr>
-        </p:nvSpPr>
-        <p:spPr/>
-        <p:txBody>
-          <a:bodyPr/>
-          <a:lstStyle/>
-          <a:p>
-            <a:r>
-              <a:rPr lang="en-CA" dirty="0" smtClean="0"/>
-              <a:t>Looking at automating physical design (put some examples of work here and say its time permitting)</a:t>
-            </a:r>
-            <a:endParaRPr lang="en-CA" dirty="0"/>
+          <p:cNvPr id="8" name="Text Placeholder 7"/>
+          <p:cNvSpPr>
+            <a:spLocks noGrp="1"/>
+          </p:cNvSpPr>
+          <p:nvPr>
+            <p:ph type="body" idx="1"/>
+          </p:nvPr>
+        </p:nvSpPr>
+        <p:spPr/>
+        <p:txBody>
+          <a:bodyPr/>
+          <a:lstStyle/>
+          <a:p>
+            <a:endParaRPr lang="en-CA"/>
           </a:p>
         </p:txBody>
       </p:sp>
@@ -12736,50 +12754,6 @@
       </p:grpSpPr>
       <p:sp>
         <p:nvSpPr>
-          <p:cNvPr id="2" name="Title 1"/>
-          <p:cNvSpPr>
-            <a:spLocks noGrp="1"/>
-          </p:cNvSpPr>
-          <p:nvPr>
-            <p:ph type="title"/>
-          </p:nvPr>
-        </p:nvSpPr>
-        <p:spPr/>
-        <p:txBody>
-          <a:bodyPr>
-            <a:normAutofit fontScale="90000"/>
-          </a:bodyPr>
-          <a:lstStyle/>
-          <a:p>
-            <a:r>
-              <a:rPr lang="en-CA" dirty="0" smtClean="0"/>
-              <a:t>Open Problems in Physical Design</a:t>
-            </a:r>
-            <a:endParaRPr lang="en-CA" dirty="0"/>
-          </a:p>
-        </p:txBody>
-      </p:sp>
-      <p:sp>
-        <p:nvSpPr>
-          <p:cNvPr id="8" name="Content Placeholder 7"/>
-          <p:cNvSpPr>
-            <a:spLocks noGrp="1"/>
-          </p:cNvSpPr>
-          <p:nvPr>
-            <p:ph idx="1"/>
-          </p:nvPr>
-        </p:nvSpPr>
-        <p:spPr/>
-        <p:txBody>
-          <a:bodyPr/>
-          <a:lstStyle/>
-          <a:p>
-            <a:endParaRPr lang="en-CA"/>
-          </a:p>
-        </p:txBody>
-      </p:sp>
-      <p:sp>
-        <p:nvSpPr>
           <p:cNvPr id="4" name="Date Placeholder 3"/>
           <p:cNvSpPr>
             <a:spLocks noGrp="1"/>
@@ -12848,11 +12822,502 @@
           </a:p>
         </p:txBody>
       </p:sp>
+      <p:graphicFrame>
+        <p:nvGraphicFramePr>
+          <p:cNvPr id="7" name="Table 6"/>
+          <p:cNvGraphicFramePr>
+            <a:graphicFrameLocks noGrp="1"/>
+          </p:cNvGraphicFramePr>
+          <p:nvPr/>
+        </p:nvGraphicFramePr>
+        <p:xfrm>
+          <a:off x="71437" y="214313"/>
+          <a:ext cx="9001157" cy="5940872"/>
+        </p:xfrm>
+        <a:graphic>
+          <a:graphicData uri="http://schemas.openxmlformats.org/drawingml/2006/table">
+            <a:tbl>
+              <a:tblPr firstRow="1" bandRow="1">
+                <a:tableStyleId>{5C22544A-7EE6-4342-B048-85BDC9FD1C3A}</a:tableStyleId>
+              </a:tblPr>
+              <a:tblGrid>
+                <a:gridCol w="1357291"/>
+                <a:gridCol w="2243173"/>
+                <a:gridCol w="1800231"/>
+                <a:gridCol w="1800231"/>
+                <a:gridCol w="1800231"/>
+              </a:tblGrid>
+              <a:tr h="857233">
+                <a:tc>
+                  <a:txBody>
+                    <a:bodyPr/>
+                    <a:lstStyle/>
+                    <a:p>
+                      <a:endParaRPr lang="en-CA" dirty="0"/>
+                    </a:p>
+                  </a:txBody>
+                  <a:tcPr/>
+                </a:tc>
+                <a:tc>
+                  <a:txBody>
+                    <a:bodyPr/>
+                    <a:lstStyle/>
+                    <a:p>
+                      <a:r>
+                        <a:rPr lang="en-CA" dirty="0" smtClean="0"/>
+                        <a:t>Index Structures</a:t>
+                      </a:r>
+                      <a:endParaRPr lang="en-CA" dirty="0"/>
+                    </a:p>
+                  </a:txBody>
+                  <a:tcPr/>
+                </a:tc>
+                <a:tc>
+                  <a:txBody>
+                    <a:bodyPr/>
+                    <a:lstStyle/>
+                    <a:p>
+                      <a:r>
+                        <a:rPr lang="en-CA" dirty="0" smtClean="0"/>
+                        <a:t>Materialized Views</a:t>
+                      </a:r>
+                      <a:endParaRPr lang="en-CA" dirty="0"/>
+                    </a:p>
+                  </a:txBody>
+                  <a:tcPr/>
+                </a:tc>
+                <a:tc>
+                  <a:txBody>
+                    <a:bodyPr/>
+                    <a:lstStyle/>
+                    <a:p>
+                      <a:r>
+                        <a:rPr lang="en-CA" dirty="0" smtClean="0"/>
+                        <a:t>Partitioning</a:t>
+                      </a:r>
+                      <a:endParaRPr lang="en-CA" dirty="0"/>
+                    </a:p>
+                  </a:txBody>
+                  <a:tcPr/>
+                </a:tc>
+                <a:tc>
+                  <a:txBody>
+                    <a:bodyPr/>
+                    <a:lstStyle/>
+                    <a:p>
+                      <a:r>
+                        <a:rPr lang="en-CA" dirty="0" smtClean="0"/>
+                        <a:t>Clustering</a:t>
+                      </a:r>
+                      <a:endParaRPr lang="en-CA" dirty="0"/>
+                    </a:p>
+                  </a:txBody>
+                  <a:tcPr/>
+                </a:tc>
+              </a:tr>
+              <a:tr h="824460">
+                <a:tc>
+                  <a:txBody>
+                    <a:bodyPr/>
+                    <a:lstStyle/>
+                    <a:p>
+                      <a:r>
+                        <a:rPr lang="en-CA" dirty="0" smtClean="0"/>
+                        <a:t>DRDB</a:t>
+                      </a:r>
+                      <a:endParaRPr lang="en-CA" dirty="0"/>
+                    </a:p>
+                  </a:txBody>
+                  <a:tcPr/>
+                </a:tc>
+                <a:tc>
+                  <a:txBody>
+                    <a:bodyPr/>
+                    <a:lstStyle/>
+                    <a:p>
+                      <a:endParaRPr lang="en-CA" sz="1400" dirty="0"/>
+                    </a:p>
+                  </a:txBody>
+                  <a:tcPr/>
+                </a:tc>
+                <a:tc>
+                  <a:txBody>
+                    <a:bodyPr/>
+                    <a:lstStyle/>
+                    <a:p>
+                      <a:endParaRPr lang="en-CA" sz="1400"/>
+                    </a:p>
+                  </a:txBody>
+                  <a:tcPr/>
+                </a:tc>
+                <a:tc>
+                  <a:txBody>
+                    <a:bodyPr/>
+                    <a:lstStyle/>
+                    <a:p>
+                      <a:endParaRPr lang="en-CA" sz="1400"/>
+                    </a:p>
+                  </a:txBody>
+                  <a:tcPr/>
+                </a:tc>
+                <a:tc>
+                  <a:txBody>
+                    <a:bodyPr/>
+                    <a:lstStyle/>
+                    <a:p>
+                      <a:endParaRPr lang="en-CA" sz="1400"/>
+                    </a:p>
+                  </a:txBody>
+                  <a:tcPr/>
+                </a:tc>
+              </a:tr>
+              <a:tr h="824460">
+                <a:tc>
+                  <a:txBody>
+                    <a:bodyPr/>
+                    <a:lstStyle/>
+                    <a:p>
+                      <a:r>
+                        <a:rPr lang="en-CA" dirty="0" smtClean="0"/>
+                        <a:t>MMD</a:t>
+                      </a:r>
+                      <a:r>
+                        <a:rPr lang="en-CA" baseline="0" dirty="0" smtClean="0"/>
+                        <a:t>B</a:t>
+                      </a:r>
+                      <a:endParaRPr lang="en-CA" dirty="0"/>
+                    </a:p>
+                  </a:txBody>
+                  <a:tcPr/>
+                </a:tc>
+                <a:tc>
+                  <a:txBody>
+                    <a:bodyPr/>
+                    <a:lstStyle/>
+                    <a:p>
+                      <a:pPr>
+                        <a:buFont typeface="Arial" pitchFamily="34" charset="0"/>
+                        <a:buNone/>
+                      </a:pPr>
+                      <a:r>
+                        <a:rPr lang="en-CA" sz="1400" baseline="0" dirty="0" smtClean="0"/>
+                        <a:t>No need to store actual data values in index</a:t>
+                      </a:r>
+                    </a:p>
+                    <a:p>
+                      <a:pPr>
+                        <a:buFont typeface="Arial" pitchFamily="34" charset="0"/>
+                        <a:buNone/>
+                      </a:pPr>
+                      <a:endParaRPr lang="en-CA" sz="1400" baseline="0" dirty="0" smtClean="0"/>
+                    </a:p>
+                    <a:p>
+                      <a:pPr>
+                        <a:buFont typeface="Arial" pitchFamily="34" charset="0"/>
+                        <a:buNone/>
+                      </a:pPr>
+                      <a:r>
+                        <a:rPr lang="en-CA" sz="1400" baseline="0" dirty="0" smtClean="0"/>
+                        <a:t>Larger node size that is aligned with cache line size</a:t>
+                      </a:r>
+                    </a:p>
+                    <a:p>
+                      <a:pPr>
+                        <a:buFont typeface="Arial" pitchFamily="34" charset="0"/>
+                        <a:buNone/>
+                      </a:pPr>
+                      <a:endParaRPr lang="en-CA" sz="1400" baseline="0" dirty="0" smtClean="0"/>
+                    </a:p>
+                    <a:p>
+                      <a:pPr>
+                        <a:buFont typeface="Arial" pitchFamily="34" charset="0"/>
+                        <a:buNone/>
+                      </a:pPr>
+                      <a:r>
+                        <a:rPr lang="en-CA" sz="1400" baseline="0" dirty="0" smtClean="0"/>
+                        <a:t>Uses: B Tree, B+ Tree, </a:t>
+                      </a:r>
+                      <a:r>
+                        <a:rPr lang="en-CA" sz="1400" baseline="0" dirty="0" err="1" smtClean="0"/>
+                        <a:t>pB</a:t>
+                      </a:r>
+                      <a:r>
+                        <a:rPr lang="en-CA" sz="1400" baseline="0" dirty="0" smtClean="0"/>
+                        <a:t>+ Tree, CSB+ Tree, T Tree, CST Tree, CSS Tree</a:t>
+                      </a:r>
+                      <a:endParaRPr lang="en-CA" sz="1400" dirty="0" smtClean="0"/>
+                    </a:p>
+                  </a:txBody>
+                  <a:tcPr/>
+                </a:tc>
+                <a:tc>
+                  <a:txBody>
+                    <a:bodyPr/>
+                    <a:lstStyle/>
+                    <a:p>
+                      <a:pPr>
+                        <a:buFont typeface="Arial" pitchFamily="34" charset="0"/>
+                        <a:buNone/>
+                      </a:pPr>
+                      <a:r>
+                        <a:rPr lang="en-CA" sz="1400" dirty="0" smtClean="0"/>
+                        <a:t>Not needed since processing and memory access is cheap</a:t>
+                      </a:r>
+                      <a:endParaRPr lang="en-CA" sz="1400" dirty="0"/>
+                    </a:p>
+                  </a:txBody>
+                  <a:tcPr/>
+                </a:tc>
+                <a:tc>
+                  <a:txBody>
+                    <a:bodyPr/>
+                    <a:lstStyle/>
+                    <a:p>
+                      <a:pPr marL="0" marR="0" indent="0" algn="l" defTabSz="914400" rtl="0" eaLnBrk="1" fontAlgn="auto" latinLnBrk="0" hangingPunct="1">
+                        <a:lnSpc>
+                          <a:spcPct val="100000"/>
+                        </a:lnSpc>
+                        <a:spcBef>
+                          <a:spcPts val="0"/>
+                        </a:spcBef>
+                        <a:spcAft>
+                          <a:spcPts val="0"/>
+                        </a:spcAft>
+                        <a:buClrTx/>
+                        <a:buSzTx/>
+                        <a:buFontTx/>
+                        <a:buNone/>
+                        <a:tabLst/>
+                        <a:defRPr/>
+                      </a:pPr>
+                      <a:r>
+                        <a:rPr lang="en-CA" sz="1400" dirty="0" smtClean="0"/>
+                        <a:t>Only</a:t>
+                      </a:r>
+                      <a:r>
+                        <a:rPr lang="en-CA" sz="1400" baseline="0" dirty="0" smtClean="0"/>
+                        <a:t> needed in secondary storage to speed up reloading in case of a crash</a:t>
+                      </a:r>
+                      <a:endParaRPr lang="en-CA" sz="1400" dirty="0" smtClean="0"/>
+                    </a:p>
+                    <a:p>
+                      <a:endParaRPr lang="en-CA" sz="1400" dirty="0" smtClean="0"/>
+                    </a:p>
+                    <a:p>
+                      <a:r>
+                        <a:rPr lang="en-CA" sz="1400" dirty="0" smtClean="0"/>
+                        <a:t>Horizontal &amp; single vertical partitioning</a:t>
+                      </a:r>
+                      <a:endParaRPr lang="en-CA" sz="1400" dirty="0"/>
+                    </a:p>
+                  </a:txBody>
+                  <a:tcPr/>
+                </a:tc>
+                <a:tc>
+                  <a:txBody>
+                    <a:bodyPr/>
+                    <a:lstStyle/>
+                    <a:p>
+                      <a:r>
+                        <a:rPr lang="en-CA" sz="1400" dirty="0" smtClean="0"/>
+                        <a:t>Not needed since random access in main memory costs the same as</a:t>
+                      </a:r>
+                      <a:r>
+                        <a:rPr lang="en-CA" sz="1400" baseline="0" dirty="0" smtClean="0"/>
+                        <a:t> sequential access</a:t>
+                      </a:r>
+                      <a:endParaRPr lang="en-CA" sz="1400" dirty="0"/>
+                    </a:p>
+                  </a:txBody>
+                  <a:tcPr/>
+                </a:tc>
+              </a:tr>
+              <a:tr h="1423039">
+                <a:tc>
+                  <a:txBody>
+                    <a:bodyPr/>
+                    <a:lstStyle/>
+                    <a:p>
+                      <a:r>
+                        <a:rPr lang="en-CA" dirty="0" smtClean="0"/>
+                        <a:t>Data Warehouses</a:t>
+                      </a:r>
+                      <a:endParaRPr lang="en-CA" dirty="0"/>
+                    </a:p>
+                  </a:txBody>
+                  <a:tcPr/>
+                </a:tc>
+                <a:tc>
+                  <a:txBody>
+                    <a:bodyPr/>
+                    <a:lstStyle/>
+                    <a:p>
+                      <a:endParaRPr lang="en-CA" sz="1400"/>
+                    </a:p>
+                  </a:txBody>
+                  <a:tcPr/>
+                </a:tc>
+                <a:tc>
+                  <a:txBody>
+                    <a:bodyPr/>
+                    <a:lstStyle/>
+                    <a:p>
+                      <a:endParaRPr lang="en-CA" sz="1400" dirty="0"/>
+                    </a:p>
+                  </a:txBody>
+                  <a:tcPr/>
+                </a:tc>
+                <a:tc>
+                  <a:txBody>
+                    <a:bodyPr/>
+                    <a:lstStyle/>
+                    <a:p>
+                      <a:endParaRPr lang="en-CA" sz="1400" dirty="0"/>
+                    </a:p>
+                  </a:txBody>
+                  <a:tcPr/>
+                </a:tc>
+                <a:tc>
+                  <a:txBody>
+                    <a:bodyPr/>
+                    <a:lstStyle/>
+                    <a:p>
+                      <a:endParaRPr lang="en-CA" sz="1400"/>
+                    </a:p>
+                  </a:txBody>
+                  <a:tcPr/>
+                </a:tc>
+              </a:tr>
+              <a:tr h="824460">
+                <a:tc>
+                  <a:txBody>
+                    <a:bodyPr/>
+                    <a:lstStyle/>
+                    <a:p>
+                      <a:r>
+                        <a:rPr lang="en-CA" dirty="0" smtClean="0"/>
+                        <a:t>XML</a:t>
+                      </a:r>
+                      <a:r>
+                        <a:rPr lang="en-CA" baseline="0" dirty="0" smtClean="0"/>
+                        <a:t> DB</a:t>
+                      </a:r>
+                      <a:endParaRPr lang="en-CA" dirty="0"/>
+                    </a:p>
+                  </a:txBody>
+                  <a:tcPr/>
+                </a:tc>
+                <a:tc>
+                  <a:txBody>
+                    <a:bodyPr/>
+                    <a:lstStyle/>
+                    <a:p>
+                      <a:r>
+                        <a:rPr lang="en-CA" sz="1400" dirty="0" smtClean="0"/>
+                        <a:t>Need a</a:t>
+                      </a:r>
+                      <a:r>
+                        <a:rPr lang="en-CA" sz="1400" baseline="0" dirty="0" smtClean="0"/>
+                        <a:t> numbering scheme</a:t>
+                      </a:r>
+                    </a:p>
+                    <a:p>
+                      <a:r>
+                        <a:rPr lang="en-CA" sz="1400" baseline="0" dirty="0" smtClean="0"/>
+                        <a:t>B+ Tree used</a:t>
+                      </a:r>
+                      <a:endParaRPr lang="en-CA" sz="1400" dirty="0"/>
+                    </a:p>
+                  </a:txBody>
+                  <a:tcPr/>
+                </a:tc>
+                <a:tc>
+                  <a:txBody>
+                    <a:bodyPr/>
+                    <a:lstStyle/>
+                    <a:p>
+                      <a:r>
+                        <a:rPr lang="en-CA" sz="1400" dirty="0" err="1" smtClean="0"/>
+                        <a:t>XQuery</a:t>
+                      </a:r>
+                      <a:r>
+                        <a:rPr lang="en-CA" sz="1400" dirty="0" smtClean="0"/>
+                        <a:t> and </a:t>
+                      </a:r>
+                      <a:r>
+                        <a:rPr lang="en-CA" sz="1400" dirty="0" err="1" smtClean="0"/>
+                        <a:t>XPath</a:t>
+                      </a:r>
+                      <a:r>
+                        <a:rPr lang="en-CA" sz="1400" dirty="0" smtClean="0"/>
+                        <a:t> results are materialized</a:t>
+                      </a:r>
+                      <a:endParaRPr lang="en-CA" sz="1400" dirty="0"/>
+                    </a:p>
+                  </a:txBody>
+                  <a:tcPr/>
+                </a:tc>
+                <a:tc>
+                  <a:txBody>
+                    <a:bodyPr/>
+                    <a:lstStyle/>
+                    <a:p>
+                      <a:r>
+                        <a:rPr lang="en-CA" sz="1400" dirty="0" smtClean="0"/>
+                        <a:t>Horizontal partitioning</a:t>
+                      </a:r>
+                      <a:r>
+                        <a:rPr lang="en-CA" sz="1400" baseline="0" dirty="0" smtClean="0"/>
+                        <a:t> based on </a:t>
+                      </a:r>
+                      <a:r>
+                        <a:rPr lang="en-CA" sz="1400" baseline="0" dirty="0" err="1" smtClean="0"/>
+                        <a:t>inlining</a:t>
+                      </a:r>
+                      <a:r>
+                        <a:rPr lang="en-CA" sz="1400" baseline="0" dirty="0" smtClean="0"/>
+                        <a:t> or node type</a:t>
+                      </a:r>
+                      <a:endParaRPr lang="en-CA" sz="1400" dirty="0"/>
+                    </a:p>
+                  </a:txBody>
+                  <a:tcPr/>
+                </a:tc>
+                <a:tc>
+                  <a:txBody>
+                    <a:bodyPr/>
+                    <a:lstStyle/>
+                    <a:p>
+                      <a:r>
+                        <a:rPr lang="en-CA" sz="1400" dirty="0" smtClean="0"/>
+                        <a:t>Based on document order or structural</a:t>
+                      </a:r>
+                      <a:r>
+                        <a:rPr lang="en-CA" sz="1400" baseline="0" dirty="0" smtClean="0"/>
+                        <a:t> similarity</a:t>
+                      </a:r>
+                      <a:endParaRPr lang="en-CA" sz="1400" dirty="0"/>
+                    </a:p>
+                  </a:txBody>
+                  <a:tcPr/>
+                </a:tc>
+              </a:tr>
+            </a:tbl>
+          </a:graphicData>
+        </a:graphic>
+      </p:graphicFrame>
     </p:spTree>
   </p:cSld>
   <p:clrMapOvr>
     <a:masterClrMapping/>
   </p:clrMapOvr>
+  <p:timing>
+    <p:tnLst>
+      <p:par>
+        <p:cTn id="1" dur="indefinite" restart="never" nodeType="tmRoot"/>
+      </p:par>
+    </p:tnLst>
+  </p:timing>
 </p:sld>
 </file>
 
@@ -13034,7 +13499,7 @@
       </p:grpSpPr>
       <p:sp>
         <p:nvSpPr>
-          <p:cNvPr id="7" name="Title 6"/>
+          <p:cNvPr id="5" name="Title 4"/>
           <p:cNvSpPr>
             <a:spLocks noGrp="1"/>
           </p:cNvSpPr>
@@ -13049,7 +13514,7 @@
           <a:p>
             <a:r>
               <a:rPr lang="en-CA" dirty="0" smtClean="0"/>
-              <a:t>Summary &amp; Conclusions</a:t>
+              <a:t>Conclusions</a:t>
             </a:r>
             <a:endParaRPr lang="en-CA" dirty="0"/>
           </a:p>
@@ -13057,26 +13522,26 @@
       </p:sp>
       <p:sp>
         <p:nvSpPr>
-          <p:cNvPr id="8" name="Text Placeholder 7"/>
-          <p:cNvSpPr>
-            <a:spLocks noGrp="1"/>
-          </p:cNvSpPr>
-          <p:nvPr>
-            <p:ph type="body" idx="1"/>
-          </p:nvPr>
-        </p:nvSpPr>
-        <p:spPr/>
-        <p:txBody>
-          <a:bodyPr/>
-          <a:lstStyle/>
-          <a:p>
-            <a:endParaRPr lang="en-CA"/>
-          </a:p>
-        </p:txBody>
-      </p:sp>
-      <p:sp>
-        <p:nvSpPr>
-          <p:cNvPr id="4" name="Date Placeholder 3"/>
+          <p:cNvPr id="6" name="Content Placeholder 5"/>
+          <p:cNvSpPr>
+            <a:spLocks noGrp="1"/>
+          </p:cNvSpPr>
+          <p:nvPr>
+            <p:ph idx="1"/>
+          </p:nvPr>
+        </p:nvSpPr>
+        <p:spPr/>
+        <p:txBody>
+          <a:bodyPr/>
+          <a:lstStyle/>
+          <a:p>
+            <a:endParaRPr lang="en-CA"/>
+          </a:p>
+        </p:txBody>
+      </p:sp>
+      <p:sp>
+        <p:nvSpPr>
+          <p:cNvPr id="2" name="Date Placeholder 1"/>
           <p:cNvSpPr>
             <a:spLocks noGrp="1"/>
           </p:cNvSpPr>
@@ -13099,7 +13564,7 @@
       </p:sp>
       <p:sp>
         <p:nvSpPr>
-          <p:cNvPr id="5" name="Footer Placeholder 4"/>
+          <p:cNvPr id="3" name="Footer Placeholder 2"/>
           <p:cNvSpPr>
             <a:spLocks noGrp="1"/>
           </p:cNvSpPr>
@@ -13122,7 +13587,7 @@
       </p:sp>
       <p:sp>
         <p:nvSpPr>
-          <p:cNvPr id="6" name="Slide Number Placeholder 5"/>
+          <p:cNvPr id="4" name="Slide Number Placeholder 3"/>
           <p:cNvSpPr>
             <a:spLocks noGrp="1"/>
           </p:cNvSpPr>
@@ -13149,6 +13614,13 @@
   <p:clrMapOvr>
     <a:masterClrMapping/>
   </p:clrMapOvr>
+  <p:timing>
+    <p:tnLst>
+      <p:par>
+        <p:cTn id="1" dur="indefinite" restart="never" nodeType="tmRoot"/>
+      </p:par>
+    </p:tnLst>
+  </p:timing>
 </p:sld>
 </file>
 
@@ -13171,7 +13643,7 @@
       </p:grpSpPr>
       <p:sp>
         <p:nvSpPr>
-          <p:cNvPr id="4" name="Date Placeholder 3"/>
+          <p:cNvPr id="2" name="Date Placeholder 1"/>
           <p:cNvSpPr>
             <a:spLocks noGrp="1"/>
           </p:cNvSpPr>
@@ -13194,7 +13666,7 @@
       </p:sp>
       <p:sp>
         <p:nvSpPr>
-          <p:cNvPr id="5" name="Footer Placeholder 4"/>
+          <p:cNvPr id="3" name="Footer Placeholder 2"/>
           <p:cNvSpPr>
             <a:spLocks noGrp="1"/>
           </p:cNvSpPr>
@@ -13217,7 +13689,7 @@
       </p:sp>
       <p:sp>
         <p:nvSpPr>
-          <p:cNvPr id="6" name="Slide Number Placeholder 5"/>
+          <p:cNvPr id="4" name="Slide Number Placeholder 3"/>
           <p:cNvSpPr>
             <a:spLocks noGrp="1"/>
           </p:cNvSpPr>
@@ -13241,14 +13713,14 @@
       </p:sp>
       <p:sp>
         <p:nvSpPr>
-          <p:cNvPr id="10" name="TextBox 9"/>
+          <p:cNvPr id="7" name="TextBox 6"/>
           <p:cNvSpPr txBox="1"/>
           <p:nvPr/>
         </p:nvSpPr>
         <p:spPr>
           <a:xfrm>
-            <a:off x="857224" y="1571612"/>
-            <a:ext cx="2201244" cy="369332"/>
+            <a:off x="2571736" y="2714620"/>
+            <a:ext cx="3676006" cy="1015663"/>
           </a:xfrm>
           <a:prstGeom prst="rect">
             <a:avLst/>
@@ -13262,10 +13734,10 @@
           <a:lstStyle/>
           <a:p>
             <a:r>
-              <a:rPr lang="en-CA" dirty="0" smtClean="0"/>
-              <a:t>Big summary table(s)</a:t>
-            </a:r>
-            <a:endParaRPr lang="en-CA" dirty="0"/>
+              <a:rPr lang="en-CA" sz="6000" b="1" dirty="0" smtClean="0"/>
+              <a:t>Thank you</a:t>
+            </a:r>
+            <a:endParaRPr lang="en-CA" sz="6000" b="1" dirty="0"/>
           </a:p>
         </p:txBody>
       </p:sp>
@@ -13311,7 +13783,7 @@
           <a:p>
             <a:r>
               <a:rPr lang="en-CA" dirty="0" smtClean="0"/>
-              <a:t>Conclusions</a:t>
+              <a:t>References</a:t>
             </a:r>
             <a:endParaRPr lang="en-CA" dirty="0"/>
           </a:p>
@@ -13401,268 +13873,6 @@
               <a:rPr lang="en-CA" smtClean="0"/>
               <a:pPr/>
               <a:t>52</a:t>
-            </a:fld>
-            <a:endParaRPr lang="en-CA"/>
-          </a:p>
-        </p:txBody>
-      </p:sp>
-    </p:spTree>
-  </p:cSld>
-  <p:clrMapOvr>
-    <a:masterClrMapping/>
-  </p:clrMapOvr>
-</p:sld>
-</file>
-
-<file path=ppt/slides/slide53.xml><?xml version="1.0" encoding="utf-8"?>
-<p:sld xmlns:a="http://schemas.openxmlformats.org/drawingml/2006/main" xmlns:r="http://schemas.openxmlformats.org/officeDocument/2006/relationships" xmlns:p="http://schemas.openxmlformats.org/presentationml/2006/main">
-  <p:cSld>
-    <p:spTree>
-      <p:nvGrpSpPr>
-        <p:cNvPr id="1" name=""/>
-        <p:cNvGrpSpPr/>
-        <p:nvPr/>
-      </p:nvGrpSpPr>
-      <p:grpSpPr>
-        <a:xfrm>
-          <a:off x="0" y="0"/>
-          <a:ext cx="0" cy="0"/>
-          <a:chOff x="0" y="0"/>
-          <a:chExt cx="0" cy="0"/>
-        </a:xfrm>
-      </p:grpSpPr>
-      <p:sp>
-        <p:nvSpPr>
-          <p:cNvPr id="2" name="Date Placeholder 1"/>
-          <p:cNvSpPr>
-            <a:spLocks noGrp="1"/>
-          </p:cNvSpPr>
-          <p:nvPr>
-            <p:ph type="dt" sz="half" idx="10"/>
-          </p:nvPr>
-        </p:nvSpPr>
-        <p:spPr/>
-        <p:txBody>
-          <a:bodyPr/>
-          <a:lstStyle/>
-          <a:p>
-            <a:r>
-              <a:rPr lang="en-US" smtClean="0"/>
-              <a:t>Physical Design Patterns</a:t>
-            </a:r>
-            <a:endParaRPr lang="en-CA"/>
-          </a:p>
-        </p:txBody>
-      </p:sp>
-      <p:sp>
-        <p:nvSpPr>
-          <p:cNvPr id="3" name="Footer Placeholder 2"/>
-          <p:cNvSpPr>
-            <a:spLocks noGrp="1"/>
-          </p:cNvSpPr>
-          <p:nvPr>
-            <p:ph type="ftr" sz="quarter" idx="11"/>
-          </p:nvPr>
-        </p:nvSpPr>
-        <p:spPr/>
-        <p:txBody>
-          <a:bodyPr/>
-          <a:lstStyle/>
-          <a:p>
-            <a:r>
-              <a:rPr lang="en-CA" smtClean="0"/>
-              <a:t>Karim Ali &amp; Sarah Nadi</a:t>
-            </a:r>
-            <a:endParaRPr lang="en-CA"/>
-          </a:p>
-        </p:txBody>
-      </p:sp>
-      <p:sp>
-        <p:nvSpPr>
-          <p:cNvPr id="4" name="Slide Number Placeholder 3"/>
-          <p:cNvSpPr>
-            <a:spLocks noGrp="1"/>
-          </p:cNvSpPr>
-          <p:nvPr>
-            <p:ph type="sldNum" sz="quarter" idx="12"/>
-          </p:nvPr>
-        </p:nvSpPr>
-        <p:spPr/>
-        <p:txBody>
-          <a:bodyPr/>
-          <a:lstStyle/>
-          <a:p>
-            <a:fld id="{9AC8176B-BF31-4706-B15B-1AFC481B9AC3}" type="slidenum">
-              <a:rPr lang="en-CA" smtClean="0"/>
-              <a:pPr/>
-              <a:t>53</a:t>
-            </a:fld>
-            <a:endParaRPr lang="en-CA"/>
-          </a:p>
-        </p:txBody>
-      </p:sp>
-      <p:sp>
-        <p:nvSpPr>
-          <p:cNvPr id="7" name="TextBox 6"/>
-          <p:cNvSpPr txBox="1"/>
-          <p:nvPr/>
-        </p:nvSpPr>
-        <p:spPr>
-          <a:xfrm>
-            <a:off x="2571736" y="2714620"/>
-            <a:ext cx="3676006" cy="1015663"/>
-          </a:xfrm>
-          <a:prstGeom prst="rect">
-            <a:avLst/>
-          </a:prstGeom>
-          <a:noFill/>
-        </p:spPr>
-        <p:txBody>
-          <a:bodyPr wrap="none" rtlCol="0">
-            <a:spAutoFit/>
-          </a:bodyPr>
-          <a:lstStyle/>
-          <a:p>
-            <a:r>
-              <a:rPr lang="en-CA" sz="6000" b="1" dirty="0" smtClean="0"/>
-              <a:t>Thank you</a:t>
-            </a:r>
-            <a:endParaRPr lang="en-CA" sz="6000" b="1" dirty="0"/>
-          </a:p>
-        </p:txBody>
-      </p:sp>
-    </p:spTree>
-  </p:cSld>
-  <p:clrMapOvr>
-    <a:masterClrMapping/>
-  </p:clrMapOvr>
-</p:sld>
-</file>
-
-<file path=ppt/slides/slide54.xml><?xml version="1.0" encoding="utf-8"?>
-<p:sld xmlns:a="http://schemas.openxmlformats.org/drawingml/2006/main" xmlns:r="http://schemas.openxmlformats.org/officeDocument/2006/relationships" xmlns:p="http://schemas.openxmlformats.org/presentationml/2006/main">
-  <p:cSld>
-    <p:spTree>
-      <p:nvGrpSpPr>
-        <p:cNvPr id="1" name=""/>
-        <p:cNvGrpSpPr/>
-        <p:nvPr/>
-      </p:nvGrpSpPr>
-      <p:grpSpPr>
-        <a:xfrm>
-          <a:off x="0" y="0"/>
-          <a:ext cx="0" cy="0"/>
-          <a:chOff x="0" y="0"/>
-          <a:chExt cx="0" cy="0"/>
-        </a:xfrm>
-      </p:grpSpPr>
-      <p:sp>
-        <p:nvSpPr>
-          <p:cNvPr id="5" name="Title 4"/>
-          <p:cNvSpPr>
-            <a:spLocks noGrp="1"/>
-          </p:cNvSpPr>
-          <p:nvPr>
-            <p:ph type="title"/>
-          </p:nvPr>
-        </p:nvSpPr>
-        <p:spPr/>
-        <p:txBody>
-          <a:bodyPr/>
-          <a:lstStyle/>
-          <a:p>
-            <a:r>
-              <a:rPr lang="en-CA" dirty="0" smtClean="0"/>
-              <a:t>References</a:t>
-            </a:r>
-            <a:endParaRPr lang="en-CA" dirty="0"/>
-          </a:p>
-        </p:txBody>
-      </p:sp>
-      <p:sp>
-        <p:nvSpPr>
-          <p:cNvPr id="6" name="Content Placeholder 5"/>
-          <p:cNvSpPr>
-            <a:spLocks noGrp="1"/>
-          </p:cNvSpPr>
-          <p:nvPr>
-            <p:ph idx="1"/>
-          </p:nvPr>
-        </p:nvSpPr>
-        <p:spPr/>
-        <p:txBody>
-          <a:bodyPr/>
-          <a:lstStyle/>
-          <a:p>
-            <a:endParaRPr lang="en-CA"/>
-          </a:p>
-        </p:txBody>
-      </p:sp>
-      <p:sp>
-        <p:nvSpPr>
-          <p:cNvPr id="2" name="Date Placeholder 1"/>
-          <p:cNvSpPr>
-            <a:spLocks noGrp="1"/>
-          </p:cNvSpPr>
-          <p:nvPr>
-            <p:ph type="dt" sz="half" idx="10"/>
-          </p:nvPr>
-        </p:nvSpPr>
-        <p:spPr/>
-        <p:txBody>
-          <a:bodyPr/>
-          <a:lstStyle/>
-          <a:p>
-            <a:r>
-              <a:rPr lang="en-US" smtClean="0"/>
-              <a:t>Physical Design Patterns</a:t>
-            </a:r>
-            <a:endParaRPr lang="en-CA"/>
-          </a:p>
-        </p:txBody>
-      </p:sp>
-      <p:sp>
-        <p:nvSpPr>
-          <p:cNvPr id="3" name="Footer Placeholder 2"/>
-          <p:cNvSpPr>
-            <a:spLocks noGrp="1"/>
-          </p:cNvSpPr>
-          <p:nvPr>
-            <p:ph type="ftr" sz="quarter" idx="11"/>
-          </p:nvPr>
-        </p:nvSpPr>
-        <p:spPr/>
-        <p:txBody>
-          <a:bodyPr/>
-          <a:lstStyle/>
-          <a:p>
-            <a:r>
-              <a:rPr lang="en-CA" smtClean="0"/>
-              <a:t>Karim Ali &amp; Sarah Nadi</a:t>
-            </a:r>
-            <a:endParaRPr lang="en-CA"/>
-          </a:p>
-        </p:txBody>
-      </p:sp>
-      <p:sp>
-        <p:nvSpPr>
-          <p:cNvPr id="4" name="Slide Number Placeholder 3"/>
-          <p:cNvSpPr>
-            <a:spLocks noGrp="1"/>
-          </p:cNvSpPr>
-          <p:nvPr>
-            <p:ph type="sldNum" sz="quarter" idx="12"/>
-          </p:nvPr>
-        </p:nvSpPr>
-        <p:spPr/>
-        <p:txBody>
-          <a:bodyPr/>
-          <a:lstStyle/>
-          <a:p>
-            <a:fld id="{9AC8176B-BF31-4706-B15B-1AFC481B9AC3}" type="slidenum">
-              <a:rPr lang="en-CA" smtClean="0"/>
-              <a:pPr/>
-              <a:t>54</a:t>
             </a:fld>
             <a:endParaRPr lang="en-CA"/>
           </a:p>

--- a/trunk/cs848-db/PhysDesignPres.pptx
+++ b/trunk/cs848-db/PhysDesignPres.pptx
@@ -39,7 +39,7 @@
     <p:sldId id="320" r:id="rId30"/>
     <p:sldId id="321" r:id="rId31"/>
     <p:sldId id="322" r:id="rId32"/>
-    <p:sldId id="323" r:id="rId33"/>
+    <p:sldId id="338" r:id="rId33"/>
     <p:sldId id="324" r:id="rId34"/>
     <p:sldId id="325" r:id="rId35"/>
     <p:sldId id="326" r:id="rId36"/>
@@ -9584,13 +9584,6 @@
             <a:pPr lvl="2"/>
             <a:r>
               <a:rPr lang="en-CA" dirty="0" smtClean="0"/>
-              <a:t>Bit array data structure (aka bitset, bitmap)</a:t>
-            </a:r>
-          </a:p>
-          <a:p>
-            <a:pPr lvl="2"/>
-            <a:r>
-              <a:rPr lang="en-CA" dirty="0" smtClean="0"/>
               <a:t>Pros</a:t>
             </a:r>
           </a:p>
@@ -9598,50 +9591,21 @@
             <a:pPr lvl="3"/>
             <a:r>
               <a:rPr lang="en-CA" dirty="0" smtClean="0"/>
-              <a:t>Outperforms B</a:t>
-            </a:r>
-            <a:r>
-              <a:rPr lang="en-CA" baseline="30000" dirty="0" smtClean="0"/>
-              <a:t>+</a:t>
-            </a:r>
-            <a:r>
-              <a:rPr lang="en-CA" dirty="0" smtClean="0"/>
-              <a:t>-trees for low cardinality attributes (e.g. gender)</a:t>
+              <a:t>Useful when combined with star schema</a:t>
+            </a:r>
+          </a:p>
+          <a:p>
+            <a:pPr lvl="4"/>
+            <a:r>
+              <a:rPr lang="en-CA" dirty="0" smtClean="0"/>
+              <a:t>Joining a large fact table with multiple small dimension tables</a:t>
             </a:r>
           </a:p>
           <a:p>
             <a:pPr lvl="3"/>
             <a:r>
               <a:rPr lang="en-CA" dirty="0" smtClean="0"/>
-              <a:t>Even more useful when combined with star schema</a:t>
-            </a:r>
-          </a:p>
-          <a:p>
-            <a:pPr lvl="4"/>
-            <a:r>
-              <a:rPr lang="en-CA" dirty="0" smtClean="0"/>
-              <a:t>Joining a large fact table with multiple small dimension tables</a:t>
-            </a:r>
-          </a:p>
-          <a:p>
-            <a:pPr lvl="3"/>
-            <a:r>
-              <a:rPr lang="en-CA" dirty="0" smtClean="0"/>
-              <a:t>Less storage space</a:t>
-            </a:r>
-          </a:p>
-          <a:p>
-            <a:pPr lvl="3"/>
-            <a:r>
-              <a:rPr lang="en-CA" dirty="0" smtClean="0"/>
-              <a:t>Reduces search space</a:t>
-            </a:r>
-          </a:p>
-          <a:p>
-            <a:pPr lvl="4"/>
-            <a:r>
-              <a:rPr lang="en-CA" dirty="0" smtClean="0"/>
-              <a:t>Utilizes bitwise operations </a:t>
+              <a:t>Reduces search space before performing expensive joins</a:t>
             </a:r>
           </a:p>
           <a:p>

--- a/trunk/cs848-db/PhysDesignPres.pptx
+++ b/trunk/cs848-db/PhysDesignPres.pptx
@@ -5340,8 +5340,12 @@
           <a:p>
             <a:pPr lvl="3"/>
             <a:r>
-              <a:rPr lang="en-CA" smtClean="0"/>
-              <a:t>Not amenable to index updates</a:t>
+              <a:rPr lang="en-CA" dirty="0" smtClean="0"/>
+              <a:t>Not amenable to index </a:t>
+            </a:r>
+            <a:r>
+              <a:rPr lang="en-CA" dirty="0" smtClean="0"/>
+              <a:t>updates (locking)</a:t>
             </a:r>
             <a:endParaRPr lang="en-CA" dirty="0" smtClean="0"/>
           </a:p>
@@ -5462,32 +5466,635 @@
               <a:t>DRDB: </a:t>
             </a:r>
             <a:r>
-              <a:rPr lang="en-CA" dirty="0" err="1" smtClean="0"/>
-              <a:t>Paritioning</a:t>
+              <a:rPr lang="en-CA" dirty="0" smtClean="0"/>
+              <a:t>Partitioning</a:t>
             </a:r>
             <a:endParaRPr lang="en-CA" dirty="0"/>
           </a:p>
         </p:txBody>
       </p:sp>
-      <p:sp>
-        <p:nvSpPr>
-          <p:cNvPr id="3" name="Content Placeholder 2"/>
-          <p:cNvSpPr>
-            <a:spLocks noGrp="1"/>
-          </p:cNvSpPr>
+      <p:graphicFrame>
+        <p:nvGraphicFramePr>
+          <p:cNvPr id="8" name="Content Placeholder 7"/>
+          <p:cNvGraphicFramePr>
+            <a:graphicFrameLocks noGrp="1"/>
+          </p:cNvGraphicFramePr>
           <p:nvPr>
             <p:ph idx="1"/>
           </p:nvPr>
-        </p:nvSpPr>
-        <p:spPr/>
-        <p:txBody>
-          <a:bodyPr/>
-          <a:lstStyle/>
-          <a:p>
-            <a:endParaRPr lang="en-CA"/>
-          </a:p>
-        </p:txBody>
-      </p:sp>
+        </p:nvGraphicFramePr>
+        <p:xfrm>
+          <a:off x="457200" y="1774825"/>
+          <a:ext cx="8229600" cy="4394200"/>
+        </p:xfrm>
+        <a:graphic>
+          <a:graphicData uri="http://schemas.openxmlformats.org/drawingml/2006/table">
+            <a:tbl>
+              <a:tblPr firstRow="1" bandRow="1">
+                <a:tableStyleId>{5C22544A-7EE6-4342-B048-85BDC9FD1C3A}</a:tableStyleId>
+              </a:tblPr>
+              <a:tblGrid>
+                <a:gridCol w="1114404"/>
+                <a:gridCol w="2177436"/>
+                <a:gridCol w="1751654"/>
+                <a:gridCol w="1540186"/>
+                <a:gridCol w="1645920"/>
+              </a:tblGrid>
+              <a:tr h="370840">
+                <a:tc>
+                  <a:txBody>
+                    <a:bodyPr/>
+                    <a:lstStyle/>
+                    <a:p>
+                      <a:pPr algn="ctr"/>
+                      <a:endParaRPr lang="en-CA" dirty="0"/>
+                    </a:p>
+                  </a:txBody>
+                  <a:tcPr/>
+                </a:tc>
+                <a:tc>
+                  <a:txBody>
+                    <a:bodyPr/>
+                    <a:lstStyle/>
+                    <a:p>
+                      <a:pPr algn="ctr"/>
+                      <a:r>
+                        <a:rPr lang="en-CA" dirty="0" smtClean="0"/>
+                        <a:t>Range Partitioning</a:t>
+                      </a:r>
+                      <a:endParaRPr lang="en-CA" dirty="0"/>
+                    </a:p>
+                  </a:txBody>
+                  <a:tcPr anchor="ctr"/>
+                </a:tc>
+                <a:tc>
+                  <a:txBody>
+                    <a:bodyPr/>
+                    <a:lstStyle/>
+                    <a:p>
+                      <a:pPr algn="ctr"/>
+                      <a:r>
+                        <a:rPr lang="en-CA" dirty="0" smtClean="0"/>
+                        <a:t>List  Partitioning</a:t>
+                      </a:r>
+                      <a:endParaRPr lang="en-CA" dirty="0"/>
+                    </a:p>
+                  </a:txBody>
+                  <a:tcPr anchor="ctr"/>
+                </a:tc>
+                <a:tc>
+                  <a:txBody>
+                    <a:bodyPr/>
+                    <a:lstStyle/>
+                    <a:p>
+                      <a:pPr algn="ctr"/>
+                      <a:r>
+                        <a:rPr lang="en-CA" dirty="0" smtClean="0"/>
+                        <a:t>Hash Partitioning</a:t>
+                      </a:r>
+                      <a:endParaRPr lang="en-CA" dirty="0"/>
+                    </a:p>
+                  </a:txBody>
+                  <a:tcPr anchor="ctr"/>
+                </a:tc>
+                <a:tc>
+                  <a:txBody>
+                    <a:bodyPr/>
+                    <a:lstStyle/>
+                    <a:p>
+                      <a:pPr algn="ctr"/>
+                      <a:r>
+                        <a:rPr lang="en-CA" dirty="0" smtClean="0"/>
+                        <a:t>Composite</a:t>
+                      </a:r>
+                      <a:r>
+                        <a:rPr lang="en-CA" baseline="0" dirty="0" smtClean="0"/>
+                        <a:t> Partitioning</a:t>
+                      </a:r>
+                      <a:endParaRPr lang="en-CA" dirty="0"/>
+                    </a:p>
+                  </a:txBody>
+                  <a:tcPr anchor="ctr"/>
+                </a:tc>
+              </a:tr>
+              <a:tr h="370840">
+                <a:tc>
+                  <a:txBody>
+                    <a:bodyPr/>
+                    <a:lstStyle/>
+                    <a:p>
+                      <a:pPr algn="ctr"/>
+                      <a:r>
+                        <a:rPr lang="en-CA" dirty="0" smtClean="0"/>
+                        <a:t>How ?</a:t>
+                      </a:r>
+                      <a:endParaRPr lang="en-CA" dirty="0"/>
+                    </a:p>
+                  </a:txBody>
+                  <a:tcPr anchor="ctr"/>
+                </a:tc>
+                <a:tc>
+                  <a:txBody>
+                    <a:bodyPr/>
+                    <a:lstStyle/>
+                    <a:p>
+                      <a:pPr algn="ctr"/>
+                      <a:r>
+                        <a:rPr lang="en-CA" dirty="0" smtClean="0"/>
+                        <a:t>If key falls in range</a:t>
+                      </a:r>
+                      <a:endParaRPr lang="en-CA" dirty="0"/>
+                    </a:p>
+                  </a:txBody>
+                  <a:tcPr anchor="ctr"/>
+                </a:tc>
+                <a:tc>
+                  <a:txBody>
+                    <a:bodyPr/>
+                    <a:lstStyle/>
+                    <a:p>
+                      <a:pPr algn="ctr"/>
+                      <a:r>
+                        <a:rPr lang="en-CA" dirty="0" smtClean="0"/>
+                        <a:t>List</a:t>
+                      </a:r>
+                      <a:r>
+                        <a:rPr lang="en-CA" baseline="0" dirty="0" smtClean="0"/>
+                        <a:t> of keys</a:t>
+                      </a:r>
+                      <a:endParaRPr lang="en-CA" dirty="0"/>
+                    </a:p>
+                  </a:txBody>
+                  <a:tcPr anchor="ctr"/>
+                </a:tc>
+                <a:tc>
+                  <a:txBody>
+                    <a:bodyPr/>
+                    <a:lstStyle/>
+                    <a:p>
+                      <a:pPr algn="ctr"/>
+                      <a:r>
+                        <a:rPr lang="en-CA" dirty="0" smtClean="0"/>
+                        <a:t>Hash function</a:t>
+                      </a:r>
+                      <a:endParaRPr lang="en-CA" dirty="0"/>
+                    </a:p>
+                  </a:txBody>
+                  <a:tcPr anchor="ctr"/>
+                </a:tc>
+                <a:tc>
+                  <a:txBody>
+                    <a:bodyPr/>
+                    <a:lstStyle/>
+                    <a:p>
+                      <a:pPr algn="ctr"/>
+                      <a:r>
+                        <a:rPr lang="en-CA" dirty="0" smtClean="0"/>
+                        <a:t>Hybrid</a:t>
+                      </a:r>
+                      <a:endParaRPr lang="en-CA" dirty="0"/>
+                    </a:p>
+                  </a:txBody>
+                  <a:tcPr anchor="ctr"/>
+                </a:tc>
+              </a:tr>
+              <a:tr h="370840">
+                <a:tc>
+                  <a:txBody>
+                    <a:bodyPr/>
+                    <a:lstStyle/>
+                    <a:p>
+                      <a:pPr algn="ctr"/>
+                      <a:r>
+                        <a:rPr lang="en-CA" dirty="0" smtClean="0"/>
+                        <a:t>Why?</a:t>
+                      </a:r>
+                      <a:endParaRPr lang="en-CA" dirty="0"/>
+                    </a:p>
+                  </a:txBody>
+                  <a:tcPr anchor="ctr"/>
+                </a:tc>
+                <a:tc>
+                  <a:txBody>
+                    <a:bodyPr/>
+                    <a:lstStyle/>
+                    <a:p>
+                      <a:pPr algn="ctr">
+                        <a:buFontTx/>
+                        <a:buNone/>
+                      </a:pPr>
+                      <a:r>
+                        <a:rPr lang="en-CA" dirty="0" smtClean="0"/>
+                        <a:t>Disk limits</a:t>
+                      </a:r>
+                    </a:p>
+                  </a:txBody>
+                  <a:tcPr anchor="ctr"/>
+                </a:tc>
+                <a:tc>
+                  <a:txBody>
+                    <a:bodyPr/>
+                    <a:lstStyle/>
+                    <a:p>
+                      <a:pPr algn="ctr"/>
+                      <a:r>
+                        <a:rPr lang="en-CA" dirty="0" smtClean="0"/>
+                        <a:t>Group point values</a:t>
+                      </a:r>
+                      <a:endParaRPr lang="en-CA" dirty="0"/>
+                    </a:p>
+                  </a:txBody>
+                  <a:tcPr anchor="ctr"/>
+                </a:tc>
+                <a:tc>
+                  <a:txBody>
+                    <a:bodyPr/>
+                    <a:lstStyle/>
+                    <a:p>
+                      <a:pPr algn="ctr"/>
+                      <a:r>
+                        <a:rPr lang="en-CA" dirty="0" smtClean="0"/>
+                        <a:t>Range/List  are N/A</a:t>
+                      </a:r>
+                      <a:endParaRPr lang="en-CA" dirty="0"/>
+                    </a:p>
+                  </a:txBody>
+                  <a:tcPr anchor="ctr"/>
+                </a:tc>
+                <a:tc>
+                  <a:txBody>
+                    <a:bodyPr/>
+                    <a:lstStyle/>
+                    <a:p>
+                      <a:pPr algn="ctr"/>
+                      <a:r>
+                        <a:rPr lang="en-CA" dirty="0" smtClean="0"/>
+                        <a:t>According to needs</a:t>
+                      </a:r>
+                      <a:endParaRPr lang="en-CA" dirty="0"/>
+                    </a:p>
+                  </a:txBody>
+                  <a:tcPr anchor="ctr"/>
+                </a:tc>
+              </a:tr>
+              <a:tr h="370840">
+                <a:tc>
+                  <a:txBody>
+                    <a:bodyPr/>
+                    <a:lstStyle/>
+                    <a:p>
+                      <a:pPr algn="ctr"/>
+                      <a:r>
+                        <a:rPr lang="en-CA" dirty="0" smtClean="0"/>
+                        <a:t>Benefits</a:t>
+                      </a:r>
+                      <a:endParaRPr lang="en-CA" dirty="0"/>
+                    </a:p>
+                  </a:txBody>
+                  <a:tcPr anchor="ctr"/>
+                </a:tc>
+                <a:tc gridSpan="4">
+                  <a:txBody>
+                    <a:bodyPr/>
+                    <a:lstStyle/>
+                    <a:p>
+                      <a:pPr algn="ctr">
+                        <a:buFontTx/>
+                        <a:buChar char="-"/>
+                      </a:pPr>
+                      <a:r>
+                        <a:rPr lang="en-CA" dirty="0" smtClean="0"/>
+                        <a:t>Partition elimination</a:t>
+                      </a:r>
+                    </a:p>
+                    <a:p>
+                      <a:pPr algn="ctr">
+                        <a:buFontTx/>
+                        <a:buChar char="-"/>
+                      </a:pPr>
+                      <a:r>
+                        <a:rPr lang="en-CA" baseline="0" dirty="0" smtClean="0"/>
+                        <a:t> Improved administration</a:t>
+                      </a:r>
+                    </a:p>
+                    <a:p>
+                      <a:pPr algn="ctr">
+                        <a:buFontTx/>
+                        <a:buChar char="-"/>
+                      </a:pPr>
+                      <a:r>
+                        <a:rPr lang="en-CA" dirty="0" smtClean="0"/>
+                        <a:t> Fast</a:t>
+                      </a:r>
+                      <a:r>
+                        <a:rPr lang="en-CA" baseline="0" dirty="0" smtClean="0"/>
+                        <a:t> roll-in/out</a:t>
+                      </a:r>
+                    </a:p>
+                    <a:p>
+                      <a:pPr algn="ctr">
+                        <a:buFontTx/>
+                        <a:buChar char="-"/>
+                      </a:pPr>
+                      <a:r>
+                        <a:rPr lang="en-CA" baseline="0" dirty="0" smtClean="0"/>
+                        <a:t>Implicit clustering</a:t>
+                      </a:r>
+                      <a:endParaRPr lang="en-CA" dirty="0"/>
+                    </a:p>
+                  </a:txBody>
+                  <a:tcPr anchor="ctr"/>
+                </a:tc>
+                <a:tc hMerge="1">
+                  <a:txBody>
+                    <a:bodyPr/>
+                    <a:lstStyle/>
+                    <a:p>
+                      <a:pPr algn="ctr"/>
+                      <a:endParaRPr lang="en-CA" dirty="0"/>
+                    </a:p>
+                  </a:txBody>
+                  <a:tcPr anchor="ctr"/>
+                </a:tc>
+                <a:tc hMerge="1">
+                  <a:txBody>
+                    <a:bodyPr/>
+                    <a:lstStyle/>
+                    <a:p>
+                      <a:pPr algn="ctr"/>
+                      <a:endParaRPr lang="en-CA" dirty="0"/>
+                    </a:p>
+                  </a:txBody>
+                  <a:tcPr anchor="ctr"/>
+                </a:tc>
+                <a:tc hMerge="1">
+                  <a:txBody>
+                    <a:bodyPr/>
+                    <a:lstStyle/>
+                    <a:p>
+                      <a:pPr algn="ctr"/>
+                      <a:endParaRPr lang="en-CA" dirty="0"/>
+                    </a:p>
+                  </a:txBody>
+                  <a:tcPr anchor="ctr"/>
+                </a:tc>
+              </a:tr>
+              <a:tr h="370840">
+                <a:tc>
+                  <a:txBody>
+                    <a:bodyPr/>
+                    <a:lstStyle/>
+                    <a:p>
+                      <a:pPr algn="ctr"/>
+                      <a:r>
+                        <a:rPr lang="en-CA" dirty="0" smtClean="0"/>
+                        <a:t>Example</a:t>
+                      </a:r>
+                      <a:endParaRPr lang="en-CA" dirty="0"/>
+                    </a:p>
+                  </a:txBody>
+                  <a:tcPr anchor="ctr"/>
+                </a:tc>
+                <a:tc>
+                  <a:txBody>
+                    <a:bodyPr/>
+                    <a:lstStyle/>
+                    <a:p>
+                      <a:pPr algn="ctr">
+                        <a:buFontTx/>
+                        <a:buNone/>
+                      </a:pPr>
+                      <a:r>
+                        <a:rPr lang="en-CA" dirty="0" smtClean="0"/>
+                        <a:t>- </a:t>
+                      </a:r>
+                      <a:r>
+                        <a:rPr lang="en-CA" dirty="0" err="1" smtClean="0"/>
+                        <a:t>Zipcode</a:t>
+                      </a:r>
+                      <a:endParaRPr lang="en-CA" dirty="0" smtClean="0"/>
+                    </a:p>
+                    <a:p>
+                      <a:pPr algn="ctr">
+                        <a:buFontTx/>
+                        <a:buChar char="-"/>
+                      </a:pPr>
+                      <a:r>
+                        <a:rPr lang="en-CA" baseline="0" dirty="0" smtClean="0"/>
+                        <a:t> Time range</a:t>
+                      </a:r>
+                      <a:endParaRPr lang="en-CA" dirty="0"/>
+                    </a:p>
+                  </a:txBody>
+                  <a:tcPr anchor="ctr"/>
+                </a:tc>
+                <a:tc>
+                  <a:txBody>
+                    <a:bodyPr/>
+                    <a:lstStyle/>
+                    <a:p>
+                      <a:pPr algn="ctr">
+                        <a:buFontTx/>
+                        <a:buChar char="-"/>
+                      </a:pPr>
+                      <a:r>
+                        <a:rPr lang="en-CA" dirty="0" smtClean="0"/>
+                        <a:t> Regions</a:t>
+                      </a:r>
+                    </a:p>
+                    <a:p>
+                      <a:pPr algn="ctr">
+                        <a:buFontTx/>
+                        <a:buChar char="-"/>
+                      </a:pPr>
+                      <a:r>
+                        <a:rPr lang="en-CA" dirty="0" smtClean="0"/>
+                        <a:t> States</a:t>
+                      </a:r>
+                      <a:endParaRPr lang="en-CA" dirty="0"/>
+                    </a:p>
+                  </a:txBody>
+                  <a:tcPr anchor="ctr"/>
+                </a:tc>
+                <a:tc>
+                  <a:txBody>
+                    <a:bodyPr/>
+                    <a:lstStyle/>
+                    <a:p>
+                      <a:pPr algn="ctr">
+                        <a:buFontTx/>
+                        <a:buChar char="-"/>
+                      </a:pPr>
+                      <a:r>
+                        <a:rPr lang="en-CA" dirty="0" smtClean="0"/>
+                        <a:t> </a:t>
+                      </a:r>
+                      <a:r>
+                        <a:rPr lang="en-CA" dirty="0" err="1" smtClean="0"/>
+                        <a:t>EmployeeId</a:t>
+                      </a:r>
+                      <a:endParaRPr lang="en-CA" dirty="0" smtClean="0"/>
+                    </a:p>
+                    <a:p>
+                      <a:pPr algn="ctr">
+                        <a:buFontTx/>
+                        <a:buChar char="-"/>
+                      </a:pPr>
+                      <a:r>
+                        <a:rPr lang="en-CA" dirty="0" smtClean="0"/>
+                        <a:t> </a:t>
+                      </a:r>
+                      <a:r>
+                        <a:rPr lang="en-CA" dirty="0" err="1" smtClean="0"/>
+                        <a:t>ProductId</a:t>
+                      </a:r>
+                      <a:endParaRPr lang="en-CA" dirty="0"/>
+                    </a:p>
+                  </a:txBody>
+                  <a:tcPr anchor="ctr"/>
+                </a:tc>
+                <a:tc>
+                  <a:txBody>
+                    <a:bodyPr/>
+                    <a:lstStyle/>
+                    <a:p>
+                      <a:pPr algn="ctr"/>
+                      <a:r>
+                        <a:rPr lang="en-CA" dirty="0" smtClean="0"/>
+                        <a:t>Hash then List</a:t>
+                      </a:r>
+                      <a:endParaRPr lang="en-CA" dirty="0"/>
+                    </a:p>
+                  </a:txBody>
+                  <a:tcPr anchor="ctr"/>
+                </a:tc>
+              </a:tr>
+              <a:tr h="370840">
+                <a:tc>
+                  <a:txBody>
+                    <a:bodyPr/>
+                    <a:lstStyle/>
+                    <a:p>
+                      <a:pPr algn="ctr"/>
+                      <a:r>
+                        <a:rPr lang="en-CA" dirty="0" smtClean="0"/>
+                        <a:t>DBMS</a:t>
+                      </a:r>
+                      <a:endParaRPr lang="en-CA" dirty="0"/>
+                    </a:p>
+                  </a:txBody>
+                  <a:tcPr anchor="ctr"/>
+                </a:tc>
+                <a:tc>
+                  <a:txBody>
+                    <a:bodyPr/>
+                    <a:lstStyle/>
+                    <a:p>
+                      <a:pPr algn="ctr">
+                        <a:buFontTx/>
+                        <a:buNone/>
+                      </a:pPr>
+                      <a:r>
+                        <a:rPr lang="en-CA" dirty="0" err="1" smtClean="0"/>
+                        <a:t>MySQL</a:t>
+                      </a:r>
+                      <a:r>
+                        <a:rPr lang="en-CA" dirty="0" smtClean="0"/>
+                        <a:t>,</a:t>
+                      </a:r>
+                      <a:r>
+                        <a:rPr lang="en-CA" baseline="0" dirty="0" smtClean="0"/>
+                        <a:t> DB2, Oracle, </a:t>
+                      </a:r>
+                      <a:r>
+                        <a:rPr lang="en-CA" baseline="0" dirty="0" err="1" smtClean="0"/>
+                        <a:t>PostgreSQL</a:t>
+                      </a:r>
+                      <a:r>
+                        <a:rPr lang="en-CA" baseline="0" dirty="0" smtClean="0"/>
+                        <a:t>, SQL Server</a:t>
+                      </a:r>
+                      <a:endParaRPr lang="en-CA" dirty="0"/>
+                    </a:p>
+                  </a:txBody>
+                  <a:tcPr anchor="ctr"/>
+                </a:tc>
+                <a:tc>
+                  <a:txBody>
+                    <a:bodyPr/>
+                    <a:lstStyle/>
+                    <a:p>
+                      <a:pPr algn="ctr">
+                        <a:buFontTx/>
+                        <a:buNone/>
+                      </a:pPr>
+                      <a:r>
+                        <a:rPr lang="en-CA" dirty="0" err="1" smtClean="0"/>
+                        <a:t>MySQL</a:t>
+                      </a:r>
+                      <a:r>
+                        <a:rPr lang="en-CA" dirty="0" smtClean="0"/>
+                        <a:t>, Oracle, </a:t>
+                      </a:r>
+                      <a:r>
+                        <a:rPr lang="en-CA" dirty="0" err="1" smtClean="0"/>
+                        <a:t>PostgreSQL</a:t>
+                      </a:r>
+                      <a:r>
+                        <a:rPr lang="en-CA" dirty="0" smtClean="0"/>
+                        <a:t>, SQL Server</a:t>
+                      </a:r>
+                      <a:endParaRPr lang="en-CA" dirty="0"/>
+                    </a:p>
+                  </a:txBody>
+                  <a:tcPr anchor="ctr"/>
+                </a:tc>
+                <a:tc>
+                  <a:txBody>
+                    <a:bodyPr/>
+                    <a:lstStyle/>
+                    <a:p>
+                      <a:pPr algn="ctr">
+                        <a:buFontTx/>
+                        <a:buNone/>
+                      </a:pPr>
+                      <a:r>
+                        <a:rPr lang="en-CA" dirty="0" err="1" smtClean="0"/>
+                        <a:t>MySQL</a:t>
+                      </a:r>
+                      <a:r>
+                        <a:rPr lang="en-CA" dirty="0" smtClean="0"/>
+                        <a:t>, Oracle</a:t>
+                      </a:r>
+                      <a:endParaRPr lang="en-CA" dirty="0"/>
+                    </a:p>
+                  </a:txBody>
+                  <a:tcPr anchor="ctr"/>
+                </a:tc>
+                <a:tc>
+                  <a:txBody>
+                    <a:bodyPr/>
+                    <a:lstStyle/>
+                    <a:p>
+                      <a:pPr algn="ctr"/>
+                      <a:r>
+                        <a:rPr lang="en-CA" dirty="0" err="1" smtClean="0"/>
+                        <a:t>MySQL</a:t>
+                      </a:r>
+                      <a:r>
+                        <a:rPr lang="en-CA" dirty="0" smtClean="0"/>
+                        <a:t>, Oracle</a:t>
+                      </a:r>
+                      <a:endParaRPr lang="en-CA" dirty="0"/>
+                    </a:p>
+                  </a:txBody>
+                  <a:tcPr anchor="ctr"/>
+                </a:tc>
+              </a:tr>
+            </a:tbl>
+          </a:graphicData>
+        </a:graphic>
+      </p:graphicFrame>
       <p:sp>
         <p:nvSpPr>
           <p:cNvPr id="4" name="Date Placeholder 3"/>
@@ -5618,10 +6225,81 @@
         </p:nvSpPr>
         <p:spPr/>
         <p:txBody>
-          <a:bodyPr/>
-          <a:lstStyle/>
-          <a:p>
-            <a:endParaRPr lang="en-CA"/>
+          <a:bodyPr>
+            <a:normAutofit fontScale="92500" lnSpcReduction="10000"/>
+          </a:bodyPr>
+          <a:lstStyle/>
+          <a:p>
+            <a:r>
+              <a:rPr lang="en-CA" dirty="0" smtClean="0"/>
+              <a:t>Grouping related items together for</a:t>
+            </a:r>
+          </a:p>
+          <a:p>
+            <a:pPr lvl="2"/>
+            <a:r>
+              <a:rPr lang="en-CA" dirty="0" smtClean="0"/>
+              <a:t>Efficiency of access</a:t>
+            </a:r>
+          </a:p>
+          <a:p>
+            <a:pPr lvl="2"/>
+            <a:r>
+              <a:rPr lang="en-CA" dirty="0" smtClean="0"/>
+              <a:t>Resource utilization</a:t>
+            </a:r>
+          </a:p>
+          <a:p>
+            <a:r>
+              <a:rPr lang="en-CA" dirty="0" smtClean="0"/>
+              <a:t>Achieved on the page level on disk</a:t>
+            </a:r>
+          </a:p>
+          <a:p>
+            <a:r>
+              <a:rPr lang="en-CA" dirty="0" smtClean="0"/>
+              <a:t>Pros</a:t>
+            </a:r>
+          </a:p>
+          <a:p>
+            <a:pPr lvl="2"/>
+            <a:r>
+              <a:rPr lang="en-CA" dirty="0" smtClean="0"/>
+              <a:t>Very useful for multidimensional queries (e.g. group by)</a:t>
+            </a:r>
+            <a:endParaRPr lang="en-CA" dirty="0" smtClean="0"/>
+          </a:p>
+          <a:p>
+            <a:pPr lvl="2"/>
+            <a:r>
+              <a:rPr lang="en-CA" dirty="0" smtClean="0"/>
+              <a:t>Reduced I/O operations</a:t>
+            </a:r>
+          </a:p>
+          <a:p>
+            <a:pPr lvl="2"/>
+            <a:r>
+              <a:rPr lang="en-CA" dirty="0" smtClean="0"/>
+              <a:t>Reduce CPU cost</a:t>
+            </a:r>
+          </a:p>
+          <a:p>
+            <a:r>
+              <a:rPr lang="en-CA" dirty="0" smtClean="0"/>
+              <a:t>Cons</a:t>
+            </a:r>
+          </a:p>
+          <a:p>
+            <a:pPr lvl="2"/>
+            <a:r>
+              <a:rPr lang="en-CA" dirty="0" smtClean="0"/>
+              <a:t>Difficult to define clustering keys, clustering scheme, and the granularity </a:t>
+            </a:r>
+            <a:r>
+              <a:rPr lang="en-CA" smtClean="0"/>
+              <a:t>of clustering</a:t>
+            </a:r>
+            <a:endParaRPr lang="en-CA" dirty="0"/>
           </a:p>
         </p:txBody>
       </p:sp>
@@ -14030,8 +14708,8 @@
           <a:lstStyle/>
           <a:p>
             <a:r>
-              <a:rPr lang="en-CA" dirty="0" err="1" smtClean="0"/>
-              <a:t>Paritioning</a:t>
+              <a:rPr lang="en-CA" dirty="0" smtClean="0"/>
+              <a:t>Partitioning</a:t>
             </a:r>
             <a:endParaRPr lang="en-CA" dirty="0"/>
           </a:p>

--- a/trunk/cs848-db/PhysDesignPres.pptx
+++ b/trunk/cs848-db/PhysDesignPres.pptx
@@ -5,7 +5,7 @@
     <p:sldMasterId id="2147483672" r:id="rId1"/>
   </p:sldMasterIdLst>
   <p:notesMasterIdLst>
-    <p:notesMasterId r:id="rId47"/>
+    <p:notesMasterId r:id="rId46"/>
   </p:notesMasterIdLst>
   <p:sldIdLst>
     <p:sldId id="256" r:id="rId2"/>
@@ -37,22 +37,21 @@
     <p:sldId id="321" r:id="rId28"/>
     <p:sldId id="338" r:id="rId29"/>
     <p:sldId id="325" r:id="rId30"/>
-    <p:sldId id="326" r:id="rId31"/>
-    <p:sldId id="327" r:id="rId32"/>
-    <p:sldId id="337" r:id="rId33"/>
-    <p:sldId id="348" r:id="rId34"/>
-    <p:sldId id="277" r:id="rId35"/>
-    <p:sldId id="278" r:id="rId36"/>
-    <p:sldId id="331" r:id="rId37"/>
-    <p:sldId id="279" r:id="rId38"/>
-    <p:sldId id="280" r:id="rId39"/>
-    <p:sldId id="281" r:id="rId40"/>
-    <p:sldId id="291" r:id="rId41"/>
-    <p:sldId id="294" r:id="rId42"/>
-    <p:sldId id="296" r:id="rId43"/>
-    <p:sldId id="292" r:id="rId44"/>
-    <p:sldId id="297" r:id="rId45"/>
-    <p:sldId id="298" r:id="rId46"/>
+    <p:sldId id="327" r:id="rId31"/>
+    <p:sldId id="337" r:id="rId32"/>
+    <p:sldId id="348" r:id="rId33"/>
+    <p:sldId id="277" r:id="rId34"/>
+    <p:sldId id="278" r:id="rId35"/>
+    <p:sldId id="331" r:id="rId36"/>
+    <p:sldId id="279" r:id="rId37"/>
+    <p:sldId id="280" r:id="rId38"/>
+    <p:sldId id="281" r:id="rId39"/>
+    <p:sldId id="291" r:id="rId40"/>
+    <p:sldId id="294" r:id="rId41"/>
+    <p:sldId id="296" r:id="rId42"/>
+    <p:sldId id="292" r:id="rId43"/>
+    <p:sldId id="297" r:id="rId44"/>
+    <p:sldId id="298" r:id="rId45"/>
   </p:sldIdLst>
   <p:sldSz cx="9144000" cy="6858000" type="screen4x3"/>
   <p:notesSz cx="6858000" cy="9144000"/>
@@ -237,7 +236,7 @@
             <a:fld id="{B77FE1A0-659B-4CF4-8509-2C15FD019BEE}" type="datetimeFigureOut">
               <a:rPr lang="en-US" smtClean="0"/>
               <a:pPr/>
-              <a:t>7/12/2010</a:t>
+              <a:t>7/13/2010</a:t>
             </a:fld>
             <a:endParaRPr lang="en-CA"/>
           </a:p>
@@ -4401,7 +4400,7 @@
         <p:spPr/>
         <p:txBody>
           <a:bodyPr>
-            <a:normAutofit lnSpcReduction="10000"/>
+            <a:normAutofit/>
           </a:bodyPr>
           <a:lstStyle/>
           <a:p>
@@ -4414,7 +4413,11 @@
             <a:pPr lvl="2"/>
             <a:r>
               <a:rPr lang="en-CA" i="1" dirty="0" smtClean="0"/>
-              <a:t>Horizontal Partitioning: </a:t>
+              <a:t>Horizontal </a:t>
+            </a:r>
+            <a:r>
+              <a:rPr lang="en-CA" i="1" dirty="0" smtClean="0"/>
+              <a:t>Partitioning: </a:t>
             </a:r>
             <a:r>
               <a:rPr lang="en-CA" dirty="0" smtClean="0"/>
@@ -4425,26 +4428,11 @@
             <a:pPr lvl="2"/>
             <a:r>
               <a:rPr lang="en-CA" i="1" dirty="0" smtClean="0"/>
-              <a:t>Group Horizontal Partitioning</a:t>
-            </a:r>
-            <a:r>
-              <a:rPr lang="en-CA" dirty="0" smtClean="0"/>
-              <a:t>: groups </a:t>
-            </a:r>
-            <a:r>
-              <a:rPr lang="en-CA" dirty="0" err="1" smtClean="0"/>
-              <a:t>tuples</a:t>
-            </a:r>
-            <a:r>
-              <a:rPr lang="en-CA" dirty="0" smtClean="0"/>
-              <a:t> that are more frequently used together</a:t>
-            </a:r>
-          </a:p>
-          <a:p>
-            <a:pPr lvl="2"/>
+              <a:t>Single </a:t>
+            </a:r>
             <a:r>
               <a:rPr lang="en-CA" i="1" dirty="0" smtClean="0"/>
-              <a:t>Single Vertical Partitioning</a:t>
+              <a:t>Vertical Partitioning</a:t>
             </a:r>
             <a:r>
               <a:rPr lang="en-CA" dirty="0" smtClean="0"/>
@@ -4452,20 +4440,13 @@
             </a:r>
           </a:p>
           <a:p>
-            <a:pPr lvl="2"/>
-            <a:r>
-              <a:rPr lang="en-CA" i="1" dirty="0" smtClean="0"/>
-              <a:t>Group Vertical Partitioning: </a:t>
-            </a:r>
-            <a:r>
-              <a:rPr lang="en-CA" dirty="0" smtClean="0"/>
-              <a:t>divides table into the sets of attributes that are usually accessed together</a:t>
-            </a:r>
-          </a:p>
-          <a:p>
-            <a:r>
-              <a:rPr lang="en-CA" dirty="0" smtClean="0"/>
-              <a:t>Reduces table scan time</a:t>
+            <a:r>
+              <a:rPr lang="en-CA" dirty="0" smtClean="0"/>
+              <a:t>Reduces </a:t>
+            </a:r>
+            <a:r>
+              <a:rPr lang="en-CA" dirty="0" smtClean="0"/>
+              <a:t>table scan time</a:t>
             </a:r>
           </a:p>
           <a:p>
@@ -5631,12 +5612,12 @@
               <a:t>Distribute data that is accessed together </a:t>
             </a:r>
             <a:r>
-              <a:rPr lang="en-CA" dirty="0" err="1" smtClean="0"/>
-              <a:t>accross</a:t>
-            </a:r>
-            <a:r>
-              <a:rPr lang="en-CA" dirty="0" smtClean="0"/>
-              <a:t> multiple disks</a:t>
+              <a:rPr lang="en-CA" dirty="0" smtClean="0"/>
+              <a:t>across </a:t>
+            </a:r>
+            <a:r>
+              <a:rPr lang="en-CA" dirty="0" smtClean="0"/>
+              <a:t>multiple disks</a:t>
             </a:r>
           </a:p>
           <a:p>
@@ -5941,11 +5922,7 @@
           <a:p>
             <a:r>
               <a:rPr lang="en-CA" dirty="0" smtClean="0"/>
-              <a:t>1. Main Memory </a:t>
-            </a:r>
-            <a:r>
-              <a:rPr lang="en-CA" dirty="0" smtClean="0"/>
-              <a:t>Databases (MMDB)</a:t>
+              <a:t>1. Main Memory Databases (MMDB)</a:t>
             </a:r>
             <a:endParaRPr lang="en-CA" dirty="0"/>
           </a:p>
@@ -6130,29 +6107,13 @@
           <a:p>
             <a:r>
               <a:rPr lang="en-CA" dirty="0" smtClean="0"/>
-              <a:t>MMDB </a:t>
-            </a:r>
-            <a:r>
-              <a:rPr lang="en-CA" dirty="0" smtClean="0"/>
-              <a:t>has </a:t>
-            </a:r>
-            <a:r>
-              <a:rPr lang="en-CA" dirty="0" smtClean="0"/>
-              <a:t>better performance</a:t>
-            </a:r>
-          </a:p>
-          <a:p>
-            <a:r>
-              <a:rPr lang="en-CA" dirty="0" smtClean="0"/>
-              <a:t>Usually </a:t>
-            </a:r>
-            <a:r>
-              <a:rPr lang="en-CA" dirty="0" smtClean="0"/>
-              <a:t>has </a:t>
-            </a:r>
-            <a:r>
-              <a:rPr lang="en-CA" dirty="0" smtClean="0"/>
-              <a:t>an archived copy of the data in case of crashes</a:t>
+              <a:t>MMDB has better performance</a:t>
+            </a:r>
+          </a:p>
+          <a:p>
+            <a:r>
+              <a:rPr lang="en-CA" dirty="0" smtClean="0"/>
+              <a:t>Usually has an archived copy of the data in case of crashes</a:t>
             </a:r>
           </a:p>
           <a:p>
@@ -6357,7 +6318,11 @@
             <a:pPr lvl="2"/>
             <a:r>
               <a:rPr lang="en-CA" dirty="0" smtClean="0"/>
-              <a:t>B Trees</a:t>
+              <a:t>B+ </a:t>
+            </a:r>
+            <a:r>
+              <a:rPr lang="en-CA" dirty="0" smtClean="0"/>
+              <a:t>Trees</a:t>
             </a:r>
           </a:p>
           <a:p>
@@ -6591,7 +6556,7 @@
         </p:nvGraphicFramePr>
         <p:xfrm>
           <a:off x="71406" y="1589428"/>
-          <a:ext cx="9001155" cy="4881880"/>
+          <a:ext cx="9001155" cy="4394200"/>
         </p:xfrm>
         <a:graphic>
           <a:graphicData uri="http://schemas.openxmlformats.org/drawingml/2006/table">
@@ -6673,38 +6638,12 @@
                         <a:buChar char="•"/>
                       </a:pPr>
                       <a:r>
-                        <a:rPr lang="en-CA" sz="1600" dirty="0" smtClean="0"/>
-                        <a:t> </a:t>
-                      </a:r>
-                      <a:r>
-                        <a:rPr lang="en-CA" sz="1600" dirty="0" smtClean="0"/>
-                        <a:t>Some space waste</a:t>
-                      </a:r>
-                      <a:r>
                         <a:rPr lang="en-CA" sz="1600" baseline="0" dirty="0" smtClean="0"/>
-                        <a:t> </a:t>
-                      </a:r>
-                      <a:r>
-                        <a:rPr lang="en-CA" sz="1600" dirty="0" smtClean="0"/>
-                        <a:t>since </a:t>
-                      </a:r>
-                      <a:r>
-                        <a:rPr lang="en-CA" sz="1600" dirty="0" smtClean="0"/>
-                        <a:t>all data</a:t>
+                        <a:t>Reasonably </a:t>
                       </a:r>
                       <a:r>
                         <a:rPr lang="en-CA" sz="1600" baseline="0" dirty="0" smtClean="0"/>
-                        <a:t> is stored in the leaves</a:t>
-                      </a:r>
-                    </a:p>
-                    <a:p>
-                      <a:pPr>
-                        <a:buFont typeface="Arial" pitchFamily="34" charset="0"/>
-                        <a:buChar char="•"/>
-                      </a:pPr>
-                      <a:r>
-                        <a:rPr lang="en-CA" sz="1600" baseline="0" dirty="0" smtClean="0"/>
-                        <a:t> Reasonably quick searching</a:t>
+                        <a:t>quick searching</a:t>
                       </a:r>
                     </a:p>
                     <a:p>
@@ -6736,15 +6675,7 @@
                       </a:r>
                       <a:r>
                         <a:rPr lang="en-CA" sz="1600" baseline="0" dirty="0" smtClean="0"/>
-                        <a:t> cache </a:t>
-                      </a:r>
-                      <a:r>
-                        <a:rPr lang="en-CA" sz="1600" baseline="0" dirty="0" smtClean="0"/>
-                        <a:t>behaviour </a:t>
-                      </a:r>
-                      <a:r>
-                        <a:rPr lang="en-CA" sz="1600" baseline="0" dirty="0" smtClean="0"/>
-                        <a:t>if node fits in cache line</a:t>
+                        <a:t> cache behaviour if node fits in cache line</a:t>
                       </a:r>
                       <a:endParaRPr lang="en-CA" sz="1600" dirty="0"/>
                     </a:p>
@@ -6816,11 +6747,7 @@
                       </a:r>
                       <a:r>
                         <a:rPr lang="en-CA" sz="1600" baseline="0" dirty="0" smtClean="0"/>
-                        <a:t> lower tree </a:t>
-                      </a:r>
-                      <a:r>
-                        <a:rPr lang="en-CA" sz="1600" baseline="0" dirty="0" smtClean="0"/>
-                        <a:t>height (larger node size)</a:t>
+                        <a:t> lower tree height (larger node size)</a:t>
                       </a:r>
                       <a:endParaRPr lang="en-CA" sz="1600" dirty="0"/>
                     </a:p>
@@ -6946,15 +6873,7 @@
                       </a:r>
                       <a:r>
                         <a:rPr lang="en-CA" sz="1600" baseline="0" dirty="0" smtClean="0"/>
-                        <a:t> each node </a:t>
-                      </a:r>
-                      <a:r>
-                        <a:rPr lang="en-CA" sz="1600" baseline="0" dirty="0" smtClean="0"/>
-                        <a:t>for </a:t>
-                      </a:r>
-                      <a:r>
-                        <a:rPr lang="en-CA" sz="1600" baseline="0" dirty="0" smtClean="0"/>
-                        <a:t>faster search</a:t>
+                        <a:t> each node for faster search</a:t>
                       </a:r>
                     </a:p>
                     <a:p>
@@ -6966,7 +6885,6 @@
                         <a:rPr lang="en-CA" sz="1600" baseline="0" dirty="0" smtClean="0"/>
                         <a:t>More space efficient by removing pointers and using array stores. </a:t>
                       </a:r>
-                      <a:endParaRPr lang="en-CA" sz="1600" baseline="0" dirty="0" smtClean="0"/>
                     </a:p>
                     <a:p>
                       <a:pPr>
@@ -6975,11 +6893,7 @@
                       </a:pPr>
                       <a:r>
                         <a:rPr lang="en-CA" sz="1600" baseline="0" dirty="0" smtClean="0"/>
-                        <a:t> Index </a:t>
-                      </a:r>
-                      <a:r>
-                        <a:rPr lang="en-CA" sz="1600" baseline="0" dirty="0" smtClean="0"/>
-                        <a:t>calculation used to allocate values</a:t>
+                        <a:t> Index calculation used to allocate values</a:t>
                       </a:r>
                       <a:endParaRPr lang="en-CA" sz="1600" dirty="0"/>
                     </a:p>
@@ -6997,15 +6911,7 @@
                       </a:pPr>
                       <a:r>
                         <a:rPr lang="en-CA" sz="1600" baseline="0" dirty="0" smtClean="0"/>
-                        <a:t> Node size is aligned with cache line </a:t>
-                      </a:r>
-                      <a:r>
-                        <a:rPr lang="en-CA" sz="1600" baseline="0" dirty="0" smtClean="0"/>
-                        <a:t>size </a:t>
-                      </a:r>
-                      <a:r>
-                        <a:rPr lang="en-CA" sz="1600" baseline="0" dirty="0" smtClean="0"/>
-                        <a:t>to avoid misses</a:t>
+                        <a:t> Node size is aligned with cache line size to avoid misses</a:t>
                       </a:r>
                       <a:endParaRPr lang="en-CA" sz="1600" dirty="0"/>
                     </a:p>
@@ -7277,8 +7183,9 @@
           <a:p>
             <a:r>
               <a:rPr lang="en-CA" dirty="0" smtClean="0"/>
-              <a:t>Different Physical Designs</a:t>
-            </a:r>
+              <a:t>Physical Design of Different Systems</a:t>
+            </a:r>
+            <a:endParaRPr lang="en-CA" dirty="0" smtClean="0"/>
           </a:p>
           <a:p>
             <a:pPr marL="1225296" lvl="2" indent="-457200">
@@ -7319,11 +7226,7 @@
           <a:p>
             <a:r>
               <a:rPr lang="en-CA" dirty="0" smtClean="0"/>
-              <a:t>Summary </a:t>
-            </a:r>
-            <a:r>
-              <a:rPr lang="en-CA" dirty="0" smtClean="0"/>
-              <a:t>&amp; Conclusions</a:t>
+              <a:t>Summary &amp; Conclusions</a:t>
             </a:r>
           </a:p>
           <a:p>
@@ -7524,7 +7427,11 @@
             </a:pPr>
             <a:r>
               <a:rPr lang="en-CA" dirty="0" smtClean="0"/>
-              <a:t>Single vertical partitioning</a:t>
+              <a:t>Vertical </a:t>
+            </a:r>
+            <a:r>
+              <a:rPr lang="en-CA" dirty="0" smtClean="0"/>
+              <a:t>partitioning</a:t>
             </a:r>
           </a:p>
           <a:p>
@@ -7691,11 +7598,7 @@
             </a:pPr>
             <a:r>
               <a:rPr lang="en-CA" dirty="0" smtClean="0"/>
-              <a:t>Sequential </a:t>
-            </a:r>
-            <a:r>
-              <a:rPr lang="en-CA" dirty="0" smtClean="0"/>
-              <a:t>access in main memory is not cheaper than random or dispersed access</a:t>
+              <a:t>Sequential access in main memory is not cheaper than random or dispersed access</a:t>
             </a:r>
             <a:endParaRPr lang="en-CA" dirty="0"/>
           </a:p>
@@ -7952,11 +7855,7 @@
           <a:p>
             <a:r>
               <a:rPr lang="en-CA" sz="3300" dirty="0" smtClean="0"/>
-              <a:t>Data </a:t>
-            </a:r>
-            <a:r>
-              <a:rPr lang="en-CA" sz="3300" dirty="0" smtClean="0"/>
-              <a:t>Warehouses</a:t>
+              <a:t>Data Warehouses</a:t>
             </a:r>
             <a:r>
               <a:rPr lang="en-CA" dirty="0" smtClean="0"/>
@@ -9054,17 +8953,8 @@
             <a:pPr lvl="2"/>
             <a:r>
               <a:rPr lang="en-CA" dirty="0" smtClean="0"/>
-              <a:t>The </a:t>
-            </a:r>
-            <a:r>
-              <a:rPr lang="en-CA" dirty="0" smtClean="0"/>
-              <a:t>fact table participates in every </a:t>
-            </a:r>
-            <a:r>
-              <a:rPr lang="en-CA" dirty="0" smtClean="0"/>
-              <a:t>join</a:t>
-            </a:r>
-            <a:endParaRPr lang="en-CA" dirty="0" smtClean="0"/>
+              <a:t>The fact table participates in every join</a:t>
+            </a:r>
           </a:p>
         </p:txBody>
       </p:sp>
@@ -9743,55 +9633,87 @@
         </p:spPr>
         <p:txBody>
           <a:bodyPr>
-            <a:normAutofit/>
+            <a:normAutofit lnSpcReduction="10000"/>
           </a:bodyPr>
           <a:lstStyle/>
           <a:p>
             <a:r>
               <a:rPr lang="en-CA" dirty="0" smtClean="0"/>
-              <a:t>Materialize frequent queries of the base tables as views</a:t>
+              <a:t>To </a:t>
+            </a:r>
+            <a:r>
+              <a:rPr lang="en-CA" dirty="0" smtClean="0"/>
+              <a:t>materialize or not?</a:t>
             </a:r>
           </a:p>
           <a:p>
             <a:pPr lvl="2"/>
             <a:r>
               <a:rPr lang="en-CA" dirty="0" smtClean="0"/>
-              <a:t>Pre-compute and store aggregated data (i.e. summaries)</a:t>
+              <a:t>Workload characteristics</a:t>
             </a:r>
           </a:p>
           <a:p>
             <a:pPr lvl="2"/>
             <a:r>
               <a:rPr lang="en-CA" dirty="0" smtClean="0"/>
-              <a:t>Pre-compute expensive joins</a:t>
-            </a:r>
-          </a:p>
-          <a:p>
-            <a:r>
-              <a:rPr lang="en-CA" dirty="0" smtClean="0"/>
-              <a:t>To materialize or not?</a:t>
+              <a:t>Cost for incremental update</a:t>
             </a:r>
           </a:p>
           <a:p>
             <a:pPr lvl="2"/>
             <a:r>
               <a:rPr lang="en-CA" dirty="0" smtClean="0"/>
-              <a:t>Workload characteristics</a:t>
+              <a:t>Storage </a:t>
+            </a:r>
+            <a:r>
+              <a:rPr lang="en-CA" dirty="0" smtClean="0"/>
+              <a:t>requirements</a:t>
+            </a:r>
+          </a:p>
+          <a:p>
+            <a:r>
+              <a:rPr lang="en-CA" dirty="0" smtClean="0"/>
+              <a:t>Pros</a:t>
             </a:r>
           </a:p>
           <a:p>
             <a:pPr lvl="2"/>
             <a:r>
               <a:rPr lang="en-CA" dirty="0" smtClean="0"/>
-              <a:t>Cost for incremental update</a:t>
+              <a:t>Behaves like an index</a:t>
             </a:r>
           </a:p>
           <a:p>
             <a:pPr lvl="2"/>
             <a:r>
               <a:rPr lang="en-CA" dirty="0" smtClean="0"/>
-              <a:t>Storage requirements</a:t>
-            </a:r>
+              <a:t>Improves performance through fast lookups</a:t>
+            </a:r>
+          </a:p>
+          <a:p>
+            <a:pPr lvl="2"/>
+            <a:r>
+              <a:rPr lang="en-CA" dirty="0" smtClean="0"/>
+              <a:t>Useful for rollup and drilldown operations</a:t>
+            </a:r>
+          </a:p>
+          <a:p>
+            <a:r>
+              <a:rPr lang="en-CA" dirty="0" smtClean="0"/>
+              <a:t>Cons</a:t>
+            </a:r>
+          </a:p>
+          <a:p>
+            <a:pPr lvl="2"/>
+            <a:r>
+              <a:rPr lang="en-CA" dirty="0" smtClean="0"/>
+              <a:t>Not applicable to all queries (e.g. ad-hoc queries)</a:t>
+            </a:r>
+          </a:p>
+          <a:p>
+            <a:pPr lvl="2"/>
+            <a:endParaRPr lang="en-CA" dirty="0" smtClean="0"/>
           </a:p>
           <a:p>
             <a:pPr lvl="2"/>
@@ -10080,22 +10002,18 @@
               <a:rPr lang="en-CA" sz="3300" dirty="0" smtClean="0"/>
               <a:t>Data Warehouses</a:t>
             </a:r>
+            <a:r>
+              <a:rPr lang="en-CA" dirty="0" smtClean="0"/>
+              <a:t/>
+            </a:r>
             <a:br>
-              <a:rPr lang="en-CA" sz="3300" dirty="0" smtClean="0"/>
+              <a:rPr lang="en-CA" dirty="0" smtClean="0"/>
             </a:br>
             <a:r>
-              <a:rPr lang="en-CA" sz="3300" dirty="0" smtClean="0"/>
-              <a:t>2. </a:t>
-            </a:r>
-            <a:r>
-              <a:rPr lang="en-CA" dirty="0" smtClean="0"/>
-              <a:t>Materialized Views </a:t>
-            </a:r>
-            <a:r>
-              <a:rPr lang="en-CA" sz="2400" i="1" dirty="0" smtClean="0"/>
-              <a:t>Cont’d</a:t>
-            </a:r>
-            <a:endParaRPr lang="en-CA" sz="2400" i="1" dirty="0"/>
+              <a:rPr lang="en-CA" dirty="0" smtClean="0"/>
+              <a:t>3. Partitioning</a:t>
+            </a:r>
+            <a:endParaRPr lang="en-CA" dirty="0"/>
           </a:p>
         </p:txBody>
       </p:sp>
@@ -10112,17 +10030,29 @@
         <p:spPr>
           <a:xfrm>
             <a:off x="457200" y="1775191"/>
-            <a:ext cx="8329642" cy="4625609"/>
+            <a:ext cx="8401080" cy="4625609"/>
           </a:xfrm>
         </p:spPr>
         <p:txBody>
           <a:bodyPr>
-            <a:normAutofit/>
+            <a:normAutofit fontScale="92500" lnSpcReduction="20000"/>
           </a:bodyPr>
           <a:lstStyle/>
           <a:p>
             <a:r>
               <a:rPr lang="en-CA" dirty="0" smtClean="0"/>
+              <a:t>Dividing database objects into smaller more manageable pieces</a:t>
+            </a:r>
+          </a:p>
+          <a:p>
+            <a:r>
+              <a:rPr lang="en-CA" dirty="0" smtClean="0"/>
+              <a:t>Horizontal &amp; Vertical partitioning are used</a:t>
+            </a:r>
+          </a:p>
+          <a:p>
+            <a:r>
+              <a:rPr lang="en-CA" dirty="0" smtClean="0"/>
               <a:t>Pros</a:t>
             </a:r>
           </a:p>
@@ -10130,21 +10060,28 @@
             <a:pPr lvl="2"/>
             <a:r>
               <a:rPr lang="en-CA" dirty="0" smtClean="0"/>
-              <a:t>Behaves like an index</a:t>
+              <a:t>Ability to manage larger databases</a:t>
             </a:r>
           </a:p>
           <a:p>
             <a:pPr lvl="2"/>
             <a:r>
               <a:rPr lang="en-CA" dirty="0" smtClean="0"/>
-              <a:t>Improves performance through fast lookups</a:t>
+              <a:t>Enhances query performance over large tables</a:t>
             </a:r>
           </a:p>
           <a:p>
             <a:pPr lvl="2"/>
             <a:r>
               <a:rPr lang="en-CA" dirty="0" smtClean="0"/>
-              <a:t>Useful for rollup and drilldown operations</a:t>
+              <a:t>Enables parallel processing </a:t>
+            </a:r>
+          </a:p>
+          <a:p>
+            <a:pPr lvl="2"/>
+            <a:r>
+              <a:rPr lang="en-CA" dirty="0" smtClean="0"/>
+              <a:t>Facilitates data compression</a:t>
             </a:r>
           </a:p>
           <a:p>
@@ -10157,7 +10094,21 @@
             <a:pPr lvl="2"/>
             <a:r>
               <a:rPr lang="en-CA" dirty="0" smtClean="0"/>
-              <a:t>Not applicable to all queries (e.g. ad-hoc queries)</a:t>
+              <a:t>Complexity: managing partitions</a:t>
+            </a:r>
+          </a:p>
+          <a:p>
+            <a:pPr lvl="2"/>
+            <a:r>
+              <a:rPr lang="en-CA" dirty="0" smtClean="0"/>
+              <a:t>Efficiency: number of partitions affects the performance of meta data operations (e.g. browsing the data cube definition)</a:t>
+            </a:r>
+          </a:p>
+          <a:p>
+            <a:pPr lvl="2"/>
+            <a:r>
+              <a:rPr lang="en-CA" dirty="0" smtClean="0"/>
+              <a:t>Might affect data refresh operations</a:t>
             </a:r>
           </a:p>
         </p:txBody>
@@ -10287,7 +10238,7 @@
             </a:br>
             <a:r>
               <a:rPr lang="en-CA" dirty="0" smtClean="0"/>
-              <a:t>3. Partitioning</a:t>
+              <a:t>4. Clustering</a:t>
             </a:r>
             <a:endParaRPr lang="en-CA" dirty="0"/>
           </a:p>
@@ -10303,93 +10254,16 @@
             <p:ph idx="1"/>
           </p:nvPr>
         </p:nvSpPr>
-        <p:spPr>
-          <a:xfrm>
-            <a:off x="457200" y="1775191"/>
-            <a:ext cx="8401080" cy="4625609"/>
-          </a:xfrm>
-        </p:spPr>
+        <p:spPr/>
         <p:txBody>
           <a:bodyPr>
-            <a:normAutofit fontScale="92500" lnSpcReduction="20000"/>
+            <a:normAutofit/>
           </a:bodyPr>
           <a:lstStyle/>
           <a:p>
             <a:r>
               <a:rPr lang="en-CA" dirty="0" smtClean="0"/>
-              <a:t>Dividing database objects into smaller more manageable </a:t>
-            </a:r>
-            <a:r>
-              <a:rPr lang="en-CA" dirty="0" smtClean="0"/>
-              <a:t>pieces</a:t>
-            </a:r>
-          </a:p>
-          <a:p>
-            <a:r>
-              <a:rPr lang="en-CA" dirty="0" smtClean="0"/>
-              <a:t>Horizontal &amp; Vertical partitioning are used</a:t>
-            </a:r>
-            <a:endParaRPr lang="en-CA" dirty="0" smtClean="0"/>
-          </a:p>
-          <a:p>
-            <a:r>
-              <a:rPr lang="en-CA" dirty="0" smtClean="0"/>
-              <a:t>Pros</a:t>
-            </a:r>
-          </a:p>
-          <a:p>
-            <a:pPr lvl="2"/>
-            <a:r>
-              <a:rPr lang="en-CA" dirty="0" smtClean="0"/>
-              <a:t>Ability to manage larger databases</a:t>
-            </a:r>
-          </a:p>
-          <a:p>
-            <a:pPr lvl="2"/>
-            <a:r>
-              <a:rPr lang="en-CA" dirty="0" smtClean="0"/>
-              <a:t>Enhances query performance over large tables</a:t>
-            </a:r>
-          </a:p>
-          <a:p>
-            <a:pPr lvl="2"/>
-            <a:r>
-              <a:rPr lang="en-CA" dirty="0" smtClean="0"/>
-              <a:t>Enables parallel processing </a:t>
-            </a:r>
-          </a:p>
-          <a:p>
-            <a:pPr lvl="2"/>
-            <a:r>
-              <a:rPr lang="en-CA" dirty="0" smtClean="0"/>
-              <a:t>Facilitates data compression</a:t>
-            </a:r>
-          </a:p>
-          <a:p>
-            <a:r>
-              <a:rPr lang="en-CA" dirty="0" smtClean="0"/>
-              <a:t>Cons</a:t>
-            </a:r>
-          </a:p>
-          <a:p>
-            <a:pPr lvl="2"/>
-            <a:r>
-              <a:rPr lang="en-CA" dirty="0" smtClean="0"/>
-              <a:t>Complexity: managing partitions</a:t>
-            </a:r>
-          </a:p>
-          <a:p>
-            <a:pPr lvl="2"/>
-            <a:r>
-              <a:rPr lang="en-CA" dirty="0" smtClean="0"/>
-              <a:t>Efficiency: number of partitions affects the performance of meta data operations (e.g. browsing the data cube definition)</a:t>
-            </a:r>
-          </a:p>
-          <a:p>
-            <a:pPr lvl="2"/>
-            <a:r>
-              <a:rPr lang="en-CA" dirty="0" smtClean="0"/>
-              <a:t>Might affect data refresh operations</a:t>
+              <a:t>Data is clustered by nature</a:t>
             </a:r>
           </a:p>
         </p:txBody>
@@ -10459,161 +10333,6 @@
               <a:rPr lang="en-CA" smtClean="0"/>
               <a:pPr/>
               <a:t>31</a:t>
-            </a:fld>
-            <a:endParaRPr lang="en-CA"/>
-          </a:p>
-        </p:txBody>
-      </p:sp>
-    </p:spTree>
-  </p:cSld>
-  <p:clrMapOvr>
-    <a:masterClrMapping/>
-  </p:clrMapOvr>
-</p:sld>
-</file>
-
-<file path=ppt/slides/slide32.xml><?xml version="1.0" encoding="utf-8"?>
-<p:sld xmlns:a="http://schemas.openxmlformats.org/drawingml/2006/main" xmlns:r="http://schemas.openxmlformats.org/officeDocument/2006/relationships" xmlns:p="http://schemas.openxmlformats.org/presentationml/2006/main">
-  <p:cSld>
-    <p:spTree>
-      <p:nvGrpSpPr>
-        <p:cNvPr id="1" name=""/>
-        <p:cNvGrpSpPr/>
-        <p:nvPr/>
-      </p:nvGrpSpPr>
-      <p:grpSpPr>
-        <a:xfrm>
-          <a:off x="0" y="0"/>
-          <a:ext cx="0" cy="0"/>
-          <a:chOff x="0" y="0"/>
-          <a:chExt cx="0" cy="0"/>
-        </a:xfrm>
-      </p:grpSpPr>
-      <p:sp>
-        <p:nvSpPr>
-          <p:cNvPr id="2" name="Title 1"/>
-          <p:cNvSpPr>
-            <a:spLocks noGrp="1"/>
-          </p:cNvSpPr>
-          <p:nvPr>
-            <p:ph type="title"/>
-          </p:nvPr>
-        </p:nvSpPr>
-        <p:spPr/>
-        <p:txBody>
-          <a:bodyPr>
-            <a:normAutofit fontScale="90000"/>
-          </a:bodyPr>
-          <a:lstStyle/>
-          <a:p>
-            <a:r>
-              <a:rPr lang="en-CA" sz="3300" dirty="0" smtClean="0"/>
-              <a:t>Data Warehouses</a:t>
-            </a:r>
-            <a:r>
-              <a:rPr lang="en-CA" dirty="0" smtClean="0"/>
-              <a:t/>
-            </a:r>
-            <a:br>
-              <a:rPr lang="en-CA" dirty="0" smtClean="0"/>
-            </a:br>
-            <a:r>
-              <a:rPr lang="en-CA" dirty="0" smtClean="0"/>
-              <a:t>4. Clustering</a:t>
-            </a:r>
-            <a:endParaRPr lang="en-CA" dirty="0"/>
-          </a:p>
-        </p:txBody>
-      </p:sp>
-      <p:sp>
-        <p:nvSpPr>
-          <p:cNvPr id="3" name="Content Placeholder 2"/>
-          <p:cNvSpPr>
-            <a:spLocks noGrp="1"/>
-          </p:cNvSpPr>
-          <p:nvPr>
-            <p:ph idx="1"/>
-          </p:nvPr>
-        </p:nvSpPr>
-        <p:spPr/>
-        <p:txBody>
-          <a:bodyPr>
-            <a:normAutofit/>
-          </a:bodyPr>
-          <a:lstStyle/>
-          <a:p>
-            <a:r>
-              <a:rPr lang="en-CA" dirty="0" smtClean="0"/>
-              <a:t>Data is clustered by nature</a:t>
-            </a:r>
-          </a:p>
-        </p:txBody>
-      </p:sp>
-      <p:sp>
-        <p:nvSpPr>
-          <p:cNvPr id="4" name="Date Placeholder 3"/>
-          <p:cNvSpPr>
-            <a:spLocks noGrp="1"/>
-          </p:cNvSpPr>
-          <p:nvPr>
-            <p:ph type="dt" sz="half" idx="10"/>
-          </p:nvPr>
-        </p:nvSpPr>
-        <p:spPr/>
-        <p:txBody>
-          <a:bodyPr/>
-          <a:lstStyle/>
-          <a:p>
-            <a:r>
-              <a:rPr lang="en-US" smtClean="0"/>
-              <a:t>Physical Design Patterns</a:t>
-            </a:r>
-            <a:endParaRPr lang="en-CA"/>
-          </a:p>
-        </p:txBody>
-      </p:sp>
-      <p:sp>
-        <p:nvSpPr>
-          <p:cNvPr id="5" name="Footer Placeholder 4"/>
-          <p:cNvSpPr>
-            <a:spLocks noGrp="1"/>
-          </p:cNvSpPr>
-          <p:nvPr>
-            <p:ph type="ftr" sz="quarter" idx="11"/>
-          </p:nvPr>
-        </p:nvSpPr>
-        <p:spPr/>
-        <p:txBody>
-          <a:bodyPr/>
-          <a:lstStyle/>
-          <a:p>
-            <a:r>
-              <a:rPr lang="en-CA" smtClean="0"/>
-              <a:t>Karim Ali &amp; Sarah Nadi</a:t>
-            </a:r>
-            <a:endParaRPr lang="en-CA"/>
-          </a:p>
-        </p:txBody>
-      </p:sp>
-      <p:sp>
-        <p:nvSpPr>
-          <p:cNvPr id="6" name="Slide Number Placeholder 5"/>
-          <p:cNvSpPr>
-            <a:spLocks noGrp="1"/>
-          </p:cNvSpPr>
-          <p:nvPr>
-            <p:ph type="sldNum" sz="quarter" idx="12"/>
-          </p:nvPr>
-        </p:nvSpPr>
-        <p:spPr/>
-        <p:txBody>
-          <a:bodyPr/>
-          <a:lstStyle/>
-          <a:p>
-            <a:fld id="{9AC8176B-BF31-4706-B15B-1AFC481B9AC3}" type="slidenum">
-              <a:rPr lang="en-CA" smtClean="0"/>
-              <a:pPr/>
-              <a:t>32</a:t>
             </a:fld>
             <a:endParaRPr lang="en-CA"/>
           </a:p>
@@ -10660,6 +10379,143 @@
 </p:sld>
 </file>
 
+<file path=ppt/slides/slide32.xml><?xml version="1.0" encoding="utf-8"?>
+<p:sld xmlns:a="http://schemas.openxmlformats.org/drawingml/2006/main" xmlns:r="http://schemas.openxmlformats.org/officeDocument/2006/relationships" xmlns:p="http://schemas.openxmlformats.org/presentationml/2006/main">
+  <p:cSld>
+    <p:spTree>
+      <p:nvGrpSpPr>
+        <p:cNvPr id="1" name=""/>
+        <p:cNvGrpSpPr/>
+        <p:nvPr/>
+      </p:nvGrpSpPr>
+      <p:grpSpPr>
+        <a:xfrm>
+          <a:off x="0" y="0"/>
+          <a:ext cx="0" cy="0"/>
+          <a:chOff x="0" y="0"/>
+          <a:chExt cx="0" cy="0"/>
+        </a:xfrm>
+      </p:grpSpPr>
+      <p:sp>
+        <p:nvSpPr>
+          <p:cNvPr id="7" name="Title 6"/>
+          <p:cNvSpPr>
+            <a:spLocks noGrp="1"/>
+          </p:cNvSpPr>
+          <p:nvPr>
+            <p:ph type="title"/>
+          </p:nvPr>
+        </p:nvSpPr>
+        <p:spPr/>
+        <p:txBody>
+          <a:bodyPr/>
+          <a:lstStyle/>
+          <a:p>
+            <a:r>
+              <a:rPr lang="en-CA" dirty="0" smtClean="0"/>
+              <a:t>3. XML Databases (XML DBs)</a:t>
+            </a:r>
+            <a:endParaRPr lang="en-CA" dirty="0"/>
+          </a:p>
+        </p:txBody>
+      </p:sp>
+      <p:sp>
+        <p:nvSpPr>
+          <p:cNvPr id="8" name="Text Placeholder 7"/>
+          <p:cNvSpPr>
+            <a:spLocks noGrp="1"/>
+          </p:cNvSpPr>
+          <p:nvPr>
+            <p:ph type="body" idx="1"/>
+          </p:nvPr>
+        </p:nvSpPr>
+        <p:spPr/>
+        <p:txBody>
+          <a:bodyPr/>
+          <a:lstStyle/>
+          <a:p>
+            <a:endParaRPr lang="en-CA"/>
+          </a:p>
+        </p:txBody>
+      </p:sp>
+      <p:sp>
+        <p:nvSpPr>
+          <p:cNvPr id="4" name="Date Placeholder 3"/>
+          <p:cNvSpPr>
+            <a:spLocks noGrp="1"/>
+          </p:cNvSpPr>
+          <p:nvPr>
+            <p:ph type="dt" sz="half" idx="10"/>
+          </p:nvPr>
+        </p:nvSpPr>
+        <p:spPr/>
+        <p:txBody>
+          <a:bodyPr/>
+          <a:lstStyle/>
+          <a:p>
+            <a:r>
+              <a:rPr lang="en-US" smtClean="0"/>
+              <a:t>Physical Design Patterns</a:t>
+            </a:r>
+            <a:endParaRPr lang="en-CA"/>
+          </a:p>
+        </p:txBody>
+      </p:sp>
+      <p:sp>
+        <p:nvSpPr>
+          <p:cNvPr id="5" name="Footer Placeholder 4"/>
+          <p:cNvSpPr>
+            <a:spLocks noGrp="1"/>
+          </p:cNvSpPr>
+          <p:nvPr>
+            <p:ph type="ftr" sz="quarter" idx="11"/>
+          </p:nvPr>
+        </p:nvSpPr>
+        <p:spPr/>
+        <p:txBody>
+          <a:bodyPr/>
+          <a:lstStyle/>
+          <a:p>
+            <a:r>
+              <a:rPr lang="en-CA" smtClean="0"/>
+              <a:t>Karim Ali &amp; Sarah Nadi</a:t>
+            </a:r>
+            <a:endParaRPr lang="en-CA"/>
+          </a:p>
+        </p:txBody>
+      </p:sp>
+      <p:sp>
+        <p:nvSpPr>
+          <p:cNvPr id="6" name="Slide Number Placeholder 5"/>
+          <p:cNvSpPr>
+            <a:spLocks noGrp="1"/>
+          </p:cNvSpPr>
+          <p:nvPr>
+            <p:ph type="sldNum" sz="quarter" idx="12"/>
+          </p:nvPr>
+        </p:nvSpPr>
+        <p:spPr/>
+        <p:txBody>
+          <a:bodyPr/>
+          <a:lstStyle/>
+          <a:p>
+            <a:fld id="{9AC8176B-BF31-4706-B15B-1AFC481B9AC3}" type="slidenum">
+              <a:rPr lang="en-CA" smtClean="0"/>
+              <a:pPr/>
+              <a:t>32</a:t>
+            </a:fld>
+            <a:endParaRPr lang="en-CA"/>
+          </a:p>
+        </p:txBody>
+      </p:sp>
+    </p:spTree>
+  </p:cSld>
+  <p:clrMapOvr>
+    <a:masterClrMapping/>
+  </p:clrMapOvr>
+</p:sld>
+</file>
+
 <file path=ppt/slides/slide33.xml><?xml version="1.0" encoding="utf-8"?>
 <p:sld xmlns:a="http://schemas.openxmlformats.org/drawingml/2006/main" xmlns:r="http://schemas.openxmlformats.org/officeDocument/2006/relationships" xmlns:p="http://schemas.openxmlformats.org/presentationml/2006/main">
   <p:cSld>
@@ -10689,16 +10545,25 @@
         </p:nvSpPr>
         <p:spPr/>
         <p:txBody>
-          <a:bodyPr/>
-          <a:lstStyle/>
-          <a:p>
-            <a:r>
-              <a:rPr lang="en-CA" dirty="0" smtClean="0"/>
-              <a:t>3. XML </a:t>
-            </a:r>
-            <a:r>
-              <a:rPr lang="en-CA" dirty="0" smtClean="0"/>
-              <a:t>Databases (XML DBs)</a:t>
+          <a:bodyPr>
+            <a:normAutofit fontScale="90000"/>
+          </a:bodyPr>
+          <a:lstStyle/>
+          <a:p>
+            <a:r>
+              <a:rPr lang="en-CA" sz="3300" dirty="0" smtClean="0"/>
+              <a:t>XML DBs</a:t>
+            </a:r>
+            <a:r>
+              <a:rPr lang="en-CA" dirty="0" smtClean="0"/>
+              <a:t/>
+            </a:r>
+            <a:br>
+              <a:rPr lang="en-CA" dirty="0" smtClean="0"/>
+            </a:br>
+            <a:r>
+              <a:rPr lang="en-CA" dirty="0" smtClean="0"/>
+              <a:t>Overview</a:t>
             </a:r>
             <a:endParaRPr lang="en-CA" dirty="0"/>
           </a:p>
@@ -10706,20 +10571,72 @@
       </p:sp>
       <p:sp>
         <p:nvSpPr>
-          <p:cNvPr id="8" name="Text Placeholder 7"/>
-          <p:cNvSpPr>
-            <a:spLocks noGrp="1"/>
-          </p:cNvSpPr>
-          <p:nvPr>
-            <p:ph type="body" idx="1"/>
-          </p:nvPr>
-        </p:nvSpPr>
-        <p:spPr/>
-        <p:txBody>
-          <a:bodyPr/>
-          <a:lstStyle/>
-          <a:p>
-            <a:endParaRPr lang="en-CA"/>
+          <p:cNvPr id="9" name="Content Placeholder 8"/>
+          <p:cNvSpPr>
+            <a:spLocks noGrp="1"/>
+          </p:cNvSpPr>
+          <p:nvPr>
+            <p:ph idx="1"/>
+          </p:nvPr>
+        </p:nvSpPr>
+        <p:spPr/>
+        <p:txBody>
+          <a:bodyPr/>
+          <a:lstStyle/>
+          <a:p>
+            <a:r>
+              <a:rPr lang="en-CA" dirty="0" smtClean="0"/>
+              <a:t>Store, organize &amp; query XML documents</a:t>
+            </a:r>
+          </a:p>
+          <a:p>
+            <a:pPr lvl="1">
+              <a:buFont typeface="Arial" pitchFamily="34" charset="0"/>
+              <a:buChar char="•"/>
+            </a:pPr>
+            <a:r>
+              <a:rPr lang="en-CA" dirty="0" smtClean="0"/>
+              <a:t>XML-enabled DBs:</a:t>
+            </a:r>
+          </a:p>
+          <a:p>
+            <a:pPr lvl="2"/>
+            <a:r>
+              <a:rPr lang="en-CA" dirty="0" smtClean="0"/>
+              <a:t>Maps XML documents to relational tables</a:t>
+            </a:r>
+          </a:p>
+          <a:p>
+            <a:pPr lvl="1">
+              <a:buFont typeface="Arial" pitchFamily="34" charset="0"/>
+              <a:buChar char="•"/>
+            </a:pPr>
+            <a:r>
+              <a:rPr lang="en-CA" dirty="0" smtClean="0"/>
+              <a:t>Native XML DBs:</a:t>
+            </a:r>
+          </a:p>
+          <a:p>
+            <a:pPr lvl="2"/>
+            <a:r>
+              <a:rPr lang="en-CA" dirty="0" smtClean="0"/>
+              <a:t>Data structures store actual </a:t>
+            </a:r>
+            <a:r>
+              <a:rPr lang="en-CA" dirty="0" smtClean="0"/>
+              <a:t>XML</a:t>
+            </a:r>
+          </a:p>
+          <a:p>
+            <a:r>
+              <a:rPr lang="en-CA" dirty="0" smtClean="0"/>
+              <a:t>Semi-s</a:t>
+            </a:r>
+            <a:r>
+              <a:rPr lang="en-CA" dirty="0" smtClean="0"/>
+              <a:t>tructured data is harder to handle</a:t>
+            </a:r>
+            <a:endParaRPr lang="en-CA" dirty="0"/>
           </a:p>
         </p:txBody>
       </p:sp>
@@ -10802,194 +10719,6 @@
 </file>
 
 <file path=ppt/slides/slide34.xml><?xml version="1.0" encoding="utf-8"?>
-<p:sld xmlns:a="http://schemas.openxmlformats.org/drawingml/2006/main" xmlns:r="http://schemas.openxmlformats.org/officeDocument/2006/relationships" xmlns:p="http://schemas.openxmlformats.org/presentationml/2006/main">
-  <p:cSld>
-    <p:spTree>
-      <p:nvGrpSpPr>
-        <p:cNvPr id="1" name=""/>
-        <p:cNvGrpSpPr/>
-        <p:nvPr/>
-      </p:nvGrpSpPr>
-      <p:grpSpPr>
-        <a:xfrm>
-          <a:off x="0" y="0"/>
-          <a:ext cx="0" cy="0"/>
-          <a:chOff x="0" y="0"/>
-          <a:chExt cx="0" cy="0"/>
-        </a:xfrm>
-      </p:grpSpPr>
-      <p:sp>
-        <p:nvSpPr>
-          <p:cNvPr id="7" name="Title 6"/>
-          <p:cNvSpPr>
-            <a:spLocks noGrp="1"/>
-          </p:cNvSpPr>
-          <p:nvPr>
-            <p:ph type="title"/>
-          </p:nvPr>
-        </p:nvSpPr>
-        <p:spPr/>
-        <p:txBody>
-          <a:bodyPr>
-            <a:normAutofit fontScale="90000"/>
-          </a:bodyPr>
-          <a:lstStyle/>
-          <a:p>
-            <a:r>
-              <a:rPr lang="en-CA" sz="3300" dirty="0" smtClean="0"/>
-              <a:t>XML DBs</a:t>
-            </a:r>
-            <a:r>
-              <a:rPr lang="en-CA" dirty="0" smtClean="0"/>
-              <a:t/>
-            </a:r>
-            <a:br>
-              <a:rPr lang="en-CA" dirty="0" smtClean="0"/>
-            </a:br>
-            <a:r>
-              <a:rPr lang="en-CA" dirty="0" smtClean="0"/>
-              <a:t>Overview</a:t>
-            </a:r>
-            <a:endParaRPr lang="en-CA" dirty="0"/>
-          </a:p>
-        </p:txBody>
-      </p:sp>
-      <p:sp>
-        <p:nvSpPr>
-          <p:cNvPr id="9" name="Content Placeholder 8"/>
-          <p:cNvSpPr>
-            <a:spLocks noGrp="1"/>
-          </p:cNvSpPr>
-          <p:nvPr>
-            <p:ph idx="1"/>
-          </p:nvPr>
-        </p:nvSpPr>
-        <p:spPr/>
-        <p:txBody>
-          <a:bodyPr/>
-          <a:lstStyle/>
-          <a:p>
-            <a:r>
-              <a:rPr lang="en-CA" dirty="0" smtClean="0"/>
-              <a:t>Store, organize &amp; query XML documents</a:t>
-            </a:r>
-          </a:p>
-          <a:p>
-            <a:pPr lvl="1">
-              <a:buFont typeface="Arial" pitchFamily="34" charset="0"/>
-              <a:buChar char="•"/>
-            </a:pPr>
-            <a:r>
-              <a:rPr lang="en-CA" dirty="0" smtClean="0"/>
-              <a:t>XML-enabled DBs:</a:t>
-            </a:r>
-          </a:p>
-          <a:p>
-            <a:pPr lvl="2"/>
-            <a:r>
-              <a:rPr lang="en-CA" dirty="0" smtClean="0"/>
-              <a:t>Maps XML documents to relational tables</a:t>
-            </a:r>
-          </a:p>
-          <a:p>
-            <a:pPr lvl="1">
-              <a:buFont typeface="Arial" pitchFamily="34" charset="0"/>
-              <a:buChar char="•"/>
-            </a:pPr>
-            <a:r>
-              <a:rPr lang="en-CA" dirty="0" smtClean="0"/>
-              <a:t>Native XML DBs:</a:t>
-            </a:r>
-          </a:p>
-          <a:p>
-            <a:pPr lvl="2"/>
-            <a:r>
-              <a:rPr lang="en-CA" dirty="0" smtClean="0"/>
-              <a:t>Data structures store actual XML</a:t>
-            </a:r>
-            <a:endParaRPr lang="en-CA" dirty="0"/>
-          </a:p>
-        </p:txBody>
-      </p:sp>
-      <p:sp>
-        <p:nvSpPr>
-          <p:cNvPr id="4" name="Date Placeholder 3"/>
-          <p:cNvSpPr>
-            <a:spLocks noGrp="1"/>
-          </p:cNvSpPr>
-          <p:nvPr>
-            <p:ph type="dt" sz="half" idx="10"/>
-          </p:nvPr>
-        </p:nvSpPr>
-        <p:spPr/>
-        <p:txBody>
-          <a:bodyPr/>
-          <a:lstStyle/>
-          <a:p>
-            <a:r>
-              <a:rPr lang="en-US" smtClean="0"/>
-              <a:t>Physical Design Patterns</a:t>
-            </a:r>
-            <a:endParaRPr lang="en-CA"/>
-          </a:p>
-        </p:txBody>
-      </p:sp>
-      <p:sp>
-        <p:nvSpPr>
-          <p:cNvPr id="5" name="Footer Placeholder 4"/>
-          <p:cNvSpPr>
-            <a:spLocks noGrp="1"/>
-          </p:cNvSpPr>
-          <p:nvPr>
-            <p:ph type="ftr" sz="quarter" idx="11"/>
-          </p:nvPr>
-        </p:nvSpPr>
-        <p:spPr/>
-        <p:txBody>
-          <a:bodyPr/>
-          <a:lstStyle/>
-          <a:p>
-            <a:r>
-              <a:rPr lang="en-CA" smtClean="0"/>
-              <a:t>Karim Ali &amp; Sarah Nadi</a:t>
-            </a:r>
-            <a:endParaRPr lang="en-CA"/>
-          </a:p>
-        </p:txBody>
-      </p:sp>
-      <p:sp>
-        <p:nvSpPr>
-          <p:cNvPr id="6" name="Slide Number Placeholder 5"/>
-          <p:cNvSpPr>
-            <a:spLocks noGrp="1"/>
-          </p:cNvSpPr>
-          <p:nvPr>
-            <p:ph type="sldNum" sz="quarter" idx="12"/>
-          </p:nvPr>
-        </p:nvSpPr>
-        <p:spPr/>
-        <p:txBody>
-          <a:bodyPr/>
-          <a:lstStyle/>
-          <a:p>
-            <a:fld id="{9AC8176B-BF31-4706-B15B-1AFC481B9AC3}" type="slidenum">
-              <a:rPr lang="en-CA" smtClean="0"/>
-              <a:pPr/>
-              <a:t>34</a:t>
-            </a:fld>
-            <a:endParaRPr lang="en-CA"/>
-          </a:p>
-        </p:txBody>
-      </p:sp>
-    </p:spTree>
-  </p:cSld>
-  <p:clrMapOvr>
-    <a:masterClrMapping/>
-  </p:clrMapOvr>
-</p:sld>
-</file>
-
-<file path=ppt/slides/slide35.xml><?xml version="1.0" encoding="utf-8"?>
 <p:sld xmlns:a="http://schemas.openxmlformats.org/drawingml/2006/main" xmlns:r="http://schemas.openxmlformats.org/officeDocument/2006/relationships" xmlns:p="http://schemas.openxmlformats.org/presentationml/2006/main">
   <p:cSld>
     <p:spTree>
@@ -11092,15 +10821,7 @@
           <a:p>
             <a:r>
               <a:rPr lang="en-CA" dirty="0" smtClean="0"/>
-              <a:t>XML-enabled DB </a:t>
-            </a:r>
-            <a:r>
-              <a:rPr lang="en-CA" dirty="0" smtClean="0"/>
-              <a:t>(e.g. MS SQL </a:t>
-            </a:r>
-            <a:r>
-              <a:rPr lang="en-CA" dirty="0" smtClean="0"/>
-              <a:t>Server 2005)</a:t>
+              <a:t>XML-enabled DB (e.g. MS SQL Server 2005)</a:t>
             </a:r>
           </a:p>
           <a:p>
@@ -11189,7 +10910,7 @@
             <a:fld id="{9AC8176B-BF31-4706-B15B-1AFC481B9AC3}" type="slidenum">
               <a:rPr lang="en-CA" smtClean="0"/>
               <a:pPr/>
-              <a:t>35</a:t>
+              <a:t>34</a:t>
             </a:fld>
             <a:endParaRPr lang="en-CA"/>
           </a:p>
@@ -11236,7 +10957,7 @@
 </p:sld>
 </file>
 
-<file path=ppt/slides/slide36.xml><?xml version="1.0" encoding="utf-8"?>
+<file path=ppt/slides/slide35.xml><?xml version="1.0" encoding="utf-8"?>
 <p:sld xmlns:a="http://schemas.openxmlformats.org/drawingml/2006/main" xmlns:r="http://schemas.openxmlformats.org/officeDocument/2006/relationships" xmlns:p="http://schemas.openxmlformats.org/presentationml/2006/main">
   <p:cSld>
     <p:spTree>
@@ -11410,7 +11131,7 @@
             <a:fld id="{9AC8176B-BF31-4706-B15B-1AFC481B9AC3}" type="slidenum">
               <a:rPr lang="en-CA" smtClean="0"/>
               <a:pPr/>
-              <a:t>36</a:t>
+              <a:t>35</a:t>
             </a:fld>
             <a:endParaRPr lang="en-CA"/>
           </a:p>
@@ -11457,6 +11178,184 @@
 </p:sld>
 </file>
 
+<file path=ppt/slides/slide36.xml><?xml version="1.0" encoding="utf-8"?>
+<p:sld xmlns:a="http://schemas.openxmlformats.org/drawingml/2006/main" xmlns:r="http://schemas.openxmlformats.org/officeDocument/2006/relationships" xmlns:p="http://schemas.openxmlformats.org/presentationml/2006/main">
+  <p:cSld>
+    <p:spTree>
+      <p:nvGrpSpPr>
+        <p:cNvPr id="1" name=""/>
+        <p:cNvGrpSpPr/>
+        <p:nvPr/>
+      </p:nvGrpSpPr>
+      <p:grpSpPr>
+        <a:xfrm>
+          <a:off x="0" y="0"/>
+          <a:ext cx="0" cy="0"/>
+          <a:chOff x="0" y="0"/>
+          <a:chExt cx="0" cy="0"/>
+        </a:xfrm>
+      </p:grpSpPr>
+      <p:sp>
+        <p:nvSpPr>
+          <p:cNvPr id="2" name="Title 1"/>
+          <p:cNvSpPr>
+            <a:spLocks noGrp="1"/>
+          </p:cNvSpPr>
+          <p:nvPr>
+            <p:ph type="title"/>
+          </p:nvPr>
+        </p:nvSpPr>
+        <p:spPr/>
+        <p:txBody>
+          <a:bodyPr>
+            <a:normAutofit fontScale="90000"/>
+          </a:bodyPr>
+          <a:lstStyle/>
+          <a:p>
+            <a:r>
+              <a:rPr lang="en-CA" sz="3300" dirty="0" smtClean="0"/>
+              <a:t>XML DB</a:t>
+            </a:r>
+            <a:r>
+              <a:rPr lang="en-CA" dirty="0" smtClean="0"/>
+              <a:t/>
+            </a:r>
+            <a:br>
+              <a:rPr lang="en-CA" dirty="0" smtClean="0"/>
+            </a:br>
+            <a:r>
+              <a:rPr lang="en-CA" dirty="0" smtClean="0"/>
+              <a:t>2. Materialized Views</a:t>
+            </a:r>
+            <a:endParaRPr lang="en-CA" dirty="0"/>
+          </a:p>
+        </p:txBody>
+      </p:sp>
+      <p:sp>
+        <p:nvSpPr>
+          <p:cNvPr id="3" name="Content Placeholder 2"/>
+          <p:cNvSpPr>
+            <a:spLocks noGrp="1"/>
+          </p:cNvSpPr>
+          <p:nvPr>
+            <p:ph idx="1"/>
+          </p:nvPr>
+        </p:nvSpPr>
+        <p:spPr/>
+        <p:txBody>
+          <a:bodyPr/>
+          <a:lstStyle/>
+          <a:p>
+            <a:r>
+              <a:rPr lang="en-CA" dirty="0" smtClean="0"/>
+              <a:t>Greatly enhances performance</a:t>
+            </a:r>
+          </a:p>
+          <a:p>
+            <a:r>
+              <a:rPr lang="en-CA" dirty="0" err="1" smtClean="0"/>
+              <a:t>XQuery</a:t>
+            </a:r>
+            <a:r>
+              <a:rPr lang="en-CA" dirty="0" smtClean="0"/>
+              <a:t> and </a:t>
+            </a:r>
+            <a:r>
+              <a:rPr lang="en-CA" dirty="0" err="1" smtClean="0"/>
+              <a:t>Xpath</a:t>
+            </a:r>
+            <a:r>
+              <a:rPr lang="en-CA" dirty="0" smtClean="0"/>
+              <a:t> query results are materialized</a:t>
+            </a:r>
+          </a:p>
+          <a:p>
+            <a:r>
+              <a:rPr lang="en-CA" dirty="0" smtClean="0"/>
+              <a:t>Query rewriting is more tricky due to semi-structured nature &amp; complicated querying languages</a:t>
+            </a:r>
+            <a:endParaRPr lang="en-CA" dirty="0"/>
+          </a:p>
+        </p:txBody>
+      </p:sp>
+      <p:sp>
+        <p:nvSpPr>
+          <p:cNvPr id="4" name="Date Placeholder 3"/>
+          <p:cNvSpPr>
+            <a:spLocks noGrp="1"/>
+          </p:cNvSpPr>
+          <p:nvPr>
+            <p:ph type="dt" sz="half" idx="10"/>
+          </p:nvPr>
+        </p:nvSpPr>
+        <p:spPr/>
+        <p:txBody>
+          <a:bodyPr/>
+          <a:lstStyle/>
+          <a:p>
+            <a:r>
+              <a:rPr lang="en-US" smtClean="0"/>
+              <a:t>Physical Design Patterns</a:t>
+            </a:r>
+            <a:endParaRPr lang="en-CA"/>
+          </a:p>
+        </p:txBody>
+      </p:sp>
+      <p:sp>
+        <p:nvSpPr>
+          <p:cNvPr id="5" name="Footer Placeholder 4"/>
+          <p:cNvSpPr>
+            <a:spLocks noGrp="1"/>
+          </p:cNvSpPr>
+          <p:nvPr>
+            <p:ph type="ftr" sz="quarter" idx="11"/>
+          </p:nvPr>
+        </p:nvSpPr>
+        <p:spPr/>
+        <p:txBody>
+          <a:bodyPr/>
+          <a:lstStyle/>
+          <a:p>
+            <a:r>
+              <a:rPr lang="en-CA" smtClean="0"/>
+              <a:t>Karim Ali &amp; Sarah Nadi</a:t>
+            </a:r>
+            <a:endParaRPr lang="en-CA"/>
+          </a:p>
+        </p:txBody>
+      </p:sp>
+      <p:sp>
+        <p:nvSpPr>
+          <p:cNvPr id="6" name="Slide Number Placeholder 5"/>
+          <p:cNvSpPr>
+            <a:spLocks noGrp="1"/>
+          </p:cNvSpPr>
+          <p:nvPr>
+            <p:ph type="sldNum" sz="quarter" idx="12"/>
+          </p:nvPr>
+        </p:nvSpPr>
+        <p:spPr/>
+        <p:txBody>
+          <a:bodyPr/>
+          <a:lstStyle/>
+          <a:p>
+            <a:fld id="{9AC8176B-BF31-4706-B15B-1AFC481B9AC3}" type="slidenum">
+              <a:rPr lang="en-CA" smtClean="0"/>
+              <a:pPr/>
+              <a:t>36</a:t>
+            </a:fld>
+            <a:endParaRPr lang="en-CA"/>
+          </a:p>
+        </p:txBody>
+      </p:sp>
+    </p:spTree>
+  </p:cSld>
+  <p:clrMapOvr>
+    <a:masterClrMapping/>
+  </p:clrMapOvr>
+</p:sld>
+</file>
+
 <file path=ppt/slides/slide37.xml><?xml version="1.0" encoding="utf-8"?>
 <p:sld xmlns:a="http://schemas.openxmlformats.org/drawingml/2006/main" xmlns:r="http://schemas.openxmlformats.org/officeDocument/2006/relationships" xmlns:p="http://schemas.openxmlformats.org/presentationml/2006/main">
   <p:cSld>
@@ -11504,7 +11403,7 @@
             </a:br>
             <a:r>
               <a:rPr lang="en-CA" dirty="0" smtClean="0"/>
-              <a:t>2. Materialized Views</a:t>
+              <a:t>3. Partitioning</a:t>
             </a:r>
             <a:endParaRPr lang="en-CA" dirty="0"/>
           </a:p>
@@ -11527,31 +11426,31 @@
           <a:p>
             <a:r>
               <a:rPr lang="en-CA" dirty="0" smtClean="0"/>
-              <a:t>Greatly enhances performance</a:t>
-            </a:r>
-          </a:p>
-          <a:p>
+              <a:t>Horizontal partitioning</a:t>
+            </a:r>
+          </a:p>
+          <a:p>
+            <a:pPr lvl="1">
+              <a:buFont typeface="Arial" pitchFamily="34" charset="0"/>
+              <a:buChar char="•"/>
+            </a:pPr>
+            <a:r>
+              <a:rPr lang="en-CA" dirty="0" smtClean="0"/>
+              <a:t>Based on node type</a:t>
+            </a:r>
+          </a:p>
+          <a:p>
+            <a:pPr lvl="1">
+              <a:buFont typeface="Arial" pitchFamily="34" charset="0"/>
+              <a:buChar char="•"/>
+            </a:pPr>
+            <a:r>
+              <a:rPr lang="en-CA" dirty="0" smtClean="0"/>
+              <a:t>Through </a:t>
+            </a:r>
             <a:r>
               <a:rPr lang="en-CA" dirty="0" err="1" smtClean="0"/>
-              <a:t>XQuery</a:t>
-            </a:r>
-            <a:r>
-              <a:rPr lang="en-CA" dirty="0" smtClean="0"/>
-              <a:t> and </a:t>
-            </a:r>
-            <a:r>
-              <a:rPr lang="en-CA" dirty="0" err="1" smtClean="0"/>
-              <a:t>Xpath</a:t>
-            </a:r>
-            <a:r>
-              <a:rPr lang="en-CA" dirty="0" smtClean="0"/>
-              <a:t> query results are materialized</a:t>
-            </a:r>
-          </a:p>
-          <a:p>
-            <a:r>
-              <a:rPr lang="en-CA" dirty="0" smtClean="0"/>
-              <a:t>Query rewriting is more tricky due to semi-structured nature &amp; complicated querying languages</a:t>
+              <a:t>inlining</a:t>
             </a:r>
             <a:endParaRPr lang="en-CA" dirty="0"/>
           </a:p>
@@ -11671,7 +11570,7 @@
           <a:p>
             <a:r>
               <a:rPr lang="en-CA" sz="3300" dirty="0" smtClean="0"/>
-              <a:t>XML DB</a:t>
+              <a:t>XML DBs</a:t>
             </a:r>
             <a:r>
               <a:rPr lang="en-CA" dirty="0" smtClean="0"/>
@@ -11682,7 +11581,7 @@
             </a:br>
             <a:r>
               <a:rPr lang="en-CA" dirty="0" smtClean="0"/>
-              <a:t>3. Partitioning</a:t>
+              <a:t>4. Clustering</a:t>
             </a:r>
             <a:endParaRPr lang="en-CA" dirty="0"/>
           </a:p>
@@ -11705,31 +11604,13 @@
           <a:p>
             <a:r>
               <a:rPr lang="en-CA" dirty="0" smtClean="0"/>
-              <a:t>Horizontal partitioning</a:t>
-            </a:r>
-          </a:p>
-          <a:p>
-            <a:pPr lvl="1">
-              <a:buFont typeface="Arial" pitchFamily="34" charset="0"/>
-              <a:buChar char="•"/>
-            </a:pPr>
-            <a:r>
-              <a:rPr lang="en-CA" dirty="0" smtClean="0"/>
-              <a:t>Based on node type</a:t>
-            </a:r>
-          </a:p>
-          <a:p>
-            <a:pPr lvl="1">
-              <a:buFont typeface="Arial" pitchFamily="34" charset="0"/>
-              <a:buChar char="•"/>
-            </a:pPr>
-            <a:r>
-              <a:rPr lang="en-CA" dirty="0" smtClean="0"/>
-              <a:t>Through </a:t>
-            </a:r>
-            <a:r>
-              <a:rPr lang="en-CA" dirty="0" err="1" smtClean="0"/>
-              <a:t>inlining</a:t>
+              <a:t>Elements &amp; sub-elements are clustered together</a:t>
+            </a:r>
+          </a:p>
+          <a:p>
+            <a:r>
+              <a:rPr lang="en-CA" dirty="0" smtClean="0"/>
+              <a:t>XML documents are clustered based on structural similarity</a:t>
             </a:r>
             <a:endParaRPr lang="en-CA" dirty="0"/>
           </a:p>
@@ -11832,7 +11713,7 @@
       </p:grpSpPr>
       <p:sp>
         <p:nvSpPr>
-          <p:cNvPr id="2" name="Title 1"/>
+          <p:cNvPr id="7" name="Title 6"/>
           <p:cNvSpPr>
             <a:spLocks noGrp="1"/>
           </p:cNvSpPr>
@@ -11842,25 +11723,12 @@
         </p:nvSpPr>
         <p:spPr/>
         <p:txBody>
-          <a:bodyPr>
-            <a:normAutofit fontScale="90000"/>
-          </a:bodyPr>
-          <a:lstStyle/>
-          <a:p>
-            <a:r>
-              <a:rPr lang="en-CA" sz="3300" dirty="0" smtClean="0"/>
-              <a:t>XML DBs</a:t>
-            </a:r>
-            <a:r>
-              <a:rPr lang="en-CA" dirty="0" smtClean="0"/>
-              <a:t/>
-            </a:r>
-            <a:br>
-              <a:rPr lang="en-CA" dirty="0" smtClean="0"/>
-            </a:br>
-            <a:r>
-              <a:rPr lang="en-CA" dirty="0" smtClean="0"/>
-              <a:t>4. Clustering</a:t>
+          <a:bodyPr/>
+          <a:lstStyle/>
+          <a:p>
+            <a:r>
+              <a:rPr lang="en-CA" dirty="0" smtClean="0"/>
+              <a:t>Future Work</a:t>
             </a:r>
             <a:endParaRPr lang="en-CA" dirty="0"/>
           </a:p>
@@ -11868,30 +11736,20 @@
       </p:sp>
       <p:sp>
         <p:nvSpPr>
-          <p:cNvPr id="3" name="Content Placeholder 2"/>
-          <p:cNvSpPr>
-            <a:spLocks noGrp="1"/>
-          </p:cNvSpPr>
-          <p:nvPr>
-            <p:ph idx="1"/>
-          </p:nvPr>
-        </p:nvSpPr>
-        <p:spPr/>
-        <p:txBody>
-          <a:bodyPr/>
-          <a:lstStyle/>
-          <a:p>
-            <a:r>
-              <a:rPr lang="en-CA" dirty="0" smtClean="0"/>
-              <a:t>Elements &amp; sub-elements are clustered together</a:t>
-            </a:r>
-          </a:p>
-          <a:p>
-            <a:r>
-              <a:rPr lang="en-CA" dirty="0" smtClean="0"/>
-              <a:t>XML documents are clustered based on structural similarity</a:t>
-            </a:r>
-            <a:endParaRPr lang="en-CA" dirty="0"/>
+          <p:cNvPr id="8" name="Text Placeholder 7"/>
+          <p:cNvSpPr>
+            <a:spLocks noGrp="1"/>
+          </p:cNvSpPr>
+          <p:nvPr>
+            <p:ph type="body" idx="1"/>
+          </p:nvPr>
+        </p:nvSpPr>
+        <p:spPr/>
+        <p:txBody>
+          <a:bodyPr/>
+          <a:lstStyle/>
+          <a:p>
+            <a:endParaRPr lang="en-CA"/>
           </a:p>
         </p:txBody>
       </p:sp>
@@ -12155,11 +12013,7 @@
           <a:p>
             <a:r>
               <a:rPr lang="en-CA" dirty="0" smtClean="0"/>
-              <a:t>Future </a:t>
-            </a:r>
-            <a:r>
-              <a:rPr lang="en-CA" dirty="0" smtClean="0"/>
-              <a:t>Work</a:t>
+              <a:t>Future Work</a:t>
             </a:r>
             <a:endParaRPr lang="en-CA" dirty="0"/>
           </a:p>
@@ -12167,20 +12021,49 @@
       </p:sp>
       <p:sp>
         <p:nvSpPr>
-          <p:cNvPr id="8" name="Text Placeholder 7"/>
-          <p:cNvSpPr>
-            <a:spLocks noGrp="1"/>
-          </p:cNvSpPr>
-          <p:nvPr>
-            <p:ph type="body" idx="1"/>
-          </p:nvPr>
-        </p:nvSpPr>
-        <p:spPr/>
-        <p:txBody>
-          <a:bodyPr/>
-          <a:lstStyle/>
-          <a:p>
-            <a:endParaRPr lang="en-CA"/>
+          <p:cNvPr id="8" name="Content Placeholder 7"/>
+          <p:cNvSpPr>
+            <a:spLocks noGrp="1"/>
+          </p:cNvSpPr>
+          <p:nvPr>
+            <p:ph idx="1"/>
+          </p:nvPr>
+        </p:nvSpPr>
+        <p:spPr/>
+        <p:txBody>
+          <a:bodyPr/>
+          <a:lstStyle/>
+          <a:p>
+            <a:r>
+              <a:rPr lang="en-CA" dirty="0" smtClean="0"/>
+              <a:t>Physical design of industrial </a:t>
+            </a:r>
+            <a:r>
+              <a:rPr lang="en-CA" dirty="0" smtClean="0"/>
+              <a:t>systems</a:t>
+            </a:r>
+          </a:p>
+          <a:p>
+            <a:r>
+              <a:rPr lang="en-CA" dirty="0" smtClean="0"/>
+              <a:t>Interplay between systems</a:t>
+            </a:r>
+            <a:endParaRPr lang="en-CA" dirty="0" smtClean="0"/>
+          </a:p>
+          <a:p>
+            <a:r>
+              <a:rPr lang="en-CA" dirty="0" smtClean="0"/>
+              <a:t>Automating physical design</a:t>
+            </a:r>
+          </a:p>
+          <a:p>
+            <a:r>
+              <a:rPr lang="en-CA" dirty="0" smtClean="0"/>
+              <a:t>List of the open problems in physical design</a:t>
+            </a:r>
+          </a:p>
+          <a:p>
+            <a:endParaRPr lang="en-CA" dirty="0"/>
           </a:p>
         </p:txBody>
       </p:sp>
@@ -12296,7 +12179,7 @@
           <a:p>
             <a:r>
               <a:rPr lang="en-CA" dirty="0" smtClean="0"/>
-              <a:t>Future Work</a:t>
+              <a:t>Summary &amp; Conclusions</a:t>
             </a:r>
             <a:endParaRPr lang="en-CA" dirty="0"/>
           </a:p>
@@ -12304,47 +12187,20 @@
       </p:sp>
       <p:sp>
         <p:nvSpPr>
-          <p:cNvPr id="8" name="Content Placeholder 7"/>
-          <p:cNvSpPr>
-            <a:spLocks noGrp="1"/>
-          </p:cNvSpPr>
-          <p:nvPr>
-            <p:ph idx="1"/>
-          </p:nvPr>
-        </p:nvSpPr>
-        <p:spPr/>
-        <p:txBody>
-          <a:bodyPr/>
-          <a:lstStyle/>
-          <a:p>
-            <a:r>
-              <a:rPr lang="en-CA" dirty="0" smtClean="0"/>
-              <a:t>Physical design of industrial systems</a:t>
-            </a:r>
-          </a:p>
-          <a:p>
-            <a:r>
-              <a:rPr lang="en-CA" dirty="0" smtClean="0"/>
-              <a:t>Automating </a:t>
-            </a:r>
-            <a:r>
-              <a:rPr lang="en-CA" dirty="0" smtClean="0"/>
-              <a:t>physical </a:t>
-            </a:r>
-            <a:r>
-              <a:rPr lang="en-CA" dirty="0" smtClean="0"/>
-              <a:t>design</a:t>
-            </a:r>
-          </a:p>
-          <a:p>
-            <a:r>
-              <a:rPr lang="en-CA" dirty="0" smtClean="0"/>
-              <a:t>List of the open problems in physical design</a:t>
-            </a:r>
-            <a:endParaRPr lang="en-CA" dirty="0" smtClean="0"/>
-          </a:p>
-          <a:p>
-            <a:endParaRPr lang="en-CA" dirty="0"/>
+          <p:cNvPr id="8" name="Text Placeholder 7"/>
+          <p:cNvSpPr>
+            <a:spLocks noGrp="1"/>
+          </p:cNvSpPr>
+          <p:nvPr>
+            <p:ph type="body" idx="1"/>
+          </p:nvPr>
+        </p:nvSpPr>
+        <p:spPr/>
+        <p:txBody>
+          <a:bodyPr/>
+          <a:lstStyle/>
+          <a:p>
+            <a:endParaRPr lang="en-CA"/>
           </a:p>
         </p:txBody>
       </p:sp>
@@ -12445,48 +12301,6 @@
       </p:grpSpPr>
       <p:sp>
         <p:nvSpPr>
-          <p:cNvPr id="7" name="Title 6"/>
-          <p:cNvSpPr>
-            <a:spLocks noGrp="1"/>
-          </p:cNvSpPr>
-          <p:nvPr>
-            <p:ph type="title"/>
-          </p:nvPr>
-        </p:nvSpPr>
-        <p:spPr/>
-        <p:txBody>
-          <a:bodyPr/>
-          <a:lstStyle/>
-          <a:p>
-            <a:r>
-              <a:rPr lang="en-CA" dirty="0" smtClean="0"/>
-              <a:t>Summary &amp; Conclusions</a:t>
-            </a:r>
-            <a:endParaRPr lang="en-CA" dirty="0"/>
-          </a:p>
-        </p:txBody>
-      </p:sp>
-      <p:sp>
-        <p:nvSpPr>
-          <p:cNvPr id="8" name="Text Placeholder 7"/>
-          <p:cNvSpPr>
-            <a:spLocks noGrp="1"/>
-          </p:cNvSpPr>
-          <p:nvPr>
-            <p:ph type="body" idx="1"/>
-          </p:nvPr>
-        </p:nvSpPr>
-        <p:spPr/>
-        <p:txBody>
-          <a:bodyPr/>
-          <a:lstStyle/>
-          <a:p>
-            <a:endParaRPr lang="en-CA"/>
-          </a:p>
-        </p:txBody>
-      </p:sp>
-      <p:sp>
-        <p:nvSpPr>
           <p:cNvPr id="4" name="Date Placeholder 3"/>
           <p:cNvSpPr>
             <a:spLocks noGrp="1"/>
@@ -12550,101 +12364,6 @@
               <a:rPr lang="en-CA" smtClean="0"/>
               <a:pPr/>
               <a:t>42</a:t>
-            </a:fld>
-            <a:endParaRPr lang="en-CA"/>
-          </a:p>
-        </p:txBody>
-      </p:sp>
-    </p:spTree>
-  </p:cSld>
-  <p:clrMapOvr>
-    <a:masterClrMapping/>
-  </p:clrMapOvr>
-</p:sld>
-</file>
-
-<file path=ppt/slides/slide43.xml><?xml version="1.0" encoding="utf-8"?>
-<p:sld xmlns:a="http://schemas.openxmlformats.org/drawingml/2006/main" xmlns:r="http://schemas.openxmlformats.org/officeDocument/2006/relationships" xmlns:p="http://schemas.openxmlformats.org/presentationml/2006/main">
-  <p:cSld>
-    <p:spTree>
-      <p:nvGrpSpPr>
-        <p:cNvPr id="1" name=""/>
-        <p:cNvGrpSpPr/>
-        <p:nvPr/>
-      </p:nvGrpSpPr>
-      <p:grpSpPr>
-        <a:xfrm>
-          <a:off x="0" y="0"/>
-          <a:ext cx="0" cy="0"/>
-          <a:chOff x="0" y="0"/>
-          <a:chExt cx="0" cy="0"/>
-        </a:xfrm>
-      </p:grpSpPr>
-      <p:sp>
-        <p:nvSpPr>
-          <p:cNvPr id="4" name="Date Placeholder 3"/>
-          <p:cNvSpPr>
-            <a:spLocks noGrp="1"/>
-          </p:cNvSpPr>
-          <p:nvPr>
-            <p:ph type="dt" sz="half" idx="10"/>
-          </p:nvPr>
-        </p:nvSpPr>
-        <p:spPr/>
-        <p:txBody>
-          <a:bodyPr/>
-          <a:lstStyle/>
-          <a:p>
-            <a:r>
-              <a:rPr lang="en-US" smtClean="0"/>
-              <a:t>Physical Design Patterns</a:t>
-            </a:r>
-            <a:endParaRPr lang="en-CA"/>
-          </a:p>
-        </p:txBody>
-      </p:sp>
-      <p:sp>
-        <p:nvSpPr>
-          <p:cNvPr id="5" name="Footer Placeholder 4"/>
-          <p:cNvSpPr>
-            <a:spLocks noGrp="1"/>
-          </p:cNvSpPr>
-          <p:nvPr>
-            <p:ph type="ftr" sz="quarter" idx="11"/>
-          </p:nvPr>
-        </p:nvSpPr>
-        <p:spPr/>
-        <p:txBody>
-          <a:bodyPr/>
-          <a:lstStyle/>
-          <a:p>
-            <a:r>
-              <a:rPr lang="en-CA" smtClean="0"/>
-              <a:t>Karim Ali &amp; Sarah Nadi</a:t>
-            </a:r>
-            <a:endParaRPr lang="en-CA"/>
-          </a:p>
-        </p:txBody>
-      </p:sp>
-      <p:sp>
-        <p:nvSpPr>
-          <p:cNvPr id="6" name="Slide Number Placeholder 5"/>
-          <p:cNvSpPr>
-            <a:spLocks noGrp="1"/>
-          </p:cNvSpPr>
-          <p:nvPr>
-            <p:ph type="sldNum" sz="quarter" idx="12"/>
-          </p:nvPr>
-        </p:nvSpPr>
-        <p:spPr/>
-        <p:txBody>
-          <a:bodyPr/>
-          <a:lstStyle/>
-          <a:p>
-            <a:fld id="{9AC8176B-BF31-4706-B15B-1AFC481B9AC3}" type="slidenum">
-              <a:rPr lang="en-CA" smtClean="0"/>
-              <a:pPr/>
-              <a:t>43</a:t>
             </a:fld>
             <a:endParaRPr lang="en-CA"/>
           </a:p>
@@ -12908,23 +12627,7 @@
                       </a:pPr>
                       <a:r>
                         <a:rPr lang="en-CA" sz="1400" baseline="0" dirty="0" smtClean="0"/>
-                        <a:t>E.g.: B</a:t>
-                      </a:r>
-                      <a:r>
-                        <a:rPr lang="en-CA" sz="1400" baseline="0" dirty="0" smtClean="0"/>
-                        <a:t>+ Tree, </a:t>
-                      </a:r>
-                      <a:r>
-                        <a:rPr lang="en-CA" sz="1400" baseline="0" dirty="0" smtClean="0"/>
-                        <a:t>CSB</a:t>
-                      </a:r>
-                      <a:r>
-                        <a:rPr lang="en-CA" sz="1400" baseline="0" dirty="0" smtClean="0"/>
-                        <a:t>+ Tree, T Tree, CST </a:t>
-                      </a:r>
-                      <a:r>
-                        <a:rPr lang="en-CA" sz="1400" baseline="0" dirty="0" smtClean="0"/>
-                        <a:t>Tree</a:t>
+                        <a:t>E.g.: B+ Tree, CSB+ Tree, T Tree, CST Tree</a:t>
                       </a:r>
                       <a:endParaRPr lang="en-CA" sz="1400" dirty="0" smtClean="0"/>
                     </a:p>
@@ -12979,7 +12682,6 @@
                         <a:rPr lang="en-CA" sz="1400" baseline="0" dirty="0" smtClean="0"/>
                         <a:t> needed in </a:t>
                       </a:r>
-                      <a:endParaRPr lang="en-CA" sz="1400" baseline="0" dirty="0" smtClean="0"/>
                     </a:p>
                     <a:p>
                       <a:pPr marL="0" marR="0" indent="0" algn="l" defTabSz="914400" rtl="0" eaLnBrk="1" fontAlgn="auto" latinLnBrk="0" hangingPunct="1">
@@ -13001,11 +12703,7 @@
                       </a:pPr>
                       <a:r>
                         <a:rPr lang="en-CA" sz="1400" baseline="0" dirty="0" smtClean="0"/>
-                        <a:t>secondary </a:t>
-                      </a:r>
-                      <a:r>
-                        <a:rPr lang="en-CA" sz="1400" baseline="0" dirty="0" smtClean="0"/>
-                        <a:t>storage to speed up reloading in case of a crash</a:t>
+                        <a:t>secondary storage to speed up reloading in case of a crash</a:t>
                       </a:r>
                       <a:endParaRPr lang="en-CA" sz="1400" dirty="0" smtClean="0"/>
                     </a:p>
@@ -13257,6 +12955,166 @@
           </a:graphicData>
         </a:graphic>
       </p:graphicFrame>
+    </p:spTree>
+  </p:cSld>
+  <p:clrMapOvr>
+    <a:masterClrMapping/>
+  </p:clrMapOvr>
+  <p:timing>
+    <p:tnLst>
+      <p:par>
+        <p:cTn id="1" dur="indefinite" restart="never" nodeType="tmRoot"/>
+      </p:par>
+    </p:tnLst>
+  </p:timing>
+</p:sld>
+</file>
+
+<file path=ppt/slides/slide43.xml><?xml version="1.0" encoding="utf-8"?>
+<p:sld xmlns:a="http://schemas.openxmlformats.org/drawingml/2006/main" xmlns:r="http://schemas.openxmlformats.org/officeDocument/2006/relationships" xmlns:p="http://schemas.openxmlformats.org/presentationml/2006/main">
+  <p:cSld>
+    <p:spTree>
+      <p:nvGrpSpPr>
+        <p:cNvPr id="1" name=""/>
+        <p:cNvGrpSpPr/>
+        <p:nvPr/>
+      </p:nvGrpSpPr>
+      <p:grpSpPr>
+        <a:xfrm>
+          <a:off x="0" y="0"/>
+          <a:ext cx="0" cy="0"/>
+          <a:chOff x="0" y="0"/>
+          <a:chExt cx="0" cy="0"/>
+        </a:xfrm>
+      </p:grpSpPr>
+      <p:sp>
+        <p:nvSpPr>
+          <p:cNvPr id="5" name="Title 4"/>
+          <p:cNvSpPr>
+            <a:spLocks noGrp="1"/>
+          </p:cNvSpPr>
+          <p:nvPr>
+            <p:ph type="title"/>
+          </p:nvPr>
+        </p:nvSpPr>
+        <p:spPr/>
+        <p:txBody>
+          <a:bodyPr/>
+          <a:lstStyle/>
+          <a:p>
+            <a:r>
+              <a:rPr lang="en-CA" dirty="0" smtClean="0"/>
+              <a:t>Conclusions</a:t>
+            </a:r>
+            <a:endParaRPr lang="en-CA" dirty="0"/>
+          </a:p>
+        </p:txBody>
+      </p:sp>
+      <p:sp>
+        <p:nvSpPr>
+          <p:cNvPr id="6" name="Content Placeholder 5"/>
+          <p:cNvSpPr>
+            <a:spLocks noGrp="1"/>
+          </p:cNvSpPr>
+          <p:nvPr>
+            <p:ph idx="1"/>
+          </p:nvPr>
+        </p:nvSpPr>
+        <p:spPr/>
+        <p:txBody>
+          <a:bodyPr/>
+          <a:lstStyle/>
+          <a:p>
+            <a:r>
+              <a:rPr lang="en-CA" dirty="0" smtClean="0"/>
+              <a:t>Physical design patterns in traditional relational databases can be adapted to different systems</a:t>
+            </a:r>
+          </a:p>
+          <a:p>
+            <a:r>
+              <a:rPr lang="en-CA" dirty="0" smtClean="0"/>
+              <a:t>B+ Trees are the most popular index structure &amp; have been adapted for the diff. Systems</a:t>
+            </a:r>
+          </a:p>
+          <a:p>
+            <a:r>
+              <a:rPr lang="en-CA" dirty="0" smtClean="0"/>
+              <a:t>Materialized views, partitioning &amp; clustering are very important for performance except for MMDBs</a:t>
+            </a:r>
+            <a:endParaRPr lang="en-CA" dirty="0"/>
+          </a:p>
+        </p:txBody>
+      </p:sp>
+      <p:sp>
+        <p:nvSpPr>
+          <p:cNvPr id="2" name="Date Placeholder 1"/>
+          <p:cNvSpPr>
+            <a:spLocks noGrp="1"/>
+          </p:cNvSpPr>
+          <p:nvPr>
+            <p:ph type="dt" sz="half" idx="10"/>
+          </p:nvPr>
+        </p:nvSpPr>
+        <p:spPr/>
+        <p:txBody>
+          <a:bodyPr/>
+          <a:lstStyle/>
+          <a:p>
+            <a:r>
+              <a:rPr lang="en-US" smtClean="0"/>
+              <a:t>Physical Design Patterns</a:t>
+            </a:r>
+            <a:endParaRPr lang="en-CA"/>
+          </a:p>
+        </p:txBody>
+      </p:sp>
+      <p:sp>
+        <p:nvSpPr>
+          <p:cNvPr id="3" name="Footer Placeholder 2"/>
+          <p:cNvSpPr>
+            <a:spLocks noGrp="1"/>
+          </p:cNvSpPr>
+          <p:nvPr>
+            <p:ph type="ftr" sz="quarter" idx="11"/>
+          </p:nvPr>
+        </p:nvSpPr>
+        <p:spPr/>
+        <p:txBody>
+          <a:bodyPr/>
+          <a:lstStyle/>
+          <a:p>
+            <a:r>
+              <a:rPr lang="en-CA" smtClean="0"/>
+              <a:t>Karim Ali &amp; Sarah Nadi</a:t>
+            </a:r>
+            <a:endParaRPr lang="en-CA"/>
+          </a:p>
+        </p:txBody>
+      </p:sp>
+      <p:sp>
+        <p:nvSpPr>
+          <p:cNvPr id="4" name="Slide Number Placeholder 3"/>
+          <p:cNvSpPr>
+            <a:spLocks noGrp="1"/>
+          </p:cNvSpPr>
+          <p:nvPr>
+            <p:ph type="sldNum" sz="quarter" idx="12"/>
+          </p:nvPr>
+        </p:nvSpPr>
+        <p:spPr/>
+        <p:txBody>
+          <a:bodyPr/>
+          <a:lstStyle/>
+          <a:p>
+            <a:fld id="{9AC8176B-BF31-4706-B15B-1AFC481B9AC3}" type="slidenum">
+              <a:rPr lang="en-CA" smtClean="0"/>
+              <a:pPr/>
+              <a:t>43</a:t>
+            </a:fld>
+            <a:endParaRPr lang="en-CA"/>
+          </a:p>
+        </p:txBody>
+      </p:sp>
     </p:spTree>
   </p:cSld>
   <p:clrMapOvr>
@@ -13291,64 +13149,6 @@
       </p:grpSpPr>
       <p:sp>
         <p:nvSpPr>
-          <p:cNvPr id="5" name="Title 4"/>
-          <p:cNvSpPr>
-            <a:spLocks noGrp="1"/>
-          </p:cNvSpPr>
-          <p:nvPr>
-            <p:ph type="title"/>
-          </p:nvPr>
-        </p:nvSpPr>
-        <p:spPr/>
-        <p:txBody>
-          <a:bodyPr/>
-          <a:lstStyle/>
-          <a:p>
-            <a:r>
-              <a:rPr lang="en-CA" dirty="0" smtClean="0"/>
-              <a:t>Conclusions</a:t>
-            </a:r>
-            <a:endParaRPr lang="en-CA" dirty="0"/>
-          </a:p>
-        </p:txBody>
-      </p:sp>
-      <p:sp>
-        <p:nvSpPr>
-          <p:cNvPr id="6" name="Content Placeholder 5"/>
-          <p:cNvSpPr>
-            <a:spLocks noGrp="1"/>
-          </p:cNvSpPr>
-          <p:nvPr>
-            <p:ph idx="1"/>
-          </p:nvPr>
-        </p:nvSpPr>
-        <p:spPr/>
-        <p:txBody>
-          <a:bodyPr/>
-          <a:lstStyle/>
-          <a:p>
-            <a:r>
-              <a:rPr lang="en-CA" dirty="0" smtClean="0"/>
-              <a:t>Physical design patterns in traditional relational databases can be adapted to different systems</a:t>
-            </a:r>
-          </a:p>
-          <a:p>
-            <a:r>
-              <a:rPr lang="en-CA" dirty="0" smtClean="0"/>
-              <a:t>B+ Trees are the most popular index structure &amp; have been adapted for the diff. Systems</a:t>
-            </a:r>
-          </a:p>
-          <a:p>
-            <a:r>
-              <a:rPr lang="en-CA" dirty="0" smtClean="0"/>
-              <a:t>Materialized views, partitioning &amp; clustering are very important for performance except for MMDBs</a:t>
-            </a:r>
-            <a:endParaRPr lang="en-CA" dirty="0"/>
-          </a:p>
-        </p:txBody>
-      </p:sp>
-      <p:sp>
-        <p:nvSpPr>
           <p:cNvPr id="2" name="Date Placeholder 1"/>
           <p:cNvSpPr>
             <a:spLocks noGrp="1"/>
@@ -13412,108 +13212,6 @@
               <a:rPr lang="en-CA" smtClean="0"/>
               <a:pPr/>
               <a:t>44</a:t>
-            </a:fld>
-            <a:endParaRPr lang="en-CA"/>
-          </a:p>
-        </p:txBody>
-      </p:sp>
-    </p:spTree>
-  </p:cSld>
-  <p:clrMapOvr>
-    <a:masterClrMapping/>
-  </p:clrMapOvr>
-  <p:timing>
-    <p:tnLst>
-      <p:par>
-        <p:cTn id="1" dur="indefinite" restart="never" nodeType="tmRoot"/>
-      </p:par>
-    </p:tnLst>
-  </p:timing>
-</p:sld>
-</file>
-
-<file path=ppt/slides/slide45.xml><?xml version="1.0" encoding="utf-8"?>
-<p:sld xmlns:a="http://schemas.openxmlformats.org/drawingml/2006/main" xmlns:r="http://schemas.openxmlformats.org/officeDocument/2006/relationships" xmlns:p="http://schemas.openxmlformats.org/presentationml/2006/main">
-  <p:cSld>
-    <p:spTree>
-      <p:nvGrpSpPr>
-        <p:cNvPr id="1" name=""/>
-        <p:cNvGrpSpPr/>
-        <p:nvPr/>
-      </p:nvGrpSpPr>
-      <p:grpSpPr>
-        <a:xfrm>
-          <a:off x="0" y="0"/>
-          <a:ext cx="0" cy="0"/>
-          <a:chOff x="0" y="0"/>
-          <a:chExt cx="0" cy="0"/>
-        </a:xfrm>
-      </p:grpSpPr>
-      <p:sp>
-        <p:nvSpPr>
-          <p:cNvPr id="2" name="Date Placeholder 1"/>
-          <p:cNvSpPr>
-            <a:spLocks noGrp="1"/>
-          </p:cNvSpPr>
-          <p:nvPr>
-            <p:ph type="dt" sz="half" idx="10"/>
-          </p:nvPr>
-        </p:nvSpPr>
-        <p:spPr/>
-        <p:txBody>
-          <a:bodyPr/>
-          <a:lstStyle/>
-          <a:p>
-            <a:r>
-              <a:rPr lang="en-US" smtClean="0"/>
-              <a:t>Physical Design Patterns</a:t>
-            </a:r>
-            <a:endParaRPr lang="en-CA"/>
-          </a:p>
-        </p:txBody>
-      </p:sp>
-      <p:sp>
-        <p:nvSpPr>
-          <p:cNvPr id="3" name="Footer Placeholder 2"/>
-          <p:cNvSpPr>
-            <a:spLocks noGrp="1"/>
-          </p:cNvSpPr>
-          <p:nvPr>
-            <p:ph type="ftr" sz="quarter" idx="11"/>
-          </p:nvPr>
-        </p:nvSpPr>
-        <p:spPr/>
-        <p:txBody>
-          <a:bodyPr/>
-          <a:lstStyle/>
-          <a:p>
-            <a:r>
-              <a:rPr lang="en-CA" smtClean="0"/>
-              <a:t>Karim Ali &amp; Sarah Nadi</a:t>
-            </a:r>
-            <a:endParaRPr lang="en-CA"/>
-          </a:p>
-        </p:txBody>
-      </p:sp>
-      <p:sp>
-        <p:nvSpPr>
-          <p:cNvPr id="4" name="Slide Number Placeholder 3"/>
-          <p:cNvSpPr>
-            <a:spLocks noGrp="1"/>
-          </p:cNvSpPr>
-          <p:nvPr>
-            <p:ph type="sldNum" sz="quarter" idx="12"/>
-          </p:nvPr>
-        </p:nvSpPr>
-        <p:spPr/>
-        <p:txBody>
-          <a:bodyPr/>
-          <a:lstStyle/>
-          <a:p>
-            <a:fld id="{9AC8176B-BF31-4706-B15B-1AFC481B9AC3}" type="slidenum">
-              <a:rPr lang="en-CA" smtClean="0"/>
-              <a:pPr/>
-              <a:t>45</a:t>
             </a:fld>
             <a:endParaRPr lang="en-CA"/>
           </a:p>
@@ -13862,7 +13560,11 @@
             </a:pPr>
             <a:r>
               <a:rPr lang="en-CA" dirty="0" smtClean="0"/>
-              <a:t>B Trees</a:t>
+              <a:t>B+ </a:t>
+            </a:r>
+            <a:r>
+              <a:rPr lang="en-CA" dirty="0" smtClean="0"/>
+              <a:t>Trees</a:t>
             </a:r>
           </a:p>
           <a:p>
@@ -14284,8 +13986,8 @@
           <p:nvPr/>
         </p:nvGraphicFramePr>
         <p:xfrm>
-          <a:off x="357158" y="1646572"/>
-          <a:ext cx="8429684" cy="4211320"/>
+          <a:off x="214314" y="1718010"/>
+          <a:ext cx="8786842" cy="4211320"/>
         </p:xfrm>
         <a:graphic>
           <a:graphicData uri="http://schemas.openxmlformats.org/drawingml/2006/table">
@@ -14294,10 +13996,10 @@
                 <a:tableStyleId>{5C22544A-7EE6-4342-B048-85BDC9FD1C3A}</a:tableStyleId>
               </a:tblPr>
               <a:tblGrid>
-                <a:gridCol w="1714512"/>
-                <a:gridCol w="2286016"/>
-                <a:gridCol w="2321735"/>
-                <a:gridCol w="2107421"/>
+                <a:gridCol w="1787155"/>
+                <a:gridCol w="2382872"/>
+                <a:gridCol w="2420104"/>
+                <a:gridCol w="2196711"/>
               </a:tblGrid>
               <a:tr h="370840">
                 <a:tc>
@@ -14656,30 +14358,13 @@
           <a:p>
             <a:r>
               <a:rPr lang="en-CA" dirty="0" smtClean="0"/>
-              <a:t>Saves </a:t>
-            </a:r>
-            <a:r>
-              <a:rPr lang="en-CA" dirty="0" smtClean="0"/>
-              <a:t>execution </a:t>
-            </a:r>
-            <a:r>
-              <a:rPr lang="en-CA" dirty="0" smtClean="0"/>
-              <a:t>time &amp; </a:t>
-            </a:r>
-            <a:r>
-              <a:rPr lang="en-CA" dirty="0" smtClean="0"/>
-              <a:t>I/O reads by pre-computing the results </a:t>
-            </a:r>
-            <a:endParaRPr lang="en-CA" dirty="0" smtClean="0"/>
-          </a:p>
-          <a:p>
-            <a:r>
-              <a:rPr lang="en-CA" dirty="0" smtClean="0"/>
-              <a:t>Materialized </a:t>
-            </a:r>
-            <a:r>
-              <a:rPr lang="en-CA" dirty="0" smtClean="0"/>
-              <a:t>views are stored on disk</a:t>
+              <a:t>Saves execution time &amp; I/O reads by pre-computing the results </a:t>
+            </a:r>
+          </a:p>
+          <a:p>
+            <a:r>
+              <a:rPr lang="en-CA" dirty="0" smtClean="0"/>
+              <a:t>Materialized views are stored on disk</a:t>
             </a:r>
           </a:p>
           <a:p>

--- a/trunk/cs848-db/PhysDesignPres.pptx
+++ b/trunk/cs848-db/PhysDesignPres.pptx
@@ -29,28 +29,28 @@
     <p:sldId id="312" r:id="rId20"/>
     <p:sldId id="313" r:id="rId21"/>
     <p:sldId id="314" r:id="rId22"/>
-    <p:sldId id="347" r:id="rId23"/>
-    <p:sldId id="316" r:id="rId24"/>
-    <p:sldId id="318" r:id="rId25"/>
-    <p:sldId id="319" r:id="rId26"/>
-    <p:sldId id="320" r:id="rId27"/>
-    <p:sldId id="321" r:id="rId28"/>
-    <p:sldId id="338" r:id="rId29"/>
-    <p:sldId id="325" r:id="rId30"/>
-    <p:sldId id="327" r:id="rId31"/>
-    <p:sldId id="337" r:id="rId32"/>
-    <p:sldId id="348" r:id="rId33"/>
-    <p:sldId id="277" r:id="rId34"/>
-    <p:sldId id="278" r:id="rId35"/>
-    <p:sldId id="331" r:id="rId36"/>
-    <p:sldId id="279" r:id="rId37"/>
-    <p:sldId id="280" r:id="rId38"/>
-    <p:sldId id="281" r:id="rId39"/>
-    <p:sldId id="291" r:id="rId40"/>
-    <p:sldId id="294" r:id="rId41"/>
-    <p:sldId id="296" r:id="rId42"/>
-    <p:sldId id="292" r:id="rId43"/>
-    <p:sldId id="297" r:id="rId44"/>
+    <p:sldId id="351" r:id="rId23"/>
+    <p:sldId id="352" r:id="rId24"/>
+    <p:sldId id="353" r:id="rId25"/>
+    <p:sldId id="354" r:id="rId26"/>
+    <p:sldId id="355" r:id="rId27"/>
+    <p:sldId id="356" r:id="rId28"/>
+    <p:sldId id="357" r:id="rId29"/>
+    <p:sldId id="347" r:id="rId30"/>
+    <p:sldId id="316" r:id="rId31"/>
+    <p:sldId id="318" r:id="rId32"/>
+    <p:sldId id="319" r:id="rId33"/>
+    <p:sldId id="320" r:id="rId34"/>
+    <p:sldId id="321" r:id="rId35"/>
+    <p:sldId id="338" r:id="rId36"/>
+    <p:sldId id="325" r:id="rId37"/>
+    <p:sldId id="327" r:id="rId38"/>
+    <p:sldId id="337" r:id="rId39"/>
+    <p:sldId id="350" r:id="rId40"/>
+    <p:sldId id="292" r:id="rId41"/>
+    <p:sldId id="291" r:id="rId42"/>
+    <p:sldId id="297" r:id="rId43"/>
+    <p:sldId id="294" r:id="rId44"/>
     <p:sldId id="298" r:id="rId45"/>
   </p:sldIdLst>
   <p:sldSz cx="9144000" cy="6858000" type="screen4x3"/>
@@ -202,7 +202,7 @@
             </a:lvl1pPr>
           </a:lstStyle>
           <a:p>
-            <a:endParaRPr lang="en-CA"/>
+            <a:endParaRPr lang="en-CA" dirty="0"/>
           </a:p>
         </p:txBody>
       </p:sp>
@@ -238,7 +238,7 @@
               <a:pPr/>
               <a:t>7/13/2010</a:t>
             </a:fld>
-            <a:endParaRPr lang="en-CA"/>
+            <a:endParaRPr lang="en-CA" dirty="0"/>
           </a:p>
         </p:txBody>
       </p:sp>
@@ -271,7 +271,7 @@
           <a:bodyPr vert="horz" lIns="91440" tIns="45720" rIns="91440" bIns="45720" rtlCol="0" anchor="ctr"/>
           <a:lstStyle/>
           <a:p>
-            <a:endParaRPr lang="en-CA"/>
+            <a:endParaRPr lang="en-CA" dirty="0"/>
           </a:p>
         </p:txBody>
       </p:sp>
@@ -364,7 +364,7 @@
             </a:lvl1pPr>
           </a:lstStyle>
           <a:p>
-            <a:endParaRPr lang="en-CA"/>
+            <a:endParaRPr lang="en-CA" dirty="0"/>
           </a:p>
         </p:txBody>
       </p:sp>
@@ -400,7 +400,7 @@
               <a:pPr/>
               <a:t>‹#›</a:t>
             </a:fld>
-            <a:endParaRPr lang="en-CA"/>
+            <a:endParaRPr lang="en-CA" dirty="0"/>
           </a:p>
         </p:txBody>
       </p:sp>
@@ -567,7 +567,7 @@
           </a:lstStyle>
           <a:p>
             <a:pPr algn="ctr" eaLnBrk="1" latinLnBrk="0" hangingPunct="1"/>
-            <a:endParaRPr kumimoji="0" lang="en-US"/>
+            <a:endParaRPr kumimoji="0" lang="en-US" dirty="0"/>
           </a:p>
         </p:txBody>
       </p:sp>
@@ -749,10 +749,10 @@
           <a:lstStyle/>
           <a:p>
             <a:r>
-              <a:rPr lang="en-US" smtClean="0"/>
+              <a:rPr lang="en-US" dirty="0" smtClean="0"/>
               <a:t>Physical Design Patterns</a:t>
             </a:r>
-            <a:endParaRPr lang="en-CA"/>
+            <a:endParaRPr lang="en-CA" dirty="0"/>
           </a:p>
         </p:txBody>
       </p:sp>
@@ -772,10 +772,10 @@
           <a:lstStyle/>
           <a:p>
             <a:r>
-              <a:rPr lang="en-CA" smtClean="0"/>
+              <a:rPr lang="en-CA" dirty="0" smtClean="0"/>
               <a:t>Karim Ali &amp; Sarah Nadi</a:t>
             </a:r>
-            <a:endParaRPr lang="en-CA"/>
+            <a:endParaRPr lang="en-CA" dirty="0"/>
           </a:p>
         </p:txBody>
       </p:sp>
@@ -799,7 +799,7 @@
               <a:pPr/>
               <a:t>‹#›</a:t>
             </a:fld>
-            <a:endParaRPr lang="en-CA"/>
+            <a:endParaRPr lang="en-CA" dirty="0"/>
           </a:p>
         </p:txBody>
       </p:sp>
@@ -853,7 +853,7 @@
           </a:lstStyle>
           <a:p>
             <a:pPr algn="ctr" eaLnBrk="1" latinLnBrk="0" hangingPunct="1"/>
-            <a:endParaRPr kumimoji="0" lang="en-US"/>
+            <a:endParaRPr kumimoji="0" lang="en-US" dirty="0"/>
           </a:p>
         </p:txBody>
       </p:sp>
@@ -977,10 +977,10 @@
           <a:lstStyle/>
           <a:p>
             <a:r>
-              <a:rPr lang="en-US" smtClean="0"/>
+              <a:rPr lang="en-US" dirty="0" smtClean="0"/>
               <a:t>Physical Design Patterns</a:t>
             </a:r>
-            <a:endParaRPr lang="en-CA"/>
+            <a:endParaRPr lang="en-CA" dirty="0"/>
           </a:p>
         </p:txBody>
       </p:sp>
@@ -1000,10 +1000,10 @@
           <a:lstStyle/>
           <a:p>
             <a:r>
-              <a:rPr lang="en-CA" smtClean="0"/>
+              <a:rPr lang="en-CA" dirty="0" smtClean="0"/>
               <a:t>Karim Ali &amp; Sarah Nadi</a:t>
             </a:r>
-            <a:endParaRPr lang="en-CA"/>
+            <a:endParaRPr lang="en-CA" dirty="0"/>
           </a:p>
         </p:txBody>
       </p:sp>
@@ -1027,7 +1027,7 @@
               <a:pPr/>
               <a:t>‹#›</a:t>
             </a:fld>
-            <a:endParaRPr lang="en-CA"/>
+            <a:endParaRPr lang="en-CA" dirty="0"/>
           </a:p>
         </p:txBody>
       </p:sp>
@@ -1106,7 +1106,7 @@
           </a:lstStyle>
           <a:p>
             <a:pPr algn="ctr" eaLnBrk="1" latinLnBrk="0" hangingPunct="1"/>
-            <a:endParaRPr kumimoji="0" lang="en-US"/>
+            <a:endParaRPr kumimoji="0" lang="en-US" dirty="0"/>
           </a:p>
         </p:txBody>
       </p:sp>
@@ -1153,7 +1153,7 @@
           </a:lstStyle>
           <a:p>
             <a:pPr algn="ctr" eaLnBrk="1" latinLnBrk="0" hangingPunct="1"/>
-            <a:endParaRPr kumimoji="0" lang="en-US"/>
+            <a:endParaRPr kumimoji="0" lang="en-US" dirty="0"/>
           </a:p>
         </p:txBody>
       </p:sp>
@@ -1262,10 +1262,10 @@
           <a:lstStyle/>
           <a:p>
             <a:r>
-              <a:rPr lang="en-US" smtClean="0"/>
+              <a:rPr lang="en-US" dirty="0" smtClean="0"/>
               <a:t>Physical Design Patterns</a:t>
             </a:r>
-            <a:endParaRPr lang="en-CA"/>
+            <a:endParaRPr lang="en-CA" dirty="0"/>
           </a:p>
         </p:txBody>
       </p:sp>
@@ -1290,10 +1290,10 @@
           <a:lstStyle/>
           <a:p>
             <a:r>
-              <a:rPr lang="en-CA" smtClean="0"/>
+              <a:rPr lang="en-CA" dirty="0" smtClean="0"/>
               <a:t>Karim Ali &amp; Sarah Nadi</a:t>
             </a:r>
-            <a:endParaRPr lang="en-CA"/>
+            <a:endParaRPr lang="en-CA" dirty="0"/>
           </a:p>
         </p:txBody>
       </p:sp>
@@ -1317,7 +1317,7 @@
               <a:pPr/>
               <a:t>‹#›</a:t>
             </a:fld>
-            <a:endParaRPr lang="en-CA"/>
+            <a:endParaRPr lang="en-CA" dirty="0"/>
           </a:p>
         </p:txBody>
       </p:sp>
@@ -1446,10 +1446,10 @@
           <a:lstStyle/>
           <a:p>
             <a:r>
-              <a:rPr lang="en-US" smtClean="0"/>
+              <a:rPr lang="en-US" dirty="0" smtClean="0"/>
               <a:t>Physical Design Patterns</a:t>
             </a:r>
-            <a:endParaRPr lang="en-CA"/>
+            <a:endParaRPr lang="en-CA" dirty="0"/>
           </a:p>
         </p:txBody>
       </p:sp>
@@ -1469,10 +1469,10 @@
           <a:lstStyle/>
           <a:p>
             <a:r>
-              <a:rPr lang="en-CA" smtClean="0"/>
+              <a:rPr lang="en-CA" dirty="0" smtClean="0"/>
               <a:t>Karim Ali &amp; Sarah Nadi</a:t>
             </a:r>
-            <a:endParaRPr lang="en-CA"/>
+            <a:endParaRPr lang="en-CA" dirty="0"/>
           </a:p>
         </p:txBody>
       </p:sp>
@@ -1496,7 +1496,7 @@
               <a:pPr/>
               <a:t>‹#›</a:t>
             </a:fld>
-            <a:endParaRPr lang="en-CA"/>
+            <a:endParaRPr lang="en-CA" dirty="0"/>
           </a:p>
         </p:txBody>
       </p:sp>
@@ -1573,7 +1573,7 @@
           </a:lstStyle>
           <a:p>
             <a:pPr algn="ctr" eaLnBrk="1" latinLnBrk="0" hangingPunct="1"/>
-            <a:endParaRPr kumimoji="0" lang="en-US"/>
+            <a:endParaRPr kumimoji="0" lang="en-US" dirty="0"/>
           </a:p>
         </p:txBody>
       </p:sp>
@@ -1627,7 +1627,7 @@
           </a:lstStyle>
           <a:p>
             <a:pPr algn="ctr" eaLnBrk="1" latinLnBrk="0" hangingPunct="1"/>
-            <a:endParaRPr kumimoji="0" lang="en-US"/>
+            <a:endParaRPr kumimoji="0" lang="en-US" dirty="0"/>
           </a:p>
         </p:txBody>
       </p:sp>
@@ -1809,10 +1809,10 @@
           <a:lstStyle/>
           <a:p>
             <a:r>
-              <a:rPr lang="en-US" smtClean="0"/>
+              <a:rPr lang="en-US" dirty="0" smtClean="0"/>
               <a:t>Physical Design Patterns</a:t>
             </a:r>
-            <a:endParaRPr lang="en-CA"/>
+            <a:endParaRPr lang="en-CA" dirty="0"/>
           </a:p>
         </p:txBody>
       </p:sp>
@@ -1832,10 +1832,10 @@
           <a:lstStyle/>
           <a:p>
             <a:r>
-              <a:rPr lang="en-CA" smtClean="0"/>
+              <a:rPr lang="en-CA" dirty="0" smtClean="0"/>
               <a:t>Karim Ali &amp; Sarah Nadi</a:t>
             </a:r>
-            <a:endParaRPr lang="en-CA"/>
+            <a:endParaRPr lang="en-CA" dirty="0"/>
           </a:p>
         </p:txBody>
       </p:sp>
@@ -1859,7 +1859,7 @@
               <a:pPr/>
               <a:t>‹#›</a:t>
             </a:fld>
-            <a:endParaRPr lang="en-CA"/>
+            <a:endParaRPr lang="en-CA" dirty="0"/>
           </a:p>
         </p:txBody>
       </p:sp>
@@ -2101,10 +2101,10 @@
           <a:lstStyle/>
           <a:p>
             <a:r>
-              <a:rPr lang="en-US" smtClean="0"/>
+              <a:rPr lang="en-US" dirty="0" smtClean="0"/>
               <a:t>Physical Design Patterns</a:t>
             </a:r>
-            <a:endParaRPr lang="en-CA"/>
+            <a:endParaRPr lang="en-CA" dirty="0"/>
           </a:p>
         </p:txBody>
       </p:sp>
@@ -2124,10 +2124,10 @@
           <a:lstStyle/>
           <a:p>
             <a:r>
-              <a:rPr lang="en-CA" smtClean="0"/>
+              <a:rPr lang="en-CA" dirty="0" smtClean="0"/>
               <a:t>Karim Ali &amp; Sarah Nadi</a:t>
             </a:r>
-            <a:endParaRPr lang="en-CA"/>
+            <a:endParaRPr lang="en-CA" dirty="0"/>
           </a:p>
         </p:txBody>
       </p:sp>
@@ -2151,7 +2151,7 @@
               <a:pPr/>
               <a:t>‹#›</a:t>
             </a:fld>
-            <a:endParaRPr lang="en-CA"/>
+            <a:endParaRPr lang="en-CA" dirty="0"/>
           </a:p>
         </p:txBody>
       </p:sp>
@@ -2528,10 +2528,10 @@
           <a:lstStyle/>
           <a:p>
             <a:r>
-              <a:rPr lang="en-US" smtClean="0"/>
+              <a:rPr lang="en-US" dirty="0" smtClean="0"/>
               <a:t>Physical Design Patterns</a:t>
             </a:r>
-            <a:endParaRPr lang="en-CA"/>
+            <a:endParaRPr lang="en-CA" dirty="0"/>
           </a:p>
         </p:txBody>
       </p:sp>
@@ -2551,10 +2551,10 @@
           <a:lstStyle/>
           <a:p>
             <a:r>
-              <a:rPr lang="en-CA" smtClean="0"/>
+              <a:rPr lang="en-CA" dirty="0" smtClean="0"/>
               <a:t>Karim Ali &amp; Sarah Nadi</a:t>
             </a:r>
-            <a:endParaRPr lang="en-CA"/>
+            <a:endParaRPr lang="en-CA" dirty="0"/>
           </a:p>
         </p:txBody>
       </p:sp>
@@ -2578,7 +2578,7 @@
               <a:pPr/>
               <a:t>‹#›</a:t>
             </a:fld>
-            <a:endParaRPr lang="en-CA"/>
+            <a:endParaRPr lang="en-CA" dirty="0"/>
           </a:p>
         </p:txBody>
       </p:sp>
@@ -2648,10 +2648,10 @@
           <a:lstStyle/>
           <a:p>
             <a:r>
-              <a:rPr lang="en-US" smtClean="0"/>
+              <a:rPr lang="en-US" dirty="0" smtClean="0"/>
               <a:t>Physical Design Patterns</a:t>
             </a:r>
-            <a:endParaRPr lang="en-CA"/>
+            <a:endParaRPr lang="en-CA" dirty="0"/>
           </a:p>
         </p:txBody>
       </p:sp>
@@ -2671,10 +2671,10 @@
           <a:lstStyle/>
           <a:p>
             <a:r>
-              <a:rPr lang="en-CA" smtClean="0"/>
+              <a:rPr lang="en-CA" dirty="0" smtClean="0"/>
               <a:t>Karim Ali &amp; Sarah Nadi</a:t>
             </a:r>
-            <a:endParaRPr lang="en-CA"/>
+            <a:endParaRPr lang="en-CA" dirty="0"/>
           </a:p>
         </p:txBody>
       </p:sp>
@@ -2698,7 +2698,7 @@
               <a:pPr/>
               <a:t>‹#›</a:t>
             </a:fld>
-            <a:endParaRPr lang="en-CA"/>
+            <a:endParaRPr lang="en-CA" dirty="0"/>
           </a:p>
         </p:txBody>
       </p:sp>
@@ -2743,10 +2743,10 @@
           <a:lstStyle/>
           <a:p>
             <a:r>
-              <a:rPr lang="en-US" smtClean="0"/>
+              <a:rPr lang="en-US" dirty="0" smtClean="0"/>
               <a:t>Physical Design Patterns</a:t>
             </a:r>
-            <a:endParaRPr lang="en-CA"/>
+            <a:endParaRPr lang="en-CA" dirty="0"/>
           </a:p>
         </p:txBody>
       </p:sp>
@@ -2766,10 +2766,10 @@
           <a:lstStyle/>
           <a:p>
             <a:r>
-              <a:rPr lang="en-CA" smtClean="0"/>
+              <a:rPr lang="en-CA" dirty="0" smtClean="0"/>
               <a:t>Karim Ali &amp; Sarah Nadi</a:t>
             </a:r>
-            <a:endParaRPr lang="en-CA"/>
+            <a:endParaRPr lang="en-CA" dirty="0"/>
           </a:p>
         </p:txBody>
       </p:sp>
@@ -2793,7 +2793,7 @@
               <a:pPr/>
               <a:t>‹#›</a:t>
             </a:fld>
-            <a:endParaRPr lang="en-CA"/>
+            <a:endParaRPr lang="en-CA" dirty="0"/>
           </a:p>
         </p:txBody>
       </p:sp>
@@ -3026,10 +3026,10 @@
           <a:lstStyle/>
           <a:p>
             <a:r>
-              <a:rPr lang="en-US" smtClean="0"/>
+              <a:rPr lang="en-US" dirty="0" smtClean="0"/>
               <a:t>Physical Design Patterns</a:t>
             </a:r>
-            <a:endParaRPr lang="en-CA"/>
+            <a:endParaRPr lang="en-CA" dirty="0"/>
           </a:p>
         </p:txBody>
       </p:sp>
@@ -3049,10 +3049,10 @@
           <a:lstStyle/>
           <a:p>
             <a:r>
-              <a:rPr lang="en-CA" smtClean="0"/>
+              <a:rPr lang="en-CA" dirty="0" smtClean="0"/>
               <a:t>Karim Ali &amp; Sarah Nadi</a:t>
             </a:r>
-            <a:endParaRPr lang="en-CA"/>
+            <a:endParaRPr lang="en-CA" dirty="0"/>
           </a:p>
         </p:txBody>
       </p:sp>
@@ -3076,7 +3076,7 @@
               <a:pPr/>
               <a:t>‹#›</a:t>
             </a:fld>
-            <a:endParaRPr lang="en-CA"/>
+            <a:endParaRPr lang="en-CA" dirty="0"/>
           </a:p>
         </p:txBody>
       </p:sp>
@@ -3123,7 +3123,7 @@
           </a:lstStyle>
           <a:p>
             <a:pPr algn="ctr" eaLnBrk="1" latinLnBrk="0" hangingPunct="1"/>
-            <a:endParaRPr kumimoji="0" lang="en-US"/>
+            <a:endParaRPr kumimoji="0" lang="en-US" dirty="0"/>
           </a:p>
         </p:txBody>
       </p:sp>
@@ -3170,7 +3170,7 @@
           </a:lstStyle>
           <a:p>
             <a:pPr algn="ctr" eaLnBrk="1" latinLnBrk="0" hangingPunct="1"/>
-            <a:endParaRPr kumimoji="0" lang="en-US"/>
+            <a:endParaRPr kumimoji="0" lang="en-US" dirty="0"/>
           </a:p>
         </p:txBody>
       </p:sp>
@@ -3303,7 +3303,7 @@
           </a:lstStyle>
           <a:p>
             <a:r>
-              <a:rPr kumimoji="0" lang="en-US" smtClean="0"/>
+              <a:rPr kumimoji="0" lang="en-US" dirty="0" smtClean="0"/>
               <a:t>Click icon to add picture</a:t>
             </a:r>
             <a:endParaRPr kumimoji="0" lang="en-US" dirty="0"/>
@@ -3397,10 +3397,10 @@
           <a:lstStyle/>
           <a:p>
             <a:r>
-              <a:rPr lang="en-US" smtClean="0"/>
+              <a:rPr lang="en-US" dirty="0" smtClean="0"/>
               <a:t>Physical Design Patterns</a:t>
             </a:r>
-            <a:endParaRPr lang="en-CA"/>
+            <a:endParaRPr lang="en-CA" dirty="0"/>
           </a:p>
         </p:txBody>
       </p:sp>
@@ -3447,7 +3447,7 @@
           </a:lstStyle>
           <a:p>
             <a:pPr algn="ctr" eaLnBrk="1" latinLnBrk="0" hangingPunct="1"/>
-            <a:endParaRPr kumimoji="0" lang="en-US"/>
+            <a:endParaRPr kumimoji="0" lang="en-US" dirty="0"/>
           </a:p>
         </p:txBody>
       </p:sp>
@@ -3494,7 +3494,7 @@
           </a:lstStyle>
           <a:p>
             <a:pPr algn="ctr" eaLnBrk="1" latinLnBrk="0" hangingPunct="1"/>
-            <a:endParaRPr kumimoji="0" lang="en-US"/>
+            <a:endParaRPr kumimoji="0" lang="en-US" dirty="0"/>
           </a:p>
         </p:txBody>
       </p:sp>
@@ -3529,10 +3529,10 @@
           </a:lstStyle>
           <a:p>
             <a:r>
-              <a:rPr lang="en-CA" smtClean="0"/>
+              <a:rPr lang="en-CA" dirty="0" smtClean="0"/>
               <a:t>Karim Ali &amp; Sarah Nadi</a:t>
             </a:r>
-            <a:endParaRPr lang="en-CA"/>
+            <a:endParaRPr lang="en-CA" dirty="0"/>
           </a:p>
         </p:txBody>
       </p:sp>
@@ -3561,7 +3561,7 @@
               <a:pPr/>
               <a:t>‹#›</a:t>
             </a:fld>
-            <a:endParaRPr lang="en-CA"/>
+            <a:endParaRPr lang="en-CA" dirty="0"/>
           </a:p>
         </p:txBody>
       </p:sp>
@@ -3645,7 +3645,7 @@
           </a:lstStyle>
           <a:p>
             <a:pPr algn="ctr" eaLnBrk="1" latinLnBrk="0" hangingPunct="1"/>
-            <a:endParaRPr kumimoji="0" lang="en-US"/>
+            <a:endParaRPr kumimoji="0" lang="en-US" dirty="0"/>
           </a:p>
         </p:txBody>
       </p:sp>
@@ -3692,7 +3692,7 @@
           </a:lstStyle>
           <a:p>
             <a:pPr algn="ctr" eaLnBrk="1" latinLnBrk="0" hangingPunct="1"/>
-            <a:endParaRPr kumimoji="0" lang="en-US"/>
+            <a:endParaRPr kumimoji="0" lang="en-US" dirty="0"/>
           </a:p>
         </p:txBody>
       </p:sp>
@@ -3839,10 +3839,10 @@
           </a:lstStyle>
           <a:p>
             <a:r>
-              <a:rPr lang="en-US" smtClean="0"/>
+              <a:rPr lang="en-US" dirty="0" smtClean="0"/>
               <a:t>Physical Design Patterns</a:t>
             </a:r>
-            <a:endParaRPr lang="en-CA"/>
+            <a:endParaRPr lang="en-CA" dirty="0"/>
           </a:p>
         </p:txBody>
       </p:sp>
@@ -3881,10 +3881,10 @@
           </a:lstStyle>
           <a:p>
             <a:r>
-              <a:rPr lang="en-CA" smtClean="0"/>
+              <a:rPr lang="en-CA" dirty="0" smtClean="0"/>
               <a:t>Karim Ali &amp; Sarah Nadi</a:t>
             </a:r>
-            <a:endParaRPr lang="en-CA"/>
+            <a:endParaRPr lang="en-CA" dirty="0"/>
           </a:p>
         </p:txBody>
       </p:sp>
@@ -3927,7 +3927,7 @@
               <a:pPr/>
               <a:t>‹#›</a:t>
             </a:fld>
-            <a:endParaRPr lang="en-CA"/>
+            <a:endParaRPr lang="en-CA" dirty="0"/>
           </a:p>
         </p:txBody>
       </p:sp>
@@ -4296,18 +4296,9 @@
           <a:lstStyle/>
           <a:p>
             <a:r>
-              <a:rPr lang="en-CA" sz="3200" i="1" dirty="0" err="1" smtClean="0"/>
-              <a:t>Karim</a:t>
-            </a:r>
-            <a:r>
               <a:rPr lang="en-CA" sz="3200" i="1" dirty="0" smtClean="0"/>
-              <a:t> Ali &amp; Sarah </a:t>
-            </a:r>
-            <a:r>
-              <a:rPr lang="en-CA" sz="3200" i="1" dirty="0" err="1" smtClean="0"/>
-              <a:t>Nadi</a:t>
-            </a:r>
-            <a:endParaRPr lang="en-CA" sz="3200" i="1" dirty="0" smtClean="0"/>
+              <a:t>Karim Ali &amp; Sarah Nadi</a:t>
+            </a:r>
           </a:p>
           <a:p>
             <a:r>
@@ -4413,26 +4404,18 @@
             <a:pPr lvl="2"/>
             <a:r>
               <a:rPr lang="en-CA" i="1" dirty="0" smtClean="0"/>
-              <a:t>Horizontal </a:t>
-            </a:r>
+              <a:t>Horizontal Partitioning: </a:t>
+            </a:r>
+            <a:r>
+              <a:rPr lang="en-CA" dirty="0" smtClean="0"/>
+              <a:t>divides tables into sets of rows according to a specific attribute (E.g. Date ranges)</a:t>
+            </a:r>
+          </a:p>
+          <a:p>
+            <a:pPr lvl="2"/>
             <a:r>
               <a:rPr lang="en-CA" i="1" dirty="0" smtClean="0"/>
-              <a:t>Partitioning: </a:t>
-            </a:r>
-            <a:r>
-              <a:rPr lang="en-CA" dirty="0" smtClean="0"/>
-              <a:t>divides tables into sets of rows according to a specific attribute (E.g. Date ranges)</a:t>
-            </a:r>
-          </a:p>
-          <a:p>
-            <a:pPr lvl="2"/>
-            <a:r>
-              <a:rPr lang="en-CA" i="1" dirty="0" smtClean="0"/>
-              <a:t>Single </a:t>
-            </a:r>
-            <a:r>
-              <a:rPr lang="en-CA" i="1" dirty="0" smtClean="0"/>
-              <a:t>Vertical Partitioning</a:t>
+              <a:t>Single Vertical Partitioning</a:t>
             </a:r>
             <a:r>
               <a:rPr lang="en-CA" dirty="0" smtClean="0"/>
@@ -4442,11 +4425,7 @@
           <a:p>
             <a:r>
               <a:rPr lang="en-CA" dirty="0" smtClean="0"/>
-              <a:t>Reduces </a:t>
-            </a:r>
-            <a:r>
-              <a:rPr lang="en-CA" dirty="0" smtClean="0"/>
-              <a:t>table scan time</a:t>
+              <a:t>Reduces table scan time</a:t>
             </a:r>
           </a:p>
           <a:p>
@@ -4474,10 +4453,10 @@
           <a:lstStyle/>
           <a:p>
             <a:r>
-              <a:rPr lang="en-US" smtClean="0"/>
+              <a:rPr lang="en-US" dirty="0" smtClean="0"/>
               <a:t>Physical Design Patterns</a:t>
             </a:r>
-            <a:endParaRPr lang="en-CA"/>
+            <a:endParaRPr lang="en-CA" dirty="0"/>
           </a:p>
         </p:txBody>
       </p:sp>
@@ -4497,10 +4476,10 @@
           <a:lstStyle/>
           <a:p>
             <a:r>
-              <a:rPr lang="en-CA" smtClean="0"/>
+              <a:rPr lang="en-CA" dirty="0" smtClean="0"/>
               <a:t>Karim Ali &amp; Sarah Nadi</a:t>
             </a:r>
-            <a:endParaRPr lang="en-CA"/>
+            <a:endParaRPr lang="en-CA" dirty="0"/>
           </a:p>
         </p:txBody>
       </p:sp>
@@ -4524,7 +4503,7 @@
               <a:pPr/>
               <a:t>10</a:t>
             </a:fld>
-            <a:endParaRPr lang="en-CA"/>
+            <a:endParaRPr lang="en-CA" dirty="0"/>
           </a:p>
         </p:txBody>
       </p:sp>
@@ -4983,8 +4962,8 @@
                         <a:t>- </a:t>
                       </a:r>
                       <a:r>
-                        <a:rPr lang="en-CA" dirty="0" err="1" smtClean="0"/>
-                        <a:t>Zipcode</a:t>
+                        <a:rPr lang="en-CA" dirty="0" smtClean="0"/>
+                        <a:t>Zip code</a:t>
                       </a:r>
                       <a:endParaRPr lang="en-CA" dirty="0" smtClean="0"/>
                     </a:p>
@@ -5041,13 +5020,8 @@
                       </a:pPr>
                       <a:r>
                         <a:rPr lang="en-CA" dirty="0" smtClean="0"/>
-                        <a:t> </a:t>
-                      </a:r>
-                      <a:r>
-                        <a:rPr lang="en-CA" dirty="0" err="1" smtClean="0"/>
-                        <a:t>EmployeeId</a:t>
-                      </a:r>
-                      <a:endParaRPr lang="en-CA" dirty="0" smtClean="0"/>
+                        <a:t> EmployeeId</a:t>
+                      </a:r>
                     </a:p>
                     <a:p>
                       <a:pPr algn="ctr">
@@ -5056,11 +5030,7 @@
                       </a:pPr>
                       <a:r>
                         <a:rPr lang="en-CA" dirty="0" smtClean="0"/>
-                        <a:t> </a:t>
-                      </a:r>
-                      <a:r>
-                        <a:rPr lang="en-CA" dirty="0" err="1" smtClean="0"/>
-                        <a:t>ProductId</a:t>
+                        <a:t> ProductId</a:t>
                       </a:r>
                       <a:endParaRPr lang="en-CA" dirty="0"/>
                     </a:p>
@@ -5109,24 +5079,12 @@
                         <a:buNone/>
                       </a:pPr>
                       <a:r>
-                        <a:rPr lang="en-CA" dirty="0" err="1" smtClean="0"/>
-                        <a:t>MySQL</a:t>
-                      </a:r>
-                      <a:r>
                         <a:rPr lang="en-CA" dirty="0" smtClean="0"/>
-                        <a:t>,</a:t>
+                        <a:t>MySQL,</a:t>
                       </a:r>
                       <a:r>
                         <a:rPr lang="en-CA" baseline="0" dirty="0" smtClean="0"/>
-                        <a:t> DB2, Oracle, </a:t>
-                      </a:r>
-                      <a:r>
-                        <a:rPr lang="en-CA" baseline="0" dirty="0" err="1" smtClean="0"/>
-                        <a:t>PostgreSQL</a:t>
-                      </a:r>
-                      <a:r>
-                        <a:rPr lang="en-CA" baseline="0" dirty="0" smtClean="0"/>
-                        <a:t>, SQL Server</a:t>
+                        <a:t> DB2, Oracle, PostgreSQL, SQL Server</a:t>
                       </a:r>
                       <a:endParaRPr lang="en-CA" dirty="0"/>
                     </a:p>
@@ -5143,20 +5101,8 @@
                         <a:buNone/>
                       </a:pPr>
                       <a:r>
-                        <a:rPr lang="en-CA" dirty="0" err="1" smtClean="0"/>
-                        <a:t>MySQL</a:t>
-                      </a:r>
-                      <a:r>
                         <a:rPr lang="en-CA" dirty="0" smtClean="0"/>
-                        <a:t>, Oracle, </a:t>
-                      </a:r>
-                      <a:r>
-                        <a:rPr lang="en-CA" dirty="0" err="1" smtClean="0"/>
-                        <a:t>PostgreSQL</a:t>
-                      </a:r>
-                      <a:r>
-                        <a:rPr lang="en-CA" dirty="0" smtClean="0"/>
-                        <a:t>, SQL Server</a:t>
+                        <a:t>MySQL, Oracle, PostgreSQL, SQL Server</a:t>
                       </a:r>
                       <a:endParaRPr lang="en-CA" dirty="0"/>
                     </a:p>
@@ -5173,12 +5119,8 @@
                         <a:buNone/>
                       </a:pPr>
                       <a:r>
-                        <a:rPr lang="en-CA" dirty="0" err="1" smtClean="0"/>
-                        <a:t>MySQL</a:t>
-                      </a:r>
-                      <a:r>
                         <a:rPr lang="en-CA" dirty="0" smtClean="0"/>
-                        <a:t>, Oracle</a:t>
+                        <a:t>MySQL, Oracle</a:t>
                       </a:r>
                       <a:endParaRPr lang="en-CA" dirty="0"/>
                     </a:p>
@@ -5192,12 +5134,8 @@
                     <a:p>
                       <a:pPr algn="ctr"/>
                       <a:r>
-                        <a:rPr lang="en-CA" dirty="0" err="1" smtClean="0"/>
-                        <a:t>MySQL</a:t>
-                      </a:r>
-                      <a:r>
                         <a:rPr lang="en-CA" dirty="0" smtClean="0"/>
-                        <a:t>, Oracle</a:t>
+                        <a:t>MySQL, Oracle</a:t>
                       </a:r>
                       <a:endParaRPr lang="en-CA" dirty="0"/>
                     </a:p>
@@ -5225,10 +5163,10 @@
           <a:lstStyle/>
           <a:p>
             <a:r>
-              <a:rPr lang="en-US" smtClean="0"/>
+              <a:rPr lang="en-US" dirty="0" smtClean="0"/>
               <a:t>Physical Design Patterns</a:t>
             </a:r>
-            <a:endParaRPr lang="en-CA"/>
+            <a:endParaRPr lang="en-CA" dirty="0"/>
           </a:p>
         </p:txBody>
       </p:sp>
@@ -5248,10 +5186,10 @@
           <a:lstStyle/>
           <a:p>
             <a:r>
-              <a:rPr lang="en-CA" smtClean="0"/>
+              <a:rPr lang="en-CA" dirty="0" smtClean="0"/>
               <a:t>Karim Ali &amp; Sarah Nadi</a:t>
             </a:r>
-            <a:endParaRPr lang="en-CA"/>
+            <a:endParaRPr lang="en-CA" dirty="0"/>
           </a:p>
         </p:txBody>
       </p:sp>
@@ -5275,7 +5213,7 @@
               <a:pPr/>
               <a:t>11</a:t>
             </a:fld>
-            <a:endParaRPr lang="en-CA"/>
+            <a:endParaRPr lang="en-CA" dirty="0"/>
           </a:p>
         </p:txBody>
       </p:sp>
@@ -5436,11 +5374,7 @@
             <a:pPr lvl="2"/>
             <a:r>
               <a:rPr lang="en-CA" dirty="0" smtClean="0"/>
-              <a:t>Difficult to define clustering keys, clustering scheme, and the granularity </a:t>
-            </a:r>
-            <a:r>
-              <a:rPr lang="en-CA" smtClean="0"/>
-              <a:t>of clustering</a:t>
+              <a:t>Difficult to define clustering keys, clustering scheme, and the granularity of clustering</a:t>
             </a:r>
             <a:endParaRPr lang="en-CA" dirty="0"/>
           </a:p>
@@ -5462,10 +5396,10 @@
           <a:lstStyle/>
           <a:p>
             <a:r>
-              <a:rPr lang="en-US" smtClean="0"/>
+              <a:rPr lang="en-US" dirty="0" smtClean="0"/>
               <a:t>Physical Design Patterns</a:t>
             </a:r>
-            <a:endParaRPr lang="en-CA"/>
+            <a:endParaRPr lang="en-CA" dirty="0"/>
           </a:p>
         </p:txBody>
       </p:sp>
@@ -5485,10 +5419,10 @@
           <a:lstStyle/>
           <a:p>
             <a:r>
-              <a:rPr lang="en-CA" smtClean="0"/>
+              <a:rPr lang="en-CA" dirty="0" smtClean="0"/>
               <a:t>Karim Ali &amp; Sarah Nadi</a:t>
             </a:r>
-            <a:endParaRPr lang="en-CA"/>
+            <a:endParaRPr lang="en-CA" dirty="0"/>
           </a:p>
         </p:txBody>
       </p:sp>
@@ -5512,7 +5446,7 @@
               <a:pPr/>
               <a:t>12</a:t>
             </a:fld>
-            <a:endParaRPr lang="en-CA"/>
+            <a:endParaRPr lang="en-CA" dirty="0"/>
           </a:p>
         </p:txBody>
       </p:sp>
@@ -5609,15 +5543,7 @@
             </a:pPr>
             <a:r>
               <a:rPr lang="en-CA" dirty="0" smtClean="0"/>
-              <a:t>Distribute data that is accessed together </a:t>
-            </a:r>
-            <a:r>
-              <a:rPr lang="en-CA" dirty="0" smtClean="0"/>
-              <a:t>across </a:t>
-            </a:r>
-            <a:r>
-              <a:rPr lang="en-CA" dirty="0" smtClean="0"/>
-              <a:t>multiple disks</a:t>
+              <a:t>Distribute data that is accessed together across multiple disks</a:t>
             </a:r>
           </a:p>
           <a:p>
@@ -5638,12 +5564,8 @@
           </a:p>
           <a:p>
             <a:r>
-              <a:rPr lang="en-CA" dirty="0" err="1" smtClean="0"/>
-              <a:t>Denormalization</a:t>
-            </a:r>
-            <a:r>
-              <a:rPr lang="en-CA" dirty="0" smtClean="0"/>
-              <a:t>:</a:t>
+              <a:rPr lang="en-CA" dirty="0" smtClean="0"/>
+              <a:t>Denormalization:</a:t>
             </a:r>
           </a:p>
           <a:p>
@@ -5675,10 +5597,10 @@
           <a:lstStyle/>
           <a:p>
             <a:r>
-              <a:rPr lang="en-US" smtClean="0"/>
+              <a:rPr lang="en-US" dirty="0" smtClean="0"/>
               <a:t>Physical Design Patterns</a:t>
             </a:r>
-            <a:endParaRPr lang="en-CA"/>
+            <a:endParaRPr lang="en-CA" dirty="0"/>
           </a:p>
         </p:txBody>
       </p:sp>
@@ -5698,10 +5620,10 @@
           <a:lstStyle/>
           <a:p>
             <a:r>
-              <a:rPr lang="en-CA" smtClean="0"/>
+              <a:rPr lang="en-CA" dirty="0" smtClean="0"/>
               <a:t>Karim Ali &amp; Sarah Nadi</a:t>
             </a:r>
-            <a:endParaRPr lang="en-CA"/>
+            <a:endParaRPr lang="en-CA" dirty="0"/>
           </a:p>
         </p:txBody>
       </p:sp>
@@ -5725,7 +5647,7 @@
               <a:pPr/>
               <a:t>13</a:t>
             </a:fld>
-            <a:endParaRPr lang="en-CA"/>
+            <a:endParaRPr lang="en-CA" dirty="0"/>
           </a:p>
         </p:txBody>
       </p:sp>
@@ -5799,7 +5721,7 @@
           <a:bodyPr/>
           <a:lstStyle/>
           <a:p>
-            <a:endParaRPr lang="en-CA"/>
+            <a:endParaRPr lang="en-CA" dirty="0"/>
           </a:p>
         </p:txBody>
       </p:sp>
@@ -5819,10 +5741,10 @@
           <a:lstStyle/>
           <a:p>
             <a:r>
-              <a:rPr lang="en-US" smtClean="0"/>
+              <a:rPr lang="en-US" dirty="0" smtClean="0"/>
               <a:t>Physical Design Patterns</a:t>
             </a:r>
-            <a:endParaRPr lang="en-CA"/>
+            <a:endParaRPr lang="en-CA" dirty="0"/>
           </a:p>
         </p:txBody>
       </p:sp>
@@ -5842,10 +5764,10 @@
           <a:lstStyle/>
           <a:p>
             <a:r>
-              <a:rPr lang="en-CA" smtClean="0"/>
+              <a:rPr lang="en-CA" dirty="0" smtClean="0"/>
               <a:t>Karim Ali &amp; Sarah Nadi</a:t>
             </a:r>
-            <a:endParaRPr lang="en-CA"/>
+            <a:endParaRPr lang="en-CA" dirty="0"/>
           </a:p>
         </p:txBody>
       </p:sp>
@@ -5869,7 +5791,7 @@
               <a:pPr/>
               <a:t>14</a:t>
             </a:fld>
-            <a:endParaRPr lang="en-CA"/>
+            <a:endParaRPr lang="en-CA" dirty="0"/>
           </a:p>
         </p:txBody>
       </p:sp>
@@ -5963,10 +5885,10 @@
           <a:lstStyle/>
           <a:p>
             <a:r>
-              <a:rPr lang="en-US" smtClean="0"/>
+              <a:rPr lang="en-US" dirty="0" smtClean="0"/>
               <a:t>Physical Design Patterns</a:t>
             </a:r>
-            <a:endParaRPr lang="en-CA"/>
+            <a:endParaRPr lang="en-CA" dirty="0"/>
           </a:p>
         </p:txBody>
       </p:sp>
@@ -5986,10 +5908,10 @@
           <a:lstStyle/>
           <a:p>
             <a:r>
-              <a:rPr lang="en-CA" smtClean="0"/>
+              <a:rPr lang="en-CA" dirty="0" smtClean="0"/>
               <a:t>Karim Ali &amp; Sarah Nadi</a:t>
             </a:r>
-            <a:endParaRPr lang="en-CA"/>
+            <a:endParaRPr lang="en-CA" dirty="0"/>
           </a:p>
         </p:txBody>
       </p:sp>
@@ -6013,7 +5935,7 @@
               <a:pPr/>
               <a:t>15</a:t>
             </a:fld>
-            <a:endParaRPr lang="en-CA"/>
+            <a:endParaRPr lang="en-CA" dirty="0"/>
           </a:p>
         </p:txBody>
       </p:sp>
@@ -6137,10 +6059,10 @@
           <a:lstStyle/>
           <a:p>
             <a:r>
-              <a:rPr lang="en-US" smtClean="0"/>
+              <a:rPr lang="en-US" dirty="0" smtClean="0"/>
               <a:t>Physical Design Patterns</a:t>
             </a:r>
-            <a:endParaRPr lang="en-CA"/>
+            <a:endParaRPr lang="en-CA" dirty="0"/>
           </a:p>
         </p:txBody>
       </p:sp>
@@ -6160,10 +6082,10 @@
           <a:lstStyle/>
           <a:p>
             <a:r>
-              <a:rPr lang="en-CA" smtClean="0"/>
+              <a:rPr lang="en-CA" dirty="0" smtClean="0"/>
               <a:t>Karim Ali &amp; Sarah Nadi</a:t>
             </a:r>
-            <a:endParaRPr lang="en-CA"/>
+            <a:endParaRPr lang="en-CA" dirty="0"/>
           </a:p>
         </p:txBody>
       </p:sp>
@@ -6187,7 +6109,7 @@
               <a:pPr/>
               <a:t>16</a:t>
             </a:fld>
-            <a:endParaRPr lang="en-CA"/>
+            <a:endParaRPr lang="en-CA" dirty="0"/>
           </a:p>
         </p:txBody>
       </p:sp>
@@ -6318,12 +6240,9 @@
             <a:pPr lvl="2"/>
             <a:r>
               <a:rPr lang="en-CA" dirty="0" smtClean="0"/>
-              <a:t>B+ </a:t>
-            </a:r>
-            <a:r>
-              <a:rPr lang="en-CA" dirty="0" smtClean="0"/>
-              <a:t>Trees</a:t>
-            </a:r>
+              <a:t>B+trees</a:t>
+            </a:r>
+            <a:endParaRPr lang="en-CA" dirty="0" smtClean="0"/>
           </a:p>
           <a:p>
             <a:pPr lvl="2"/>
@@ -6357,10 +6276,10 @@
           <a:lstStyle/>
           <a:p>
             <a:r>
-              <a:rPr lang="en-US" smtClean="0"/>
+              <a:rPr lang="en-US" dirty="0" smtClean="0"/>
               <a:t>Physical Design Patterns</a:t>
             </a:r>
-            <a:endParaRPr lang="en-CA"/>
+            <a:endParaRPr lang="en-CA" dirty="0"/>
           </a:p>
         </p:txBody>
       </p:sp>
@@ -6380,10 +6299,10 @@
           <a:lstStyle/>
           <a:p>
             <a:r>
-              <a:rPr lang="en-CA" smtClean="0"/>
+              <a:rPr lang="en-CA" dirty="0" smtClean="0"/>
               <a:t>Karim Ali &amp; Sarah Nadi</a:t>
             </a:r>
-            <a:endParaRPr lang="en-CA"/>
+            <a:endParaRPr lang="en-CA" dirty="0"/>
           </a:p>
         </p:txBody>
       </p:sp>
@@ -6407,7 +6326,7 @@
               <a:pPr/>
               <a:t>17</a:t>
             </a:fld>
-            <a:endParaRPr lang="en-CA"/>
+            <a:endParaRPr lang="en-CA" dirty="0"/>
           </a:p>
         </p:txBody>
       </p:sp>
@@ -6492,10 +6411,10 @@
           <a:lstStyle/>
           <a:p>
             <a:r>
-              <a:rPr lang="en-US" smtClean="0"/>
+              <a:rPr lang="en-US" dirty="0" smtClean="0"/>
               <a:t>Physical Design Patterns</a:t>
             </a:r>
-            <a:endParaRPr lang="en-CA"/>
+            <a:endParaRPr lang="en-CA" dirty="0"/>
           </a:p>
         </p:txBody>
       </p:sp>
@@ -6515,10 +6434,10 @@
           <a:lstStyle/>
           <a:p>
             <a:r>
-              <a:rPr lang="en-CA" smtClean="0"/>
+              <a:rPr lang="en-CA" dirty="0" smtClean="0"/>
               <a:t>Karim Ali &amp; Sarah Nadi</a:t>
             </a:r>
-            <a:endParaRPr lang="en-CA"/>
+            <a:endParaRPr lang="en-CA" dirty="0"/>
           </a:p>
         </p:txBody>
       </p:sp>
@@ -6542,7 +6461,7 @@
               <a:pPr/>
               <a:t>18</a:t>
             </a:fld>
-            <a:endParaRPr lang="en-CA"/>
+            <a:endParaRPr lang="en-CA" dirty="0"/>
           </a:p>
         </p:txBody>
       </p:sp>
@@ -6621,7 +6540,7 @@
                     <a:p>
                       <a:r>
                         <a:rPr lang="en-CA" sz="1600" b="1" dirty="0" smtClean="0"/>
-                        <a:t>B+ Tree</a:t>
+                        <a:t>B+tree</a:t>
                       </a:r>
                       <a:endParaRPr lang="en-CA" sz="1600" b="1" dirty="0"/>
                     </a:p>
@@ -6639,11 +6558,7 @@
                       </a:pPr>
                       <a:r>
                         <a:rPr lang="en-CA" sz="1600" baseline="0" dirty="0" smtClean="0"/>
-                        <a:t>Reasonably </a:t>
-                      </a:r>
-                      <a:r>
-                        <a:rPr lang="en-CA" sz="1600" baseline="0" dirty="0" smtClean="0"/>
-                        <a:t>quick searching</a:t>
+                        <a:t>Reasonably quick searching</a:t>
                       </a:r>
                     </a:p>
                     <a:p>
@@ -6691,7 +6606,11 @@
                     <a:p>
                       <a:r>
                         <a:rPr lang="en-CA" sz="1600" b="1" dirty="0" smtClean="0"/>
-                        <a:t>Cache Sensitive B+ Tree</a:t>
+                        <a:t>Cache Sensitive </a:t>
+                      </a:r>
+                      <a:r>
+                        <a:rPr lang="en-CA" sz="1600" b="1" dirty="0" smtClean="0"/>
+                        <a:t>B+tree</a:t>
                       </a:r>
                       <a:r>
                         <a:rPr lang="en-CA" sz="1600" b="1" baseline="0" dirty="0" smtClean="0"/>
@@ -6702,8 +6621,8 @@
                         <a:t>(</a:t>
                       </a:r>
                       <a:r>
-                        <a:rPr lang="en-CA" sz="1600" b="1" dirty="0" err="1" smtClean="0"/>
-                        <a:t>CSB+Tree</a:t>
+                        <a:rPr lang="en-CA" sz="1600" b="1" dirty="0" smtClean="0"/>
+                        <a:t>CSB+tree</a:t>
                       </a:r>
                       <a:r>
                         <a:rPr lang="en-CA" sz="1600" b="1" dirty="0" smtClean="0"/>
@@ -6725,7 +6644,11 @@
                       </a:pPr>
                       <a:r>
                         <a:rPr lang="en-CA" sz="1600" dirty="0" smtClean="0"/>
-                        <a:t> Same features of B+ Trees</a:t>
+                        <a:t> Same features of </a:t>
+                      </a:r>
+                      <a:r>
+                        <a:rPr lang="en-CA" sz="1600" dirty="0" smtClean="0"/>
+                        <a:t>B+trees</a:t>
                       </a:r>
                       <a:endParaRPr lang="en-CA" sz="1600" dirty="0"/>
                     </a:p>
@@ -6809,7 +6732,18 @@
                           <a:ea typeface="+mn-ea"/>
                           <a:cs typeface="+mn-cs"/>
                         </a:rPr>
-                        <a:t> Good update &amp; storage characteristics of B Tree</a:t>
+                        <a:t> Good update &amp; storage characteristics of </a:t>
+                      </a:r>
+                      <a:r>
+                        <a:rPr kumimoji="0" lang="en-CA" sz="1600" kern="1200" baseline="0" dirty="0" smtClean="0">
+                          <a:solidFill>
+                            <a:schemeClr val="dk1"/>
+                          </a:solidFill>
+                          <a:latin typeface="+mn-lt"/>
+                          <a:ea typeface="+mn-ea"/>
+                          <a:cs typeface="+mn-cs"/>
+                        </a:rPr>
+                        <a:t>B-tree</a:t>
                       </a:r>
                       <a:endParaRPr lang="en-CA" sz="1600" dirty="0"/>
                     </a:p>
@@ -7050,10 +6984,10 @@
           <a:lstStyle/>
           <a:p>
             <a:r>
-              <a:rPr lang="en-US" smtClean="0"/>
+              <a:rPr lang="en-US" dirty="0" smtClean="0"/>
               <a:t>Physical Design Patterns</a:t>
             </a:r>
-            <a:endParaRPr lang="en-CA"/>
+            <a:endParaRPr lang="en-CA" dirty="0"/>
           </a:p>
         </p:txBody>
       </p:sp>
@@ -7073,10 +7007,10 @@
           <a:lstStyle/>
           <a:p>
             <a:r>
-              <a:rPr lang="en-CA" smtClean="0"/>
+              <a:rPr lang="en-CA" dirty="0" smtClean="0"/>
               <a:t>Karim Ali &amp; Sarah Nadi</a:t>
             </a:r>
-            <a:endParaRPr lang="en-CA"/>
+            <a:endParaRPr lang="en-CA" dirty="0"/>
           </a:p>
         </p:txBody>
       </p:sp>
@@ -7100,7 +7034,7 @@
               <a:pPr/>
               <a:t>19</a:t>
             </a:fld>
-            <a:endParaRPr lang="en-CA"/>
+            <a:endParaRPr lang="en-CA" dirty="0"/>
           </a:p>
         </p:txBody>
       </p:sp>
@@ -7185,7 +7119,6 @@
               <a:rPr lang="en-CA" dirty="0" smtClean="0"/>
               <a:t>Physical Design of Different Systems</a:t>
             </a:r>
-            <a:endParaRPr lang="en-CA" dirty="0" smtClean="0"/>
           </a:p>
           <a:p>
             <a:pPr marL="1225296" lvl="2" indent="-457200">
@@ -7206,6 +7139,7 @@
               <a:rPr lang="en-CA" dirty="0" smtClean="0"/>
               <a:t>XML Databases</a:t>
             </a:r>
+            <a:endParaRPr lang="en-CA" dirty="0" smtClean="0"/>
           </a:p>
           <a:p>
             <a:pPr marL="1225296" lvl="2" indent="-457200">
@@ -7220,14 +7154,9 @@
           <a:p>
             <a:r>
               <a:rPr lang="en-CA" dirty="0" smtClean="0"/>
-              <a:t>Future Work</a:t>
-            </a:r>
-          </a:p>
-          <a:p>
-            <a:r>
-              <a:rPr lang="en-CA" dirty="0" smtClean="0"/>
-              <a:t>Summary &amp; Conclusions</a:t>
-            </a:r>
+              <a:t>Conclusions &amp; Future Work</a:t>
+            </a:r>
+            <a:endParaRPr lang="en-CA" dirty="0" smtClean="0"/>
           </a:p>
           <a:p>
             <a:endParaRPr lang="en-CA" dirty="0"/>
@@ -7273,16 +7202,8 @@
           <a:lstStyle/>
           <a:p>
             <a:r>
-              <a:rPr lang="en-CA" dirty="0" err="1" smtClean="0"/>
-              <a:t>Karim</a:t>
-            </a:r>
-            <a:r>
-              <a:rPr lang="en-CA" dirty="0" smtClean="0"/>
-              <a:t> Ali &amp; Sarah </a:t>
-            </a:r>
-            <a:r>
-              <a:rPr lang="en-CA" dirty="0" err="1" smtClean="0"/>
-              <a:t>Nadi</a:t>
+              <a:rPr lang="en-CA" dirty="0" smtClean="0"/>
+              <a:t>Karim Ali &amp; Sarah Nadi</a:t>
             </a:r>
             <a:endParaRPr lang="en-CA" dirty="0"/>
           </a:p>
@@ -7308,7 +7229,7 @@
               <a:pPr/>
               <a:t>2</a:t>
             </a:fld>
-            <a:endParaRPr lang="en-CA"/>
+            <a:endParaRPr lang="en-CA" dirty="0"/>
           </a:p>
         </p:txBody>
       </p:sp>
@@ -7377,8 +7298,8 @@
               <a:t>3. </a:t>
             </a:r>
             <a:r>
-              <a:rPr lang="en-CA" dirty="0" err="1" smtClean="0"/>
-              <a:t>Partioning</a:t>
+              <a:rPr lang="en-CA" dirty="0" smtClean="0"/>
+              <a:t>Partitioning</a:t>
             </a:r>
             <a:endParaRPr lang="en-CA" dirty="0"/>
           </a:p>
@@ -7427,11 +7348,7 @@
             </a:pPr>
             <a:r>
               <a:rPr lang="en-CA" dirty="0" smtClean="0"/>
-              <a:t>Vertical </a:t>
-            </a:r>
-            <a:r>
-              <a:rPr lang="en-CA" dirty="0" smtClean="0"/>
-              <a:t>partitioning</a:t>
+              <a:t>Vertical partitioning</a:t>
             </a:r>
           </a:p>
           <a:p>
@@ -7456,10 +7373,10 @@
           <a:lstStyle/>
           <a:p>
             <a:r>
-              <a:rPr lang="en-US" smtClean="0"/>
+              <a:rPr lang="en-US" dirty="0" smtClean="0"/>
               <a:t>Physical Design Patterns</a:t>
             </a:r>
-            <a:endParaRPr lang="en-CA"/>
+            <a:endParaRPr lang="en-CA" dirty="0"/>
           </a:p>
         </p:txBody>
       </p:sp>
@@ -7479,10 +7396,10 @@
           <a:lstStyle/>
           <a:p>
             <a:r>
-              <a:rPr lang="en-CA" smtClean="0"/>
+              <a:rPr lang="en-CA" dirty="0" smtClean="0"/>
               <a:t>Karim Ali &amp; Sarah Nadi</a:t>
             </a:r>
-            <a:endParaRPr lang="en-CA"/>
+            <a:endParaRPr lang="en-CA" dirty="0"/>
           </a:p>
         </p:txBody>
       </p:sp>
@@ -7506,7 +7423,7 @@
               <a:pPr/>
               <a:t>20</a:t>
             </a:fld>
-            <a:endParaRPr lang="en-CA"/>
+            <a:endParaRPr lang="en-CA" dirty="0"/>
           </a:p>
         </p:txBody>
       </p:sp>
@@ -7620,10 +7537,10 @@
           <a:lstStyle/>
           <a:p>
             <a:r>
-              <a:rPr lang="en-US" smtClean="0"/>
+              <a:rPr lang="en-US" dirty="0" smtClean="0"/>
               <a:t>Physical Design Patterns</a:t>
             </a:r>
-            <a:endParaRPr lang="en-CA"/>
+            <a:endParaRPr lang="en-CA" dirty="0"/>
           </a:p>
         </p:txBody>
       </p:sp>
@@ -7643,10 +7560,10 @@
           <a:lstStyle/>
           <a:p>
             <a:r>
-              <a:rPr lang="en-CA" smtClean="0"/>
+              <a:rPr lang="en-CA" dirty="0" smtClean="0"/>
               <a:t>Karim Ali &amp; Sarah Nadi</a:t>
             </a:r>
-            <a:endParaRPr lang="en-CA"/>
+            <a:endParaRPr lang="en-CA" dirty="0"/>
           </a:p>
         </p:txBody>
       </p:sp>
@@ -7670,7 +7587,7 @@
               <a:pPr/>
               <a:t>21</a:t>
             </a:fld>
-            <a:endParaRPr lang="en-CA"/>
+            <a:endParaRPr lang="en-CA" dirty="0"/>
           </a:p>
         </p:txBody>
       </p:sp>
@@ -7716,7 +7633,15 @@
           <a:p>
             <a:r>
               <a:rPr lang="en-CA" dirty="0" smtClean="0"/>
-              <a:t>2. Data Warehouses</a:t>
+              <a:t>2</a:t>
+            </a:r>
+            <a:r>
+              <a:rPr lang="en-CA" dirty="0" smtClean="0"/>
+              <a:t>. </a:t>
+            </a:r>
+            <a:r>
+              <a:rPr lang="en-CA" dirty="0" smtClean="0"/>
+              <a:t>XML Databases (XML DBs)</a:t>
             </a:r>
             <a:endParaRPr lang="en-CA" dirty="0"/>
           </a:p>
@@ -7737,7 +7662,7 @@
           <a:bodyPr/>
           <a:lstStyle/>
           <a:p>
-            <a:endParaRPr lang="en-CA"/>
+            <a:endParaRPr lang="en-CA" dirty="0"/>
           </a:p>
         </p:txBody>
       </p:sp>
@@ -7757,10 +7682,10 @@
           <a:lstStyle/>
           <a:p>
             <a:r>
-              <a:rPr lang="en-US" smtClean="0"/>
+              <a:rPr lang="en-US" dirty="0" smtClean="0"/>
               <a:t>Physical Design Patterns</a:t>
             </a:r>
-            <a:endParaRPr lang="en-CA"/>
+            <a:endParaRPr lang="en-CA" dirty="0"/>
           </a:p>
         </p:txBody>
       </p:sp>
@@ -7780,10 +7705,10 @@
           <a:lstStyle/>
           <a:p>
             <a:r>
-              <a:rPr lang="en-CA" smtClean="0"/>
+              <a:rPr lang="en-CA" dirty="0" smtClean="0"/>
               <a:t>Karim Ali &amp; Sarah Nadi</a:t>
             </a:r>
-            <a:endParaRPr lang="en-CA"/>
+            <a:endParaRPr lang="en-CA" dirty="0"/>
           </a:p>
         </p:txBody>
       </p:sp>
@@ -7807,7 +7732,7 @@
               <a:pPr/>
               <a:t>22</a:t>
             </a:fld>
-            <a:endParaRPr lang="en-CA"/>
+            <a:endParaRPr lang="en-CA" dirty="0"/>
           </a:p>
         </p:txBody>
       </p:sp>
@@ -7838,7 +7763,7 @@
       </p:grpSpPr>
       <p:sp>
         <p:nvSpPr>
-          <p:cNvPr id="2" name="Title 1"/>
+          <p:cNvPr id="7" name="Title 6"/>
           <p:cNvSpPr>
             <a:spLocks noGrp="1"/>
           </p:cNvSpPr>
@@ -7855,7 +7780,7 @@
           <a:p>
             <a:r>
               <a:rPr lang="en-CA" sz="3300" dirty="0" smtClean="0"/>
-              <a:t>Data Warehouses</a:t>
+              <a:t>XML DBs</a:t>
             </a:r>
             <a:r>
               <a:rPr lang="en-CA" dirty="0" smtClean="0"/>
@@ -7874,7 +7799,7 @@
       </p:sp>
       <p:sp>
         <p:nvSpPr>
-          <p:cNvPr id="3" name="Content Placeholder 2"/>
+          <p:cNvPr id="9" name="Content Placeholder 8"/>
           <p:cNvSpPr>
             <a:spLocks noGrp="1"/>
           </p:cNvSpPr>
@@ -7884,54 +7809,54 @@
         </p:nvSpPr>
         <p:spPr/>
         <p:txBody>
-          <a:bodyPr>
-            <a:normAutofit/>
-          </a:bodyPr>
-          <a:lstStyle/>
-          <a:p>
-            <a:r>
-              <a:rPr lang="en-CA" dirty="0" smtClean="0"/>
-              <a:t>Collection of data and decision support technologies</a:t>
-            </a:r>
-          </a:p>
-          <a:p>
-            <a:r>
-              <a:rPr lang="en-CA" dirty="0" smtClean="0"/>
-              <a:t>Used in:</a:t>
-            </a:r>
-          </a:p>
-          <a:p>
-            <a:pPr lvl="2">
-              <a:buClr>
-                <a:srgbClr val="E66C7D"/>
-              </a:buClr>
+          <a:bodyPr/>
+          <a:lstStyle/>
+          <a:p>
+            <a:r>
+              <a:rPr lang="en-CA" dirty="0" smtClean="0"/>
+              <a:t>Store, organize &amp; query XML documents</a:t>
+            </a:r>
+          </a:p>
+          <a:p>
+            <a:pPr lvl="1">
+              <a:buFont typeface="Arial" pitchFamily="34" charset="0"/>
+              <a:buChar char="•"/>
             </a:pPr>
             <a:r>
               <a:rPr lang="en-CA" dirty="0" smtClean="0"/>
-              <a:t>Retail: user profiling</a:t>
-            </a:r>
-          </a:p>
-          <a:p>
-            <a:pPr lvl="2">
-              <a:buClr>
-                <a:srgbClr val="E66C7D"/>
-              </a:buClr>
+              <a:t>XML-enabled DBs:</a:t>
+            </a:r>
+          </a:p>
+          <a:p>
+            <a:pPr lvl="2"/>
+            <a:r>
+              <a:rPr lang="en-CA" dirty="0" smtClean="0"/>
+              <a:t>Maps XML documents to relational tables</a:t>
+            </a:r>
+          </a:p>
+          <a:p>
+            <a:pPr lvl="1">
+              <a:buFont typeface="Arial" pitchFamily="34" charset="0"/>
+              <a:buChar char="•"/>
             </a:pPr>
             <a:r>
               <a:rPr lang="en-CA" dirty="0" smtClean="0"/>
-              <a:t>Finance: claims analysis, risk analysis, credit card analysis, and fraud detection</a:t>
-            </a:r>
-          </a:p>
-          <a:p>
-            <a:pPr lvl="2">
-              <a:buClr>
-                <a:srgbClr val="E66C7D"/>
-              </a:buClr>
-            </a:pPr>
-            <a:r>
-              <a:rPr lang="en-CA" dirty="0" smtClean="0"/>
-              <a:t>Healthcare: outcomes analysis</a:t>
-            </a:r>
+              <a:t>Native XML DBs:</a:t>
+            </a:r>
+          </a:p>
+          <a:p>
+            <a:pPr lvl="2"/>
+            <a:r>
+              <a:rPr lang="en-CA" dirty="0" smtClean="0"/>
+              <a:t>Data structures store actual XML</a:t>
+            </a:r>
+          </a:p>
+          <a:p>
+            <a:r>
+              <a:rPr lang="en-CA" dirty="0" smtClean="0"/>
+              <a:t>Semi-structured data is harder to handle</a:t>
+            </a:r>
+            <a:endParaRPr lang="en-CA" dirty="0"/>
           </a:p>
         </p:txBody>
       </p:sp>
@@ -7951,10 +7876,10 @@
           <a:lstStyle/>
           <a:p>
             <a:r>
-              <a:rPr lang="en-US" smtClean="0"/>
+              <a:rPr lang="en-US" dirty="0" smtClean="0"/>
               <a:t>Physical Design Patterns</a:t>
             </a:r>
-            <a:endParaRPr lang="en-CA"/>
+            <a:endParaRPr lang="en-CA" dirty="0"/>
           </a:p>
         </p:txBody>
       </p:sp>
@@ -7974,10 +7899,10 @@
           <a:lstStyle/>
           <a:p>
             <a:r>
-              <a:rPr lang="en-CA" smtClean="0"/>
+              <a:rPr lang="en-CA" dirty="0" smtClean="0"/>
               <a:t>Karim Ali &amp; Sarah Nadi</a:t>
             </a:r>
-            <a:endParaRPr lang="en-CA"/>
+            <a:endParaRPr lang="en-CA" dirty="0"/>
           </a:p>
         </p:txBody>
       </p:sp>
@@ -8001,7 +7926,7 @@
               <a:pPr/>
               <a:t>23</a:t>
             </a:fld>
-            <a:endParaRPr lang="en-CA"/>
+            <a:endParaRPr lang="en-CA" dirty="0"/>
           </a:p>
         </p:txBody>
       </p:sp>
@@ -8014,2711 +7939,6 @@
 </file>
 
 <file path=ppt/slides/slide24.xml><?xml version="1.0" encoding="utf-8"?>
-<p:sld xmlns:a="http://schemas.openxmlformats.org/drawingml/2006/main" xmlns:r="http://schemas.openxmlformats.org/officeDocument/2006/relationships" xmlns:p="http://schemas.openxmlformats.org/presentationml/2006/main">
-  <p:cSld>
-    <p:spTree>
-      <p:nvGrpSpPr>
-        <p:cNvPr id="1" name=""/>
-        <p:cNvGrpSpPr/>
-        <p:nvPr/>
-      </p:nvGrpSpPr>
-      <p:grpSpPr>
-        <a:xfrm>
-          <a:off x="0" y="0"/>
-          <a:ext cx="0" cy="0"/>
-          <a:chOff x="0" y="0"/>
-          <a:chExt cx="0" cy="0"/>
-        </a:xfrm>
-      </p:grpSpPr>
-      <p:sp>
-        <p:nvSpPr>
-          <p:cNvPr id="2" name="Title 1"/>
-          <p:cNvSpPr>
-            <a:spLocks noGrp="1"/>
-          </p:cNvSpPr>
-          <p:nvPr>
-            <p:ph type="title"/>
-          </p:nvPr>
-        </p:nvSpPr>
-        <p:spPr/>
-        <p:txBody>
-          <a:bodyPr>
-            <a:normAutofit fontScale="90000"/>
-          </a:bodyPr>
-          <a:lstStyle/>
-          <a:p>
-            <a:r>
-              <a:rPr lang="en-CA" sz="3300" dirty="0" smtClean="0"/>
-              <a:t>Data Warehouses</a:t>
-            </a:r>
-            <a:r>
-              <a:rPr lang="en-CA" dirty="0" smtClean="0"/>
-              <a:t/>
-            </a:r>
-            <a:br>
-              <a:rPr lang="en-CA" dirty="0" smtClean="0"/>
-            </a:br>
-            <a:r>
-              <a:rPr lang="en-CA" dirty="0" smtClean="0"/>
-              <a:t>Design</a:t>
-            </a:r>
-            <a:endParaRPr lang="en-CA" dirty="0"/>
-          </a:p>
-        </p:txBody>
-      </p:sp>
-      <p:sp>
-        <p:nvSpPr>
-          <p:cNvPr id="4" name="Date Placeholder 3"/>
-          <p:cNvSpPr>
-            <a:spLocks noGrp="1"/>
-          </p:cNvSpPr>
-          <p:nvPr>
-            <p:ph type="dt" sz="half" idx="10"/>
-          </p:nvPr>
-        </p:nvSpPr>
-        <p:spPr/>
-        <p:txBody>
-          <a:bodyPr/>
-          <a:lstStyle/>
-          <a:p>
-            <a:r>
-              <a:rPr lang="en-US" smtClean="0"/>
-              <a:t>Physical Design Patterns</a:t>
-            </a:r>
-            <a:endParaRPr lang="en-CA"/>
-          </a:p>
-        </p:txBody>
-      </p:sp>
-      <p:sp>
-        <p:nvSpPr>
-          <p:cNvPr id="5" name="Footer Placeholder 4"/>
-          <p:cNvSpPr>
-            <a:spLocks noGrp="1"/>
-          </p:cNvSpPr>
-          <p:nvPr>
-            <p:ph type="ftr" sz="quarter" idx="11"/>
-          </p:nvPr>
-        </p:nvSpPr>
-        <p:spPr/>
-        <p:txBody>
-          <a:bodyPr/>
-          <a:lstStyle/>
-          <a:p>
-            <a:r>
-              <a:rPr lang="en-CA" smtClean="0"/>
-              <a:t>Karim Ali &amp; Sarah Nadi</a:t>
-            </a:r>
-            <a:endParaRPr lang="en-CA"/>
-          </a:p>
-        </p:txBody>
-      </p:sp>
-      <p:sp>
-        <p:nvSpPr>
-          <p:cNvPr id="6" name="Slide Number Placeholder 5"/>
-          <p:cNvSpPr>
-            <a:spLocks noGrp="1"/>
-          </p:cNvSpPr>
-          <p:nvPr>
-            <p:ph type="sldNum" sz="quarter" idx="12"/>
-          </p:nvPr>
-        </p:nvSpPr>
-        <p:spPr/>
-        <p:txBody>
-          <a:bodyPr/>
-          <a:lstStyle/>
-          <a:p>
-            <a:fld id="{9AC8176B-BF31-4706-B15B-1AFC481B9AC3}" type="slidenum">
-              <a:rPr lang="en-CA" smtClean="0"/>
-              <a:pPr/>
-              <a:t>24</a:t>
-            </a:fld>
-            <a:endParaRPr lang="en-CA"/>
-          </a:p>
-        </p:txBody>
-      </p:sp>
-      <p:pic>
-        <p:nvPicPr>
-          <p:cNvPr id="2050" name="Picture 2"/>
-          <p:cNvPicPr>
-            <a:picLocks noChangeAspect="1" noChangeArrowheads="1"/>
-          </p:cNvPicPr>
-          <p:nvPr/>
-        </p:nvPicPr>
-        <p:blipFill>
-          <a:blip r:embed="rId2"/>
-          <a:srcRect/>
-          <a:stretch>
-            <a:fillRect/>
-          </a:stretch>
-        </p:blipFill>
-        <p:spPr bwMode="auto">
-          <a:xfrm>
-            <a:off x="1643042" y="1643050"/>
-            <a:ext cx="5357850" cy="4292311"/>
-          </a:xfrm>
-          <a:prstGeom prst="rect">
-            <a:avLst/>
-          </a:prstGeom>
-          <a:noFill/>
-          <a:ln w="9525">
-            <a:noFill/>
-            <a:miter lim="800000"/>
-            <a:headEnd/>
-            <a:tailEnd/>
-          </a:ln>
-          <a:effectLst/>
-        </p:spPr>
-      </p:pic>
-    </p:spTree>
-  </p:cSld>
-  <p:clrMapOvr>
-    <a:masterClrMapping/>
-  </p:clrMapOvr>
-</p:sld>
-</file>
-
-<file path=ppt/slides/slide25.xml><?xml version="1.0" encoding="utf-8"?>
-<p:sld xmlns:a="http://schemas.openxmlformats.org/drawingml/2006/main" xmlns:r="http://schemas.openxmlformats.org/officeDocument/2006/relationships" xmlns:p="http://schemas.openxmlformats.org/presentationml/2006/main">
-  <p:cSld>
-    <p:spTree>
-      <p:nvGrpSpPr>
-        <p:cNvPr id="1" name=""/>
-        <p:cNvGrpSpPr/>
-        <p:nvPr/>
-      </p:nvGrpSpPr>
-      <p:grpSpPr>
-        <a:xfrm>
-          <a:off x="0" y="0"/>
-          <a:ext cx="0" cy="0"/>
-          <a:chOff x="0" y="0"/>
-          <a:chExt cx="0" cy="0"/>
-        </a:xfrm>
-      </p:grpSpPr>
-      <p:sp>
-        <p:nvSpPr>
-          <p:cNvPr id="2" name="Title 1"/>
-          <p:cNvSpPr>
-            <a:spLocks noGrp="1"/>
-          </p:cNvSpPr>
-          <p:nvPr>
-            <p:ph type="title"/>
-          </p:nvPr>
-        </p:nvSpPr>
-        <p:spPr/>
-        <p:txBody>
-          <a:bodyPr>
-            <a:normAutofit fontScale="90000"/>
-          </a:bodyPr>
-          <a:lstStyle/>
-          <a:p>
-            <a:r>
-              <a:rPr lang="en-CA" sz="3300" dirty="0" smtClean="0"/>
-              <a:t>Data Warehouses</a:t>
-            </a:r>
-            <a:br>
-              <a:rPr lang="en-CA" sz="3300" dirty="0" smtClean="0"/>
-            </a:br>
-            <a:r>
-              <a:rPr lang="en-CA" dirty="0" smtClean="0"/>
-              <a:t>Design </a:t>
-            </a:r>
-            <a:r>
-              <a:rPr lang="en-CA" sz="2400" i="1" dirty="0" smtClean="0">
-                <a:solidFill>
-                  <a:srgbClr val="F0AD00">
-                    <a:satMod val="150000"/>
-                  </a:srgbClr>
-                </a:solidFill>
-              </a:rPr>
-              <a:t>Cont’d</a:t>
-            </a:r>
-            <a:endParaRPr lang="en-CA" dirty="0"/>
-          </a:p>
-        </p:txBody>
-      </p:sp>
-      <p:sp>
-        <p:nvSpPr>
-          <p:cNvPr id="4" name="Date Placeholder 3"/>
-          <p:cNvSpPr>
-            <a:spLocks noGrp="1"/>
-          </p:cNvSpPr>
-          <p:nvPr>
-            <p:ph type="dt" sz="half" idx="10"/>
-          </p:nvPr>
-        </p:nvSpPr>
-        <p:spPr/>
-        <p:txBody>
-          <a:bodyPr/>
-          <a:lstStyle/>
-          <a:p>
-            <a:r>
-              <a:rPr lang="en-US" smtClean="0"/>
-              <a:t>Physical Design Patterns</a:t>
-            </a:r>
-            <a:endParaRPr lang="en-CA"/>
-          </a:p>
-        </p:txBody>
-      </p:sp>
-      <p:sp>
-        <p:nvSpPr>
-          <p:cNvPr id="5" name="Footer Placeholder 4"/>
-          <p:cNvSpPr>
-            <a:spLocks noGrp="1"/>
-          </p:cNvSpPr>
-          <p:nvPr>
-            <p:ph type="ftr" sz="quarter" idx="11"/>
-          </p:nvPr>
-        </p:nvSpPr>
-        <p:spPr/>
-        <p:txBody>
-          <a:bodyPr/>
-          <a:lstStyle/>
-          <a:p>
-            <a:r>
-              <a:rPr lang="en-CA" smtClean="0"/>
-              <a:t>Karim Ali &amp; Sarah Nadi</a:t>
-            </a:r>
-            <a:endParaRPr lang="en-CA"/>
-          </a:p>
-        </p:txBody>
-      </p:sp>
-      <p:sp>
-        <p:nvSpPr>
-          <p:cNvPr id="6" name="Slide Number Placeholder 5"/>
-          <p:cNvSpPr>
-            <a:spLocks noGrp="1"/>
-          </p:cNvSpPr>
-          <p:nvPr>
-            <p:ph type="sldNum" sz="quarter" idx="12"/>
-          </p:nvPr>
-        </p:nvSpPr>
-        <p:spPr/>
-        <p:txBody>
-          <a:bodyPr/>
-          <a:lstStyle/>
-          <a:p>
-            <a:fld id="{9AC8176B-BF31-4706-B15B-1AFC481B9AC3}" type="slidenum">
-              <a:rPr lang="en-CA" smtClean="0"/>
-              <a:pPr/>
-              <a:t>25</a:t>
-            </a:fld>
-            <a:endParaRPr lang="en-CA"/>
-          </a:p>
-        </p:txBody>
-      </p:sp>
-      <p:graphicFrame>
-        <p:nvGraphicFramePr>
-          <p:cNvPr id="8" name="Content Placeholder 7"/>
-          <p:cNvGraphicFramePr>
-            <a:graphicFrameLocks noGrp="1"/>
-          </p:cNvGraphicFramePr>
-          <p:nvPr>
-            <p:ph idx="1"/>
-          </p:nvPr>
-        </p:nvGraphicFramePr>
-        <p:xfrm>
-          <a:off x="1643042" y="2257118"/>
-          <a:ext cx="6172200" cy="2672080"/>
-        </p:xfrm>
-        <a:graphic>
-          <a:graphicData uri="http://schemas.openxmlformats.org/drawingml/2006/table">
-            <a:tbl>
-              <a:tblPr firstRow="1" firstCol="1" bandRow="1">
-                <a:tableStyleId>{5C22544A-7EE6-4342-B048-85BDC9FD1C3A}</a:tableStyleId>
-              </a:tblPr>
-              <a:tblGrid>
-                <a:gridCol w="2057400"/>
-                <a:gridCol w="2057400"/>
-                <a:gridCol w="2057400"/>
-              </a:tblGrid>
-              <a:tr h="370840">
-                <a:tc>
-                  <a:txBody>
-                    <a:bodyPr/>
-                    <a:lstStyle/>
-                    <a:p>
-                      <a:endParaRPr lang="en-CA" dirty="0"/>
-                    </a:p>
-                  </a:txBody>
-                  <a:tcPr/>
-                </a:tc>
-                <a:tc>
-                  <a:txBody>
-                    <a:bodyPr/>
-                    <a:lstStyle/>
-                    <a:p>
-                      <a:pPr algn="ctr"/>
-                      <a:r>
-                        <a:rPr lang="en-CA" dirty="0" smtClean="0"/>
-                        <a:t>ROLAP</a:t>
-                      </a:r>
-                      <a:endParaRPr lang="en-CA" dirty="0"/>
-                    </a:p>
-                  </a:txBody>
-                  <a:tcPr anchor="ctr"/>
-                </a:tc>
-                <a:tc>
-                  <a:txBody>
-                    <a:bodyPr/>
-                    <a:lstStyle/>
-                    <a:p>
-                      <a:pPr algn="ctr"/>
-                      <a:r>
-                        <a:rPr lang="en-CA" dirty="0" smtClean="0"/>
-                        <a:t>MOLAP</a:t>
-                      </a:r>
-                      <a:endParaRPr lang="en-CA" dirty="0"/>
-                    </a:p>
-                  </a:txBody>
-                  <a:tcPr anchor="ctr"/>
-                </a:tc>
-              </a:tr>
-              <a:tr h="370840">
-                <a:tc>
-                  <a:txBody>
-                    <a:bodyPr/>
-                    <a:lstStyle/>
-                    <a:p>
-                      <a:pPr marL="0" algn="ctr" rtl="0" eaLnBrk="1" latinLnBrk="0" hangingPunct="1"/>
-                      <a:r>
-                        <a:rPr kumimoji="0" lang="en-CA" b="1" kern="1200" dirty="0" smtClean="0">
-                          <a:solidFill>
-                            <a:schemeClr val="lt1"/>
-                          </a:solidFill>
-                          <a:latin typeface="+mn-lt"/>
-                          <a:ea typeface="+mn-ea"/>
-                          <a:cs typeface="+mn-cs"/>
-                        </a:rPr>
-                        <a:t>Storage</a:t>
-                      </a:r>
-                      <a:endParaRPr kumimoji="0" lang="en-CA" b="1" kern="1200" dirty="0">
-                        <a:solidFill>
-                          <a:schemeClr val="lt1"/>
-                        </a:solidFill>
-                        <a:latin typeface="+mn-lt"/>
-                        <a:ea typeface="+mn-ea"/>
-                        <a:cs typeface="+mn-cs"/>
-                      </a:endParaRPr>
-                    </a:p>
-                  </a:txBody>
-                  <a:tcPr/>
-                </a:tc>
-                <a:tc>
-                  <a:txBody>
-                    <a:bodyPr/>
-                    <a:lstStyle/>
-                    <a:p>
-                      <a:pPr algn="ctr"/>
-                      <a:r>
-                        <a:rPr lang="en-CA" dirty="0" smtClean="0"/>
-                        <a:t>Relational</a:t>
-                      </a:r>
-                      <a:r>
-                        <a:rPr lang="en-CA" baseline="0" dirty="0" smtClean="0"/>
-                        <a:t> </a:t>
-                      </a:r>
-                      <a:r>
-                        <a:rPr lang="en-CA" dirty="0" smtClean="0"/>
-                        <a:t>DBs</a:t>
-                      </a:r>
-                      <a:endParaRPr lang="en-CA" dirty="0"/>
-                    </a:p>
-                  </a:txBody>
-                  <a:tcPr/>
-                </a:tc>
-                <a:tc>
-                  <a:txBody>
-                    <a:bodyPr/>
-                    <a:lstStyle/>
-                    <a:p>
-                      <a:pPr algn="ctr"/>
-                      <a:r>
-                        <a:rPr lang="en-CA" dirty="0" smtClean="0"/>
-                        <a:t>Data Cubes</a:t>
-                      </a:r>
-                      <a:endParaRPr lang="en-CA" dirty="0"/>
-                    </a:p>
-                  </a:txBody>
-                  <a:tcPr/>
-                </a:tc>
-              </a:tr>
-              <a:tr h="370840">
-                <a:tc>
-                  <a:txBody>
-                    <a:bodyPr/>
-                    <a:lstStyle/>
-                    <a:p>
-                      <a:pPr marL="0" algn="ctr" rtl="0" eaLnBrk="1" latinLnBrk="0" hangingPunct="1"/>
-                      <a:r>
-                        <a:rPr kumimoji="0" lang="en-CA" b="1" kern="1200" dirty="0" smtClean="0">
-                          <a:solidFill>
-                            <a:schemeClr val="lt1"/>
-                          </a:solidFill>
-                          <a:latin typeface="+mn-lt"/>
-                          <a:ea typeface="+mn-ea"/>
-                          <a:cs typeface="+mn-cs"/>
-                        </a:rPr>
-                        <a:t>Dimensions</a:t>
-                      </a:r>
-                      <a:endParaRPr kumimoji="0" lang="en-CA" b="1" kern="1200" dirty="0">
-                        <a:solidFill>
-                          <a:schemeClr val="lt1"/>
-                        </a:solidFill>
-                        <a:latin typeface="+mn-lt"/>
-                        <a:ea typeface="+mn-ea"/>
-                        <a:cs typeface="+mn-cs"/>
-                      </a:endParaRPr>
-                    </a:p>
-                  </a:txBody>
-                  <a:tcPr/>
-                </a:tc>
-                <a:tc>
-                  <a:txBody>
-                    <a:bodyPr/>
-                    <a:lstStyle/>
-                    <a:p>
-                      <a:pPr algn="ctr"/>
-                      <a:r>
-                        <a:rPr lang="en-CA" dirty="0" smtClean="0"/>
-                        <a:t>Composite</a:t>
-                      </a:r>
-                      <a:r>
-                        <a:rPr lang="en-CA" baseline="0" dirty="0" smtClean="0"/>
-                        <a:t> Keys</a:t>
-                      </a:r>
-                      <a:endParaRPr lang="en-CA" dirty="0"/>
-                    </a:p>
-                  </a:txBody>
-                  <a:tcPr/>
-                </a:tc>
-                <a:tc>
-                  <a:txBody>
-                    <a:bodyPr/>
-                    <a:lstStyle/>
-                    <a:p>
-                      <a:pPr algn="ctr"/>
-                      <a:r>
-                        <a:rPr lang="en-CA" dirty="0" smtClean="0"/>
-                        <a:t>Arrays</a:t>
-                      </a:r>
-                      <a:endParaRPr lang="en-CA" dirty="0"/>
-                    </a:p>
-                  </a:txBody>
-                  <a:tcPr/>
-                </a:tc>
-              </a:tr>
-              <a:tr h="370840">
-                <a:tc>
-                  <a:txBody>
-                    <a:bodyPr/>
-                    <a:lstStyle/>
-                    <a:p>
-                      <a:pPr marL="0" algn="ctr" rtl="0" eaLnBrk="1" latinLnBrk="0" hangingPunct="1"/>
-                      <a:r>
-                        <a:rPr kumimoji="0" lang="en-CA" b="1" kern="1200" dirty="0" smtClean="0">
-                          <a:solidFill>
-                            <a:schemeClr val="lt1"/>
-                          </a:solidFill>
-                          <a:latin typeface="+mn-lt"/>
-                          <a:ea typeface="+mn-ea"/>
-                          <a:cs typeface="+mn-cs"/>
-                        </a:rPr>
-                        <a:t>Characteristics</a:t>
-                      </a:r>
-                      <a:endParaRPr kumimoji="0" lang="en-CA" b="1" kern="1200" dirty="0">
-                        <a:solidFill>
-                          <a:schemeClr val="lt1"/>
-                        </a:solidFill>
-                        <a:latin typeface="+mn-lt"/>
-                        <a:ea typeface="+mn-ea"/>
-                        <a:cs typeface="+mn-cs"/>
-                      </a:endParaRPr>
-                    </a:p>
-                  </a:txBody>
-                  <a:tcPr/>
-                </a:tc>
-                <a:tc>
-                  <a:txBody>
-                    <a:bodyPr/>
-                    <a:lstStyle/>
-                    <a:p>
-                      <a:pPr algn="ctr"/>
-                      <a:r>
-                        <a:rPr lang="en-CA" dirty="0" smtClean="0"/>
-                        <a:t>Each</a:t>
-                      </a:r>
-                      <a:r>
-                        <a:rPr lang="en-CA" baseline="0" dirty="0" smtClean="0"/>
-                        <a:t> row is a cell in the cube</a:t>
-                      </a:r>
-                      <a:endParaRPr lang="en-CA" dirty="0"/>
-                    </a:p>
-                  </a:txBody>
-                  <a:tcPr/>
-                </a:tc>
-                <a:tc>
-                  <a:txBody>
-                    <a:bodyPr/>
-                    <a:lstStyle/>
-                    <a:p>
-                      <a:pPr algn="ctr"/>
-                      <a:r>
-                        <a:rPr lang="en-CA" dirty="0" smtClean="0"/>
-                        <a:t>Each</a:t>
-                      </a:r>
-                      <a:r>
-                        <a:rPr lang="en-CA" baseline="0" dirty="0" smtClean="0"/>
-                        <a:t> cell is represented by a fixed calculable location</a:t>
-                      </a:r>
-                      <a:endParaRPr lang="en-CA" dirty="0"/>
-                    </a:p>
-                  </a:txBody>
-                  <a:tcPr/>
-                </a:tc>
-              </a:tr>
-              <a:tr h="370840">
-                <a:tc>
-                  <a:txBody>
-                    <a:bodyPr/>
-                    <a:lstStyle/>
-                    <a:p>
-                      <a:pPr marL="0" algn="ctr" rtl="0" eaLnBrk="1" latinLnBrk="0" hangingPunct="1"/>
-                      <a:r>
-                        <a:rPr kumimoji="0" lang="en-CA" b="1" kern="1200" dirty="0" smtClean="0">
-                          <a:solidFill>
-                            <a:schemeClr val="lt1"/>
-                          </a:solidFill>
-                          <a:latin typeface="+mn-lt"/>
-                          <a:ea typeface="+mn-ea"/>
-                          <a:cs typeface="+mn-cs"/>
-                        </a:rPr>
-                        <a:t>Good For</a:t>
-                      </a:r>
-                      <a:endParaRPr kumimoji="0" lang="en-CA" b="1" kern="1200" dirty="0">
-                        <a:solidFill>
-                          <a:schemeClr val="lt1"/>
-                        </a:solidFill>
-                        <a:latin typeface="+mn-lt"/>
-                        <a:ea typeface="+mn-ea"/>
-                        <a:cs typeface="+mn-cs"/>
-                      </a:endParaRPr>
-                    </a:p>
-                  </a:txBody>
-                  <a:tcPr/>
-                </a:tc>
-                <a:tc>
-                  <a:txBody>
-                    <a:bodyPr/>
-                    <a:lstStyle/>
-                    <a:p>
-                      <a:pPr algn="ctr"/>
-                      <a:r>
-                        <a:rPr lang="en-CA" dirty="0" smtClean="0"/>
-                        <a:t>Sparse Data</a:t>
-                      </a:r>
-                      <a:endParaRPr lang="en-CA" dirty="0"/>
-                    </a:p>
-                  </a:txBody>
-                  <a:tcPr/>
-                </a:tc>
-                <a:tc>
-                  <a:txBody>
-                    <a:bodyPr/>
-                    <a:lstStyle/>
-                    <a:p>
-                      <a:pPr algn="ctr"/>
-                      <a:r>
-                        <a:rPr lang="en-CA" dirty="0" smtClean="0"/>
-                        <a:t>Dense</a:t>
-                      </a:r>
-                      <a:r>
-                        <a:rPr lang="en-CA" baseline="0" dirty="0" smtClean="0"/>
-                        <a:t> Data</a:t>
-                      </a:r>
-                      <a:endParaRPr lang="en-CA" dirty="0"/>
-                    </a:p>
-                  </a:txBody>
-                  <a:tcPr/>
-                </a:tc>
-              </a:tr>
-            </a:tbl>
-          </a:graphicData>
-        </a:graphic>
-      </p:graphicFrame>
-    </p:spTree>
-  </p:cSld>
-  <p:clrMapOvr>
-    <a:masterClrMapping/>
-  </p:clrMapOvr>
-</p:sld>
-</file>
-
-<file path=ppt/slides/slide26.xml><?xml version="1.0" encoding="utf-8"?>
-<p:sld xmlns:a="http://schemas.openxmlformats.org/drawingml/2006/main" xmlns:r="http://schemas.openxmlformats.org/officeDocument/2006/relationships" xmlns:p="http://schemas.openxmlformats.org/presentationml/2006/main">
-  <p:cSld>
-    <p:spTree>
-      <p:nvGrpSpPr>
-        <p:cNvPr id="1" name=""/>
-        <p:cNvGrpSpPr/>
-        <p:nvPr/>
-      </p:nvGrpSpPr>
-      <p:grpSpPr>
-        <a:xfrm>
-          <a:off x="0" y="0"/>
-          <a:ext cx="0" cy="0"/>
-          <a:chOff x="0" y="0"/>
-          <a:chExt cx="0" cy="0"/>
-        </a:xfrm>
-      </p:grpSpPr>
-      <p:sp>
-        <p:nvSpPr>
-          <p:cNvPr id="2" name="Title 1"/>
-          <p:cNvSpPr>
-            <a:spLocks noGrp="1"/>
-          </p:cNvSpPr>
-          <p:nvPr>
-            <p:ph type="title"/>
-          </p:nvPr>
-        </p:nvSpPr>
-        <p:spPr/>
-        <p:txBody>
-          <a:bodyPr>
-            <a:normAutofit fontScale="90000"/>
-          </a:bodyPr>
-          <a:lstStyle/>
-          <a:p>
-            <a:r>
-              <a:rPr lang="en-CA" sz="3300" dirty="0" smtClean="0"/>
-              <a:t>Data Warehouses</a:t>
-            </a:r>
-            <a:br>
-              <a:rPr lang="en-CA" sz="3300" dirty="0" smtClean="0"/>
-            </a:br>
-            <a:r>
-              <a:rPr lang="en-CA" dirty="0" smtClean="0"/>
-              <a:t>Design </a:t>
-            </a:r>
-            <a:r>
-              <a:rPr lang="en-CA" sz="2400" i="1" dirty="0" smtClean="0">
-                <a:solidFill>
-                  <a:srgbClr val="F0AD00">
-                    <a:satMod val="150000"/>
-                  </a:srgbClr>
-                </a:solidFill>
-              </a:rPr>
-              <a:t>Cont’d</a:t>
-            </a:r>
-            <a:endParaRPr lang="en-CA" dirty="0"/>
-          </a:p>
-        </p:txBody>
-      </p:sp>
-      <p:sp>
-        <p:nvSpPr>
-          <p:cNvPr id="4" name="Date Placeholder 3"/>
-          <p:cNvSpPr>
-            <a:spLocks noGrp="1"/>
-          </p:cNvSpPr>
-          <p:nvPr>
-            <p:ph type="dt" sz="half" idx="10"/>
-          </p:nvPr>
-        </p:nvSpPr>
-        <p:spPr/>
-        <p:txBody>
-          <a:bodyPr/>
-          <a:lstStyle/>
-          <a:p>
-            <a:r>
-              <a:rPr lang="en-US" smtClean="0"/>
-              <a:t>Physical Design Patterns</a:t>
-            </a:r>
-            <a:endParaRPr lang="en-CA"/>
-          </a:p>
-        </p:txBody>
-      </p:sp>
-      <p:sp>
-        <p:nvSpPr>
-          <p:cNvPr id="5" name="Footer Placeholder 4"/>
-          <p:cNvSpPr>
-            <a:spLocks noGrp="1"/>
-          </p:cNvSpPr>
-          <p:nvPr>
-            <p:ph type="ftr" sz="quarter" idx="11"/>
-          </p:nvPr>
-        </p:nvSpPr>
-        <p:spPr/>
-        <p:txBody>
-          <a:bodyPr/>
-          <a:lstStyle/>
-          <a:p>
-            <a:r>
-              <a:rPr lang="en-CA" smtClean="0"/>
-              <a:t>Karim Ali &amp; Sarah Nadi</a:t>
-            </a:r>
-            <a:endParaRPr lang="en-CA"/>
-          </a:p>
-        </p:txBody>
-      </p:sp>
-      <p:sp>
-        <p:nvSpPr>
-          <p:cNvPr id="6" name="Slide Number Placeholder 5"/>
-          <p:cNvSpPr>
-            <a:spLocks noGrp="1"/>
-          </p:cNvSpPr>
-          <p:nvPr>
-            <p:ph type="sldNum" sz="quarter" idx="12"/>
-          </p:nvPr>
-        </p:nvSpPr>
-        <p:spPr/>
-        <p:txBody>
-          <a:bodyPr/>
-          <a:lstStyle/>
-          <a:p>
-            <a:fld id="{9AC8176B-BF31-4706-B15B-1AFC481B9AC3}" type="slidenum">
-              <a:rPr lang="en-CA" smtClean="0"/>
-              <a:pPr/>
-              <a:t>26</a:t>
-            </a:fld>
-            <a:endParaRPr lang="en-CA"/>
-          </a:p>
-        </p:txBody>
-      </p:sp>
-      <p:sp>
-        <p:nvSpPr>
-          <p:cNvPr id="7" name="Content Placeholder 6"/>
-          <p:cNvSpPr>
-            <a:spLocks noGrp="1"/>
-          </p:cNvSpPr>
-          <p:nvPr>
-            <p:ph idx="1"/>
-          </p:nvPr>
-        </p:nvSpPr>
-        <p:spPr/>
-        <p:txBody>
-          <a:bodyPr/>
-          <a:lstStyle/>
-          <a:p>
-            <a:r>
-              <a:rPr lang="en-CA" dirty="0" smtClean="0"/>
-              <a:t>Star Schema</a:t>
-            </a:r>
-            <a:endParaRPr lang="en-CA" dirty="0"/>
-          </a:p>
-        </p:txBody>
-      </p:sp>
-      <p:pic>
-        <p:nvPicPr>
-          <p:cNvPr id="1026" name="Picture 2"/>
-          <p:cNvPicPr>
-            <a:picLocks noChangeAspect="1" noChangeArrowheads="1"/>
-          </p:cNvPicPr>
-          <p:nvPr/>
-        </p:nvPicPr>
-        <p:blipFill>
-          <a:blip r:embed="rId2"/>
-          <a:srcRect/>
-          <a:stretch>
-            <a:fillRect/>
-          </a:stretch>
-        </p:blipFill>
-        <p:spPr bwMode="auto">
-          <a:xfrm>
-            <a:off x="1328216" y="2357430"/>
-            <a:ext cx="6487568" cy="3929090"/>
-          </a:xfrm>
-          <a:prstGeom prst="rect">
-            <a:avLst/>
-          </a:prstGeom>
-          <a:noFill/>
-          <a:ln w="9525">
-            <a:noFill/>
-            <a:miter lim="800000"/>
-            <a:headEnd/>
-            <a:tailEnd/>
-          </a:ln>
-          <a:effectLst/>
-        </p:spPr>
-      </p:pic>
-    </p:spTree>
-  </p:cSld>
-  <p:clrMapOvr>
-    <a:masterClrMapping/>
-  </p:clrMapOvr>
-</p:sld>
-</file>
-
-<file path=ppt/slides/slide27.xml><?xml version="1.0" encoding="utf-8"?>
-<p:sld xmlns:a="http://schemas.openxmlformats.org/drawingml/2006/main" xmlns:r="http://schemas.openxmlformats.org/officeDocument/2006/relationships" xmlns:p="http://schemas.openxmlformats.org/presentationml/2006/main">
-  <p:cSld>
-    <p:spTree>
-      <p:nvGrpSpPr>
-        <p:cNvPr id="1" name=""/>
-        <p:cNvGrpSpPr/>
-        <p:nvPr/>
-      </p:nvGrpSpPr>
-      <p:grpSpPr>
-        <a:xfrm>
-          <a:off x="0" y="0"/>
-          <a:ext cx="0" cy="0"/>
-          <a:chOff x="0" y="0"/>
-          <a:chExt cx="0" cy="0"/>
-        </a:xfrm>
-      </p:grpSpPr>
-      <p:sp>
-        <p:nvSpPr>
-          <p:cNvPr id="2" name="Title 1"/>
-          <p:cNvSpPr>
-            <a:spLocks noGrp="1"/>
-          </p:cNvSpPr>
-          <p:nvPr>
-            <p:ph type="title"/>
-          </p:nvPr>
-        </p:nvSpPr>
-        <p:spPr/>
-        <p:txBody>
-          <a:bodyPr>
-            <a:normAutofit fontScale="90000"/>
-          </a:bodyPr>
-          <a:lstStyle/>
-          <a:p>
-            <a:r>
-              <a:rPr lang="en-CA" sz="3300" dirty="0" smtClean="0"/>
-              <a:t>Data Warehouses</a:t>
-            </a:r>
-            <a:br>
-              <a:rPr lang="en-CA" sz="3300" dirty="0" smtClean="0"/>
-            </a:br>
-            <a:r>
-              <a:rPr lang="en-CA" dirty="0" smtClean="0"/>
-              <a:t>Challenges</a:t>
-            </a:r>
-            <a:endParaRPr lang="en-CA" dirty="0"/>
-          </a:p>
-        </p:txBody>
-      </p:sp>
-      <p:sp>
-        <p:nvSpPr>
-          <p:cNvPr id="3" name="Content Placeholder 2"/>
-          <p:cNvSpPr>
-            <a:spLocks noGrp="1"/>
-          </p:cNvSpPr>
-          <p:nvPr>
-            <p:ph idx="1"/>
-          </p:nvPr>
-        </p:nvSpPr>
-        <p:spPr/>
-        <p:txBody>
-          <a:bodyPr>
-            <a:normAutofit/>
-          </a:bodyPr>
-          <a:lstStyle/>
-          <a:p>
-            <a:r>
-              <a:rPr lang="en-CA" dirty="0" smtClean="0"/>
-              <a:t>Data is usually</a:t>
-            </a:r>
-          </a:p>
-          <a:p>
-            <a:pPr lvl="2"/>
-            <a:r>
-              <a:rPr lang="en-CA" dirty="0" smtClean="0"/>
-              <a:t>Extremely large</a:t>
-            </a:r>
-          </a:p>
-          <a:p>
-            <a:pPr lvl="2"/>
-            <a:r>
-              <a:rPr lang="en-CA" dirty="0" smtClean="0"/>
-              <a:t>Multi-dimensional</a:t>
-            </a:r>
-          </a:p>
-          <a:p>
-            <a:r>
-              <a:rPr lang="en-CA" dirty="0" smtClean="0"/>
-              <a:t>Priority for aggregated and summarized data</a:t>
-            </a:r>
-          </a:p>
-          <a:p>
-            <a:r>
-              <a:rPr lang="en-CA" dirty="0" smtClean="0"/>
-              <a:t>Ad-hoc and complex queries</a:t>
-            </a:r>
-          </a:p>
-          <a:p>
-            <a:r>
-              <a:rPr lang="en-CA" dirty="0" smtClean="0"/>
-              <a:t>Expensive operations: aggregation, and joins</a:t>
-            </a:r>
-          </a:p>
-          <a:p>
-            <a:pPr lvl="2"/>
-            <a:r>
-              <a:rPr lang="en-CA" dirty="0" smtClean="0"/>
-              <a:t>The fact table participates in every join</a:t>
-            </a:r>
-          </a:p>
-        </p:txBody>
-      </p:sp>
-      <p:sp>
-        <p:nvSpPr>
-          <p:cNvPr id="4" name="Date Placeholder 3"/>
-          <p:cNvSpPr>
-            <a:spLocks noGrp="1"/>
-          </p:cNvSpPr>
-          <p:nvPr>
-            <p:ph type="dt" sz="half" idx="10"/>
-          </p:nvPr>
-        </p:nvSpPr>
-        <p:spPr/>
-        <p:txBody>
-          <a:bodyPr/>
-          <a:lstStyle/>
-          <a:p>
-            <a:r>
-              <a:rPr lang="en-US" smtClean="0"/>
-              <a:t>Physical Design Patterns</a:t>
-            </a:r>
-            <a:endParaRPr lang="en-CA"/>
-          </a:p>
-        </p:txBody>
-      </p:sp>
-      <p:sp>
-        <p:nvSpPr>
-          <p:cNvPr id="5" name="Footer Placeholder 4"/>
-          <p:cNvSpPr>
-            <a:spLocks noGrp="1"/>
-          </p:cNvSpPr>
-          <p:nvPr>
-            <p:ph type="ftr" sz="quarter" idx="11"/>
-          </p:nvPr>
-        </p:nvSpPr>
-        <p:spPr/>
-        <p:txBody>
-          <a:bodyPr/>
-          <a:lstStyle/>
-          <a:p>
-            <a:r>
-              <a:rPr lang="en-CA" smtClean="0"/>
-              <a:t>Karim Ali &amp; Sarah Nadi</a:t>
-            </a:r>
-            <a:endParaRPr lang="en-CA"/>
-          </a:p>
-        </p:txBody>
-      </p:sp>
-      <p:sp>
-        <p:nvSpPr>
-          <p:cNvPr id="6" name="Slide Number Placeholder 5"/>
-          <p:cNvSpPr>
-            <a:spLocks noGrp="1"/>
-          </p:cNvSpPr>
-          <p:nvPr>
-            <p:ph type="sldNum" sz="quarter" idx="12"/>
-          </p:nvPr>
-        </p:nvSpPr>
-        <p:spPr/>
-        <p:txBody>
-          <a:bodyPr/>
-          <a:lstStyle/>
-          <a:p>
-            <a:fld id="{9AC8176B-BF31-4706-B15B-1AFC481B9AC3}" type="slidenum">
-              <a:rPr lang="en-CA" smtClean="0"/>
-              <a:pPr/>
-              <a:t>27</a:t>
-            </a:fld>
-            <a:endParaRPr lang="en-CA"/>
-          </a:p>
-        </p:txBody>
-      </p:sp>
-    </p:spTree>
-  </p:cSld>
-  <p:clrMapOvr>
-    <a:masterClrMapping/>
-  </p:clrMapOvr>
-</p:sld>
-</file>
-
-<file path=ppt/slides/slide28.xml><?xml version="1.0" encoding="utf-8"?>
-<p:sld xmlns:a="http://schemas.openxmlformats.org/drawingml/2006/main" xmlns:r="http://schemas.openxmlformats.org/officeDocument/2006/relationships" xmlns:p="http://schemas.openxmlformats.org/presentationml/2006/main">
-  <p:cSld>
-    <p:spTree>
-      <p:nvGrpSpPr>
-        <p:cNvPr id="1" name=""/>
-        <p:cNvGrpSpPr/>
-        <p:nvPr/>
-      </p:nvGrpSpPr>
-      <p:grpSpPr>
-        <a:xfrm>
-          <a:off x="0" y="0"/>
-          <a:ext cx="0" cy="0"/>
-          <a:chOff x="0" y="0"/>
-          <a:chExt cx="0" cy="0"/>
-        </a:xfrm>
-      </p:grpSpPr>
-      <p:sp>
-        <p:nvSpPr>
-          <p:cNvPr id="2" name="Title 1"/>
-          <p:cNvSpPr>
-            <a:spLocks noGrp="1"/>
-          </p:cNvSpPr>
-          <p:nvPr>
-            <p:ph type="title"/>
-          </p:nvPr>
-        </p:nvSpPr>
-        <p:spPr/>
-        <p:txBody>
-          <a:bodyPr>
-            <a:normAutofit fontScale="90000"/>
-          </a:bodyPr>
-          <a:lstStyle/>
-          <a:p>
-            <a:r>
-              <a:rPr lang="en-CA" sz="3300" dirty="0" smtClean="0"/>
-              <a:t>Data Warehouses</a:t>
-            </a:r>
-            <a:r>
-              <a:rPr lang="en-CA" dirty="0" smtClean="0"/>
-              <a:t/>
-            </a:r>
-            <a:br>
-              <a:rPr lang="en-CA" dirty="0" smtClean="0"/>
-            </a:br>
-            <a:r>
-              <a:rPr lang="en-CA" dirty="0" smtClean="0"/>
-              <a:t>1. Indexes </a:t>
-            </a:r>
-            <a:endParaRPr lang="en-CA" dirty="0"/>
-          </a:p>
-        </p:txBody>
-      </p:sp>
-      <p:sp>
-        <p:nvSpPr>
-          <p:cNvPr id="4" name="Date Placeholder 3"/>
-          <p:cNvSpPr>
-            <a:spLocks noGrp="1"/>
-          </p:cNvSpPr>
-          <p:nvPr>
-            <p:ph type="dt" sz="half" idx="10"/>
-          </p:nvPr>
-        </p:nvSpPr>
-        <p:spPr/>
-        <p:txBody>
-          <a:bodyPr/>
-          <a:lstStyle/>
-          <a:p>
-            <a:r>
-              <a:rPr lang="en-US" smtClean="0"/>
-              <a:t>Physical Design Patterns</a:t>
-            </a:r>
-            <a:endParaRPr lang="en-CA"/>
-          </a:p>
-        </p:txBody>
-      </p:sp>
-      <p:sp>
-        <p:nvSpPr>
-          <p:cNvPr id="5" name="Footer Placeholder 4"/>
-          <p:cNvSpPr>
-            <a:spLocks noGrp="1"/>
-          </p:cNvSpPr>
-          <p:nvPr>
-            <p:ph type="ftr" sz="quarter" idx="11"/>
-          </p:nvPr>
-        </p:nvSpPr>
-        <p:spPr/>
-        <p:txBody>
-          <a:bodyPr/>
-          <a:lstStyle/>
-          <a:p>
-            <a:r>
-              <a:rPr lang="en-CA" smtClean="0"/>
-              <a:t>Karim Ali &amp; Sarah Nadi</a:t>
-            </a:r>
-            <a:endParaRPr lang="en-CA"/>
-          </a:p>
-        </p:txBody>
-      </p:sp>
-      <p:sp>
-        <p:nvSpPr>
-          <p:cNvPr id="6" name="Slide Number Placeholder 5"/>
-          <p:cNvSpPr>
-            <a:spLocks noGrp="1"/>
-          </p:cNvSpPr>
-          <p:nvPr>
-            <p:ph type="sldNum" sz="quarter" idx="12"/>
-          </p:nvPr>
-        </p:nvSpPr>
-        <p:spPr/>
-        <p:txBody>
-          <a:bodyPr/>
-          <a:lstStyle/>
-          <a:p>
-            <a:fld id="{9AC8176B-BF31-4706-B15B-1AFC481B9AC3}" type="slidenum">
-              <a:rPr lang="en-CA" smtClean="0"/>
-              <a:pPr/>
-              <a:t>28</a:t>
-            </a:fld>
-            <a:endParaRPr lang="en-CA"/>
-          </a:p>
-        </p:txBody>
-      </p:sp>
-      <p:graphicFrame>
-        <p:nvGraphicFramePr>
-          <p:cNvPr id="8" name="Table 7"/>
-          <p:cNvGraphicFramePr>
-            <a:graphicFrameLocks noGrp="1"/>
-          </p:cNvGraphicFramePr>
-          <p:nvPr/>
-        </p:nvGraphicFramePr>
-        <p:xfrm>
-          <a:off x="119072" y="1643050"/>
-          <a:ext cx="8882084" cy="4546600"/>
-        </p:xfrm>
-        <a:graphic>
-          <a:graphicData uri="http://schemas.openxmlformats.org/drawingml/2006/table">
-            <a:tbl>
-              <a:tblPr firstRow="1" firstCol="1" bandRow="1">
-                <a:tableStyleId>{5C22544A-7EE6-4342-B048-85BDC9FD1C3A}</a:tableStyleId>
-              </a:tblPr>
-              <a:tblGrid>
-                <a:gridCol w="1668995"/>
-                <a:gridCol w="2641057"/>
-                <a:gridCol w="2351511"/>
-                <a:gridCol w="2220521"/>
-              </a:tblGrid>
-              <a:tr h="370840">
-                <a:tc>
-                  <a:txBody>
-                    <a:bodyPr/>
-                    <a:lstStyle/>
-                    <a:p>
-                      <a:endParaRPr lang="en-CA" dirty="0"/>
-                    </a:p>
-                  </a:txBody>
-                  <a:tcPr/>
-                </a:tc>
-                <a:tc>
-                  <a:txBody>
-                    <a:bodyPr/>
-                    <a:lstStyle/>
-                    <a:p>
-                      <a:r>
-                        <a:rPr lang="en-CA" dirty="0" smtClean="0"/>
-                        <a:t>Features</a:t>
-                      </a:r>
-                      <a:endParaRPr lang="en-CA" dirty="0"/>
-                    </a:p>
-                  </a:txBody>
-                  <a:tcPr/>
-                </a:tc>
-                <a:tc>
-                  <a:txBody>
-                    <a:bodyPr/>
-                    <a:lstStyle/>
-                    <a:p>
-                      <a:r>
-                        <a:rPr lang="en-CA" dirty="0" smtClean="0"/>
-                        <a:t>Pros</a:t>
-                      </a:r>
-                      <a:endParaRPr lang="en-CA" dirty="0"/>
-                    </a:p>
-                  </a:txBody>
-                  <a:tcPr/>
-                </a:tc>
-                <a:tc>
-                  <a:txBody>
-                    <a:bodyPr/>
-                    <a:lstStyle/>
-                    <a:p>
-                      <a:r>
-                        <a:rPr lang="en-CA" dirty="0" smtClean="0"/>
-                        <a:t>Cons </a:t>
-                      </a:r>
-                      <a:endParaRPr lang="en-CA" dirty="0"/>
-                    </a:p>
-                  </a:txBody>
-                  <a:tcPr/>
-                </a:tc>
-              </a:tr>
-              <a:tr h="370840">
-                <a:tc>
-                  <a:txBody>
-                    <a:bodyPr/>
-                    <a:lstStyle/>
-                    <a:p>
-                      <a:r>
-                        <a:rPr lang="en-CA" b="1" dirty="0" smtClean="0"/>
-                        <a:t>Universal</a:t>
-                      </a:r>
-                      <a:r>
-                        <a:rPr lang="en-CA" b="1" baseline="0" dirty="0" smtClean="0"/>
-                        <a:t> B</a:t>
-                      </a:r>
-                      <a:r>
-                        <a:rPr lang="en-CA" b="1" baseline="30000" dirty="0" smtClean="0"/>
-                        <a:t>+</a:t>
-                      </a:r>
-                      <a:r>
-                        <a:rPr lang="en-CA" b="1" baseline="0" dirty="0" smtClean="0"/>
-                        <a:t>-Trees (UB+-Trees)</a:t>
-                      </a:r>
-                      <a:endParaRPr lang="en-CA" b="1" dirty="0"/>
-                    </a:p>
-                  </a:txBody>
-                  <a:tcPr/>
-                </a:tc>
-                <a:tc>
-                  <a:txBody>
-                    <a:bodyPr/>
-                    <a:lstStyle/>
-                    <a:p>
-                      <a:pPr>
-                        <a:buFont typeface="Arial" pitchFamily="34" charset="0"/>
-                        <a:buChar char="•"/>
-                      </a:pPr>
-                      <a:r>
-                        <a:rPr lang="en-CA" sz="1600" baseline="0" dirty="0" smtClean="0"/>
-                        <a:t> Variation of B+-Trees</a:t>
-                      </a:r>
-                    </a:p>
-                    <a:p>
-                      <a:pPr>
-                        <a:buFont typeface="Arial" pitchFamily="34" charset="0"/>
-                        <a:buChar char="•"/>
-                      </a:pPr>
-                      <a:r>
-                        <a:rPr lang="en-CA" sz="1600" baseline="0" dirty="0" smtClean="0"/>
-                        <a:t> Multidimensional data is </a:t>
-                      </a:r>
-                      <a:r>
-                        <a:rPr lang="en-CA" sz="1600" baseline="0" dirty="0" err="1" smtClean="0"/>
-                        <a:t>linearized</a:t>
-                      </a:r>
-                      <a:r>
-                        <a:rPr lang="en-CA" sz="1600" baseline="0" dirty="0" smtClean="0"/>
-                        <a:t>. </a:t>
-                      </a:r>
-                    </a:p>
-                    <a:p>
-                      <a:pPr>
-                        <a:buFont typeface="Arial" pitchFamily="34" charset="0"/>
-                        <a:buChar char="•"/>
-                      </a:pPr>
-                      <a:r>
-                        <a:rPr lang="en-CA" sz="1600" baseline="0" dirty="0" smtClean="0"/>
-                        <a:t> Records are stored according to Z-order</a:t>
-                      </a:r>
-                    </a:p>
-                    <a:p>
-                      <a:pPr>
-                        <a:buFont typeface="Arial" pitchFamily="34" charset="0"/>
-                        <a:buChar char="•"/>
-                      </a:pPr>
-                      <a:endParaRPr lang="en-CA" sz="1600" dirty="0"/>
-                    </a:p>
-                  </a:txBody>
-                  <a:tcPr/>
-                </a:tc>
-                <a:tc>
-                  <a:txBody>
-                    <a:bodyPr/>
-                    <a:lstStyle/>
-                    <a:p>
-                      <a:pPr>
-                        <a:buFont typeface="Arial" pitchFamily="34" charset="0"/>
-                        <a:buChar char="•"/>
-                      </a:pPr>
-                      <a:r>
-                        <a:rPr lang="en-CA" sz="1600" dirty="0" smtClean="0"/>
-                        <a:t> Well suited for high cardinality attributes</a:t>
-                      </a:r>
-                    </a:p>
-                    <a:p>
-                      <a:pPr>
-                        <a:buFont typeface="Arial" pitchFamily="34" charset="0"/>
-                        <a:buChar char="•"/>
-                      </a:pPr>
-                      <a:r>
-                        <a:rPr lang="en-CA" sz="1600" dirty="0" smtClean="0"/>
-                        <a:t> Excellent</a:t>
-                      </a:r>
-                      <a:r>
-                        <a:rPr lang="en-CA" sz="1600" baseline="0" dirty="0" smtClean="0"/>
-                        <a:t> for point and interval queries</a:t>
-                      </a:r>
-                      <a:endParaRPr lang="en-CA" sz="1600" dirty="0"/>
-                    </a:p>
-                  </a:txBody>
-                  <a:tcPr/>
-                </a:tc>
-                <a:tc>
-                  <a:txBody>
-                    <a:bodyPr/>
-                    <a:lstStyle/>
-                    <a:p>
-                      <a:pPr>
-                        <a:buFont typeface="Arial" pitchFamily="34" charset="0"/>
-                        <a:buChar char="•"/>
-                      </a:pPr>
-                      <a:r>
-                        <a:rPr lang="en-CA" sz="1600" dirty="0" smtClean="0"/>
-                        <a:t> Poor performance with low cardinality attributes</a:t>
-                      </a:r>
-                    </a:p>
-                    <a:p>
-                      <a:pPr>
-                        <a:buFont typeface="Arial" pitchFamily="34" charset="0"/>
-                        <a:buChar char="•"/>
-                      </a:pPr>
-                      <a:r>
-                        <a:rPr lang="en-CA" sz="1600" dirty="0" smtClean="0"/>
-                        <a:t> More I/O operations (result</a:t>
-                      </a:r>
-                      <a:r>
-                        <a:rPr lang="en-CA" sz="1600" baseline="0" dirty="0" smtClean="0"/>
-                        <a:t> ordered by key values)</a:t>
-                      </a:r>
-                      <a:endParaRPr lang="en-CA" sz="1600" dirty="0"/>
-                    </a:p>
-                  </a:txBody>
-                  <a:tcPr/>
-                </a:tc>
-              </a:tr>
-              <a:tr h="370840">
-                <a:tc>
-                  <a:txBody>
-                    <a:bodyPr/>
-                    <a:lstStyle/>
-                    <a:p>
-                      <a:r>
-                        <a:rPr lang="en-CA" b="1" dirty="0" smtClean="0"/>
-                        <a:t> Bitmap Index</a:t>
-                      </a:r>
-                      <a:endParaRPr lang="en-CA" b="1" dirty="0"/>
-                    </a:p>
-                  </a:txBody>
-                  <a:tcPr/>
-                </a:tc>
-                <a:tc>
-                  <a:txBody>
-                    <a:bodyPr/>
-                    <a:lstStyle/>
-                    <a:p>
-                      <a:endParaRPr lang="en-CA" sz="1600" dirty="0"/>
-                    </a:p>
-                  </a:txBody>
-                  <a:tcPr/>
-                </a:tc>
-                <a:tc>
-                  <a:txBody>
-                    <a:bodyPr/>
-                    <a:lstStyle/>
-                    <a:p>
-                      <a:pPr>
-                        <a:buFont typeface="Arial" pitchFamily="34" charset="0"/>
-                        <a:buChar char="•"/>
-                      </a:pPr>
-                      <a:r>
-                        <a:rPr lang="en-CA" sz="1600" dirty="0" smtClean="0"/>
-                        <a:t> Useful with star schema when joining a large fact table</a:t>
-                      </a:r>
-                      <a:r>
-                        <a:rPr lang="en-CA" sz="1600" baseline="0" dirty="0" smtClean="0"/>
-                        <a:t> </a:t>
-                      </a:r>
-                      <a:r>
-                        <a:rPr lang="en-CA" sz="1600" dirty="0" smtClean="0"/>
-                        <a:t>with multiple small dimension tables</a:t>
-                      </a:r>
-                    </a:p>
-                    <a:p>
-                      <a:pPr>
-                        <a:buFont typeface="Arial" pitchFamily="34" charset="0"/>
-                        <a:buChar char="•"/>
-                      </a:pPr>
-                      <a:r>
-                        <a:rPr lang="en-CA" sz="1600" dirty="0" smtClean="0"/>
-                        <a:t> Reduces search space before performing expensive joins</a:t>
-                      </a:r>
-                      <a:endParaRPr lang="en-CA" sz="1600" dirty="0"/>
-                    </a:p>
-                  </a:txBody>
-                  <a:tcPr/>
-                </a:tc>
-                <a:tc>
-                  <a:txBody>
-                    <a:bodyPr/>
-                    <a:lstStyle/>
-                    <a:p>
-                      <a:pPr>
-                        <a:buFont typeface="Arial" pitchFamily="34" charset="0"/>
-                        <a:buChar char="•"/>
-                      </a:pPr>
-                      <a:r>
-                        <a:rPr lang="en-CA" sz="1600" dirty="0" smtClean="0"/>
-                        <a:t> Not amenable</a:t>
-                      </a:r>
-                      <a:r>
-                        <a:rPr lang="en-CA" sz="1600" baseline="0" dirty="0" smtClean="0"/>
-                        <a:t> to index updates (though not an issue for DW)</a:t>
-                      </a:r>
-                      <a:endParaRPr lang="en-CA" sz="1600" dirty="0"/>
-                    </a:p>
-                  </a:txBody>
-                  <a:tcPr/>
-                </a:tc>
-              </a:tr>
-              <a:tr h="370840">
-                <a:tc>
-                  <a:txBody>
-                    <a:bodyPr/>
-                    <a:lstStyle/>
-                    <a:p>
-                      <a:r>
-                        <a:rPr lang="en-CA" b="1" dirty="0" smtClean="0"/>
-                        <a:t>Projection Index</a:t>
-                      </a:r>
-                      <a:endParaRPr lang="en-CA" b="1" dirty="0"/>
-                    </a:p>
-                  </a:txBody>
-                  <a:tcPr/>
-                </a:tc>
-                <a:tc>
-                  <a:txBody>
-                    <a:bodyPr/>
-                    <a:lstStyle/>
-                    <a:p>
-                      <a:pPr>
-                        <a:buFont typeface="Arial" pitchFamily="34" charset="0"/>
-                        <a:buChar char="•"/>
-                      </a:pPr>
-                      <a:r>
-                        <a:rPr lang="en-CA" sz="1600" baseline="0" dirty="0" smtClean="0"/>
-                        <a:t> Values preserve their table row order in the index</a:t>
-                      </a:r>
-                      <a:endParaRPr lang="en-CA" sz="1600" dirty="0"/>
-                    </a:p>
-                  </a:txBody>
-                  <a:tcPr/>
-                </a:tc>
-                <a:tc>
-                  <a:txBody>
-                    <a:bodyPr/>
-                    <a:lstStyle/>
-                    <a:p>
-                      <a:pPr>
-                        <a:buFont typeface="Arial" pitchFamily="34" charset="0"/>
-                        <a:buChar char="•"/>
-                      </a:pPr>
-                      <a:r>
-                        <a:rPr lang="en-CA" sz="1600" dirty="0" smtClean="0"/>
-                        <a:t> More results</a:t>
-                      </a:r>
-                      <a:r>
-                        <a:rPr lang="en-CA" sz="1600" baseline="0" dirty="0" smtClean="0"/>
-                        <a:t> per I/O operation</a:t>
-                      </a:r>
-                      <a:endParaRPr lang="en-CA" sz="1600" dirty="0"/>
-                    </a:p>
-                  </a:txBody>
-                  <a:tcPr/>
-                </a:tc>
-                <a:tc>
-                  <a:txBody>
-                    <a:bodyPr/>
-                    <a:lstStyle/>
-                    <a:p>
-                      <a:pPr>
-                        <a:buFont typeface="Arial" pitchFamily="34" charset="0"/>
-                        <a:buChar char="•"/>
-                      </a:pPr>
-                      <a:r>
-                        <a:rPr lang="en-CA" sz="1600" dirty="0" smtClean="0"/>
-                        <a:t> Can only fetch</a:t>
-                      </a:r>
-                      <a:r>
-                        <a:rPr lang="en-CA" sz="1600" baseline="0" dirty="0" smtClean="0"/>
-                        <a:t> raw data (e.g. Column list in selection)</a:t>
-                      </a:r>
-                      <a:endParaRPr lang="en-CA" sz="1600" dirty="0"/>
-                    </a:p>
-                  </a:txBody>
-                  <a:tcPr/>
-                </a:tc>
-              </a:tr>
-            </a:tbl>
-          </a:graphicData>
-        </a:graphic>
-      </p:graphicFrame>
-    </p:spTree>
-  </p:cSld>
-  <p:clrMapOvr>
-    <a:masterClrMapping/>
-  </p:clrMapOvr>
-  <p:timing>
-    <p:tnLst>
-      <p:par>
-        <p:cTn id="1" dur="indefinite" restart="never" nodeType="tmRoot"/>
-      </p:par>
-    </p:tnLst>
-  </p:timing>
-</p:sld>
-</file>
-
-<file path=ppt/slides/slide29.xml><?xml version="1.0" encoding="utf-8"?>
-<p:sld xmlns:a="http://schemas.openxmlformats.org/drawingml/2006/main" xmlns:r="http://schemas.openxmlformats.org/officeDocument/2006/relationships" xmlns:p="http://schemas.openxmlformats.org/presentationml/2006/main">
-  <p:cSld>
-    <p:spTree>
-      <p:nvGrpSpPr>
-        <p:cNvPr id="1" name=""/>
-        <p:cNvGrpSpPr/>
-        <p:nvPr/>
-      </p:nvGrpSpPr>
-      <p:grpSpPr>
-        <a:xfrm>
-          <a:off x="0" y="0"/>
-          <a:ext cx="0" cy="0"/>
-          <a:chOff x="0" y="0"/>
-          <a:chExt cx="0" cy="0"/>
-        </a:xfrm>
-      </p:grpSpPr>
-      <p:sp>
-        <p:nvSpPr>
-          <p:cNvPr id="2" name="Title 1"/>
-          <p:cNvSpPr>
-            <a:spLocks noGrp="1"/>
-          </p:cNvSpPr>
-          <p:nvPr>
-            <p:ph type="title"/>
-          </p:nvPr>
-        </p:nvSpPr>
-        <p:spPr/>
-        <p:txBody>
-          <a:bodyPr>
-            <a:normAutofit fontScale="90000"/>
-          </a:bodyPr>
-          <a:lstStyle/>
-          <a:p>
-            <a:r>
-              <a:rPr lang="en-CA" sz="3300" dirty="0" smtClean="0"/>
-              <a:t>Data Warehouses</a:t>
-            </a:r>
-            <a:br>
-              <a:rPr lang="en-CA" sz="3300" dirty="0" smtClean="0"/>
-            </a:br>
-            <a:r>
-              <a:rPr lang="en-CA" sz="3300" dirty="0" smtClean="0"/>
-              <a:t>2. </a:t>
-            </a:r>
-            <a:r>
-              <a:rPr lang="en-CA" dirty="0" smtClean="0"/>
-              <a:t>Materialized Views</a:t>
-            </a:r>
-            <a:endParaRPr lang="en-CA" dirty="0"/>
-          </a:p>
-        </p:txBody>
-      </p:sp>
-      <p:sp>
-        <p:nvSpPr>
-          <p:cNvPr id="3" name="Content Placeholder 2"/>
-          <p:cNvSpPr>
-            <a:spLocks noGrp="1"/>
-          </p:cNvSpPr>
-          <p:nvPr>
-            <p:ph idx="1"/>
-          </p:nvPr>
-        </p:nvSpPr>
-        <p:spPr>
-          <a:xfrm>
-            <a:off x="457200" y="1775191"/>
-            <a:ext cx="8329642" cy="4625609"/>
-          </a:xfrm>
-        </p:spPr>
-        <p:txBody>
-          <a:bodyPr>
-            <a:normAutofit lnSpcReduction="10000"/>
-          </a:bodyPr>
-          <a:lstStyle/>
-          <a:p>
-            <a:r>
-              <a:rPr lang="en-CA" dirty="0" smtClean="0"/>
-              <a:t>To </a:t>
-            </a:r>
-            <a:r>
-              <a:rPr lang="en-CA" dirty="0" smtClean="0"/>
-              <a:t>materialize or not?</a:t>
-            </a:r>
-          </a:p>
-          <a:p>
-            <a:pPr lvl="2"/>
-            <a:r>
-              <a:rPr lang="en-CA" dirty="0" smtClean="0"/>
-              <a:t>Workload characteristics</a:t>
-            </a:r>
-          </a:p>
-          <a:p>
-            <a:pPr lvl="2"/>
-            <a:r>
-              <a:rPr lang="en-CA" dirty="0" smtClean="0"/>
-              <a:t>Cost for incremental update</a:t>
-            </a:r>
-          </a:p>
-          <a:p>
-            <a:pPr lvl="2"/>
-            <a:r>
-              <a:rPr lang="en-CA" dirty="0" smtClean="0"/>
-              <a:t>Storage </a:t>
-            </a:r>
-            <a:r>
-              <a:rPr lang="en-CA" dirty="0" smtClean="0"/>
-              <a:t>requirements</a:t>
-            </a:r>
-          </a:p>
-          <a:p>
-            <a:r>
-              <a:rPr lang="en-CA" dirty="0" smtClean="0"/>
-              <a:t>Pros</a:t>
-            </a:r>
-          </a:p>
-          <a:p>
-            <a:pPr lvl="2"/>
-            <a:r>
-              <a:rPr lang="en-CA" dirty="0" smtClean="0"/>
-              <a:t>Behaves like an index</a:t>
-            </a:r>
-          </a:p>
-          <a:p>
-            <a:pPr lvl="2"/>
-            <a:r>
-              <a:rPr lang="en-CA" dirty="0" smtClean="0"/>
-              <a:t>Improves performance through fast lookups</a:t>
-            </a:r>
-          </a:p>
-          <a:p>
-            <a:pPr lvl="2"/>
-            <a:r>
-              <a:rPr lang="en-CA" dirty="0" smtClean="0"/>
-              <a:t>Useful for rollup and drilldown operations</a:t>
-            </a:r>
-          </a:p>
-          <a:p>
-            <a:r>
-              <a:rPr lang="en-CA" dirty="0" smtClean="0"/>
-              <a:t>Cons</a:t>
-            </a:r>
-          </a:p>
-          <a:p>
-            <a:pPr lvl="2"/>
-            <a:r>
-              <a:rPr lang="en-CA" dirty="0" smtClean="0"/>
-              <a:t>Not applicable to all queries (e.g. ad-hoc queries)</a:t>
-            </a:r>
-          </a:p>
-          <a:p>
-            <a:pPr lvl="2"/>
-            <a:endParaRPr lang="en-CA" dirty="0" smtClean="0"/>
-          </a:p>
-          <a:p>
-            <a:pPr lvl="2"/>
-            <a:endParaRPr lang="en-CA" dirty="0" smtClean="0"/>
-          </a:p>
-        </p:txBody>
-      </p:sp>
-      <p:sp>
-        <p:nvSpPr>
-          <p:cNvPr id="4" name="Date Placeholder 3"/>
-          <p:cNvSpPr>
-            <a:spLocks noGrp="1"/>
-          </p:cNvSpPr>
-          <p:nvPr>
-            <p:ph type="dt" sz="half" idx="10"/>
-          </p:nvPr>
-        </p:nvSpPr>
-        <p:spPr/>
-        <p:txBody>
-          <a:bodyPr/>
-          <a:lstStyle/>
-          <a:p>
-            <a:r>
-              <a:rPr lang="en-US" smtClean="0"/>
-              <a:t>Physical Design Patterns</a:t>
-            </a:r>
-            <a:endParaRPr lang="en-CA"/>
-          </a:p>
-        </p:txBody>
-      </p:sp>
-      <p:sp>
-        <p:nvSpPr>
-          <p:cNvPr id="5" name="Footer Placeholder 4"/>
-          <p:cNvSpPr>
-            <a:spLocks noGrp="1"/>
-          </p:cNvSpPr>
-          <p:nvPr>
-            <p:ph type="ftr" sz="quarter" idx="11"/>
-          </p:nvPr>
-        </p:nvSpPr>
-        <p:spPr/>
-        <p:txBody>
-          <a:bodyPr/>
-          <a:lstStyle/>
-          <a:p>
-            <a:r>
-              <a:rPr lang="en-CA" smtClean="0"/>
-              <a:t>Karim Ali &amp; Sarah Nadi</a:t>
-            </a:r>
-            <a:endParaRPr lang="en-CA"/>
-          </a:p>
-        </p:txBody>
-      </p:sp>
-      <p:sp>
-        <p:nvSpPr>
-          <p:cNvPr id="6" name="Slide Number Placeholder 5"/>
-          <p:cNvSpPr>
-            <a:spLocks noGrp="1"/>
-          </p:cNvSpPr>
-          <p:nvPr>
-            <p:ph type="sldNum" sz="quarter" idx="12"/>
-          </p:nvPr>
-        </p:nvSpPr>
-        <p:spPr/>
-        <p:txBody>
-          <a:bodyPr/>
-          <a:lstStyle/>
-          <a:p>
-            <a:fld id="{9AC8176B-BF31-4706-B15B-1AFC481B9AC3}" type="slidenum">
-              <a:rPr lang="en-CA" smtClean="0"/>
-              <a:pPr/>
-              <a:t>29</a:t>
-            </a:fld>
-            <a:endParaRPr lang="en-CA"/>
-          </a:p>
-        </p:txBody>
-      </p:sp>
-    </p:spTree>
-  </p:cSld>
-  <p:clrMapOvr>
-    <a:masterClrMapping/>
-  </p:clrMapOvr>
-</p:sld>
-</file>
-
-<file path=ppt/slides/slide3.xml><?xml version="1.0" encoding="utf-8"?>
-<p:sld xmlns:a="http://schemas.openxmlformats.org/drawingml/2006/main" xmlns:r="http://schemas.openxmlformats.org/officeDocument/2006/relationships" xmlns:p="http://schemas.openxmlformats.org/presentationml/2006/main">
-  <p:cSld>
-    <p:spTree>
-      <p:nvGrpSpPr>
-        <p:cNvPr id="1" name=""/>
-        <p:cNvGrpSpPr/>
-        <p:nvPr/>
-      </p:nvGrpSpPr>
-      <p:grpSpPr>
-        <a:xfrm>
-          <a:off x="0" y="0"/>
-          <a:ext cx="0" cy="0"/>
-          <a:chOff x="0" y="0"/>
-          <a:chExt cx="0" cy="0"/>
-        </a:xfrm>
-      </p:grpSpPr>
-      <p:sp>
-        <p:nvSpPr>
-          <p:cNvPr id="4" name="Date Placeholder 3"/>
-          <p:cNvSpPr>
-            <a:spLocks noGrp="1"/>
-          </p:cNvSpPr>
-          <p:nvPr>
-            <p:ph type="dt" sz="half" idx="10"/>
-          </p:nvPr>
-        </p:nvSpPr>
-        <p:spPr/>
-        <p:txBody>
-          <a:bodyPr/>
-          <a:lstStyle/>
-          <a:p>
-            <a:r>
-              <a:rPr lang="en-US" smtClean="0"/>
-              <a:t>Physical Design Patterns</a:t>
-            </a:r>
-            <a:endParaRPr lang="en-CA"/>
-          </a:p>
-        </p:txBody>
-      </p:sp>
-      <p:sp>
-        <p:nvSpPr>
-          <p:cNvPr id="5" name="Footer Placeholder 4"/>
-          <p:cNvSpPr>
-            <a:spLocks noGrp="1"/>
-          </p:cNvSpPr>
-          <p:nvPr>
-            <p:ph type="ftr" sz="quarter" idx="11"/>
-          </p:nvPr>
-        </p:nvSpPr>
-        <p:spPr/>
-        <p:txBody>
-          <a:bodyPr/>
-          <a:lstStyle/>
-          <a:p>
-            <a:r>
-              <a:rPr lang="en-CA" smtClean="0"/>
-              <a:t>Karim Ali &amp; Sarah Nadi</a:t>
-            </a:r>
-            <a:endParaRPr lang="en-CA"/>
-          </a:p>
-        </p:txBody>
-      </p:sp>
-      <p:sp>
-        <p:nvSpPr>
-          <p:cNvPr id="6" name="Slide Number Placeholder 5"/>
-          <p:cNvSpPr>
-            <a:spLocks noGrp="1"/>
-          </p:cNvSpPr>
-          <p:nvPr>
-            <p:ph type="sldNum" sz="quarter" idx="12"/>
-          </p:nvPr>
-        </p:nvSpPr>
-        <p:spPr/>
-        <p:txBody>
-          <a:bodyPr/>
-          <a:lstStyle/>
-          <a:p>
-            <a:fld id="{9AC8176B-BF31-4706-B15B-1AFC481B9AC3}" type="slidenum">
-              <a:rPr lang="en-CA" smtClean="0"/>
-              <a:pPr/>
-              <a:t>3</a:t>
-            </a:fld>
-            <a:endParaRPr lang="en-CA"/>
-          </a:p>
-        </p:txBody>
-      </p:sp>
-      <p:pic>
-        <p:nvPicPr>
-          <p:cNvPr id="1026" name="Picture 2"/>
-          <p:cNvPicPr>
-            <a:picLocks noChangeAspect="1" noChangeArrowheads="1"/>
-          </p:cNvPicPr>
-          <p:nvPr/>
-        </p:nvPicPr>
-        <p:blipFill>
-          <a:blip r:embed="rId2"/>
-          <a:srcRect/>
-          <a:stretch>
-            <a:fillRect/>
-          </a:stretch>
-        </p:blipFill>
-        <p:spPr bwMode="auto">
-          <a:xfrm>
-            <a:off x="2190751" y="170366"/>
-            <a:ext cx="4738703" cy="6360610"/>
-          </a:xfrm>
-          <a:prstGeom prst="rect">
-            <a:avLst/>
-          </a:prstGeom>
-          <a:noFill/>
-          <a:ln w="9525">
-            <a:noFill/>
-            <a:miter lim="800000"/>
-            <a:headEnd/>
-            <a:tailEnd/>
-          </a:ln>
-          <a:effectLst/>
-        </p:spPr>
-      </p:pic>
-      <p:sp>
-        <p:nvSpPr>
-          <p:cNvPr id="10" name="TextBox 9"/>
-          <p:cNvSpPr txBox="1"/>
-          <p:nvPr/>
-        </p:nvSpPr>
-        <p:spPr>
-          <a:xfrm>
-            <a:off x="142844" y="71414"/>
-            <a:ext cx="1983235" cy="369332"/>
-          </a:xfrm>
-          <a:prstGeom prst="rect">
-            <a:avLst/>
-          </a:prstGeom>
-          <a:noFill/>
-        </p:spPr>
-        <p:txBody>
-          <a:bodyPr wrap="none" rtlCol="0">
-            <a:spAutoFit/>
-          </a:bodyPr>
-          <a:lstStyle/>
-          <a:p>
-            <a:r>
-              <a:rPr lang="en-CA" dirty="0" smtClean="0"/>
-              <a:t>Database Lifecycle</a:t>
-            </a:r>
-            <a:endParaRPr lang="en-CA" dirty="0"/>
-          </a:p>
-        </p:txBody>
-      </p:sp>
-    </p:spTree>
-  </p:cSld>
-  <p:clrMapOvr>
-    <a:masterClrMapping/>
-  </p:clrMapOvr>
-  <p:timing>
-    <p:tnLst>
-      <p:par>
-        <p:cTn id="1" dur="indefinite" restart="never" nodeType="tmRoot"/>
-      </p:par>
-    </p:tnLst>
-  </p:timing>
-</p:sld>
-</file>
-
-<file path=ppt/slides/slide30.xml><?xml version="1.0" encoding="utf-8"?>
-<p:sld xmlns:a="http://schemas.openxmlformats.org/drawingml/2006/main" xmlns:r="http://schemas.openxmlformats.org/officeDocument/2006/relationships" xmlns:p="http://schemas.openxmlformats.org/presentationml/2006/main">
-  <p:cSld>
-    <p:spTree>
-      <p:nvGrpSpPr>
-        <p:cNvPr id="1" name=""/>
-        <p:cNvGrpSpPr/>
-        <p:nvPr/>
-      </p:nvGrpSpPr>
-      <p:grpSpPr>
-        <a:xfrm>
-          <a:off x="0" y="0"/>
-          <a:ext cx="0" cy="0"/>
-          <a:chOff x="0" y="0"/>
-          <a:chExt cx="0" cy="0"/>
-        </a:xfrm>
-      </p:grpSpPr>
-      <p:sp>
-        <p:nvSpPr>
-          <p:cNvPr id="2" name="Title 1"/>
-          <p:cNvSpPr>
-            <a:spLocks noGrp="1"/>
-          </p:cNvSpPr>
-          <p:nvPr>
-            <p:ph type="title"/>
-          </p:nvPr>
-        </p:nvSpPr>
-        <p:spPr/>
-        <p:txBody>
-          <a:bodyPr>
-            <a:normAutofit fontScale="90000"/>
-          </a:bodyPr>
-          <a:lstStyle/>
-          <a:p>
-            <a:r>
-              <a:rPr lang="en-CA" sz="3300" dirty="0" smtClean="0"/>
-              <a:t>Data Warehouses</a:t>
-            </a:r>
-            <a:r>
-              <a:rPr lang="en-CA" dirty="0" smtClean="0"/>
-              <a:t/>
-            </a:r>
-            <a:br>
-              <a:rPr lang="en-CA" dirty="0" smtClean="0"/>
-            </a:br>
-            <a:r>
-              <a:rPr lang="en-CA" dirty="0" smtClean="0"/>
-              <a:t>3. Partitioning</a:t>
-            </a:r>
-            <a:endParaRPr lang="en-CA" dirty="0"/>
-          </a:p>
-        </p:txBody>
-      </p:sp>
-      <p:sp>
-        <p:nvSpPr>
-          <p:cNvPr id="3" name="Content Placeholder 2"/>
-          <p:cNvSpPr>
-            <a:spLocks noGrp="1"/>
-          </p:cNvSpPr>
-          <p:nvPr>
-            <p:ph idx="1"/>
-          </p:nvPr>
-        </p:nvSpPr>
-        <p:spPr>
-          <a:xfrm>
-            <a:off x="457200" y="1775191"/>
-            <a:ext cx="8401080" cy="4625609"/>
-          </a:xfrm>
-        </p:spPr>
-        <p:txBody>
-          <a:bodyPr>
-            <a:normAutofit fontScale="92500" lnSpcReduction="20000"/>
-          </a:bodyPr>
-          <a:lstStyle/>
-          <a:p>
-            <a:r>
-              <a:rPr lang="en-CA" dirty="0" smtClean="0"/>
-              <a:t>Dividing database objects into smaller more manageable pieces</a:t>
-            </a:r>
-          </a:p>
-          <a:p>
-            <a:r>
-              <a:rPr lang="en-CA" dirty="0" smtClean="0"/>
-              <a:t>Horizontal &amp; Vertical partitioning are used</a:t>
-            </a:r>
-          </a:p>
-          <a:p>
-            <a:r>
-              <a:rPr lang="en-CA" dirty="0" smtClean="0"/>
-              <a:t>Pros</a:t>
-            </a:r>
-          </a:p>
-          <a:p>
-            <a:pPr lvl="2"/>
-            <a:r>
-              <a:rPr lang="en-CA" dirty="0" smtClean="0"/>
-              <a:t>Ability to manage larger databases</a:t>
-            </a:r>
-          </a:p>
-          <a:p>
-            <a:pPr lvl="2"/>
-            <a:r>
-              <a:rPr lang="en-CA" dirty="0" smtClean="0"/>
-              <a:t>Enhances query performance over large tables</a:t>
-            </a:r>
-          </a:p>
-          <a:p>
-            <a:pPr lvl="2"/>
-            <a:r>
-              <a:rPr lang="en-CA" dirty="0" smtClean="0"/>
-              <a:t>Enables parallel processing </a:t>
-            </a:r>
-          </a:p>
-          <a:p>
-            <a:pPr lvl="2"/>
-            <a:r>
-              <a:rPr lang="en-CA" dirty="0" smtClean="0"/>
-              <a:t>Facilitates data compression</a:t>
-            </a:r>
-          </a:p>
-          <a:p>
-            <a:r>
-              <a:rPr lang="en-CA" dirty="0" smtClean="0"/>
-              <a:t>Cons</a:t>
-            </a:r>
-          </a:p>
-          <a:p>
-            <a:pPr lvl="2"/>
-            <a:r>
-              <a:rPr lang="en-CA" dirty="0" smtClean="0"/>
-              <a:t>Complexity: managing partitions</a:t>
-            </a:r>
-          </a:p>
-          <a:p>
-            <a:pPr lvl="2"/>
-            <a:r>
-              <a:rPr lang="en-CA" dirty="0" smtClean="0"/>
-              <a:t>Efficiency: number of partitions affects the performance of meta data operations (e.g. browsing the data cube definition)</a:t>
-            </a:r>
-          </a:p>
-          <a:p>
-            <a:pPr lvl="2"/>
-            <a:r>
-              <a:rPr lang="en-CA" dirty="0" smtClean="0"/>
-              <a:t>Might affect data refresh operations</a:t>
-            </a:r>
-          </a:p>
-        </p:txBody>
-      </p:sp>
-      <p:sp>
-        <p:nvSpPr>
-          <p:cNvPr id="4" name="Date Placeholder 3"/>
-          <p:cNvSpPr>
-            <a:spLocks noGrp="1"/>
-          </p:cNvSpPr>
-          <p:nvPr>
-            <p:ph type="dt" sz="half" idx="10"/>
-          </p:nvPr>
-        </p:nvSpPr>
-        <p:spPr/>
-        <p:txBody>
-          <a:bodyPr/>
-          <a:lstStyle/>
-          <a:p>
-            <a:r>
-              <a:rPr lang="en-US" smtClean="0"/>
-              <a:t>Physical Design Patterns</a:t>
-            </a:r>
-            <a:endParaRPr lang="en-CA"/>
-          </a:p>
-        </p:txBody>
-      </p:sp>
-      <p:sp>
-        <p:nvSpPr>
-          <p:cNvPr id="5" name="Footer Placeholder 4"/>
-          <p:cNvSpPr>
-            <a:spLocks noGrp="1"/>
-          </p:cNvSpPr>
-          <p:nvPr>
-            <p:ph type="ftr" sz="quarter" idx="11"/>
-          </p:nvPr>
-        </p:nvSpPr>
-        <p:spPr/>
-        <p:txBody>
-          <a:bodyPr/>
-          <a:lstStyle/>
-          <a:p>
-            <a:r>
-              <a:rPr lang="en-CA" smtClean="0"/>
-              <a:t>Karim Ali &amp; Sarah Nadi</a:t>
-            </a:r>
-            <a:endParaRPr lang="en-CA"/>
-          </a:p>
-        </p:txBody>
-      </p:sp>
-      <p:sp>
-        <p:nvSpPr>
-          <p:cNvPr id="6" name="Slide Number Placeholder 5"/>
-          <p:cNvSpPr>
-            <a:spLocks noGrp="1"/>
-          </p:cNvSpPr>
-          <p:nvPr>
-            <p:ph type="sldNum" sz="quarter" idx="12"/>
-          </p:nvPr>
-        </p:nvSpPr>
-        <p:spPr/>
-        <p:txBody>
-          <a:bodyPr/>
-          <a:lstStyle/>
-          <a:p>
-            <a:fld id="{9AC8176B-BF31-4706-B15B-1AFC481B9AC3}" type="slidenum">
-              <a:rPr lang="en-CA" smtClean="0"/>
-              <a:pPr/>
-              <a:t>30</a:t>
-            </a:fld>
-            <a:endParaRPr lang="en-CA"/>
-          </a:p>
-        </p:txBody>
-      </p:sp>
-    </p:spTree>
-  </p:cSld>
-  <p:clrMapOvr>
-    <a:masterClrMapping/>
-  </p:clrMapOvr>
-</p:sld>
-</file>
-
-<file path=ppt/slides/slide31.xml><?xml version="1.0" encoding="utf-8"?>
-<p:sld xmlns:a="http://schemas.openxmlformats.org/drawingml/2006/main" xmlns:r="http://schemas.openxmlformats.org/officeDocument/2006/relationships" xmlns:p="http://schemas.openxmlformats.org/presentationml/2006/main">
-  <p:cSld>
-    <p:spTree>
-      <p:nvGrpSpPr>
-        <p:cNvPr id="1" name=""/>
-        <p:cNvGrpSpPr/>
-        <p:nvPr/>
-      </p:nvGrpSpPr>
-      <p:grpSpPr>
-        <a:xfrm>
-          <a:off x="0" y="0"/>
-          <a:ext cx="0" cy="0"/>
-          <a:chOff x="0" y="0"/>
-          <a:chExt cx="0" cy="0"/>
-        </a:xfrm>
-      </p:grpSpPr>
-      <p:sp>
-        <p:nvSpPr>
-          <p:cNvPr id="2" name="Title 1"/>
-          <p:cNvSpPr>
-            <a:spLocks noGrp="1"/>
-          </p:cNvSpPr>
-          <p:nvPr>
-            <p:ph type="title"/>
-          </p:nvPr>
-        </p:nvSpPr>
-        <p:spPr/>
-        <p:txBody>
-          <a:bodyPr>
-            <a:normAutofit fontScale="90000"/>
-          </a:bodyPr>
-          <a:lstStyle/>
-          <a:p>
-            <a:r>
-              <a:rPr lang="en-CA" sz="3300" dirty="0" smtClean="0"/>
-              <a:t>Data Warehouses</a:t>
-            </a:r>
-            <a:r>
-              <a:rPr lang="en-CA" dirty="0" smtClean="0"/>
-              <a:t/>
-            </a:r>
-            <a:br>
-              <a:rPr lang="en-CA" dirty="0" smtClean="0"/>
-            </a:br>
-            <a:r>
-              <a:rPr lang="en-CA" dirty="0" smtClean="0"/>
-              <a:t>4. Clustering</a:t>
-            </a:r>
-            <a:endParaRPr lang="en-CA" dirty="0"/>
-          </a:p>
-        </p:txBody>
-      </p:sp>
-      <p:sp>
-        <p:nvSpPr>
-          <p:cNvPr id="3" name="Content Placeholder 2"/>
-          <p:cNvSpPr>
-            <a:spLocks noGrp="1"/>
-          </p:cNvSpPr>
-          <p:nvPr>
-            <p:ph idx="1"/>
-          </p:nvPr>
-        </p:nvSpPr>
-        <p:spPr/>
-        <p:txBody>
-          <a:bodyPr>
-            <a:normAutofit/>
-          </a:bodyPr>
-          <a:lstStyle/>
-          <a:p>
-            <a:r>
-              <a:rPr lang="en-CA" dirty="0" smtClean="0"/>
-              <a:t>Data is clustered by nature</a:t>
-            </a:r>
-          </a:p>
-        </p:txBody>
-      </p:sp>
-      <p:sp>
-        <p:nvSpPr>
-          <p:cNvPr id="4" name="Date Placeholder 3"/>
-          <p:cNvSpPr>
-            <a:spLocks noGrp="1"/>
-          </p:cNvSpPr>
-          <p:nvPr>
-            <p:ph type="dt" sz="half" idx="10"/>
-          </p:nvPr>
-        </p:nvSpPr>
-        <p:spPr/>
-        <p:txBody>
-          <a:bodyPr/>
-          <a:lstStyle/>
-          <a:p>
-            <a:r>
-              <a:rPr lang="en-US" smtClean="0"/>
-              <a:t>Physical Design Patterns</a:t>
-            </a:r>
-            <a:endParaRPr lang="en-CA"/>
-          </a:p>
-        </p:txBody>
-      </p:sp>
-      <p:sp>
-        <p:nvSpPr>
-          <p:cNvPr id="5" name="Footer Placeholder 4"/>
-          <p:cNvSpPr>
-            <a:spLocks noGrp="1"/>
-          </p:cNvSpPr>
-          <p:nvPr>
-            <p:ph type="ftr" sz="quarter" idx="11"/>
-          </p:nvPr>
-        </p:nvSpPr>
-        <p:spPr/>
-        <p:txBody>
-          <a:bodyPr/>
-          <a:lstStyle/>
-          <a:p>
-            <a:r>
-              <a:rPr lang="en-CA" smtClean="0"/>
-              <a:t>Karim Ali &amp; Sarah Nadi</a:t>
-            </a:r>
-            <a:endParaRPr lang="en-CA"/>
-          </a:p>
-        </p:txBody>
-      </p:sp>
-      <p:sp>
-        <p:nvSpPr>
-          <p:cNvPr id="6" name="Slide Number Placeholder 5"/>
-          <p:cNvSpPr>
-            <a:spLocks noGrp="1"/>
-          </p:cNvSpPr>
-          <p:nvPr>
-            <p:ph type="sldNum" sz="quarter" idx="12"/>
-          </p:nvPr>
-        </p:nvSpPr>
-        <p:spPr/>
-        <p:txBody>
-          <a:bodyPr/>
-          <a:lstStyle/>
-          <a:p>
-            <a:fld id="{9AC8176B-BF31-4706-B15B-1AFC481B9AC3}" type="slidenum">
-              <a:rPr lang="en-CA" smtClean="0"/>
-              <a:pPr/>
-              <a:t>31</a:t>
-            </a:fld>
-            <a:endParaRPr lang="en-CA"/>
-          </a:p>
-        </p:txBody>
-      </p:sp>
-      <p:pic>
-        <p:nvPicPr>
-          <p:cNvPr id="1026" name="Picture 2"/>
-          <p:cNvPicPr>
-            <a:picLocks noChangeAspect="1" noChangeArrowheads="1"/>
-          </p:cNvPicPr>
-          <p:nvPr/>
-        </p:nvPicPr>
-        <p:blipFill>
-          <a:blip r:embed="rId2"/>
-          <a:srcRect/>
-          <a:stretch>
-            <a:fillRect/>
-          </a:stretch>
-        </p:blipFill>
-        <p:spPr bwMode="auto">
-          <a:xfrm>
-            <a:off x="1000100" y="2357430"/>
-            <a:ext cx="7172325" cy="3971925"/>
-          </a:xfrm>
-          <a:prstGeom prst="rect">
-            <a:avLst/>
-          </a:prstGeom>
-          <a:noFill/>
-          <a:ln w="9525">
-            <a:noFill/>
-            <a:miter lim="800000"/>
-            <a:headEnd/>
-            <a:tailEnd/>
-          </a:ln>
-          <a:effectLst/>
-        </p:spPr>
-      </p:pic>
-    </p:spTree>
-  </p:cSld>
-  <p:clrMapOvr>
-    <a:masterClrMapping/>
-  </p:clrMapOvr>
-</p:sld>
-</file>
-
-<file path=ppt/slides/slide32.xml><?xml version="1.0" encoding="utf-8"?>
-<p:sld xmlns:a="http://schemas.openxmlformats.org/drawingml/2006/main" xmlns:r="http://schemas.openxmlformats.org/officeDocument/2006/relationships" xmlns:p="http://schemas.openxmlformats.org/presentationml/2006/main">
-  <p:cSld>
-    <p:spTree>
-      <p:nvGrpSpPr>
-        <p:cNvPr id="1" name=""/>
-        <p:cNvGrpSpPr/>
-        <p:nvPr/>
-      </p:nvGrpSpPr>
-      <p:grpSpPr>
-        <a:xfrm>
-          <a:off x="0" y="0"/>
-          <a:ext cx="0" cy="0"/>
-          <a:chOff x="0" y="0"/>
-          <a:chExt cx="0" cy="0"/>
-        </a:xfrm>
-      </p:grpSpPr>
-      <p:sp>
-        <p:nvSpPr>
-          <p:cNvPr id="7" name="Title 6"/>
-          <p:cNvSpPr>
-            <a:spLocks noGrp="1"/>
-          </p:cNvSpPr>
-          <p:nvPr>
-            <p:ph type="title"/>
-          </p:nvPr>
-        </p:nvSpPr>
-        <p:spPr/>
-        <p:txBody>
-          <a:bodyPr/>
-          <a:lstStyle/>
-          <a:p>
-            <a:r>
-              <a:rPr lang="en-CA" dirty="0" smtClean="0"/>
-              <a:t>3. XML Databases (XML DBs)</a:t>
-            </a:r>
-            <a:endParaRPr lang="en-CA" dirty="0"/>
-          </a:p>
-        </p:txBody>
-      </p:sp>
-      <p:sp>
-        <p:nvSpPr>
-          <p:cNvPr id="8" name="Text Placeholder 7"/>
-          <p:cNvSpPr>
-            <a:spLocks noGrp="1"/>
-          </p:cNvSpPr>
-          <p:nvPr>
-            <p:ph type="body" idx="1"/>
-          </p:nvPr>
-        </p:nvSpPr>
-        <p:spPr/>
-        <p:txBody>
-          <a:bodyPr/>
-          <a:lstStyle/>
-          <a:p>
-            <a:endParaRPr lang="en-CA"/>
-          </a:p>
-        </p:txBody>
-      </p:sp>
-      <p:sp>
-        <p:nvSpPr>
-          <p:cNvPr id="4" name="Date Placeholder 3"/>
-          <p:cNvSpPr>
-            <a:spLocks noGrp="1"/>
-          </p:cNvSpPr>
-          <p:nvPr>
-            <p:ph type="dt" sz="half" idx="10"/>
-          </p:nvPr>
-        </p:nvSpPr>
-        <p:spPr/>
-        <p:txBody>
-          <a:bodyPr/>
-          <a:lstStyle/>
-          <a:p>
-            <a:r>
-              <a:rPr lang="en-US" smtClean="0"/>
-              <a:t>Physical Design Patterns</a:t>
-            </a:r>
-            <a:endParaRPr lang="en-CA"/>
-          </a:p>
-        </p:txBody>
-      </p:sp>
-      <p:sp>
-        <p:nvSpPr>
-          <p:cNvPr id="5" name="Footer Placeholder 4"/>
-          <p:cNvSpPr>
-            <a:spLocks noGrp="1"/>
-          </p:cNvSpPr>
-          <p:nvPr>
-            <p:ph type="ftr" sz="quarter" idx="11"/>
-          </p:nvPr>
-        </p:nvSpPr>
-        <p:spPr/>
-        <p:txBody>
-          <a:bodyPr/>
-          <a:lstStyle/>
-          <a:p>
-            <a:r>
-              <a:rPr lang="en-CA" smtClean="0"/>
-              <a:t>Karim Ali &amp; Sarah Nadi</a:t>
-            </a:r>
-            <a:endParaRPr lang="en-CA"/>
-          </a:p>
-        </p:txBody>
-      </p:sp>
-      <p:sp>
-        <p:nvSpPr>
-          <p:cNvPr id="6" name="Slide Number Placeholder 5"/>
-          <p:cNvSpPr>
-            <a:spLocks noGrp="1"/>
-          </p:cNvSpPr>
-          <p:nvPr>
-            <p:ph type="sldNum" sz="quarter" idx="12"/>
-          </p:nvPr>
-        </p:nvSpPr>
-        <p:spPr/>
-        <p:txBody>
-          <a:bodyPr/>
-          <a:lstStyle/>
-          <a:p>
-            <a:fld id="{9AC8176B-BF31-4706-B15B-1AFC481B9AC3}" type="slidenum">
-              <a:rPr lang="en-CA" smtClean="0"/>
-              <a:pPr/>
-              <a:t>32</a:t>
-            </a:fld>
-            <a:endParaRPr lang="en-CA"/>
-          </a:p>
-        </p:txBody>
-      </p:sp>
-    </p:spTree>
-  </p:cSld>
-  <p:clrMapOvr>
-    <a:masterClrMapping/>
-  </p:clrMapOvr>
-</p:sld>
-</file>
-
-<file path=ppt/slides/slide33.xml><?xml version="1.0" encoding="utf-8"?>
-<p:sld xmlns:a="http://schemas.openxmlformats.org/drawingml/2006/main" xmlns:r="http://schemas.openxmlformats.org/officeDocument/2006/relationships" xmlns:p="http://schemas.openxmlformats.org/presentationml/2006/main">
-  <p:cSld>
-    <p:spTree>
-      <p:nvGrpSpPr>
-        <p:cNvPr id="1" name=""/>
-        <p:cNvGrpSpPr/>
-        <p:nvPr/>
-      </p:nvGrpSpPr>
-      <p:grpSpPr>
-        <a:xfrm>
-          <a:off x="0" y="0"/>
-          <a:ext cx="0" cy="0"/>
-          <a:chOff x="0" y="0"/>
-          <a:chExt cx="0" cy="0"/>
-        </a:xfrm>
-      </p:grpSpPr>
-      <p:sp>
-        <p:nvSpPr>
-          <p:cNvPr id="7" name="Title 6"/>
-          <p:cNvSpPr>
-            <a:spLocks noGrp="1"/>
-          </p:cNvSpPr>
-          <p:nvPr>
-            <p:ph type="title"/>
-          </p:nvPr>
-        </p:nvSpPr>
-        <p:spPr/>
-        <p:txBody>
-          <a:bodyPr>
-            <a:normAutofit fontScale="90000"/>
-          </a:bodyPr>
-          <a:lstStyle/>
-          <a:p>
-            <a:r>
-              <a:rPr lang="en-CA" sz="3300" dirty="0" smtClean="0"/>
-              <a:t>XML DBs</a:t>
-            </a:r>
-            <a:r>
-              <a:rPr lang="en-CA" dirty="0" smtClean="0"/>
-              <a:t/>
-            </a:r>
-            <a:br>
-              <a:rPr lang="en-CA" dirty="0" smtClean="0"/>
-            </a:br>
-            <a:r>
-              <a:rPr lang="en-CA" dirty="0" smtClean="0"/>
-              <a:t>Overview</a:t>
-            </a:r>
-            <a:endParaRPr lang="en-CA" dirty="0"/>
-          </a:p>
-        </p:txBody>
-      </p:sp>
-      <p:sp>
-        <p:nvSpPr>
-          <p:cNvPr id="9" name="Content Placeholder 8"/>
-          <p:cNvSpPr>
-            <a:spLocks noGrp="1"/>
-          </p:cNvSpPr>
-          <p:nvPr>
-            <p:ph idx="1"/>
-          </p:nvPr>
-        </p:nvSpPr>
-        <p:spPr/>
-        <p:txBody>
-          <a:bodyPr/>
-          <a:lstStyle/>
-          <a:p>
-            <a:r>
-              <a:rPr lang="en-CA" dirty="0" smtClean="0"/>
-              <a:t>Store, organize &amp; query XML documents</a:t>
-            </a:r>
-          </a:p>
-          <a:p>
-            <a:pPr lvl="1">
-              <a:buFont typeface="Arial" pitchFamily="34" charset="0"/>
-              <a:buChar char="•"/>
-            </a:pPr>
-            <a:r>
-              <a:rPr lang="en-CA" dirty="0" smtClean="0"/>
-              <a:t>XML-enabled DBs:</a:t>
-            </a:r>
-          </a:p>
-          <a:p>
-            <a:pPr lvl="2"/>
-            <a:r>
-              <a:rPr lang="en-CA" dirty="0" smtClean="0"/>
-              <a:t>Maps XML documents to relational tables</a:t>
-            </a:r>
-          </a:p>
-          <a:p>
-            <a:pPr lvl="1">
-              <a:buFont typeface="Arial" pitchFamily="34" charset="0"/>
-              <a:buChar char="•"/>
-            </a:pPr>
-            <a:r>
-              <a:rPr lang="en-CA" dirty="0" smtClean="0"/>
-              <a:t>Native XML DBs:</a:t>
-            </a:r>
-          </a:p>
-          <a:p>
-            <a:pPr lvl="2"/>
-            <a:r>
-              <a:rPr lang="en-CA" dirty="0" smtClean="0"/>
-              <a:t>Data structures store actual </a:t>
-            </a:r>
-            <a:r>
-              <a:rPr lang="en-CA" dirty="0" smtClean="0"/>
-              <a:t>XML</a:t>
-            </a:r>
-          </a:p>
-          <a:p>
-            <a:r>
-              <a:rPr lang="en-CA" dirty="0" smtClean="0"/>
-              <a:t>Semi-s</a:t>
-            </a:r>
-            <a:r>
-              <a:rPr lang="en-CA" dirty="0" smtClean="0"/>
-              <a:t>tructured data is harder to handle</a:t>
-            </a:r>
-            <a:endParaRPr lang="en-CA" dirty="0"/>
-          </a:p>
-        </p:txBody>
-      </p:sp>
-      <p:sp>
-        <p:nvSpPr>
-          <p:cNvPr id="4" name="Date Placeholder 3"/>
-          <p:cNvSpPr>
-            <a:spLocks noGrp="1"/>
-          </p:cNvSpPr>
-          <p:nvPr>
-            <p:ph type="dt" sz="half" idx="10"/>
-          </p:nvPr>
-        </p:nvSpPr>
-        <p:spPr/>
-        <p:txBody>
-          <a:bodyPr/>
-          <a:lstStyle/>
-          <a:p>
-            <a:r>
-              <a:rPr lang="en-US" smtClean="0"/>
-              <a:t>Physical Design Patterns</a:t>
-            </a:r>
-            <a:endParaRPr lang="en-CA"/>
-          </a:p>
-        </p:txBody>
-      </p:sp>
-      <p:sp>
-        <p:nvSpPr>
-          <p:cNvPr id="5" name="Footer Placeholder 4"/>
-          <p:cNvSpPr>
-            <a:spLocks noGrp="1"/>
-          </p:cNvSpPr>
-          <p:nvPr>
-            <p:ph type="ftr" sz="quarter" idx="11"/>
-          </p:nvPr>
-        </p:nvSpPr>
-        <p:spPr/>
-        <p:txBody>
-          <a:bodyPr/>
-          <a:lstStyle/>
-          <a:p>
-            <a:r>
-              <a:rPr lang="en-CA" smtClean="0"/>
-              <a:t>Karim Ali &amp; Sarah Nadi</a:t>
-            </a:r>
-            <a:endParaRPr lang="en-CA"/>
-          </a:p>
-        </p:txBody>
-      </p:sp>
-      <p:sp>
-        <p:nvSpPr>
-          <p:cNvPr id="6" name="Slide Number Placeholder 5"/>
-          <p:cNvSpPr>
-            <a:spLocks noGrp="1"/>
-          </p:cNvSpPr>
-          <p:nvPr>
-            <p:ph type="sldNum" sz="quarter" idx="12"/>
-          </p:nvPr>
-        </p:nvSpPr>
-        <p:spPr/>
-        <p:txBody>
-          <a:bodyPr/>
-          <a:lstStyle/>
-          <a:p>
-            <a:fld id="{9AC8176B-BF31-4706-B15B-1AFC481B9AC3}" type="slidenum">
-              <a:rPr lang="en-CA" smtClean="0"/>
-              <a:pPr/>
-              <a:t>33</a:t>
-            </a:fld>
-            <a:endParaRPr lang="en-CA"/>
-          </a:p>
-        </p:txBody>
-      </p:sp>
-    </p:spTree>
-  </p:cSld>
-  <p:clrMapOvr>
-    <a:masterClrMapping/>
-  </p:clrMapOvr>
-</p:sld>
-</file>
-
-<file path=ppt/slides/slide34.xml><?xml version="1.0" encoding="utf-8"?>
 <p:sld xmlns:a="http://schemas.openxmlformats.org/drawingml/2006/main" xmlns:r="http://schemas.openxmlformats.org/officeDocument/2006/relationships" xmlns:p="http://schemas.openxmlformats.org/presentationml/2006/main">
   <p:cSld>
     <p:spTree>
@@ -10862,10 +8082,10 @@
           <a:lstStyle/>
           <a:p>
             <a:r>
-              <a:rPr lang="en-US" smtClean="0"/>
+              <a:rPr lang="en-US" dirty="0" smtClean="0"/>
               <a:t>Physical Design Patterns</a:t>
             </a:r>
-            <a:endParaRPr lang="en-CA"/>
+            <a:endParaRPr lang="en-CA" dirty="0"/>
           </a:p>
         </p:txBody>
       </p:sp>
@@ -10885,10 +8105,10 @@
           <a:lstStyle/>
           <a:p>
             <a:r>
-              <a:rPr lang="en-CA" smtClean="0"/>
+              <a:rPr lang="en-CA" dirty="0" smtClean="0"/>
               <a:t>Karim Ali &amp; Sarah Nadi</a:t>
             </a:r>
-            <a:endParaRPr lang="en-CA"/>
+            <a:endParaRPr lang="en-CA" dirty="0"/>
           </a:p>
         </p:txBody>
       </p:sp>
@@ -10910,9 +8130,9 @@
             <a:fld id="{9AC8176B-BF31-4706-B15B-1AFC481B9AC3}" type="slidenum">
               <a:rPr lang="en-CA" smtClean="0"/>
               <a:pPr/>
-              <a:t>34</a:t>
+              <a:t>24</a:t>
             </a:fld>
-            <a:endParaRPr lang="en-CA"/>
+            <a:endParaRPr lang="en-CA" dirty="0"/>
           </a:p>
         </p:txBody>
       </p:sp>
@@ -10957,7 +8177,7 @@
 </p:sld>
 </file>
 
-<file path=ppt/slides/slide35.xml><?xml version="1.0" encoding="utf-8"?>
+<file path=ppt/slides/slide25.xml><?xml version="1.0" encoding="utf-8"?>
 <p:sld xmlns:a="http://schemas.openxmlformats.org/drawingml/2006/main" xmlns:r="http://schemas.openxmlformats.org/officeDocument/2006/relationships" xmlns:p="http://schemas.openxmlformats.org/presentationml/2006/main">
   <p:cSld>
     <p:spTree>
@@ -11031,15 +8251,7 @@
           <a:p>
             <a:r>
               <a:rPr lang="en-CA" dirty="0" smtClean="0"/>
-              <a:t>Native XML DB (E.g. </a:t>
-            </a:r>
-            <a:r>
-              <a:rPr lang="en-CA" dirty="0" err="1" smtClean="0"/>
-              <a:t>eXist</a:t>
-            </a:r>
-            <a:r>
-              <a:rPr lang="en-CA" dirty="0" smtClean="0"/>
-              <a:t>, TIMBER)</a:t>
+              <a:t>Native XML DB (E.g. eXist, TIMBER)</a:t>
             </a:r>
           </a:p>
           <a:p>
@@ -11083,10 +8295,10 @@
           <a:lstStyle/>
           <a:p>
             <a:r>
-              <a:rPr lang="en-US" smtClean="0"/>
+              <a:rPr lang="en-US" dirty="0" smtClean="0"/>
               <a:t>Physical Design Patterns</a:t>
             </a:r>
-            <a:endParaRPr lang="en-CA"/>
+            <a:endParaRPr lang="en-CA" dirty="0"/>
           </a:p>
         </p:txBody>
       </p:sp>
@@ -11106,10 +8318,10 @@
           <a:lstStyle/>
           <a:p>
             <a:r>
-              <a:rPr lang="en-CA" smtClean="0"/>
+              <a:rPr lang="en-CA" dirty="0" smtClean="0"/>
               <a:t>Karim Ali &amp; Sarah Nadi</a:t>
             </a:r>
-            <a:endParaRPr lang="en-CA"/>
+            <a:endParaRPr lang="en-CA" dirty="0"/>
           </a:p>
         </p:txBody>
       </p:sp>
@@ -11131,9 +8343,9 @@
             <a:fld id="{9AC8176B-BF31-4706-B15B-1AFC481B9AC3}" type="slidenum">
               <a:rPr lang="en-CA" smtClean="0"/>
               <a:pPr/>
-              <a:t>35</a:t>
+              <a:t>25</a:t>
             </a:fld>
-            <a:endParaRPr lang="en-CA"/>
+            <a:endParaRPr lang="en-CA" dirty="0"/>
           </a:p>
         </p:txBody>
       </p:sp>
@@ -11178,6 +8390,2568 @@
 </p:sld>
 </file>
 
+<file path=ppt/slides/slide26.xml><?xml version="1.0" encoding="utf-8"?>
+<p:sld xmlns:a="http://schemas.openxmlformats.org/drawingml/2006/main" xmlns:r="http://schemas.openxmlformats.org/officeDocument/2006/relationships" xmlns:p="http://schemas.openxmlformats.org/presentationml/2006/main">
+  <p:cSld>
+    <p:spTree>
+      <p:nvGrpSpPr>
+        <p:cNvPr id="1" name=""/>
+        <p:cNvGrpSpPr/>
+        <p:nvPr/>
+      </p:nvGrpSpPr>
+      <p:grpSpPr>
+        <a:xfrm>
+          <a:off x="0" y="0"/>
+          <a:ext cx="0" cy="0"/>
+          <a:chOff x="0" y="0"/>
+          <a:chExt cx="0" cy="0"/>
+        </a:xfrm>
+      </p:grpSpPr>
+      <p:sp>
+        <p:nvSpPr>
+          <p:cNvPr id="2" name="Title 1"/>
+          <p:cNvSpPr>
+            <a:spLocks noGrp="1"/>
+          </p:cNvSpPr>
+          <p:nvPr>
+            <p:ph type="title"/>
+          </p:nvPr>
+        </p:nvSpPr>
+        <p:spPr/>
+        <p:txBody>
+          <a:bodyPr>
+            <a:normAutofit fontScale="90000"/>
+          </a:bodyPr>
+          <a:lstStyle/>
+          <a:p>
+            <a:r>
+              <a:rPr lang="en-CA" sz="3300" dirty="0" smtClean="0"/>
+              <a:t>XML DB</a:t>
+            </a:r>
+            <a:r>
+              <a:rPr lang="en-CA" dirty="0" smtClean="0"/>
+              <a:t/>
+            </a:r>
+            <a:br>
+              <a:rPr lang="en-CA" dirty="0" smtClean="0"/>
+            </a:br>
+            <a:r>
+              <a:rPr lang="en-CA" dirty="0" smtClean="0"/>
+              <a:t>2. Materialized Views</a:t>
+            </a:r>
+            <a:endParaRPr lang="en-CA" dirty="0"/>
+          </a:p>
+        </p:txBody>
+      </p:sp>
+      <p:sp>
+        <p:nvSpPr>
+          <p:cNvPr id="3" name="Content Placeholder 2"/>
+          <p:cNvSpPr>
+            <a:spLocks noGrp="1"/>
+          </p:cNvSpPr>
+          <p:nvPr>
+            <p:ph idx="1"/>
+          </p:nvPr>
+        </p:nvSpPr>
+        <p:spPr/>
+        <p:txBody>
+          <a:bodyPr/>
+          <a:lstStyle/>
+          <a:p>
+            <a:r>
+              <a:rPr lang="en-CA" dirty="0" smtClean="0"/>
+              <a:t>Greatly enhances performance</a:t>
+            </a:r>
+          </a:p>
+          <a:p>
+            <a:r>
+              <a:rPr lang="en-CA" dirty="0" smtClean="0"/>
+              <a:t>XQuery and Xpath query results are materialized</a:t>
+            </a:r>
+          </a:p>
+          <a:p>
+            <a:r>
+              <a:rPr lang="en-CA" dirty="0" smtClean="0"/>
+              <a:t>Query rewriting is more tricky due to semi-structured nature &amp; complicated querying languages</a:t>
+            </a:r>
+            <a:endParaRPr lang="en-CA" dirty="0"/>
+          </a:p>
+        </p:txBody>
+      </p:sp>
+      <p:sp>
+        <p:nvSpPr>
+          <p:cNvPr id="4" name="Date Placeholder 3"/>
+          <p:cNvSpPr>
+            <a:spLocks noGrp="1"/>
+          </p:cNvSpPr>
+          <p:nvPr>
+            <p:ph type="dt" sz="half" idx="10"/>
+          </p:nvPr>
+        </p:nvSpPr>
+        <p:spPr/>
+        <p:txBody>
+          <a:bodyPr/>
+          <a:lstStyle/>
+          <a:p>
+            <a:r>
+              <a:rPr lang="en-US" dirty="0" smtClean="0"/>
+              <a:t>Physical Design Patterns</a:t>
+            </a:r>
+            <a:endParaRPr lang="en-CA" dirty="0"/>
+          </a:p>
+        </p:txBody>
+      </p:sp>
+      <p:sp>
+        <p:nvSpPr>
+          <p:cNvPr id="5" name="Footer Placeholder 4"/>
+          <p:cNvSpPr>
+            <a:spLocks noGrp="1"/>
+          </p:cNvSpPr>
+          <p:nvPr>
+            <p:ph type="ftr" sz="quarter" idx="11"/>
+          </p:nvPr>
+        </p:nvSpPr>
+        <p:spPr/>
+        <p:txBody>
+          <a:bodyPr/>
+          <a:lstStyle/>
+          <a:p>
+            <a:r>
+              <a:rPr lang="en-CA" dirty="0" smtClean="0"/>
+              <a:t>Karim Ali &amp; Sarah Nadi</a:t>
+            </a:r>
+            <a:endParaRPr lang="en-CA" dirty="0"/>
+          </a:p>
+        </p:txBody>
+      </p:sp>
+      <p:sp>
+        <p:nvSpPr>
+          <p:cNvPr id="6" name="Slide Number Placeholder 5"/>
+          <p:cNvSpPr>
+            <a:spLocks noGrp="1"/>
+          </p:cNvSpPr>
+          <p:nvPr>
+            <p:ph type="sldNum" sz="quarter" idx="12"/>
+          </p:nvPr>
+        </p:nvSpPr>
+        <p:spPr/>
+        <p:txBody>
+          <a:bodyPr/>
+          <a:lstStyle/>
+          <a:p>
+            <a:fld id="{9AC8176B-BF31-4706-B15B-1AFC481B9AC3}" type="slidenum">
+              <a:rPr lang="en-CA" smtClean="0"/>
+              <a:pPr/>
+              <a:t>26</a:t>
+            </a:fld>
+            <a:endParaRPr lang="en-CA" dirty="0"/>
+          </a:p>
+        </p:txBody>
+      </p:sp>
+    </p:spTree>
+  </p:cSld>
+  <p:clrMapOvr>
+    <a:masterClrMapping/>
+  </p:clrMapOvr>
+</p:sld>
+</file>
+
+<file path=ppt/slides/slide27.xml><?xml version="1.0" encoding="utf-8"?>
+<p:sld xmlns:a="http://schemas.openxmlformats.org/drawingml/2006/main" xmlns:r="http://schemas.openxmlformats.org/officeDocument/2006/relationships" xmlns:p="http://schemas.openxmlformats.org/presentationml/2006/main">
+  <p:cSld>
+    <p:spTree>
+      <p:nvGrpSpPr>
+        <p:cNvPr id="1" name=""/>
+        <p:cNvGrpSpPr/>
+        <p:nvPr/>
+      </p:nvGrpSpPr>
+      <p:grpSpPr>
+        <a:xfrm>
+          <a:off x="0" y="0"/>
+          <a:ext cx="0" cy="0"/>
+          <a:chOff x="0" y="0"/>
+          <a:chExt cx="0" cy="0"/>
+        </a:xfrm>
+      </p:grpSpPr>
+      <p:sp>
+        <p:nvSpPr>
+          <p:cNvPr id="2" name="Title 1"/>
+          <p:cNvSpPr>
+            <a:spLocks noGrp="1"/>
+          </p:cNvSpPr>
+          <p:nvPr>
+            <p:ph type="title"/>
+          </p:nvPr>
+        </p:nvSpPr>
+        <p:spPr/>
+        <p:txBody>
+          <a:bodyPr>
+            <a:normAutofit fontScale="90000"/>
+          </a:bodyPr>
+          <a:lstStyle/>
+          <a:p>
+            <a:r>
+              <a:rPr lang="en-CA" sz="3300" dirty="0" smtClean="0"/>
+              <a:t>XML DB</a:t>
+            </a:r>
+            <a:r>
+              <a:rPr lang="en-CA" dirty="0" smtClean="0"/>
+              <a:t/>
+            </a:r>
+            <a:br>
+              <a:rPr lang="en-CA" dirty="0" smtClean="0"/>
+            </a:br>
+            <a:r>
+              <a:rPr lang="en-CA" dirty="0" smtClean="0"/>
+              <a:t>3. Partitioning</a:t>
+            </a:r>
+            <a:endParaRPr lang="en-CA" dirty="0"/>
+          </a:p>
+        </p:txBody>
+      </p:sp>
+      <p:sp>
+        <p:nvSpPr>
+          <p:cNvPr id="3" name="Content Placeholder 2"/>
+          <p:cNvSpPr>
+            <a:spLocks noGrp="1"/>
+          </p:cNvSpPr>
+          <p:nvPr>
+            <p:ph idx="1"/>
+          </p:nvPr>
+        </p:nvSpPr>
+        <p:spPr/>
+        <p:txBody>
+          <a:bodyPr/>
+          <a:lstStyle/>
+          <a:p>
+            <a:r>
+              <a:rPr lang="en-CA" dirty="0" smtClean="0"/>
+              <a:t>Horizontal partitioning</a:t>
+            </a:r>
+          </a:p>
+          <a:p>
+            <a:pPr lvl="1">
+              <a:buFont typeface="Arial" pitchFamily="34" charset="0"/>
+              <a:buChar char="•"/>
+            </a:pPr>
+            <a:r>
+              <a:rPr lang="en-CA" dirty="0" smtClean="0"/>
+              <a:t>Based on node type</a:t>
+            </a:r>
+          </a:p>
+          <a:p>
+            <a:pPr lvl="1">
+              <a:buFont typeface="Arial" pitchFamily="34" charset="0"/>
+              <a:buChar char="•"/>
+            </a:pPr>
+            <a:r>
+              <a:rPr lang="en-CA" dirty="0" smtClean="0"/>
+              <a:t>Through inlining</a:t>
+            </a:r>
+            <a:endParaRPr lang="en-CA" dirty="0"/>
+          </a:p>
+        </p:txBody>
+      </p:sp>
+      <p:sp>
+        <p:nvSpPr>
+          <p:cNvPr id="4" name="Date Placeholder 3"/>
+          <p:cNvSpPr>
+            <a:spLocks noGrp="1"/>
+          </p:cNvSpPr>
+          <p:nvPr>
+            <p:ph type="dt" sz="half" idx="10"/>
+          </p:nvPr>
+        </p:nvSpPr>
+        <p:spPr/>
+        <p:txBody>
+          <a:bodyPr/>
+          <a:lstStyle/>
+          <a:p>
+            <a:r>
+              <a:rPr lang="en-US" dirty="0" smtClean="0"/>
+              <a:t>Physical Design Patterns</a:t>
+            </a:r>
+            <a:endParaRPr lang="en-CA" dirty="0"/>
+          </a:p>
+        </p:txBody>
+      </p:sp>
+      <p:sp>
+        <p:nvSpPr>
+          <p:cNvPr id="5" name="Footer Placeholder 4"/>
+          <p:cNvSpPr>
+            <a:spLocks noGrp="1"/>
+          </p:cNvSpPr>
+          <p:nvPr>
+            <p:ph type="ftr" sz="quarter" idx="11"/>
+          </p:nvPr>
+        </p:nvSpPr>
+        <p:spPr/>
+        <p:txBody>
+          <a:bodyPr/>
+          <a:lstStyle/>
+          <a:p>
+            <a:r>
+              <a:rPr lang="en-CA" dirty="0" smtClean="0"/>
+              <a:t>Karim Ali &amp; Sarah Nadi</a:t>
+            </a:r>
+            <a:endParaRPr lang="en-CA" dirty="0"/>
+          </a:p>
+        </p:txBody>
+      </p:sp>
+      <p:sp>
+        <p:nvSpPr>
+          <p:cNvPr id="6" name="Slide Number Placeholder 5"/>
+          <p:cNvSpPr>
+            <a:spLocks noGrp="1"/>
+          </p:cNvSpPr>
+          <p:nvPr>
+            <p:ph type="sldNum" sz="quarter" idx="12"/>
+          </p:nvPr>
+        </p:nvSpPr>
+        <p:spPr/>
+        <p:txBody>
+          <a:bodyPr/>
+          <a:lstStyle/>
+          <a:p>
+            <a:fld id="{9AC8176B-BF31-4706-B15B-1AFC481B9AC3}" type="slidenum">
+              <a:rPr lang="en-CA" smtClean="0"/>
+              <a:pPr/>
+              <a:t>27</a:t>
+            </a:fld>
+            <a:endParaRPr lang="en-CA" dirty="0"/>
+          </a:p>
+        </p:txBody>
+      </p:sp>
+    </p:spTree>
+  </p:cSld>
+  <p:clrMapOvr>
+    <a:masterClrMapping/>
+  </p:clrMapOvr>
+</p:sld>
+</file>
+
+<file path=ppt/slides/slide28.xml><?xml version="1.0" encoding="utf-8"?>
+<p:sld xmlns:a="http://schemas.openxmlformats.org/drawingml/2006/main" xmlns:r="http://schemas.openxmlformats.org/officeDocument/2006/relationships" xmlns:p="http://schemas.openxmlformats.org/presentationml/2006/main">
+  <p:cSld>
+    <p:spTree>
+      <p:nvGrpSpPr>
+        <p:cNvPr id="1" name=""/>
+        <p:cNvGrpSpPr/>
+        <p:nvPr/>
+      </p:nvGrpSpPr>
+      <p:grpSpPr>
+        <a:xfrm>
+          <a:off x="0" y="0"/>
+          <a:ext cx="0" cy="0"/>
+          <a:chOff x="0" y="0"/>
+          <a:chExt cx="0" cy="0"/>
+        </a:xfrm>
+      </p:grpSpPr>
+      <p:sp>
+        <p:nvSpPr>
+          <p:cNvPr id="2" name="Title 1"/>
+          <p:cNvSpPr>
+            <a:spLocks noGrp="1"/>
+          </p:cNvSpPr>
+          <p:nvPr>
+            <p:ph type="title"/>
+          </p:nvPr>
+        </p:nvSpPr>
+        <p:spPr/>
+        <p:txBody>
+          <a:bodyPr>
+            <a:normAutofit fontScale="90000"/>
+          </a:bodyPr>
+          <a:lstStyle/>
+          <a:p>
+            <a:r>
+              <a:rPr lang="en-CA" sz="3300" dirty="0" smtClean="0"/>
+              <a:t>XML DBs</a:t>
+            </a:r>
+            <a:r>
+              <a:rPr lang="en-CA" dirty="0" smtClean="0"/>
+              <a:t/>
+            </a:r>
+            <a:br>
+              <a:rPr lang="en-CA" dirty="0" smtClean="0"/>
+            </a:br>
+            <a:r>
+              <a:rPr lang="en-CA" dirty="0" smtClean="0"/>
+              <a:t>4. Clustering</a:t>
+            </a:r>
+            <a:endParaRPr lang="en-CA" dirty="0"/>
+          </a:p>
+        </p:txBody>
+      </p:sp>
+      <p:sp>
+        <p:nvSpPr>
+          <p:cNvPr id="3" name="Content Placeholder 2"/>
+          <p:cNvSpPr>
+            <a:spLocks noGrp="1"/>
+          </p:cNvSpPr>
+          <p:nvPr>
+            <p:ph idx="1"/>
+          </p:nvPr>
+        </p:nvSpPr>
+        <p:spPr/>
+        <p:txBody>
+          <a:bodyPr/>
+          <a:lstStyle/>
+          <a:p>
+            <a:r>
+              <a:rPr lang="en-CA" dirty="0" smtClean="0"/>
+              <a:t>Elements &amp; sub-elements are clustered together</a:t>
+            </a:r>
+          </a:p>
+          <a:p>
+            <a:r>
+              <a:rPr lang="en-CA" dirty="0" smtClean="0"/>
+              <a:t>XML documents are clustered based on structural similarity</a:t>
+            </a:r>
+            <a:endParaRPr lang="en-CA" dirty="0"/>
+          </a:p>
+        </p:txBody>
+      </p:sp>
+      <p:sp>
+        <p:nvSpPr>
+          <p:cNvPr id="4" name="Date Placeholder 3"/>
+          <p:cNvSpPr>
+            <a:spLocks noGrp="1"/>
+          </p:cNvSpPr>
+          <p:nvPr>
+            <p:ph type="dt" sz="half" idx="10"/>
+          </p:nvPr>
+        </p:nvSpPr>
+        <p:spPr/>
+        <p:txBody>
+          <a:bodyPr/>
+          <a:lstStyle/>
+          <a:p>
+            <a:r>
+              <a:rPr lang="en-US" dirty="0" smtClean="0"/>
+              <a:t>Physical Design Patterns</a:t>
+            </a:r>
+            <a:endParaRPr lang="en-CA" dirty="0"/>
+          </a:p>
+        </p:txBody>
+      </p:sp>
+      <p:sp>
+        <p:nvSpPr>
+          <p:cNvPr id="5" name="Footer Placeholder 4"/>
+          <p:cNvSpPr>
+            <a:spLocks noGrp="1"/>
+          </p:cNvSpPr>
+          <p:nvPr>
+            <p:ph type="ftr" sz="quarter" idx="11"/>
+          </p:nvPr>
+        </p:nvSpPr>
+        <p:spPr/>
+        <p:txBody>
+          <a:bodyPr/>
+          <a:lstStyle/>
+          <a:p>
+            <a:r>
+              <a:rPr lang="en-CA" dirty="0" smtClean="0"/>
+              <a:t>Karim Ali &amp; Sarah Nadi</a:t>
+            </a:r>
+            <a:endParaRPr lang="en-CA" dirty="0"/>
+          </a:p>
+        </p:txBody>
+      </p:sp>
+      <p:sp>
+        <p:nvSpPr>
+          <p:cNvPr id="6" name="Slide Number Placeholder 5"/>
+          <p:cNvSpPr>
+            <a:spLocks noGrp="1"/>
+          </p:cNvSpPr>
+          <p:nvPr>
+            <p:ph type="sldNum" sz="quarter" idx="12"/>
+          </p:nvPr>
+        </p:nvSpPr>
+        <p:spPr/>
+        <p:txBody>
+          <a:bodyPr/>
+          <a:lstStyle/>
+          <a:p>
+            <a:fld id="{9AC8176B-BF31-4706-B15B-1AFC481B9AC3}" type="slidenum">
+              <a:rPr lang="en-CA" smtClean="0"/>
+              <a:pPr/>
+              <a:t>28</a:t>
+            </a:fld>
+            <a:endParaRPr lang="en-CA" dirty="0"/>
+          </a:p>
+        </p:txBody>
+      </p:sp>
+    </p:spTree>
+  </p:cSld>
+  <p:clrMapOvr>
+    <a:masterClrMapping/>
+  </p:clrMapOvr>
+</p:sld>
+</file>
+
+<file path=ppt/slides/slide29.xml><?xml version="1.0" encoding="utf-8"?>
+<p:sld xmlns:a="http://schemas.openxmlformats.org/drawingml/2006/main" xmlns:r="http://schemas.openxmlformats.org/officeDocument/2006/relationships" xmlns:p="http://schemas.openxmlformats.org/presentationml/2006/main">
+  <p:cSld>
+    <p:spTree>
+      <p:nvGrpSpPr>
+        <p:cNvPr id="1" name=""/>
+        <p:cNvGrpSpPr/>
+        <p:nvPr/>
+      </p:nvGrpSpPr>
+      <p:grpSpPr>
+        <a:xfrm>
+          <a:off x="0" y="0"/>
+          <a:ext cx="0" cy="0"/>
+          <a:chOff x="0" y="0"/>
+          <a:chExt cx="0" cy="0"/>
+        </a:xfrm>
+      </p:grpSpPr>
+      <p:sp>
+        <p:nvSpPr>
+          <p:cNvPr id="7" name="Title 6"/>
+          <p:cNvSpPr>
+            <a:spLocks noGrp="1"/>
+          </p:cNvSpPr>
+          <p:nvPr>
+            <p:ph type="title"/>
+          </p:nvPr>
+        </p:nvSpPr>
+        <p:spPr/>
+        <p:txBody>
+          <a:bodyPr/>
+          <a:lstStyle/>
+          <a:p>
+            <a:r>
+              <a:rPr lang="en-CA" dirty="0" smtClean="0"/>
+              <a:t>3</a:t>
+            </a:r>
+            <a:r>
+              <a:rPr lang="en-CA" dirty="0" smtClean="0"/>
+              <a:t>. </a:t>
+            </a:r>
+            <a:r>
+              <a:rPr lang="en-CA" dirty="0" smtClean="0"/>
+              <a:t>Data Warehouses</a:t>
+            </a:r>
+            <a:endParaRPr lang="en-CA" dirty="0"/>
+          </a:p>
+        </p:txBody>
+      </p:sp>
+      <p:sp>
+        <p:nvSpPr>
+          <p:cNvPr id="8" name="Text Placeholder 7"/>
+          <p:cNvSpPr>
+            <a:spLocks noGrp="1"/>
+          </p:cNvSpPr>
+          <p:nvPr>
+            <p:ph type="body" idx="1"/>
+          </p:nvPr>
+        </p:nvSpPr>
+        <p:spPr/>
+        <p:txBody>
+          <a:bodyPr/>
+          <a:lstStyle/>
+          <a:p>
+            <a:endParaRPr lang="en-CA" dirty="0"/>
+          </a:p>
+        </p:txBody>
+      </p:sp>
+      <p:sp>
+        <p:nvSpPr>
+          <p:cNvPr id="4" name="Date Placeholder 3"/>
+          <p:cNvSpPr>
+            <a:spLocks noGrp="1"/>
+          </p:cNvSpPr>
+          <p:nvPr>
+            <p:ph type="dt" sz="half" idx="10"/>
+          </p:nvPr>
+        </p:nvSpPr>
+        <p:spPr/>
+        <p:txBody>
+          <a:bodyPr/>
+          <a:lstStyle/>
+          <a:p>
+            <a:r>
+              <a:rPr lang="en-US" dirty="0" smtClean="0"/>
+              <a:t>Physical Design Patterns</a:t>
+            </a:r>
+            <a:endParaRPr lang="en-CA" dirty="0"/>
+          </a:p>
+        </p:txBody>
+      </p:sp>
+      <p:sp>
+        <p:nvSpPr>
+          <p:cNvPr id="5" name="Footer Placeholder 4"/>
+          <p:cNvSpPr>
+            <a:spLocks noGrp="1"/>
+          </p:cNvSpPr>
+          <p:nvPr>
+            <p:ph type="ftr" sz="quarter" idx="11"/>
+          </p:nvPr>
+        </p:nvSpPr>
+        <p:spPr/>
+        <p:txBody>
+          <a:bodyPr/>
+          <a:lstStyle/>
+          <a:p>
+            <a:r>
+              <a:rPr lang="en-CA" dirty="0" smtClean="0"/>
+              <a:t>Karim Ali &amp; Sarah Nadi</a:t>
+            </a:r>
+            <a:endParaRPr lang="en-CA" dirty="0"/>
+          </a:p>
+        </p:txBody>
+      </p:sp>
+      <p:sp>
+        <p:nvSpPr>
+          <p:cNvPr id="6" name="Slide Number Placeholder 5"/>
+          <p:cNvSpPr>
+            <a:spLocks noGrp="1"/>
+          </p:cNvSpPr>
+          <p:nvPr>
+            <p:ph type="sldNum" sz="quarter" idx="12"/>
+          </p:nvPr>
+        </p:nvSpPr>
+        <p:spPr/>
+        <p:txBody>
+          <a:bodyPr/>
+          <a:lstStyle/>
+          <a:p>
+            <a:fld id="{9AC8176B-BF31-4706-B15B-1AFC481B9AC3}" type="slidenum">
+              <a:rPr lang="en-CA" smtClean="0"/>
+              <a:pPr/>
+              <a:t>29</a:t>
+            </a:fld>
+            <a:endParaRPr lang="en-CA" dirty="0"/>
+          </a:p>
+        </p:txBody>
+      </p:sp>
+    </p:spTree>
+  </p:cSld>
+  <p:clrMapOvr>
+    <a:masterClrMapping/>
+  </p:clrMapOvr>
+</p:sld>
+</file>
+
+<file path=ppt/slides/slide3.xml><?xml version="1.0" encoding="utf-8"?>
+<p:sld xmlns:a="http://schemas.openxmlformats.org/drawingml/2006/main" xmlns:r="http://schemas.openxmlformats.org/officeDocument/2006/relationships" xmlns:p="http://schemas.openxmlformats.org/presentationml/2006/main">
+  <p:cSld>
+    <p:spTree>
+      <p:nvGrpSpPr>
+        <p:cNvPr id="1" name=""/>
+        <p:cNvGrpSpPr/>
+        <p:nvPr/>
+      </p:nvGrpSpPr>
+      <p:grpSpPr>
+        <a:xfrm>
+          <a:off x="0" y="0"/>
+          <a:ext cx="0" cy="0"/>
+          <a:chOff x="0" y="0"/>
+          <a:chExt cx="0" cy="0"/>
+        </a:xfrm>
+      </p:grpSpPr>
+      <p:sp>
+        <p:nvSpPr>
+          <p:cNvPr id="4" name="Date Placeholder 3"/>
+          <p:cNvSpPr>
+            <a:spLocks noGrp="1"/>
+          </p:cNvSpPr>
+          <p:nvPr>
+            <p:ph type="dt" sz="half" idx="10"/>
+          </p:nvPr>
+        </p:nvSpPr>
+        <p:spPr/>
+        <p:txBody>
+          <a:bodyPr/>
+          <a:lstStyle/>
+          <a:p>
+            <a:r>
+              <a:rPr lang="en-US" dirty="0" smtClean="0"/>
+              <a:t>Physical Design Patterns</a:t>
+            </a:r>
+            <a:endParaRPr lang="en-CA" dirty="0"/>
+          </a:p>
+        </p:txBody>
+      </p:sp>
+      <p:sp>
+        <p:nvSpPr>
+          <p:cNvPr id="5" name="Footer Placeholder 4"/>
+          <p:cNvSpPr>
+            <a:spLocks noGrp="1"/>
+          </p:cNvSpPr>
+          <p:nvPr>
+            <p:ph type="ftr" sz="quarter" idx="11"/>
+          </p:nvPr>
+        </p:nvSpPr>
+        <p:spPr/>
+        <p:txBody>
+          <a:bodyPr/>
+          <a:lstStyle/>
+          <a:p>
+            <a:r>
+              <a:rPr lang="en-CA" dirty="0" smtClean="0"/>
+              <a:t>Karim Ali &amp; Sarah Nadi</a:t>
+            </a:r>
+            <a:endParaRPr lang="en-CA" dirty="0"/>
+          </a:p>
+        </p:txBody>
+      </p:sp>
+      <p:sp>
+        <p:nvSpPr>
+          <p:cNvPr id="6" name="Slide Number Placeholder 5"/>
+          <p:cNvSpPr>
+            <a:spLocks noGrp="1"/>
+          </p:cNvSpPr>
+          <p:nvPr>
+            <p:ph type="sldNum" sz="quarter" idx="12"/>
+          </p:nvPr>
+        </p:nvSpPr>
+        <p:spPr/>
+        <p:txBody>
+          <a:bodyPr/>
+          <a:lstStyle/>
+          <a:p>
+            <a:fld id="{9AC8176B-BF31-4706-B15B-1AFC481B9AC3}" type="slidenum">
+              <a:rPr lang="en-CA" smtClean="0"/>
+              <a:pPr/>
+              <a:t>3</a:t>
+            </a:fld>
+            <a:endParaRPr lang="en-CA" dirty="0"/>
+          </a:p>
+        </p:txBody>
+      </p:sp>
+      <p:pic>
+        <p:nvPicPr>
+          <p:cNvPr id="1026" name="Picture 2"/>
+          <p:cNvPicPr>
+            <a:picLocks noChangeAspect="1" noChangeArrowheads="1"/>
+          </p:cNvPicPr>
+          <p:nvPr/>
+        </p:nvPicPr>
+        <p:blipFill>
+          <a:blip r:embed="rId2"/>
+          <a:srcRect/>
+          <a:stretch>
+            <a:fillRect/>
+          </a:stretch>
+        </p:blipFill>
+        <p:spPr bwMode="auto">
+          <a:xfrm>
+            <a:off x="2190751" y="170366"/>
+            <a:ext cx="4738703" cy="6360610"/>
+          </a:xfrm>
+          <a:prstGeom prst="rect">
+            <a:avLst/>
+          </a:prstGeom>
+          <a:noFill/>
+          <a:ln w="9525">
+            <a:noFill/>
+            <a:miter lim="800000"/>
+            <a:headEnd/>
+            <a:tailEnd/>
+          </a:ln>
+          <a:effectLst/>
+        </p:spPr>
+      </p:pic>
+      <p:sp>
+        <p:nvSpPr>
+          <p:cNvPr id="10" name="TextBox 9"/>
+          <p:cNvSpPr txBox="1"/>
+          <p:nvPr/>
+        </p:nvSpPr>
+        <p:spPr>
+          <a:xfrm>
+            <a:off x="142844" y="71414"/>
+            <a:ext cx="1983235" cy="369332"/>
+          </a:xfrm>
+          <a:prstGeom prst="rect">
+            <a:avLst/>
+          </a:prstGeom>
+          <a:noFill/>
+        </p:spPr>
+        <p:txBody>
+          <a:bodyPr wrap="none" rtlCol="0">
+            <a:spAutoFit/>
+          </a:bodyPr>
+          <a:lstStyle/>
+          <a:p>
+            <a:r>
+              <a:rPr lang="en-CA" dirty="0" smtClean="0"/>
+              <a:t>Database Lifecycle</a:t>
+            </a:r>
+            <a:endParaRPr lang="en-CA" dirty="0"/>
+          </a:p>
+        </p:txBody>
+      </p:sp>
+    </p:spTree>
+  </p:cSld>
+  <p:clrMapOvr>
+    <a:masterClrMapping/>
+  </p:clrMapOvr>
+  <p:timing>
+    <p:tnLst>
+      <p:par>
+        <p:cTn id="1" dur="indefinite" restart="never" nodeType="tmRoot"/>
+      </p:par>
+    </p:tnLst>
+  </p:timing>
+</p:sld>
+</file>
+
+<file path=ppt/slides/slide30.xml><?xml version="1.0" encoding="utf-8"?>
+<p:sld xmlns:a="http://schemas.openxmlformats.org/drawingml/2006/main" xmlns:r="http://schemas.openxmlformats.org/officeDocument/2006/relationships" xmlns:p="http://schemas.openxmlformats.org/presentationml/2006/main">
+  <p:cSld>
+    <p:spTree>
+      <p:nvGrpSpPr>
+        <p:cNvPr id="1" name=""/>
+        <p:cNvGrpSpPr/>
+        <p:nvPr/>
+      </p:nvGrpSpPr>
+      <p:grpSpPr>
+        <a:xfrm>
+          <a:off x="0" y="0"/>
+          <a:ext cx="0" cy="0"/>
+          <a:chOff x="0" y="0"/>
+          <a:chExt cx="0" cy="0"/>
+        </a:xfrm>
+      </p:grpSpPr>
+      <p:sp>
+        <p:nvSpPr>
+          <p:cNvPr id="2" name="Title 1"/>
+          <p:cNvSpPr>
+            <a:spLocks noGrp="1"/>
+          </p:cNvSpPr>
+          <p:nvPr>
+            <p:ph type="title"/>
+          </p:nvPr>
+        </p:nvSpPr>
+        <p:spPr/>
+        <p:txBody>
+          <a:bodyPr>
+            <a:normAutofit fontScale="90000"/>
+          </a:bodyPr>
+          <a:lstStyle/>
+          <a:p>
+            <a:r>
+              <a:rPr lang="en-CA" sz="3300" dirty="0" smtClean="0"/>
+              <a:t>Data Warehouses</a:t>
+            </a:r>
+            <a:r>
+              <a:rPr lang="en-CA" dirty="0" smtClean="0"/>
+              <a:t/>
+            </a:r>
+            <a:br>
+              <a:rPr lang="en-CA" dirty="0" smtClean="0"/>
+            </a:br>
+            <a:r>
+              <a:rPr lang="en-CA" dirty="0" smtClean="0"/>
+              <a:t>Overview</a:t>
+            </a:r>
+            <a:endParaRPr lang="en-CA" dirty="0"/>
+          </a:p>
+        </p:txBody>
+      </p:sp>
+      <p:sp>
+        <p:nvSpPr>
+          <p:cNvPr id="3" name="Content Placeholder 2"/>
+          <p:cNvSpPr>
+            <a:spLocks noGrp="1"/>
+          </p:cNvSpPr>
+          <p:nvPr>
+            <p:ph idx="1"/>
+          </p:nvPr>
+        </p:nvSpPr>
+        <p:spPr/>
+        <p:txBody>
+          <a:bodyPr>
+            <a:normAutofit/>
+          </a:bodyPr>
+          <a:lstStyle/>
+          <a:p>
+            <a:r>
+              <a:rPr lang="en-CA" dirty="0" smtClean="0"/>
+              <a:t>Collection of data and decision support technologies</a:t>
+            </a:r>
+          </a:p>
+          <a:p>
+            <a:r>
+              <a:rPr lang="en-CA" dirty="0" smtClean="0"/>
+              <a:t>Used in:</a:t>
+            </a:r>
+          </a:p>
+          <a:p>
+            <a:pPr lvl="2">
+              <a:buClr>
+                <a:srgbClr val="E66C7D"/>
+              </a:buClr>
+            </a:pPr>
+            <a:r>
+              <a:rPr lang="en-CA" dirty="0" smtClean="0"/>
+              <a:t>Retail: user profiling</a:t>
+            </a:r>
+          </a:p>
+          <a:p>
+            <a:pPr lvl="2">
+              <a:buClr>
+                <a:srgbClr val="E66C7D"/>
+              </a:buClr>
+            </a:pPr>
+            <a:r>
+              <a:rPr lang="en-CA" dirty="0" smtClean="0"/>
+              <a:t>Finance: claims analysis, risk analysis, credit card analysis, and fraud detection</a:t>
+            </a:r>
+          </a:p>
+          <a:p>
+            <a:pPr lvl="2">
+              <a:buClr>
+                <a:srgbClr val="E66C7D"/>
+              </a:buClr>
+            </a:pPr>
+            <a:r>
+              <a:rPr lang="en-CA" dirty="0" smtClean="0"/>
+              <a:t>Healthcare: outcomes analysis</a:t>
+            </a:r>
+          </a:p>
+        </p:txBody>
+      </p:sp>
+      <p:sp>
+        <p:nvSpPr>
+          <p:cNvPr id="4" name="Date Placeholder 3"/>
+          <p:cNvSpPr>
+            <a:spLocks noGrp="1"/>
+          </p:cNvSpPr>
+          <p:nvPr>
+            <p:ph type="dt" sz="half" idx="10"/>
+          </p:nvPr>
+        </p:nvSpPr>
+        <p:spPr/>
+        <p:txBody>
+          <a:bodyPr/>
+          <a:lstStyle/>
+          <a:p>
+            <a:r>
+              <a:rPr lang="en-US" dirty="0" smtClean="0"/>
+              <a:t>Physical Design Patterns</a:t>
+            </a:r>
+            <a:endParaRPr lang="en-CA" dirty="0"/>
+          </a:p>
+        </p:txBody>
+      </p:sp>
+      <p:sp>
+        <p:nvSpPr>
+          <p:cNvPr id="5" name="Footer Placeholder 4"/>
+          <p:cNvSpPr>
+            <a:spLocks noGrp="1"/>
+          </p:cNvSpPr>
+          <p:nvPr>
+            <p:ph type="ftr" sz="quarter" idx="11"/>
+          </p:nvPr>
+        </p:nvSpPr>
+        <p:spPr/>
+        <p:txBody>
+          <a:bodyPr/>
+          <a:lstStyle/>
+          <a:p>
+            <a:r>
+              <a:rPr lang="en-CA" dirty="0" smtClean="0"/>
+              <a:t>Karim Ali &amp; Sarah Nadi</a:t>
+            </a:r>
+            <a:endParaRPr lang="en-CA" dirty="0"/>
+          </a:p>
+        </p:txBody>
+      </p:sp>
+      <p:sp>
+        <p:nvSpPr>
+          <p:cNvPr id="6" name="Slide Number Placeholder 5"/>
+          <p:cNvSpPr>
+            <a:spLocks noGrp="1"/>
+          </p:cNvSpPr>
+          <p:nvPr>
+            <p:ph type="sldNum" sz="quarter" idx="12"/>
+          </p:nvPr>
+        </p:nvSpPr>
+        <p:spPr/>
+        <p:txBody>
+          <a:bodyPr/>
+          <a:lstStyle/>
+          <a:p>
+            <a:fld id="{9AC8176B-BF31-4706-B15B-1AFC481B9AC3}" type="slidenum">
+              <a:rPr lang="en-CA" smtClean="0"/>
+              <a:pPr/>
+              <a:t>30</a:t>
+            </a:fld>
+            <a:endParaRPr lang="en-CA" dirty="0"/>
+          </a:p>
+        </p:txBody>
+      </p:sp>
+    </p:spTree>
+  </p:cSld>
+  <p:clrMapOvr>
+    <a:masterClrMapping/>
+  </p:clrMapOvr>
+</p:sld>
+</file>
+
+<file path=ppt/slides/slide31.xml><?xml version="1.0" encoding="utf-8"?>
+<p:sld xmlns:a="http://schemas.openxmlformats.org/drawingml/2006/main" xmlns:r="http://schemas.openxmlformats.org/officeDocument/2006/relationships" xmlns:p="http://schemas.openxmlformats.org/presentationml/2006/main">
+  <p:cSld>
+    <p:spTree>
+      <p:nvGrpSpPr>
+        <p:cNvPr id="1" name=""/>
+        <p:cNvGrpSpPr/>
+        <p:nvPr/>
+      </p:nvGrpSpPr>
+      <p:grpSpPr>
+        <a:xfrm>
+          <a:off x="0" y="0"/>
+          <a:ext cx="0" cy="0"/>
+          <a:chOff x="0" y="0"/>
+          <a:chExt cx="0" cy="0"/>
+        </a:xfrm>
+      </p:grpSpPr>
+      <p:sp>
+        <p:nvSpPr>
+          <p:cNvPr id="2" name="Title 1"/>
+          <p:cNvSpPr>
+            <a:spLocks noGrp="1"/>
+          </p:cNvSpPr>
+          <p:nvPr>
+            <p:ph type="title"/>
+          </p:nvPr>
+        </p:nvSpPr>
+        <p:spPr/>
+        <p:txBody>
+          <a:bodyPr>
+            <a:normAutofit fontScale="90000"/>
+          </a:bodyPr>
+          <a:lstStyle/>
+          <a:p>
+            <a:r>
+              <a:rPr lang="en-CA" sz="3300" dirty="0" smtClean="0"/>
+              <a:t>Data Warehouses</a:t>
+            </a:r>
+            <a:r>
+              <a:rPr lang="en-CA" dirty="0" smtClean="0"/>
+              <a:t/>
+            </a:r>
+            <a:br>
+              <a:rPr lang="en-CA" dirty="0" smtClean="0"/>
+            </a:br>
+            <a:r>
+              <a:rPr lang="en-CA" dirty="0" smtClean="0"/>
+              <a:t>Design</a:t>
+            </a:r>
+            <a:endParaRPr lang="en-CA" dirty="0"/>
+          </a:p>
+        </p:txBody>
+      </p:sp>
+      <p:sp>
+        <p:nvSpPr>
+          <p:cNvPr id="4" name="Date Placeholder 3"/>
+          <p:cNvSpPr>
+            <a:spLocks noGrp="1"/>
+          </p:cNvSpPr>
+          <p:nvPr>
+            <p:ph type="dt" sz="half" idx="10"/>
+          </p:nvPr>
+        </p:nvSpPr>
+        <p:spPr/>
+        <p:txBody>
+          <a:bodyPr/>
+          <a:lstStyle/>
+          <a:p>
+            <a:r>
+              <a:rPr lang="en-US" dirty="0" smtClean="0"/>
+              <a:t>Physical Design Patterns</a:t>
+            </a:r>
+            <a:endParaRPr lang="en-CA" dirty="0"/>
+          </a:p>
+        </p:txBody>
+      </p:sp>
+      <p:sp>
+        <p:nvSpPr>
+          <p:cNvPr id="5" name="Footer Placeholder 4"/>
+          <p:cNvSpPr>
+            <a:spLocks noGrp="1"/>
+          </p:cNvSpPr>
+          <p:nvPr>
+            <p:ph type="ftr" sz="quarter" idx="11"/>
+          </p:nvPr>
+        </p:nvSpPr>
+        <p:spPr/>
+        <p:txBody>
+          <a:bodyPr/>
+          <a:lstStyle/>
+          <a:p>
+            <a:r>
+              <a:rPr lang="en-CA" dirty="0" smtClean="0"/>
+              <a:t>Karim Ali &amp; Sarah Nadi</a:t>
+            </a:r>
+            <a:endParaRPr lang="en-CA" dirty="0"/>
+          </a:p>
+        </p:txBody>
+      </p:sp>
+      <p:sp>
+        <p:nvSpPr>
+          <p:cNvPr id="6" name="Slide Number Placeholder 5"/>
+          <p:cNvSpPr>
+            <a:spLocks noGrp="1"/>
+          </p:cNvSpPr>
+          <p:nvPr>
+            <p:ph type="sldNum" sz="quarter" idx="12"/>
+          </p:nvPr>
+        </p:nvSpPr>
+        <p:spPr/>
+        <p:txBody>
+          <a:bodyPr/>
+          <a:lstStyle/>
+          <a:p>
+            <a:fld id="{9AC8176B-BF31-4706-B15B-1AFC481B9AC3}" type="slidenum">
+              <a:rPr lang="en-CA" smtClean="0"/>
+              <a:pPr/>
+              <a:t>31</a:t>
+            </a:fld>
+            <a:endParaRPr lang="en-CA" dirty="0"/>
+          </a:p>
+        </p:txBody>
+      </p:sp>
+      <p:pic>
+        <p:nvPicPr>
+          <p:cNvPr id="2050" name="Picture 2"/>
+          <p:cNvPicPr>
+            <a:picLocks noChangeAspect="1" noChangeArrowheads="1"/>
+          </p:cNvPicPr>
+          <p:nvPr/>
+        </p:nvPicPr>
+        <p:blipFill>
+          <a:blip r:embed="rId2"/>
+          <a:srcRect/>
+          <a:stretch>
+            <a:fillRect/>
+          </a:stretch>
+        </p:blipFill>
+        <p:spPr bwMode="auto">
+          <a:xfrm>
+            <a:off x="1643042" y="1643050"/>
+            <a:ext cx="5357850" cy="4292311"/>
+          </a:xfrm>
+          <a:prstGeom prst="rect">
+            <a:avLst/>
+          </a:prstGeom>
+          <a:noFill/>
+          <a:ln w="9525">
+            <a:noFill/>
+            <a:miter lim="800000"/>
+            <a:headEnd/>
+            <a:tailEnd/>
+          </a:ln>
+          <a:effectLst/>
+        </p:spPr>
+      </p:pic>
+    </p:spTree>
+  </p:cSld>
+  <p:clrMapOvr>
+    <a:masterClrMapping/>
+  </p:clrMapOvr>
+</p:sld>
+</file>
+
+<file path=ppt/slides/slide32.xml><?xml version="1.0" encoding="utf-8"?>
+<p:sld xmlns:a="http://schemas.openxmlformats.org/drawingml/2006/main" xmlns:r="http://schemas.openxmlformats.org/officeDocument/2006/relationships" xmlns:p="http://schemas.openxmlformats.org/presentationml/2006/main">
+  <p:cSld>
+    <p:spTree>
+      <p:nvGrpSpPr>
+        <p:cNvPr id="1" name=""/>
+        <p:cNvGrpSpPr/>
+        <p:nvPr/>
+      </p:nvGrpSpPr>
+      <p:grpSpPr>
+        <a:xfrm>
+          <a:off x="0" y="0"/>
+          <a:ext cx="0" cy="0"/>
+          <a:chOff x="0" y="0"/>
+          <a:chExt cx="0" cy="0"/>
+        </a:xfrm>
+      </p:grpSpPr>
+      <p:sp>
+        <p:nvSpPr>
+          <p:cNvPr id="2" name="Title 1"/>
+          <p:cNvSpPr>
+            <a:spLocks noGrp="1"/>
+          </p:cNvSpPr>
+          <p:nvPr>
+            <p:ph type="title"/>
+          </p:nvPr>
+        </p:nvSpPr>
+        <p:spPr/>
+        <p:txBody>
+          <a:bodyPr>
+            <a:normAutofit fontScale="90000"/>
+          </a:bodyPr>
+          <a:lstStyle/>
+          <a:p>
+            <a:r>
+              <a:rPr lang="en-CA" sz="3300" dirty="0" smtClean="0"/>
+              <a:t>Data Warehouses</a:t>
+            </a:r>
+            <a:br>
+              <a:rPr lang="en-CA" sz="3300" dirty="0" smtClean="0"/>
+            </a:br>
+            <a:r>
+              <a:rPr lang="en-CA" dirty="0" smtClean="0"/>
+              <a:t>Design </a:t>
+            </a:r>
+            <a:r>
+              <a:rPr lang="en-CA" sz="2400" i="1" dirty="0" smtClean="0">
+                <a:solidFill>
+                  <a:srgbClr val="F0AD00">
+                    <a:satMod val="150000"/>
+                  </a:srgbClr>
+                </a:solidFill>
+              </a:rPr>
+              <a:t>Cont’d</a:t>
+            </a:r>
+            <a:endParaRPr lang="en-CA" dirty="0"/>
+          </a:p>
+        </p:txBody>
+      </p:sp>
+      <p:sp>
+        <p:nvSpPr>
+          <p:cNvPr id="4" name="Date Placeholder 3"/>
+          <p:cNvSpPr>
+            <a:spLocks noGrp="1"/>
+          </p:cNvSpPr>
+          <p:nvPr>
+            <p:ph type="dt" sz="half" idx="10"/>
+          </p:nvPr>
+        </p:nvSpPr>
+        <p:spPr/>
+        <p:txBody>
+          <a:bodyPr/>
+          <a:lstStyle/>
+          <a:p>
+            <a:r>
+              <a:rPr lang="en-US" dirty="0" smtClean="0"/>
+              <a:t>Physical Design Patterns</a:t>
+            </a:r>
+            <a:endParaRPr lang="en-CA" dirty="0"/>
+          </a:p>
+        </p:txBody>
+      </p:sp>
+      <p:sp>
+        <p:nvSpPr>
+          <p:cNvPr id="5" name="Footer Placeholder 4"/>
+          <p:cNvSpPr>
+            <a:spLocks noGrp="1"/>
+          </p:cNvSpPr>
+          <p:nvPr>
+            <p:ph type="ftr" sz="quarter" idx="11"/>
+          </p:nvPr>
+        </p:nvSpPr>
+        <p:spPr/>
+        <p:txBody>
+          <a:bodyPr/>
+          <a:lstStyle/>
+          <a:p>
+            <a:r>
+              <a:rPr lang="en-CA" dirty="0" smtClean="0"/>
+              <a:t>Karim Ali &amp; Sarah Nadi</a:t>
+            </a:r>
+            <a:endParaRPr lang="en-CA" dirty="0"/>
+          </a:p>
+        </p:txBody>
+      </p:sp>
+      <p:sp>
+        <p:nvSpPr>
+          <p:cNvPr id="6" name="Slide Number Placeholder 5"/>
+          <p:cNvSpPr>
+            <a:spLocks noGrp="1"/>
+          </p:cNvSpPr>
+          <p:nvPr>
+            <p:ph type="sldNum" sz="quarter" idx="12"/>
+          </p:nvPr>
+        </p:nvSpPr>
+        <p:spPr/>
+        <p:txBody>
+          <a:bodyPr/>
+          <a:lstStyle/>
+          <a:p>
+            <a:fld id="{9AC8176B-BF31-4706-B15B-1AFC481B9AC3}" type="slidenum">
+              <a:rPr lang="en-CA" smtClean="0"/>
+              <a:pPr/>
+              <a:t>32</a:t>
+            </a:fld>
+            <a:endParaRPr lang="en-CA" dirty="0"/>
+          </a:p>
+        </p:txBody>
+      </p:sp>
+      <p:graphicFrame>
+        <p:nvGraphicFramePr>
+          <p:cNvPr id="8" name="Content Placeholder 7"/>
+          <p:cNvGraphicFramePr>
+            <a:graphicFrameLocks noGrp="1"/>
+          </p:cNvGraphicFramePr>
+          <p:nvPr>
+            <p:ph idx="1"/>
+          </p:nvPr>
+        </p:nvGraphicFramePr>
+        <p:xfrm>
+          <a:off x="1643042" y="2257118"/>
+          <a:ext cx="6172200" cy="2672080"/>
+        </p:xfrm>
+        <a:graphic>
+          <a:graphicData uri="http://schemas.openxmlformats.org/drawingml/2006/table">
+            <a:tbl>
+              <a:tblPr firstRow="1" firstCol="1" bandRow="1">
+                <a:tableStyleId>{5C22544A-7EE6-4342-B048-85BDC9FD1C3A}</a:tableStyleId>
+              </a:tblPr>
+              <a:tblGrid>
+                <a:gridCol w="2057400"/>
+                <a:gridCol w="2057400"/>
+                <a:gridCol w="2057400"/>
+              </a:tblGrid>
+              <a:tr h="370840">
+                <a:tc>
+                  <a:txBody>
+                    <a:bodyPr/>
+                    <a:lstStyle/>
+                    <a:p>
+                      <a:endParaRPr lang="en-CA" dirty="0"/>
+                    </a:p>
+                  </a:txBody>
+                  <a:tcPr/>
+                </a:tc>
+                <a:tc>
+                  <a:txBody>
+                    <a:bodyPr/>
+                    <a:lstStyle/>
+                    <a:p>
+                      <a:pPr algn="ctr"/>
+                      <a:r>
+                        <a:rPr lang="en-CA" dirty="0" smtClean="0"/>
+                        <a:t>ROLAP</a:t>
+                      </a:r>
+                      <a:endParaRPr lang="en-CA" dirty="0"/>
+                    </a:p>
+                  </a:txBody>
+                  <a:tcPr anchor="ctr"/>
+                </a:tc>
+                <a:tc>
+                  <a:txBody>
+                    <a:bodyPr/>
+                    <a:lstStyle/>
+                    <a:p>
+                      <a:pPr algn="ctr"/>
+                      <a:r>
+                        <a:rPr lang="en-CA" dirty="0" smtClean="0"/>
+                        <a:t>MOLAP</a:t>
+                      </a:r>
+                      <a:endParaRPr lang="en-CA" dirty="0"/>
+                    </a:p>
+                  </a:txBody>
+                  <a:tcPr anchor="ctr"/>
+                </a:tc>
+              </a:tr>
+              <a:tr h="370840">
+                <a:tc>
+                  <a:txBody>
+                    <a:bodyPr/>
+                    <a:lstStyle/>
+                    <a:p>
+                      <a:pPr marL="0" algn="ctr" rtl="0" eaLnBrk="1" latinLnBrk="0" hangingPunct="1"/>
+                      <a:r>
+                        <a:rPr kumimoji="0" lang="en-CA" b="1" kern="1200" dirty="0" smtClean="0">
+                          <a:solidFill>
+                            <a:schemeClr val="lt1"/>
+                          </a:solidFill>
+                          <a:latin typeface="+mn-lt"/>
+                          <a:ea typeface="+mn-ea"/>
+                          <a:cs typeface="+mn-cs"/>
+                        </a:rPr>
+                        <a:t>Storage</a:t>
+                      </a:r>
+                      <a:endParaRPr kumimoji="0" lang="en-CA" b="1" kern="1200" dirty="0">
+                        <a:solidFill>
+                          <a:schemeClr val="lt1"/>
+                        </a:solidFill>
+                        <a:latin typeface="+mn-lt"/>
+                        <a:ea typeface="+mn-ea"/>
+                        <a:cs typeface="+mn-cs"/>
+                      </a:endParaRPr>
+                    </a:p>
+                  </a:txBody>
+                  <a:tcPr/>
+                </a:tc>
+                <a:tc>
+                  <a:txBody>
+                    <a:bodyPr/>
+                    <a:lstStyle/>
+                    <a:p>
+                      <a:pPr algn="ctr"/>
+                      <a:r>
+                        <a:rPr lang="en-CA" dirty="0" smtClean="0"/>
+                        <a:t>Relational</a:t>
+                      </a:r>
+                      <a:r>
+                        <a:rPr lang="en-CA" baseline="0" dirty="0" smtClean="0"/>
+                        <a:t> </a:t>
+                      </a:r>
+                      <a:r>
+                        <a:rPr lang="en-CA" dirty="0" smtClean="0"/>
+                        <a:t>DBs</a:t>
+                      </a:r>
+                      <a:endParaRPr lang="en-CA" dirty="0"/>
+                    </a:p>
+                  </a:txBody>
+                  <a:tcPr/>
+                </a:tc>
+                <a:tc>
+                  <a:txBody>
+                    <a:bodyPr/>
+                    <a:lstStyle/>
+                    <a:p>
+                      <a:pPr algn="ctr"/>
+                      <a:r>
+                        <a:rPr lang="en-CA" dirty="0" smtClean="0"/>
+                        <a:t>Data Cubes</a:t>
+                      </a:r>
+                      <a:endParaRPr lang="en-CA" dirty="0"/>
+                    </a:p>
+                  </a:txBody>
+                  <a:tcPr/>
+                </a:tc>
+              </a:tr>
+              <a:tr h="370840">
+                <a:tc>
+                  <a:txBody>
+                    <a:bodyPr/>
+                    <a:lstStyle/>
+                    <a:p>
+                      <a:pPr marL="0" algn="ctr" rtl="0" eaLnBrk="1" latinLnBrk="0" hangingPunct="1"/>
+                      <a:r>
+                        <a:rPr kumimoji="0" lang="en-CA" b="1" kern="1200" dirty="0" smtClean="0">
+                          <a:solidFill>
+                            <a:schemeClr val="lt1"/>
+                          </a:solidFill>
+                          <a:latin typeface="+mn-lt"/>
+                          <a:ea typeface="+mn-ea"/>
+                          <a:cs typeface="+mn-cs"/>
+                        </a:rPr>
+                        <a:t>Dimensions</a:t>
+                      </a:r>
+                      <a:endParaRPr kumimoji="0" lang="en-CA" b="1" kern="1200" dirty="0">
+                        <a:solidFill>
+                          <a:schemeClr val="lt1"/>
+                        </a:solidFill>
+                        <a:latin typeface="+mn-lt"/>
+                        <a:ea typeface="+mn-ea"/>
+                        <a:cs typeface="+mn-cs"/>
+                      </a:endParaRPr>
+                    </a:p>
+                  </a:txBody>
+                  <a:tcPr/>
+                </a:tc>
+                <a:tc>
+                  <a:txBody>
+                    <a:bodyPr/>
+                    <a:lstStyle/>
+                    <a:p>
+                      <a:pPr algn="ctr"/>
+                      <a:r>
+                        <a:rPr lang="en-CA" dirty="0" smtClean="0"/>
+                        <a:t>Composite</a:t>
+                      </a:r>
+                      <a:r>
+                        <a:rPr lang="en-CA" baseline="0" dirty="0" smtClean="0"/>
+                        <a:t> Keys</a:t>
+                      </a:r>
+                      <a:endParaRPr lang="en-CA" dirty="0"/>
+                    </a:p>
+                  </a:txBody>
+                  <a:tcPr/>
+                </a:tc>
+                <a:tc>
+                  <a:txBody>
+                    <a:bodyPr/>
+                    <a:lstStyle/>
+                    <a:p>
+                      <a:pPr algn="ctr"/>
+                      <a:r>
+                        <a:rPr lang="en-CA" dirty="0" smtClean="0"/>
+                        <a:t>Arrays</a:t>
+                      </a:r>
+                      <a:endParaRPr lang="en-CA" dirty="0"/>
+                    </a:p>
+                  </a:txBody>
+                  <a:tcPr/>
+                </a:tc>
+              </a:tr>
+              <a:tr h="370840">
+                <a:tc>
+                  <a:txBody>
+                    <a:bodyPr/>
+                    <a:lstStyle/>
+                    <a:p>
+                      <a:pPr marL="0" algn="ctr" rtl="0" eaLnBrk="1" latinLnBrk="0" hangingPunct="1"/>
+                      <a:r>
+                        <a:rPr kumimoji="0" lang="en-CA" b="1" kern="1200" dirty="0" smtClean="0">
+                          <a:solidFill>
+                            <a:schemeClr val="lt1"/>
+                          </a:solidFill>
+                          <a:latin typeface="+mn-lt"/>
+                          <a:ea typeface="+mn-ea"/>
+                          <a:cs typeface="+mn-cs"/>
+                        </a:rPr>
+                        <a:t>Characteristics</a:t>
+                      </a:r>
+                      <a:endParaRPr kumimoji="0" lang="en-CA" b="1" kern="1200" dirty="0">
+                        <a:solidFill>
+                          <a:schemeClr val="lt1"/>
+                        </a:solidFill>
+                        <a:latin typeface="+mn-lt"/>
+                        <a:ea typeface="+mn-ea"/>
+                        <a:cs typeface="+mn-cs"/>
+                      </a:endParaRPr>
+                    </a:p>
+                  </a:txBody>
+                  <a:tcPr/>
+                </a:tc>
+                <a:tc>
+                  <a:txBody>
+                    <a:bodyPr/>
+                    <a:lstStyle/>
+                    <a:p>
+                      <a:pPr algn="ctr"/>
+                      <a:r>
+                        <a:rPr lang="en-CA" dirty="0" smtClean="0"/>
+                        <a:t>Each</a:t>
+                      </a:r>
+                      <a:r>
+                        <a:rPr lang="en-CA" baseline="0" dirty="0" smtClean="0"/>
+                        <a:t> row is a cell in the cube</a:t>
+                      </a:r>
+                      <a:endParaRPr lang="en-CA" dirty="0"/>
+                    </a:p>
+                  </a:txBody>
+                  <a:tcPr/>
+                </a:tc>
+                <a:tc>
+                  <a:txBody>
+                    <a:bodyPr/>
+                    <a:lstStyle/>
+                    <a:p>
+                      <a:pPr algn="ctr"/>
+                      <a:r>
+                        <a:rPr lang="en-CA" dirty="0" smtClean="0"/>
+                        <a:t>Each</a:t>
+                      </a:r>
+                      <a:r>
+                        <a:rPr lang="en-CA" baseline="0" dirty="0" smtClean="0"/>
+                        <a:t> cell is represented by a fixed calculable location</a:t>
+                      </a:r>
+                      <a:endParaRPr lang="en-CA" dirty="0"/>
+                    </a:p>
+                  </a:txBody>
+                  <a:tcPr/>
+                </a:tc>
+              </a:tr>
+              <a:tr h="370840">
+                <a:tc>
+                  <a:txBody>
+                    <a:bodyPr/>
+                    <a:lstStyle/>
+                    <a:p>
+                      <a:pPr marL="0" algn="ctr" rtl="0" eaLnBrk="1" latinLnBrk="0" hangingPunct="1"/>
+                      <a:r>
+                        <a:rPr kumimoji="0" lang="en-CA" b="1" kern="1200" dirty="0" smtClean="0">
+                          <a:solidFill>
+                            <a:schemeClr val="lt1"/>
+                          </a:solidFill>
+                          <a:latin typeface="+mn-lt"/>
+                          <a:ea typeface="+mn-ea"/>
+                          <a:cs typeface="+mn-cs"/>
+                        </a:rPr>
+                        <a:t>Good For</a:t>
+                      </a:r>
+                      <a:endParaRPr kumimoji="0" lang="en-CA" b="1" kern="1200" dirty="0">
+                        <a:solidFill>
+                          <a:schemeClr val="lt1"/>
+                        </a:solidFill>
+                        <a:latin typeface="+mn-lt"/>
+                        <a:ea typeface="+mn-ea"/>
+                        <a:cs typeface="+mn-cs"/>
+                      </a:endParaRPr>
+                    </a:p>
+                  </a:txBody>
+                  <a:tcPr/>
+                </a:tc>
+                <a:tc>
+                  <a:txBody>
+                    <a:bodyPr/>
+                    <a:lstStyle/>
+                    <a:p>
+                      <a:pPr algn="ctr"/>
+                      <a:r>
+                        <a:rPr lang="en-CA" dirty="0" smtClean="0"/>
+                        <a:t>Sparse Data</a:t>
+                      </a:r>
+                      <a:endParaRPr lang="en-CA" dirty="0"/>
+                    </a:p>
+                  </a:txBody>
+                  <a:tcPr/>
+                </a:tc>
+                <a:tc>
+                  <a:txBody>
+                    <a:bodyPr/>
+                    <a:lstStyle/>
+                    <a:p>
+                      <a:pPr algn="ctr"/>
+                      <a:r>
+                        <a:rPr lang="en-CA" dirty="0" smtClean="0"/>
+                        <a:t>Dense</a:t>
+                      </a:r>
+                      <a:r>
+                        <a:rPr lang="en-CA" baseline="0" dirty="0" smtClean="0"/>
+                        <a:t> Data</a:t>
+                      </a:r>
+                      <a:endParaRPr lang="en-CA" dirty="0"/>
+                    </a:p>
+                  </a:txBody>
+                  <a:tcPr/>
+                </a:tc>
+              </a:tr>
+            </a:tbl>
+          </a:graphicData>
+        </a:graphic>
+      </p:graphicFrame>
+    </p:spTree>
+  </p:cSld>
+  <p:clrMapOvr>
+    <a:masterClrMapping/>
+  </p:clrMapOvr>
+</p:sld>
+</file>
+
+<file path=ppt/slides/slide33.xml><?xml version="1.0" encoding="utf-8"?>
+<p:sld xmlns:a="http://schemas.openxmlformats.org/drawingml/2006/main" xmlns:r="http://schemas.openxmlformats.org/officeDocument/2006/relationships" xmlns:p="http://schemas.openxmlformats.org/presentationml/2006/main">
+  <p:cSld>
+    <p:spTree>
+      <p:nvGrpSpPr>
+        <p:cNvPr id="1" name=""/>
+        <p:cNvGrpSpPr/>
+        <p:nvPr/>
+      </p:nvGrpSpPr>
+      <p:grpSpPr>
+        <a:xfrm>
+          <a:off x="0" y="0"/>
+          <a:ext cx="0" cy="0"/>
+          <a:chOff x="0" y="0"/>
+          <a:chExt cx="0" cy="0"/>
+        </a:xfrm>
+      </p:grpSpPr>
+      <p:sp>
+        <p:nvSpPr>
+          <p:cNvPr id="2" name="Title 1"/>
+          <p:cNvSpPr>
+            <a:spLocks noGrp="1"/>
+          </p:cNvSpPr>
+          <p:nvPr>
+            <p:ph type="title"/>
+          </p:nvPr>
+        </p:nvSpPr>
+        <p:spPr/>
+        <p:txBody>
+          <a:bodyPr>
+            <a:normAutofit fontScale="90000"/>
+          </a:bodyPr>
+          <a:lstStyle/>
+          <a:p>
+            <a:r>
+              <a:rPr lang="en-CA" sz="3300" dirty="0" smtClean="0"/>
+              <a:t>Data Warehouses</a:t>
+            </a:r>
+            <a:br>
+              <a:rPr lang="en-CA" sz="3300" dirty="0" smtClean="0"/>
+            </a:br>
+            <a:r>
+              <a:rPr lang="en-CA" dirty="0" smtClean="0"/>
+              <a:t>Design </a:t>
+            </a:r>
+            <a:r>
+              <a:rPr lang="en-CA" sz="2400" i="1" dirty="0" smtClean="0">
+                <a:solidFill>
+                  <a:srgbClr val="F0AD00">
+                    <a:satMod val="150000"/>
+                  </a:srgbClr>
+                </a:solidFill>
+              </a:rPr>
+              <a:t>Cont’d</a:t>
+            </a:r>
+            <a:endParaRPr lang="en-CA" dirty="0"/>
+          </a:p>
+        </p:txBody>
+      </p:sp>
+      <p:sp>
+        <p:nvSpPr>
+          <p:cNvPr id="4" name="Date Placeholder 3"/>
+          <p:cNvSpPr>
+            <a:spLocks noGrp="1"/>
+          </p:cNvSpPr>
+          <p:nvPr>
+            <p:ph type="dt" sz="half" idx="10"/>
+          </p:nvPr>
+        </p:nvSpPr>
+        <p:spPr/>
+        <p:txBody>
+          <a:bodyPr/>
+          <a:lstStyle/>
+          <a:p>
+            <a:r>
+              <a:rPr lang="en-US" dirty="0" smtClean="0"/>
+              <a:t>Physical Design Patterns</a:t>
+            </a:r>
+            <a:endParaRPr lang="en-CA" dirty="0"/>
+          </a:p>
+        </p:txBody>
+      </p:sp>
+      <p:sp>
+        <p:nvSpPr>
+          <p:cNvPr id="5" name="Footer Placeholder 4"/>
+          <p:cNvSpPr>
+            <a:spLocks noGrp="1"/>
+          </p:cNvSpPr>
+          <p:nvPr>
+            <p:ph type="ftr" sz="quarter" idx="11"/>
+          </p:nvPr>
+        </p:nvSpPr>
+        <p:spPr/>
+        <p:txBody>
+          <a:bodyPr/>
+          <a:lstStyle/>
+          <a:p>
+            <a:r>
+              <a:rPr lang="en-CA" dirty="0" smtClean="0"/>
+              <a:t>Karim Ali &amp; Sarah Nadi</a:t>
+            </a:r>
+            <a:endParaRPr lang="en-CA" dirty="0"/>
+          </a:p>
+        </p:txBody>
+      </p:sp>
+      <p:sp>
+        <p:nvSpPr>
+          <p:cNvPr id="6" name="Slide Number Placeholder 5"/>
+          <p:cNvSpPr>
+            <a:spLocks noGrp="1"/>
+          </p:cNvSpPr>
+          <p:nvPr>
+            <p:ph type="sldNum" sz="quarter" idx="12"/>
+          </p:nvPr>
+        </p:nvSpPr>
+        <p:spPr/>
+        <p:txBody>
+          <a:bodyPr/>
+          <a:lstStyle/>
+          <a:p>
+            <a:fld id="{9AC8176B-BF31-4706-B15B-1AFC481B9AC3}" type="slidenum">
+              <a:rPr lang="en-CA" smtClean="0"/>
+              <a:pPr/>
+              <a:t>33</a:t>
+            </a:fld>
+            <a:endParaRPr lang="en-CA" dirty="0"/>
+          </a:p>
+        </p:txBody>
+      </p:sp>
+      <p:sp>
+        <p:nvSpPr>
+          <p:cNvPr id="7" name="Content Placeholder 6"/>
+          <p:cNvSpPr>
+            <a:spLocks noGrp="1"/>
+          </p:cNvSpPr>
+          <p:nvPr>
+            <p:ph idx="1"/>
+          </p:nvPr>
+        </p:nvSpPr>
+        <p:spPr/>
+        <p:txBody>
+          <a:bodyPr/>
+          <a:lstStyle/>
+          <a:p>
+            <a:r>
+              <a:rPr lang="en-CA" dirty="0" smtClean="0"/>
+              <a:t>Star Schema</a:t>
+            </a:r>
+            <a:endParaRPr lang="en-CA" dirty="0"/>
+          </a:p>
+        </p:txBody>
+      </p:sp>
+      <p:pic>
+        <p:nvPicPr>
+          <p:cNvPr id="1026" name="Picture 2"/>
+          <p:cNvPicPr>
+            <a:picLocks noChangeAspect="1" noChangeArrowheads="1"/>
+          </p:cNvPicPr>
+          <p:nvPr/>
+        </p:nvPicPr>
+        <p:blipFill>
+          <a:blip r:embed="rId2"/>
+          <a:srcRect/>
+          <a:stretch>
+            <a:fillRect/>
+          </a:stretch>
+        </p:blipFill>
+        <p:spPr bwMode="auto">
+          <a:xfrm>
+            <a:off x="1328216" y="2357430"/>
+            <a:ext cx="6487568" cy="3929090"/>
+          </a:xfrm>
+          <a:prstGeom prst="rect">
+            <a:avLst/>
+          </a:prstGeom>
+          <a:noFill/>
+          <a:ln w="9525">
+            <a:noFill/>
+            <a:miter lim="800000"/>
+            <a:headEnd/>
+            <a:tailEnd/>
+          </a:ln>
+          <a:effectLst/>
+        </p:spPr>
+      </p:pic>
+    </p:spTree>
+  </p:cSld>
+  <p:clrMapOvr>
+    <a:masterClrMapping/>
+  </p:clrMapOvr>
+</p:sld>
+</file>
+
+<file path=ppt/slides/slide34.xml><?xml version="1.0" encoding="utf-8"?>
+<p:sld xmlns:a="http://schemas.openxmlformats.org/drawingml/2006/main" xmlns:r="http://schemas.openxmlformats.org/officeDocument/2006/relationships" xmlns:p="http://schemas.openxmlformats.org/presentationml/2006/main">
+  <p:cSld>
+    <p:spTree>
+      <p:nvGrpSpPr>
+        <p:cNvPr id="1" name=""/>
+        <p:cNvGrpSpPr/>
+        <p:nvPr/>
+      </p:nvGrpSpPr>
+      <p:grpSpPr>
+        <a:xfrm>
+          <a:off x="0" y="0"/>
+          <a:ext cx="0" cy="0"/>
+          <a:chOff x="0" y="0"/>
+          <a:chExt cx="0" cy="0"/>
+        </a:xfrm>
+      </p:grpSpPr>
+      <p:sp>
+        <p:nvSpPr>
+          <p:cNvPr id="2" name="Title 1"/>
+          <p:cNvSpPr>
+            <a:spLocks noGrp="1"/>
+          </p:cNvSpPr>
+          <p:nvPr>
+            <p:ph type="title"/>
+          </p:nvPr>
+        </p:nvSpPr>
+        <p:spPr/>
+        <p:txBody>
+          <a:bodyPr>
+            <a:normAutofit fontScale="90000"/>
+          </a:bodyPr>
+          <a:lstStyle/>
+          <a:p>
+            <a:r>
+              <a:rPr lang="en-CA" sz="3300" dirty="0" smtClean="0"/>
+              <a:t>Data Warehouses</a:t>
+            </a:r>
+            <a:br>
+              <a:rPr lang="en-CA" sz="3300" dirty="0" smtClean="0"/>
+            </a:br>
+            <a:r>
+              <a:rPr lang="en-CA" dirty="0" smtClean="0"/>
+              <a:t>Challenges</a:t>
+            </a:r>
+            <a:endParaRPr lang="en-CA" dirty="0"/>
+          </a:p>
+        </p:txBody>
+      </p:sp>
+      <p:sp>
+        <p:nvSpPr>
+          <p:cNvPr id="3" name="Content Placeholder 2"/>
+          <p:cNvSpPr>
+            <a:spLocks noGrp="1"/>
+          </p:cNvSpPr>
+          <p:nvPr>
+            <p:ph idx="1"/>
+          </p:nvPr>
+        </p:nvSpPr>
+        <p:spPr/>
+        <p:txBody>
+          <a:bodyPr>
+            <a:normAutofit/>
+          </a:bodyPr>
+          <a:lstStyle/>
+          <a:p>
+            <a:r>
+              <a:rPr lang="en-CA" dirty="0" smtClean="0"/>
+              <a:t>Data is usually</a:t>
+            </a:r>
+          </a:p>
+          <a:p>
+            <a:pPr lvl="2"/>
+            <a:r>
+              <a:rPr lang="en-CA" dirty="0" smtClean="0"/>
+              <a:t>Extremely large</a:t>
+            </a:r>
+          </a:p>
+          <a:p>
+            <a:pPr lvl="2"/>
+            <a:r>
+              <a:rPr lang="en-CA" dirty="0" smtClean="0"/>
+              <a:t>Multi-dimensional</a:t>
+            </a:r>
+          </a:p>
+          <a:p>
+            <a:r>
+              <a:rPr lang="en-CA" dirty="0" smtClean="0"/>
+              <a:t>Priority for aggregated and summarized data</a:t>
+            </a:r>
+          </a:p>
+          <a:p>
+            <a:r>
+              <a:rPr lang="en-CA" dirty="0" smtClean="0"/>
+              <a:t>Ad-hoc and complex queries</a:t>
+            </a:r>
+          </a:p>
+          <a:p>
+            <a:r>
+              <a:rPr lang="en-CA" dirty="0" smtClean="0"/>
+              <a:t>Expensive operations: aggregation, and joins</a:t>
+            </a:r>
+          </a:p>
+          <a:p>
+            <a:pPr lvl="2"/>
+            <a:r>
+              <a:rPr lang="en-CA" dirty="0" smtClean="0"/>
+              <a:t>The fact table participates in every join</a:t>
+            </a:r>
+          </a:p>
+        </p:txBody>
+      </p:sp>
+      <p:sp>
+        <p:nvSpPr>
+          <p:cNvPr id="4" name="Date Placeholder 3"/>
+          <p:cNvSpPr>
+            <a:spLocks noGrp="1"/>
+          </p:cNvSpPr>
+          <p:nvPr>
+            <p:ph type="dt" sz="half" idx="10"/>
+          </p:nvPr>
+        </p:nvSpPr>
+        <p:spPr/>
+        <p:txBody>
+          <a:bodyPr/>
+          <a:lstStyle/>
+          <a:p>
+            <a:r>
+              <a:rPr lang="en-US" dirty="0" smtClean="0"/>
+              <a:t>Physical Design Patterns</a:t>
+            </a:r>
+            <a:endParaRPr lang="en-CA" dirty="0"/>
+          </a:p>
+        </p:txBody>
+      </p:sp>
+      <p:sp>
+        <p:nvSpPr>
+          <p:cNvPr id="5" name="Footer Placeholder 4"/>
+          <p:cNvSpPr>
+            <a:spLocks noGrp="1"/>
+          </p:cNvSpPr>
+          <p:nvPr>
+            <p:ph type="ftr" sz="quarter" idx="11"/>
+          </p:nvPr>
+        </p:nvSpPr>
+        <p:spPr/>
+        <p:txBody>
+          <a:bodyPr/>
+          <a:lstStyle/>
+          <a:p>
+            <a:r>
+              <a:rPr lang="en-CA" dirty="0" smtClean="0"/>
+              <a:t>Karim Ali &amp; Sarah Nadi</a:t>
+            </a:r>
+            <a:endParaRPr lang="en-CA" dirty="0"/>
+          </a:p>
+        </p:txBody>
+      </p:sp>
+      <p:sp>
+        <p:nvSpPr>
+          <p:cNvPr id="6" name="Slide Number Placeholder 5"/>
+          <p:cNvSpPr>
+            <a:spLocks noGrp="1"/>
+          </p:cNvSpPr>
+          <p:nvPr>
+            <p:ph type="sldNum" sz="quarter" idx="12"/>
+          </p:nvPr>
+        </p:nvSpPr>
+        <p:spPr/>
+        <p:txBody>
+          <a:bodyPr/>
+          <a:lstStyle/>
+          <a:p>
+            <a:fld id="{9AC8176B-BF31-4706-B15B-1AFC481B9AC3}" type="slidenum">
+              <a:rPr lang="en-CA" smtClean="0"/>
+              <a:pPr/>
+              <a:t>34</a:t>
+            </a:fld>
+            <a:endParaRPr lang="en-CA" dirty="0"/>
+          </a:p>
+        </p:txBody>
+      </p:sp>
+    </p:spTree>
+  </p:cSld>
+  <p:clrMapOvr>
+    <a:masterClrMapping/>
+  </p:clrMapOvr>
+</p:sld>
+</file>
+
+<file path=ppt/slides/slide35.xml><?xml version="1.0" encoding="utf-8"?>
+<p:sld xmlns:a="http://schemas.openxmlformats.org/drawingml/2006/main" xmlns:r="http://schemas.openxmlformats.org/officeDocument/2006/relationships" xmlns:p="http://schemas.openxmlformats.org/presentationml/2006/main">
+  <p:cSld>
+    <p:spTree>
+      <p:nvGrpSpPr>
+        <p:cNvPr id="1" name=""/>
+        <p:cNvGrpSpPr/>
+        <p:nvPr/>
+      </p:nvGrpSpPr>
+      <p:grpSpPr>
+        <a:xfrm>
+          <a:off x="0" y="0"/>
+          <a:ext cx="0" cy="0"/>
+          <a:chOff x="0" y="0"/>
+          <a:chExt cx="0" cy="0"/>
+        </a:xfrm>
+      </p:grpSpPr>
+      <p:sp>
+        <p:nvSpPr>
+          <p:cNvPr id="2" name="Title 1"/>
+          <p:cNvSpPr>
+            <a:spLocks noGrp="1"/>
+          </p:cNvSpPr>
+          <p:nvPr>
+            <p:ph type="title"/>
+          </p:nvPr>
+        </p:nvSpPr>
+        <p:spPr/>
+        <p:txBody>
+          <a:bodyPr>
+            <a:normAutofit fontScale="90000"/>
+          </a:bodyPr>
+          <a:lstStyle/>
+          <a:p>
+            <a:r>
+              <a:rPr lang="en-CA" sz="3300" dirty="0" smtClean="0"/>
+              <a:t>Data Warehouses</a:t>
+            </a:r>
+            <a:r>
+              <a:rPr lang="en-CA" dirty="0" smtClean="0"/>
+              <a:t/>
+            </a:r>
+            <a:br>
+              <a:rPr lang="en-CA" dirty="0" smtClean="0"/>
+            </a:br>
+            <a:r>
+              <a:rPr lang="en-CA" dirty="0" smtClean="0"/>
+              <a:t>1. </a:t>
+            </a:r>
+            <a:r>
+              <a:rPr lang="en-CA" dirty="0" smtClean="0"/>
+              <a:t>Index Structures </a:t>
+            </a:r>
+            <a:endParaRPr lang="en-CA" dirty="0"/>
+          </a:p>
+        </p:txBody>
+      </p:sp>
+      <p:sp>
+        <p:nvSpPr>
+          <p:cNvPr id="4" name="Date Placeholder 3"/>
+          <p:cNvSpPr>
+            <a:spLocks noGrp="1"/>
+          </p:cNvSpPr>
+          <p:nvPr>
+            <p:ph type="dt" sz="half" idx="10"/>
+          </p:nvPr>
+        </p:nvSpPr>
+        <p:spPr/>
+        <p:txBody>
+          <a:bodyPr/>
+          <a:lstStyle/>
+          <a:p>
+            <a:r>
+              <a:rPr lang="en-US" dirty="0" smtClean="0"/>
+              <a:t>Physical Design Patterns</a:t>
+            </a:r>
+            <a:endParaRPr lang="en-CA" dirty="0"/>
+          </a:p>
+        </p:txBody>
+      </p:sp>
+      <p:sp>
+        <p:nvSpPr>
+          <p:cNvPr id="5" name="Footer Placeholder 4"/>
+          <p:cNvSpPr>
+            <a:spLocks noGrp="1"/>
+          </p:cNvSpPr>
+          <p:nvPr>
+            <p:ph type="ftr" sz="quarter" idx="11"/>
+          </p:nvPr>
+        </p:nvSpPr>
+        <p:spPr/>
+        <p:txBody>
+          <a:bodyPr/>
+          <a:lstStyle/>
+          <a:p>
+            <a:r>
+              <a:rPr lang="en-CA" dirty="0" smtClean="0"/>
+              <a:t>Karim Ali &amp; Sarah Nadi</a:t>
+            </a:r>
+            <a:endParaRPr lang="en-CA" dirty="0"/>
+          </a:p>
+        </p:txBody>
+      </p:sp>
+      <p:sp>
+        <p:nvSpPr>
+          <p:cNvPr id="6" name="Slide Number Placeholder 5"/>
+          <p:cNvSpPr>
+            <a:spLocks noGrp="1"/>
+          </p:cNvSpPr>
+          <p:nvPr>
+            <p:ph type="sldNum" sz="quarter" idx="12"/>
+          </p:nvPr>
+        </p:nvSpPr>
+        <p:spPr/>
+        <p:txBody>
+          <a:bodyPr/>
+          <a:lstStyle/>
+          <a:p>
+            <a:fld id="{9AC8176B-BF31-4706-B15B-1AFC481B9AC3}" type="slidenum">
+              <a:rPr lang="en-CA" smtClean="0"/>
+              <a:pPr/>
+              <a:t>35</a:t>
+            </a:fld>
+            <a:endParaRPr lang="en-CA" dirty="0"/>
+          </a:p>
+        </p:txBody>
+      </p:sp>
+      <p:graphicFrame>
+        <p:nvGraphicFramePr>
+          <p:cNvPr id="8" name="Table 7"/>
+          <p:cNvGraphicFramePr>
+            <a:graphicFrameLocks noGrp="1"/>
+          </p:cNvGraphicFramePr>
+          <p:nvPr/>
+        </p:nvGraphicFramePr>
+        <p:xfrm>
+          <a:off x="119072" y="1643050"/>
+          <a:ext cx="8882084" cy="4546600"/>
+        </p:xfrm>
+        <a:graphic>
+          <a:graphicData uri="http://schemas.openxmlformats.org/drawingml/2006/table">
+            <a:tbl>
+              <a:tblPr firstRow="1" firstCol="1" bandRow="1">
+                <a:tableStyleId>{5C22544A-7EE6-4342-B048-85BDC9FD1C3A}</a:tableStyleId>
+              </a:tblPr>
+              <a:tblGrid>
+                <a:gridCol w="1668995"/>
+                <a:gridCol w="2641057"/>
+                <a:gridCol w="2351511"/>
+                <a:gridCol w="2220521"/>
+              </a:tblGrid>
+              <a:tr h="370840">
+                <a:tc>
+                  <a:txBody>
+                    <a:bodyPr/>
+                    <a:lstStyle/>
+                    <a:p>
+                      <a:endParaRPr lang="en-CA" dirty="0"/>
+                    </a:p>
+                  </a:txBody>
+                  <a:tcPr/>
+                </a:tc>
+                <a:tc>
+                  <a:txBody>
+                    <a:bodyPr/>
+                    <a:lstStyle/>
+                    <a:p>
+                      <a:r>
+                        <a:rPr lang="en-CA" dirty="0" smtClean="0"/>
+                        <a:t>Features</a:t>
+                      </a:r>
+                      <a:endParaRPr lang="en-CA" dirty="0"/>
+                    </a:p>
+                  </a:txBody>
+                  <a:tcPr/>
+                </a:tc>
+                <a:tc>
+                  <a:txBody>
+                    <a:bodyPr/>
+                    <a:lstStyle/>
+                    <a:p>
+                      <a:r>
+                        <a:rPr lang="en-CA" dirty="0" smtClean="0"/>
+                        <a:t>Pros</a:t>
+                      </a:r>
+                      <a:endParaRPr lang="en-CA" dirty="0"/>
+                    </a:p>
+                  </a:txBody>
+                  <a:tcPr/>
+                </a:tc>
+                <a:tc>
+                  <a:txBody>
+                    <a:bodyPr/>
+                    <a:lstStyle/>
+                    <a:p>
+                      <a:r>
+                        <a:rPr lang="en-CA" dirty="0" smtClean="0"/>
+                        <a:t>Cons </a:t>
+                      </a:r>
+                      <a:endParaRPr lang="en-CA" dirty="0"/>
+                    </a:p>
+                  </a:txBody>
+                  <a:tcPr/>
+                </a:tc>
+              </a:tr>
+              <a:tr h="370840">
+                <a:tc>
+                  <a:txBody>
+                    <a:bodyPr/>
+                    <a:lstStyle/>
+                    <a:p>
+                      <a:r>
+                        <a:rPr lang="en-CA" b="1" dirty="0" smtClean="0"/>
+                        <a:t>Universal</a:t>
+                      </a:r>
+                      <a:r>
+                        <a:rPr lang="en-CA" b="1" baseline="0" dirty="0" smtClean="0"/>
+                        <a:t> </a:t>
+                      </a:r>
+                      <a:r>
+                        <a:rPr lang="en-CA" b="1" baseline="0" dirty="0" smtClean="0"/>
+                        <a:t>B+trees </a:t>
+                      </a:r>
+                      <a:r>
+                        <a:rPr lang="en-CA" b="1" baseline="0" dirty="0" smtClean="0"/>
+                        <a:t>(</a:t>
+                      </a:r>
+                      <a:r>
+                        <a:rPr lang="en-CA" b="1" baseline="0" dirty="0" smtClean="0"/>
+                        <a:t>UB+trees</a:t>
+                      </a:r>
+                      <a:r>
+                        <a:rPr lang="en-CA" b="1" baseline="0" dirty="0" smtClean="0"/>
+                        <a:t>)</a:t>
+                      </a:r>
+                      <a:endParaRPr lang="en-CA" b="1" dirty="0"/>
+                    </a:p>
+                  </a:txBody>
+                  <a:tcPr/>
+                </a:tc>
+                <a:tc>
+                  <a:txBody>
+                    <a:bodyPr/>
+                    <a:lstStyle/>
+                    <a:p>
+                      <a:pPr>
+                        <a:buFont typeface="Arial" pitchFamily="34" charset="0"/>
+                        <a:buChar char="•"/>
+                      </a:pPr>
+                      <a:r>
+                        <a:rPr lang="en-CA" sz="1600" baseline="0" dirty="0" smtClean="0"/>
+                        <a:t> Variation of </a:t>
+                      </a:r>
+                      <a:r>
+                        <a:rPr lang="en-CA" sz="1600" baseline="0" dirty="0" smtClean="0"/>
+                        <a:t>B+trees</a:t>
+                      </a:r>
+                      <a:endParaRPr lang="en-CA" sz="1600" baseline="0" dirty="0" smtClean="0"/>
+                    </a:p>
+                    <a:p>
+                      <a:pPr>
+                        <a:buFont typeface="Arial" pitchFamily="34" charset="0"/>
+                        <a:buChar char="•"/>
+                      </a:pPr>
+                      <a:r>
+                        <a:rPr lang="en-CA" sz="1600" baseline="0" dirty="0" smtClean="0"/>
+                        <a:t> Multidimensional data is linearized. </a:t>
+                      </a:r>
+                    </a:p>
+                    <a:p>
+                      <a:pPr>
+                        <a:buFont typeface="Arial" pitchFamily="34" charset="0"/>
+                        <a:buChar char="•"/>
+                      </a:pPr>
+                      <a:r>
+                        <a:rPr lang="en-CA" sz="1600" baseline="0" dirty="0" smtClean="0"/>
+                        <a:t> Records are stored according to Z-order</a:t>
+                      </a:r>
+                    </a:p>
+                    <a:p>
+                      <a:pPr>
+                        <a:buFont typeface="Arial" pitchFamily="34" charset="0"/>
+                        <a:buChar char="•"/>
+                      </a:pPr>
+                      <a:endParaRPr lang="en-CA" sz="1600" dirty="0"/>
+                    </a:p>
+                  </a:txBody>
+                  <a:tcPr/>
+                </a:tc>
+                <a:tc>
+                  <a:txBody>
+                    <a:bodyPr/>
+                    <a:lstStyle/>
+                    <a:p>
+                      <a:pPr>
+                        <a:buFont typeface="Arial" pitchFamily="34" charset="0"/>
+                        <a:buChar char="•"/>
+                      </a:pPr>
+                      <a:r>
+                        <a:rPr lang="en-CA" sz="1600" dirty="0" smtClean="0"/>
+                        <a:t> Well suited for high cardinality attributes</a:t>
+                      </a:r>
+                    </a:p>
+                    <a:p>
+                      <a:pPr>
+                        <a:buFont typeface="Arial" pitchFamily="34" charset="0"/>
+                        <a:buChar char="•"/>
+                      </a:pPr>
+                      <a:r>
+                        <a:rPr lang="en-CA" sz="1600" dirty="0" smtClean="0"/>
+                        <a:t> Excellent</a:t>
+                      </a:r>
+                      <a:r>
+                        <a:rPr lang="en-CA" sz="1600" baseline="0" dirty="0" smtClean="0"/>
+                        <a:t> for point and interval queries</a:t>
+                      </a:r>
+                      <a:endParaRPr lang="en-CA" sz="1600" dirty="0"/>
+                    </a:p>
+                  </a:txBody>
+                  <a:tcPr/>
+                </a:tc>
+                <a:tc>
+                  <a:txBody>
+                    <a:bodyPr/>
+                    <a:lstStyle/>
+                    <a:p>
+                      <a:pPr>
+                        <a:buFont typeface="Arial" pitchFamily="34" charset="0"/>
+                        <a:buChar char="•"/>
+                      </a:pPr>
+                      <a:r>
+                        <a:rPr lang="en-CA" sz="1600" dirty="0" smtClean="0"/>
+                        <a:t> Poor performance with low cardinality attributes</a:t>
+                      </a:r>
+                    </a:p>
+                    <a:p>
+                      <a:pPr>
+                        <a:buFont typeface="Arial" pitchFamily="34" charset="0"/>
+                        <a:buChar char="•"/>
+                      </a:pPr>
+                      <a:r>
+                        <a:rPr lang="en-CA" sz="1600" dirty="0" smtClean="0"/>
+                        <a:t> More I/O operations (result</a:t>
+                      </a:r>
+                      <a:r>
+                        <a:rPr lang="en-CA" sz="1600" baseline="0" dirty="0" smtClean="0"/>
+                        <a:t> ordered by key values)</a:t>
+                      </a:r>
+                      <a:endParaRPr lang="en-CA" sz="1600" dirty="0"/>
+                    </a:p>
+                  </a:txBody>
+                  <a:tcPr/>
+                </a:tc>
+              </a:tr>
+              <a:tr h="370840">
+                <a:tc>
+                  <a:txBody>
+                    <a:bodyPr/>
+                    <a:lstStyle/>
+                    <a:p>
+                      <a:r>
+                        <a:rPr lang="en-CA" b="1" dirty="0" smtClean="0"/>
+                        <a:t> Bitmap Index</a:t>
+                      </a:r>
+                      <a:endParaRPr lang="en-CA" b="1" dirty="0"/>
+                    </a:p>
+                  </a:txBody>
+                  <a:tcPr/>
+                </a:tc>
+                <a:tc>
+                  <a:txBody>
+                    <a:bodyPr/>
+                    <a:lstStyle/>
+                    <a:p>
+                      <a:endParaRPr lang="en-CA" sz="1600" dirty="0"/>
+                    </a:p>
+                  </a:txBody>
+                  <a:tcPr/>
+                </a:tc>
+                <a:tc>
+                  <a:txBody>
+                    <a:bodyPr/>
+                    <a:lstStyle/>
+                    <a:p>
+                      <a:pPr>
+                        <a:buFont typeface="Arial" pitchFamily="34" charset="0"/>
+                        <a:buChar char="•"/>
+                      </a:pPr>
+                      <a:r>
+                        <a:rPr lang="en-CA" sz="1600" dirty="0" smtClean="0"/>
+                        <a:t> Useful with star schema when joining a large fact table</a:t>
+                      </a:r>
+                      <a:r>
+                        <a:rPr lang="en-CA" sz="1600" baseline="0" dirty="0" smtClean="0"/>
+                        <a:t> </a:t>
+                      </a:r>
+                      <a:r>
+                        <a:rPr lang="en-CA" sz="1600" dirty="0" smtClean="0"/>
+                        <a:t>with multiple small dimension tables</a:t>
+                      </a:r>
+                    </a:p>
+                    <a:p>
+                      <a:pPr>
+                        <a:buFont typeface="Arial" pitchFamily="34" charset="0"/>
+                        <a:buChar char="•"/>
+                      </a:pPr>
+                      <a:r>
+                        <a:rPr lang="en-CA" sz="1600" dirty="0" smtClean="0"/>
+                        <a:t> Reduces search space before performing expensive joins</a:t>
+                      </a:r>
+                      <a:endParaRPr lang="en-CA" sz="1600" dirty="0"/>
+                    </a:p>
+                  </a:txBody>
+                  <a:tcPr/>
+                </a:tc>
+                <a:tc>
+                  <a:txBody>
+                    <a:bodyPr/>
+                    <a:lstStyle/>
+                    <a:p>
+                      <a:pPr>
+                        <a:buFont typeface="Arial" pitchFamily="34" charset="0"/>
+                        <a:buChar char="•"/>
+                      </a:pPr>
+                      <a:r>
+                        <a:rPr lang="en-CA" sz="1600" dirty="0" smtClean="0"/>
+                        <a:t> Not amenable</a:t>
+                      </a:r>
+                      <a:r>
+                        <a:rPr lang="en-CA" sz="1600" baseline="0" dirty="0" smtClean="0"/>
+                        <a:t> to index updates (though not an issue for DW)</a:t>
+                      </a:r>
+                      <a:endParaRPr lang="en-CA" sz="1600" dirty="0"/>
+                    </a:p>
+                  </a:txBody>
+                  <a:tcPr/>
+                </a:tc>
+              </a:tr>
+              <a:tr h="370840">
+                <a:tc>
+                  <a:txBody>
+                    <a:bodyPr/>
+                    <a:lstStyle/>
+                    <a:p>
+                      <a:r>
+                        <a:rPr lang="en-CA" b="1" dirty="0" smtClean="0"/>
+                        <a:t>Projection Index</a:t>
+                      </a:r>
+                      <a:endParaRPr lang="en-CA" b="1" dirty="0"/>
+                    </a:p>
+                  </a:txBody>
+                  <a:tcPr/>
+                </a:tc>
+                <a:tc>
+                  <a:txBody>
+                    <a:bodyPr/>
+                    <a:lstStyle/>
+                    <a:p>
+                      <a:pPr>
+                        <a:buFont typeface="Arial" pitchFamily="34" charset="0"/>
+                        <a:buChar char="•"/>
+                      </a:pPr>
+                      <a:r>
+                        <a:rPr lang="en-CA" sz="1600" baseline="0" dirty="0" smtClean="0"/>
+                        <a:t> Values preserve their table row order in the index</a:t>
+                      </a:r>
+                      <a:endParaRPr lang="en-CA" sz="1600" dirty="0"/>
+                    </a:p>
+                  </a:txBody>
+                  <a:tcPr/>
+                </a:tc>
+                <a:tc>
+                  <a:txBody>
+                    <a:bodyPr/>
+                    <a:lstStyle/>
+                    <a:p>
+                      <a:pPr>
+                        <a:buFont typeface="Arial" pitchFamily="34" charset="0"/>
+                        <a:buChar char="•"/>
+                      </a:pPr>
+                      <a:r>
+                        <a:rPr lang="en-CA" sz="1600" dirty="0" smtClean="0"/>
+                        <a:t> More results</a:t>
+                      </a:r>
+                      <a:r>
+                        <a:rPr lang="en-CA" sz="1600" baseline="0" dirty="0" smtClean="0"/>
+                        <a:t> per I/O operation</a:t>
+                      </a:r>
+                      <a:endParaRPr lang="en-CA" sz="1600" dirty="0"/>
+                    </a:p>
+                  </a:txBody>
+                  <a:tcPr/>
+                </a:tc>
+                <a:tc>
+                  <a:txBody>
+                    <a:bodyPr/>
+                    <a:lstStyle/>
+                    <a:p>
+                      <a:pPr>
+                        <a:buFont typeface="Arial" pitchFamily="34" charset="0"/>
+                        <a:buChar char="•"/>
+                      </a:pPr>
+                      <a:r>
+                        <a:rPr lang="en-CA" sz="1600" dirty="0" smtClean="0"/>
+                        <a:t> Can only fetch</a:t>
+                      </a:r>
+                      <a:r>
+                        <a:rPr lang="en-CA" sz="1600" baseline="0" dirty="0" smtClean="0"/>
+                        <a:t> raw data (e.g. Column list in selection)</a:t>
+                      </a:r>
+                      <a:endParaRPr lang="en-CA" sz="1600" dirty="0"/>
+                    </a:p>
+                  </a:txBody>
+                  <a:tcPr/>
+                </a:tc>
+              </a:tr>
+            </a:tbl>
+          </a:graphicData>
+        </a:graphic>
+      </p:graphicFrame>
+    </p:spTree>
+  </p:cSld>
+  <p:clrMapOvr>
+    <a:masterClrMapping/>
+  </p:clrMapOvr>
+  <p:timing>
+    <p:tnLst>
+      <p:par>
+        <p:cTn id="1" dur="indefinite" restart="never" nodeType="tmRoot"/>
+      </p:par>
+    </p:tnLst>
+  </p:timing>
+</p:sld>
+</file>
+
 <file path=ppt/slides/slide36.xml><?xml version="1.0" encoding="utf-8"?>
 <p:sld xmlns:a="http://schemas.openxmlformats.org/drawingml/2006/main" xmlns:r="http://schemas.openxmlformats.org/officeDocument/2006/relationships" xmlns:p="http://schemas.openxmlformats.org/presentationml/2006/main">
   <p:cSld>
@@ -11214,18 +10988,18 @@
           <a:p>
             <a:r>
               <a:rPr lang="en-CA" sz="3300" dirty="0" smtClean="0"/>
-              <a:t>XML DB</a:t>
-            </a:r>
-            <a:r>
-              <a:rPr lang="en-CA" dirty="0" smtClean="0"/>
-              <a:t/>
+              <a:t>Data Warehouses</a:t>
             </a:r>
             <a:br>
-              <a:rPr lang="en-CA" dirty="0" smtClean="0"/>
+              <a:rPr lang="en-CA" sz="3300" dirty="0" smtClean="0"/>
             </a:br>
             <a:r>
-              <a:rPr lang="en-CA" dirty="0" smtClean="0"/>
-              <a:t>2. Materialized Views</a:t>
+              <a:rPr lang="en-CA" sz="3300" dirty="0" smtClean="0"/>
+              <a:t>2. </a:t>
+            </a:r>
+            <a:r>
+              <a:rPr lang="en-CA" dirty="0" smtClean="0"/>
+              <a:t>Materialized Views</a:t>
             </a:r>
             <a:endParaRPr lang="en-CA" dirty="0"/>
           </a:p>
@@ -11241,40 +11015,91 @@
             <p:ph idx="1"/>
           </p:nvPr>
         </p:nvSpPr>
-        <p:spPr/>
-        <p:txBody>
-          <a:bodyPr/>
-          <a:lstStyle/>
-          <a:p>
-            <a:r>
-              <a:rPr lang="en-CA" dirty="0" smtClean="0"/>
-              <a:t>Greatly enhances performance</a:t>
-            </a:r>
-          </a:p>
-          <a:p>
-            <a:r>
-              <a:rPr lang="en-CA" dirty="0" err="1" smtClean="0"/>
-              <a:t>XQuery</a:t>
-            </a:r>
-            <a:r>
-              <a:rPr lang="en-CA" dirty="0" smtClean="0"/>
-              <a:t> and </a:t>
-            </a:r>
-            <a:r>
-              <a:rPr lang="en-CA" dirty="0" err="1" smtClean="0"/>
-              <a:t>Xpath</a:t>
-            </a:r>
-            <a:r>
-              <a:rPr lang="en-CA" dirty="0" smtClean="0"/>
-              <a:t> query results are materialized</a:t>
-            </a:r>
-          </a:p>
-          <a:p>
-            <a:r>
-              <a:rPr lang="en-CA" dirty="0" smtClean="0"/>
-              <a:t>Query rewriting is more tricky due to semi-structured nature &amp; complicated querying languages</a:t>
-            </a:r>
-            <a:endParaRPr lang="en-CA" dirty="0"/>
+        <p:spPr>
+          <a:xfrm>
+            <a:off x="457200" y="1775191"/>
+            <a:ext cx="8329642" cy="4625609"/>
+          </a:xfrm>
+        </p:spPr>
+        <p:txBody>
+          <a:bodyPr>
+            <a:normAutofit lnSpcReduction="10000"/>
+          </a:bodyPr>
+          <a:lstStyle/>
+          <a:p>
+            <a:r>
+              <a:rPr lang="en-CA" dirty="0" smtClean="0"/>
+              <a:t>To materialize or not?</a:t>
+            </a:r>
+          </a:p>
+          <a:p>
+            <a:pPr lvl="2"/>
+            <a:r>
+              <a:rPr lang="en-CA" dirty="0" smtClean="0"/>
+              <a:t>Workload characteristics</a:t>
+            </a:r>
+          </a:p>
+          <a:p>
+            <a:pPr lvl="2"/>
+            <a:r>
+              <a:rPr lang="en-CA" dirty="0" smtClean="0"/>
+              <a:t>Cost for incremental update</a:t>
+            </a:r>
+          </a:p>
+          <a:p>
+            <a:pPr lvl="2"/>
+            <a:r>
+              <a:rPr lang="en-CA" dirty="0" smtClean="0"/>
+              <a:t>Storage requirements</a:t>
+            </a:r>
+          </a:p>
+          <a:p>
+            <a:r>
+              <a:rPr lang="en-CA" dirty="0" smtClean="0"/>
+              <a:t>Pros</a:t>
+            </a:r>
+          </a:p>
+          <a:p>
+            <a:pPr lvl="2"/>
+            <a:r>
+              <a:rPr lang="en-CA" dirty="0" smtClean="0"/>
+              <a:t>Behaves like an index</a:t>
+            </a:r>
+          </a:p>
+          <a:p>
+            <a:pPr lvl="2"/>
+            <a:r>
+              <a:rPr lang="en-CA" dirty="0" smtClean="0"/>
+              <a:t>Improves performance through fast lookups</a:t>
+            </a:r>
+          </a:p>
+          <a:p>
+            <a:pPr lvl="2"/>
+            <a:r>
+              <a:rPr lang="en-CA" dirty="0" smtClean="0"/>
+              <a:t>Useful for rollup and drilldown operations</a:t>
+            </a:r>
+          </a:p>
+          <a:p>
+            <a:r>
+              <a:rPr lang="en-CA" dirty="0" smtClean="0"/>
+              <a:t>Cons</a:t>
+            </a:r>
+          </a:p>
+          <a:p>
+            <a:pPr lvl="2"/>
+            <a:r>
+              <a:rPr lang="en-CA" dirty="0" smtClean="0"/>
+              <a:t>Not applicable to all queries (e.g. ad-hoc queries)</a:t>
+            </a:r>
+          </a:p>
+          <a:p>
+            <a:pPr lvl="2"/>
+            <a:endParaRPr lang="en-CA" dirty="0" smtClean="0"/>
+          </a:p>
+          <a:p>
+            <a:pPr lvl="2"/>
+            <a:endParaRPr lang="en-CA" dirty="0" smtClean="0"/>
           </a:p>
         </p:txBody>
       </p:sp>
@@ -11294,10 +11119,10 @@
           <a:lstStyle/>
           <a:p>
             <a:r>
-              <a:rPr lang="en-US" smtClean="0"/>
+              <a:rPr lang="en-US" dirty="0" smtClean="0"/>
               <a:t>Physical Design Patterns</a:t>
             </a:r>
-            <a:endParaRPr lang="en-CA"/>
+            <a:endParaRPr lang="en-CA" dirty="0"/>
           </a:p>
         </p:txBody>
       </p:sp>
@@ -11317,10 +11142,10 @@
           <a:lstStyle/>
           <a:p>
             <a:r>
-              <a:rPr lang="en-CA" smtClean="0"/>
+              <a:rPr lang="en-CA" dirty="0" smtClean="0"/>
               <a:t>Karim Ali &amp; Sarah Nadi</a:t>
             </a:r>
-            <a:endParaRPr lang="en-CA"/>
+            <a:endParaRPr lang="en-CA" dirty="0"/>
           </a:p>
         </p:txBody>
       </p:sp>
@@ -11344,7 +11169,7 @@
               <a:pPr/>
               <a:t>36</a:t>
             </a:fld>
-            <a:endParaRPr lang="en-CA"/>
+            <a:endParaRPr lang="en-CA" dirty="0"/>
           </a:p>
         </p:txBody>
       </p:sp>
@@ -11392,7 +11217,7 @@
           <a:p>
             <a:r>
               <a:rPr lang="en-CA" sz="3300" dirty="0" smtClean="0"/>
-              <a:t>XML DB</a:t>
+              <a:t>Data Warehouses</a:t>
             </a:r>
             <a:r>
               <a:rPr lang="en-CA" dirty="0" smtClean="0"/>
@@ -11419,40 +11244,89 @@
             <p:ph idx="1"/>
           </p:nvPr>
         </p:nvSpPr>
-        <p:spPr/>
-        <p:txBody>
-          <a:bodyPr/>
-          <a:lstStyle/>
-          <a:p>
-            <a:r>
-              <a:rPr lang="en-CA" dirty="0" smtClean="0"/>
-              <a:t>Horizontal partitioning</a:t>
-            </a:r>
-          </a:p>
-          <a:p>
-            <a:pPr lvl="1">
-              <a:buFont typeface="Arial" pitchFamily="34" charset="0"/>
-              <a:buChar char="•"/>
-            </a:pPr>
-            <a:r>
-              <a:rPr lang="en-CA" dirty="0" smtClean="0"/>
-              <a:t>Based on node type</a:t>
-            </a:r>
-          </a:p>
-          <a:p>
-            <a:pPr lvl="1">
-              <a:buFont typeface="Arial" pitchFamily="34" charset="0"/>
-              <a:buChar char="•"/>
-            </a:pPr>
-            <a:r>
-              <a:rPr lang="en-CA" dirty="0" smtClean="0"/>
-              <a:t>Through </a:t>
-            </a:r>
-            <a:r>
-              <a:rPr lang="en-CA" dirty="0" err="1" smtClean="0"/>
-              <a:t>inlining</a:t>
-            </a:r>
-            <a:endParaRPr lang="en-CA" dirty="0"/>
+        <p:spPr>
+          <a:xfrm>
+            <a:off x="457200" y="1775191"/>
+            <a:ext cx="8401080" cy="4625609"/>
+          </a:xfrm>
+        </p:spPr>
+        <p:txBody>
+          <a:bodyPr>
+            <a:normAutofit fontScale="92500" lnSpcReduction="20000"/>
+          </a:bodyPr>
+          <a:lstStyle/>
+          <a:p>
+            <a:r>
+              <a:rPr lang="en-CA" dirty="0" smtClean="0"/>
+              <a:t>Dividing database objects into smaller more manageable pieces</a:t>
+            </a:r>
+          </a:p>
+          <a:p>
+            <a:r>
+              <a:rPr lang="en-CA" dirty="0" smtClean="0"/>
+              <a:t>Horizontal &amp; Vertical partitioning are used</a:t>
+            </a:r>
+          </a:p>
+          <a:p>
+            <a:r>
+              <a:rPr lang="en-CA" dirty="0" smtClean="0"/>
+              <a:t>Pros</a:t>
+            </a:r>
+          </a:p>
+          <a:p>
+            <a:pPr lvl="2"/>
+            <a:r>
+              <a:rPr lang="en-CA" dirty="0" smtClean="0"/>
+              <a:t>Ability to manage larger databases</a:t>
+            </a:r>
+          </a:p>
+          <a:p>
+            <a:pPr lvl="2"/>
+            <a:r>
+              <a:rPr lang="en-CA" dirty="0" smtClean="0"/>
+              <a:t>Enhances query performance over large tables</a:t>
+            </a:r>
+          </a:p>
+          <a:p>
+            <a:pPr lvl="2"/>
+            <a:r>
+              <a:rPr lang="en-CA" dirty="0" smtClean="0"/>
+              <a:t>Enables parallel processing </a:t>
+            </a:r>
+          </a:p>
+          <a:p>
+            <a:pPr lvl="2"/>
+            <a:r>
+              <a:rPr lang="en-CA" dirty="0" smtClean="0"/>
+              <a:t>Facilitates data compression</a:t>
+            </a:r>
+          </a:p>
+          <a:p>
+            <a:r>
+              <a:rPr lang="en-CA" dirty="0" smtClean="0"/>
+              <a:t>Cons</a:t>
+            </a:r>
+          </a:p>
+          <a:p>
+            <a:pPr lvl="2"/>
+            <a:r>
+              <a:rPr lang="en-CA" dirty="0" smtClean="0"/>
+              <a:t>Complexity: managing partitions</a:t>
+            </a:r>
+          </a:p>
+          <a:p>
+            <a:pPr lvl="2"/>
+            <a:r>
+              <a:rPr lang="en-CA" dirty="0" smtClean="0"/>
+              <a:t>Efficiency: number of partitions affects the performance of meta data operations (e.g. browsing the data cube definition)</a:t>
+            </a:r>
+          </a:p>
+          <a:p>
+            <a:pPr lvl="2"/>
+            <a:r>
+              <a:rPr lang="en-CA" dirty="0" smtClean="0"/>
+              <a:t>Might affect data refresh operations</a:t>
+            </a:r>
           </a:p>
         </p:txBody>
       </p:sp>
@@ -11472,10 +11346,10 @@
           <a:lstStyle/>
           <a:p>
             <a:r>
-              <a:rPr lang="en-US" smtClean="0"/>
+              <a:rPr lang="en-US" dirty="0" smtClean="0"/>
               <a:t>Physical Design Patterns</a:t>
             </a:r>
-            <a:endParaRPr lang="en-CA"/>
+            <a:endParaRPr lang="en-CA" dirty="0"/>
           </a:p>
         </p:txBody>
       </p:sp>
@@ -11495,10 +11369,10 @@
           <a:lstStyle/>
           <a:p>
             <a:r>
-              <a:rPr lang="en-CA" smtClean="0"/>
+              <a:rPr lang="en-CA" dirty="0" smtClean="0"/>
               <a:t>Karim Ali &amp; Sarah Nadi</a:t>
             </a:r>
-            <a:endParaRPr lang="en-CA"/>
+            <a:endParaRPr lang="en-CA" dirty="0"/>
           </a:p>
         </p:txBody>
       </p:sp>
@@ -11522,7 +11396,7 @@
               <a:pPr/>
               <a:t>37</a:t>
             </a:fld>
-            <a:endParaRPr lang="en-CA"/>
+            <a:endParaRPr lang="en-CA" dirty="0"/>
           </a:p>
         </p:txBody>
       </p:sp>
@@ -11570,7 +11444,7 @@
           <a:p>
             <a:r>
               <a:rPr lang="en-CA" sz="3300" dirty="0" smtClean="0"/>
-              <a:t>XML DBs</a:t>
+              <a:t>Data Warehouses</a:t>
             </a:r>
             <a:r>
               <a:rPr lang="en-CA" dirty="0" smtClean="0"/>
@@ -11599,20 +11473,15 @@
         </p:nvSpPr>
         <p:spPr/>
         <p:txBody>
-          <a:bodyPr/>
-          <a:lstStyle/>
-          <a:p>
-            <a:r>
-              <a:rPr lang="en-CA" dirty="0" smtClean="0"/>
-              <a:t>Elements &amp; sub-elements are clustered together</a:t>
-            </a:r>
-          </a:p>
-          <a:p>
-            <a:r>
-              <a:rPr lang="en-CA" dirty="0" smtClean="0"/>
-              <a:t>XML documents are clustered based on structural similarity</a:t>
-            </a:r>
-            <a:endParaRPr lang="en-CA" dirty="0"/>
+          <a:bodyPr>
+            <a:normAutofit/>
+          </a:bodyPr>
+          <a:lstStyle/>
+          <a:p>
+            <a:r>
+              <a:rPr lang="en-CA" dirty="0" smtClean="0"/>
+              <a:t>Data is clustered by nature</a:t>
+            </a:r>
           </a:p>
         </p:txBody>
       </p:sp>
@@ -11632,10 +11501,10 @@
           <a:lstStyle/>
           <a:p>
             <a:r>
-              <a:rPr lang="en-US" smtClean="0"/>
+              <a:rPr lang="en-US" dirty="0" smtClean="0"/>
               <a:t>Physical Design Patterns</a:t>
             </a:r>
-            <a:endParaRPr lang="en-CA"/>
+            <a:endParaRPr lang="en-CA" dirty="0"/>
           </a:p>
         </p:txBody>
       </p:sp>
@@ -11655,10 +11524,10 @@
           <a:lstStyle/>
           <a:p>
             <a:r>
-              <a:rPr lang="en-CA" smtClean="0"/>
+              <a:rPr lang="en-CA" dirty="0" smtClean="0"/>
               <a:t>Karim Ali &amp; Sarah Nadi</a:t>
             </a:r>
-            <a:endParaRPr lang="en-CA"/>
+            <a:endParaRPr lang="en-CA" dirty="0"/>
           </a:p>
         </p:txBody>
       </p:sp>
@@ -11682,10 +11551,43 @@
               <a:pPr/>
               <a:t>38</a:t>
             </a:fld>
-            <a:endParaRPr lang="en-CA"/>
-          </a:p>
-        </p:txBody>
-      </p:sp>
+            <a:endParaRPr lang="en-CA" dirty="0"/>
+          </a:p>
+        </p:txBody>
+      </p:sp>
+      <p:pic>
+        <p:nvPicPr>
+          <p:cNvPr id="1026" name="Picture 2"/>
+          <p:cNvPicPr>
+            <a:picLocks noChangeAspect="1" noChangeArrowheads="1"/>
+          </p:cNvPicPr>
+          <p:nvPr/>
+        </p:nvPicPr>
+        <p:blipFill>
+          <a:blip r:embed="rId2"/>
+          <a:srcRect/>
+          <a:stretch>
+            <a:fillRect/>
+          </a:stretch>
+        </p:blipFill>
+        <p:spPr bwMode="auto">
+          <a:xfrm>
+            <a:off x="1000100" y="2357430"/>
+            <a:ext cx="7172325" cy="3971925"/>
+          </a:xfrm>
+          <a:prstGeom prst="rect">
+            <a:avLst/>
+          </a:prstGeom>
+          <a:noFill/>
+          <a:ln w="9525">
+            <a:noFill/>
+            <a:miter lim="800000"/>
+            <a:headEnd/>
+            <a:tailEnd/>
+          </a:ln>
+          <a:effectLst/>
+        </p:spPr>
+      </p:pic>
     </p:spTree>
   </p:cSld>
   <p:clrMapOvr>
@@ -11728,7 +11630,7 @@
           <a:p>
             <a:r>
               <a:rPr lang="en-CA" dirty="0" smtClean="0"/>
-              <a:t>Future Work</a:t>
+              <a:t>Summary</a:t>
             </a:r>
             <a:endParaRPr lang="en-CA" dirty="0"/>
           </a:p>
@@ -11749,7 +11651,7 @@
           <a:bodyPr/>
           <a:lstStyle/>
           <a:p>
-            <a:endParaRPr lang="en-CA"/>
+            <a:endParaRPr lang="en-CA" dirty="0"/>
           </a:p>
         </p:txBody>
       </p:sp>
@@ -11769,10 +11671,10 @@
           <a:lstStyle/>
           <a:p>
             <a:r>
-              <a:rPr lang="en-US" smtClean="0"/>
+              <a:rPr lang="en-US" dirty="0" smtClean="0"/>
               <a:t>Physical Design Patterns</a:t>
             </a:r>
-            <a:endParaRPr lang="en-CA"/>
+            <a:endParaRPr lang="en-CA" dirty="0"/>
           </a:p>
         </p:txBody>
       </p:sp>
@@ -11792,10 +11694,10 @@
           <a:lstStyle/>
           <a:p>
             <a:r>
-              <a:rPr lang="en-CA" smtClean="0"/>
+              <a:rPr lang="en-CA" dirty="0" smtClean="0"/>
               <a:t>Karim Ali &amp; Sarah Nadi</a:t>
             </a:r>
-            <a:endParaRPr lang="en-CA"/>
+            <a:endParaRPr lang="en-CA" dirty="0"/>
           </a:p>
         </p:txBody>
       </p:sp>
@@ -11819,7 +11721,7 @@
               <a:pPr/>
               <a:t>39</a:t>
             </a:fld>
-            <a:endParaRPr lang="en-CA"/>
+            <a:endParaRPr lang="en-CA" dirty="0"/>
           </a:p>
         </p:txBody>
       </p:sp>
@@ -11910,10 +11812,10 @@
           <a:lstStyle/>
           <a:p>
             <a:r>
-              <a:rPr lang="en-US" smtClean="0"/>
+              <a:rPr lang="en-US" dirty="0" smtClean="0"/>
               <a:t>Physical Design Patterns</a:t>
             </a:r>
-            <a:endParaRPr lang="en-CA"/>
+            <a:endParaRPr lang="en-CA" dirty="0"/>
           </a:p>
         </p:txBody>
       </p:sp>
@@ -11933,10 +11835,10 @@
           <a:lstStyle/>
           <a:p>
             <a:r>
-              <a:rPr lang="en-CA" smtClean="0"/>
+              <a:rPr lang="en-CA" dirty="0" smtClean="0"/>
               <a:t>Karim Ali &amp; Sarah Nadi</a:t>
             </a:r>
-            <a:endParaRPr lang="en-CA"/>
+            <a:endParaRPr lang="en-CA" dirty="0"/>
           </a:p>
         </p:txBody>
       </p:sp>
@@ -11960,7 +11862,7 @@
               <a:pPr/>
               <a:t>4</a:t>
             </a:fld>
-            <a:endParaRPr lang="en-CA"/>
+            <a:endParaRPr lang="en-CA" dirty="0"/>
           </a:p>
         </p:txBody>
       </p:sp>
@@ -11998,77 +11900,6 @@
       </p:grpSpPr>
       <p:sp>
         <p:nvSpPr>
-          <p:cNvPr id="7" name="Title 6"/>
-          <p:cNvSpPr>
-            <a:spLocks noGrp="1"/>
-          </p:cNvSpPr>
-          <p:nvPr>
-            <p:ph type="title"/>
-          </p:nvPr>
-        </p:nvSpPr>
-        <p:spPr/>
-        <p:txBody>
-          <a:bodyPr/>
-          <a:lstStyle/>
-          <a:p>
-            <a:r>
-              <a:rPr lang="en-CA" dirty="0" smtClean="0"/>
-              <a:t>Future Work</a:t>
-            </a:r>
-            <a:endParaRPr lang="en-CA" dirty="0"/>
-          </a:p>
-        </p:txBody>
-      </p:sp>
-      <p:sp>
-        <p:nvSpPr>
-          <p:cNvPr id="8" name="Content Placeholder 7"/>
-          <p:cNvSpPr>
-            <a:spLocks noGrp="1"/>
-          </p:cNvSpPr>
-          <p:nvPr>
-            <p:ph idx="1"/>
-          </p:nvPr>
-        </p:nvSpPr>
-        <p:spPr/>
-        <p:txBody>
-          <a:bodyPr/>
-          <a:lstStyle/>
-          <a:p>
-            <a:r>
-              <a:rPr lang="en-CA" dirty="0" smtClean="0"/>
-              <a:t>Physical design of industrial </a:t>
-            </a:r>
-            <a:r>
-              <a:rPr lang="en-CA" dirty="0" smtClean="0"/>
-              <a:t>systems</a:t>
-            </a:r>
-          </a:p>
-          <a:p>
-            <a:r>
-              <a:rPr lang="en-CA" dirty="0" smtClean="0"/>
-              <a:t>Interplay between systems</a:t>
-            </a:r>
-            <a:endParaRPr lang="en-CA" dirty="0" smtClean="0"/>
-          </a:p>
-          <a:p>
-            <a:r>
-              <a:rPr lang="en-CA" dirty="0" smtClean="0"/>
-              <a:t>Automating physical design</a:t>
-            </a:r>
-          </a:p>
-          <a:p>
-            <a:r>
-              <a:rPr lang="en-CA" dirty="0" smtClean="0"/>
-              <a:t>List of the open problems in physical design</a:t>
-            </a:r>
-          </a:p>
-          <a:p>
-            <a:endParaRPr lang="en-CA" dirty="0"/>
-          </a:p>
-        </p:txBody>
-      </p:sp>
-      <p:sp>
-        <p:nvSpPr>
           <p:cNvPr id="4" name="Date Placeholder 3"/>
           <p:cNvSpPr>
             <a:spLocks noGrp="1"/>
@@ -12083,10 +11914,10 @@
           <a:lstStyle/>
           <a:p>
             <a:r>
-              <a:rPr lang="en-US" smtClean="0"/>
+              <a:rPr lang="en-US" dirty="0" smtClean="0"/>
               <a:t>Physical Design Patterns</a:t>
             </a:r>
-            <a:endParaRPr lang="en-CA"/>
+            <a:endParaRPr lang="en-CA" dirty="0"/>
           </a:p>
         </p:txBody>
       </p:sp>
@@ -12106,10 +11937,10 @@
           <a:lstStyle/>
           <a:p>
             <a:r>
-              <a:rPr lang="en-CA" smtClean="0"/>
+              <a:rPr lang="en-CA" dirty="0" smtClean="0"/>
               <a:t>Karim Ali &amp; Sarah Nadi</a:t>
             </a:r>
-            <a:endParaRPr lang="en-CA"/>
+            <a:endParaRPr lang="en-CA" dirty="0"/>
           </a:p>
         </p:txBody>
       </p:sp>
@@ -12133,239 +11964,7 @@
               <a:pPr/>
               <a:t>40</a:t>
             </a:fld>
-            <a:endParaRPr lang="en-CA"/>
-          </a:p>
-        </p:txBody>
-      </p:sp>
-    </p:spTree>
-  </p:cSld>
-  <p:clrMapOvr>
-    <a:masterClrMapping/>
-  </p:clrMapOvr>
-</p:sld>
-</file>
-
-<file path=ppt/slides/slide41.xml><?xml version="1.0" encoding="utf-8"?>
-<p:sld xmlns:a="http://schemas.openxmlformats.org/drawingml/2006/main" xmlns:r="http://schemas.openxmlformats.org/officeDocument/2006/relationships" xmlns:p="http://schemas.openxmlformats.org/presentationml/2006/main">
-  <p:cSld>
-    <p:spTree>
-      <p:nvGrpSpPr>
-        <p:cNvPr id="1" name=""/>
-        <p:cNvGrpSpPr/>
-        <p:nvPr/>
-      </p:nvGrpSpPr>
-      <p:grpSpPr>
-        <a:xfrm>
-          <a:off x="0" y="0"/>
-          <a:ext cx="0" cy="0"/>
-          <a:chOff x="0" y="0"/>
-          <a:chExt cx="0" cy="0"/>
-        </a:xfrm>
-      </p:grpSpPr>
-      <p:sp>
-        <p:nvSpPr>
-          <p:cNvPr id="7" name="Title 6"/>
-          <p:cNvSpPr>
-            <a:spLocks noGrp="1"/>
-          </p:cNvSpPr>
-          <p:nvPr>
-            <p:ph type="title"/>
-          </p:nvPr>
-        </p:nvSpPr>
-        <p:spPr/>
-        <p:txBody>
-          <a:bodyPr/>
-          <a:lstStyle/>
-          <a:p>
-            <a:r>
-              <a:rPr lang="en-CA" dirty="0" smtClean="0"/>
-              <a:t>Summary &amp; Conclusions</a:t>
-            </a:r>
-            <a:endParaRPr lang="en-CA" dirty="0"/>
-          </a:p>
-        </p:txBody>
-      </p:sp>
-      <p:sp>
-        <p:nvSpPr>
-          <p:cNvPr id="8" name="Text Placeholder 7"/>
-          <p:cNvSpPr>
-            <a:spLocks noGrp="1"/>
-          </p:cNvSpPr>
-          <p:nvPr>
-            <p:ph type="body" idx="1"/>
-          </p:nvPr>
-        </p:nvSpPr>
-        <p:spPr/>
-        <p:txBody>
-          <a:bodyPr/>
-          <a:lstStyle/>
-          <a:p>
-            <a:endParaRPr lang="en-CA"/>
-          </a:p>
-        </p:txBody>
-      </p:sp>
-      <p:sp>
-        <p:nvSpPr>
-          <p:cNvPr id="4" name="Date Placeholder 3"/>
-          <p:cNvSpPr>
-            <a:spLocks noGrp="1"/>
-          </p:cNvSpPr>
-          <p:nvPr>
-            <p:ph type="dt" sz="half" idx="10"/>
-          </p:nvPr>
-        </p:nvSpPr>
-        <p:spPr/>
-        <p:txBody>
-          <a:bodyPr/>
-          <a:lstStyle/>
-          <a:p>
-            <a:r>
-              <a:rPr lang="en-US" smtClean="0"/>
-              <a:t>Physical Design Patterns</a:t>
-            </a:r>
-            <a:endParaRPr lang="en-CA"/>
-          </a:p>
-        </p:txBody>
-      </p:sp>
-      <p:sp>
-        <p:nvSpPr>
-          <p:cNvPr id="5" name="Footer Placeholder 4"/>
-          <p:cNvSpPr>
-            <a:spLocks noGrp="1"/>
-          </p:cNvSpPr>
-          <p:nvPr>
-            <p:ph type="ftr" sz="quarter" idx="11"/>
-          </p:nvPr>
-        </p:nvSpPr>
-        <p:spPr/>
-        <p:txBody>
-          <a:bodyPr/>
-          <a:lstStyle/>
-          <a:p>
-            <a:r>
-              <a:rPr lang="en-CA" smtClean="0"/>
-              <a:t>Karim Ali &amp; Sarah Nadi</a:t>
-            </a:r>
-            <a:endParaRPr lang="en-CA"/>
-          </a:p>
-        </p:txBody>
-      </p:sp>
-      <p:sp>
-        <p:nvSpPr>
-          <p:cNvPr id="6" name="Slide Number Placeholder 5"/>
-          <p:cNvSpPr>
-            <a:spLocks noGrp="1"/>
-          </p:cNvSpPr>
-          <p:nvPr>
-            <p:ph type="sldNum" sz="quarter" idx="12"/>
-          </p:nvPr>
-        </p:nvSpPr>
-        <p:spPr/>
-        <p:txBody>
-          <a:bodyPr/>
-          <a:lstStyle/>
-          <a:p>
-            <a:fld id="{9AC8176B-BF31-4706-B15B-1AFC481B9AC3}" type="slidenum">
-              <a:rPr lang="en-CA" smtClean="0"/>
-              <a:pPr/>
-              <a:t>41</a:t>
-            </a:fld>
-            <a:endParaRPr lang="en-CA"/>
-          </a:p>
-        </p:txBody>
-      </p:sp>
-    </p:spTree>
-  </p:cSld>
-  <p:clrMapOvr>
-    <a:masterClrMapping/>
-  </p:clrMapOvr>
-</p:sld>
-</file>
-
-<file path=ppt/slides/slide42.xml><?xml version="1.0" encoding="utf-8"?>
-<p:sld xmlns:a="http://schemas.openxmlformats.org/drawingml/2006/main" xmlns:r="http://schemas.openxmlformats.org/officeDocument/2006/relationships" xmlns:p="http://schemas.openxmlformats.org/presentationml/2006/main">
-  <p:cSld>
-    <p:spTree>
-      <p:nvGrpSpPr>
-        <p:cNvPr id="1" name=""/>
-        <p:cNvGrpSpPr/>
-        <p:nvPr/>
-      </p:nvGrpSpPr>
-      <p:grpSpPr>
-        <a:xfrm>
-          <a:off x="0" y="0"/>
-          <a:ext cx="0" cy="0"/>
-          <a:chOff x="0" y="0"/>
-          <a:chExt cx="0" cy="0"/>
-        </a:xfrm>
-      </p:grpSpPr>
-      <p:sp>
-        <p:nvSpPr>
-          <p:cNvPr id="4" name="Date Placeholder 3"/>
-          <p:cNvSpPr>
-            <a:spLocks noGrp="1"/>
-          </p:cNvSpPr>
-          <p:nvPr>
-            <p:ph type="dt" sz="half" idx="10"/>
-          </p:nvPr>
-        </p:nvSpPr>
-        <p:spPr/>
-        <p:txBody>
-          <a:bodyPr/>
-          <a:lstStyle/>
-          <a:p>
-            <a:r>
-              <a:rPr lang="en-US" smtClean="0"/>
-              <a:t>Physical Design Patterns</a:t>
-            </a:r>
-            <a:endParaRPr lang="en-CA"/>
-          </a:p>
-        </p:txBody>
-      </p:sp>
-      <p:sp>
-        <p:nvSpPr>
-          <p:cNvPr id="5" name="Footer Placeholder 4"/>
-          <p:cNvSpPr>
-            <a:spLocks noGrp="1"/>
-          </p:cNvSpPr>
-          <p:nvPr>
-            <p:ph type="ftr" sz="quarter" idx="11"/>
-          </p:nvPr>
-        </p:nvSpPr>
-        <p:spPr/>
-        <p:txBody>
-          <a:bodyPr/>
-          <a:lstStyle/>
-          <a:p>
-            <a:r>
-              <a:rPr lang="en-CA" smtClean="0"/>
-              <a:t>Karim Ali &amp; Sarah Nadi</a:t>
-            </a:r>
-            <a:endParaRPr lang="en-CA"/>
-          </a:p>
-        </p:txBody>
-      </p:sp>
-      <p:sp>
-        <p:nvSpPr>
-          <p:cNvPr id="6" name="Slide Number Placeholder 5"/>
-          <p:cNvSpPr>
-            <a:spLocks noGrp="1"/>
-          </p:cNvSpPr>
-          <p:nvPr>
-            <p:ph type="sldNum" sz="quarter" idx="12"/>
-          </p:nvPr>
-        </p:nvSpPr>
-        <p:spPr/>
-        <p:txBody>
-          <a:bodyPr/>
-          <a:lstStyle/>
-          <a:p>
-            <a:fld id="{9AC8176B-BF31-4706-B15B-1AFC481B9AC3}" type="slidenum">
-              <a:rPr lang="en-CA" smtClean="0"/>
-              <a:pPr/>
-              <a:t>42</a:t>
-            </a:fld>
-            <a:endParaRPr lang="en-CA"/>
+            <a:endParaRPr lang="en-CA" dirty="0"/>
           </a:p>
         </p:txBody>
       </p:sp>
@@ -12496,7 +12095,11 @@
                       </a:r>
                       <a:r>
                         <a:rPr lang="en-CA" sz="1400" dirty="0" smtClean="0"/>
-                        <a:t>B+ Trees,</a:t>
+                        <a:t>B+trees</a:t>
+                      </a:r>
+                      <a:r>
+                        <a:rPr lang="en-CA" sz="1400" dirty="0" smtClean="0"/>
+                        <a:t>,</a:t>
                       </a:r>
                       <a:r>
                         <a:rPr lang="en-CA" sz="1400" baseline="0" dirty="0" smtClean="0"/>
@@ -12504,7 +12107,11 @@
                       </a:r>
                       <a:r>
                         <a:rPr lang="en-CA" sz="1400" dirty="0" smtClean="0"/>
-                        <a:t>Bitmap Index</a:t>
+                        <a:t>Bitmap </a:t>
+                      </a:r>
+                      <a:r>
+                        <a:rPr lang="en-CA" sz="1400" dirty="0" smtClean="0"/>
+                        <a:t>Index, Hash Trees</a:t>
                       </a:r>
                       <a:endParaRPr lang="en-CA" sz="1400" dirty="0"/>
                     </a:p>
@@ -12627,7 +12234,23 @@
                       </a:pPr>
                       <a:r>
                         <a:rPr lang="en-CA" sz="1400" baseline="0" dirty="0" smtClean="0"/>
-                        <a:t>E.g.: B+ Tree, CSB+ Tree, T Tree, CST Tree</a:t>
+                        <a:t>E.g.: </a:t>
+                      </a:r>
+                      <a:r>
+                        <a:rPr lang="en-CA" sz="1400" baseline="0" dirty="0" smtClean="0"/>
+                        <a:t>B+tree</a:t>
+                      </a:r>
+                      <a:r>
+                        <a:rPr lang="en-CA" sz="1400" baseline="0" dirty="0" smtClean="0"/>
+                        <a:t>, </a:t>
+                      </a:r>
+                      <a:r>
+                        <a:rPr lang="en-CA" sz="1400" baseline="0" dirty="0" smtClean="0"/>
+                        <a:t>CSB+tree</a:t>
+                      </a:r>
+                      <a:r>
+                        <a:rPr lang="en-CA" sz="1400" baseline="0" dirty="0" smtClean="0"/>
+                        <a:t>, T Tree, CST Tree</a:t>
                       </a:r>
                       <a:endParaRPr lang="en-CA" sz="1400" dirty="0" smtClean="0"/>
                     </a:p>
@@ -12761,7 +12384,15 @@
                     <a:p>
                       <a:r>
                         <a:rPr lang="en-CA" sz="1400" dirty="0" smtClean="0"/>
-                        <a:t>E.g. Universal B+ Tree, Bitmap Index, Projection Index.</a:t>
+                        <a:t>E.g. Universal </a:t>
+                      </a:r>
+                      <a:r>
+                        <a:rPr lang="en-CA" sz="1400" dirty="0" smtClean="0"/>
+                        <a:t>B+tree</a:t>
+                      </a:r>
+                      <a:r>
+                        <a:rPr lang="en-CA" sz="1400" dirty="0" smtClean="0"/>
+                        <a:t>, Bitmap Index, Projection Index.</a:t>
                       </a:r>
                       <a:endParaRPr lang="en-CA" sz="1400" dirty="0"/>
                     </a:p>
@@ -12867,13 +12498,24 @@
                       </a:r>
                       <a:r>
                         <a:rPr lang="en-CA" sz="1400" baseline="0" dirty="0" smtClean="0"/>
-                        <a:t> numbering scheme</a:t>
+                        <a:t> numbering </a:t>
+                      </a:r>
+                      <a:r>
+                        <a:rPr lang="en-CA" sz="1400" baseline="0" dirty="0" smtClean="0"/>
+                        <a:t>scheme</a:t>
                       </a:r>
                     </a:p>
                     <a:p>
+                      <a:endParaRPr lang="en-CA" sz="1400" baseline="0" dirty="0" smtClean="0"/>
+                    </a:p>
+                    <a:p>
                       <a:r>
                         <a:rPr lang="en-CA" sz="1400" baseline="0" dirty="0" smtClean="0"/>
-                        <a:t>B+ Tree used</a:t>
+                        <a:t>B+tree </a:t>
+                      </a:r>
+                      <a:r>
+                        <a:rPr lang="en-CA" sz="1400" baseline="0" dirty="0" smtClean="0"/>
+                        <a:t>used</a:t>
                       </a:r>
                       <a:endParaRPr lang="en-CA" sz="1400" dirty="0"/>
                     </a:p>
@@ -12886,20 +12528,8 @@
                     <a:lstStyle/>
                     <a:p>
                       <a:r>
-                        <a:rPr lang="en-CA" sz="1400" dirty="0" err="1" smtClean="0"/>
-                        <a:t>XQuery</a:t>
-                      </a:r>
-                      <a:r>
                         <a:rPr lang="en-CA" sz="1400" dirty="0" smtClean="0"/>
-                        <a:t> and </a:t>
-                      </a:r>
-                      <a:r>
-                        <a:rPr lang="en-CA" sz="1400" dirty="0" err="1" smtClean="0"/>
-                        <a:t>XPath</a:t>
-                      </a:r>
-                      <a:r>
-                        <a:rPr lang="en-CA" sz="1400" dirty="0" smtClean="0"/>
-                        <a:t> results are materialized</a:t>
+                        <a:t>XQuery and XPath results are materialized</a:t>
                       </a:r>
                       <a:endParaRPr lang="en-CA" sz="1400" dirty="0"/>
                     </a:p>
@@ -12917,15 +12547,7 @@
                       </a:r>
                       <a:r>
                         <a:rPr lang="en-CA" sz="1400" baseline="0" dirty="0" smtClean="0"/>
-                        <a:t> based on </a:t>
-                      </a:r>
-                      <a:r>
-                        <a:rPr lang="en-CA" sz="1400" baseline="0" dirty="0" err="1" smtClean="0"/>
-                        <a:t>inlining</a:t>
-                      </a:r>
-                      <a:r>
-                        <a:rPr lang="en-CA" sz="1400" baseline="0" dirty="0" smtClean="0"/>
-                        <a:t> or node type</a:t>
+                        <a:t> based on inlining or node type</a:t>
                       </a:r>
                       <a:endParaRPr lang="en-CA" sz="1400" dirty="0"/>
                     </a:p>
@@ -12955,6 +12577,311 @@
           </a:graphicData>
         </a:graphic>
       </p:graphicFrame>
+    </p:spTree>
+  </p:cSld>
+  <p:clrMapOvr>
+    <a:masterClrMapping/>
+  </p:clrMapOvr>
+  <p:timing>
+    <p:tnLst>
+      <p:par>
+        <p:cTn id="1" dur="indefinite" restart="never" nodeType="tmRoot"/>
+      </p:par>
+    </p:tnLst>
+  </p:timing>
+</p:sld>
+</file>
+
+<file path=ppt/slides/slide41.xml><?xml version="1.0" encoding="utf-8"?>
+<p:sld xmlns:a="http://schemas.openxmlformats.org/drawingml/2006/main" xmlns:r="http://schemas.openxmlformats.org/officeDocument/2006/relationships" xmlns:p="http://schemas.openxmlformats.org/presentationml/2006/main">
+  <p:cSld>
+    <p:spTree>
+      <p:nvGrpSpPr>
+        <p:cNvPr id="1" name=""/>
+        <p:cNvGrpSpPr/>
+        <p:nvPr/>
+      </p:nvGrpSpPr>
+      <p:grpSpPr>
+        <a:xfrm>
+          <a:off x="0" y="0"/>
+          <a:ext cx="0" cy="0"/>
+          <a:chOff x="0" y="0"/>
+          <a:chExt cx="0" cy="0"/>
+        </a:xfrm>
+      </p:grpSpPr>
+      <p:sp>
+        <p:nvSpPr>
+          <p:cNvPr id="7" name="Title 6"/>
+          <p:cNvSpPr>
+            <a:spLocks noGrp="1"/>
+          </p:cNvSpPr>
+          <p:nvPr>
+            <p:ph type="title"/>
+          </p:nvPr>
+        </p:nvSpPr>
+        <p:spPr/>
+        <p:txBody>
+          <a:bodyPr/>
+          <a:lstStyle/>
+          <a:p>
+            <a:r>
+              <a:rPr lang="en-CA" dirty="0" smtClean="0"/>
+              <a:t>Conclusions &amp; Future </a:t>
+            </a:r>
+            <a:r>
+              <a:rPr lang="en-CA" dirty="0" smtClean="0"/>
+              <a:t>Work</a:t>
+            </a:r>
+            <a:endParaRPr lang="en-CA" dirty="0"/>
+          </a:p>
+        </p:txBody>
+      </p:sp>
+      <p:sp>
+        <p:nvSpPr>
+          <p:cNvPr id="8" name="Text Placeholder 7"/>
+          <p:cNvSpPr>
+            <a:spLocks noGrp="1"/>
+          </p:cNvSpPr>
+          <p:nvPr>
+            <p:ph type="body" idx="1"/>
+          </p:nvPr>
+        </p:nvSpPr>
+        <p:spPr/>
+        <p:txBody>
+          <a:bodyPr/>
+          <a:lstStyle/>
+          <a:p>
+            <a:endParaRPr lang="en-CA" dirty="0"/>
+          </a:p>
+        </p:txBody>
+      </p:sp>
+      <p:sp>
+        <p:nvSpPr>
+          <p:cNvPr id="4" name="Date Placeholder 3"/>
+          <p:cNvSpPr>
+            <a:spLocks noGrp="1"/>
+          </p:cNvSpPr>
+          <p:nvPr>
+            <p:ph type="dt" sz="half" idx="10"/>
+          </p:nvPr>
+        </p:nvSpPr>
+        <p:spPr/>
+        <p:txBody>
+          <a:bodyPr/>
+          <a:lstStyle/>
+          <a:p>
+            <a:r>
+              <a:rPr lang="en-US" dirty="0" smtClean="0"/>
+              <a:t>Physical Design Patterns</a:t>
+            </a:r>
+            <a:endParaRPr lang="en-CA" dirty="0"/>
+          </a:p>
+        </p:txBody>
+      </p:sp>
+      <p:sp>
+        <p:nvSpPr>
+          <p:cNvPr id="5" name="Footer Placeholder 4"/>
+          <p:cNvSpPr>
+            <a:spLocks noGrp="1"/>
+          </p:cNvSpPr>
+          <p:nvPr>
+            <p:ph type="ftr" sz="quarter" idx="11"/>
+          </p:nvPr>
+        </p:nvSpPr>
+        <p:spPr/>
+        <p:txBody>
+          <a:bodyPr/>
+          <a:lstStyle/>
+          <a:p>
+            <a:r>
+              <a:rPr lang="en-CA" dirty="0" smtClean="0"/>
+              <a:t>Karim Ali &amp; Sarah Nadi</a:t>
+            </a:r>
+            <a:endParaRPr lang="en-CA" dirty="0"/>
+          </a:p>
+        </p:txBody>
+      </p:sp>
+      <p:sp>
+        <p:nvSpPr>
+          <p:cNvPr id="6" name="Slide Number Placeholder 5"/>
+          <p:cNvSpPr>
+            <a:spLocks noGrp="1"/>
+          </p:cNvSpPr>
+          <p:nvPr>
+            <p:ph type="sldNum" sz="quarter" idx="12"/>
+          </p:nvPr>
+        </p:nvSpPr>
+        <p:spPr/>
+        <p:txBody>
+          <a:bodyPr/>
+          <a:lstStyle/>
+          <a:p>
+            <a:fld id="{9AC8176B-BF31-4706-B15B-1AFC481B9AC3}" type="slidenum">
+              <a:rPr lang="en-CA" smtClean="0"/>
+              <a:pPr/>
+              <a:t>41</a:t>
+            </a:fld>
+            <a:endParaRPr lang="en-CA" dirty="0"/>
+          </a:p>
+        </p:txBody>
+      </p:sp>
+    </p:spTree>
+  </p:cSld>
+  <p:clrMapOvr>
+    <a:masterClrMapping/>
+  </p:clrMapOvr>
+</p:sld>
+</file>
+
+<file path=ppt/slides/slide42.xml><?xml version="1.0" encoding="utf-8"?>
+<p:sld xmlns:a="http://schemas.openxmlformats.org/drawingml/2006/main" xmlns:r="http://schemas.openxmlformats.org/officeDocument/2006/relationships" xmlns:p="http://schemas.openxmlformats.org/presentationml/2006/main">
+  <p:cSld>
+    <p:spTree>
+      <p:nvGrpSpPr>
+        <p:cNvPr id="1" name=""/>
+        <p:cNvGrpSpPr/>
+        <p:nvPr/>
+      </p:nvGrpSpPr>
+      <p:grpSpPr>
+        <a:xfrm>
+          <a:off x="0" y="0"/>
+          <a:ext cx="0" cy="0"/>
+          <a:chOff x="0" y="0"/>
+          <a:chExt cx="0" cy="0"/>
+        </a:xfrm>
+      </p:grpSpPr>
+      <p:sp>
+        <p:nvSpPr>
+          <p:cNvPr id="5" name="Title 4"/>
+          <p:cNvSpPr>
+            <a:spLocks noGrp="1"/>
+          </p:cNvSpPr>
+          <p:nvPr>
+            <p:ph type="title"/>
+          </p:nvPr>
+        </p:nvSpPr>
+        <p:spPr/>
+        <p:txBody>
+          <a:bodyPr/>
+          <a:lstStyle/>
+          <a:p>
+            <a:r>
+              <a:rPr lang="en-CA" dirty="0" smtClean="0"/>
+              <a:t>Conclusions</a:t>
+            </a:r>
+            <a:endParaRPr lang="en-CA" dirty="0"/>
+          </a:p>
+        </p:txBody>
+      </p:sp>
+      <p:sp>
+        <p:nvSpPr>
+          <p:cNvPr id="6" name="Content Placeholder 5"/>
+          <p:cNvSpPr>
+            <a:spLocks noGrp="1"/>
+          </p:cNvSpPr>
+          <p:nvPr>
+            <p:ph idx="1"/>
+          </p:nvPr>
+        </p:nvSpPr>
+        <p:spPr/>
+        <p:txBody>
+          <a:bodyPr/>
+          <a:lstStyle/>
+          <a:p>
+            <a:r>
+              <a:rPr lang="en-CA" dirty="0" smtClean="0"/>
+              <a:t>Physical design patterns in traditional relational databases can be adapted to different systems</a:t>
+            </a:r>
+          </a:p>
+          <a:p>
+            <a:r>
+              <a:rPr lang="en-CA" dirty="0" smtClean="0"/>
+              <a:t>B+trees </a:t>
+            </a:r>
+            <a:r>
+              <a:rPr lang="en-CA" dirty="0" smtClean="0"/>
+              <a:t>are the most popular index structure &amp; have been adapted for the diff. Systems</a:t>
+            </a:r>
+          </a:p>
+          <a:p>
+            <a:r>
+              <a:rPr lang="en-CA" dirty="0" smtClean="0"/>
+              <a:t>Materialized views, partitioning &amp; clustering are very important for performance except for MMDBs</a:t>
+            </a:r>
+            <a:endParaRPr lang="en-CA" dirty="0"/>
+          </a:p>
+        </p:txBody>
+      </p:sp>
+      <p:sp>
+        <p:nvSpPr>
+          <p:cNvPr id="2" name="Date Placeholder 1"/>
+          <p:cNvSpPr>
+            <a:spLocks noGrp="1"/>
+          </p:cNvSpPr>
+          <p:nvPr>
+            <p:ph type="dt" sz="half" idx="10"/>
+          </p:nvPr>
+        </p:nvSpPr>
+        <p:spPr/>
+        <p:txBody>
+          <a:bodyPr/>
+          <a:lstStyle/>
+          <a:p>
+            <a:r>
+              <a:rPr lang="en-US" dirty="0" smtClean="0"/>
+              <a:t>Physical Design Patterns</a:t>
+            </a:r>
+            <a:endParaRPr lang="en-CA" dirty="0"/>
+          </a:p>
+        </p:txBody>
+      </p:sp>
+      <p:sp>
+        <p:nvSpPr>
+          <p:cNvPr id="3" name="Footer Placeholder 2"/>
+          <p:cNvSpPr>
+            <a:spLocks noGrp="1"/>
+          </p:cNvSpPr>
+          <p:nvPr>
+            <p:ph type="ftr" sz="quarter" idx="11"/>
+          </p:nvPr>
+        </p:nvSpPr>
+        <p:spPr/>
+        <p:txBody>
+          <a:bodyPr/>
+          <a:lstStyle/>
+          <a:p>
+            <a:r>
+              <a:rPr lang="en-CA" dirty="0" smtClean="0"/>
+              <a:t>Karim Ali &amp; Sarah Nadi</a:t>
+            </a:r>
+            <a:endParaRPr lang="en-CA" dirty="0"/>
+          </a:p>
+        </p:txBody>
+      </p:sp>
+      <p:sp>
+        <p:nvSpPr>
+          <p:cNvPr id="4" name="Slide Number Placeholder 3"/>
+          <p:cNvSpPr>
+            <a:spLocks noGrp="1"/>
+          </p:cNvSpPr>
+          <p:nvPr>
+            <p:ph type="sldNum" sz="quarter" idx="12"/>
+          </p:nvPr>
+        </p:nvSpPr>
+        <p:spPr/>
+        <p:txBody>
+          <a:bodyPr/>
+          <a:lstStyle/>
+          <a:p>
+            <a:fld id="{9AC8176B-BF31-4706-B15B-1AFC481B9AC3}" type="slidenum">
+              <a:rPr lang="en-CA" smtClean="0"/>
+              <a:pPr/>
+              <a:t>42</a:t>
+            </a:fld>
+            <a:endParaRPr lang="en-CA" dirty="0"/>
+          </a:p>
+        </p:txBody>
+      </p:sp>
     </p:spTree>
   </p:cSld>
   <p:clrMapOvr>
@@ -12989,7 +12916,7 @@
       </p:grpSpPr>
       <p:sp>
         <p:nvSpPr>
-          <p:cNvPr id="5" name="Title 4"/>
+          <p:cNvPr id="7" name="Title 6"/>
           <p:cNvSpPr>
             <a:spLocks noGrp="1"/>
           </p:cNvSpPr>
@@ -13004,15 +12931,15 @@
           <a:p>
             <a:r>
               <a:rPr lang="en-CA" dirty="0" smtClean="0"/>
-              <a:t>Conclusions</a:t>
-            </a:r>
-            <a:endParaRPr lang="en-CA" dirty="0"/>
-          </a:p>
-        </p:txBody>
-      </p:sp>
-      <p:sp>
-        <p:nvSpPr>
-          <p:cNvPr id="6" name="Content Placeholder 5"/>
+              <a:t>Future Work</a:t>
+            </a:r>
+            <a:endParaRPr lang="en-CA" dirty="0"/>
+          </a:p>
+        </p:txBody>
+      </p:sp>
+      <p:sp>
+        <p:nvSpPr>
+          <p:cNvPr id="8" name="Content Placeholder 7"/>
           <p:cNvSpPr>
             <a:spLocks noGrp="1"/>
           </p:cNvSpPr>
@@ -13027,27 +12954,35 @@
           <a:p>
             <a:r>
               <a:rPr lang="en-CA" dirty="0" smtClean="0"/>
-              <a:t>Physical design patterns in traditional relational databases can be adapted to different systems</a:t>
-            </a:r>
-          </a:p>
-          <a:p>
-            <a:r>
-              <a:rPr lang="en-CA" dirty="0" smtClean="0"/>
-              <a:t>B+ Trees are the most popular index structure &amp; have been adapted for the diff. Systems</a:t>
-            </a:r>
-          </a:p>
-          <a:p>
-            <a:r>
-              <a:rPr lang="en-CA" dirty="0" smtClean="0"/>
-              <a:t>Materialized views, partitioning &amp; clustering are very important for performance except for MMDBs</a:t>
-            </a:r>
-            <a:endParaRPr lang="en-CA" dirty="0"/>
-          </a:p>
-        </p:txBody>
-      </p:sp>
-      <p:sp>
-        <p:nvSpPr>
-          <p:cNvPr id="2" name="Date Placeholder 1"/>
+              <a:t>Physical design of industrial systems</a:t>
+            </a:r>
+          </a:p>
+          <a:p>
+            <a:r>
+              <a:rPr lang="en-CA" dirty="0" smtClean="0"/>
+              <a:t>Interplay between systems</a:t>
+            </a:r>
+          </a:p>
+          <a:p>
+            <a:r>
+              <a:rPr lang="en-CA" dirty="0" smtClean="0"/>
+              <a:t>Automating physical design</a:t>
+            </a:r>
+          </a:p>
+          <a:p>
+            <a:r>
+              <a:rPr lang="en-CA" dirty="0" smtClean="0"/>
+              <a:t>List of the open problems in physical design</a:t>
+            </a:r>
+          </a:p>
+          <a:p>
+            <a:endParaRPr lang="en-CA" dirty="0"/>
+          </a:p>
+        </p:txBody>
+      </p:sp>
+      <p:sp>
+        <p:nvSpPr>
+          <p:cNvPr id="4" name="Date Placeholder 3"/>
           <p:cNvSpPr>
             <a:spLocks noGrp="1"/>
           </p:cNvSpPr>
@@ -13061,16 +12996,16 @@
           <a:lstStyle/>
           <a:p>
             <a:r>
-              <a:rPr lang="en-US" smtClean="0"/>
+              <a:rPr lang="en-US" dirty="0" smtClean="0"/>
               <a:t>Physical Design Patterns</a:t>
             </a:r>
-            <a:endParaRPr lang="en-CA"/>
-          </a:p>
-        </p:txBody>
-      </p:sp>
-      <p:sp>
-        <p:nvSpPr>
-          <p:cNvPr id="3" name="Footer Placeholder 2"/>
+            <a:endParaRPr lang="en-CA" dirty="0"/>
+          </a:p>
+        </p:txBody>
+      </p:sp>
+      <p:sp>
+        <p:nvSpPr>
+          <p:cNvPr id="5" name="Footer Placeholder 4"/>
           <p:cNvSpPr>
             <a:spLocks noGrp="1"/>
           </p:cNvSpPr>
@@ -13084,16 +13019,16 @@
           <a:lstStyle/>
           <a:p>
             <a:r>
-              <a:rPr lang="en-CA" smtClean="0"/>
+              <a:rPr lang="en-CA" dirty="0" smtClean="0"/>
               <a:t>Karim Ali &amp; Sarah Nadi</a:t>
             </a:r>
-            <a:endParaRPr lang="en-CA"/>
-          </a:p>
-        </p:txBody>
-      </p:sp>
-      <p:sp>
-        <p:nvSpPr>
-          <p:cNvPr id="4" name="Slide Number Placeholder 3"/>
+            <a:endParaRPr lang="en-CA" dirty="0"/>
+          </a:p>
+        </p:txBody>
+      </p:sp>
+      <p:sp>
+        <p:nvSpPr>
+          <p:cNvPr id="6" name="Slide Number Placeholder 5"/>
           <p:cNvSpPr>
             <a:spLocks noGrp="1"/>
           </p:cNvSpPr>
@@ -13111,7 +13046,7 @@
               <a:pPr/>
               <a:t>43</a:t>
             </a:fld>
-            <a:endParaRPr lang="en-CA"/>
+            <a:endParaRPr lang="en-CA" dirty="0"/>
           </a:p>
         </p:txBody>
       </p:sp>
@@ -13120,13 +13055,6 @@
   <p:clrMapOvr>
     <a:masterClrMapping/>
   </p:clrMapOvr>
-  <p:timing>
-    <p:tnLst>
-      <p:par>
-        <p:cTn id="1" dur="indefinite" restart="never" nodeType="tmRoot"/>
-      </p:par>
-    </p:tnLst>
-  </p:timing>
 </p:sld>
 </file>
 
@@ -13163,10 +13091,10 @@
           <a:lstStyle/>
           <a:p>
             <a:r>
-              <a:rPr lang="en-US" smtClean="0"/>
+              <a:rPr lang="en-US" dirty="0" smtClean="0"/>
               <a:t>Physical Design Patterns</a:t>
             </a:r>
-            <a:endParaRPr lang="en-CA"/>
+            <a:endParaRPr lang="en-CA" dirty="0"/>
           </a:p>
         </p:txBody>
       </p:sp>
@@ -13186,10 +13114,10 @@
           <a:lstStyle/>
           <a:p>
             <a:r>
-              <a:rPr lang="en-CA" smtClean="0"/>
+              <a:rPr lang="en-CA" dirty="0" smtClean="0"/>
               <a:t>Karim Ali &amp; Sarah Nadi</a:t>
             </a:r>
-            <a:endParaRPr lang="en-CA"/>
+            <a:endParaRPr lang="en-CA" dirty="0"/>
           </a:p>
         </p:txBody>
       </p:sp>
@@ -13213,7 +13141,7 @@
               <a:pPr/>
               <a:t>44</a:t>
             </a:fld>
-            <a:endParaRPr lang="en-CA"/>
+            <a:endParaRPr lang="en-CA" dirty="0"/>
           </a:p>
         </p:txBody>
       </p:sp>
@@ -13390,13 +13318,8 @@
             </a:pPr>
             <a:r>
               <a:rPr lang="en-CA" dirty="0" smtClean="0"/>
-              <a:t>Data compression, striping, mirroring &amp; </a:t>
-            </a:r>
-            <a:r>
-              <a:rPr lang="en-CA" dirty="0" err="1" smtClean="0"/>
-              <a:t>denormalization</a:t>
-            </a:r>
-            <a:endParaRPr lang="en-CA" dirty="0" smtClean="0"/>
+              <a:t>Data compression, striping, mirroring &amp; denormalization</a:t>
+            </a:r>
           </a:p>
           <a:p>
             <a:endParaRPr lang="en-CA" dirty="0"/>
@@ -13419,10 +13342,10 @@
           <a:lstStyle/>
           <a:p>
             <a:r>
-              <a:rPr lang="en-US" smtClean="0"/>
+              <a:rPr lang="en-US" dirty="0" smtClean="0"/>
               <a:t>Physical Design Patterns</a:t>
             </a:r>
-            <a:endParaRPr lang="en-CA"/>
+            <a:endParaRPr lang="en-CA" dirty="0"/>
           </a:p>
         </p:txBody>
       </p:sp>
@@ -13442,10 +13365,10 @@
           <a:lstStyle/>
           <a:p>
             <a:r>
-              <a:rPr lang="en-CA" smtClean="0"/>
+              <a:rPr lang="en-CA" dirty="0" smtClean="0"/>
               <a:t>Karim Ali &amp; Sarah Nadi</a:t>
             </a:r>
-            <a:endParaRPr lang="en-CA"/>
+            <a:endParaRPr lang="en-CA" dirty="0"/>
           </a:p>
         </p:txBody>
       </p:sp>
@@ -13469,7 +13392,7 @@
               <a:pPr/>
               <a:t>5</a:t>
             </a:fld>
-            <a:endParaRPr lang="en-CA"/>
+            <a:endParaRPr lang="en-CA" dirty="0"/>
           </a:p>
         </p:txBody>
       </p:sp>
@@ -13478,6 +13401,13 @@
   <p:clrMapOvr>
     <a:masterClrMapping/>
   </p:clrMapOvr>
+  <p:timing>
+    <p:tnLst>
+      <p:par>
+        <p:cTn id="1" dur="indefinite" restart="never" nodeType="tmRoot"/>
+      </p:par>
+    </p:tnLst>
+  </p:timing>
 </p:sld>
 </file>
 
@@ -13560,12 +13490,9 @@
             </a:pPr>
             <a:r>
               <a:rPr lang="en-CA" dirty="0" smtClean="0"/>
-              <a:t>B+ </a:t>
-            </a:r>
-            <a:r>
-              <a:rPr lang="en-CA" dirty="0" smtClean="0"/>
-              <a:t>Trees</a:t>
-            </a:r>
+              <a:t>B+trees</a:t>
+            </a:r>
+            <a:endParaRPr lang="en-CA" dirty="0" smtClean="0"/>
           </a:p>
           <a:p>
             <a:pPr lvl="1">
@@ -13583,10 +13510,9 @@
               <a:buChar char="•"/>
             </a:pPr>
             <a:r>
-              <a:rPr lang="en-CA" dirty="0" err="1" smtClean="0"/>
+              <a:rPr lang="en-CA" dirty="0" smtClean="0"/>
               <a:t>Hashtable</a:t>
             </a:r>
-            <a:endParaRPr lang="en-CA" dirty="0" smtClean="0"/>
           </a:p>
           <a:p>
             <a:pPr lvl="1">
@@ -13617,10 +13543,10 @@
           <a:lstStyle/>
           <a:p>
             <a:r>
-              <a:rPr lang="en-US" smtClean="0"/>
+              <a:rPr lang="en-US" dirty="0" smtClean="0"/>
               <a:t>Physical Design Patterns</a:t>
             </a:r>
-            <a:endParaRPr lang="en-CA"/>
+            <a:endParaRPr lang="en-CA" dirty="0"/>
           </a:p>
         </p:txBody>
       </p:sp>
@@ -13640,10 +13566,10 @@
           <a:lstStyle/>
           <a:p>
             <a:r>
-              <a:rPr lang="en-CA" smtClean="0"/>
+              <a:rPr lang="en-CA" dirty="0" smtClean="0"/>
               <a:t>Karim Ali &amp; Sarah Nadi</a:t>
             </a:r>
-            <a:endParaRPr lang="en-CA"/>
+            <a:endParaRPr lang="en-CA" dirty="0"/>
           </a:p>
         </p:txBody>
       </p:sp>
@@ -13667,7 +13593,7 @@
               <a:pPr/>
               <a:t>6</a:t>
             </a:fld>
-            <a:endParaRPr lang="en-CA"/>
+            <a:endParaRPr lang="en-CA" dirty="0"/>
           </a:p>
         </p:txBody>
       </p:sp>
@@ -13768,10 +13694,10 @@
           <a:lstStyle/>
           <a:p>
             <a:r>
-              <a:rPr lang="en-US" smtClean="0"/>
+              <a:rPr lang="en-US" dirty="0" smtClean="0"/>
               <a:t>Physical Design Patterns</a:t>
             </a:r>
-            <a:endParaRPr lang="en-CA"/>
+            <a:endParaRPr lang="en-CA" dirty="0"/>
           </a:p>
         </p:txBody>
       </p:sp>
@@ -13791,10 +13717,10 @@
           <a:lstStyle/>
           <a:p>
             <a:r>
-              <a:rPr lang="en-CA" smtClean="0"/>
+              <a:rPr lang="en-CA" dirty="0" smtClean="0"/>
               <a:t>Karim Ali &amp; Sarah Nadi</a:t>
             </a:r>
-            <a:endParaRPr lang="en-CA"/>
+            <a:endParaRPr lang="en-CA" dirty="0"/>
           </a:p>
         </p:txBody>
       </p:sp>
@@ -13818,7 +13744,7 @@
               <a:pPr/>
               <a:t>7</a:t>
             </a:fld>
-            <a:endParaRPr lang="en-CA"/>
+            <a:endParaRPr lang="en-CA" dirty="0"/>
           </a:p>
         </p:txBody>
       </p:sp>
@@ -13860,6 +13786,13 @@
   <p:clrMapOvr>
     <a:masterClrMapping/>
   </p:clrMapOvr>
+  <p:timing>
+    <p:tnLst>
+      <p:par>
+        <p:cTn id="1" dur="indefinite" restart="never" nodeType="tmRoot"/>
+      </p:par>
+    </p:tnLst>
+  </p:timing>
 </p:sld>
 </file>
 
@@ -13897,7 +13830,15 @@
           <a:p>
             <a:r>
               <a:rPr lang="en-CA" dirty="0" smtClean="0"/>
-              <a:t>2. Index Structures </a:t>
+              <a:t>1</a:t>
+            </a:r>
+            <a:r>
+              <a:rPr lang="en-CA" dirty="0" smtClean="0"/>
+              <a:t>. </a:t>
+            </a:r>
+            <a:r>
+              <a:rPr lang="en-CA" dirty="0" smtClean="0"/>
+              <a:t>Index Structures </a:t>
             </a:r>
             <a:r>
               <a:rPr lang="en-CA" sz="2400" i="1" dirty="0" smtClean="0"/>
@@ -13923,10 +13864,10 @@
           <a:lstStyle/>
           <a:p>
             <a:r>
-              <a:rPr lang="en-US" smtClean="0"/>
+              <a:rPr lang="en-US" dirty="0" smtClean="0"/>
               <a:t>Physical Design Patterns</a:t>
             </a:r>
-            <a:endParaRPr lang="en-CA"/>
+            <a:endParaRPr lang="en-CA" dirty="0"/>
           </a:p>
         </p:txBody>
       </p:sp>
@@ -13946,10 +13887,10 @@
           <a:lstStyle/>
           <a:p>
             <a:r>
-              <a:rPr lang="en-CA" smtClean="0"/>
+              <a:rPr lang="en-CA" dirty="0" smtClean="0"/>
               <a:t>Karim Ali &amp; Sarah Nadi</a:t>
             </a:r>
-            <a:endParaRPr lang="en-CA"/>
+            <a:endParaRPr lang="en-CA" dirty="0"/>
           </a:p>
         </p:txBody>
       </p:sp>
@@ -13973,7 +13914,7 @@
               <a:pPr/>
               <a:t>8</a:t>
             </a:fld>
-            <a:endParaRPr lang="en-CA"/>
+            <a:endParaRPr lang="en-CA" dirty="0"/>
           </a:p>
         </p:txBody>
       </p:sp>
@@ -14066,7 +14007,7 @@
                     <a:lstStyle/>
                     <a:p>
                       <a:r>
-                        <a:rPr lang="en-CA" b="1" dirty="0" err="1" smtClean="0"/>
+                        <a:rPr lang="en-CA" b="1" dirty="0" smtClean="0"/>
                         <a:t>B+tree</a:t>
                       </a:r>
                       <a:endParaRPr lang="en-CA" b="1" dirty="0"/>
@@ -14197,15 +14138,7 @@
                       </a:pPr>
                       <a:r>
                         <a:rPr lang="en-CA" sz="1600" baseline="0" dirty="0" smtClean="0"/>
-                        <a:t> Bit array data structure (</a:t>
-                      </a:r>
-                      <a:r>
-                        <a:rPr lang="en-CA" sz="1600" baseline="0" dirty="0" err="1" smtClean="0"/>
-                        <a:t>bitset</a:t>
-                      </a:r>
-                      <a:r>
-                        <a:rPr lang="en-CA" sz="1600" baseline="0" dirty="0" smtClean="0"/>
-                        <a:t>, bitmap)</a:t>
+                        <a:t> Bit array data structure (bitset, bitmap)</a:t>
                       </a:r>
                       <a:endParaRPr lang="en-CA" sz="1600" dirty="0"/>
                     </a:p>
@@ -14223,7 +14156,15 @@
                       </a:pPr>
                       <a:r>
                         <a:rPr lang="en-CA" sz="1600" dirty="0" smtClean="0"/>
-                        <a:t> Outperforms B+ trees for low cardinality attributes (e.g. Gender)</a:t>
+                        <a:t> Outperforms </a:t>
+                      </a:r>
+                      <a:r>
+                        <a:rPr lang="en-CA" sz="1600" dirty="0" smtClean="0"/>
+                        <a:t>B+trees </a:t>
+                      </a:r>
+                      <a:r>
+                        <a:rPr lang="en-CA" sz="1600" dirty="0" smtClean="0"/>
+                        <a:t>for low cardinality attributes (e.g. Gender)</a:t>
                       </a:r>
                     </a:p>
                     <a:p>
@@ -14292,6 +14233,13 @@
   <p:clrMapOvr>
     <a:masterClrMapping/>
   </p:clrMapOvr>
+  <p:timing>
+    <p:tnLst>
+      <p:par>
+        <p:cTn id="1" dur="indefinite" restart="never" nodeType="tmRoot"/>
+      </p:par>
+    </p:tnLst>
+  </p:timing>
 </p:sld>
 </file>
 
@@ -14392,10 +14340,10 @@
           <a:lstStyle/>
           <a:p>
             <a:r>
-              <a:rPr lang="en-US" smtClean="0"/>
+              <a:rPr lang="en-US" dirty="0" smtClean="0"/>
               <a:t>Physical Design Patterns</a:t>
             </a:r>
-            <a:endParaRPr lang="en-CA"/>
+            <a:endParaRPr lang="en-CA" dirty="0"/>
           </a:p>
         </p:txBody>
       </p:sp>
@@ -14415,10 +14363,10 @@
           <a:lstStyle/>
           <a:p>
             <a:r>
-              <a:rPr lang="en-CA" smtClean="0"/>
+              <a:rPr lang="en-CA" dirty="0" smtClean="0"/>
               <a:t>Karim Ali &amp; Sarah Nadi</a:t>
             </a:r>
-            <a:endParaRPr lang="en-CA"/>
+            <a:endParaRPr lang="en-CA" dirty="0"/>
           </a:p>
         </p:txBody>
       </p:sp>
@@ -14442,7 +14390,7 @@
               <a:pPr/>
               <a:t>9</a:t>
             </a:fld>
-            <a:endParaRPr lang="en-CA"/>
+            <a:endParaRPr lang="en-CA" dirty="0"/>
           </a:p>
         </p:txBody>
       </p:sp>

--- a/trunk/cs848-db/PhysDesignPres.pptx
+++ b/trunk/cs848-db/PhysDesignPres.pptx
@@ -4401,7 +4401,10 @@
             </a:r>
           </a:p>
           <a:p>
-            <a:pPr lvl="2"/>
+            <a:pPr lvl="1">
+              <a:buFont typeface="Arial" pitchFamily="34" charset="0"/>
+              <a:buChar char="•"/>
+            </a:pPr>
             <a:r>
               <a:rPr lang="en-CA" i="1" dirty="0" smtClean="0"/>
               <a:t>Horizontal Partitioning: </a:t>
@@ -4412,7 +4415,10 @@
             </a:r>
           </a:p>
           <a:p>
-            <a:pPr lvl="2"/>
+            <a:pPr lvl="1">
+              <a:buFont typeface="Arial" pitchFamily="34" charset="0"/>
+              <a:buChar char="•"/>
+            </a:pPr>
             <a:r>
               <a:rPr lang="en-CA" i="1" dirty="0" smtClean="0"/>
               <a:t>Single Vertical Partitioning</a:t>
@@ -4583,7 +4589,7 @@
         <a:graphic>
           <a:graphicData uri="http://schemas.openxmlformats.org/drawingml/2006/table">
             <a:tbl>
-              <a:tblPr firstRow="1" bandRow="1">
+              <a:tblPr firstRow="1" firstCol="1" bandRow="1">
                 <a:tableStyleId>{5C22544A-7EE6-4342-B048-85BDC9FD1C3A}</a:tableStyleId>
               </a:tblPr>
               <a:tblGrid>
@@ -4959,13 +4965,8 @@
                       </a:pPr>
                       <a:r>
                         <a:rPr lang="en-CA" dirty="0" smtClean="0"/>
-                        <a:t>- </a:t>
-                      </a:r>
-                      <a:r>
-                        <a:rPr lang="en-CA" dirty="0" smtClean="0"/>
-                        <a:t>Zip code</a:t>
-                      </a:r>
-                      <a:endParaRPr lang="en-CA" dirty="0" smtClean="0"/>
+                        <a:t>- Zip code</a:t>
+                      </a:r>
                     </a:p>
                     <a:p>
                       <a:pPr algn="ctr">
@@ -5308,7 +5309,7 @@
         <p:spPr/>
         <p:txBody>
           <a:bodyPr>
-            <a:normAutofit fontScale="92500" lnSpcReduction="10000"/>
+            <a:normAutofit fontScale="85000" lnSpcReduction="10000"/>
           </a:bodyPr>
           <a:lstStyle/>
           <a:p>
@@ -5318,14 +5319,20 @@
             </a:r>
           </a:p>
           <a:p>
-            <a:pPr lvl="2"/>
+            <a:pPr lvl="1">
+              <a:buFont typeface="Arial" pitchFamily="34" charset="0"/>
+              <a:buChar char="•"/>
+            </a:pPr>
             <a:r>
               <a:rPr lang="en-CA" dirty="0" smtClean="0"/>
               <a:t>Efficiency of access</a:t>
             </a:r>
           </a:p>
           <a:p>
-            <a:pPr lvl="2"/>
+            <a:pPr lvl="1">
+              <a:buFont typeface="Arial" pitchFamily="34" charset="0"/>
+              <a:buChar char="•"/>
+            </a:pPr>
             <a:r>
               <a:rPr lang="en-CA" dirty="0" smtClean="0"/>
               <a:t>Resource utilization</a:t>
@@ -5344,21 +5351,30 @@
             </a:r>
           </a:p>
           <a:p>
-            <a:pPr lvl="2"/>
+            <a:pPr lvl="1">
+              <a:buFont typeface="Arial" pitchFamily="34" charset="0"/>
+              <a:buChar char="•"/>
+            </a:pPr>
             <a:r>
               <a:rPr lang="en-CA" dirty="0" smtClean="0"/>
               <a:t>Very useful for multidimensional queries (e.g. group by)</a:t>
             </a:r>
           </a:p>
           <a:p>
-            <a:pPr lvl="2"/>
+            <a:pPr lvl="1">
+              <a:buFont typeface="Arial" pitchFamily="34" charset="0"/>
+              <a:buChar char="•"/>
+            </a:pPr>
             <a:r>
               <a:rPr lang="en-CA" dirty="0" smtClean="0"/>
               <a:t>Reduced I/O operations</a:t>
             </a:r>
           </a:p>
           <a:p>
-            <a:pPr lvl="2"/>
+            <a:pPr lvl="1">
+              <a:buFont typeface="Arial" pitchFamily="34" charset="0"/>
+              <a:buChar char="•"/>
+            </a:pPr>
             <a:r>
               <a:rPr lang="en-CA" dirty="0" smtClean="0"/>
               <a:t>Reduce CPU cost</a:t>
@@ -5371,7 +5387,13 @@
             </a:r>
           </a:p>
           <a:p>
-            <a:pPr lvl="2"/>
+            <a:pPr lvl="1">
+              <a:lnSpc>
+                <a:spcPct val="110000"/>
+              </a:lnSpc>
+              <a:buFont typeface="Arial" pitchFamily="34" charset="0"/>
+              <a:buChar char="•"/>
+            </a:pPr>
             <a:r>
               <a:rPr lang="en-CA" dirty="0" smtClean="0"/>
               <a:t>Difficult to define clustering keys, clustering scheme, and the granularity of clustering</a:t>
@@ -6187,7 +6209,7 @@
         <p:spPr/>
         <p:txBody>
           <a:bodyPr>
-            <a:normAutofit lnSpcReduction="10000"/>
+            <a:normAutofit fontScale="92500" lnSpcReduction="20000"/>
           </a:bodyPr>
           <a:lstStyle/>
           <a:p>
@@ -6197,7 +6219,10 @@
             </a:r>
           </a:p>
           <a:p>
-            <a:pPr lvl="2"/>
+            <a:pPr lvl="1">
+              <a:buFont typeface="Arial" pitchFamily="34" charset="0"/>
+              <a:buChar char="•"/>
+            </a:pPr>
             <a:r>
               <a:rPr lang="en-CA" dirty="0" smtClean="0"/>
               <a:t>Reduce overall computation time without using too much extra space</a:t>
@@ -6210,21 +6235,30 @@
             </a:r>
           </a:p>
           <a:p>
-            <a:pPr lvl="2"/>
+            <a:pPr lvl="1">
+              <a:buFont typeface="Arial" pitchFamily="34" charset="0"/>
+              <a:buChar char="•"/>
+            </a:pPr>
             <a:r>
               <a:rPr lang="en-CA" dirty="0" smtClean="0"/>
               <a:t>I/O operations are cheaper</a:t>
             </a:r>
           </a:p>
           <a:p>
-            <a:pPr lvl="2"/>
+            <a:pPr lvl="1">
+              <a:buFont typeface="Arial" pitchFamily="34" charset="0"/>
+              <a:buChar char="•"/>
+            </a:pPr>
             <a:r>
               <a:rPr lang="en-CA" dirty="0" smtClean="0"/>
               <a:t>Should be cache conscious</a:t>
             </a:r>
           </a:p>
           <a:p>
-            <a:pPr lvl="2"/>
+            <a:pPr lvl="1">
+              <a:buFont typeface="Arial" pitchFamily="34" charset="0"/>
+              <a:buChar char="•"/>
+            </a:pPr>
             <a:r>
               <a:rPr lang="en-CA" dirty="0" smtClean="0"/>
               <a:t>No need to store data in the index structure</a:t>
@@ -6237,22 +6271,30 @@
             </a:r>
           </a:p>
           <a:p>
-            <a:pPr lvl="2"/>
+            <a:pPr lvl="1">
+              <a:buFont typeface="Arial" pitchFamily="34" charset="0"/>
+              <a:buChar char="•"/>
+            </a:pPr>
             <a:r>
               <a:rPr lang="en-CA" dirty="0" smtClean="0"/>
               <a:t>B+trees</a:t>
             </a:r>
-            <a:endParaRPr lang="en-CA" dirty="0" smtClean="0"/>
-          </a:p>
-          <a:p>
-            <a:pPr lvl="2"/>
+          </a:p>
+          <a:p>
+            <a:pPr lvl="1">
+              <a:buFont typeface="Arial" pitchFamily="34" charset="0"/>
+              <a:buChar char="•"/>
+            </a:pPr>
             <a:r>
               <a:rPr lang="en-CA" dirty="0" smtClean="0"/>
               <a:t>T Trees</a:t>
             </a:r>
           </a:p>
           <a:p>
-            <a:pPr lvl="2"/>
+            <a:pPr lvl="1">
+              <a:buFont typeface="Arial" pitchFamily="34" charset="0"/>
+              <a:buChar char="•"/>
+            </a:pPr>
             <a:r>
               <a:rPr lang="en-CA" dirty="0" smtClean="0"/>
               <a:t>Search Trees</a:t>
@@ -6494,7 +6536,7 @@
                     <a:bodyPr/>
                     <a:lstStyle/>
                     <a:p>
-                      <a:endParaRPr lang="en-CA" dirty="0"/>
+                      <a:endParaRPr lang="en-CA" i="0" dirty="0"/>
                     </a:p>
                   </a:txBody>
                   <a:tcPr/>
@@ -6539,10 +6581,10 @@
                     <a:lstStyle/>
                     <a:p>
                       <a:r>
-                        <a:rPr lang="en-CA" sz="1600" b="1" dirty="0" smtClean="0"/>
+                        <a:rPr lang="en-CA" sz="1600" b="1" i="0" dirty="0" smtClean="0"/>
                         <a:t>B+tree</a:t>
                       </a:r>
-                      <a:endParaRPr lang="en-CA" sz="1600" b="1" dirty="0"/>
+                      <a:endParaRPr lang="en-CA" sz="1600" b="1" i="0" dirty="0"/>
                     </a:p>
                   </a:txBody>
                   <a:tcPr/>
@@ -6605,30 +6647,18 @@
                     <a:lstStyle/>
                     <a:p>
                       <a:r>
-                        <a:rPr lang="en-CA" sz="1600" b="1" dirty="0" smtClean="0"/>
-                        <a:t>Cache Sensitive </a:t>
-                      </a:r>
-                      <a:r>
-                        <a:rPr lang="en-CA" sz="1600" b="1" dirty="0" smtClean="0"/>
-                        <a:t>B+tree</a:t>
-                      </a:r>
-                      <a:r>
-                        <a:rPr lang="en-CA" sz="1600" b="1" baseline="0" dirty="0" smtClean="0"/>
+                        <a:rPr lang="en-CA" sz="1600" b="1" i="0" dirty="0" smtClean="0"/>
+                        <a:t>Cache Sensitive B+tree</a:t>
+                      </a:r>
+                      <a:r>
+                        <a:rPr lang="en-CA" sz="1600" b="1" i="0" baseline="0" dirty="0" smtClean="0"/>
                         <a:t> </a:t>
                       </a:r>
                       <a:r>
-                        <a:rPr lang="en-CA" sz="1600" b="1" dirty="0" smtClean="0"/>
-                        <a:t>(</a:t>
-                      </a:r>
-                      <a:r>
-                        <a:rPr lang="en-CA" sz="1600" b="1" dirty="0" smtClean="0"/>
-                        <a:t>CSB+tree</a:t>
-                      </a:r>
-                      <a:r>
-                        <a:rPr lang="en-CA" sz="1600" b="1" dirty="0" smtClean="0"/>
-                        <a:t>)</a:t>
-                      </a:r>
-                      <a:endParaRPr lang="en-CA" sz="1600" b="1" dirty="0"/>
+                        <a:rPr lang="en-CA" sz="1600" b="1" i="0" dirty="0" smtClean="0"/>
+                        <a:t>(CSB+tree)</a:t>
+                      </a:r>
+                      <a:endParaRPr lang="en-CA" sz="1600" b="1" i="0" dirty="0"/>
                     </a:p>
                   </a:txBody>
                   <a:tcPr/>
@@ -6644,11 +6674,7 @@
                       </a:pPr>
                       <a:r>
                         <a:rPr lang="en-CA" sz="1600" dirty="0" smtClean="0"/>
-                        <a:t> Same features of </a:t>
-                      </a:r>
-                      <a:r>
-                        <a:rPr lang="en-CA" sz="1600" dirty="0" smtClean="0"/>
-                        <a:t>B+trees</a:t>
+                        <a:t> Same features of B+trees</a:t>
                       </a:r>
                       <a:endParaRPr lang="en-CA" sz="1600" dirty="0"/>
                     </a:p>
@@ -6685,10 +6711,10 @@
                     <a:lstStyle/>
                     <a:p>
                       <a:r>
-                        <a:rPr lang="en-CA" sz="1600" b="1" dirty="0" smtClean="0"/>
+                        <a:rPr lang="en-CA" sz="1600" b="1" i="0" dirty="0" smtClean="0"/>
                         <a:t>T Tree</a:t>
                       </a:r>
-                      <a:endParaRPr lang="en-CA" sz="1600" b="1" dirty="0"/>
+                      <a:endParaRPr lang="en-CA" sz="1600" b="1" i="0" dirty="0"/>
                     </a:p>
                   </a:txBody>
                   <a:tcPr/>
@@ -6732,18 +6758,7 @@
                           <a:ea typeface="+mn-ea"/>
                           <a:cs typeface="+mn-cs"/>
                         </a:rPr>
-                        <a:t> Good update &amp; storage characteristics of </a:t>
-                      </a:r>
-                      <a:r>
-                        <a:rPr kumimoji="0" lang="en-CA" sz="1600" kern="1200" baseline="0" dirty="0" smtClean="0">
-                          <a:solidFill>
-                            <a:schemeClr val="dk1"/>
-                          </a:solidFill>
-                          <a:latin typeface="+mn-lt"/>
-                          <a:ea typeface="+mn-ea"/>
-                          <a:cs typeface="+mn-cs"/>
-                        </a:rPr>
-                        <a:t>B-tree</a:t>
+                        <a:t> Good update &amp; storage characteristics of B-tree</a:t>
                       </a:r>
                       <a:endParaRPr lang="en-CA" sz="1600" dirty="0"/>
                     </a:p>
@@ -6780,14 +6795,14 @@
                     <a:lstStyle/>
                     <a:p>
                       <a:r>
-                        <a:rPr lang="en-CA" sz="1600" b="1" dirty="0" smtClean="0"/>
+                        <a:rPr lang="en-CA" sz="1600" b="1" i="0" dirty="0" smtClean="0"/>
                         <a:t>Cache</a:t>
                       </a:r>
                       <a:r>
-                        <a:rPr lang="en-CA" sz="1600" b="1" baseline="0" dirty="0" smtClean="0"/>
+                        <a:rPr lang="en-CA" sz="1600" b="1" i="0" baseline="0" dirty="0" smtClean="0"/>
                         <a:t> Sensitive T Tree (CST Tree)</a:t>
                       </a:r>
-                      <a:endParaRPr lang="en-CA" sz="1600" b="1" dirty="0"/>
+                      <a:endParaRPr lang="en-CA" sz="1600" b="1" i="0" dirty="0"/>
                     </a:p>
                   </a:txBody>
                   <a:tcPr/>
@@ -7139,7 +7154,6 @@
               <a:rPr lang="en-CA" dirty="0" smtClean="0"/>
               <a:t>XML Databases</a:t>
             </a:r>
-            <a:endParaRPr lang="en-CA" dirty="0" smtClean="0"/>
           </a:p>
           <a:p>
             <a:pPr marL="1225296" lvl="2" indent="-457200">
@@ -7156,7 +7170,6 @@
               <a:rPr lang="en-CA" dirty="0" smtClean="0"/>
               <a:t>Conclusions &amp; Future Work</a:t>
             </a:r>
-            <a:endParaRPr lang="en-CA" dirty="0" smtClean="0"/>
           </a:p>
           <a:p>
             <a:endParaRPr lang="en-CA" dirty="0"/>
@@ -7295,11 +7308,7 @@
             </a:br>
             <a:r>
               <a:rPr lang="en-CA" dirty="0" smtClean="0"/>
-              <a:t>3. </a:t>
-            </a:r>
-            <a:r>
-              <a:rPr lang="en-CA" dirty="0" smtClean="0"/>
-              <a:t>Partitioning</a:t>
+              <a:t>3. Partitioning</a:t>
             </a:r>
             <a:endParaRPr lang="en-CA" dirty="0"/>
           </a:p>
@@ -7633,15 +7642,7 @@
           <a:p>
             <a:r>
               <a:rPr lang="en-CA" dirty="0" smtClean="0"/>
-              <a:t>2</a:t>
-            </a:r>
-            <a:r>
-              <a:rPr lang="en-CA" dirty="0" smtClean="0"/>
-              <a:t>. </a:t>
-            </a:r>
-            <a:r>
-              <a:rPr lang="en-CA" dirty="0" smtClean="0"/>
-              <a:t>XML Databases (XML DBs)</a:t>
+              <a:t>2. XML Databases (XML DBs)</a:t>
             </a:r>
             <a:endParaRPr lang="en-CA" dirty="0"/>
           </a:p>
@@ -8924,15 +8925,7 @@
           <a:p>
             <a:r>
               <a:rPr lang="en-CA" dirty="0" smtClean="0"/>
-              <a:t>3</a:t>
-            </a:r>
-            <a:r>
-              <a:rPr lang="en-CA" dirty="0" smtClean="0"/>
-              <a:t>. </a:t>
-            </a:r>
-            <a:r>
-              <a:rPr lang="en-CA" dirty="0" smtClean="0"/>
-              <a:t>Data Warehouses</a:t>
+              <a:t>3. Data Warehouses</a:t>
             </a:r>
             <a:endParaRPr lang="en-CA" dirty="0"/>
           </a:p>
@@ -9282,35 +9275,41 @@
             </a:r>
           </a:p>
           <a:p>
-            <a:pPr lvl="2">
-              <a:buClr>
-                <a:srgbClr val="E66C7D"/>
-              </a:buClr>
+            <a:pPr lvl="1">
+              <a:lnSpc>
+                <a:spcPct val="90000"/>
+              </a:lnSpc>
+              <a:buFont typeface="Arial" pitchFamily="34" charset="0"/>
+              <a:buChar char="•"/>
             </a:pPr>
             <a:r>
-              <a:rPr lang="en-CA" dirty="0" smtClean="0"/>
+              <a:rPr lang="en-CA" sz="2600" dirty="0" smtClean="0"/>
               <a:t>Retail: user profiling</a:t>
             </a:r>
           </a:p>
           <a:p>
-            <a:pPr lvl="2">
-              <a:buClr>
-                <a:srgbClr val="E66C7D"/>
-              </a:buClr>
+            <a:pPr lvl="1">
+              <a:lnSpc>
+                <a:spcPct val="90000"/>
+              </a:lnSpc>
+              <a:buFont typeface="Arial" pitchFamily="34" charset="0"/>
+              <a:buChar char="•"/>
             </a:pPr>
             <a:r>
-              <a:rPr lang="en-CA" dirty="0" smtClean="0"/>
+              <a:rPr lang="en-CA" sz="2600" dirty="0" smtClean="0"/>
               <a:t>Finance: claims analysis, risk analysis, credit card analysis, and fraud detection</a:t>
             </a:r>
           </a:p>
           <a:p>
-            <a:pPr lvl="2">
-              <a:buClr>
-                <a:srgbClr val="E66C7D"/>
-              </a:buClr>
+            <a:pPr lvl="1">
+              <a:lnSpc>
+                <a:spcPct val="90000"/>
+              </a:lnSpc>
+              <a:buFont typeface="Arial" pitchFamily="34" charset="0"/>
+              <a:buChar char="•"/>
             </a:pPr>
             <a:r>
-              <a:rPr lang="en-CA" dirty="0" smtClean="0"/>
+              <a:rPr lang="en-CA" sz="2600" dirty="0" smtClean="0"/>
               <a:t>Healthcare: outcomes analysis</a:t>
             </a:r>
           </a:p>
@@ -9698,7 +9697,7 @@
           </p:nvPr>
         </p:nvGraphicFramePr>
         <p:xfrm>
-          <a:off x="1643042" y="2257118"/>
+          <a:off x="1543072" y="2257118"/>
           <a:ext cx="6172200" cy="2672080"/>
         </p:xfrm>
         <a:graphic>
@@ -10299,16 +10298,28 @@
             </a:r>
           </a:p>
           <a:p>
-            <a:pPr lvl="2"/>
-            <a:r>
-              <a:rPr lang="en-CA" dirty="0" smtClean="0"/>
+            <a:pPr lvl="1">
+              <a:lnSpc>
+                <a:spcPct val="90000"/>
+              </a:lnSpc>
+              <a:buFont typeface="Arial" pitchFamily="34" charset="0"/>
+              <a:buChar char="•"/>
+            </a:pPr>
+            <a:r>
+              <a:rPr lang="en-CA" sz="2600" dirty="0" smtClean="0"/>
               <a:t>Extremely large</a:t>
             </a:r>
           </a:p>
           <a:p>
-            <a:pPr lvl="2"/>
-            <a:r>
-              <a:rPr lang="en-CA" dirty="0" smtClean="0"/>
+            <a:pPr lvl="1">
+              <a:lnSpc>
+                <a:spcPct val="90000"/>
+              </a:lnSpc>
+              <a:buFont typeface="Arial" pitchFamily="34" charset="0"/>
+              <a:buChar char="•"/>
+            </a:pPr>
+            <a:r>
+              <a:rPr lang="en-CA" sz="2600" dirty="0" smtClean="0"/>
               <a:t>Multi-dimensional</a:t>
             </a:r>
           </a:p>
@@ -10331,9 +10342,15 @@
             </a:r>
           </a:p>
           <a:p>
-            <a:pPr lvl="2"/>
-            <a:r>
-              <a:rPr lang="en-CA" dirty="0" smtClean="0"/>
+            <a:pPr lvl="1">
+              <a:lnSpc>
+                <a:spcPct val="90000"/>
+              </a:lnSpc>
+              <a:buFont typeface="Arial" pitchFamily="34" charset="0"/>
+              <a:buChar char="•"/>
+            </a:pPr>
+            <a:r>
+              <a:rPr lang="en-CA" sz="2600" dirty="0" smtClean="0"/>
               <a:t>The fact table participates in every join</a:t>
             </a:r>
           </a:p>
@@ -10464,11 +10481,7 @@
             </a:br>
             <a:r>
               <a:rPr lang="en-CA" dirty="0" smtClean="0"/>
-              <a:t>1. </a:t>
-            </a:r>
-            <a:r>
-              <a:rPr lang="en-CA" dirty="0" smtClean="0"/>
-              <a:t>Index Structures </a:t>
+              <a:t>1. Index Structures </a:t>
             </a:r>
             <a:endParaRPr lang="en-CA" dirty="0"/>
           </a:p>
@@ -10563,8 +10576,8 @@
                 <a:tableStyleId>{5C22544A-7EE6-4342-B048-85BDC9FD1C3A}</a:tableStyleId>
               </a:tblPr>
               <a:tblGrid>
-                <a:gridCol w="1668995"/>
-                <a:gridCol w="2641057"/>
+                <a:gridCol w="1738284"/>
+                <a:gridCol w="2571768"/>
                 <a:gridCol w="2351511"/>
                 <a:gridCol w="2220521"/>
               </a:tblGrid>
@@ -10574,7 +10587,7 @@
                     <a:bodyPr/>
                     <a:lstStyle/>
                     <a:p>
-                      <a:endParaRPr lang="en-CA" dirty="0"/>
+                      <a:endParaRPr lang="en-CA" i="0" dirty="0"/>
                     </a:p>
                   </a:txBody>
                   <a:tcPr/>
@@ -10629,30 +10642,14 @@
                     <a:lstStyle/>
                     <a:p>
                       <a:r>
-                        <a:rPr lang="en-CA" b="1" dirty="0" smtClean="0"/>
+                        <a:rPr lang="en-CA" b="1" i="0" dirty="0" smtClean="0"/>
                         <a:t>Universal</a:t>
                       </a:r>
                       <a:r>
-                        <a:rPr lang="en-CA" b="1" baseline="0" dirty="0" smtClean="0"/>
-                        <a:t> </a:t>
-                      </a:r>
-                      <a:r>
-                        <a:rPr lang="en-CA" b="1" baseline="0" dirty="0" smtClean="0"/>
-                        <a:t>B+trees </a:t>
-                      </a:r>
-                      <a:r>
-                        <a:rPr lang="en-CA" b="1" baseline="0" dirty="0" smtClean="0"/>
-                        <a:t>(</a:t>
-                      </a:r>
-                      <a:r>
-                        <a:rPr lang="en-CA" b="1" baseline="0" dirty="0" smtClean="0"/>
-                        <a:t>UB+trees</a:t>
-                      </a:r>
-                      <a:r>
-                        <a:rPr lang="en-CA" b="1" baseline="0" dirty="0" smtClean="0"/>
-                        <a:t>)</a:t>
-                      </a:r>
-                      <a:endParaRPr lang="en-CA" b="1" dirty="0"/>
+                        <a:rPr lang="en-CA" b="1" i="0" baseline="0" dirty="0" smtClean="0"/>
+                        <a:t> B+trees (UB+trees)</a:t>
+                      </a:r>
+                      <a:endParaRPr lang="en-CA" b="1" i="0" dirty="0"/>
                     </a:p>
                   </a:txBody>
                   <a:tcPr/>
@@ -10668,13 +10665,8 @@
                       </a:pPr>
                       <a:r>
                         <a:rPr lang="en-CA" sz="1600" baseline="0" dirty="0" smtClean="0"/>
-                        <a:t> Variation of </a:t>
-                      </a:r>
-                      <a:r>
-                        <a:rPr lang="en-CA" sz="1600" baseline="0" dirty="0" smtClean="0"/>
-                        <a:t>B+trees</a:t>
-                      </a:r>
-                      <a:endParaRPr lang="en-CA" sz="1600" baseline="0" dirty="0" smtClean="0"/>
+                        <a:t> Variation of B+trees</a:t>
+                      </a:r>
                     </a:p>
                     <a:p>
                       <a:pPr>
@@ -10778,10 +10770,10 @@
                     <a:lstStyle/>
                     <a:p>
                       <a:r>
-                        <a:rPr lang="en-CA" b="1" dirty="0" smtClean="0"/>
+                        <a:rPr lang="en-CA" b="1" i="0" dirty="0" smtClean="0"/>
                         <a:t> Bitmap Index</a:t>
                       </a:r>
-                      <a:endParaRPr lang="en-CA" b="1" dirty="0"/>
+                      <a:endParaRPr lang="en-CA" b="1" i="0" dirty="0"/>
                     </a:p>
                   </a:txBody>
                   <a:tcPr/>
@@ -10862,10 +10854,10 @@
                     <a:lstStyle/>
                     <a:p>
                       <a:r>
-                        <a:rPr lang="en-CA" b="1" dirty="0" smtClean="0"/>
+                        <a:rPr lang="en-CA" b="1" i="0" dirty="0" smtClean="0"/>
                         <a:t>Projection Index</a:t>
                       </a:r>
-                      <a:endParaRPr lang="en-CA" b="1" dirty="0"/>
+                      <a:endParaRPr lang="en-CA" b="1" i="0" dirty="0"/>
                     </a:p>
                   </a:txBody>
                   <a:tcPr/>
@@ -11033,23 +11025,32 @@
             </a:r>
           </a:p>
           <a:p>
-            <a:pPr lvl="2"/>
-            <a:r>
-              <a:rPr lang="en-CA" dirty="0" smtClean="0"/>
+            <a:pPr lvl="1">
+              <a:buFont typeface="Arial" pitchFamily="34" charset="0"/>
+              <a:buChar char="•"/>
+            </a:pPr>
+            <a:r>
+              <a:rPr lang="en-CA" sz="2600" dirty="0" smtClean="0"/>
               <a:t>Workload characteristics</a:t>
             </a:r>
           </a:p>
           <a:p>
-            <a:pPr lvl="2"/>
-            <a:r>
-              <a:rPr lang="en-CA" dirty="0" smtClean="0"/>
+            <a:pPr lvl="1">
+              <a:buFont typeface="Arial" pitchFamily="34" charset="0"/>
+              <a:buChar char="•"/>
+            </a:pPr>
+            <a:r>
+              <a:rPr lang="en-CA" sz="2600" dirty="0" smtClean="0"/>
               <a:t>Cost for incremental update</a:t>
             </a:r>
           </a:p>
           <a:p>
-            <a:pPr lvl="2"/>
-            <a:r>
-              <a:rPr lang="en-CA" dirty="0" smtClean="0"/>
+            <a:pPr lvl="1">
+              <a:buFont typeface="Arial" pitchFamily="34" charset="0"/>
+              <a:buChar char="•"/>
+            </a:pPr>
+            <a:r>
+              <a:rPr lang="en-CA" sz="2600" dirty="0" smtClean="0"/>
               <a:t>Storage requirements</a:t>
             </a:r>
           </a:p>
@@ -11060,23 +11061,32 @@
             </a:r>
           </a:p>
           <a:p>
-            <a:pPr lvl="2"/>
-            <a:r>
-              <a:rPr lang="en-CA" dirty="0" smtClean="0"/>
+            <a:pPr lvl="1">
+              <a:buFont typeface="Arial" pitchFamily="34" charset="0"/>
+              <a:buChar char="•"/>
+            </a:pPr>
+            <a:r>
+              <a:rPr lang="en-CA" sz="2600" dirty="0" smtClean="0"/>
               <a:t>Behaves like an index</a:t>
             </a:r>
           </a:p>
           <a:p>
-            <a:pPr lvl="2"/>
-            <a:r>
-              <a:rPr lang="en-CA" dirty="0" smtClean="0"/>
+            <a:pPr lvl="1">
+              <a:buFont typeface="Arial" pitchFamily="34" charset="0"/>
+              <a:buChar char="•"/>
+            </a:pPr>
+            <a:r>
+              <a:rPr lang="en-CA" sz="2600" dirty="0" smtClean="0"/>
               <a:t>Improves performance through fast lookups</a:t>
             </a:r>
           </a:p>
           <a:p>
-            <a:pPr lvl="2"/>
-            <a:r>
-              <a:rPr lang="en-CA" dirty="0" smtClean="0"/>
+            <a:pPr lvl="1">
+              <a:buFont typeface="Arial" pitchFamily="34" charset="0"/>
+              <a:buChar char="•"/>
+            </a:pPr>
+            <a:r>
+              <a:rPr lang="en-CA" sz="2600" dirty="0" smtClean="0"/>
               <a:t>Useful for rollup and drilldown operations</a:t>
             </a:r>
           </a:p>
@@ -11087,9 +11097,12 @@
             </a:r>
           </a:p>
           <a:p>
-            <a:pPr lvl="2"/>
-            <a:r>
-              <a:rPr lang="en-CA" dirty="0" smtClean="0"/>
+            <a:pPr lvl="1">
+              <a:buFont typeface="Arial" pitchFamily="34" charset="0"/>
+              <a:buChar char="•"/>
+            </a:pPr>
+            <a:r>
+              <a:rPr lang="en-CA" sz="2600" dirty="0" smtClean="0"/>
               <a:t>Not applicable to all queries (e.g. ad-hoc queries)</a:t>
             </a:r>
           </a:p>
@@ -11252,7 +11265,7 @@
         </p:spPr>
         <p:txBody>
           <a:bodyPr>
-            <a:normAutofit fontScale="92500" lnSpcReduction="20000"/>
+            <a:normAutofit fontScale="70000" lnSpcReduction="20000"/>
           </a:bodyPr>
           <a:lstStyle/>
           <a:p>
@@ -11274,28 +11287,52 @@
             </a:r>
           </a:p>
           <a:p>
-            <a:pPr lvl="2"/>
+            <a:pPr lvl="1">
+              <a:lnSpc>
+                <a:spcPct val="110000"/>
+              </a:lnSpc>
+              <a:buFont typeface="Arial" pitchFamily="34" charset="0"/>
+              <a:buChar char="•"/>
+            </a:pPr>
             <a:r>
               <a:rPr lang="en-CA" dirty="0" smtClean="0"/>
               <a:t>Ability to manage larger databases</a:t>
             </a:r>
           </a:p>
           <a:p>
-            <a:pPr lvl="2"/>
+            <a:pPr lvl="1">
+              <a:lnSpc>
+                <a:spcPct val="110000"/>
+              </a:lnSpc>
+              <a:buFont typeface="Arial" pitchFamily="34" charset="0"/>
+              <a:buChar char="•"/>
+            </a:pPr>
             <a:r>
               <a:rPr lang="en-CA" dirty="0" smtClean="0"/>
               <a:t>Enhances query performance over large tables</a:t>
             </a:r>
           </a:p>
           <a:p>
-            <a:pPr lvl="2"/>
+            <a:pPr lvl="1">
+              <a:lnSpc>
+                <a:spcPct val="110000"/>
+              </a:lnSpc>
+              <a:buFont typeface="Arial" pitchFamily="34" charset="0"/>
+              <a:buChar char="•"/>
+            </a:pPr>
             <a:r>
               <a:rPr lang="en-CA" dirty="0" smtClean="0"/>
               <a:t>Enables parallel processing </a:t>
             </a:r>
           </a:p>
           <a:p>
-            <a:pPr lvl="2"/>
+            <a:pPr lvl="1">
+              <a:lnSpc>
+                <a:spcPct val="110000"/>
+              </a:lnSpc>
+              <a:buFont typeface="Arial" pitchFamily="34" charset="0"/>
+              <a:buChar char="•"/>
+            </a:pPr>
             <a:r>
               <a:rPr lang="en-CA" dirty="0" smtClean="0"/>
               <a:t>Facilitates data compression</a:t>
@@ -11308,23 +11345,41 @@
             </a:r>
           </a:p>
           <a:p>
-            <a:pPr lvl="2"/>
-            <a:r>
-              <a:rPr lang="en-CA" dirty="0" smtClean="0"/>
+            <a:pPr lvl="1">
+              <a:lnSpc>
+                <a:spcPct val="110000"/>
+              </a:lnSpc>
+              <a:buFont typeface="Arial" pitchFamily="34" charset="0"/>
+              <a:buChar char="•"/>
+            </a:pPr>
+            <a:r>
+              <a:rPr lang="en-CA" sz="3100" dirty="0" smtClean="0"/>
               <a:t>Complexity: managing partitions</a:t>
             </a:r>
           </a:p>
           <a:p>
-            <a:pPr lvl="2"/>
-            <a:r>
-              <a:rPr lang="en-CA" dirty="0" smtClean="0"/>
+            <a:pPr lvl="1">
+              <a:lnSpc>
+                <a:spcPct val="110000"/>
+              </a:lnSpc>
+              <a:buFont typeface="Arial" pitchFamily="34" charset="0"/>
+              <a:buChar char="•"/>
+            </a:pPr>
+            <a:r>
+              <a:rPr lang="en-CA" sz="3100" dirty="0" smtClean="0"/>
               <a:t>Efficiency: number of partitions affects the performance of meta data operations (e.g. browsing the data cube definition)</a:t>
             </a:r>
           </a:p>
           <a:p>
-            <a:pPr lvl="2"/>
-            <a:r>
-              <a:rPr lang="en-CA" dirty="0" smtClean="0"/>
+            <a:pPr lvl="1">
+              <a:lnSpc>
+                <a:spcPct val="110000"/>
+              </a:lnSpc>
+              <a:buFont typeface="Arial" pitchFamily="34" charset="0"/>
+              <a:buChar char="•"/>
+            </a:pPr>
+            <a:r>
+              <a:rPr lang="en-CA" sz="3100" dirty="0" smtClean="0"/>
               <a:t>Might affect data refresh operations</a:t>
             </a:r>
           </a:p>
@@ -11983,12 +12038,12 @@
         <a:graphic>
           <a:graphicData uri="http://schemas.openxmlformats.org/drawingml/2006/table">
             <a:tbl>
-              <a:tblPr firstRow="1" bandRow="1">
+              <a:tblPr firstRow="1" firstCol="1" bandRow="1">
                 <a:tableStyleId>{5C22544A-7EE6-4342-B048-85BDC9FD1C3A}</a:tableStyleId>
               </a:tblPr>
               <a:tblGrid>
-                <a:gridCol w="1357291"/>
-                <a:gridCol w="2243173"/>
+                <a:gridCol w="1428729"/>
+                <a:gridCol w="2171735"/>
                 <a:gridCol w="1800231"/>
                 <a:gridCol w="1800231"/>
                 <a:gridCol w="1800231"/>
@@ -12095,11 +12150,7 @@
                       </a:r>
                       <a:r>
                         <a:rPr lang="en-CA" sz="1400" dirty="0" smtClean="0"/>
-                        <a:t>B+trees</a:t>
-                      </a:r>
-                      <a:r>
-                        <a:rPr lang="en-CA" sz="1400" dirty="0" smtClean="0"/>
-                        <a:t>,</a:t>
+                        <a:t>B+trees,</a:t>
                       </a:r>
                       <a:r>
                         <a:rPr lang="en-CA" sz="1400" baseline="0" dirty="0" smtClean="0"/>
@@ -12107,11 +12158,7 @@
                       </a:r>
                       <a:r>
                         <a:rPr lang="en-CA" sz="1400" dirty="0" smtClean="0"/>
-                        <a:t>Bitmap </a:t>
-                      </a:r>
-                      <a:r>
-                        <a:rPr lang="en-CA" sz="1400" dirty="0" smtClean="0"/>
-                        <a:t>Index, Hash Trees</a:t>
+                        <a:t>Bitmap Index, Hash Trees</a:t>
                       </a:r>
                       <a:endParaRPr lang="en-CA" sz="1400" dirty="0"/>
                     </a:p>
@@ -12234,23 +12281,7 @@
                       </a:pPr>
                       <a:r>
                         <a:rPr lang="en-CA" sz="1400" baseline="0" dirty="0" smtClean="0"/>
-                        <a:t>E.g.: </a:t>
-                      </a:r>
-                      <a:r>
-                        <a:rPr lang="en-CA" sz="1400" baseline="0" dirty="0" smtClean="0"/>
-                        <a:t>B+tree</a:t>
-                      </a:r>
-                      <a:r>
-                        <a:rPr lang="en-CA" sz="1400" baseline="0" dirty="0" smtClean="0"/>
-                        <a:t>, </a:t>
-                      </a:r>
-                      <a:r>
-                        <a:rPr lang="en-CA" sz="1400" baseline="0" dirty="0" smtClean="0"/>
-                        <a:t>CSB+tree</a:t>
-                      </a:r>
-                      <a:r>
-                        <a:rPr lang="en-CA" sz="1400" baseline="0" dirty="0" smtClean="0"/>
-                        <a:t>, T Tree, CST Tree</a:t>
+                        <a:t>E.g.: B+tree, CSB+tree, T Tree, CST Tree</a:t>
                       </a:r>
                       <a:endParaRPr lang="en-CA" sz="1400" dirty="0" smtClean="0"/>
                     </a:p>
@@ -12384,15 +12415,7 @@
                     <a:p>
                       <a:r>
                         <a:rPr lang="en-CA" sz="1400" dirty="0" smtClean="0"/>
-                        <a:t>E.g. Universal </a:t>
-                      </a:r>
-                      <a:r>
-                        <a:rPr lang="en-CA" sz="1400" dirty="0" smtClean="0"/>
-                        <a:t>B+tree</a:t>
-                      </a:r>
-                      <a:r>
-                        <a:rPr lang="en-CA" sz="1400" dirty="0" smtClean="0"/>
-                        <a:t>, Bitmap Index, Projection Index.</a:t>
+                        <a:t>E.g. Universal B+tree, Bitmap Index, Projection Index.</a:t>
                       </a:r>
                       <a:endParaRPr lang="en-CA" sz="1400" dirty="0"/>
                     </a:p>
@@ -12498,11 +12521,7 @@
                       </a:r>
                       <a:r>
                         <a:rPr lang="en-CA" sz="1400" baseline="0" dirty="0" smtClean="0"/>
-                        <a:t> numbering </a:t>
-                      </a:r>
-                      <a:r>
-                        <a:rPr lang="en-CA" sz="1400" baseline="0" dirty="0" smtClean="0"/>
-                        <a:t>scheme</a:t>
+                        <a:t> numbering scheme</a:t>
                       </a:r>
                     </a:p>
                     <a:p>
@@ -12511,11 +12530,7 @@
                     <a:p>
                       <a:r>
                         <a:rPr lang="en-CA" sz="1400" baseline="0" dirty="0" smtClean="0"/>
-                        <a:t>B+tree </a:t>
-                      </a:r>
-                      <a:r>
-                        <a:rPr lang="en-CA" sz="1400" baseline="0" dirty="0" smtClean="0"/>
-                        <a:t>used</a:t>
+                        <a:t>B+tree used</a:t>
                       </a:r>
                       <a:endParaRPr lang="en-CA" sz="1400" dirty="0"/>
                     </a:p>
@@ -12626,11 +12641,7 @@
           <a:p>
             <a:r>
               <a:rPr lang="en-CA" dirty="0" smtClean="0"/>
-              <a:t>Conclusions &amp; Future </a:t>
-            </a:r>
-            <a:r>
-              <a:rPr lang="en-CA" dirty="0" smtClean="0"/>
-              <a:t>Work</a:t>
+              <a:t>Conclusions &amp; Future Work</a:t>
             </a:r>
             <a:endParaRPr lang="en-CA" dirty="0"/>
           </a:p>
@@ -12796,11 +12807,7 @@
           <a:p>
             <a:r>
               <a:rPr lang="en-CA" dirty="0" smtClean="0"/>
-              <a:t>B+trees </a:t>
-            </a:r>
-            <a:r>
-              <a:rPr lang="en-CA" dirty="0" smtClean="0"/>
-              <a:t>are the most popular index structure &amp; have been adapted for the diff. Systems</a:t>
+              <a:t>B+trees are the most popular index structure &amp; have been adapted for the diff. Systems</a:t>
             </a:r>
           </a:p>
           <a:p>
@@ -13492,7 +13499,6 @@
               <a:rPr lang="en-CA" dirty="0" smtClean="0"/>
               <a:t>B+trees</a:t>
             </a:r>
-            <a:endParaRPr lang="en-CA" dirty="0" smtClean="0"/>
           </a:p>
           <a:p>
             <a:pPr lvl="1">
@@ -13830,15 +13836,7 @@
           <a:p>
             <a:r>
               <a:rPr lang="en-CA" dirty="0" smtClean="0"/>
-              <a:t>1</a:t>
-            </a:r>
-            <a:r>
-              <a:rPr lang="en-CA" dirty="0" smtClean="0"/>
-              <a:t>. </a:t>
-            </a:r>
-            <a:r>
-              <a:rPr lang="en-CA" dirty="0" smtClean="0"/>
-              <a:t>Index Structures </a:t>
+              <a:t>1. Index Structures </a:t>
             </a:r>
             <a:r>
               <a:rPr lang="en-CA" sz="2400" i="1" dirty="0" smtClean="0"/>
@@ -13933,7 +13931,7 @@
         <a:graphic>
           <a:graphicData uri="http://schemas.openxmlformats.org/drawingml/2006/table">
             <a:tbl>
-              <a:tblPr firstRow="1" bandRow="1">
+              <a:tblPr firstRow="1" firstCol="1" bandRow="1">
                 <a:tableStyleId>{5C22544A-7EE6-4342-B048-85BDC9FD1C3A}</a:tableStyleId>
               </a:tblPr>
               <a:tblGrid>
@@ -13948,10 +13946,6 @@
                     <a:bodyPr/>
                     <a:lstStyle/>
                     <a:p>
-                      <a:r>
-                        <a:rPr lang="en-CA" dirty="0" smtClean="0"/>
-                        <a:t>Index Structure</a:t>
-                      </a:r>
                       <a:endParaRPr lang="en-CA" dirty="0"/>
                     </a:p>
                   </a:txBody>
@@ -14007,10 +14001,10 @@
                     <a:lstStyle/>
                     <a:p>
                       <a:r>
-                        <a:rPr lang="en-CA" b="1" dirty="0" smtClean="0"/>
+                        <a:rPr lang="en-CA" b="1" i="0" dirty="0" smtClean="0"/>
                         <a:t>B+tree</a:t>
                       </a:r>
-                      <a:endParaRPr lang="en-CA" b="1" dirty="0"/>
+                      <a:endParaRPr lang="en-CA" b="1" i="0" dirty="0"/>
                     </a:p>
                   </a:txBody>
                   <a:tcPr/>
@@ -14119,10 +14113,10 @@
                     <a:lstStyle/>
                     <a:p>
                       <a:r>
-                        <a:rPr lang="en-CA" b="1" dirty="0" smtClean="0"/>
+                        <a:rPr lang="en-CA" b="1" i="0" dirty="0" smtClean="0"/>
                         <a:t>Bitmap Index</a:t>
                       </a:r>
-                      <a:endParaRPr lang="en-CA" b="1" dirty="0"/>
+                      <a:endParaRPr lang="en-CA" b="1" i="0" dirty="0"/>
                     </a:p>
                   </a:txBody>
                   <a:tcPr/>
@@ -14156,15 +14150,7 @@
                       </a:pPr>
                       <a:r>
                         <a:rPr lang="en-CA" sz="1600" dirty="0" smtClean="0"/>
-                        <a:t> Outperforms </a:t>
-                      </a:r>
-                      <a:r>
-                        <a:rPr lang="en-CA" sz="1600" dirty="0" smtClean="0"/>
-                        <a:t>B+trees </a:t>
-                      </a:r>
-                      <a:r>
-                        <a:rPr lang="en-CA" sz="1600" dirty="0" smtClean="0"/>
-                        <a:t>for low cardinality attributes (e.g. Gender)</a:t>
+                        <a:t> Outperforms B+trees for low cardinality attributes (e.g. Gender)</a:t>
                       </a:r>
                     </a:p>
                     <a:p>

--- a/trunk/cs848-db/PhysDesignPres.pptx
+++ b/trunk/cs848-db/PhysDesignPres.pptx
@@ -5,7 +5,7 @@
     <p:sldMasterId id="2147483672" r:id="rId1"/>
   </p:sldMasterIdLst>
   <p:notesMasterIdLst>
-    <p:notesMasterId r:id="rId46"/>
+    <p:notesMasterId r:id="rId42"/>
   </p:notesMasterIdLst>
   <p:sldIdLst>
     <p:sldId id="256" r:id="rId2"/>
@@ -39,19 +39,15 @@
     <p:sldId id="347" r:id="rId30"/>
     <p:sldId id="316" r:id="rId31"/>
     <p:sldId id="318" r:id="rId32"/>
-    <p:sldId id="319" r:id="rId33"/>
-    <p:sldId id="320" r:id="rId34"/>
-    <p:sldId id="321" r:id="rId35"/>
-    <p:sldId id="338" r:id="rId36"/>
-    <p:sldId id="325" r:id="rId37"/>
-    <p:sldId id="327" r:id="rId38"/>
-    <p:sldId id="337" r:id="rId39"/>
-    <p:sldId id="350" r:id="rId40"/>
-    <p:sldId id="292" r:id="rId41"/>
-    <p:sldId id="291" r:id="rId42"/>
-    <p:sldId id="297" r:id="rId43"/>
-    <p:sldId id="294" r:id="rId44"/>
-    <p:sldId id="298" r:id="rId45"/>
+    <p:sldId id="321" r:id="rId33"/>
+    <p:sldId id="338" r:id="rId34"/>
+    <p:sldId id="325" r:id="rId35"/>
+    <p:sldId id="327" r:id="rId36"/>
+    <p:sldId id="337" r:id="rId37"/>
+    <p:sldId id="291" r:id="rId38"/>
+    <p:sldId id="292" r:id="rId39"/>
+    <p:sldId id="294" r:id="rId40"/>
+    <p:sldId id="298" r:id="rId41"/>
   </p:sldIdLst>
   <p:sldSz cx="9144000" cy="6858000" type="screen4x3"/>
   <p:notesSz cx="6858000" cy="9144000"/>
@@ -4421,12 +4417,21 @@
             </a:pPr>
             <a:r>
               <a:rPr lang="en-CA" i="1" dirty="0" smtClean="0"/>
-              <a:t>Single Vertical Partitioning</a:t>
-            </a:r>
-            <a:r>
-              <a:rPr lang="en-CA" dirty="0" smtClean="0"/>
-              <a:t>: divides data into groups by attributes of the same type</a:t>
-            </a:r>
+              <a:t>Vertical </a:t>
+            </a:r>
+            <a:r>
+              <a:rPr lang="en-CA" i="1" dirty="0" smtClean="0"/>
+              <a:t>Partitioning</a:t>
+            </a:r>
+            <a:r>
+              <a:rPr lang="en-CA" dirty="0" smtClean="0"/>
+              <a:t>: </a:t>
+            </a:r>
+            <a:r>
+              <a:rPr lang="en-CA" dirty="0" smtClean="0"/>
+              <a:t>divides tables into sets of columns</a:t>
+            </a:r>
+            <a:endParaRPr lang="en-CA" dirty="0" smtClean="0"/>
           </a:p>
           <a:p>
             <a:r>
@@ -5063,7 +5068,7 @@
                       <a:pPr algn="ctr"/>
                       <a:r>
                         <a:rPr lang="en-CA" dirty="0" smtClean="0"/>
-                        <a:t>DBMS</a:t>
+                        <a:t>RDBMS</a:t>
                       </a:r>
                       <a:endParaRPr lang="en-CA" dirty="0"/>
                     </a:p>
@@ -5253,6 +5258,13 @@
   <p:clrMapOvr>
     <a:masterClrMapping/>
   </p:clrMapOvr>
+  <p:timing>
+    <p:tnLst>
+      <p:par>
+        <p:cTn id="1" dur="indefinite" restart="never" nodeType="tmRoot"/>
+      </p:par>
+    </p:tnLst>
+  </p:timing>
 </p:sld>
 </file>
 
@@ -5377,7 +5389,11 @@
             </a:pPr>
             <a:r>
               <a:rPr lang="en-CA" dirty="0" smtClean="0"/>
-              <a:t>Reduce CPU cost</a:t>
+              <a:t>Reduced </a:t>
+            </a:r>
+            <a:r>
+              <a:rPr lang="en-CA" dirty="0" smtClean="0"/>
+              <a:t>CPU cost</a:t>
             </a:r>
           </a:p>
           <a:p>
@@ -5477,6 +5493,13 @@
   <p:clrMapOvr>
     <a:masterClrMapping/>
   </p:clrMapOvr>
+  <p:timing>
+    <p:tnLst>
+      <p:par>
+        <p:cTn id="1" dur="indefinite" restart="never" nodeType="tmRoot"/>
+      </p:par>
+    </p:tnLst>
+  </p:timing>
 </p:sld>
 </file>
 
@@ -5966,6 +5989,13 @@
   <p:clrMapOvr>
     <a:masterClrMapping/>
   </p:clrMapOvr>
+  <p:timing>
+    <p:tnLst>
+      <p:par>
+        <p:cTn id="1" dur="indefinite" restart="never" nodeType="tmRoot"/>
+      </p:par>
+    </p:tnLst>
+  </p:timing>
 </p:sld>
 </file>
 
@@ -6140,6 +6170,13 @@
   <p:clrMapOvr>
     <a:masterClrMapping/>
   </p:clrMapOvr>
+  <p:timing>
+    <p:tnLst>
+      <p:par>
+        <p:cTn id="1" dur="indefinite" restart="never" nodeType="tmRoot"/>
+      </p:par>
+    </p:tnLst>
+  </p:timing>
 </p:sld>
 </file>
 
@@ -6241,7 +6278,11 @@
             </a:pPr>
             <a:r>
               <a:rPr lang="en-CA" dirty="0" smtClean="0"/>
-              <a:t>I/O operations are cheaper</a:t>
+              <a:t>Read/Write </a:t>
+            </a:r>
+            <a:r>
+              <a:rPr lang="en-CA" dirty="0" smtClean="0"/>
+              <a:t>operations are cheaper</a:t>
             </a:r>
           </a:p>
           <a:p>
@@ -6377,6 +6418,13 @@
   <p:clrMapOvr>
     <a:masterClrMapping/>
   </p:clrMapOvr>
+  <p:timing>
+    <p:tnLst>
+      <p:par>
+        <p:cTn id="1" dur="indefinite" restart="never" nodeType="tmRoot"/>
+      </p:par>
+    </p:tnLst>
+  </p:timing>
 </p:sld>
 </file>
 
@@ -7058,6 +7106,13 @@
   <p:clrMapOvr>
     <a:masterClrMapping/>
   </p:clrMapOvr>
+  <p:timing>
+    <p:tnLst>
+      <p:par>
+        <p:cTn id="1" dur="indefinite" restart="never" nodeType="tmRoot"/>
+      </p:par>
+    </p:tnLst>
+  </p:timing>
 </p:sld>
 </file>
 
@@ -7441,6 +7496,13 @@
   <p:clrMapOvr>
     <a:masterClrMapping/>
   </p:clrMapOvr>
+  <p:timing>
+    <p:tnLst>
+      <p:par>
+        <p:cTn id="1" dur="indefinite" restart="never" nodeType="tmRoot"/>
+      </p:par>
+    </p:tnLst>
+  </p:timing>
 </p:sld>
 </file>
 
@@ -7605,6 +7667,13 @@
   <p:clrMapOvr>
     <a:masterClrMapping/>
   </p:clrMapOvr>
+  <p:timing>
+    <p:tnLst>
+      <p:par>
+        <p:cTn id="1" dur="indefinite" restart="never" nodeType="tmRoot"/>
+      </p:par>
+    </p:tnLst>
+  </p:timing>
 </p:sld>
 </file>
 
@@ -7742,6 +7811,13 @@
   <p:clrMapOvr>
     <a:masterClrMapping/>
   </p:clrMapOvr>
+  <p:timing>
+    <p:tnLst>
+      <p:par>
+        <p:cTn id="1" dur="indefinite" restart="never" nodeType="tmRoot"/>
+      </p:par>
+    </p:tnLst>
+  </p:timing>
 </p:sld>
 </file>
 
@@ -7936,6 +8012,13 @@
   <p:clrMapOvr>
     <a:masterClrMapping/>
   </p:clrMapOvr>
+  <p:timing>
+    <p:tnLst>
+      <p:par>
+        <p:cTn id="1" dur="indefinite" restart="never" nodeType="tmRoot"/>
+      </p:par>
+    </p:tnLst>
+  </p:timing>
 </p:sld>
 </file>
 
@@ -8062,7 +8145,19 @@
             </a:pPr>
             <a:r>
               <a:rPr lang="en-CA" dirty="0" smtClean="0"/>
-              <a:t>Use a B+ Tree index based on combination of primary key of base table &amp; the ORDPATH</a:t>
+              <a:t>Use a </a:t>
+            </a:r>
+            <a:r>
+              <a:rPr lang="en-CA" dirty="0" err="1" smtClean="0"/>
+              <a:t>B+tree</a:t>
+            </a:r>
+            <a:r>
+              <a:rPr lang="en-CA" dirty="0" smtClean="0"/>
+              <a:t> </a:t>
+            </a:r>
+            <a:r>
+              <a:rPr lang="en-CA" dirty="0" smtClean="0"/>
+              <a:t>index based on combination of primary key of base table &amp; the ORDPATH</a:t>
             </a:r>
           </a:p>
         </p:txBody>
@@ -8175,6 +8270,13 @@
   <p:clrMapOvr>
     <a:masterClrMapping/>
   </p:clrMapOvr>
+  <p:timing>
+    <p:tnLst>
+      <p:par>
+        <p:cTn id="1" dur="indefinite" restart="never" nodeType="tmRoot"/>
+      </p:par>
+    </p:tnLst>
+  </p:timing>
 </p:sld>
 </file>
 
@@ -8271,8 +8373,16 @@
               <a:buChar char="•"/>
             </a:pPr>
             <a:r>
-              <a:rPr lang="en-CA" dirty="0" smtClean="0"/>
-              <a:t>B+ Tree used on the numbered nodes</a:t>
+              <a:rPr lang="en-CA" dirty="0" err="1" smtClean="0"/>
+              <a:t>B+tree</a:t>
+            </a:r>
+            <a:r>
+              <a:rPr lang="en-CA" dirty="0" smtClean="0"/>
+              <a:t> </a:t>
+            </a:r>
+            <a:r>
+              <a:rPr lang="en-CA" dirty="0" smtClean="0"/>
+              <a:t>used on the numbered nodes</a:t>
             </a:r>
           </a:p>
           <a:p>
@@ -8388,6 +8498,13 @@
   <p:clrMapOvr>
     <a:masterClrMapping/>
   </p:clrMapOvr>
+  <p:timing>
+    <p:tnLst>
+      <p:par>
+        <p:cTn id="1" dur="indefinite" restart="never" nodeType="tmRoot"/>
+      </p:par>
+    </p:tnLst>
+  </p:timing>
 </p:sld>
 </file>
 
@@ -8554,6 +8671,13 @@
   <p:clrMapOvr>
     <a:masterClrMapping/>
   </p:clrMapOvr>
+  <p:timing>
+    <p:tnLst>
+      <p:par>
+        <p:cTn id="1" dur="indefinite" restart="never" nodeType="tmRoot"/>
+      </p:par>
+    </p:tnLst>
+  </p:timing>
 </p:sld>
 </file>
 
@@ -8728,6 +8852,13 @@
   <p:clrMapOvr>
     <a:masterClrMapping/>
   </p:clrMapOvr>
+  <p:timing>
+    <p:tnLst>
+      <p:par>
+        <p:cTn id="1" dur="indefinite" restart="never" nodeType="tmRoot"/>
+      </p:par>
+    </p:tnLst>
+  </p:timing>
 </p:sld>
 </file>
 
@@ -8888,6 +9019,13 @@
   <p:clrMapOvr>
     <a:masterClrMapping/>
   </p:clrMapOvr>
+  <p:timing>
+    <p:tnLst>
+      <p:par>
+        <p:cTn id="1" dur="indefinite" restart="never" nodeType="tmRoot"/>
+      </p:par>
+    </p:tnLst>
+  </p:timing>
 </p:sld>
 </file>
 
@@ -9025,6 +9163,13 @@
   <p:clrMapOvr>
     <a:masterClrMapping/>
   </p:clrMapOvr>
+  <p:timing>
+    <p:tnLst>
+      <p:par>
+        <p:cTn id="1" dur="indefinite" restart="never" nodeType="tmRoot"/>
+      </p:par>
+    </p:tnLst>
+  </p:timing>
 </p:sld>
 </file>
 
@@ -9390,6 +9535,13 @@
   <p:clrMapOvr>
     <a:masterClrMapping/>
   </p:clrMapOvr>
+  <p:timing>
+    <p:tnLst>
+      <p:par>
+        <p:cTn id="1" dur="indefinite" restart="never" nodeType="tmRoot"/>
+      </p:par>
+    </p:tnLst>
+  </p:timing>
 </p:sld>
 </file>
 
@@ -9554,6 +9706,13 @@
   <p:clrMapOvr>
     <a:masterClrMapping/>
   </p:clrMapOvr>
+  <p:timing>
+    <p:tnLst>
+      <p:par>
+        <p:cTn id="1" dur="indefinite" restart="never" nodeType="tmRoot"/>
+      </p:par>
+    </p:tnLst>
+  </p:timing>
 </p:sld>
 </file>
 
@@ -9600,19 +9759,90 @@
             </a:br>
             <a:r>
               <a:rPr lang="en-CA" dirty="0" smtClean="0"/>
-              <a:t>Design </a:t>
-            </a:r>
-            <a:r>
-              <a:rPr lang="en-CA" sz="2400" i="1" dirty="0" smtClean="0">
-                <a:solidFill>
-                  <a:srgbClr val="F0AD00">
-                    <a:satMod val="150000"/>
-                  </a:srgbClr>
-                </a:solidFill>
-              </a:rPr>
-              <a:t>Cont’d</a:t>
-            </a:r>
-            <a:endParaRPr lang="en-CA" dirty="0"/>
+              <a:t>Challenges</a:t>
+            </a:r>
+            <a:endParaRPr lang="en-CA" dirty="0"/>
+          </a:p>
+        </p:txBody>
+      </p:sp>
+      <p:sp>
+        <p:nvSpPr>
+          <p:cNvPr id="3" name="Content Placeholder 2"/>
+          <p:cNvSpPr>
+            <a:spLocks noGrp="1"/>
+          </p:cNvSpPr>
+          <p:nvPr>
+            <p:ph idx="1"/>
+          </p:nvPr>
+        </p:nvSpPr>
+        <p:spPr/>
+        <p:txBody>
+          <a:bodyPr>
+            <a:normAutofit/>
+          </a:bodyPr>
+          <a:lstStyle/>
+          <a:p>
+            <a:r>
+              <a:rPr lang="en-CA" dirty="0" smtClean="0"/>
+              <a:t>Data is usually</a:t>
+            </a:r>
+          </a:p>
+          <a:p>
+            <a:pPr lvl="1">
+              <a:lnSpc>
+                <a:spcPct val="90000"/>
+              </a:lnSpc>
+              <a:buFont typeface="Arial" pitchFamily="34" charset="0"/>
+              <a:buChar char="•"/>
+            </a:pPr>
+            <a:r>
+              <a:rPr lang="en-CA" sz="2600" dirty="0" smtClean="0"/>
+              <a:t>Extremely large</a:t>
+            </a:r>
+          </a:p>
+          <a:p>
+            <a:pPr lvl="1">
+              <a:lnSpc>
+                <a:spcPct val="90000"/>
+              </a:lnSpc>
+              <a:buFont typeface="Arial" pitchFamily="34" charset="0"/>
+              <a:buChar char="•"/>
+            </a:pPr>
+            <a:r>
+              <a:rPr lang="en-CA" sz="2600" dirty="0" smtClean="0"/>
+              <a:t>Multi-dimensional</a:t>
+            </a:r>
+          </a:p>
+          <a:p>
+            <a:r>
+              <a:rPr lang="en-CA" dirty="0" smtClean="0"/>
+              <a:t>Priority for aggregated and summarized data</a:t>
+            </a:r>
+          </a:p>
+          <a:p>
+            <a:r>
+              <a:rPr lang="en-CA" dirty="0" smtClean="0"/>
+              <a:t>Ad-hoc and complex queries</a:t>
+            </a:r>
+          </a:p>
+          <a:p>
+            <a:r>
+              <a:rPr lang="en-CA" dirty="0" smtClean="0"/>
+              <a:t>Expensive operations: aggregation, and joins</a:t>
+            </a:r>
+          </a:p>
+          <a:p>
+            <a:pPr lvl="1">
+              <a:lnSpc>
+                <a:spcPct val="90000"/>
+              </a:lnSpc>
+              <a:buFont typeface="Arial" pitchFamily="34" charset="0"/>
+              <a:buChar char="•"/>
+            </a:pPr>
+            <a:r>
+              <a:rPr lang="en-CA" sz="2600" dirty="0" smtClean="0"/>
+              <a:t>The fact table participates in every join</a:t>
+            </a:r>
           </a:p>
         </p:txBody>
       </p:sp>
@@ -9686,350 +9916,18 @@
           </a:p>
         </p:txBody>
       </p:sp>
-      <p:graphicFrame>
-        <p:nvGraphicFramePr>
-          <p:cNvPr id="8" name="Content Placeholder 7"/>
-          <p:cNvGraphicFramePr>
-            <a:graphicFrameLocks noGrp="1"/>
-          </p:cNvGraphicFramePr>
-          <p:nvPr>
-            <p:ph idx="1"/>
-          </p:nvPr>
-        </p:nvGraphicFramePr>
-        <p:xfrm>
-          <a:off x="1543072" y="2257118"/>
-          <a:ext cx="6172200" cy="2672080"/>
-        </p:xfrm>
-        <a:graphic>
-          <a:graphicData uri="http://schemas.openxmlformats.org/drawingml/2006/table">
-            <a:tbl>
-              <a:tblPr firstRow="1" firstCol="1" bandRow="1">
-                <a:tableStyleId>{5C22544A-7EE6-4342-B048-85BDC9FD1C3A}</a:tableStyleId>
-              </a:tblPr>
-              <a:tblGrid>
-                <a:gridCol w="2057400"/>
-                <a:gridCol w="2057400"/>
-                <a:gridCol w="2057400"/>
-              </a:tblGrid>
-              <a:tr h="370840">
-                <a:tc>
-                  <a:txBody>
-                    <a:bodyPr/>
-                    <a:lstStyle/>
-                    <a:p>
-                      <a:endParaRPr lang="en-CA" dirty="0"/>
-                    </a:p>
-                  </a:txBody>
-                  <a:tcPr/>
-                </a:tc>
-                <a:tc>
-                  <a:txBody>
-                    <a:bodyPr/>
-                    <a:lstStyle/>
-                    <a:p>
-                      <a:pPr algn="ctr"/>
-                      <a:r>
-                        <a:rPr lang="en-CA" dirty="0" smtClean="0"/>
-                        <a:t>ROLAP</a:t>
-                      </a:r>
-                      <a:endParaRPr lang="en-CA" dirty="0"/>
-                    </a:p>
-                  </a:txBody>
-                  <a:tcPr anchor="ctr"/>
-                </a:tc>
-                <a:tc>
-                  <a:txBody>
-                    <a:bodyPr/>
-                    <a:lstStyle/>
-                    <a:p>
-                      <a:pPr algn="ctr"/>
-                      <a:r>
-                        <a:rPr lang="en-CA" dirty="0" smtClean="0"/>
-                        <a:t>MOLAP</a:t>
-                      </a:r>
-                      <a:endParaRPr lang="en-CA" dirty="0"/>
-                    </a:p>
-                  </a:txBody>
-                  <a:tcPr anchor="ctr"/>
-                </a:tc>
-              </a:tr>
-              <a:tr h="370840">
-                <a:tc>
-                  <a:txBody>
-                    <a:bodyPr/>
-                    <a:lstStyle/>
-                    <a:p>
-                      <a:pPr marL="0" algn="ctr" rtl="0" eaLnBrk="1" latinLnBrk="0" hangingPunct="1"/>
-                      <a:r>
-                        <a:rPr kumimoji="0" lang="en-CA" b="1" kern="1200" dirty="0" smtClean="0">
-                          <a:solidFill>
-                            <a:schemeClr val="lt1"/>
-                          </a:solidFill>
-                          <a:latin typeface="+mn-lt"/>
-                          <a:ea typeface="+mn-ea"/>
-                          <a:cs typeface="+mn-cs"/>
-                        </a:rPr>
-                        <a:t>Storage</a:t>
-                      </a:r>
-                      <a:endParaRPr kumimoji="0" lang="en-CA" b="1" kern="1200" dirty="0">
-                        <a:solidFill>
-                          <a:schemeClr val="lt1"/>
-                        </a:solidFill>
-                        <a:latin typeface="+mn-lt"/>
-                        <a:ea typeface="+mn-ea"/>
-                        <a:cs typeface="+mn-cs"/>
-                      </a:endParaRPr>
-                    </a:p>
-                  </a:txBody>
-                  <a:tcPr/>
-                </a:tc>
-                <a:tc>
-                  <a:txBody>
-                    <a:bodyPr/>
-                    <a:lstStyle/>
-                    <a:p>
-                      <a:pPr algn="ctr"/>
-                      <a:r>
-                        <a:rPr lang="en-CA" dirty="0" smtClean="0"/>
-                        <a:t>Relational</a:t>
-                      </a:r>
-                      <a:r>
-                        <a:rPr lang="en-CA" baseline="0" dirty="0" smtClean="0"/>
-                        <a:t> </a:t>
-                      </a:r>
-                      <a:r>
-                        <a:rPr lang="en-CA" dirty="0" smtClean="0"/>
-                        <a:t>DBs</a:t>
-                      </a:r>
-                      <a:endParaRPr lang="en-CA" dirty="0"/>
-                    </a:p>
-                  </a:txBody>
-                  <a:tcPr/>
-                </a:tc>
-                <a:tc>
-                  <a:txBody>
-                    <a:bodyPr/>
-                    <a:lstStyle/>
-                    <a:p>
-                      <a:pPr algn="ctr"/>
-                      <a:r>
-                        <a:rPr lang="en-CA" dirty="0" smtClean="0"/>
-                        <a:t>Data Cubes</a:t>
-                      </a:r>
-                      <a:endParaRPr lang="en-CA" dirty="0"/>
-                    </a:p>
-                  </a:txBody>
-                  <a:tcPr/>
-                </a:tc>
-              </a:tr>
-              <a:tr h="370840">
-                <a:tc>
-                  <a:txBody>
-                    <a:bodyPr/>
-                    <a:lstStyle/>
-                    <a:p>
-                      <a:pPr marL="0" algn="ctr" rtl="0" eaLnBrk="1" latinLnBrk="0" hangingPunct="1"/>
-                      <a:r>
-                        <a:rPr kumimoji="0" lang="en-CA" b="1" kern="1200" dirty="0" smtClean="0">
-                          <a:solidFill>
-                            <a:schemeClr val="lt1"/>
-                          </a:solidFill>
-                          <a:latin typeface="+mn-lt"/>
-                          <a:ea typeface="+mn-ea"/>
-                          <a:cs typeface="+mn-cs"/>
-                        </a:rPr>
-                        <a:t>Dimensions</a:t>
-                      </a:r>
-                      <a:endParaRPr kumimoji="0" lang="en-CA" b="1" kern="1200" dirty="0">
-                        <a:solidFill>
-                          <a:schemeClr val="lt1"/>
-                        </a:solidFill>
-                        <a:latin typeface="+mn-lt"/>
-                        <a:ea typeface="+mn-ea"/>
-                        <a:cs typeface="+mn-cs"/>
-                      </a:endParaRPr>
-                    </a:p>
-                  </a:txBody>
-                  <a:tcPr/>
-                </a:tc>
-                <a:tc>
-                  <a:txBody>
-                    <a:bodyPr/>
-                    <a:lstStyle/>
-                    <a:p>
-                      <a:pPr algn="ctr"/>
-                      <a:r>
-                        <a:rPr lang="en-CA" dirty="0" smtClean="0"/>
-                        <a:t>Composite</a:t>
-                      </a:r>
-                      <a:r>
-                        <a:rPr lang="en-CA" baseline="0" dirty="0" smtClean="0"/>
-                        <a:t> Keys</a:t>
-                      </a:r>
-                      <a:endParaRPr lang="en-CA" dirty="0"/>
-                    </a:p>
-                  </a:txBody>
-                  <a:tcPr/>
-                </a:tc>
-                <a:tc>
-                  <a:txBody>
-                    <a:bodyPr/>
-                    <a:lstStyle/>
-                    <a:p>
-                      <a:pPr algn="ctr"/>
-                      <a:r>
-                        <a:rPr lang="en-CA" dirty="0" smtClean="0"/>
-                        <a:t>Arrays</a:t>
-                      </a:r>
-                      <a:endParaRPr lang="en-CA" dirty="0"/>
-                    </a:p>
-                  </a:txBody>
-                  <a:tcPr/>
-                </a:tc>
-              </a:tr>
-              <a:tr h="370840">
-                <a:tc>
-                  <a:txBody>
-                    <a:bodyPr/>
-                    <a:lstStyle/>
-                    <a:p>
-                      <a:pPr marL="0" algn="ctr" rtl="0" eaLnBrk="1" latinLnBrk="0" hangingPunct="1"/>
-                      <a:r>
-                        <a:rPr kumimoji="0" lang="en-CA" b="1" kern="1200" dirty="0" smtClean="0">
-                          <a:solidFill>
-                            <a:schemeClr val="lt1"/>
-                          </a:solidFill>
-                          <a:latin typeface="+mn-lt"/>
-                          <a:ea typeface="+mn-ea"/>
-                          <a:cs typeface="+mn-cs"/>
-                        </a:rPr>
-                        <a:t>Characteristics</a:t>
-                      </a:r>
-                      <a:endParaRPr kumimoji="0" lang="en-CA" b="1" kern="1200" dirty="0">
-                        <a:solidFill>
-                          <a:schemeClr val="lt1"/>
-                        </a:solidFill>
-                        <a:latin typeface="+mn-lt"/>
-                        <a:ea typeface="+mn-ea"/>
-                        <a:cs typeface="+mn-cs"/>
-                      </a:endParaRPr>
-                    </a:p>
-                  </a:txBody>
-                  <a:tcPr/>
-                </a:tc>
-                <a:tc>
-                  <a:txBody>
-                    <a:bodyPr/>
-                    <a:lstStyle/>
-                    <a:p>
-                      <a:pPr algn="ctr"/>
-                      <a:r>
-                        <a:rPr lang="en-CA" dirty="0" smtClean="0"/>
-                        <a:t>Each</a:t>
-                      </a:r>
-                      <a:r>
-                        <a:rPr lang="en-CA" baseline="0" dirty="0" smtClean="0"/>
-                        <a:t> row is a cell in the cube</a:t>
-                      </a:r>
-                      <a:endParaRPr lang="en-CA" dirty="0"/>
-                    </a:p>
-                  </a:txBody>
-                  <a:tcPr/>
-                </a:tc>
-                <a:tc>
-                  <a:txBody>
-                    <a:bodyPr/>
-                    <a:lstStyle/>
-                    <a:p>
-                      <a:pPr algn="ctr"/>
-                      <a:r>
-                        <a:rPr lang="en-CA" dirty="0" smtClean="0"/>
-                        <a:t>Each</a:t>
-                      </a:r>
-                      <a:r>
-                        <a:rPr lang="en-CA" baseline="0" dirty="0" smtClean="0"/>
-                        <a:t> cell is represented by a fixed calculable location</a:t>
-                      </a:r>
-                      <a:endParaRPr lang="en-CA" dirty="0"/>
-                    </a:p>
-                  </a:txBody>
-                  <a:tcPr/>
-                </a:tc>
-              </a:tr>
-              <a:tr h="370840">
-                <a:tc>
-                  <a:txBody>
-                    <a:bodyPr/>
-                    <a:lstStyle/>
-                    <a:p>
-                      <a:pPr marL="0" algn="ctr" rtl="0" eaLnBrk="1" latinLnBrk="0" hangingPunct="1"/>
-                      <a:r>
-                        <a:rPr kumimoji="0" lang="en-CA" b="1" kern="1200" dirty="0" smtClean="0">
-                          <a:solidFill>
-                            <a:schemeClr val="lt1"/>
-                          </a:solidFill>
-                          <a:latin typeface="+mn-lt"/>
-                          <a:ea typeface="+mn-ea"/>
-                          <a:cs typeface="+mn-cs"/>
-                        </a:rPr>
-                        <a:t>Good For</a:t>
-                      </a:r>
-                      <a:endParaRPr kumimoji="0" lang="en-CA" b="1" kern="1200" dirty="0">
-                        <a:solidFill>
-                          <a:schemeClr val="lt1"/>
-                        </a:solidFill>
-                        <a:latin typeface="+mn-lt"/>
-                        <a:ea typeface="+mn-ea"/>
-                        <a:cs typeface="+mn-cs"/>
-                      </a:endParaRPr>
-                    </a:p>
-                  </a:txBody>
-                  <a:tcPr/>
-                </a:tc>
-                <a:tc>
-                  <a:txBody>
-                    <a:bodyPr/>
-                    <a:lstStyle/>
-                    <a:p>
-                      <a:pPr algn="ctr"/>
-                      <a:r>
-                        <a:rPr lang="en-CA" dirty="0" smtClean="0"/>
-                        <a:t>Sparse Data</a:t>
-                      </a:r>
-                      <a:endParaRPr lang="en-CA" dirty="0"/>
-                    </a:p>
-                  </a:txBody>
-                  <a:tcPr/>
-                </a:tc>
-                <a:tc>
-                  <a:txBody>
-                    <a:bodyPr/>
-                    <a:lstStyle/>
-                    <a:p>
-                      <a:pPr algn="ctr"/>
-                      <a:r>
-                        <a:rPr lang="en-CA" dirty="0" smtClean="0"/>
-                        <a:t>Dense</a:t>
-                      </a:r>
-                      <a:r>
-                        <a:rPr lang="en-CA" baseline="0" dirty="0" smtClean="0"/>
-                        <a:t> Data</a:t>
-                      </a:r>
-                      <a:endParaRPr lang="en-CA" dirty="0"/>
-                    </a:p>
-                  </a:txBody>
-                  <a:tcPr/>
-                </a:tc>
-              </a:tr>
-            </a:tbl>
-          </a:graphicData>
-        </a:graphic>
-      </p:graphicFrame>
     </p:spTree>
   </p:cSld>
   <p:clrMapOvr>
     <a:masterClrMapping/>
   </p:clrMapOvr>
+  <p:timing>
+    <p:tnLst>
+      <p:par>
+        <p:cTn id="1" dur="indefinite" restart="never" nodeType="tmRoot"/>
+      </p:par>
+    </p:tnLst>
+  </p:timing>
 </p:sld>
 </file>
 
@@ -10071,22 +9969,16 @@
               <a:rPr lang="en-CA" sz="3300" dirty="0" smtClean="0"/>
               <a:t>Data Warehouses</a:t>
             </a:r>
+            <a:r>
+              <a:rPr lang="en-CA" dirty="0" smtClean="0"/>
+              <a:t/>
+            </a:r>
             <a:br>
-              <a:rPr lang="en-CA" sz="3300" dirty="0" smtClean="0"/>
+              <a:rPr lang="en-CA" dirty="0" smtClean="0"/>
             </a:br>
             <a:r>
               <a:rPr lang="en-CA" dirty="0" smtClean="0"/>
-              <a:t>Design </a:t>
-            </a:r>
-            <a:r>
-              <a:rPr lang="en-CA" sz="2400" i="1" dirty="0" smtClean="0">
-                <a:solidFill>
-                  <a:srgbClr val="F0AD00">
-                    <a:satMod val="150000"/>
-                  </a:srgbClr>
-                </a:solidFill>
-              </a:rPr>
-              <a:t>Cont’d</a:t>
+              <a:t>1. Index Structures </a:t>
             </a:r>
             <a:endParaRPr lang="en-CA" dirty="0"/>
           </a:p>
@@ -10157,401 +10049,6 @@
               <a:rPr lang="en-CA" smtClean="0"/>
               <a:pPr/>
               <a:t>33</a:t>
-            </a:fld>
-            <a:endParaRPr lang="en-CA" dirty="0"/>
-          </a:p>
-        </p:txBody>
-      </p:sp>
-      <p:sp>
-        <p:nvSpPr>
-          <p:cNvPr id="7" name="Content Placeholder 6"/>
-          <p:cNvSpPr>
-            <a:spLocks noGrp="1"/>
-          </p:cNvSpPr>
-          <p:nvPr>
-            <p:ph idx="1"/>
-          </p:nvPr>
-        </p:nvSpPr>
-        <p:spPr/>
-        <p:txBody>
-          <a:bodyPr/>
-          <a:lstStyle/>
-          <a:p>
-            <a:r>
-              <a:rPr lang="en-CA" dirty="0" smtClean="0"/>
-              <a:t>Star Schema</a:t>
-            </a:r>
-            <a:endParaRPr lang="en-CA" dirty="0"/>
-          </a:p>
-        </p:txBody>
-      </p:sp>
-      <p:pic>
-        <p:nvPicPr>
-          <p:cNvPr id="1026" name="Picture 2"/>
-          <p:cNvPicPr>
-            <a:picLocks noChangeAspect="1" noChangeArrowheads="1"/>
-          </p:cNvPicPr>
-          <p:nvPr/>
-        </p:nvPicPr>
-        <p:blipFill>
-          <a:blip r:embed="rId2"/>
-          <a:srcRect/>
-          <a:stretch>
-            <a:fillRect/>
-          </a:stretch>
-        </p:blipFill>
-        <p:spPr bwMode="auto">
-          <a:xfrm>
-            <a:off x="1328216" y="2357430"/>
-            <a:ext cx="6487568" cy="3929090"/>
-          </a:xfrm>
-          <a:prstGeom prst="rect">
-            <a:avLst/>
-          </a:prstGeom>
-          <a:noFill/>
-          <a:ln w="9525">
-            <a:noFill/>
-            <a:miter lim="800000"/>
-            <a:headEnd/>
-            <a:tailEnd/>
-          </a:ln>
-          <a:effectLst/>
-        </p:spPr>
-      </p:pic>
-    </p:spTree>
-  </p:cSld>
-  <p:clrMapOvr>
-    <a:masterClrMapping/>
-  </p:clrMapOvr>
-</p:sld>
-</file>
-
-<file path=ppt/slides/slide34.xml><?xml version="1.0" encoding="utf-8"?>
-<p:sld xmlns:a="http://schemas.openxmlformats.org/drawingml/2006/main" xmlns:r="http://schemas.openxmlformats.org/officeDocument/2006/relationships" xmlns:p="http://schemas.openxmlformats.org/presentationml/2006/main">
-  <p:cSld>
-    <p:spTree>
-      <p:nvGrpSpPr>
-        <p:cNvPr id="1" name=""/>
-        <p:cNvGrpSpPr/>
-        <p:nvPr/>
-      </p:nvGrpSpPr>
-      <p:grpSpPr>
-        <a:xfrm>
-          <a:off x="0" y="0"/>
-          <a:ext cx="0" cy="0"/>
-          <a:chOff x="0" y="0"/>
-          <a:chExt cx="0" cy="0"/>
-        </a:xfrm>
-      </p:grpSpPr>
-      <p:sp>
-        <p:nvSpPr>
-          <p:cNvPr id="2" name="Title 1"/>
-          <p:cNvSpPr>
-            <a:spLocks noGrp="1"/>
-          </p:cNvSpPr>
-          <p:nvPr>
-            <p:ph type="title"/>
-          </p:nvPr>
-        </p:nvSpPr>
-        <p:spPr/>
-        <p:txBody>
-          <a:bodyPr>
-            <a:normAutofit fontScale="90000"/>
-          </a:bodyPr>
-          <a:lstStyle/>
-          <a:p>
-            <a:r>
-              <a:rPr lang="en-CA" sz="3300" dirty="0" smtClean="0"/>
-              <a:t>Data Warehouses</a:t>
-            </a:r>
-            <a:br>
-              <a:rPr lang="en-CA" sz="3300" dirty="0" smtClean="0"/>
-            </a:br>
-            <a:r>
-              <a:rPr lang="en-CA" dirty="0" smtClean="0"/>
-              <a:t>Challenges</a:t>
-            </a:r>
-            <a:endParaRPr lang="en-CA" dirty="0"/>
-          </a:p>
-        </p:txBody>
-      </p:sp>
-      <p:sp>
-        <p:nvSpPr>
-          <p:cNvPr id="3" name="Content Placeholder 2"/>
-          <p:cNvSpPr>
-            <a:spLocks noGrp="1"/>
-          </p:cNvSpPr>
-          <p:nvPr>
-            <p:ph idx="1"/>
-          </p:nvPr>
-        </p:nvSpPr>
-        <p:spPr/>
-        <p:txBody>
-          <a:bodyPr>
-            <a:normAutofit/>
-          </a:bodyPr>
-          <a:lstStyle/>
-          <a:p>
-            <a:r>
-              <a:rPr lang="en-CA" dirty="0" smtClean="0"/>
-              <a:t>Data is usually</a:t>
-            </a:r>
-          </a:p>
-          <a:p>
-            <a:pPr lvl="1">
-              <a:lnSpc>
-                <a:spcPct val="90000"/>
-              </a:lnSpc>
-              <a:buFont typeface="Arial" pitchFamily="34" charset="0"/>
-              <a:buChar char="•"/>
-            </a:pPr>
-            <a:r>
-              <a:rPr lang="en-CA" sz="2600" dirty="0" smtClean="0"/>
-              <a:t>Extremely large</a:t>
-            </a:r>
-          </a:p>
-          <a:p>
-            <a:pPr lvl="1">
-              <a:lnSpc>
-                <a:spcPct val="90000"/>
-              </a:lnSpc>
-              <a:buFont typeface="Arial" pitchFamily="34" charset="0"/>
-              <a:buChar char="•"/>
-            </a:pPr>
-            <a:r>
-              <a:rPr lang="en-CA" sz="2600" dirty="0" smtClean="0"/>
-              <a:t>Multi-dimensional</a:t>
-            </a:r>
-          </a:p>
-          <a:p>
-            <a:r>
-              <a:rPr lang="en-CA" dirty="0" smtClean="0"/>
-              <a:t>Priority for aggregated and summarized data</a:t>
-            </a:r>
-          </a:p>
-          <a:p>
-            <a:r>
-              <a:rPr lang="en-CA" dirty="0" smtClean="0"/>
-              <a:t>Ad-hoc and complex queries</a:t>
-            </a:r>
-          </a:p>
-          <a:p>
-            <a:r>
-              <a:rPr lang="en-CA" dirty="0" smtClean="0"/>
-              <a:t>Expensive operations: aggregation, and joins</a:t>
-            </a:r>
-          </a:p>
-          <a:p>
-            <a:pPr lvl="1">
-              <a:lnSpc>
-                <a:spcPct val="90000"/>
-              </a:lnSpc>
-              <a:buFont typeface="Arial" pitchFamily="34" charset="0"/>
-              <a:buChar char="•"/>
-            </a:pPr>
-            <a:r>
-              <a:rPr lang="en-CA" sz="2600" dirty="0" smtClean="0"/>
-              <a:t>The fact table participates in every join</a:t>
-            </a:r>
-          </a:p>
-        </p:txBody>
-      </p:sp>
-      <p:sp>
-        <p:nvSpPr>
-          <p:cNvPr id="4" name="Date Placeholder 3"/>
-          <p:cNvSpPr>
-            <a:spLocks noGrp="1"/>
-          </p:cNvSpPr>
-          <p:nvPr>
-            <p:ph type="dt" sz="half" idx="10"/>
-          </p:nvPr>
-        </p:nvSpPr>
-        <p:spPr/>
-        <p:txBody>
-          <a:bodyPr/>
-          <a:lstStyle/>
-          <a:p>
-            <a:r>
-              <a:rPr lang="en-US" dirty="0" smtClean="0"/>
-              <a:t>Physical Design Patterns</a:t>
-            </a:r>
-            <a:endParaRPr lang="en-CA" dirty="0"/>
-          </a:p>
-        </p:txBody>
-      </p:sp>
-      <p:sp>
-        <p:nvSpPr>
-          <p:cNvPr id="5" name="Footer Placeholder 4"/>
-          <p:cNvSpPr>
-            <a:spLocks noGrp="1"/>
-          </p:cNvSpPr>
-          <p:nvPr>
-            <p:ph type="ftr" sz="quarter" idx="11"/>
-          </p:nvPr>
-        </p:nvSpPr>
-        <p:spPr/>
-        <p:txBody>
-          <a:bodyPr/>
-          <a:lstStyle/>
-          <a:p>
-            <a:r>
-              <a:rPr lang="en-CA" dirty="0" smtClean="0"/>
-              <a:t>Karim Ali &amp; Sarah Nadi</a:t>
-            </a:r>
-            <a:endParaRPr lang="en-CA" dirty="0"/>
-          </a:p>
-        </p:txBody>
-      </p:sp>
-      <p:sp>
-        <p:nvSpPr>
-          <p:cNvPr id="6" name="Slide Number Placeholder 5"/>
-          <p:cNvSpPr>
-            <a:spLocks noGrp="1"/>
-          </p:cNvSpPr>
-          <p:nvPr>
-            <p:ph type="sldNum" sz="quarter" idx="12"/>
-          </p:nvPr>
-        </p:nvSpPr>
-        <p:spPr/>
-        <p:txBody>
-          <a:bodyPr/>
-          <a:lstStyle/>
-          <a:p>
-            <a:fld id="{9AC8176B-BF31-4706-B15B-1AFC481B9AC3}" type="slidenum">
-              <a:rPr lang="en-CA" smtClean="0"/>
-              <a:pPr/>
-              <a:t>34</a:t>
-            </a:fld>
-            <a:endParaRPr lang="en-CA" dirty="0"/>
-          </a:p>
-        </p:txBody>
-      </p:sp>
-    </p:spTree>
-  </p:cSld>
-  <p:clrMapOvr>
-    <a:masterClrMapping/>
-  </p:clrMapOvr>
-</p:sld>
-</file>
-
-<file path=ppt/slides/slide35.xml><?xml version="1.0" encoding="utf-8"?>
-<p:sld xmlns:a="http://schemas.openxmlformats.org/drawingml/2006/main" xmlns:r="http://schemas.openxmlformats.org/officeDocument/2006/relationships" xmlns:p="http://schemas.openxmlformats.org/presentationml/2006/main">
-  <p:cSld>
-    <p:spTree>
-      <p:nvGrpSpPr>
-        <p:cNvPr id="1" name=""/>
-        <p:cNvGrpSpPr/>
-        <p:nvPr/>
-      </p:nvGrpSpPr>
-      <p:grpSpPr>
-        <a:xfrm>
-          <a:off x="0" y="0"/>
-          <a:ext cx="0" cy="0"/>
-          <a:chOff x="0" y="0"/>
-          <a:chExt cx="0" cy="0"/>
-        </a:xfrm>
-      </p:grpSpPr>
-      <p:sp>
-        <p:nvSpPr>
-          <p:cNvPr id="2" name="Title 1"/>
-          <p:cNvSpPr>
-            <a:spLocks noGrp="1"/>
-          </p:cNvSpPr>
-          <p:nvPr>
-            <p:ph type="title"/>
-          </p:nvPr>
-        </p:nvSpPr>
-        <p:spPr/>
-        <p:txBody>
-          <a:bodyPr>
-            <a:normAutofit fontScale="90000"/>
-          </a:bodyPr>
-          <a:lstStyle/>
-          <a:p>
-            <a:r>
-              <a:rPr lang="en-CA" sz="3300" dirty="0" smtClean="0"/>
-              <a:t>Data Warehouses</a:t>
-            </a:r>
-            <a:r>
-              <a:rPr lang="en-CA" dirty="0" smtClean="0"/>
-              <a:t/>
-            </a:r>
-            <a:br>
-              <a:rPr lang="en-CA" dirty="0" smtClean="0"/>
-            </a:br>
-            <a:r>
-              <a:rPr lang="en-CA" dirty="0" smtClean="0"/>
-              <a:t>1. Index Structures </a:t>
-            </a:r>
-            <a:endParaRPr lang="en-CA" dirty="0"/>
-          </a:p>
-        </p:txBody>
-      </p:sp>
-      <p:sp>
-        <p:nvSpPr>
-          <p:cNvPr id="4" name="Date Placeholder 3"/>
-          <p:cNvSpPr>
-            <a:spLocks noGrp="1"/>
-          </p:cNvSpPr>
-          <p:nvPr>
-            <p:ph type="dt" sz="half" idx="10"/>
-          </p:nvPr>
-        </p:nvSpPr>
-        <p:spPr/>
-        <p:txBody>
-          <a:bodyPr/>
-          <a:lstStyle/>
-          <a:p>
-            <a:r>
-              <a:rPr lang="en-US" dirty="0" smtClean="0"/>
-              <a:t>Physical Design Patterns</a:t>
-            </a:r>
-            <a:endParaRPr lang="en-CA" dirty="0"/>
-          </a:p>
-        </p:txBody>
-      </p:sp>
-      <p:sp>
-        <p:nvSpPr>
-          <p:cNvPr id="5" name="Footer Placeholder 4"/>
-          <p:cNvSpPr>
-            <a:spLocks noGrp="1"/>
-          </p:cNvSpPr>
-          <p:nvPr>
-            <p:ph type="ftr" sz="quarter" idx="11"/>
-          </p:nvPr>
-        </p:nvSpPr>
-        <p:spPr/>
-        <p:txBody>
-          <a:bodyPr/>
-          <a:lstStyle/>
-          <a:p>
-            <a:r>
-              <a:rPr lang="en-CA" dirty="0" smtClean="0"/>
-              <a:t>Karim Ali &amp; Sarah Nadi</a:t>
-            </a:r>
-            <a:endParaRPr lang="en-CA" dirty="0"/>
-          </a:p>
-        </p:txBody>
-      </p:sp>
-      <p:sp>
-        <p:nvSpPr>
-          <p:cNvPr id="6" name="Slide Number Placeholder 5"/>
-          <p:cNvSpPr>
-            <a:spLocks noGrp="1"/>
-          </p:cNvSpPr>
-          <p:nvPr>
-            <p:ph type="sldNum" sz="quarter" idx="12"/>
-          </p:nvPr>
-        </p:nvSpPr>
-        <p:spPr/>
-        <p:txBody>
-          <a:bodyPr/>
-          <a:lstStyle/>
-          <a:p>
-            <a:fld id="{9AC8176B-BF31-4706-B15B-1AFC481B9AC3}" type="slidenum">
-              <a:rPr lang="en-CA" smtClean="0"/>
-              <a:pPr/>
-              <a:t>35</a:t>
             </a:fld>
             <a:endParaRPr lang="en-CA" dirty="0"/>
           </a:p>
@@ -10641,6 +10138,7 @@
                     <a:bodyPr/>
                     <a:lstStyle/>
                     <a:p>
+                      <a:pPr algn="l"/>
                       <a:r>
                         <a:rPr lang="en-CA" b="1" i="0" dirty="0" smtClean="0"/>
                         <a:t>Universal</a:t>
@@ -10675,8 +10173,13 @@
                       </a:pPr>
                       <a:r>
                         <a:rPr lang="en-CA" sz="1600" baseline="0" dirty="0" smtClean="0"/>
-                        <a:t> Multidimensional data is linearized. </a:t>
-                      </a:r>
+                        <a:t> Multidimensional data is </a:t>
+                      </a:r>
+                      <a:r>
+                        <a:rPr lang="en-CA" sz="1600" baseline="0" dirty="0" err="1" smtClean="0"/>
+                        <a:t>linearized</a:t>
+                      </a:r>
+                      <a:endParaRPr lang="en-CA" sz="1600" baseline="0" dirty="0" smtClean="0"/>
                     </a:p>
                     <a:p>
                       <a:pPr>
@@ -10685,8 +10188,13 @@
                       </a:pPr>
                       <a:r>
                         <a:rPr lang="en-CA" sz="1600" baseline="0" dirty="0" smtClean="0"/>
-                        <a:t> Records are stored according to Z-order</a:t>
-                      </a:r>
+                        <a:t> Records are stored according to </a:t>
+                      </a:r>
+                      <a:r>
+                        <a:rPr lang="en-CA" sz="1600" baseline="0" dirty="0" smtClean="0"/>
+                        <a:t>Z-dimension</a:t>
+                      </a:r>
+                      <a:endParaRPr lang="en-CA" sz="1600" baseline="0" dirty="0" smtClean="0"/>
                     </a:p>
                     <a:p>
                       <a:pPr>
@@ -10769,6 +10277,7 @@
                     <a:bodyPr/>
                     <a:lstStyle/>
                     <a:p>
+                      <a:pPr algn="l"/>
                       <a:r>
                         <a:rPr lang="en-CA" b="1" i="0" dirty="0" smtClean="0"/>
                         <a:t> Bitmap Index</a:t>
@@ -10776,7 +10285,7 @@
                       <a:endParaRPr lang="en-CA" b="1" i="0" dirty="0"/>
                     </a:p>
                   </a:txBody>
-                  <a:tcPr/>
+                  <a:tcPr anchor="ctr"/>
                 </a:tc>
                 <a:tc>
                   <a:txBody>
@@ -10929,6 +10438,523 @@
           </a:graphicData>
         </a:graphic>
       </p:graphicFrame>
+    </p:spTree>
+  </p:cSld>
+  <p:clrMapOvr>
+    <a:masterClrMapping/>
+  </p:clrMapOvr>
+  <p:timing>
+    <p:tnLst>
+      <p:par>
+        <p:cTn id="1" dur="indefinite" restart="never" nodeType="tmRoot"/>
+      </p:par>
+    </p:tnLst>
+  </p:timing>
+</p:sld>
+</file>
+
+<file path=ppt/slides/slide34.xml><?xml version="1.0" encoding="utf-8"?>
+<p:sld xmlns:a="http://schemas.openxmlformats.org/drawingml/2006/main" xmlns:r="http://schemas.openxmlformats.org/officeDocument/2006/relationships" xmlns:p="http://schemas.openxmlformats.org/presentationml/2006/main">
+  <p:cSld>
+    <p:spTree>
+      <p:nvGrpSpPr>
+        <p:cNvPr id="1" name=""/>
+        <p:cNvGrpSpPr/>
+        <p:nvPr/>
+      </p:nvGrpSpPr>
+      <p:grpSpPr>
+        <a:xfrm>
+          <a:off x="0" y="0"/>
+          <a:ext cx="0" cy="0"/>
+          <a:chOff x="0" y="0"/>
+          <a:chExt cx="0" cy="0"/>
+        </a:xfrm>
+      </p:grpSpPr>
+      <p:sp>
+        <p:nvSpPr>
+          <p:cNvPr id="2" name="Title 1"/>
+          <p:cNvSpPr>
+            <a:spLocks noGrp="1"/>
+          </p:cNvSpPr>
+          <p:nvPr>
+            <p:ph type="title"/>
+          </p:nvPr>
+        </p:nvSpPr>
+        <p:spPr/>
+        <p:txBody>
+          <a:bodyPr>
+            <a:normAutofit fontScale="90000"/>
+          </a:bodyPr>
+          <a:lstStyle/>
+          <a:p>
+            <a:r>
+              <a:rPr lang="en-CA" sz="3300" dirty="0" smtClean="0"/>
+              <a:t>Data Warehouses</a:t>
+            </a:r>
+            <a:br>
+              <a:rPr lang="en-CA" sz="3300" dirty="0" smtClean="0"/>
+            </a:br>
+            <a:r>
+              <a:rPr lang="en-CA" sz="3300" dirty="0" smtClean="0"/>
+              <a:t>2. </a:t>
+            </a:r>
+            <a:r>
+              <a:rPr lang="en-CA" dirty="0" smtClean="0"/>
+              <a:t>Materialized Views</a:t>
+            </a:r>
+            <a:endParaRPr lang="en-CA" dirty="0"/>
+          </a:p>
+        </p:txBody>
+      </p:sp>
+      <p:sp>
+        <p:nvSpPr>
+          <p:cNvPr id="3" name="Content Placeholder 2"/>
+          <p:cNvSpPr>
+            <a:spLocks noGrp="1"/>
+          </p:cNvSpPr>
+          <p:nvPr>
+            <p:ph idx="1"/>
+          </p:nvPr>
+        </p:nvSpPr>
+        <p:spPr>
+          <a:xfrm>
+            <a:off x="457200" y="1775191"/>
+            <a:ext cx="8329642" cy="4625609"/>
+          </a:xfrm>
+        </p:spPr>
+        <p:txBody>
+          <a:bodyPr>
+            <a:normAutofit/>
+          </a:bodyPr>
+          <a:lstStyle/>
+          <a:p>
+            <a:r>
+              <a:rPr lang="en-CA" dirty="0" smtClean="0"/>
+              <a:t>To materialize or not?</a:t>
+            </a:r>
+          </a:p>
+          <a:p>
+            <a:pPr lvl="1">
+              <a:buFont typeface="Arial" pitchFamily="34" charset="0"/>
+              <a:buChar char="•"/>
+            </a:pPr>
+            <a:r>
+              <a:rPr lang="en-CA" sz="2600" dirty="0" smtClean="0"/>
+              <a:t>Workload characteristics</a:t>
+            </a:r>
+          </a:p>
+          <a:p>
+            <a:pPr lvl="1">
+              <a:buFont typeface="Arial" pitchFamily="34" charset="0"/>
+              <a:buChar char="•"/>
+            </a:pPr>
+            <a:r>
+              <a:rPr lang="en-CA" sz="2600" dirty="0" smtClean="0"/>
+              <a:t>Cost for incremental update</a:t>
+            </a:r>
+          </a:p>
+          <a:p>
+            <a:pPr lvl="1">
+              <a:buFont typeface="Arial" pitchFamily="34" charset="0"/>
+              <a:buChar char="•"/>
+            </a:pPr>
+            <a:r>
+              <a:rPr lang="en-CA" sz="2600" dirty="0" smtClean="0"/>
+              <a:t>Storage requirements</a:t>
+            </a:r>
+          </a:p>
+          <a:p>
+            <a:r>
+              <a:rPr lang="en-CA" dirty="0" smtClean="0"/>
+              <a:t>Pros</a:t>
+            </a:r>
+          </a:p>
+          <a:p>
+            <a:pPr lvl="1">
+              <a:buFont typeface="Arial" pitchFamily="34" charset="0"/>
+              <a:buChar char="•"/>
+            </a:pPr>
+            <a:r>
+              <a:rPr lang="en-CA" sz="2600" dirty="0" smtClean="0"/>
+              <a:t>Improves </a:t>
+            </a:r>
+            <a:r>
+              <a:rPr lang="en-CA" sz="2600" dirty="0" smtClean="0"/>
+              <a:t>performance through fast lookups</a:t>
+            </a:r>
+          </a:p>
+          <a:p>
+            <a:pPr lvl="1">
+              <a:buFont typeface="Arial" pitchFamily="34" charset="0"/>
+              <a:buChar char="•"/>
+            </a:pPr>
+            <a:r>
+              <a:rPr lang="en-CA" sz="2600" dirty="0" smtClean="0"/>
+              <a:t>Useful for rollup and drilldown operations</a:t>
+            </a:r>
+          </a:p>
+          <a:p>
+            <a:r>
+              <a:rPr lang="en-CA" dirty="0" smtClean="0"/>
+              <a:t>Cons</a:t>
+            </a:r>
+          </a:p>
+          <a:p>
+            <a:pPr lvl="1">
+              <a:buFont typeface="Arial" pitchFamily="34" charset="0"/>
+              <a:buChar char="•"/>
+            </a:pPr>
+            <a:r>
+              <a:rPr lang="en-CA" sz="2600" dirty="0" smtClean="0"/>
+              <a:t>Not applicable to all queries (e.g. ad-hoc queries)</a:t>
+            </a:r>
+          </a:p>
+          <a:p>
+            <a:pPr lvl="2"/>
+            <a:endParaRPr lang="en-CA" dirty="0" smtClean="0"/>
+          </a:p>
+          <a:p>
+            <a:pPr lvl="2"/>
+            <a:endParaRPr lang="en-CA" dirty="0" smtClean="0"/>
+          </a:p>
+        </p:txBody>
+      </p:sp>
+      <p:sp>
+        <p:nvSpPr>
+          <p:cNvPr id="4" name="Date Placeholder 3"/>
+          <p:cNvSpPr>
+            <a:spLocks noGrp="1"/>
+          </p:cNvSpPr>
+          <p:nvPr>
+            <p:ph type="dt" sz="half" idx="10"/>
+          </p:nvPr>
+        </p:nvSpPr>
+        <p:spPr/>
+        <p:txBody>
+          <a:bodyPr/>
+          <a:lstStyle/>
+          <a:p>
+            <a:r>
+              <a:rPr lang="en-US" dirty="0" smtClean="0"/>
+              <a:t>Physical Design Patterns</a:t>
+            </a:r>
+            <a:endParaRPr lang="en-CA" dirty="0"/>
+          </a:p>
+        </p:txBody>
+      </p:sp>
+      <p:sp>
+        <p:nvSpPr>
+          <p:cNvPr id="5" name="Footer Placeholder 4"/>
+          <p:cNvSpPr>
+            <a:spLocks noGrp="1"/>
+          </p:cNvSpPr>
+          <p:nvPr>
+            <p:ph type="ftr" sz="quarter" idx="11"/>
+          </p:nvPr>
+        </p:nvSpPr>
+        <p:spPr/>
+        <p:txBody>
+          <a:bodyPr/>
+          <a:lstStyle/>
+          <a:p>
+            <a:r>
+              <a:rPr lang="en-CA" dirty="0" smtClean="0"/>
+              <a:t>Karim Ali &amp; Sarah Nadi</a:t>
+            </a:r>
+            <a:endParaRPr lang="en-CA" dirty="0"/>
+          </a:p>
+        </p:txBody>
+      </p:sp>
+      <p:sp>
+        <p:nvSpPr>
+          <p:cNvPr id="6" name="Slide Number Placeholder 5"/>
+          <p:cNvSpPr>
+            <a:spLocks noGrp="1"/>
+          </p:cNvSpPr>
+          <p:nvPr>
+            <p:ph type="sldNum" sz="quarter" idx="12"/>
+          </p:nvPr>
+        </p:nvSpPr>
+        <p:spPr/>
+        <p:txBody>
+          <a:bodyPr/>
+          <a:lstStyle/>
+          <a:p>
+            <a:fld id="{9AC8176B-BF31-4706-B15B-1AFC481B9AC3}" type="slidenum">
+              <a:rPr lang="en-CA" smtClean="0"/>
+              <a:pPr/>
+              <a:t>34</a:t>
+            </a:fld>
+            <a:endParaRPr lang="en-CA" dirty="0"/>
+          </a:p>
+        </p:txBody>
+      </p:sp>
+    </p:spTree>
+  </p:cSld>
+  <p:clrMapOvr>
+    <a:masterClrMapping/>
+  </p:clrMapOvr>
+  <p:timing>
+    <p:tnLst>
+      <p:par>
+        <p:cTn id="1" dur="indefinite" restart="never" nodeType="tmRoot"/>
+      </p:par>
+    </p:tnLst>
+  </p:timing>
+</p:sld>
+</file>
+
+<file path=ppt/slides/slide35.xml><?xml version="1.0" encoding="utf-8"?>
+<p:sld xmlns:a="http://schemas.openxmlformats.org/drawingml/2006/main" xmlns:r="http://schemas.openxmlformats.org/officeDocument/2006/relationships" xmlns:p="http://schemas.openxmlformats.org/presentationml/2006/main">
+  <p:cSld>
+    <p:spTree>
+      <p:nvGrpSpPr>
+        <p:cNvPr id="1" name=""/>
+        <p:cNvGrpSpPr/>
+        <p:nvPr/>
+      </p:nvGrpSpPr>
+      <p:grpSpPr>
+        <a:xfrm>
+          <a:off x="0" y="0"/>
+          <a:ext cx="0" cy="0"/>
+          <a:chOff x="0" y="0"/>
+          <a:chExt cx="0" cy="0"/>
+        </a:xfrm>
+      </p:grpSpPr>
+      <p:sp>
+        <p:nvSpPr>
+          <p:cNvPr id="2" name="Title 1"/>
+          <p:cNvSpPr>
+            <a:spLocks noGrp="1"/>
+          </p:cNvSpPr>
+          <p:nvPr>
+            <p:ph type="title"/>
+          </p:nvPr>
+        </p:nvSpPr>
+        <p:spPr/>
+        <p:txBody>
+          <a:bodyPr>
+            <a:normAutofit fontScale="90000"/>
+          </a:bodyPr>
+          <a:lstStyle/>
+          <a:p>
+            <a:r>
+              <a:rPr lang="en-CA" sz="3300" dirty="0" smtClean="0"/>
+              <a:t>Data Warehouses</a:t>
+            </a:r>
+            <a:r>
+              <a:rPr lang="en-CA" dirty="0" smtClean="0"/>
+              <a:t/>
+            </a:r>
+            <a:br>
+              <a:rPr lang="en-CA" dirty="0" smtClean="0"/>
+            </a:br>
+            <a:r>
+              <a:rPr lang="en-CA" dirty="0" smtClean="0"/>
+              <a:t>3. Partitioning</a:t>
+            </a:r>
+            <a:endParaRPr lang="en-CA" dirty="0"/>
+          </a:p>
+        </p:txBody>
+      </p:sp>
+      <p:sp>
+        <p:nvSpPr>
+          <p:cNvPr id="3" name="Content Placeholder 2"/>
+          <p:cNvSpPr>
+            <a:spLocks noGrp="1"/>
+          </p:cNvSpPr>
+          <p:nvPr>
+            <p:ph idx="1"/>
+          </p:nvPr>
+        </p:nvSpPr>
+        <p:spPr>
+          <a:xfrm>
+            <a:off x="457200" y="1775191"/>
+            <a:ext cx="8401080" cy="4625609"/>
+          </a:xfrm>
+        </p:spPr>
+        <p:txBody>
+          <a:bodyPr>
+            <a:normAutofit fontScale="85000" lnSpcReduction="20000"/>
+          </a:bodyPr>
+          <a:lstStyle/>
+          <a:p>
+            <a:r>
+              <a:rPr lang="en-CA" dirty="0" smtClean="0"/>
+              <a:t>Horizontal </a:t>
+            </a:r>
+            <a:r>
+              <a:rPr lang="en-CA" dirty="0" smtClean="0"/>
+              <a:t>&amp; Vertical partitioning are used</a:t>
+            </a:r>
+          </a:p>
+          <a:p>
+            <a:r>
+              <a:rPr lang="en-CA" dirty="0" smtClean="0"/>
+              <a:t>Pros</a:t>
+            </a:r>
+          </a:p>
+          <a:p>
+            <a:pPr lvl="1">
+              <a:lnSpc>
+                <a:spcPct val="110000"/>
+              </a:lnSpc>
+              <a:buFont typeface="Arial" pitchFamily="34" charset="0"/>
+              <a:buChar char="•"/>
+            </a:pPr>
+            <a:r>
+              <a:rPr lang="en-CA" dirty="0" smtClean="0"/>
+              <a:t>Ability to manage larger databases</a:t>
+            </a:r>
+          </a:p>
+          <a:p>
+            <a:pPr lvl="1">
+              <a:lnSpc>
+                <a:spcPct val="110000"/>
+              </a:lnSpc>
+              <a:buFont typeface="Arial" pitchFamily="34" charset="0"/>
+              <a:buChar char="•"/>
+            </a:pPr>
+            <a:r>
+              <a:rPr lang="en-CA" dirty="0" smtClean="0"/>
+              <a:t>Enhances query performance over large tables</a:t>
+            </a:r>
+          </a:p>
+          <a:p>
+            <a:pPr lvl="1">
+              <a:lnSpc>
+                <a:spcPct val="110000"/>
+              </a:lnSpc>
+              <a:buFont typeface="Arial" pitchFamily="34" charset="0"/>
+              <a:buChar char="•"/>
+            </a:pPr>
+            <a:r>
+              <a:rPr lang="en-CA" dirty="0" smtClean="0"/>
+              <a:t>Enables parallel processing </a:t>
+            </a:r>
+          </a:p>
+          <a:p>
+            <a:pPr lvl="1">
+              <a:lnSpc>
+                <a:spcPct val="110000"/>
+              </a:lnSpc>
+              <a:buFont typeface="Arial" pitchFamily="34" charset="0"/>
+              <a:buChar char="•"/>
+            </a:pPr>
+            <a:r>
+              <a:rPr lang="en-CA" dirty="0" smtClean="0"/>
+              <a:t>Facilitates data compression</a:t>
+            </a:r>
+          </a:p>
+          <a:p>
+            <a:r>
+              <a:rPr lang="en-CA" dirty="0" smtClean="0"/>
+              <a:t>Cons</a:t>
+            </a:r>
+          </a:p>
+          <a:p>
+            <a:pPr lvl="1">
+              <a:lnSpc>
+                <a:spcPct val="110000"/>
+              </a:lnSpc>
+              <a:buFont typeface="Arial" pitchFamily="34" charset="0"/>
+              <a:buChar char="•"/>
+            </a:pPr>
+            <a:r>
+              <a:rPr lang="en-CA" sz="3100" dirty="0" smtClean="0"/>
+              <a:t>Complexity: managing partitions</a:t>
+            </a:r>
+          </a:p>
+          <a:p>
+            <a:pPr lvl="1">
+              <a:lnSpc>
+                <a:spcPct val="110000"/>
+              </a:lnSpc>
+              <a:buFont typeface="Arial" pitchFamily="34" charset="0"/>
+              <a:buChar char="•"/>
+            </a:pPr>
+            <a:r>
+              <a:rPr lang="en-CA" sz="3100" dirty="0" smtClean="0"/>
+              <a:t>Efficiency: number of partitions affects the performance of meta data operations (e.g. browsing the data cube definition</a:t>
+            </a:r>
+            <a:r>
+              <a:rPr lang="en-CA" sz="3100" dirty="0" smtClean="0"/>
+              <a:t>)</a:t>
+            </a:r>
+            <a:endParaRPr lang="en-CA" sz="3100" dirty="0" smtClean="0"/>
+          </a:p>
+        </p:txBody>
+      </p:sp>
+      <p:sp>
+        <p:nvSpPr>
+          <p:cNvPr id="4" name="Date Placeholder 3"/>
+          <p:cNvSpPr>
+            <a:spLocks noGrp="1"/>
+          </p:cNvSpPr>
+          <p:nvPr>
+            <p:ph type="dt" sz="half" idx="10"/>
+          </p:nvPr>
+        </p:nvSpPr>
+        <p:spPr/>
+        <p:txBody>
+          <a:bodyPr/>
+          <a:lstStyle/>
+          <a:p>
+            <a:r>
+              <a:rPr lang="en-US" dirty="0" smtClean="0"/>
+              <a:t>Physical Design Patterns</a:t>
+            </a:r>
+            <a:endParaRPr lang="en-CA" dirty="0"/>
+          </a:p>
+        </p:txBody>
+      </p:sp>
+      <p:sp>
+        <p:nvSpPr>
+          <p:cNvPr id="5" name="Footer Placeholder 4"/>
+          <p:cNvSpPr>
+            <a:spLocks noGrp="1"/>
+          </p:cNvSpPr>
+          <p:nvPr>
+            <p:ph type="ftr" sz="quarter" idx="11"/>
+          </p:nvPr>
+        </p:nvSpPr>
+        <p:spPr/>
+        <p:txBody>
+          <a:bodyPr/>
+          <a:lstStyle/>
+          <a:p>
+            <a:r>
+              <a:rPr lang="en-CA" dirty="0" smtClean="0"/>
+              <a:t>Karim Ali &amp; Sarah Nadi</a:t>
+            </a:r>
+            <a:endParaRPr lang="en-CA" dirty="0"/>
+          </a:p>
+        </p:txBody>
+      </p:sp>
+      <p:sp>
+        <p:nvSpPr>
+          <p:cNvPr id="6" name="Slide Number Placeholder 5"/>
+          <p:cNvSpPr>
+            <a:spLocks noGrp="1"/>
+          </p:cNvSpPr>
+          <p:nvPr>
+            <p:ph type="sldNum" sz="quarter" idx="12"/>
+          </p:nvPr>
+        </p:nvSpPr>
+        <p:spPr/>
+        <p:txBody>
+          <a:bodyPr/>
+          <a:lstStyle/>
+          <a:p>
+            <a:fld id="{9AC8176B-BF31-4706-B15B-1AFC481B9AC3}" type="slidenum">
+              <a:rPr lang="en-CA" smtClean="0"/>
+              <a:pPr/>
+              <a:t>35</a:t>
+            </a:fld>
+            <a:endParaRPr lang="en-CA" dirty="0"/>
+          </a:p>
+        </p:txBody>
+      </p:sp>
     </p:spTree>
   </p:cSld>
   <p:clrMapOvr>
@@ -10982,16 +11008,16 @@
               <a:rPr lang="en-CA" sz="3300" dirty="0" smtClean="0"/>
               <a:t>Data Warehouses</a:t>
             </a:r>
+            <a:r>
+              <a:rPr lang="en-CA" dirty="0" smtClean="0"/>
+              <a:t/>
+            </a:r>
             <a:br>
-              <a:rPr lang="en-CA" sz="3300" dirty="0" smtClean="0"/>
+              <a:rPr lang="en-CA" dirty="0" smtClean="0"/>
             </a:br>
             <a:r>
-              <a:rPr lang="en-CA" sz="3300" dirty="0" smtClean="0"/>
-              <a:t>2. </a:t>
-            </a:r>
-            <a:r>
-              <a:rPr lang="en-CA" dirty="0" smtClean="0"/>
-              <a:t>Materialized Views</a:t>
+              <a:rPr lang="en-CA" dirty="0" smtClean="0"/>
+              <a:t>4. Clustering</a:t>
             </a:r>
             <a:endParaRPr lang="en-CA" dirty="0"/>
           </a:p>
@@ -11007,112 +11033,17 @@
             <p:ph idx="1"/>
           </p:nvPr>
         </p:nvSpPr>
-        <p:spPr>
-          <a:xfrm>
-            <a:off x="457200" y="1775191"/>
-            <a:ext cx="8329642" cy="4625609"/>
-          </a:xfrm>
-        </p:spPr>
+        <p:spPr/>
         <p:txBody>
           <a:bodyPr>
-            <a:normAutofit lnSpcReduction="10000"/>
+            <a:normAutofit/>
           </a:bodyPr>
           <a:lstStyle/>
           <a:p>
             <a:r>
               <a:rPr lang="en-CA" dirty="0" smtClean="0"/>
-              <a:t>To materialize or not?</a:t>
-            </a:r>
-          </a:p>
-          <a:p>
-            <a:pPr lvl="1">
-              <a:buFont typeface="Arial" pitchFamily="34" charset="0"/>
-              <a:buChar char="•"/>
-            </a:pPr>
-            <a:r>
-              <a:rPr lang="en-CA" sz="2600" dirty="0" smtClean="0"/>
-              <a:t>Workload characteristics</a:t>
-            </a:r>
-          </a:p>
-          <a:p>
-            <a:pPr lvl="1">
-              <a:buFont typeface="Arial" pitchFamily="34" charset="0"/>
-              <a:buChar char="•"/>
-            </a:pPr>
-            <a:r>
-              <a:rPr lang="en-CA" sz="2600" dirty="0" smtClean="0"/>
-              <a:t>Cost for incremental update</a:t>
-            </a:r>
-          </a:p>
-          <a:p>
-            <a:pPr lvl="1">
-              <a:buFont typeface="Arial" pitchFamily="34" charset="0"/>
-              <a:buChar char="•"/>
-            </a:pPr>
-            <a:r>
-              <a:rPr lang="en-CA" sz="2600" dirty="0" smtClean="0"/>
-              <a:t>Storage requirements</a:t>
-            </a:r>
-          </a:p>
-          <a:p>
-            <a:r>
-              <a:rPr lang="en-CA" dirty="0" smtClean="0"/>
-              <a:t>Pros</a:t>
-            </a:r>
-          </a:p>
-          <a:p>
-            <a:pPr lvl="1">
-              <a:buFont typeface="Arial" pitchFamily="34" charset="0"/>
-              <a:buChar char="•"/>
-            </a:pPr>
-            <a:r>
-              <a:rPr lang="en-CA" sz="2600" dirty="0" smtClean="0"/>
-              <a:t>Behaves like an index</a:t>
-            </a:r>
-          </a:p>
-          <a:p>
-            <a:pPr lvl="1">
-              <a:buFont typeface="Arial" pitchFamily="34" charset="0"/>
-              <a:buChar char="•"/>
-            </a:pPr>
-            <a:r>
-              <a:rPr lang="en-CA" sz="2600" dirty="0" smtClean="0"/>
-              <a:t>Improves performance through fast lookups</a:t>
-            </a:r>
-          </a:p>
-          <a:p>
-            <a:pPr lvl="1">
-              <a:buFont typeface="Arial" pitchFamily="34" charset="0"/>
-              <a:buChar char="•"/>
-            </a:pPr>
-            <a:r>
-              <a:rPr lang="en-CA" sz="2600" dirty="0" smtClean="0"/>
-              <a:t>Useful for rollup and drilldown operations</a:t>
-            </a:r>
-          </a:p>
-          <a:p>
-            <a:r>
-              <a:rPr lang="en-CA" dirty="0" smtClean="0"/>
-              <a:t>Cons</a:t>
-            </a:r>
-          </a:p>
-          <a:p>
-            <a:pPr lvl="1">
-              <a:buFont typeface="Arial" pitchFamily="34" charset="0"/>
-              <a:buChar char="•"/>
-            </a:pPr>
-            <a:r>
-              <a:rPr lang="en-CA" sz="2600" dirty="0" smtClean="0"/>
-              <a:t>Not applicable to all queries (e.g. ad-hoc queries)</a:t>
-            </a:r>
-          </a:p>
-          <a:p>
-            <a:pPr lvl="2"/>
-            <a:endParaRPr lang="en-CA" dirty="0" smtClean="0"/>
-          </a:p>
-          <a:p>
-            <a:pPr lvl="2"/>
-            <a:endParaRPr lang="en-CA" dirty="0" smtClean="0"/>
+              <a:t>Data is clustered by nature</a:t>
+            </a:r>
           </a:p>
         </p:txBody>
       </p:sp>
@@ -11181,430 +11112,6 @@
               <a:rPr lang="en-CA" smtClean="0"/>
               <a:pPr/>
               <a:t>36</a:t>
-            </a:fld>
-            <a:endParaRPr lang="en-CA" dirty="0"/>
-          </a:p>
-        </p:txBody>
-      </p:sp>
-    </p:spTree>
-  </p:cSld>
-  <p:clrMapOvr>
-    <a:masterClrMapping/>
-  </p:clrMapOvr>
-</p:sld>
-</file>
-
-<file path=ppt/slides/slide37.xml><?xml version="1.0" encoding="utf-8"?>
-<p:sld xmlns:a="http://schemas.openxmlformats.org/drawingml/2006/main" xmlns:r="http://schemas.openxmlformats.org/officeDocument/2006/relationships" xmlns:p="http://schemas.openxmlformats.org/presentationml/2006/main">
-  <p:cSld>
-    <p:spTree>
-      <p:nvGrpSpPr>
-        <p:cNvPr id="1" name=""/>
-        <p:cNvGrpSpPr/>
-        <p:nvPr/>
-      </p:nvGrpSpPr>
-      <p:grpSpPr>
-        <a:xfrm>
-          <a:off x="0" y="0"/>
-          <a:ext cx="0" cy="0"/>
-          <a:chOff x="0" y="0"/>
-          <a:chExt cx="0" cy="0"/>
-        </a:xfrm>
-      </p:grpSpPr>
-      <p:sp>
-        <p:nvSpPr>
-          <p:cNvPr id="2" name="Title 1"/>
-          <p:cNvSpPr>
-            <a:spLocks noGrp="1"/>
-          </p:cNvSpPr>
-          <p:nvPr>
-            <p:ph type="title"/>
-          </p:nvPr>
-        </p:nvSpPr>
-        <p:spPr/>
-        <p:txBody>
-          <a:bodyPr>
-            <a:normAutofit fontScale="90000"/>
-          </a:bodyPr>
-          <a:lstStyle/>
-          <a:p>
-            <a:r>
-              <a:rPr lang="en-CA" sz="3300" dirty="0" smtClean="0"/>
-              <a:t>Data Warehouses</a:t>
-            </a:r>
-            <a:r>
-              <a:rPr lang="en-CA" dirty="0" smtClean="0"/>
-              <a:t/>
-            </a:r>
-            <a:br>
-              <a:rPr lang="en-CA" dirty="0" smtClean="0"/>
-            </a:br>
-            <a:r>
-              <a:rPr lang="en-CA" dirty="0" smtClean="0"/>
-              <a:t>3. Partitioning</a:t>
-            </a:r>
-            <a:endParaRPr lang="en-CA" dirty="0"/>
-          </a:p>
-        </p:txBody>
-      </p:sp>
-      <p:sp>
-        <p:nvSpPr>
-          <p:cNvPr id="3" name="Content Placeholder 2"/>
-          <p:cNvSpPr>
-            <a:spLocks noGrp="1"/>
-          </p:cNvSpPr>
-          <p:nvPr>
-            <p:ph idx="1"/>
-          </p:nvPr>
-        </p:nvSpPr>
-        <p:spPr>
-          <a:xfrm>
-            <a:off x="457200" y="1775191"/>
-            <a:ext cx="8401080" cy="4625609"/>
-          </a:xfrm>
-        </p:spPr>
-        <p:txBody>
-          <a:bodyPr>
-            <a:normAutofit fontScale="70000" lnSpcReduction="20000"/>
-          </a:bodyPr>
-          <a:lstStyle/>
-          <a:p>
-            <a:r>
-              <a:rPr lang="en-CA" dirty="0" smtClean="0"/>
-              <a:t>Dividing database objects into smaller more manageable pieces</a:t>
-            </a:r>
-          </a:p>
-          <a:p>
-            <a:r>
-              <a:rPr lang="en-CA" dirty="0" smtClean="0"/>
-              <a:t>Horizontal &amp; Vertical partitioning are used</a:t>
-            </a:r>
-          </a:p>
-          <a:p>
-            <a:r>
-              <a:rPr lang="en-CA" dirty="0" smtClean="0"/>
-              <a:t>Pros</a:t>
-            </a:r>
-          </a:p>
-          <a:p>
-            <a:pPr lvl="1">
-              <a:lnSpc>
-                <a:spcPct val="110000"/>
-              </a:lnSpc>
-              <a:buFont typeface="Arial" pitchFamily="34" charset="0"/>
-              <a:buChar char="•"/>
-            </a:pPr>
-            <a:r>
-              <a:rPr lang="en-CA" dirty="0" smtClean="0"/>
-              <a:t>Ability to manage larger databases</a:t>
-            </a:r>
-          </a:p>
-          <a:p>
-            <a:pPr lvl="1">
-              <a:lnSpc>
-                <a:spcPct val="110000"/>
-              </a:lnSpc>
-              <a:buFont typeface="Arial" pitchFamily="34" charset="0"/>
-              <a:buChar char="•"/>
-            </a:pPr>
-            <a:r>
-              <a:rPr lang="en-CA" dirty="0" smtClean="0"/>
-              <a:t>Enhances query performance over large tables</a:t>
-            </a:r>
-          </a:p>
-          <a:p>
-            <a:pPr lvl="1">
-              <a:lnSpc>
-                <a:spcPct val="110000"/>
-              </a:lnSpc>
-              <a:buFont typeface="Arial" pitchFamily="34" charset="0"/>
-              <a:buChar char="•"/>
-            </a:pPr>
-            <a:r>
-              <a:rPr lang="en-CA" dirty="0" smtClean="0"/>
-              <a:t>Enables parallel processing </a:t>
-            </a:r>
-          </a:p>
-          <a:p>
-            <a:pPr lvl="1">
-              <a:lnSpc>
-                <a:spcPct val="110000"/>
-              </a:lnSpc>
-              <a:buFont typeface="Arial" pitchFamily="34" charset="0"/>
-              <a:buChar char="•"/>
-            </a:pPr>
-            <a:r>
-              <a:rPr lang="en-CA" dirty="0" smtClean="0"/>
-              <a:t>Facilitates data compression</a:t>
-            </a:r>
-          </a:p>
-          <a:p>
-            <a:r>
-              <a:rPr lang="en-CA" dirty="0" smtClean="0"/>
-              <a:t>Cons</a:t>
-            </a:r>
-          </a:p>
-          <a:p>
-            <a:pPr lvl="1">
-              <a:lnSpc>
-                <a:spcPct val="110000"/>
-              </a:lnSpc>
-              <a:buFont typeface="Arial" pitchFamily="34" charset="0"/>
-              <a:buChar char="•"/>
-            </a:pPr>
-            <a:r>
-              <a:rPr lang="en-CA" sz="3100" dirty="0" smtClean="0"/>
-              <a:t>Complexity: managing partitions</a:t>
-            </a:r>
-          </a:p>
-          <a:p>
-            <a:pPr lvl="1">
-              <a:lnSpc>
-                <a:spcPct val="110000"/>
-              </a:lnSpc>
-              <a:buFont typeface="Arial" pitchFamily="34" charset="0"/>
-              <a:buChar char="•"/>
-            </a:pPr>
-            <a:r>
-              <a:rPr lang="en-CA" sz="3100" dirty="0" smtClean="0"/>
-              <a:t>Efficiency: number of partitions affects the performance of meta data operations (e.g. browsing the data cube definition)</a:t>
-            </a:r>
-          </a:p>
-          <a:p>
-            <a:pPr lvl="1">
-              <a:lnSpc>
-                <a:spcPct val="110000"/>
-              </a:lnSpc>
-              <a:buFont typeface="Arial" pitchFamily="34" charset="0"/>
-              <a:buChar char="•"/>
-            </a:pPr>
-            <a:r>
-              <a:rPr lang="en-CA" sz="3100" dirty="0" smtClean="0"/>
-              <a:t>Might affect data refresh operations</a:t>
-            </a:r>
-          </a:p>
-        </p:txBody>
-      </p:sp>
-      <p:sp>
-        <p:nvSpPr>
-          <p:cNvPr id="4" name="Date Placeholder 3"/>
-          <p:cNvSpPr>
-            <a:spLocks noGrp="1"/>
-          </p:cNvSpPr>
-          <p:nvPr>
-            <p:ph type="dt" sz="half" idx="10"/>
-          </p:nvPr>
-        </p:nvSpPr>
-        <p:spPr/>
-        <p:txBody>
-          <a:bodyPr/>
-          <a:lstStyle/>
-          <a:p>
-            <a:r>
-              <a:rPr lang="en-US" dirty="0" smtClean="0"/>
-              <a:t>Physical Design Patterns</a:t>
-            </a:r>
-            <a:endParaRPr lang="en-CA" dirty="0"/>
-          </a:p>
-        </p:txBody>
-      </p:sp>
-      <p:sp>
-        <p:nvSpPr>
-          <p:cNvPr id="5" name="Footer Placeholder 4"/>
-          <p:cNvSpPr>
-            <a:spLocks noGrp="1"/>
-          </p:cNvSpPr>
-          <p:nvPr>
-            <p:ph type="ftr" sz="quarter" idx="11"/>
-          </p:nvPr>
-        </p:nvSpPr>
-        <p:spPr/>
-        <p:txBody>
-          <a:bodyPr/>
-          <a:lstStyle/>
-          <a:p>
-            <a:r>
-              <a:rPr lang="en-CA" dirty="0" smtClean="0"/>
-              <a:t>Karim Ali &amp; Sarah Nadi</a:t>
-            </a:r>
-            <a:endParaRPr lang="en-CA" dirty="0"/>
-          </a:p>
-        </p:txBody>
-      </p:sp>
-      <p:sp>
-        <p:nvSpPr>
-          <p:cNvPr id="6" name="Slide Number Placeholder 5"/>
-          <p:cNvSpPr>
-            <a:spLocks noGrp="1"/>
-          </p:cNvSpPr>
-          <p:nvPr>
-            <p:ph type="sldNum" sz="quarter" idx="12"/>
-          </p:nvPr>
-        </p:nvSpPr>
-        <p:spPr/>
-        <p:txBody>
-          <a:bodyPr/>
-          <a:lstStyle/>
-          <a:p>
-            <a:fld id="{9AC8176B-BF31-4706-B15B-1AFC481B9AC3}" type="slidenum">
-              <a:rPr lang="en-CA" smtClean="0"/>
-              <a:pPr/>
-              <a:t>37</a:t>
-            </a:fld>
-            <a:endParaRPr lang="en-CA" dirty="0"/>
-          </a:p>
-        </p:txBody>
-      </p:sp>
-    </p:spTree>
-  </p:cSld>
-  <p:clrMapOvr>
-    <a:masterClrMapping/>
-  </p:clrMapOvr>
-</p:sld>
-</file>
-
-<file path=ppt/slides/slide38.xml><?xml version="1.0" encoding="utf-8"?>
-<p:sld xmlns:a="http://schemas.openxmlformats.org/drawingml/2006/main" xmlns:r="http://schemas.openxmlformats.org/officeDocument/2006/relationships" xmlns:p="http://schemas.openxmlformats.org/presentationml/2006/main">
-  <p:cSld>
-    <p:spTree>
-      <p:nvGrpSpPr>
-        <p:cNvPr id="1" name=""/>
-        <p:cNvGrpSpPr/>
-        <p:nvPr/>
-      </p:nvGrpSpPr>
-      <p:grpSpPr>
-        <a:xfrm>
-          <a:off x="0" y="0"/>
-          <a:ext cx="0" cy="0"/>
-          <a:chOff x="0" y="0"/>
-          <a:chExt cx="0" cy="0"/>
-        </a:xfrm>
-      </p:grpSpPr>
-      <p:sp>
-        <p:nvSpPr>
-          <p:cNvPr id="2" name="Title 1"/>
-          <p:cNvSpPr>
-            <a:spLocks noGrp="1"/>
-          </p:cNvSpPr>
-          <p:nvPr>
-            <p:ph type="title"/>
-          </p:nvPr>
-        </p:nvSpPr>
-        <p:spPr/>
-        <p:txBody>
-          <a:bodyPr>
-            <a:normAutofit fontScale="90000"/>
-          </a:bodyPr>
-          <a:lstStyle/>
-          <a:p>
-            <a:r>
-              <a:rPr lang="en-CA" sz="3300" dirty="0" smtClean="0"/>
-              <a:t>Data Warehouses</a:t>
-            </a:r>
-            <a:r>
-              <a:rPr lang="en-CA" dirty="0" smtClean="0"/>
-              <a:t/>
-            </a:r>
-            <a:br>
-              <a:rPr lang="en-CA" dirty="0" smtClean="0"/>
-            </a:br>
-            <a:r>
-              <a:rPr lang="en-CA" dirty="0" smtClean="0"/>
-              <a:t>4. Clustering</a:t>
-            </a:r>
-            <a:endParaRPr lang="en-CA" dirty="0"/>
-          </a:p>
-        </p:txBody>
-      </p:sp>
-      <p:sp>
-        <p:nvSpPr>
-          <p:cNvPr id="3" name="Content Placeholder 2"/>
-          <p:cNvSpPr>
-            <a:spLocks noGrp="1"/>
-          </p:cNvSpPr>
-          <p:nvPr>
-            <p:ph idx="1"/>
-          </p:nvPr>
-        </p:nvSpPr>
-        <p:spPr/>
-        <p:txBody>
-          <a:bodyPr>
-            <a:normAutofit/>
-          </a:bodyPr>
-          <a:lstStyle/>
-          <a:p>
-            <a:r>
-              <a:rPr lang="en-CA" dirty="0" smtClean="0"/>
-              <a:t>Data is clustered by nature</a:t>
-            </a:r>
-          </a:p>
-        </p:txBody>
-      </p:sp>
-      <p:sp>
-        <p:nvSpPr>
-          <p:cNvPr id="4" name="Date Placeholder 3"/>
-          <p:cNvSpPr>
-            <a:spLocks noGrp="1"/>
-          </p:cNvSpPr>
-          <p:nvPr>
-            <p:ph type="dt" sz="half" idx="10"/>
-          </p:nvPr>
-        </p:nvSpPr>
-        <p:spPr/>
-        <p:txBody>
-          <a:bodyPr/>
-          <a:lstStyle/>
-          <a:p>
-            <a:r>
-              <a:rPr lang="en-US" dirty="0" smtClean="0"/>
-              <a:t>Physical Design Patterns</a:t>
-            </a:r>
-            <a:endParaRPr lang="en-CA" dirty="0"/>
-          </a:p>
-        </p:txBody>
-      </p:sp>
-      <p:sp>
-        <p:nvSpPr>
-          <p:cNvPr id="5" name="Footer Placeholder 4"/>
-          <p:cNvSpPr>
-            <a:spLocks noGrp="1"/>
-          </p:cNvSpPr>
-          <p:nvPr>
-            <p:ph type="ftr" sz="quarter" idx="11"/>
-          </p:nvPr>
-        </p:nvSpPr>
-        <p:spPr/>
-        <p:txBody>
-          <a:bodyPr/>
-          <a:lstStyle/>
-          <a:p>
-            <a:r>
-              <a:rPr lang="en-CA" dirty="0" smtClean="0"/>
-              <a:t>Karim Ali &amp; Sarah Nadi</a:t>
-            </a:r>
-            <a:endParaRPr lang="en-CA" dirty="0"/>
-          </a:p>
-        </p:txBody>
-      </p:sp>
-      <p:sp>
-        <p:nvSpPr>
-          <p:cNvPr id="6" name="Slide Number Placeholder 5"/>
-          <p:cNvSpPr>
-            <a:spLocks noGrp="1"/>
-          </p:cNvSpPr>
-          <p:nvPr>
-            <p:ph type="sldNum" sz="quarter" idx="12"/>
-          </p:nvPr>
-        </p:nvSpPr>
-        <p:spPr/>
-        <p:txBody>
-          <a:bodyPr/>
-          <a:lstStyle/>
-          <a:p>
-            <a:fld id="{9AC8176B-BF31-4706-B15B-1AFC481B9AC3}" type="slidenum">
-              <a:rPr lang="en-CA" smtClean="0"/>
-              <a:pPr/>
-              <a:t>38</a:t>
             </a:fld>
             <a:endParaRPr lang="en-CA" dirty="0"/>
           </a:p>
@@ -11648,10 +11155,17 @@
   <p:clrMapOvr>
     <a:masterClrMapping/>
   </p:clrMapOvr>
+  <p:timing>
+    <p:tnLst>
+      <p:par>
+        <p:cTn id="1" dur="indefinite" restart="never" nodeType="tmRoot"/>
+      </p:par>
+    </p:tnLst>
+  </p:timing>
 </p:sld>
 </file>
 
-<file path=ppt/slides/slide39.xml><?xml version="1.0" encoding="utf-8"?>
+<file path=ppt/slides/slide37.xml><?xml version="1.0" encoding="utf-8"?>
 <p:sld xmlns:a="http://schemas.openxmlformats.org/drawingml/2006/main" xmlns:r="http://schemas.openxmlformats.org/officeDocument/2006/relationships" xmlns:p="http://schemas.openxmlformats.org/presentationml/2006/main">
   <p:cSld>
     <p:spTree>
@@ -11685,7 +11199,7 @@
           <a:p>
             <a:r>
               <a:rPr lang="en-CA" dirty="0" smtClean="0"/>
-              <a:t>Summary</a:t>
+              <a:t>Conclusions &amp; Future Work</a:t>
             </a:r>
             <a:endParaRPr lang="en-CA" dirty="0"/>
           </a:p>
@@ -11774,7 +11288,7 @@
             <a:fld id="{9AC8176B-BF31-4706-B15B-1AFC481B9AC3}" type="slidenum">
               <a:rPr lang="en-CA" smtClean="0"/>
               <a:pPr/>
-              <a:t>39</a:t>
+              <a:t>37</a:t>
             </a:fld>
             <a:endParaRPr lang="en-CA" dirty="0"/>
           </a:p>
@@ -11785,10 +11299,17 @@
   <p:clrMapOvr>
     <a:masterClrMapping/>
   </p:clrMapOvr>
+  <p:timing>
+    <p:tnLst>
+      <p:par>
+        <p:cTn id="1" dur="indefinite" restart="never" nodeType="tmRoot"/>
+      </p:par>
+    </p:tnLst>
+  </p:timing>
 </p:sld>
 </file>
 
-<file path=ppt/slides/slide4.xml><?xml version="1.0" encoding="utf-8"?>
+<file path=ppt/slides/slide38.xml><?xml version="1.0" encoding="utf-8"?>
 <p:sld xmlns:a="http://schemas.openxmlformats.org/drawingml/2006/main" xmlns:r="http://schemas.openxmlformats.org/officeDocument/2006/relationships" xmlns:p="http://schemas.openxmlformats.org/presentationml/2006/main">
   <p:cSld>
     <p:spTree>
@@ -11807,52 +11328,6 @@
       </p:grpSpPr>
       <p:sp>
         <p:nvSpPr>
-          <p:cNvPr id="7" name="Title 6"/>
-          <p:cNvSpPr>
-            <a:spLocks noGrp="1"/>
-          </p:cNvSpPr>
-          <p:nvPr>
-            <p:ph type="title"/>
-          </p:nvPr>
-        </p:nvSpPr>
-        <p:spPr/>
-        <p:txBody>
-          <a:bodyPr/>
-          <a:lstStyle/>
-          <a:p>
-            <a:r>
-              <a:rPr lang="en-CA" dirty="0" smtClean="0"/>
-              <a:t>Elements of Physical Design</a:t>
-            </a:r>
-            <a:endParaRPr lang="en-CA" dirty="0"/>
-          </a:p>
-        </p:txBody>
-      </p:sp>
-      <p:sp>
-        <p:nvSpPr>
-          <p:cNvPr id="8" name="Text Placeholder 7"/>
-          <p:cNvSpPr>
-            <a:spLocks noGrp="1"/>
-          </p:cNvSpPr>
-          <p:nvPr>
-            <p:ph type="body" idx="1"/>
-          </p:nvPr>
-        </p:nvSpPr>
-        <p:spPr/>
-        <p:txBody>
-          <a:bodyPr/>
-          <a:lstStyle/>
-          <a:p>
-            <a:r>
-              <a:rPr lang="en-CA" i="1" dirty="0" smtClean="0"/>
-              <a:t>Traditional Disk Based Relational Databases</a:t>
-            </a:r>
-            <a:endParaRPr lang="en-CA" i="1" dirty="0"/>
-          </a:p>
-        </p:txBody>
-      </p:sp>
-      <p:sp>
-        <p:nvSpPr>
           <p:cNvPr id="4" name="Date Placeholder 3"/>
           <p:cNvSpPr>
             <a:spLocks noGrp="1"/>
@@ -11915,109 +11390,7 @@
             <a:fld id="{9AC8176B-BF31-4706-B15B-1AFC481B9AC3}" type="slidenum">
               <a:rPr lang="en-CA" smtClean="0"/>
               <a:pPr/>
-              <a:t>4</a:t>
-            </a:fld>
-            <a:endParaRPr lang="en-CA" dirty="0"/>
-          </a:p>
-        </p:txBody>
-      </p:sp>
-    </p:spTree>
-  </p:cSld>
-  <p:clrMapOvr>
-    <a:masterClrMapping/>
-  </p:clrMapOvr>
-  <p:timing>
-    <p:tnLst>
-      <p:par>
-        <p:cTn id="1" dur="indefinite" restart="never" nodeType="tmRoot"/>
-      </p:par>
-    </p:tnLst>
-  </p:timing>
-</p:sld>
-</file>
-
-<file path=ppt/slides/slide40.xml><?xml version="1.0" encoding="utf-8"?>
-<p:sld xmlns:a="http://schemas.openxmlformats.org/drawingml/2006/main" xmlns:r="http://schemas.openxmlformats.org/officeDocument/2006/relationships" xmlns:p="http://schemas.openxmlformats.org/presentationml/2006/main">
-  <p:cSld>
-    <p:spTree>
-      <p:nvGrpSpPr>
-        <p:cNvPr id="1" name=""/>
-        <p:cNvGrpSpPr/>
-        <p:nvPr/>
-      </p:nvGrpSpPr>
-      <p:grpSpPr>
-        <a:xfrm>
-          <a:off x="0" y="0"/>
-          <a:ext cx="0" cy="0"/>
-          <a:chOff x="0" y="0"/>
-          <a:chExt cx="0" cy="0"/>
-        </a:xfrm>
-      </p:grpSpPr>
-      <p:sp>
-        <p:nvSpPr>
-          <p:cNvPr id="4" name="Date Placeholder 3"/>
-          <p:cNvSpPr>
-            <a:spLocks noGrp="1"/>
-          </p:cNvSpPr>
-          <p:nvPr>
-            <p:ph type="dt" sz="half" idx="10"/>
-          </p:nvPr>
-        </p:nvSpPr>
-        <p:spPr/>
-        <p:txBody>
-          <a:bodyPr/>
-          <a:lstStyle/>
-          <a:p>
-            <a:r>
-              <a:rPr lang="en-US" dirty="0" smtClean="0"/>
-              <a:t>Physical Design Patterns</a:t>
-            </a:r>
-            <a:endParaRPr lang="en-CA" dirty="0"/>
-          </a:p>
-        </p:txBody>
-      </p:sp>
-      <p:sp>
-        <p:nvSpPr>
-          <p:cNvPr id="5" name="Footer Placeholder 4"/>
-          <p:cNvSpPr>
-            <a:spLocks noGrp="1"/>
-          </p:cNvSpPr>
-          <p:nvPr>
-            <p:ph type="ftr" sz="quarter" idx="11"/>
-          </p:nvPr>
-        </p:nvSpPr>
-        <p:spPr/>
-        <p:txBody>
-          <a:bodyPr/>
-          <a:lstStyle/>
-          <a:p>
-            <a:r>
-              <a:rPr lang="en-CA" dirty="0" smtClean="0"/>
-              <a:t>Karim Ali &amp; Sarah Nadi</a:t>
-            </a:r>
-            <a:endParaRPr lang="en-CA" dirty="0"/>
-          </a:p>
-        </p:txBody>
-      </p:sp>
-      <p:sp>
-        <p:nvSpPr>
-          <p:cNvPr id="6" name="Slide Number Placeholder 5"/>
-          <p:cNvSpPr>
-            <a:spLocks noGrp="1"/>
-          </p:cNvSpPr>
-          <p:nvPr>
-            <p:ph type="sldNum" sz="quarter" idx="12"/>
-          </p:nvPr>
-        </p:nvSpPr>
-        <p:spPr/>
-        <p:txBody>
-          <a:bodyPr/>
-          <a:lstStyle/>
-          <a:p>
-            <a:fld id="{9AC8176B-BF31-4706-B15B-1AFC481B9AC3}" type="slidenum">
-              <a:rPr lang="en-CA" smtClean="0"/>
-              <a:pPr/>
-              <a:t>40</a:t>
+              <a:t>38</a:t>
             </a:fld>
             <a:endParaRPr lang="en-CA" dirty="0"/>
           </a:p>
@@ -12124,7 +11497,7 @@
                     <a:p>
                       <a:r>
                         <a:rPr lang="en-CA" dirty="0" smtClean="0"/>
-                        <a:t>DRDB</a:t>
+                        <a:t>RDBMS</a:t>
                       </a:r>
                       <a:endParaRPr lang="en-CA" dirty="0"/>
                     </a:p>
@@ -12281,7 +11654,15 @@
                       </a:pPr>
                       <a:r>
                         <a:rPr lang="en-CA" sz="1400" baseline="0" dirty="0" smtClean="0"/>
-                        <a:t>E.g.: B+tree, CSB+tree, T Tree, CST Tree</a:t>
+                        <a:t>E.g</a:t>
+                      </a:r>
+                      <a:r>
+                        <a:rPr lang="en-CA" sz="1400" baseline="0" dirty="0" smtClean="0"/>
+                        <a:t>. </a:t>
+                      </a:r>
+                      <a:r>
+                        <a:rPr lang="en-CA" sz="1400" baseline="0" dirty="0" smtClean="0"/>
+                        <a:t>B+tree, CSB+tree, T Tree, CST Tree</a:t>
                       </a:r>
                       <a:endParaRPr lang="en-CA" sz="1400" dirty="0" smtClean="0"/>
                     </a:p>
@@ -12530,7 +11911,19 @@
                     <a:p>
                       <a:r>
                         <a:rPr lang="en-CA" sz="1400" baseline="0" dirty="0" smtClean="0"/>
-                        <a:t>B+tree used</a:t>
+                        <a:t>E.g. </a:t>
+                      </a:r>
+                      <a:r>
+                        <a:rPr lang="en-CA" sz="1400" baseline="0" dirty="0" err="1" smtClean="0"/>
+                        <a:t>B+tree</a:t>
+                      </a:r>
+                      <a:r>
+                        <a:rPr lang="en-CA" sz="1400" baseline="0" dirty="0" smtClean="0"/>
+                        <a:t> </a:t>
+                      </a:r>
+                      <a:r>
+                        <a:rPr lang="en-CA" sz="1400" baseline="0" dirty="0" smtClean="0"/>
+                        <a:t>used</a:t>
                       </a:r>
                       <a:endParaRPr lang="en-CA" sz="1400" dirty="0"/>
                     </a:p>
@@ -12607,7 +12000,7 @@
 </p:sld>
 </file>
 
-<file path=ppt/slides/slide41.xml><?xml version="1.0" encoding="utf-8"?>
+<file path=ppt/slides/slide39.xml><?xml version="1.0" encoding="utf-8"?>
 <p:sld xmlns:a="http://schemas.openxmlformats.org/drawingml/2006/main" xmlns:r="http://schemas.openxmlformats.org/officeDocument/2006/relationships" xmlns:p="http://schemas.openxmlformats.org/presentationml/2006/main">
   <p:cSld>
     <p:spTree>
@@ -12641,26 +12034,50 @@
           <a:p>
             <a:r>
               <a:rPr lang="en-CA" dirty="0" smtClean="0"/>
-              <a:t>Conclusions &amp; Future Work</a:t>
-            </a:r>
-            <a:endParaRPr lang="en-CA" dirty="0"/>
-          </a:p>
-        </p:txBody>
-      </p:sp>
-      <p:sp>
-        <p:nvSpPr>
-          <p:cNvPr id="8" name="Text Placeholder 7"/>
-          <p:cNvSpPr>
-            <a:spLocks noGrp="1"/>
-          </p:cNvSpPr>
-          <p:nvPr>
-            <p:ph type="body" idx="1"/>
-          </p:nvPr>
-        </p:nvSpPr>
-        <p:spPr/>
-        <p:txBody>
-          <a:bodyPr/>
-          <a:lstStyle/>
+              <a:t>Future Work</a:t>
+            </a:r>
+            <a:endParaRPr lang="en-CA" dirty="0"/>
+          </a:p>
+        </p:txBody>
+      </p:sp>
+      <p:sp>
+        <p:nvSpPr>
+          <p:cNvPr id="8" name="Content Placeholder 7"/>
+          <p:cNvSpPr>
+            <a:spLocks noGrp="1"/>
+          </p:cNvSpPr>
+          <p:nvPr>
+            <p:ph idx="1"/>
+          </p:nvPr>
+        </p:nvSpPr>
+        <p:spPr/>
+        <p:txBody>
+          <a:bodyPr/>
+          <a:lstStyle/>
+          <a:p>
+            <a:r>
+              <a:rPr lang="en-CA" dirty="0" smtClean="0"/>
+              <a:t>Physical design of industrial systems</a:t>
+            </a:r>
+          </a:p>
+          <a:p>
+            <a:r>
+              <a:rPr lang="en-CA" dirty="0" smtClean="0"/>
+              <a:t>Interplay between systems</a:t>
+            </a:r>
+          </a:p>
+          <a:p>
+            <a:r>
+              <a:rPr lang="en-CA" dirty="0" smtClean="0"/>
+              <a:t>Automating physical design</a:t>
+            </a:r>
+          </a:p>
+          <a:p>
+            <a:r>
+              <a:rPr lang="en-CA" dirty="0" smtClean="0"/>
+              <a:t>List of the open problems in physical design</a:t>
+            </a:r>
+          </a:p>
           <a:p>
             <a:endParaRPr lang="en-CA" dirty="0"/>
           </a:p>
@@ -12730,7 +12147,7 @@
             <a:fld id="{9AC8176B-BF31-4706-B15B-1AFC481B9AC3}" type="slidenum">
               <a:rPr lang="en-CA" smtClean="0"/>
               <a:pPr/>
-              <a:t>41</a:t>
+              <a:t>39</a:t>
             </a:fld>
             <a:endParaRPr lang="en-CA" dirty="0"/>
           </a:p>
@@ -12741,10 +12158,17 @@
   <p:clrMapOvr>
     <a:masterClrMapping/>
   </p:clrMapOvr>
+  <p:timing>
+    <p:tnLst>
+      <p:par>
+        <p:cTn id="1" dur="indefinite" restart="never" nodeType="tmRoot"/>
+      </p:par>
+    </p:tnLst>
+  </p:timing>
 </p:sld>
 </file>
 
-<file path=ppt/slides/slide42.xml><?xml version="1.0" encoding="utf-8"?>
+<file path=ppt/slides/slide4.xml><?xml version="1.0" encoding="utf-8"?>
 <p:sld xmlns:a="http://schemas.openxmlformats.org/drawingml/2006/main" xmlns:r="http://schemas.openxmlformats.org/officeDocument/2006/relationships" xmlns:p="http://schemas.openxmlformats.org/presentationml/2006/main">
   <p:cSld>
     <p:spTree>
@@ -12763,7 +12187,7 @@
       </p:grpSpPr>
       <p:sp>
         <p:nvSpPr>
-          <p:cNvPr id="5" name="Title 4"/>
+          <p:cNvPr id="7" name="Title 6"/>
           <p:cNvSpPr>
             <a:spLocks noGrp="1"/>
           </p:cNvSpPr>
@@ -12778,50 +12202,38 @@
           <a:p>
             <a:r>
               <a:rPr lang="en-CA" dirty="0" smtClean="0"/>
-              <a:t>Conclusions</a:t>
-            </a:r>
-            <a:endParaRPr lang="en-CA" dirty="0"/>
-          </a:p>
-        </p:txBody>
-      </p:sp>
-      <p:sp>
-        <p:nvSpPr>
-          <p:cNvPr id="6" name="Content Placeholder 5"/>
-          <p:cNvSpPr>
-            <a:spLocks noGrp="1"/>
-          </p:cNvSpPr>
-          <p:nvPr>
-            <p:ph idx="1"/>
-          </p:nvPr>
-        </p:nvSpPr>
-        <p:spPr/>
-        <p:txBody>
-          <a:bodyPr/>
-          <a:lstStyle/>
-          <a:p>
-            <a:r>
-              <a:rPr lang="en-CA" dirty="0" smtClean="0"/>
-              <a:t>Physical design patterns in traditional relational databases can be adapted to different systems</a:t>
-            </a:r>
-          </a:p>
-          <a:p>
-            <a:r>
-              <a:rPr lang="en-CA" dirty="0" smtClean="0"/>
-              <a:t>B+trees are the most popular index structure &amp; have been adapted for the diff. Systems</a:t>
-            </a:r>
-          </a:p>
-          <a:p>
-            <a:r>
-              <a:rPr lang="en-CA" dirty="0" smtClean="0"/>
-              <a:t>Materialized views, partitioning &amp; clustering are very important for performance except for MMDBs</a:t>
-            </a:r>
-            <a:endParaRPr lang="en-CA" dirty="0"/>
-          </a:p>
-        </p:txBody>
-      </p:sp>
-      <p:sp>
-        <p:nvSpPr>
-          <p:cNvPr id="2" name="Date Placeholder 1"/>
+              <a:t>Elements of Physical Design</a:t>
+            </a:r>
+            <a:endParaRPr lang="en-CA" dirty="0"/>
+          </a:p>
+        </p:txBody>
+      </p:sp>
+      <p:sp>
+        <p:nvSpPr>
+          <p:cNvPr id="8" name="Text Placeholder 7"/>
+          <p:cNvSpPr>
+            <a:spLocks noGrp="1"/>
+          </p:cNvSpPr>
+          <p:nvPr>
+            <p:ph type="body" idx="1"/>
+          </p:nvPr>
+        </p:nvSpPr>
+        <p:spPr/>
+        <p:txBody>
+          <a:bodyPr/>
+          <a:lstStyle/>
+          <a:p>
+            <a:r>
+              <a:rPr lang="en-CA" i="1" dirty="0" smtClean="0"/>
+              <a:t>Traditional Disk Based Relational Databases</a:t>
+            </a:r>
+            <a:endParaRPr lang="en-CA" i="1" dirty="0"/>
+          </a:p>
+        </p:txBody>
+      </p:sp>
+      <p:sp>
+        <p:nvSpPr>
+          <p:cNvPr id="4" name="Date Placeholder 3"/>
           <p:cNvSpPr>
             <a:spLocks noGrp="1"/>
           </p:cNvSpPr>
@@ -12844,7 +12256,7 @@
       </p:sp>
       <p:sp>
         <p:nvSpPr>
-          <p:cNvPr id="3" name="Footer Placeholder 2"/>
+          <p:cNvPr id="5" name="Footer Placeholder 4"/>
           <p:cNvSpPr>
             <a:spLocks noGrp="1"/>
           </p:cNvSpPr>
@@ -12867,7 +12279,7 @@
       </p:sp>
       <p:sp>
         <p:nvSpPr>
-          <p:cNvPr id="4" name="Slide Number Placeholder 3"/>
+          <p:cNvPr id="6" name="Slide Number Placeholder 5"/>
           <p:cNvSpPr>
             <a:spLocks noGrp="1"/>
           </p:cNvSpPr>
@@ -12883,7 +12295,7 @@
             <a:fld id="{9AC8176B-BF31-4706-B15B-1AFC481B9AC3}" type="slidenum">
               <a:rPr lang="en-CA" smtClean="0"/>
               <a:pPr/>
-              <a:t>42</a:t>
+              <a:t>4</a:t>
             </a:fld>
             <a:endParaRPr lang="en-CA" dirty="0"/>
           </a:p>
@@ -12904,7 +12316,7 @@
 </p:sld>
 </file>
 
-<file path=ppt/slides/slide43.xml><?xml version="1.0" encoding="utf-8"?>
+<file path=ppt/slides/slide40.xml><?xml version="1.0" encoding="utf-8"?>
 <p:sld xmlns:a="http://schemas.openxmlformats.org/drawingml/2006/main" xmlns:r="http://schemas.openxmlformats.org/officeDocument/2006/relationships" xmlns:p="http://schemas.openxmlformats.org/presentationml/2006/main">
   <p:cSld>
     <p:spTree>
@@ -12923,73 +12335,7 @@
       </p:grpSpPr>
       <p:sp>
         <p:nvSpPr>
-          <p:cNvPr id="7" name="Title 6"/>
-          <p:cNvSpPr>
-            <a:spLocks noGrp="1"/>
-          </p:cNvSpPr>
-          <p:nvPr>
-            <p:ph type="title"/>
-          </p:nvPr>
-        </p:nvSpPr>
-        <p:spPr/>
-        <p:txBody>
-          <a:bodyPr/>
-          <a:lstStyle/>
-          <a:p>
-            <a:r>
-              <a:rPr lang="en-CA" dirty="0" smtClean="0"/>
-              <a:t>Future Work</a:t>
-            </a:r>
-            <a:endParaRPr lang="en-CA" dirty="0"/>
-          </a:p>
-        </p:txBody>
-      </p:sp>
-      <p:sp>
-        <p:nvSpPr>
-          <p:cNvPr id="8" name="Content Placeholder 7"/>
-          <p:cNvSpPr>
-            <a:spLocks noGrp="1"/>
-          </p:cNvSpPr>
-          <p:nvPr>
-            <p:ph idx="1"/>
-          </p:nvPr>
-        </p:nvSpPr>
-        <p:spPr/>
-        <p:txBody>
-          <a:bodyPr/>
-          <a:lstStyle/>
-          <a:p>
-            <a:r>
-              <a:rPr lang="en-CA" dirty="0" smtClean="0"/>
-              <a:t>Physical design of industrial systems</a:t>
-            </a:r>
-          </a:p>
-          <a:p>
-            <a:r>
-              <a:rPr lang="en-CA" dirty="0" smtClean="0"/>
-              <a:t>Interplay between systems</a:t>
-            </a:r>
-          </a:p>
-          <a:p>
-            <a:r>
-              <a:rPr lang="en-CA" dirty="0" smtClean="0"/>
-              <a:t>Automating physical design</a:t>
-            </a:r>
-          </a:p>
-          <a:p>
-            <a:r>
-              <a:rPr lang="en-CA" dirty="0" smtClean="0"/>
-              <a:t>List of the open problems in physical design</a:t>
-            </a:r>
-          </a:p>
-          <a:p>
-            <a:endParaRPr lang="en-CA" dirty="0"/>
-          </a:p>
-        </p:txBody>
-      </p:sp>
-      <p:sp>
-        <p:nvSpPr>
-          <p:cNvPr id="4" name="Date Placeholder 3"/>
+          <p:cNvPr id="2" name="Date Placeholder 1"/>
           <p:cNvSpPr>
             <a:spLocks noGrp="1"/>
           </p:cNvSpPr>
@@ -13012,7 +12358,7 @@
       </p:sp>
       <p:sp>
         <p:nvSpPr>
-          <p:cNvPr id="5" name="Footer Placeholder 4"/>
+          <p:cNvPr id="3" name="Footer Placeholder 2"/>
           <p:cNvSpPr>
             <a:spLocks noGrp="1"/>
           </p:cNvSpPr>
@@ -13035,7 +12381,7 @@
       </p:sp>
       <p:sp>
         <p:nvSpPr>
-          <p:cNvPr id="6" name="Slide Number Placeholder 5"/>
+          <p:cNvPr id="4" name="Slide Number Placeholder 3"/>
           <p:cNvSpPr>
             <a:spLocks noGrp="1"/>
           </p:cNvSpPr>
@@ -13051,102 +12397,7 @@
             <a:fld id="{9AC8176B-BF31-4706-B15B-1AFC481B9AC3}" type="slidenum">
               <a:rPr lang="en-CA" smtClean="0"/>
               <a:pPr/>
-              <a:t>43</a:t>
-            </a:fld>
-            <a:endParaRPr lang="en-CA" dirty="0"/>
-          </a:p>
-        </p:txBody>
-      </p:sp>
-    </p:spTree>
-  </p:cSld>
-  <p:clrMapOvr>
-    <a:masterClrMapping/>
-  </p:clrMapOvr>
-</p:sld>
-</file>
-
-<file path=ppt/slides/slide44.xml><?xml version="1.0" encoding="utf-8"?>
-<p:sld xmlns:a="http://schemas.openxmlformats.org/drawingml/2006/main" xmlns:r="http://schemas.openxmlformats.org/officeDocument/2006/relationships" xmlns:p="http://schemas.openxmlformats.org/presentationml/2006/main">
-  <p:cSld>
-    <p:spTree>
-      <p:nvGrpSpPr>
-        <p:cNvPr id="1" name=""/>
-        <p:cNvGrpSpPr/>
-        <p:nvPr/>
-      </p:nvGrpSpPr>
-      <p:grpSpPr>
-        <a:xfrm>
-          <a:off x="0" y="0"/>
-          <a:ext cx="0" cy="0"/>
-          <a:chOff x="0" y="0"/>
-          <a:chExt cx="0" cy="0"/>
-        </a:xfrm>
-      </p:grpSpPr>
-      <p:sp>
-        <p:nvSpPr>
-          <p:cNvPr id="2" name="Date Placeholder 1"/>
-          <p:cNvSpPr>
-            <a:spLocks noGrp="1"/>
-          </p:cNvSpPr>
-          <p:nvPr>
-            <p:ph type="dt" sz="half" idx="10"/>
-          </p:nvPr>
-        </p:nvSpPr>
-        <p:spPr/>
-        <p:txBody>
-          <a:bodyPr/>
-          <a:lstStyle/>
-          <a:p>
-            <a:r>
-              <a:rPr lang="en-US" dirty="0" smtClean="0"/>
-              <a:t>Physical Design Patterns</a:t>
-            </a:r>
-            <a:endParaRPr lang="en-CA" dirty="0"/>
-          </a:p>
-        </p:txBody>
-      </p:sp>
-      <p:sp>
-        <p:nvSpPr>
-          <p:cNvPr id="3" name="Footer Placeholder 2"/>
-          <p:cNvSpPr>
-            <a:spLocks noGrp="1"/>
-          </p:cNvSpPr>
-          <p:nvPr>
-            <p:ph type="ftr" sz="quarter" idx="11"/>
-          </p:nvPr>
-        </p:nvSpPr>
-        <p:spPr/>
-        <p:txBody>
-          <a:bodyPr/>
-          <a:lstStyle/>
-          <a:p>
-            <a:r>
-              <a:rPr lang="en-CA" dirty="0" smtClean="0"/>
-              <a:t>Karim Ali &amp; Sarah Nadi</a:t>
-            </a:r>
-            <a:endParaRPr lang="en-CA" dirty="0"/>
-          </a:p>
-        </p:txBody>
-      </p:sp>
-      <p:sp>
-        <p:nvSpPr>
-          <p:cNvPr id="4" name="Slide Number Placeholder 3"/>
-          <p:cNvSpPr>
-            <a:spLocks noGrp="1"/>
-          </p:cNvSpPr>
-          <p:nvPr>
-            <p:ph type="sldNum" sz="quarter" idx="12"/>
-          </p:nvPr>
-        </p:nvSpPr>
-        <p:spPr/>
-        <p:txBody>
-          <a:bodyPr/>
-          <a:lstStyle/>
-          <a:p>
-            <a:fld id="{9AC8176B-BF31-4706-B15B-1AFC481B9AC3}" type="slidenum">
-              <a:rPr lang="en-CA" smtClean="0"/>
-              <a:pPr/>
-              <a:t>44</a:t>
+              <a:t>40</a:t>
             </a:fld>
             <a:endParaRPr lang="en-CA" dirty="0"/>
           </a:p>
@@ -13187,6 +12438,13 @@
   <p:clrMapOvr>
     <a:masterClrMapping/>
   </p:clrMapOvr>
+  <p:timing>
+    <p:tnLst>
+      <p:par>
+        <p:cTn id="1" dur="indefinite" restart="never" nodeType="tmRoot"/>
+      </p:par>
+    </p:tnLst>
+  </p:timing>
 </p:sld>
 </file>
 
@@ -13249,8 +12507,13 @@
           <a:p>
             <a:r>
               <a:rPr lang="en-CA" dirty="0" smtClean="0"/>
-              <a:t>Disk Based Relational Databases (DRDB)</a:t>
-            </a:r>
+              <a:t>Disk Based Relational </a:t>
+            </a:r>
+            <a:r>
+              <a:rPr lang="en-CA" dirty="0" smtClean="0"/>
+              <a:t>Databases (RDBMS)</a:t>
+            </a:r>
+            <a:endParaRPr lang="en-CA" dirty="0" smtClean="0"/>
           </a:p>
           <a:p>
             <a:pPr lvl="1">
@@ -14034,7 +13297,15 @@
                       </a:pPr>
                       <a:r>
                         <a:rPr lang="en-CA" sz="1600" baseline="0" dirty="0" smtClean="0"/>
-                        <a:t> Primary  indexing method used for DRDB (DB2, Oracle, SQL Server)</a:t>
+                        <a:t> Primary  indexing method used for </a:t>
+                      </a:r>
+                      <a:r>
+                        <a:rPr lang="en-CA" sz="1600" baseline="0" dirty="0" smtClean="0"/>
+                        <a:t>RDBMS (DB2</a:t>
+                      </a:r>
+                      <a:r>
+                        <a:rPr lang="en-CA" sz="1600" baseline="0" dirty="0" smtClean="0"/>
+                        <a:t>, Oracle, SQL Server)</a:t>
                       </a:r>
                       <a:endParaRPr lang="en-CA" sz="1600" dirty="0"/>
                     </a:p>
@@ -14076,7 +13347,15 @@
                       </a:pPr>
                       <a:r>
                         <a:rPr lang="en-CA" sz="1600" baseline="0" dirty="0" smtClean="0"/>
-                        <a:t> Stores key values in sorted order (i.e. Facilitates range search)</a:t>
+                        <a:t> Stores key values in sorted order (i.e. </a:t>
+                      </a:r>
+                      <a:r>
+                        <a:rPr lang="en-CA" sz="1600" baseline="0" dirty="0" smtClean="0"/>
+                        <a:t>facilitates </a:t>
+                      </a:r>
+                      <a:r>
+                        <a:rPr lang="en-CA" sz="1600" baseline="0" dirty="0" smtClean="0"/>
+                        <a:t>range search)</a:t>
                       </a:r>
                       <a:endParaRPr lang="en-CA" sz="1600" dirty="0"/>
                     </a:p>
@@ -14150,7 +13429,15 @@
                       </a:pPr>
                       <a:r>
                         <a:rPr lang="en-CA" sz="1600" dirty="0" smtClean="0"/>
-                        <a:t> Outperforms B+trees for low cardinality attributes (e.g. Gender)</a:t>
+                        <a:t> Outperforms B+trees for low cardinality attributes (e.g. </a:t>
+                      </a:r>
+                      <a:r>
+                        <a:rPr lang="en-CA" sz="1600" dirty="0" smtClean="0"/>
+                        <a:t>gender</a:t>
+                      </a:r>
+                      <a:r>
+                        <a:rPr lang="en-CA" sz="1600" dirty="0" smtClean="0"/>
+                        <a:t>)</a:t>
                       </a:r>
                     </a:p>
                     <a:p>

--- a/trunk/cs848-db/PhysDesignPres.pptx
+++ b/trunk/cs848-db/PhysDesignPres.pptx
@@ -232,7 +232,7 @@
             <a:fld id="{B77FE1A0-659B-4CF4-8509-2C15FD019BEE}" type="datetimeFigureOut">
               <a:rPr lang="en-US" smtClean="0"/>
               <a:pPr/>
-              <a:t>7/13/2010</a:t>
+              <a:t>7/14/2010</a:t>
             </a:fld>
             <a:endParaRPr lang="en-CA" dirty="0"/>
           </a:p>
@@ -4417,21 +4417,12 @@
             </a:pPr>
             <a:r>
               <a:rPr lang="en-CA" i="1" dirty="0" smtClean="0"/>
-              <a:t>Vertical </a:t>
-            </a:r>
-            <a:r>
-              <a:rPr lang="en-CA" i="1" dirty="0" smtClean="0"/>
-              <a:t>Partitioning</a:t>
-            </a:r>
-            <a:r>
-              <a:rPr lang="en-CA" dirty="0" smtClean="0"/>
-              <a:t>: </a:t>
-            </a:r>
-            <a:r>
-              <a:rPr lang="en-CA" dirty="0" smtClean="0"/>
-              <a:t>divides tables into sets of columns</a:t>
-            </a:r>
-            <a:endParaRPr lang="en-CA" dirty="0" smtClean="0"/>
+              <a:t>Vertical Partitioning</a:t>
+            </a:r>
+            <a:r>
+              <a:rPr lang="en-CA" dirty="0" smtClean="0"/>
+              <a:t>: divides tables into sets of columns</a:t>
+            </a:r>
           </a:p>
           <a:p>
             <a:r>
@@ -5389,11 +5380,7 @@
             </a:pPr>
             <a:r>
               <a:rPr lang="en-CA" dirty="0" smtClean="0"/>
-              <a:t>Reduced </a:t>
-            </a:r>
-            <a:r>
-              <a:rPr lang="en-CA" dirty="0" smtClean="0"/>
-              <a:t>CPU cost</a:t>
+              <a:t>Reduced CPU cost</a:t>
             </a:r>
           </a:p>
           <a:p>
@@ -6278,11 +6265,7 @@
             </a:pPr>
             <a:r>
               <a:rPr lang="en-CA" dirty="0" smtClean="0"/>
-              <a:t>Read/Write </a:t>
-            </a:r>
-            <a:r>
-              <a:rPr lang="en-CA" dirty="0" smtClean="0"/>
-              <a:t>operations are cheaper</a:t>
+              <a:t>Read/Write operations are cheaper</a:t>
             </a:r>
           </a:p>
           <a:p>
@@ -6722,7 +6705,44 @@
                       </a:pPr>
                       <a:r>
                         <a:rPr lang="en-CA" sz="1600" dirty="0" smtClean="0"/>
-                        <a:t> Same features of B+trees</a:t>
+                        <a:t> Same features of </a:t>
+                      </a:r>
+                      <a:r>
+                        <a:rPr lang="en-CA" sz="1600" dirty="0" err="1" smtClean="0"/>
+                        <a:t>B+trees</a:t>
+                      </a:r>
+                      <a:endParaRPr lang="en-CA" sz="1600" dirty="0" smtClean="0"/>
+                    </a:p>
+                    <a:p>
+                      <a:pPr>
+                        <a:buFont typeface="Arial" pitchFamily="34" charset="0"/>
+                        <a:buChar char="•"/>
+                      </a:pPr>
+                      <a:r>
+                        <a:rPr lang="en-CA" sz="1600" dirty="0" smtClean="0"/>
+                        <a:t> Stores</a:t>
+                      </a:r>
+                      <a:r>
+                        <a:rPr lang="en-CA" sz="1600" baseline="0" dirty="0" smtClean="0"/>
+                        <a:t> child nodes in an array</a:t>
+                      </a:r>
+                    </a:p>
+                    <a:p>
+                      <a:pPr>
+                        <a:buFont typeface="Arial" pitchFamily="34" charset="0"/>
+                        <a:buChar char="•"/>
+                      </a:pPr>
+                      <a:r>
+                        <a:rPr lang="en-CA" sz="1600" baseline="0" dirty="0" smtClean="0"/>
+                        <a:t>Only stores pointer to 1</a:t>
+                      </a:r>
+                      <a:r>
+                        <a:rPr lang="en-CA" sz="1600" baseline="30000" dirty="0" smtClean="0"/>
+                        <a:t>st</a:t>
+                      </a:r>
+                      <a:r>
+                        <a:rPr lang="en-CA" sz="1600" baseline="0" dirty="0" smtClean="0"/>
+                        <a:t> child</a:t>
                       </a:r>
                       <a:endParaRPr lang="en-CA" sz="1600" dirty="0"/>
                     </a:p>
@@ -6828,7 +6848,21 @@
                       </a:r>
                       <a:r>
                         <a:rPr lang="en-CA" sz="1600" baseline="0" dirty="0" smtClean="0"/>
-                        <a:t> was not considered at time of design</a:t>
+                        <a:t> was not considered at time of </a:t>
+                      </a:r>
+                      <a:r>
+                        <a:rPr lang="en-CA" sz="1600" baseline="0" dirty="0" smtClean="0"/>
+                        <a:t>design</a:t>
+                      </a:r>
+                    </a:p>
+                    <a:p>
+                      <a:pPr>
+                        <a:buFont typeface="Arial" pitchFamily="34" charset="0"/>
+                        <a:buChar char="•"/>
+                      </a:pPr>
+                      <a:r>
+                        <a:rPr lang="en-CA" sz="1600" baseline="0" dirty="0" smtClean="0"/>
+                        <a:t> </a:t>
                       </a:r>
                       <a:endParaRPr lang="en-CA" sz="1600" dirty="0"/>
                     </a:p>
@@ -6908,7 +6942,21 @@
                       </a:pPr>
                       <a:r>
                         <a:rPr lang="en-CA" sz="1600" baseline="0" dirty="0" smtClean="0"/>
-                        <a:t> Node size is aligned with cache line size to avoid misses</a:t>
+                        <a:t> Node size is aligned with cache line size to avoid </a:t>
+                      </a:r>
+                      <a:r>
+                        <a:rPr lang="en-CA" sz="1600" baseline="0" dirty="0" smtClean="0"/>
+                        <a:t>misses</a:t>
+                      </a:r>
+                    </a:p>
+                    <a:p>
+                      <a:pPr>
+                        <a:buFont typeface="Arial" pitchFamily="34" charset="0"/>
+                        <a:buChar char="•"/>
+                      </a:pPr>
+                      <a:r>
+                        <a:rPr lang="en-CA" sz="1600" baseline="0" dirty="0" smtClean="0"/>
+                        <a:t> Higher usage of cached data</a:t>
                       </a:r>
                       <a:endParaRPr lang="en-CA" sz="1600" dirty="0"/>
                     </a:p>
@@ -7889,10 +7937,15 @@
           <a:bodyPr/>
           <a:lstStyle/>
           <a:p>
-            <a:r>
-              <a:rPr lang="en-CA" dirty="0" smtClean="0"/>
-              <a:t>Store, organize &amp; query XML documents</a:t>
-            </a:r>
+            <a:pPr>
+              <a:buFont typeface="Arial" pitchFamily="34" charset="0"/>
+              <a:buChar char="•"/>
+            </a:pPr>
+            <a:r>
+              <a:rPr lang="en-CA" dirty="0" smtClean="0"/>
+              <a:t>XML-enabled DBs (E.g. SQL Server, Oracle):</a:t>
+            </a:r>
+            <a:endParaRPr lang="en-CA" dirty="0" smtClean="0"/>
           </a:p>
           <a:p>
             <a:pPr lvl="1">
@@ -7901,14 +7954,11 @@
             </a:pPr>
             <a:r>
               <a:rPr lang="en-CA" dirty="0" smtClean="0"/>
-              <a:t>XML-enabled DBs:</a:t>
-            </a:r>
-          </a:p>
-          <a:p>
-            <a:pPr lvl="2"/>
-            <a:r>
-              <a:rPr lang="en-CA" dirty="0" smtClean="0"/>
-              <a:t>Maps XML documents to relational tables</a:t>
+              <a:t>Maps XML documents to relational </a:t>
+            </a:r>
+            <a:r>
+              <a:rPr lang="en-CA" dirty="0" smtClean="0"/>
+              <a:t>tables</a:t>
             </a:r>
           </a:p>
           <a:p>
@@ -7918,22 +7968,50 @@
             </a:pPr>
             <a:r>
               <a:rPr lang="en-CA" dirty="0" smtClean="0"/>
-              <a:t>Native XML DBs:</a:t>
-            </a:r>
-          </a:p>
-          <a:p>
-            <a:pPr lvl="2"/>
+              <a:t>Useful for data-centric XML documents</a:t>
+            </a:r>
+          </a:p>
+          <a:p>
+            <a:pPr>
+              <a:buFont typeface="Arial" pitchFamily="34" charset="0"/>
+              <a:buChar char="•"/>
+            </a:pPr>
+            <a:r>
+              <a:rPr lang="en-CA" dirty="0" smtClean="0"/>
+              <a:t>Native XML DBs (E.g. </a:t>
+            </a:r>
+            <a:r>
+              <a:rPr lang="en-CA" dirty="0" err="1" smtClean="0"/>
+              <a:t>eXist</a:t>
+            </a:r>
+            <a:r>
+              <a:rPr lang="en-CA" dirty="0" smtClean="0"/>
+              <a:t>, TIMBER)</a:t>
+            </a:r>
+          </a:p>
+          <a:p>
+            <a:pPr lvl="1">
+              <a:buFont typeface="Arial" pitchFamily="34" charset="0"/>
+              <a:buChar char="•"/>
+            </a:pPr>
+            <a:r>
+              <a:rPr lang="en-CA" dirty="0" smtClean="0"/>
+              <a:t>Useful for document-centric, semi-structured XML documents</a:t>
+            </a:r>
+          </a:p>
+          <a:p>
+            <a:pPr lvl="1">
+              <a:buFont typeface="Arial" pitchFamily="34" charset="0"/>
+              <a:buChar char="•"/>
+            </a:pPr>
             <a:r>
               <a:rPr lang="en-CA" dirty="0" smtClean="0"/>
               <a:t>Data structures store actual XML</a:t>
             </a:r>
           </a:p>
           <a:p>
-            <a:r>
-              <a:rPr lang="en-CA" dirty="0" smtClean="0"/>
-              <a:t>Semi-structured data is harder to handle</a:t>
-            </a:r>
-            <a:endParaRPr lang="en-CA" dirty="0"/>
+            <a:pPr lvl="1"/>
+            <a:endParaRPr lang="en-CA" dirty="0" smtClean="0"/>
           </a:p>
         </p:txBody>
       </p:sp>
@@ -8125,8 +8203,9 @@
           <a:p>
             <a:r>
               <a:rPr lang="en-CA" dirty="0" smtClean="0"/>
-              <a:t>XML-enabled DB (e.g. MS SQL Server 2005)</a:t>
-            </a:r>
+              <a:t>XML-enabled DB </a:t>
+            </a:r>
+            <a:endParaRPr lang="en-CA" dirty="0" smtClean="0"/>
           </a:p>
           <a:p>
             <a:pPr lvl="1">
@@ -8135,7 +8214,11 @@
             </a:pPr>
             <a:r>
               <a:rPr lang="en-CA" dirty="0" smtClean="0"/>
-              <a:t>Shred XML data in a relational table with columns: ORDPATH, tag, node type, value, path ID</a:t>
+              <a:t>Shred </a:t>
+            </a:r>
+            <a:r>
+              <a:rPr lang="en-CA" dirty="0" smtClean="0"/>
+              <a:t>XML data in a relational table with columns: ORDPATH, tag, node type, value, path ID</a:t>
             </a:r>
           </a:p>
           <a:p>
@@ -8153,11 +8236,7 @@
             </a:r>
             <a:r>
               <a:rPr lang="en-CA" dirty="0" smtClean="0"/>
-              <a:t> </a:t>
-            </a:r>
-            <a:r>
-              <a:rPr lang="en-CA" dirty="0" smtClean="0"/>
-              <a:t>index based on combination of primary key of base table &amp; the ORDPATH</a:t>
+              <a:t> index based on combination of primary key of base table &amp; the ORDPATH</a:t>
             </a:r>
           </a:p>
         </p:txBody>
@@ -8297,169 +8376,6 @@
           <a:chExt cx="0" cy="0"/>
         </a:xfrm>
       </p:grpSpPr>
-      <p:sp>
-        <p:nvSpPr>
-          <p:cNvPr id="2" name="Title 1"/>
-          <p:cNvSpPr>
-            <a:spLocks noGrp="1"/>
-          </p:cNvSpPr>
-          <p:nvPr>
-            <p:ph type="title"/>
-          </p:nvPr>
-        </p:nvSpPr>
-        <p:spPr/>
-        <p:txBody>
-          <a:bodyPr>
-            <a:normAutofit fontScale="90000"/>
-          </a:bodyPr>
-          <a:lstStyle/>
-          <a:p>
-            <a:r>
-              <a:rPr lang="en-CA" sz="3300" dirty="0" smtClean="0"/>
-              <a:t>XML DBs</a:t>
-            </a:r>
-            <a:r>
-              <a:rPr lang="en-CA" dirty="0" smtClean="0"/>
-              <a:t/>
-            </a:r>
-            <a:br>
-              <a:rPr lang="en-CA" dirty="0" smtClean="0"/>
-            </a:br>
-            <a:r>
-              <a:rPr lang="en-CA" dirty="0" smtClean="0"/>
-              <a:t>1. Index Structures </a:t>
-            </a:r>
-            <a:r>
-              <a:rPr lang="en-CA" sz="2700" i="1" dirty="0" smtClean="0"/>
-              <a:t>Cont’d</a:t>
-            </a:r>
-            <a:endParaRPr lang="en-CA" sz="2700" i="1" dirty="0"/>
-          </a:p>
-        </p:txBody>
-      </p:sp>
-      <p:sp>
-        <p:nvSpPr>
-          <p:cNvPr id="3" name="Content Placeholder 2"/>
-          <p:cNvSpPr>
-            <a:spLocks noGrp="1"/>
-          </p:cNvSpPr>
-          <p:nvPr>
-            <p:ph idx="1"/>
-          </p:nvPr>
-        </p:nvSpPr>
-        <p:spPr/>
-        <p:txBody>
-          <a:bodyPr/>
-          <a:lstStyle/>
-          <a:p>
-            <a:r>
-              <a:rPr lang="en-CA" dirty="0" smtClean="0"/>
-              <a:t>Native XML DB (E.g. eXist, TIMBER)</a:t>
-            </a:r>
-          </a:p>
-          <a:p>
-            <a:pPr lvl="1">
-              <a:buFont typeface="Arial" pitchFamily="34" charset="0"/>
-              <a:buChar char="•"/>
-            </a:pPr>
-            <a:r>
-              <a:rPr lang="en-CA" dirty="0" smtClean="0"/>
-              <a:t>Numbering schema for the XML nodes</a:t>
-            </a:r>
-          </a:p>
-          <a:p>
-            <a:pPr lvl="1">
-              <a:buFont typeface="Arial" pitchFamily="34" charset="0"/>
-              <a:buChar char="•"/>
-            </a:pPr>
-            <a:r>
-              <a:rPr lang="en-CA" dirty="0" err="1" smtClean="0"/>
-              <a:t>B+tree</a:t>
-            </a:r>
-            <a:r>
-              <a:rPr lang="en-CA" dirty="0" smtClean="0"/>
-              <a:t> </a:t>
-            </a:r>
-            <a:r>
-              <a:rPr lang="en-CA" dirty="0" smtClean="0"/>
-              <a:t>used on the numbered nodes</a:t>
-            </a:r>
-          </a:p>
-          <a:p>
-            <a:endParaRPr lang="en-CA" dirty="0"/>
-          </a:p>
-        </p:txBody>
-      </p:sp>
-      <p:sp>
-        <p:nvSpPr>
-          <p:cNvPr id="4" name="Date Placeholder 3"/>
-          <p:cNvSpPr>
-            <a:spLocks noGrp="1"/>
-          </p:cNvSpPr>
-          <p:nvPr>
-            <p:ph type="dt" sz="half" idx="10"/>
-          </p:nvPr>
-        </p:nvSpPr>
-        <p:spPr/>
-        <p:txBody>
-          <a:bodyPr/>
-          <a:lstStyle/>
-          <a:p>
-            <a:r>
-              <a:rPr lang="en-US" dirty="0" smtClean="0"/>
-              <a:t>Physical Design Patterns</a:t>
-            </a:r>
-            <a:endParaRPr lang="en-CA" dirty="0"/>
-          </a:p>
-        </p:txBody>
-      </p:sp>
-      <p:sp>
-        <p:nvSpPr>
-          <p:cNvPr id="5" name="Footer Placeholder 4"/>
-          <p:cNvSpPr>
-            <a:spLocks noGrp="1"/>
-          </p:cNvSpPr>
-          <p:nvPr>
-            <p:ph type="ftr" sz="quarter" idx="11"/>
-          </p:nvPr>
-        </p:nvSpPr>
-        <p:spPr/>
-        <p:txBody>
-          <a:bodyPr/>
-          <a:lstStyle/>
-          <a:p>
-            <a:r>
-              <a:rPr lang="en-CA" dirty="0" smtClean="0"/>
-              <a:t>Karim Ali &amp; Sarah Nadi</a:t>
-            </a:r>
-            <a:endParaRPr lang="en-CA" dirty="0"/>
-          </a:p>
-        </p:txBody>
-      </p:sp>
-      <p:sp>
-        <p:nvSpPr>
-          <p:cNvPr id="6" name="Slide Number Placeholder 5"/>
-          <p:cNvSpPr>
-            <a:spLocks noGrp="1"/>
-          </p:cNvSpPr>
-          <p:nvPr>
-            <p:ph type="sldNum" sz="quarter" idx="12"/>
-          </p:nvPr>
-        </p:nvSpPr>
-        <p:spPr/>
-        <p:txBody>
-          <a:bodyPr/>
-          <a:lstStyle/>
-          <a:p>
-            <a:fld id="{9AC8176B-BF31-4706-B15B-1AFC481B9AC3}" type="slidenum">
-              <a:rPr lang="en-CA" smtClean="0"/>
-              <a:pPr/>
-              <a:t>25</a:t>
-            </a:fld>
-            <a:endParaRPr lang="en-CA" dirty="0"/>
-          </a:p>
-        </p:txBody>
-      </p:sp>
       <p:pic>
         <p:nvPicPr>
           <p:cNvPr id="2050" name="Picture 2"/>
@@ -8477,7 +8393,7 @@
         </p:blipFill>
         <p:spPr bwMode="auto">
           <a:xfrm>
-            <a:off x="366654" y="3429000"/>
+            <a:off x="366654" y="3714752"/>
             <a:ext cx="8420188" cy="3000396"/>
           </a:xfrm>
           <a:prstGeom prst="rect">
@@ -8493,6 +8409,167 @@
           <a:effectLst/>
         </p:spPr>
       </p:pic>
+      <p:sp>
+        <p:nvSpPr>
+          <p:cNvPr id="2" name="Title 1"/>
+          <p:cNvSpPr>
+            <a:spLocks noGrp="1"/>
+          </p:cNvSpPr>
+          <p:nvPr>
+            <p:ph type="title"/>
+          </p:nvPr>
+        </p:nvSpPr>
+        <p:spPr/>
+        <p:txBody>
+          <a:bodyPr>
+            <a:normAutofit fontScale="90000"/>
+          </a:bodyPr>
+          <a:lstStyle/>
+          <a:p>
+            <a:r>
+              <a:rPr lang="en-CA" sz="3300" dirty="0" smtClean="0"/>
+              <a:t>XML DBs</a:t>
+            </a:r>
+            <a:r>
+              <a:rPr lang="en-CA" dirty="0" smtClean="0"/>
+              <a:t/>
+            </a:r>
+            <a:br>
+              <a:rPr lang="en-CA" dirty="0" smtClean="0"/>
+            </a:br>
+            <a:r>
+              <a:rPr lang="en-CA" dirty="0" smtClean="0"/>
+              <a:t>1. Index Structures </a:t>
+            </a:r>
+            <a:r>
+              <a:rPr lang="en-CA" sz="2700" i="1" dirty="0" smtClean="0"/>
+              <a:t>Cont’d</a:t>
+            </a:r>
+            <a:endParaRPr lang="en-CA" sz="2700" i="1" dirty="0"/>
+          </a:p>
+        </p:txBody>
+      </p:sp>
+      <p:sp>
+        <p:nvSpPr>
+          <p:cNvPr id="3" name="Content Placeholder 2"/>
+          <p:cNvSpPr>
+            <a:spLocks noGrp="1"/>
+          </p:cNvSpPr>
+          <p:nvPr>
+            <p:ph idx="1"/>
+          </p:nvPr>
+        </p:nvSpPr>
+        <p:spPr/>
+        <p:txBody>
+          <a:bodyPr/>
+          <a:lstStyle/>
+          <a:p>
+            <a:r>
+              <a:rPr lang="en-CA" dirty="0" smtClean="0"/>
+              <a:t>Native XML DB </a:t>
+            </a:r>
+            <a:r>
+              <a:rPr lang="en-CA" dirty="0" smtClean="0"/>
+              <a:t>Numbering </a:t>
+            </a:r>
+            <a:r>
+              <a:rPr lang="en-CA" dirty="0" smtClean="0"/>
+              <a:t>schema for the XML nodes</a:t>
+            </a:r>
+          </a:p>
+          <a:p>
+            <a:pPr lvl="1">
+              <a:buFont typeface="Arial" pitchFamily="34" charset="0"/>
+              <a:buChar char="•"/>
+            </a:pPr>
+            <a:r>
+              <a:rPr lang="en-CA" dirty="0" err="1" smtClean="0"/>
+              <a:t>B+tree</a:t>
+            </a:r>
+            <a:r>
+              <a:rPr lang="en-CA" dirty="0" smtClean="0"/>
+              <a:t> (or variations) </a:t>
+            </a:r>
+            <a:r>
+              <a:rPr lang="en-CA" dirty="0" smtClean="0"/>
+              <a:t>used on the numbered nodes</a:t>
+            </a:r>
+          </a:p>
+          <a:p>
+            <a:endParaRPr lang="en-CA" dirty="0"/>
+          </a:p>
+        </p:txBody>
+      </p:sp>
+      <p:sp>
+        <p:nvSpPr>
+          <p:cNvPr id="4" name="Date Placeholder 3"/>
+          <p:cNvSpPr>
+            <a:spLocks noGrp="1"/>
+          </p:cNvSpPr>
+          <p:nvPr>
+            <p:ph type="dt" sz="half" idx="10"/>
+          </p:nvPr>
+        </p:nvSpPr>
+        <p:spPr/>
+        <p:txBody>
+          <a:bodyPr/>
+          <a:lstStyle/>
+          <a:p>
+            <a:r>
+              <a:rPr lang="en-US" dirty="0" smtClean="0"/>
+              <a:t>Physical Design Patterns</a:t>
+            </a:r>
+            <a:endParaRPr lang="en-CA" dirty="0"/>
+          </a:p>
+        </p:txBody>
+      </p:sp>
+      <p:sp>
+        <p:nvSpPr>
+          <p:cNvPr id="5" name="Footer Placeholder 4"/>
+          <p:cNvSpPr>
+            <a:spLocks noGrp="1"/>
+          </p:cNvSpPr>
+          <p:nvPr>
+            <p:ph type="ftr" sz="quarter" idx="11"/>
+          </p:nvPr>
+        </p:nvSpPr>
+        <p:spPr/>
+        <p:txBody>
+          <a:bodyPr/>
+          <a:lstStyle/>
+          <a:p>
+            <a:r>
+              <a:rPr lang="en-CA" dirty="0" smtClean="0"/>
+              <a:t>Karim Ali &amp; Sarah Nadi</a:t>
+            </a:r>
+            <a:endParaRPr lang="en-CA" dirty="0"/>
+          </a:p>
+        </p:txBody>
+      </p:sp>
+      <p:sp>
+        <p:nvSpPr>
+          <p:cNvPr id="6" name="Slide Number Placeholder 5"/>
+          <p:cNvSpPr>
+            <a:spLocks noGrp="1"/>
+          </p:cNvSpPr>
+          <p:nvPr>
+            <p:ph type="sldNum" sz="quarter" idx="12"/>
+          </p:nvPr>
+        </p:nvSpPr>
+        <p:spPr/>
+        <p:txBody>
+          <a:bodyPr/>
+          <a:lstStyle/>
+          <a:p>
+            <a:fld id="{9AC8176B-BF31-4706-B15B-1AFC481B9AC3}" type="slidenum">
+              <a:rPr lang="en-CA" smtClean="0"/>
+              <a:pPr/>
+              <a:t>25</a:t>
+            </a:fld>
+            <a:endParaRPr lang="en-CA" dirty="0"/>
+          </a:p>
+        </p:txBody>
+      </p:sp>
     </p:spTree>
   </p:cSld>
   <p:clrMapOvr>
@@ -9841,7 +9918,15 @@
             </a:pPr>
             <a:r>
               <a:rPr lang="en-CA" sz="2600" dirty="0" smtClean="0"/>
-              <a:t>The fact table participates in every join</a:t>
+              <a:t>The fact table </a:t>
+            </a:r>
+            <a:r>
+              <a:rPr lang="en-CA" sz="2600" dirty="0" smtClean="0"/>
+              <a:t>in the star schema participates </a:t>
+            </a:r>
+            <a:r>
+              <a:rPr lang="en-CA" sz="2600" dirty="0" smtClean="0"/>
+              <a:t>in every join</a:t>
             </a:r>
           </a:p>
         </p:txBody>
@@ -10192,7 +10277,7 @@
                       </a:r>
                       <a:r>
                         <a:rPr lang="en-CA" sz="1600" baseline="0" dirty="0" smtClean="0"/>
-                        <a:t>Z-dimension</a:t>
+                        <a:t>Z-order</a:t>
                       </a:r>
                       <a:endParaRPr lang="en-CA" sz="1600" baseline="0" dirty="0" smtClean="0"/>
                     </a:p>
@@ -10576,11 +10661,7 @@
             </a:pPr>
             <a:r>
               <a:rPr lang="en-CA" sz="2600" dirty="0" smtClean="0"/>
-              <a:t>Improves </a:t>
-            </a:r>
-            <a:r>
-              <a:rPr lang="en-CA" sz="2600" dirty="0" smtClean="0"/>
-              <a:t>performance through fast lookups</a:t>
+              <a:t>Improves performance through fast lookups</a:t>
             </a:r>
           </a:p>
           <a:p>
@@ -10781,11 +10862,7 @@
           <a:p>
             <a:r>
               <a:rPr lang="en-CA" dirty="0" smtClean="0"/>
-              <a:t>Horizontal </a:t>
-            </a:r>
-            <a:r>
-              <a:rPr lang="en-CA" dirty="0" smtClean="0"/>
-              <a:t>&amp; Vertical partitioning are used</a:t>
+              <a:t>Horizontal &amp; Vertical partitioning are used</a:t>
             </a:r>
           </a:p>
           <a:p>
@@ -10875,13 +10952,8 @@
             </a:pPr>
             <a:r>
               <a:rPr lang="en-CA" sz="3100" dirty="0" smtClean="0"/>
-              <a:t>Efficiency: number of partitions affects the performance of meta data operations (e.g. browsing the data cube definition</a:t>
-            </a:r>
-            <a:r>
-              <a:rPr lang="en-CA" sz="3100" dirty="0" smtClean="0"/>
-              <a:t>)</a:t>
-            </a:r>
-            <a:endParaRPr lang="en-CA" sz="3100" dirty="0" smtClean="0"/>
+              <a:t>Efficiency: number of partitions affects the performance of meta data operations (e.g. browsing the data cube definition)</a:t>
+            </a:r>
           </a:p>
         </p:txBody>
       </p:sp>
@@ -11654,15 +11726,7 @@
                       </a:pPr>
                       <a:r>
                         <a:rPr lang="en-CA" sz="1400" baseline="0" dirty="0" smtClean="0"/>
-                        <a:t>E.g</a:t>
-                      </a:r>
-                      <a:r>
-                        <a:rPr lang="en-CA" sz="1400" baseline="0" dirty="0" smtClean="0"/>
-                        <a:t>. </a:t>
-                      </a:r>
-                      <a:r>
-                        <a:rPr lang="en-CA" sz="1400" baseline="0" dirty="0" smtClean="0"/>
-                        <a:t>B+tree, CSB+tree, T Tree, CST Tree</a:t>
+                        <a:t>E.g. B+tree, CSB+tree, T Tree, CST Tree</a:t>
                       </a:r>
                       <a:endParaRPr lang="en-CA" sz="1400" dirty="0" smtClean="0"/>
                     </a:p>
@@ -11919,11 +11983,7 @@
                       </a:r>
                       <a:r>
                         <a:rPr lang="en-CA" sz="1400" baseline="0" dirty="0" smtClean="0"/>
-                        <a:t> </a:t>
-                      </a:r>
-                      <a:r>
-                        <a:rPr lang="en-CA" sz="1400" baseline="0" dirty="0" smtClean="0"/>
-                        <a:t>used</a:t>
+                        <a:t> used</a:t>
                       </a:r>
                       <a:endParaRPr lang="en-CA" sz="1400" dirty="0"/>
                     </a:p>
@@ -12507,13 +12567,8 @@
           <a:p>
             <a:r>
               <a:rPr lang="en-CA" dirty="0" smtClean="0"/>
-              <a:t>Disk Based Relational </a:t>
-            </a:r>
-            <a:r>
-              <a:rPr lang="en-CA" dirty="0" smtClean="0"/>
-              <a:t>Databases (RDBMS)</a:t>
-            </a:r>
-            <a:endParaRPr lang="en-CA" dirty="0" smtClean="0"/>
+              <a:t>Disk Based Relational Databases (RDBMS)</a:t>
+            </a:r>
           </a:p>
           <a:p>
             <a:pPr lvl="1">
@@ -13297,15 +13352,7 @@
                       </a:pPr>
                       <a:r>
                         <a:rPr lang="en-CA" sz="1600" baseline="0" dirty="0" smtClean="0"/>
-                        <a:t> Primary  indexing method used for </a:t>
-                      </a:r>
-                      <a:r>
-                        <a:rPr lang="en-CA" sz="1600" baseline="0" dirty="0" smtClean="0"/>
-                        <a:t>RDBMS (DB2</a:t>
-                      </a:r>
-                      <a:r>
-                        <a:rPr lang="en-CA" sz="1600" baseline="0" dirty="0" smtClean="0"/>
-                        <a:t>, Oracle, SQL Server)</a:t>
+                        <a:t> Primary  indexing method used for RDBMS (DB2, Oracle, SQL Server)</a:t>
                       </a:r>
                       <a:endParaRPr lang="en-CA" sz="1600" dirty="0"/>
                     </a:p>
@@ -13347,15 +13394,7 @@
                       </a:pPr>
                       <a:r>
                         <a:rPr lang="en-CA" sz="1600" baseline="0" dirty="0" smtClean="0"/>
-                        <a:t> Stores key values in sorted order (i.e. </a:t>
-                      </a:r>
-                      <a:r>
-                        <a:rPr lang="en-CA" sz="1600" baseline="0" dirty="0" smtClean="0"/>
-                        <a:t>facilitates </a:t>
-                      </a:r>
-                      <a:r>
-                        <a:rPr lang="en-CA" sz="1600" baseline="0" dirty="0" smtClean="0"/>
-                        <a:t>range search)</a:t>
+                        <a:t> Stores key values in sorted order (i.e. facilitates range search)</a:t>
                       </a:r>
                       <a:endParaRPr lang="en-CA" sz="1600" dirty="0"/>
                     </a:p>
@@ -13429,15 +13468,7 @@
                       </a:pPr>
                       <a:r>
                         <a:rPr lang="en-CA" sz="1600" dirty="0" smtClean="0"/>
-                        <a:t> Outperforms B+trees for low cardinality attributes (e.g. </a:t>
-                      </a:r>
-                      <a:r>
-                        <a:rPr lang="en-CA" sz="1600" dirty="0" smtClean="0"/>
-                        <a:t>gender</a:t>
-                      </a:r>
-                      <a:r>
-                        <a:rPr lang="en-CA" sz="1600" dirty="0" smtClean="0"/>
-                        <a:t>)</a:t>
+                        <a:t> Outperforms B+trees for low cardinality attributes (e.g. gender)</a:t>
                       </a:r>
                     </a:p>
                     <a:p>

--- a/trunk/cs848-db/PhysDesignPres.pptx
+++ b/trunk/cs848-db/PhysDesignPres.pptx
@@ -6567,6 +6567,7 @@
                     <a:bodyPr/>
                     <a:lstStyle/>
                     <a:p>
+                      <a:pPr algn="ctr"/>
                       <a:endParaRPr lang="en-CA" i="0" dirty="0"/>
                     </a:p>
                   </a:txBody>
@@ -6577,6 +6578,7 @@
                     <a:bodyPr/>
                     <a:lstStyle/>
                     <a:p>
+                      <a:pPr algn="ctr"/>
                       <a:r>
                         <a:rPr lang="en-CA" dirty="0" smtClean="0"/>
                         <a:t>Features</a:t>
@@ -6595,6 +6597,7 @@
                     <a:bodyPr/>
                     <a:lstStyle/>
                     <a:p>
+                      <a:pPr algn="ctr"/>
                       <a:r>
                         <a:rPr lang="en-CA" dirty="0" smtClean="0"/>
                         <a:t>Cache Consciousness</a:t>
@@ -6611,6 +6614,7 @@
                     <a:bodyPr/>
                     <a:lstStyle/>
                     <a:p>
+                      <a:pPr algn="ctr"/>
                       <a:r>
                         <a:rPr lang="en-CA" sz="1600" b="1" i="0" dirty="0" smtClean="0"/>
                         <a:t>B+tree</a:t>
@@ -6677,6 +6681,7 @@
                     <a:bodyPr/>
                     <a:lstStyle/>
                     <a:p>
+                      <a:pPr algn="ctr"/>
                       <a:r>
                         <a:rPr lang="en-CA" sz="1600" b="1" i="0" dirty="0" smtClean="0"/>
                         <a:t>Cache Sensitive B+tree</a:t>
@@ -6742,7 +6747,7 @@
                       </a:r>
                       <a:r>
                         <a:rPr lang="en-CA" sz="1600" baseline="0" dirty="0" smtClean="0"/>
-                        <a:t> child</a:t>
+                        <a:t> child &amp; uses array index calculation to get the rest</a:t>
                       </a:r>
                       <a:endParaRPr lang="en-CA" sz="1600" dirty="0"/>
                     </a:p>
@@ -6778,6 +6783,7 @@
                     <a:bodyPr/>
                     <a:lstStyle/>
                     <a:p>
+                      <a:pPr algn="ctr"/>
                       <a:r>
                         <a:rPr lang="en-CA" sz="1600" b="1" i="0" dirty="0" smtClean="0"/>
                         <a:t>T Tree</a:t>
@@ -6809,14 +6815,8 @@
                           <a:ea typeface="+mn-ea"/>
                           <a:cs typeface="+mn-cs"/>
                         </a:rPr>
-                        <a:t>Contain pointers to data values instead of the values themselves leading to better space utilization</a:t>
-                      </a:r>
-                    </a:p>
-                    <a:p>
-                      <a:pPr>
-                        <a:buFont typeface="Arial" pitchFamily="34" charset="0"/>
-                        <a:buChar char="•"/>
-                      </a:pPr>
+                        <a:t>Contain </a:t>
+                      </a:r>
                       <a:r>
                         <a:rPr kumimoji="0" lang="en-CA" sz="1600" kern="1200" baseline="0" dirty="0" smtClean="0">
                           <a:solidFill>
@@ -6826,7 +6826,43 @@
                           <a:ea typeface="+mn-ea"/>
                           <a:cs typeface="+mn-cs"/>
                         </a:rPr>
-                        <a:t> Good update &amp; storage characteristics of B-tree</a:t>
+                        <a:t>record pointers in every key</a:t>
+                      </a:r>
+                      <a:endParaRPr kumimoji="0" lang="en-CA" sz="1600" kern="1200" baseline="0" dirty="0" smtClean="0">
+                        <a:solidFill>
+                          <a:schemeClr val="dk1"/>
+                        </a:solidFill>
+                        <a:latin typeface="+mn-lt"/>
+                        <a:ea typeface="+mn-ea"/>
+                        <a:cs typeface="+mn-cs"/>
+                      </a:endParaRPr>
+                    </a:p>
+                    <a:p>
+                      <a:pPr>
+                        <a:buFont typeface="Arial" pitchFamily="34" charset="0"/>
+                        <a:buChar char="•"/>
+                      </a:pPr>
+                      <a:r>
+                        <a:rPr kumimoji="0" lang="en-CA" sz="1600" kern="1200" baseline="0" dirty="0" smtClean="0">
+                          <a:solidFill>
+                            <a:schemeClr val="dk1"/>
+                          </a:solidFill>
+                          <a:latin typeface="+mn-lt"/>
+                          <a:ea typeface="+mn-ea"/>
+                          <a:cs typeface="+mn-cs"/>
+                        </a:rPr>
+                        <a:t> Good update &amp; storage characteristics of </a:t>
+                      </a:r>
+                      <a:r>
+                        <a:rPr kumimoji="0" lang="en-CA" sz="1600" kern="1200" baseline="0" dirty="0" smtClean="0">
+                          <a:solidFill>
+                            <a:schemeClr val="dk1"/>
+                          </a:solidFill>
+                          <a:latin typeface="+mn-lt"/>
+                          <a:ea typeface="+mn-ea"/>
+                          <a:cs typeface="+mn-cs"/>
+                        </a:rPr>
+                        <a:t>B-trees</a:t>
                       </a:r>
                       <a:endParaRPr lang="en-CA" sz="1600" dirty="0"/>
                     </a:p>
@@ -6862,7 +6898,7 @@
                       </a:pPr>
                       <a:r>
                         <a:rPr lang="en-CA" sz="1600" baseline="0" dirty="0" smtClean="0"/>
-                        <a:t> </a:t>
+                        <a:t> Record pointers waste space in the cache</a:t>
                       </a:r>
                       <a:endParaRPr lang="en-CA" sz="1600" dirty="0"/>
                     </a:p>
@@ -6876,6 +6912,7 @@
                     <a:bodyPr/>
                     <a:lstStyle/>
                     <a:p>
+                      <a:pPr algn="ctr"/>
                       <a:r>
                         <a:rPr lang="en-CA" sz="1600" b="1" i="0" dirty="0" smtClean="0"/>
                         <a:t>Cache</a:t>
@@ -6914,8 +6951,9 @@
                       </a:pPr>
                       <a:r>
                         <a:rPr lang="en-CA" sz="1600" baseline="0" dirty="0" smtClean="0"/>
-                        <a:t>More space efficient by removing pointers and using array stores. </a:t>
-                      </a:r>
+                        <a:t>The rest of the nodes values are stored in an array </a:t>
+                      </a:r>
+                      <a:endParaRPr lang="en-CA" sz="1600" baseline="0" dirty="0" smtClean="0"/>
                     </a:p>
                     <a:p>
                       <a:pPr>
@@ -7986,8 +8024,17 @@
             </a:r>
             <a:r>
               <a:rPr lang="en-CA" dirty="0" smtClean="0"/>
-              <a:t>, TIMBER)</a:t>
-            </a:r>
+              <a:t>, </a:t>
+            </a:r>
+            <a:r>
+              <a:rPr lang="en-CA" dirty="0" err="1" smtClean="0"/>
+              <a:t>Sedna</a:t>
+            </a:r>
+            <a:r>
+              <a:rPr lang="en-CA" dirty="0" smtClean="0"/>
+              <a:t>)</a:t>
+            </a:r>
+            <a:endParaRPr lang="en-CA" dirty="0" smtClean="0"/>
           </a:p>
           <a:p>
             <a:pPr lvl="1">
@@ -8006,8 +8053,13 @@
             </a:pPr>
             <a:r>
               <a:rPr lang="en-CA" dirty="0" smtClean="0"/>
-              <a:t>Data structures store actual XML</a:t>
-            </a:r>
+              <a:t>Data structures store actual </a:t>
+            </a:r>
+            <a:r>
+              <a:rPr lang="en-CA" dirty="0" smtClean="0"/>
+              <a:t>XML nodes with pointers between them</a:t>
+            </a:r>
+            <a:endParaRPr lang="en-CA" dirty="0" smtClean="0"/>
           </a:p>
           <a:p>
             <a:pPr lvl="1"/>
@@ -10169,6 +10221,7 @@
                     <a:bodyPr/>
                     <a:lstStyle/>
                     <a:p>
+                      <a:pPr algn="ctr"/>
                       <a:endParaRPr lang="en-CA" i="0" dirty="0"/>
                     </a:p>
                   </a:txBody>
@@ -10179,6 +10232,7 @@
                     <a:bodyPr/>
                     <a:lstStyle/>
                     <a:p>
+                      <a:pPr algn="ctr"/>
                       <a:r>
                         <a:rPr lang="en-CA" dirty="0" smtClean="0"/>
                         <a:t>Features</a:t>
@@ -10193,6 +10247,7 @@
                     <a:bodyPr/>
                     <a:lstStyle/>
                     <a:p>
+                      <a:pPr algn="ctr"/>
                       <a:r>
                         <a:rPr lang="en-CA" dirty="0" smtClean="0"/>
                         <a:t>Pros</a:t>
@@ -10207,6 +10262,7 @@
                     <a:bodyPr/>
                     <a:lstStyle/>
                     <a:p>
+                      <a:pPr algn="ctr"/>
                       <a:r>
                         <a:rPr lang="en-CA" dirty="0" smtClean="0"/>
                         <a:t>Cons </a:t>
@@ -10223,7 +10279,7 @@
                     <a:bodyPr/>
                     <a:lstStyle/>
                     <a:p>
-                      <a:pPr algn="l"/>
+                      <a:pPr algn="ctr"/>
                       <a:r>
                         <a:rPr lang="en-CA" b="1" i="0" dirty="0" smtClean="0"/>
                         <a:t>Universal</a:t>
@@ -10362,7 +10418,7 @@
                     <a:bodyPr/>
                     <a:lstStyle/>
                     <a:p>
-                      <a:pPr algn="l"/>
+                      <a:pPr algn="ctr"/>
                       <a:r>
                         <a:rPr lang="en-CA" b="1" i="0" dirty="0" smtClean="0"/>
                         <a:t> Bitmap Index</a:t>
@@ -10447,6 +10503,7 @@
                     <a:bodyPr/>
                     <a:lstStyle/>
                     <a:p>
+                      <a:pPr algn="ctr"/>
                       <a:r>
                         <a:rPr lang="en-CA" b="1" i="0" dirty="0" smtClean="0"/>
                         <a:t>Projection Index</a:t>
@@ -11499,6 +11556,7 @@
                     <a:bodyPr/>
                     <a:lstStyle/>
                     <a:p>
+                      <a:pPr algn="ctr"/>
                       <a:endParaRPr lang="en-CA" dirty="0"/>
                     </a:p>
                   </a:txBody>
@@ -11509,6 +11567,7 @@
                     <a:bodyPr/>
                     <a:lstStyle/>
                     <a:p>
+                      <a:pPr algn="ctr"/>
                       <a:r>
                         <a:rPr lang="en-CA" dirty="0" smtClean="0"/>
                         <a:t>Index Structures</a:t>
@@ -11523,6 +11582,7 @@
                     <a:bodyPr/>
                     <a:lstStyle/>
                     <a:p>
+                      <a:pPr algn="ctr"/>
                       <a:r>
                         <a:rPr lang="en-CA" dirty="0" smtClean="0"/>
                         <a:t>Materialized Views</a:t>
@@ -11537,6 +11597,7 @@
                     <a:bodyPr/>
                     <a:lstStyle/>
                     <a:p>
+                      <a:pPr algn="ctr"/>
                       <a:r>
                         <a:rPr lang="en-CA" dirty="0" smtClean="0"/>
                         <a:t>Partitioning</a:t>
@@ -11551,6 +11612,7 @@
                     <a:bodyPr/>
                     <a:lstStyle/>
                     <a:p>
+                      <a:pPr algn="ctr"/>
                       <a:r>
                         <a:rPr lang="en-CA" dirty="0" smtClean="0"/>
                         <a:t>Clustering</a:t>
@@ -11567,6 +11629,7 @@
                     <a:bodyPr/>
                     <a:lstStyle/>
                     <a:p>
+                      <a:pPr algn="ctr"/>
                       <a:r>
                         <a:rPr lang="en-CA" dirty="0" smtClean="0"/>
                         <a:t>RDBMS</a:t>
@@ -11668,6 +11731,7 @@
                     <a:bodyPr/>
                     <a:lstStyle/>
                     <a:p>
+                      <a:pPr algn="ctr"/>
                       <a:r>
                         <a:rPr lang="en-CA" dirty="0" smtClean="0"/>
                         <a:t>MMD</a:t>
@@ -11844,6 +11908,7 @@
                     <a:bodyPr/>
                     <a:lstStyle/>
                     <a:p>
+                      <a:pPr algn="ctr"/>
                       <a:r>
                         <a:rPr lang="en-CA" dirty="0" smtClean="0"/>
                         <a:t>Data Warehouses</a:t>
@@ -11942,6 +12007,7 @@
                     <a:bodyPr/>
                     <a:lstStyle/>
                     <a:p>
+                      <a:pPr algn="ctr"/>
                       <a:r>
                         <a:rPr lang="en-CA" dirty="0" smtClean="0"/>
                         <a:t>XML</a:t>
@@ -13264,6 +13330,7 @@
                     <a:bodyPr/>
                     <a:lstStyle/>
                     <a:p>
+                      <a:pPr algn="ctr"/>
                       <a:endParaRPr lang="en-CA" dirty="0"/>
                     </a:p>
                   </a:txBody>
@@ -13274,6 +13341,7 @@
                     <a:bodyPr/>
                     <a:lstStyle/>
                     <a:p>
+                      <a:pPr algn="ctr"/>
                       <a:r>
                         <a:rPr lang="en-CA" dirty="0" smtClean="0"/>
                         <a:t>Features</a:t>
@@ -13288,6 +13356,7 @@
                     <a:bodyPr/>
                     <a:lstStyle/>
                     <a:p>
+                      <a:pPr algn="ctr"/>
                       <a:r>
                         <a:rPr lang="en-CA" dirty="0" smtClean="0"/>
                         <a:t>Pros</a:t>
@@ -13302,6 +13371,7 @@
                     <a:bodyPr/>
                     <a:lstStyle/>
                     <a:p>
+                      <a:pPr algn="ctr"/>
                       <a:r>
                         <a:rPr lang="en-CA" dirty="0" smtClean="0"/>
                         <a:t>Cons</a:t>
@@ -13318,6 +13388,7 @@
                     <a:bodyPr/>
                     <a:lstStyle/>
                     <a:p>
+                      <a:pPr algn="ctr"/>
                       <a:r>
                         <a:rPr lang="en-CA" b="1" i="0" dirty="0" smtClean="0"/>
                         <a:t>B+tree</a:t>
@@ -13332,7 +13403,7 @@
                     <a:bodyPr/>
                     <a:lstStyle/>
                     <a:p>
-                      <a:pPr>
+                      <a:pPr algn="l">
                         <a:buFont typeface="Arial" pitchFamily="34" charset="0"/>
                         <a:buChar char="•"/>
                       </a:pPr>
@@ -13346,7 +13417,7 @@
                       </a:r>
                     </a:p>
                     <a:p>
-                      <a:pPr>
+                      <a:pPr algn="l">
                         <a:buFont typeface="Arial" pitchFamily="34" charset="0"/>
                         <a:buChar char="•"/>
                       </a:pPr>
@@ -13364,7 +13435,7 @@
                     <a:bodyPr/>
                     <a:lstStyle/>
                     <a:p>
-                      <a:pPr>
+                      <a:pPr algn="l">
                         <a:buFont typeface="Arial" pitchFamily="34" charset="0"/>
                         <a:buChar char="•"/>
                       </a:pPr>
@@ -13378,7 +13449,7 @@
                       </a:r>
                     </a:p>
                     <a:p>
-                      <a:pPr>
+                      <a:pPr algn="l">
                         <a:buFont typeface="Arial" pitchFamily="34" charset="0"/>
                         <a:buChar char="•"/>
                       </a:pPr>
@@ -13388,7 +13459,7 @@
                       </a:r>
                     </a:p>
                     <a:p>
-                      <a:pPr>
+                      <a:pPr algn="l">
                         <a:buFont typeface="Arial" pitchFamily="34" charset="0"/>
                         <a:buChar char="•"/>
                       </a:pPr>
@@ -13406,7 +13477,7 @@
                     <a:bodyPr/>
                     <a:lstStyle/>
                     <a:p>
-                      <a:pPr>
+                      <a:pPr algn="l">
                         <a:buFont typeface="Arial" pitchFamily="34" charset="0"/>
                         <a:buChar char="•"/>
                       </a:pPr>
@@ -13430,6 +13501,7 @@
                     <a:bodyPr/>
                     <a:lstStyle/>
                     <a:p>
+                      <a:pPr algn="ctr"/>
                       <a:r>
                         <a:rPr lang="en-CA" b="1" i="0" dirty="0" smtClean="0"/>
                         <a:t>Bitmap Index</a:t>
@@ -13444,7 +13516,7 @@
                     <a:bodyPr/>
                     <a:lstStyle/>
                     <a:p>
-                      <a:pPr>
+                      <a:pPr algn="l">
                         <a:buFont typeface="Arial" pitchFamily="34" charset="0"/>
                         <a:buChar char="•"/>
                       </a:pPr>
@@ -13462,7 +13534,7 @@
                     <a:bodyPr/>
                     <a:lstStyle/>
                     <a:p>
-                      <a:pPr>
+                      <a:pPr algn="l">
                         <a:buFont typeface="Arial" pitchFamily="34" charset="0"/>
                         <a:buChar char="•"/>
                       </a:pPr>
@@ -13472,7 +13544,7 @@
                       </a:r>
                     </a:p>
                     <a:p>
-                      <a:pPr>
+                      <a:pPr algn="l">
                         <a:buFont typeface="Arial" pitchFamily="34" charset="0"/>
                         <a:buChar char="•"/>
                       </a:pPr>
@@ -13482,7 +13554,7 @@
                       </a:r>
                     </a:p>
                     <a:p>
-                      <a:pPr>
+                      <a:pPr algn="l">
                         <a:buFont typeface="Arial" pitchFamily="34" charset="0"/>
                         <a:buChar char="•"/>
                       </a:pPr>
@@ -13492,7 +13564,7 @@
                       </a:r>
                     </a:p>
                     <a:p>
-                      <a:pPr>
+                      <a:pPr algn="l">
                         <a:buFont typeface="Arial" pitchFamily="34" charset="0"/>
                         <a:buChar char="•"/>
                       </a:pPr>
@@ -13510,7 +13582,7 @@
                     <a:bodyPr/>
                     <a:lstStyle/>
                     <a:p>
-                      <a:pPr>
+                      <a:pPr algn="l">
                         <a:buFont typeface="Arial" pitchFamily="34" charset="0"/>
                         <a:buChar char="•"/>
                       </a:pPr>

--- a/trunk/cs848-db/PhysDesignPres.pptx
+++ b/trunk/cs848-db/PhysDesignPres.pptx
@@ -6548,7 +6548,7 @@
         </p:nvGraphicFramePr>
         <p:xfrm>
           <a:off x="71406" y="1589428"/>
-          <a:ext cx="9001155" cy="4394200"/>
+          <a:ext cx="9001155" cy="4638040"/>
         </p:xfrm>
         <a:graphic>
           <a:graphicData uri="http://schemas.openxmlformats.org/drawingml/2006/table">
@@ -6804,8 +6804,37 @@
                       </a:pPr>
                       <a:r>
                         <a:rPr lang="en-CA" sz="1600" dirty="0" smtClean="0"/>
-                        <a:t> </a:t>
-                      </a:r>
+                        <a:t> Many sorted keys</a:t>
+                      </a:r>
+                      <a:r>
+                        <a:rPr lang="en-CA" sz="1600" baseline="0" dirty="0" smtClean="0"/>
+                        <a:t> per node</a:t>
+                      </a:r>
+                    </a:p>
+                    <a:p>
+                      <a:pPr>
+                        <a:buFont typeface="Arial" pitchFamily="34" charset="0"/>
+                        <a:buChar char="•"/>
+                      </a:pPr>
+                      <a:r>
+                        <a:rPr lang="en-CA" sz="1600" baseline="0" dirty="0" smtClean="0"/>
+                        <a:t> Only </a:t>
+                      </a:r>
+                      <a:r>
+                        <a:rPr lang="en-CA" sz="1600" dirty="0" smtClean="0"/>
+                        <a:t> min &amp; max keys used</a:t>
+                      </a:r>
+                      <a:r>
+                        <a:rPr lang="en-CA" sz="1600" baseline="0" dirty="0" smtClean="0"/>
+                        <a:t> for comparison</a:t>
+                      </a:r>
+                      <a:endParaRPr lang="en-CA" sz="1600" dirty="0" smtClean="0"/>
+                    </a:p>
+                    <a:p>
+                      <a:pPr>
+                        <a:buFont typeface="Arial" pitchFamily="34" charset="0"/>
+                        <a:buChar char="•"/>
+                      </a:pPr>
                       <a:r>
                         <a:rPr kumimoji="0" lang="en-CA" sz="1600" kern="1200" baseline="0" dirty="0" smtClean="0">
                           <a:solidFill>
@@ -6815,8 +6844,14 @@
                           <a:ea typeface="+mn-ea"/>
                           <a:cs typeface="+mn-cs"/>
                         </a:rPr>
-                        <a:t>Contain </a:t>
-                      </a:r>
+                        <a:t>Contain record pointers in every key</a:t>
+                      </a:r>
+                    </a:p>
+                    <a:p>
+                      <a:pPr>
+                        <a:buFont typeface="Arial" pitchFamily="34" charset="0"/>
+                        <a:buChar char="•"/>
+                      </a:pPr>
                       <a:r>
                         <a:rPr kumimoji="0" lang="en-CA" sz="1600" kern="1200" baseline="0" dirty="0" smtClean="0">
                           <a:solidFill>
@@ -6826,43 +6861,7 @@
                           <a:ea typeface="+mn-ea"/>
                           <a:cs typeface="+mn-cs"/>
                         </a:rPr>
-                        <a:t>record pointers in every key</a:t>
-                      </a:r>
-                      <a:endParaRPr kumimoji="0" lang="en-CA" sz="1600" kern="1200" baseline="0" dirty="0" smtClean="0">
-                        <a:solidFill>
-                          <a:schemeClr val="dk1"/>
-                        </a:solidFill>
-                        <a:latin typeface="+mn-lt"/>
-                        <a:ea typeface="+mn-ea"/>
-                        <a:cs typeface="+mn-cs"/>
-                      </a:endParaRPr>
-                    </a:p>
-                    <a:p>
-                      <a:pPr>
-                        <a:buFont typeface="Arial" pitchFamily="34" charset="0"/>
-                        <a:buChar char="•"/>
-                      </a:pPr>
-                      <a:r>
-                        <a:rPr kumimoji="0" lang="en-CA" sz="1600" kern="1200" baseline="0" dirty="0" smtClean="0">
-                          <a:solidFill>
-                            <a:schemeClr val="dk1"/>
-                          </a:solidFill>
-                          <a:latin typeface="+mn-lt"/>
-                          <a:ea typeface="+mn-ea"/>
-                          <a:cs typeface="+mn-cs"/>
-                        </a:rPr>
-                        <a:t> Good update &amp; storage characteristics of </a:t>
-                      </a:r>
-                      <a:r>
-                        <a:rPr kumimoji="0" lang="en-CA" sz="1600" kern="1200" baseline="0" dirty="0" smtClean="0">
-                          <a:solidFill>
-                            <a:schemeClr val="dk1"/>
-                          </a:solidFill>
-                          <a:latin typeface="+mn-lt"/>
-                          <a:ea typeface="+mn-ea"/>
-                          <a:cs typeface="+mn-cs"/>
-                        </a:rPr>
-                        <a:t>B-trees</a:t>
+                        <a:t> Good update &amp; storage characteristics of B-trees</a:t>
                       </a:r>
                       <a:endParaRPr lang="en-CA" sz="1600" dirty="0"/>
                     </a:p>
@@ -6884,11 +6883,7 @@
                       </a:r>
                       <a:r>
                         <a:rPr lang="en-CA" sz="1600" baseline="0" dirty="0" smtClean="0"/>
-                        <a:t> was not considered at time of </a:t>
-                      </a:r>
-                      <a:r>
-                        <a:rPr lang="en-CA" sz="1600" baseline="0" dirty="0" smtClean="0"/>
-                        <a:t>design</a:t>
+                        <a:t> was not considered at time of design</a:t>
                       </a:r>
                     </a:p>
                     <a:p>
@@ -6951,9 +6946,8 @@
                       </a:pPr>
                       <a:r>
                         <a:rPr lang="en-CA" sz="1600" baseline="0" dirty="0" smtClean="0"/>
-                        <a:t>The rest of the nodes values are stored in an array </a:t>
-                      </a:r>
-                      <a:endParaRPr lang="en-CA" sz="1600" baseline="0" dirty="0" smtClean="0"/>
+                        <a:t>The rest of the nodes values are stored in an array which removes pointer overhead</a:t>
+                      </a:r>
                     </a:p>
                     <a:p>
                       <a:pPr>
@@ -6980,11 +6974,7 @@
                       </a:pPr>
                       <a:r>
                         <a:rPr lang="en-CA" sz="1600" baseline="0" dirty="0" smtClean="0"/>
-                        <a:t> Node size is aligned with cache line size to avoid </a:t>
-                      </a:r>
-                      <a:r>
-                        <a:rPr lang="en-CA" sz="1600" baseline="0" dirty="0" smtClean="0"/>
-                        <a:t>misses</a:t>
+                        <a:t> Node size is aligned with cache line size to avoid misses</a:t>
                       </a:r>
                     </a:p>
                     <a:p>
@@ -6994,7 +6984,7 @@
                       </a:pPr>
                       <a:r>
                         <a:rPr lang="en-CA" sz="1600" baseline="0" dirty="0" smtClean="0"/>
-                        <a:t> Higher usage of cached data</a:t>
+                        <a:t> Higher usage of cached data in the Binary Search Tree</a:t>
                       </a:r>
                       <a:endParaRPr lang="en-CA" sz="1600" dirty="0"/>
                     </a:p>
@@ -7983,7 +7973,6 @@
               <a:rPr lang="en-CA" dirty="0" smtClean="0"/>
               <a:t>XML-enabled DBs (E.g. SQL Server, Oracle):</a:t>
             </a:r>
-            <a:endParaRPr lang="en-CA" dirty="0" smtClean="0"/>
           </a:p>
           <a:p>
             <a:pPr lvl="1">
@@ -7992,11 +7981,7 @@
             </a:pPr>
             <a:r>
               <a:rPr lang="en-CA" dirty="0" smtClean="0"/>
-              <a:t>Maps XML documents to relational </a:t>
-            </a:r>
-            <a:r>
-              <a:rPr lang="en-CA" dirty="0" smtClean="0"/>
-              <a:t>tables</a:t>
+              <a:t>Maps XML documents to relational tables</a:t>
             </a:r>
           </a:p>
           <a:p>
@@ -8034,7 +8019,6 @@
               <a:rPr lang="en-CA" dirty="0" smtClean="0"/>
               <a:t>)</a:t>
             </a:r>
-            <a:endParaRPr lang="en-CA" dirty="0" smtClean="0"/>
           </a:p>
           <a:p>
             <a:pPr lvl="1">
@@ -8053,13 +8037,8 @@
             </a:pPr>
             <a:r>
               <a:rPr lang="en-CA" dirty="0" smtClean="0"/>
-              <a:t>Data structures store actual </a:t>
-            </a:r>
-            <a:r>
-              <a:rPr lang="en-CA" dirty="0" smtClean="0"/>
-              <a:t>XML nodes with pointers between them</a:t>
-            </a:r>
-            <a:endParaRPr lang="en-CA" dirty="0" smtClean="0"/>
+              <a:t>Data structures store actual XML nodes with pointers between them</a:t>
+            </a:r>
           </a:p>
           <a:p>
             <a:pPr lvl="1"/>
@@ -8257,7 +8236,6 @@
               <a:rPr lang="en-CA" dirty="0" smtClean="0"/>
               <a:t>XML-enabled DB </a:t>
             </a:r>
-            <a:endParaRPr lang="en-CA" dirty="0" smtClean="0"/>
           </a:p>
           <a:p>
             <a:pPr lvl="1">
@@ -8266,11 +8244,7 @@
             </a:pPr>
             <a:r>
               <a:rPr lang="en-CA" dirty="0" smtClean="0"/>
-              <a:t>Shred </a:t>
-            </a:r>
-            <a:r>
-              <a:rPr lang="en-CA" dirty="0" smtClean="0"/>
-              <a:t>XML data in a relational table with columns: ORDPATH, tag, node type, value, path ID</a:t>
+              <a:t>Shred XML data in a relational table with columns: ORDPATH, tag, node type, value, path ID</a:t>
             </a:r>
           </a:p>
           <a:p>
@@ -8445,8 +8419,8 @@
         </p:blipFill>
         <p:spPr bwMode="auto">
           <a:xfrm>
-            <a:off x="366654" y="3714752"/>
-            <a:ext cx="8420188" cy="3000396"/>
+            <a:off x="571472" y="4071942"/>
+            <a:ext cx="7579037" cy="2700666"/>
           </a:xfrm>
           <a:prstGeom prst="rect">
             <a:avLst/>
@@ -8520,14 +8494,6 @@
               <a:rPr lang="en-CA" dirty="0" smtClean="0"/>
               <a:t>Native XML DB </a:t>
             </a:r>
-            <a:r>
-              <a:rPr lang="en-CA" dirty="0" smtClean="0"/>
-              <a:t>Numbering </a:t>
-            </a:r>
-            <a:r>
-              <a:rPr lang="en-CA" dirty="0" smtClean="0"/>
-              <a:t>schema for the XML nodes</a:t>
-            </a:r>
           </a:p>
           <a:p>
             <a:pPr lvl="1">
@@ -8535,16 +8501,42 @@
               <a:buChar char="•"/>
             </a:pPr>
             <a:r>
+              <a:rPr lang="en-CA" dirty="0" smtClean="0"/>
+              <a:t>Index for document collections</a:t>
+            </a:r>
+          </a:p>
+          <a:p>
+            <a:pPr lvl="1">
+              <a:buFont typeface="Arial" pitchFamily="34" charset="0"/>
+              <a:buChar char="•"/>
+            </a:pPr>
+            <a:r>
+              <a:rPr lang="en-CA" dirty="0" smtClean="0"/>
+              <a:t>Index for nodes</a:t>
+            </a:r>
+          </a:p>
+          <a:p>
+            <a:pPr lvl="2">
+              <a:buFont typeface="Arial" pitchFamily="34" charset="0"/>
+              <a:buChar char="•"/>
+            </a:pPr>
+            <a:r>
+              <a:rPr lang="en-CA" dirty="0" smtClean="0"/>
+              <a:t>Numbering schema for the XML nodes</a:t>
+            </a:r>
+          </a:p>
+          <a:p>
+            <a:pPr lvl="2">
+              <a:buFont typeface="Arial" pitchFamily="34" charset="0"/>
+              <a:buChar char="•"/>
+            </a:pPr>
+            <a:r>
               <a:rPr lang="en-CA" dirty="0" err="1" smtClean="0"/>
               <a:t>B+tree</a:t>
             </a:r>
             <a:r>
               <a:rPr lang="en-CA" dirty="0" smtClean="0"/>
-              <a:t> (or variations) </a:t>
-            </a:r>
-            <a:r>
-              <a:rPr lang="en-CA" dirty="0" smtClean="0"/>
-              <a:t>used on the numbered nodes</a:t>
+              <a:t> (or variations) used on the numbered nodes</a:t>
             </a:r>
           </a:p>
           <a:p>
@@ -8900,7 +8892,11 @@
             </a:pPr>
             <a:r>
               <a:rPr lang="en-CA" dirty="0" smtClean="0"/>
-              <a:t>Through inlining</a:t>
+              <a:t>Through </a:t>
+            </a:r>
+            <a:r>
+              <a:rPr lang="en-CA" dirty="0" err="1" smtClean="0"/>
+              <a:t>inlining</a:t>
             </a:r>
             <a:endParaRPr lang="en-CA" dirty="0"/>
           </a:p>
@@ -9970,15 +9966,7 @@
             </a:pPr>
             <a:r>
               <a:rPr lang="en-CA" sz="2600" dirty="0" smtClean="0"/>
-              <a:t>The fact table </a:t>
-            </a:r>
-            <a:r>
-              <a:rPr lang="en-CA" sz="2600" dirty="0" smtClean="0"/>
-              <a:t>in the star schema participates </a:t>
-            </a:r>
-            <a:r>
-              <a:rPr lang="en-CA" sz="2600" dirty="0" smtClean="0"/>
-              <a:t>in every join</a:t>
+              <a:t>The fact table in the star schema participates in every join</a:t>
             </a:r>
           </a:p>
         </p:txBody>
@@ -10329,13 +10317,8 @@
                       </a:pPr>
                       <a:r>
                         <a:rPr lang="en-CA" sz="1600" baseline="0" dirty="0" smtClean="0"/>
-                        <a:t> Records are stored according to </a:t>
-                      </a:r>
-                      <a:r>
-                        <a:rPr lang="en-CA" sz="1600" baseline="0" dirty="0" smtClean="0"/>
-                        <a:t>Z-order</a:t>
-                      </a:r>
-                      <a:endParaRPr lang="en-CA" sz="1600" baseline="0" dirty="0" smtClean="0"/>
+                        <a:t> Records are stored according to Z-order</a:t>
+                      </a:r>
                     </a:p>
                     <a:p>
                       <a:pPr>
@@ -10372,9 +10355,13 @@
                       </a:r>
                       <a:r>
                         <a:rPr lang="en-CA" sz="1600" baseline="0" dirty="0" smtClean="0"/>
-                        <a:t> for point and interval queries</a:t>
-                      </a:r>
-                      <a:endParaRPr lang="en-CA" sz="1600" dirty="0"/>
+                        <a:t> for point and </a:t>
+                      </a:r>
+                      <a:r>
+                        <a:rPr lang="en-CA" sz="1600" baseline="0" smtClean="0"/>
+                        <a:t>interval queries</a:t>
+                      </a:r>
+                      <a:endParaRPr lang="en-CA" sz="1600" baseline="0" dirty="0" smtClean="0"/>
                     </a:p>
                   </a:txBody>
                   <a:tcPr/>
@@ -10392,21 +10379,6 @@
                         <a:rPr lang="en-CA" sz="1600" dirty="0" smtClean="0"/>
                         <a:t> Poor performance with low cardinality attributes</a:t>
                       </a:r>
-                    </a:p>
-                    <a:p>
-                      <a:pPr>
-                        <a:buFont typeface="Arial" pitchFamily="34" charset="0"/>
-                        <a:buChar char="•"/>
-                      </a:pPr>
-                      <a:r>
-                        <a:rPr lang="en-CA" sz="1600" dirty="0" smtClean="0"/>
-                        <a:t> More I/O operations (result</a:t>
-                      </a:r>
-                      <a:r>
-                        <a:rPr lang="en-CA" sz="1600" baseline="0" dirty="0" smtClean="0"/>
-                        <a:t> ordered by key values)</a:t>
-                      </a:r>
-                      <a:endParaRPr lang="en-CA" sz="1600" dirty="0"/>
                     </a:p>
                   </a:txBody>
                   <a:tcPr/>
@@ -11876,7 +11848,19 @@
                     <a:p>
                       <a:r>
                         <a:rPr lang="en-CA" sz="1400" dirty="0" smtClean="0"/>
-                        <a:t>Horizontal &amp; single vertical partitioning</a:t>
+                        <a:t>Horizontal </a:t>
+                      </a:r>
+                      <a:r>
+                        <a:rPr lang="en-CA" sz="1400" smtClean="0"/>
+                        <a:t>&amp; </a:t>
+                      </a:r>
+                      <a:r>
+                        <a:rPr lang="en-CA" sz="1400" smtClean="0"/>
+                        <a:t>vertical </a:t>
+                      </a:r>
+                      <a:r>
+                        <a:rPr lang="en-CA" sz="1400" dirty="0" smtClean="0"/>
+                        <a:t>partitioning</a:t>
                       </a:r>
                       <a:endParaRPr lang="en-CA" sz="1400" dirty="0"/>
                     </a:p>

--- a/trunk/cs848-db/PhysDesignPres.pptx
+++ b/trunk/cs848-db/PhysDesignPres.pptx
@@ -8665,7 +8665,11 @@
           <a:p>
             <a:r>
               <a:rPr lang="en-CA" sz="3300" dirty="0" smtClean="0"/>
-              <a:t>XML DB</a:t>
+              <a:t>XML </a:t>
+            </a:r>
+            <a:r>
+              <a:rPr lang="en-CA" sz="3300" dirty="0" smtClean="0"/>
+              <a:t>DBs</a:t>
             </a:r>
             <a:r>
               <a:rPr lang="en-CA" dirty="0" smtClean="0"/>
@@ -8838,7 +8842,11 @@
           <a:p>
             <a:r>
               <a:rPr lang="en-CA" sz="3300" dirty="0" smtClean="0"/>
-              <a:t>XML DB</a:t>
+              <a:t>XML </a:t>
+            </a:r>
+            <a:r>
+              <a:rPr lang="en-CA" sz="3300" dirty="0" smtClean="0"/>
+              <a:t>DBs</a:t>
             </a:r>
             <a:r>
               <a:rPr lang="en-CA" dirty="0" smtClean="0"/>
@@ -11852,11 +11860,7 @@
                       </a:r>
                       <a:r>
                         <a:rPr lang="en-CA" sz="1400" smtClean="0"/>
-                        <a:t>&amp; </a:t>
-                      </a:r>
-                      <a:r>
-                        <a:rPr lang="en-CA" sz="1400" smtClean="0"/>
-                        <a:t>vertical </a:t>
+                        <a:t>&amp; vertical </a:t>
                       </a:r>
                       <a:r>
                         <a:rPr lang="en-CA" sz="1400" dirty="0" smtClean="0"/>
